--- a/毕业答辩.pptx
+++ b/毕业答辩.pptx
@@ -153,6 +153,11 @@
       </a:defRPr>
     </a:lvl9pPr>
   </p:defaultTextStyle>
+  <p:extLst>
+    <p:ext uri="{EFAFB233-063F-42B5-8137-9DF3F51BA10A}">
+      <p15:sldGuideLst xmlns:p15="http://schemas.microsoft.com/office/powerpoint/2012/main"/>
+    </p:ext>
+  </p:extLst>
 </p:presentation>
 </file>
 
@@ -5752,20 +5757,27 @@
               </a:lnSpc>
             </a:pPr>
             <a:r>
-              <a:rPr lang="zh-CN" sz="3200">
+              <a:rPr lang="zh-CN" altLang="en-US" sz="3200" dirty="0">
                 <a:latin typeface="华文中宋"/>
                 <a:ea typeface="华文中宋"/>
               </a:rPr>
-              <a:t>研究问题</a:t>
-            </a:r>
-            <a:r>
-              <a:rPr lang="en-US" sz="3200">
+              <a:t>提出</a:t>
+            </a:r>
+            <a:r>
+              <a:rPr lang="zh-CN" sz="3200" dirty="0">
                 <a:latin typeface="华文中宋"/>
                 <a:ea typeface="华文中宋"/>
               </a:rPr>
+              <a:t>研究问题</a:t>
+            </a:r>
+            <a:r>
+              <a:rPr lang="en-US" sz="3200" dirty="0">
+                <a:latin typeface="华文中宋"/>
+                <a:ea typeface="华文中宋"/>
+              </a:rPr>
               <a:t>——YARN</a:t>
             </a:r>
-            <a:endParaRPr/>
+            <a:endParaRPr dirty="0"/>
           </a:p>
         </p:txBody>
       </p:sp>
@@ -6187,20 +6199,27 @@
               </a:lnSpc>
             </a:pPr>
             <a:r>
-              <a:rPr lang="zh-CN" sz="3200">
+              <a:rPr lang="zh-CN" altLang="en-US" sz="3200" dirty="0">
                 <a:latin typeface="华文中宋"/>
                 <a:ea typeface="华文中宋"/>
               </a:rPr>
-              <a:t>研究问题</a:t>
-            </a:r>
-            <a:r>
-              <a:rPr lang="en-US" sz="3200">
+              <a:t>提出</a:t>
+            </a:r>
+            <a:r>
+              <a:rPr lang="zh-CN" sz="3200" dirty="0">
                 <a:latin typeface="华文中宋"/>
                 <a:ea typeface="华文中宋"/>
               </a:rPr>
+              <a:t>研究问题</a:t>
+            </a:r>
+            <a:r>
+              <a:rPr lang="en-US" sz="3200" dirty="0">
+                <a:latin typeface="华文中宋"/>
+                <a:ea typeface="华文中宋"/>
+              </a:rPr>
               <a:t>——YARN</a:t>
             </a:r>
-            <a:endParaRPr/>
+            <a:endParaRPr dirty="0"/>
           </a:p>
         </p:txBody>
       </p:sp>
@@ -6436,7 +6455,7 @@
         <p:spPr>
           <a:xfrm>
             <a:off x="3132000" y="4200480"/>
-            <a:ext cx="2519640" cy="459720"/>
+            <a:ext cx="2519640" cy="803782"/>
           </a:xfrm>
           <a:prstGeom prst="rect">
             <a:avLst/>
@@ -6470,7 +6489,7 @@
               </a:lnSpc>
             </a:pPr>
             <a:r>
-              <a:rPr lang="en-US" sz="2400" b="1">
+              <a:rPr lang="en-US" sz="2400" b="1" dirty="0">
                 <a:solidFill>
                   <a:srgbClr val="0D0D0D"/>
                 </a:solidFill>
@@ -6480,7 +6499,7 @@
               <a:t>YARN</a:t>
             </a:r>
             <a:r>
-              <a:rPr lang="zh-CN" sz="2400" b="1">
+              <a:rPr lang="zh-CN" sz="2400" b="1" dirty="0">
                 <a:solidFill>
                   <a:srgbClr val="0D0D0D"/>
                 </a:solidFill>
@@ -6489,7 +6508,7 @@
               </a:rPr>
               <a:t>改进的必要性</a:t>
             </a:r>
-            <a:endParaRPr/>
+            <a:endParaRPr dirty="0"/>
           </a:p>
         </p:txBody>
       </p:sp>
@@ -6503,7 +6522,7 @@
       <p:par>
         <p:cTn id="1" dur="indefinite" restart="never" nodeType="tmRoot">
           <p:childTnLst>
-            <p:seq>
+            <p:seq concurrent="1" nextAc="seek">
               <p:cTn id="2" dur="indefinite" nodeType="mainSeq">
                 <p:childTnLst>
                   <p:par>
@@ -6628,12 +6647,12 @@
                                       <p:tavLst>
                                         <p:tav tm="0">
                                           <p:val>
-                                            <p:strVal val="#ppt_x"/>
+                                            <p:strVal val="ppt_x"/>
                                           </p:val>
                                         </p:tav>
                                         <p:tav tm="100000">
                                           <p:val>
-                                            <p:strVal val="#ppt_x"/>
+                                            <p:strVal val="ppt_x"/>
                                           </p:val>
                                         </p:tav>
                                       </p:tavLst>
@@ -6651,12 +6670,12 @@
                                       <p:tavLst>
                                         <p:tav tm="0">
                                           <p:val>
-                                            <p:strVal val="#ppt_y"/>
+                                            <p:strVal val="ppt_y"/>
                                           </p:val>
                                         </p:tav>
                                         <p:tav tm="100000">
                                           <p:val>
-                                            <p:strVal val="1+#ppt_h/2"/>
+                                            <p:strVal val="1+ppt_h/2"/>
                                           </p:val>
                                         </p:tav>
                                       </p:tavLst>
@@ -6715,8 +6734,8 @@
                                         <p:strVal val="visible"/>
                                       </p:to>
                                     </p:set>
-                                    <p:animEffect transition="out" filter="barn(inVertical)">
-                                      <p:cBhvr additive="repl">
+                                    <p:animEffect transition="in" filter="barn(inVertical)">
+                                      <p:cBhvr>
                                         <p:cTn id="18" dur="500"/>
                                         <p:tgtEl>
                                           <p:spTgt spid="162"/>
@@ -6750,8 +6769,8 @@
                                     <p:cond delay="0"/>
                                   </p:stCondLst>
                                   <p:childTnLst>
-                                    <p:animEffect transition="in" filter="randombar(horizontal)">
-                                      <p:cBhvr additive="repl">
+                                    <p:animEffect transition="out" filter="randombar(horizontal)">
+                                      <p:cBhvr>
                                         <p:cTn id="22" dur="500"/>
                                         <p:tgtEl>
                                           <p:spTgt spid="162"/>
@@ -6798,7 +6817,7 @@
                             </p:stCondLst>
                             <p:childTnLst>
                               <p:par>
-                                <p:cTn id="26" presetID="14" presetClass="entr" presetSubtype="10" fill="hold" nodeType="clickEffect">
+                                <p:cTn id="26" presetID="1" presetClass="entr" presetSubtype="0" fill="hold" grpId="0" nodeType="clickEffect">
                                   <p:stCondLst>
                                     <p:cond delay="0"/>
                                   </p:stCondLst>
@@ -6821,11 +6840,2237 @@
                                         <p:strVal val="visible"/>
                                       </p:to>
                                     </p:set>
-                                    <p:animEffect transition="in" filter="randombar(horizontal)">
-                                      <p:cBhvr additive="repl">
-                                        <p:cTn id="28" dur="500"/>
+                                  </p:childTnLst>
+                                </p:cTn>
+                              </p:par>
+                              <p:par>
+                                <p:cTn id="28" presetID="6" presetClass="emph" presetSubtype="0" fill="hold" grpId="1" nodeType="withEffect">
+                                  <p:stCondLst>
+                                    <p:cond delay="0"/>
+                                  </p:stCondLst>
+                                  <p:childTnLst>
+                                    <p:animScale>
+                                      <p:cBhvr>
+                                        <p:cTn id="29" dur="2000" fill="hold"/>
                                         <p:tgtEl>
                                           <p:spTgt spid="163"/>
+                                        </p:tgtEl>
+                                      </p:cBhvr>
+                                      <p:by x="150000" y="150000"/>
+                                    </p:animScale>
+                                  </p:childTnLst>
+                                </p:cTn>
+                              </p:par>
+                            </p:childTnLst>
+                          </p:cTn>
+                        </p:par>
+                      </p:childTnLst>
+                    </p:cTn>
+                  </p:par>
+                </p:childTnLst>
+              </p:cTn>
+              <p:prevCondLst>
+                <p:cond evt="onPrev" delay="0">
+                  <p:tgtEl>
+                    <p:sldTgt/>
+                  </p:tgtEl>
+                </p:cond>
+              </p:prevCondLst>
+              <p:nextCondLst>
+                <p:cond evt="onNext" delay="0">
+                  <p:tgtEl>
+                    <p:sldTgt/>
+                  </p:tgtEl>
+                </p:cond>
+              </p:nextCondLst>
+            </p:seq>
+          </p:childTnLst>
+        </p:cTn>
+      </p:par>
+    </p:tnLst>
+    <p:bldLst>
+      <p:bldP spid="163" grpId="0" animBg="1"/>
+      <p:bldP spid="163" grpId="1" animBg="1"/>
+    </p:bldLst>
+  </p:timing>
+</p:sld>
+</file>
+
+<file path=ppt/slides/slide14.xml><?xml version="1.0" encoding="utf-8"?>
+<p:sld xmlns:a="http://schemas.openxmlformats.org/drawingml/2006/main" xmlns:r="http://schemas.openxmlformats.org/officeDocument/2006/relationships" xmlns:p="http://schemas.openxmlformats.org/presentationml/2006/main">
+  <p:cSld>
+    <p:spTree>
+      <p:nvGrpSpPr>
+        <p:cNvPr id="1" name=""/>
+        <p:cNvGrpSpPr/>
+        <p:nvPr/>
+      </p:nvGrpSpPr>
+      <p:grpSpPr>
+        <a:xfrm>
+          <a:off x="0" y="0"/>
+          <a:ext cx="0" cy="0"/>
+          <a:chOff x="0" y="0"/>
+          <a:chExt cx="0" cy="0"/>
+        </a:xfrm>
+      </p:grpSpPr>
+      <p:sp>
+        <p:nvSpPr>
+          <p:cNvPr id="164" name="TextShape 1"/>
+          <p:cNvSpPr txBox="1"/>
+          <p:nvPr/>
+        </p:nvSpPr>
+        <p:spPr>
+          <a:xfrm>
+            <a:off x="1042920" y="404280"/>
+            <a:ext cx="5616720" cy="576360"/>
+          </a:xfrm>
+          <a:prstGeom prst="rect">
+            <a:avLst/>
+          </a:prstGeom>
+          <a:noFill/>
+          <a:ln>
+            <a:noFill/>
+          </a:ln>
+        </p:spPr>
+        <p:txBody>
+          <a:bodyPr anchor="b"/>
+          <a:lstStyle/>
+          <a:p>
+            <a:pPr algn="ctr">
+              <a:lnSpc>
+                <a:spcPct val="100000"/>
+              </a:lnSpc>
+            </a:pPr>
+            <a:r>
+              <a:rPr lang="zh-CN" altLang="en-US" sz="3200" dirty="0">
+                <a:latin typeface="华文中宋"/>
+                <a:ea typeface="华文中宋"/>
+              </a:rPr>
+              <a:t>提出</a:t>
+            </a:r>
+            <a:r>
+              <a:rPr lang="zh-CN" sz="3200" dirty="0">
+                <a:latin typeface="华文中宋"/>
+                <a:ea typeface="华文中宋"/>
+              </a:rPr>
+              <a:t>研究问题</a:t>
+            </a:r>
+            <a:r>
+              <a:rPr lang="en-US" sz="3200" dirty="0">
+                <a:latin typeface="华文中宋"/>
+                <a:ea typeface="华文中宋"/>
+              </a:rPr>
+              <a:t>——PKTM</a:t>
+            </a:r>
+            <a:endParaRPr dirty="0"/>
+          </a:p>
+        </p:txBody>
+      </p:sp>
+      <p:sp>
+        <p:nvSpPr>
+          <p:cNvPr id="165" name="TextShape 2"/>
+          <p:cNvSpPr txBox="1"/>
+          <p:nvPr/>
+        </p:nvSpPr>
+        <p:spPr>
+          <a:xfrm>
+            <a:off x="468000" y="1436400"/>
+            <a:ext cx="8142120" cy="4584600"/>
+          </a:xfrm>
+          <a:prstGeom prst="rect">
+            <a:avLst/>
+          </a:prstGeom>
+          <a:noFill/>
+          <a:ln>
+            <a:noFill/>
+          </a:ln>
+        </p:spPr>
+        <p:txBody>
+          <a:bodyPr/>
+          <a:lstStyle/>
+          <a:p>
+            <a:pPr>
+              <a:lnSpc>
+                <a:spcPct val="100000"/>
+              </a:lnSpc>
+              <a:buSzPct val="70000"/>
+              <a:buFont typeface="Wingdings" charset="2"/>
+              <a:buChar char=""/>
+            </a:pPr>
+            <a:r>
+              <a:rPr lang="en-US" sz="2800" dirty="0">
+                <a:latin typeface="华文楷体"/>
+                <a:ea typeface="华文楷体"/>
+              </a:rPr>
+              <a:t>CPU</a:t>
+            </a:r>
+            <a:r>
+              <a:rPr lang="zh-CN" sz="2800" dirty="0">
+                <a:latin typeface="华文楷体"/>
+                <a:ea typeface="华文楷体"/>
+              </a:rPr>
+              <a:t>算法缺点：</a:t>
+            </a:r>
+            <a:endParaRPr dirty="0"/>
+          </a:p>
+          <a:p>
+            <a:pPr lvl="1">
+              <a:lnSpc>
+                <a:spcPct val="100000"/>
+              </a:lnSpc>
+              <a:buSzPct val="65000"/>
+              <a:buFont typeface="Wingdings" charset="2"/>
+              <a:buChar char=""/>
+            </a:pPr>
+            <a:r>
+              <a:rPr lang="en-US" sz="2400" dirty="0">
+                <a:latin typeface="华文楷体"/>
+                <a:ea typeface="华文楷体"/>
+              </a:rPr>
+              <a:t>1.</a:t>
+            </a:r>
+            <a:r>
+              <a:rPr lang="zh-CN" sz="2800" b="1" dirty="0">
+                <a:latin typeface="华文中宋"/>
+                <a:ea typeface="华文中宋"/>
+              </a:rPr>
+              <a:t>数据量庞大</a:t>
+            </a:r>
+            <a:endParaRPr lang="en-US" altLang="zh-CN" sz="2800" b="1" dirty="0">
+              <a:latin typeface="华文中宋"/>
+              <a:ea typeface="华文中宋"/>
+            </a:endParaRPr>
+          </a:p>
+          <a:p>
+            <a:pPr lvl="1">
+              <a:lnSpc>
+                <a:spcPct val="100000"/>
+              </a:lnSpc>
+              <a:buSzPct val="65000"/>
+              <a:buFont typeface="Wingdings" charset="2"/>
+              <a:buChar char=""/>
+            </a:pPr>
+            <a:r>
+              <a:rPr lang="en-US" sz="2400" dirty="0">
+                <a:latin typeface="华文楷体"/>
+                <a:ea typeface="华文楷体"/>
+              </a:rPr>
+              <a:t>2.</a:t>
+            </a:r>
+            <a:r>
+              <a:rPr lang="zh-CN" sz="2800" b="1" dirty="0">
+                <a:latin typeface="华文中宋"/>
+                <a:ea typeface="华文中宋"/>
+              </a:rPr>
+              <a:t>时间复杂度</a:t>
+            </a:r>
+            <a:endParaRPr lang="en-US" altLang="zh-CN" sz="2800" b="1" dirty="0">
+              <a:latin typeface="华文中宋"/>
+              <a:ea typeface="华文中宋"/>
+            </a:endParaRPr>
+          </a:p>
+          <a:p>
+            <a:pPr lvl="1">
+              <a:lnSpc>
+                <a:spcPct val="100000"/>
+              </a:lnSpc>
+              <a:buSzPct val="65000"/>
+              <a:buFont typeface="Wingdings" charset="2"/>
+              <a:buChar char=""/>
+            </a:pPr>
+            <a:endParaRPr lang="en-US" sz="2800" b="1" dirty="0">
+              <a:latin typeface="华文中宋"/>
+              <a:ea typeface="华文中宋"/>
+            </a:endParaRPr>
+          </a:p>
+          <a:p>
+            <a:pPr lvl="1">
+              <a:lnSpc>
+                <a:spcPct val="100000"/>
+              </a:lnSpc>
+              <a:buSzPct val="65000"/>
+              <a:buFont typeface="Wingdings" charset="2"/>
+              <a:buChar char=""/>
+            </a:pPr>
+            <a:endParaRPr dirty="0"/>
+          </a:p>
+          <a:p>
+            <a:pPr>
+              <a:lnSpc>
+                <a:spcPct val="100000"/>
+              </a:lnSpc>
+              <a:buSzPct val="70000"/>
+              <a:buFont typeface="Wingdings" charset="2"/>
+              <a:buChar char=""/>
+            </a:pPr>
+            <a:r>
+              <a:rPr lang="en-US" sz="3200" dirty="0">
+                <a:latin typeface="华文中宋"/>
+                <a:ea typeface="华文中宋"/>
+              </a:rPr>
+              <a:t>PKTM</a:t>
+            </a:r>
+            <a:r>
+              <a:rPr lang="zh-CN" sz="3200" dirty="0">
+                <a:latin typeface="华文中宋"/>
+                <a:ea typeface="华文中宋"/>
+              </a:rPr>
+              <a:t>并行算法：</a:t>
+            </a:r>
+            <a:r>
+              <a:rPr lang="zh-CN" sz="2800" dirty="0">
+                <a:latin typeface="华文楷体"/>
+                <a:ea typeface="华文楷体"/>
+              </a:rPr>
+              <a:t> </a:t>
+            </a:r>
+            <a:endParaRPr dirty="0"/>
+          </a:p>
+          <a:p>
+            <a:pPr lvl="1">
+              <a:lnSpc>
+                <a:spcPct val="100000"/>
+              </a:lnSpc>
+              <a:buSzPct val="65000"/>
+              <a:buFont typeface="Wingdings" charset="2"/>
+              <a:buChar char=""/>
+            </a:pPr>
+            <a:r>
+              <a:rPr lang="en-US" sz="2400" dirty="0">
+                <a:latin typeface="华文楷体"/>
+                <a:ea typeface="华文楷体"/>
+              </a:rPr>
+              <a:t>GPU </a:t>
+            </a:r>
+            <a:r>
+              <a:rPr lang="zh-CN" sz="2400" dirty="0">
+                <a:latin typeface="华文楷体"/>
+                <a:ea typeface="华文楷体"/>
+              </a:rPr>
+              <a:t>（</a:t>
+            </a:r>
+            <a:r>
+              <a:rPr lang="en-US" sz="2400" dirty="0" err="1">
+                <a:latin typeface="华文楷体"/>
+                <a:ea typeface="华文楷体"/>
+              </a:rPr>
+              <a:t>Cuda</a:t>
+            </a:r>
+            <a:r>
+              <a:rPr lang="zh-CN" sz="2400" dirty="0">
+                <a:latin typeface="华文楷体"/>
+                <a:ea typeface="华文楷体"/>
+              </a:rPr>
+              <a:t>）</a:t>
+            </a:r>
+            <a:endParaRPr dirty="0"/>
+          </a:p>
+          <a:p>
+            <a:pPr lvl="1">
+              <a:lnSpc>
+                <a:spcPct val="100000"/>
+              </a:lnSpc>
+              <a:buSzPct val="65000"/>
+              <a:buFont typeface="Wingdings" charset="2"/>
+              <a:buChar char=""/>
+            </a:pPr>
+            <a:r>
+              <a:rPr lang="en-US" sz="2800" b="1" dirty="0">
+                <a:latin typeface="华文楷体"/>
+                <a:ea typeface="华文楷体"/>
+              </a:rPr>
+              <a:t>MPI</a:t>
+            </a:r>
+            <a:endParaRPr dirty="0"/>
+          </a:p>
+          <a:p>
+            <a:pPr lvl="1">
+              <a:lnSpc>
+                <a:spcPct val="100000"/>
+              </a:lnSpc>
+            </a:pPr>
+            <a:endParaRPr dirty="0"/>
+          </a:p>
+        </p:txBody>
+      </p:sp>
+      <p:sp>
+        <p:nvSpPr>
+          <p:cNvPr id="166" name="CustomShape 3"/>
+          <p:cNvSpPr/>
+          <p:nvPr/>
+        </p:nvSpPr>
+        <p:spPr>
+          <a:xfrm>
+            <a:off x="7524720" y="6284880"/>
+            <a:ext cx="933480" cy="457200"/>
+          </a:xfrm>
+          <a:prstGeom prst="rect">
+            <a:avLst/>
+          </a:prstGeom>
+          <a:noFill/>
+          <a:ln>
+            <a:noFill/>
+          </a:ln>
+        </p:spPr>
+        <p:style>
+          <a:lnRef idx="0">
+            <a:scrgbClr r="0" g="0" b="0"/>
+          </a:lnRef>
+          <a:fillRef idx="0">
+            <a:scrgbClr r="0" g="0" b="0"/>
+          </a:fillRef>
+          <a:effectRef idx="0">
+            <a:scrgbClr r="0" g="0" b="0"/>
+          </a:effectRef>
+          <a:fontRef idx="minor"/>
+        </p:style>
+        <p:txBody>
+          <a:bodyPr lIns="90000" tIns="46800" rIns="90000" bIns="46800"/>
+          <a:lstStyle/>
+          <a:p>
+            <a:pPr algn="r">
+              <a:lnSpc>
+                <a:spcPct val="100000"/>
+              </a:lnSpc>
+            </a:pPr>
+            <a:fld id="{7AD22AF1-DAA9-493D-8A16-7986952DE1D0}" type="slidenum">
+              <a:rPr lang="en-US" sz="1600">
+                <a:latin typeface="Arial"/>
+              </a:rPr>
+              <a:t>14</a:t>
+            </a:fld>
+            <a:endParaRPr/>
+          </a:p>
+        </p:txBody>
+      </p:sp>
+      <p:sp>
+        <p:nvSpPr>
+          <p:cNvPr id="167" name="CustomShape 4"/>
+          <p:cNvSpPr/>
+          <p:nvPr/>
+        </p:nvSpPr>
+        <p:spPr>
+          <a:xfrm>
+            <a:off x="4348178" y="2397469"/>
+            <a:ext cx="2808000" cy="825480"/>
+          </a:xfrm>
+          <a:prstGeom prst="rect">
+            <a:avLst/>
+          </a:prstGeom>
+          <a:solidFill>
+            <a:srgbClr val="CCFFCC"/>
+          </a:solidFill>
+          <a:ln>
+            <a:noFill/>
+          </a:ln>
+        </p:spPr>
+        <p:style>
+          <a:lnRef idx="0">
+            <a:scrgbClr r="0" g="0" b="0"/>
+          </a:lnRef>
+          <a:fillRef idx="0">
+            <a:scrgbClr r="0" g="0" b="0"/>
+          </a:fillRef>
+          <a:effectRef idx="0">
+            <a:scrgbClr r="0" g="0" b="0"/>
+          </a:effectRef>
+          <a:fontRef idx="minor"/>
+        </p:style>
+        <p:txBody>
+          <a:bodyPr lIns="90000" tIns="46800" rIns="90000" bIns="46800"/>
+          <a:lstStyle/>
+          <a:p>
+            <a:pPr algn="ctr">
+              <a:lnSpc>
+                <a:spcPct val="100000"/>
+              </a:lnSpc>
+            </a:pPr>
+            <a:r>
+              <a:rPr lang="en-US" sz="2400" b="1" dirty="0">
+                <a:solidFill>
+                  <a:srgbClr val="0D0D0D"/>
+                </a:solidFill>
+                <a:latin typeface="华文楷体"/>
+                <a:ea typeface="华文楷体"/>
+              </a:rPr>
+              <a:t>PKTM</a:t>
+            </a:r>
+            <a:r>
+              <a:rPr lang="zh-CN" sz="2400" b="1" dirty="0">
+                <a:solidFill>
+                  <a:srgbClr val="0D0D0D"/>
+                </a:solidFill>
+                <a:latin typeface="华文楷体"/>
+                <a:ea typeface="华文楷体"/>
+              </a:rPr>
+              <a:t>分布式算法改进的必要性</a:t>
+            </a:r>
+            <a:endParaRPr dirty="0"/>
+          </a:p>
+        </p:txBody>
+      </p:sp>
+    </p:spTree>
+  </p:cSld>
+  <p:clrMapOvr>
+    <a:masterClrMapping/>
+  </p:clrMapOvr>
+  <p:timing>
+    <p:tnLst>
+      <p:par>
+        <p:cTn id="1" dur="indefinite" restart="never" nodeType="tmRoot">
+          <p:childTnLst>
+            <p:seq concurrent="1" nextAc="seek">
+              <p:cTn id="2" dur="indefinite" nodeType="mainSeq">
+                <p:childTnLst>
+                  <p:par>
+                    <p:cTn id="3" fill="hold">
+                      <p:stCondLst>
+                        <p:cond delay="indefinite"/>
+                      </p:stCondLst>
+                      <p:childTnLst>
+                        <p:par>
+                          <p:cTn id="4" fill="hold">
+                            <p:stCondLst>
+                              <p:cond delay="0"/>
+                            </p:stCondLst>
+                            <p:childTnLst>
+                              <p:par>
+                                <p:cTn id="5" presetID="16" presetClass="entr" presetSubtype="21" fill="hold" grpId="0" nodeType="clickEffect">
+                                  <p:stCondLst>
+                                    <p:cond delay="0"/>
+                                  </p:stCondLst>
+                                  <p:iterate type="lt">
+                                    <p:tmPct val="0"/>
+                                  </p:iterate>
+                                  <p:childTnLst>
+                                    <p:set>
+                                      <p:cBhvr>
+                                        <p:cTn id="6" dur="1" fill="hold">
+                                          <p:stCondLst>
+                                            <p:cond delay="0"/>
+                                          </p:stCondLst>
+                                        </p:cTn>
+                                        <p:tgtEl>
+                                          <p:spTgt spid="167"/>
+                                        </p:tgtEl>
+                                        <p:attrNameLst>
+                                          <p:attrName>style.visibility</p:attrName>
+                                        </p:attrNameLst>
+                                      </p:cBhvr>
+                                      <p:to>
+                                        <p:strVal val="visible"/>
+                                      </p:to>
+                                    </p:set>
+                                    <p:animEffect transition="in" filter="barn(inVertical)">
+                                      <p:cBhvr>
+                                        <p:cTn id="7" dur="500"/>
+                                        <p:tgtEl>
+                                          <p:spTgt spid="167"/>
+                                        </p:tgtEl>
+                                      </p:cBhvr>
+                                    </p:animEffect>
+                                  </p:childTnLst>
+                                </p:cTn>
+                              </p:par>
+                              <p:par>
+                                <p:cTn id="8" presetID="1" presetClass="emph" presetSubtype="2" fill="hold" grpId="1" nodeType="withEffect">
+                                  <p:stCondLst>
+                                    <p:cond delay="0"/>
+                                  </p:stCondLst>
+                                  <p:childTnLst>
+                                    <p:animClr clrSpc="rgb" dir="cw">
+                                      <p:cBhvr>
+                                        <p:cTn id="9" dur="2000" fill="hold"/>
+                                        <p:tgtEl>
+                                          <p:spTgt spid="167"/>
+                                        </p:tgtEl>
+                                        <p:attrNameLst>
+                                          <p:attrName>fillcolor</p:attrName>
+                                        </p:attrNameLst>
+                                      </p:cBhvr>
+                                      <p:to>
+                                        <a:schemeClr val="accent2"/>
+                                      </p:to>
+                                    </p:animClr>
+                                    <p:set>
+                                      <p:cBhvr>
+                                        <p:cTn id="10" dur="2000" fill="hold"/>
+                                        <p:tgtEl>
+                                          <p:spTgt spid="167"/>
+                                        </p:tgtEl>
+                                        <p:attrNameLst>
+                                          <p:attrName>fill.type</p:attrName>
+                                        </p:attrNameLst>
+                                      </p:cBhvr>
+                                      <p:to>
+                                        <p:strVal val="solid"/>
+                                      </p:to>
+                                    </p:set>
+                                    <p:set>
+                                      <p:cBhvr>
+                                        <p:cTn id="11" dur="2000" fill="hold"/>
+                                        <p:tgtEl>
+                                          <p:spTgt spid="167"/>
+                                        </p:tgtEl>
+                                        <p:attrNameLst>
+                                          <p:attrName>fill.on</p:attrName>
+                                        </p:attrNameLst>
+                                      </p:cBhvr>
+                                      <p:to>
+                                        <p:strVal val="true"/>
+                                      </p:to>
+                                    </p:set>
+                                  </p:childTnLst>
+                                </p:cTn>
+                              </p:par>
+                            </p:childTnLst>
+                          </p:cTn>
+                        </p:par>
+                      </p:childTnLst>
+                    </p:cTn>
+                  </p:par>
+                </p:childTnLst>
+              </p:cTn>
+              <p:prevCondLst>
+                <p:cond evt="onPrev" delay="0">
+                  <p:tgtEl>
+                    <p:sldTgt/>
+                  </p:tgtEl>
+                </p:cond>
+              </p:prevCondLst>
+              <p:nextCondLst>
+                <p:cond evt="onNext" delay="0">
+                  <p:tgtEl>
+                    <p:sldTgt/>
+                  </p:tgtEl>
+                </p:cond>
+              </p:nextCondLst>
+            </p:seq>
+          </p:childTnLst>
+        </p:cTn>
+      </p:par>
+    </p:tnLst>
+    <p:bldLst>
+      <p:bldP spid="167" grpId="0" animBg="1"/>
+      <p:bldP spid="167" grpId="1"/>
+    </p:bldLst>
+  </p:timing>
+</p:sld>
+</file>
+
+<file path=ppt/slides/slide15.xml><?xml version="1.0" encoding="utf-8"?>
+<p:sld xmlns:a="http://schemas.openxmlformats.org/drawingml/2006/main" xmlns:r="http://schemas.openxmlformats.org/officeDocument/2006/relationships" xmlns:p="http://schemas.openxmlformats.org/presentationml/2006/main">
+  <p:cSld>
+    <p:spTree>
+      <p:nvGrpSpPr>
+        <p:cNvPr id="1" name=""/>
+        <p:cNvGrpSpPr/>
+        <p:nvPr/>
+      </p:nvGrpSpPr>
+      <p:grpSpPr>
+        <a:xfrm>
+          <a:off x="0" y="0"/>
+          <a:ext cx="0" cy="0"/>
+          <a:chOff x="0" y="0"/>
+          <a:chExt cx="0" cy="0"/>
+        </a:xfrm>
+      </p:grpSpPr>
+      <p:sp>
+        <p:nvSpPr>
+          <p:cNvPr id="168" name="CustomShape 1"/>
+          <p:cNvSpPr/>
+          <p:nvPr/>
+        </p:nvSpPr>
+        <p:spPr>
+          <a:xfrm>
+            <a:off x="7524720" y="6284880"/>
+            <a:ext cx="933480" cy="457200"/>
+          </a:xfrm>
+          <a:prstGeom prst="rect">
+            <a:avLst/>
+          </a:prstGeom>
+          <a:noFill/>
+          <a:ln>
+            <a:noFill/>
+          </a:ln>
+        </p:spPr>
+        <p:style>
+          <a:lnRef idx="0">
+            <a:scrgbClr r="0" g="0" b="0"/>
+          </a:lnRef>
+          <a:fillRef idx="0">
+            <a:scrgbClr r="0" g="0" b="0"/>
+          </a:fillRef>
+          <a:effectRef idx="0">
+            <a:scrgbClr r="0" g="0" b="0"/>
+          </a:effectRef>
+          <a:fontRef idx="minor"/>
+        </p:style>
+        <p:txBody>
+          <a:bodyPr lIns="90000" tIns="46800" rIns="90000" bIns="46800"/>
+          <a:lstStyle/>
+          <a:p>
+            <a:pPr algn="r">
+              <a:lnSpc>
+                <a:spcPct val="100000"/>
+              </a:lnSpc>
+            </a:pPr>
+            <a:fld id="{ECC5B79D-4E6D-48DF-9AE5-6531F5AF5AE8}" type="slidenum">
+              <a:rPr lang="en-US" sz="1600">
+                <a:latin typeface="Arial"/>
+              </a:rPr>
+              <a:t>15</a:t>
+            </a:fld>
+            <a:endParaRPr/>
+          </a:p>
+        </p:txBody>
+      </p:sp>
+      <p:sp>
+        <p:nvSpPr>
+          <p:cNvPr id="169" name="TextShape 2"/>
+          <p:cNvSpPr txBox="1"/>
+          <p:nvPr/>
+        </p:nvSpPr>
+        <p:spPr>
+          <a:xfrm>
+            <a:off x="1042920" y="404280"/>
+            <a:ext cx="5616720" cy="576360"/>
+          </a:xfrm>
+          <a:prstGeom prst="rect">
+            <a:avLst/>
+          </a:prstGeom>
+          <a:noFill/>
+          <a:ln>
+            <a:noFill/>
+          </a:ln>
+        </p:spPr>
+        <p:txBody>
+          <a:bodyPr anchor="b"/>
+          <a:lstStyle/>
+          <a:p>
+            <a:pPr algn="ctr">
+              <a:lnSpc>
+                <a:spcPct val="100000"/>
+              </a:lnSpc>
+            </a:pPr>
+            <a:r>
+              <a:rPr lang="zh-CN" sz="3200" b="1">
+                <a:latin typeface="华文中宋"/>
+                <a:ea typeface="华文中宋"/>
+              </a:rPr>
+              <a:t>研究生课题</a:t>
+            </a:r>
+            <a:endParaRPr/>
+          </a:p>
+        </p:txBody>
+      </p:sp>
+      <p:sp>
+        <p:nvSpPr>
+          <p:cNvPr id="170" name="CustomShape 3"/>
+          <p:cNvSpPr/>
+          <p:nvPr/>
+        </p:nvSpPr>
+        <p:spPr>
+          <a:xfrm>
+            <a:off x="1392120" y="2235240"/>
+            <a:ext cx="1871640" cy="459720"/>
+          </a:xfrm>
+          <a:prstGeom prst="rect">
+            <a:avLst/>
+          </a:prstGeom>
+          <a:gradFill>
+            <a:gsLst>
+              <a:gs pos="0">
+                <a:srgbClr val="C1C198"/>
+              </a:gs>
+              <a:gs pos="100000">
+                <a:srgbClr val="A9A975"/>
+              </a:gs>
+            </a:gsLst>
+            <a:lin ang="5400000"/>
+          </a:gradFill>
+          <a:ln>
+            <a:noFill/>
+          </a:ln>
+        </p:spPr>
+        <p:style>
+          <a:lnRef idx="0">
+            <a:scrgbClr r="0" g="0" b="0"/>
+          </a:lnRef>
+          <a:fillRef idx="0">
+            <a:scrgbClr r="0" g="0" b="0"/>
+          </a:fillRef>
+          <a:effectRef idx="0">
+            <a:scrgbClr r="0" g="0" b="0"/>
+          </a:effectRef>
+          <a:fontRef idx="minor"/>
+        </p:style>
+        <p:txBody>
+          <a:bodyPr lIns="90000" tIns="46800" rIns="90000" bIns="46800"/>
+          <a:lstStyle/>
+          <a:p>
+            <a:pPr algn="ctr">
+              <a:lnSpc>
+                <a:spcPct val="100000"/>
+              </a:lnSpc>
+            </a:pPr>
+            <a:r>
+              <a:rPr lang="zh-CN" sz="2400">
+                <a:solidFill>
+                  <a:srgbClr val="000000"/>
+                </a:solidFill>
+                <a:latin typeface="华文中宋"/>
+                <a:ea typeface="华文中宋"/>
+              </a:rPr>
+              <a:t>研究背景</a:t>
+            </a:r>
+            <a:endParaRPr/>
+          </a:p>
+        </p:txBody>
+      </p:sp>
+      <p:sp>
+        <p:nvSpPr>
+          <p:cNvPr id="171" name="CustomShape 4"/>
+          <p:cNvSpPr/>
+          <p:nvPr/>
+        </p:nvSpPr>
+        <p:spPr>
+          <a:xfrm>
+            <a:off x="1392120" y="2955960"/>
+            <a:ext cx="1871640" cy="459720"/>
+          </a:xfrm>
+          <a:prstGeom prst="rect">
+            <a:avLst/>
+          </a:prstGeom>
+          <a:gradFill>
+            <a:gsLst>
+              <a:gs pos="0">
+                <a:srgbClr val="C1C198"/>
+              </a:gs>
+              <a:gs pos="100000">
+                <a:srgbClr val="A9A975"/>
+              </a:gs>
+            </a:gsLst>
+            <a:lin ang="5400000"/>
+          </a:gradFill>
+          <a:ln>
+            <a:noFill/>
+          </a:ln>
+        </p:spPr>
+        <p:style>
+          <a:lnRef idx="0">
+            <a:scrgbClr r="0" g="0" b="0"/>
+          </a:lnRef>
+          <a:fillRef idx="0">
+            <a:scrgbClr r="0" g="0" b="0"/>
+          </a:fillRef>
+          <a:effectRef idx="0">
+            <a:scrgbClr r="0" g="0" b="0"/>
+          </a:effectRef>
+          <a:fontRef idx="minor"/>
+        </p:style>
+        <p:txBody>
+          <a:bodyPr lIns="90000" tIns="46800" rIns="90000" bIns="46800"/>
+          <a:lstStyle/>
+          <a:p>
+            <a:pPr algn="ctr">
+              <a:lnSpc>
+                <a:spcPct val="100000"/>
+              </a:lnSpc>
+            </a:pPr>
+            <a:r>
+              <a:rPr lang="zh-CN" sz="2400">
+                <a:solidFill>
+                  <a:srgbClr val="000000"/>
+                </a:solidFill>
+                <a:latin typeface="华文中宋"/>
+                <a:ea typeface="华文中宋"/>
+              </a:rPr>
+              <a:t>研究问题</a:t>
+            </a:r>
+            <a:endParaRPr/>
+          </a:p>
+        </p:txBody>
+      </p:sp>
+      <p:sp>
+        <p:nvSpPr>
+          <p:cNvPr id="172" name="CustomShape 5"/>
+          <p:cNvSpPr/>
+          <p:nvPr/>
+        </p:nvSpPr>
+        <p:spPr>
+          <a:xfrm>
+            <a:off x="1392120" y="3676680"/>
+            <a:ext cx="1871640" cy="459720"/>
+          </a:xfrm>
+          <a:prstGeom prst="rect">
+            <a:avLst/>
+          </a:prstGeom>
+          <a:solidFill>
+            <a:srgbClr val="FFC000"/>
+          </a:solidFill>
+          <a:ln>
+            <a:noFill/>
+          </a:ln>
+        </p:spPr>
+        <p:style>
+          <a:lnRef idx="0">
+            <a:scrgbClr r="0" g="0" b="0"/>
+          </a:lnRef>
+          <a:fillRef idx="0">
+            <a:scrgbClr r="0" g="0" b="0"/>
+          </a:fillRef>
+          <a:effectRef idx="0">
+            <a:scrgbClr r="0" g="0" b="0"/>
+          </a:effectRef>
+          <a:fontRef idx="minor"/>
+        </p:style>
+        <p:txBody>
+          <a:bodyPr lIns="90000" tIns="46800" rIns="90000" bIns="46800"/>
+          <a:lstStyle/>
+          <a:p>
+            <a:pPr algn="ctr">
+              <a:lnSpc>
+                <a:spcPct val="100000"/>
+              </a:lnSpc>
+            </a:pPr>
+            <a:r>
+              <a:rPr lang="zh-CN" sz="2400">
+                <a:solidFill>
+                  <a:srgbClr val="000000"/>
+                </a:solidFill>
+                <a:latin typeface="华文中宋"/>
+                <a:ea typeface="华文中宋"/>
+              </a:rPr>
+              <a:t>相关工作</a:t>
+            </a:r>
+            <a:endParaRPr/>
+          </a:p>
+        </p:txBody>
+      </p:sp>
+      <p:sp>
+        <p:nvSpPr>
+          <p:cNvPr id="173" name="CustomShape 6"/>
+          <p:cNvSpPr/>
+          <p:nvPr/>
+        </p:nvSpPr>
+        <p:spPr>
+          <a:xfrm>
+            <a:off x="1392120" y="4437000"/>
+            <a:ext cx="1871640" cy="459720"/>
+          </a:xfrm>
+          <a:prstGeom prst="rect">
+            <a:avLst/>
+          </a:prstGeom>
+          <a:gradFill>
+            <a:gsLst>
+              <a:gs pos="0">
+                <a:srgbClr val="C1C198"/>
+              </a:gs>
+              <a:gs pos="100000">
+                <a:srgbClr val="A9A975"/>
+              </a:gs>
+            </a:gsLst>
+            <a:lin ang="5400000"/>
+          </a:gradFill>
+          <a:ln>
+            <a:noFill/>
+          </a:ln>
+        </p:spPr>
+        <p:style>
+          <a:lnRef idx="0">
+            <a:scrgbClr r="0" g="0" b="0"/>
+          </a:lnRef>
+          <a:fillRef idx="0">
+            <a:scrgbClr r="0" g="0" b="0"/>
+          </a:fillRef>
+          <a:effectRef idx="0">
+            <a:scrgbClr r="0" g="0" b="0"/>
+          </a:effectRef>
+          <a:fontRef idx="minor"/>
+        </p:style>
+        <p:txBody>
+          <a:bodyPr lIns="90000" tIns="46800" rIns="90000" bIns="46800"/>
+          <a:lstStyle/>
+          <a:p>
+            <a:pPr algn="ctr">
+              <a:lnSpc>
+                <a:spcPct val="100000"/>
+              </a:lnSpc>
+            </a:pPr>
+            <a:r>
+              <a:rPr lang="zh-CN" sz="2400">
+                <a:solidFill>
+                  <a:srgbClr val="000000"/>
+                </a:solidFill>
+                <a:latin typeface="华文中宋"/>
+                <a:ea typeface="华文中宋"/>
+              </a:rPr>
+              <a:t>自己工作</a:t>
+            </a:r>
+            <a:endParaRPr/>
+          </a:p>
+        </p:txBody>
+      </p:sp>
+      <p:sp>
+        <p:nvSpPr>
+          <p:cNvPr id="174" name="CustomShape 7"/>
+          <p:cNvSpPr/>
+          <p:nvPr/>
+        </p:nvSpPr>
+        <p:spPr>
+          <a:xfrm>
+            <a:off x="468360" y="1425600"/>
+            <a:ext cx="2016000" cy="520560"/>
+          </a:xfrm>
+          <a:prstGeom prst="rect">
+            <a:avLst/>
+          </a:prstGeom>
+          <a:gradFill>
+            <a:gsLst>
+              <a:gs pos="0">
+                <a:srgbClr val="C1C198"/>
+              </a:gs>
+              <a:gs pos="100000">
+                <a:srgbClr val="A9A975"/>
+              </a:gs>
+            </a:gsLst>
+            <a:lin ang="5400000"/>
+          </a:gradFill>
+          <a:ln>
+            <a:noFill/>
+          </a:ln>
+        </p:spPr>
+        <p:style>
+          <a:lnRef idx="0">
+            <a:scrgbClr r="0" g="0" b="0"/>
+          </a:lnRef>
+          <a:fillRef idx="0">
+            <a:scrgbClr r="0" g="0" b="0"/>
+          </a:fillRef>
+          <a:effectRef idx="0">
+            <a:scrgbClr r="0" g="0" b="0"/>
+          </a:effectRef>
+          <a:fontRef idx="minor"/>
+        </p:style>
+        <p:txBody>
+          <a:bodyPr lIns="90000" tIns="46800" rIns="90000" bIns="46800"/>
+          <a:lstStyle/>
+          <a:p>
+            <a:pPr algn="ctr">
+              <a:lnSpc>
+                <a:spcPct val="100000"/>
+              </a:lnSpc>
+            </a:pPr>
+            <a:r>
+              <a:rPr lang="zh-CN" sz="2800">
+                <a:solidFill>
+                  <a:srgbClr val="000000"/>
+                </a:solidFill>
+                <a:latin typeface="华文中宋"/>
+                <a:ea typeface="华文中宋"/>
+              </a:rPr>
+              <a:t>研究课题：</a:t>
+            </a:r>
+            <a:endParaRPr/>
+          </a:p>
+        </p:txBody>
+      </p:sp>
+      <p:sp>
+        <p:nvSpPr>
+          <p:cNvPr id="175" name="CustomShape 8"/>
+          <p:cNvSpPr/>
+          <p:nvPr/>
+        </p:nvSpPr>
+        <p:spPr>
+          <a:xfrm>
+            <a:off x="1392120" y="5227560"/>
+            <a:ext cx="1871640" cy="459720"/>
+          </a:xfrm>
+          <a:prstGeom prst="rect">
+            <a:avLst/>
+          </a:prstGeom>
+          <a:gradFill>
+            <a:gsLst>
+              <a:gs pos="0">
+                <a:srgbClr val="C1C198"/>
+              </a:gs>
+              <a:gs pos="100000">
+                <a:srgbClr val="A9A975"/>
+              </a:gs>
+            </a:gsLst>
+            <a:lin ang="5400000"/>
+          </a:gradFill>
+          <a:ln>
+            <a:noFill/>
+          </a:ln>
+        </p:spPr>
+        <p:style>
+          <a:lnRef idx="0">
+            <a:scrgbClr r="0" g="0" b="0"/>
+          </a:lnRef>
+          <a:fillRef idx="0">
+            <a:scrgbClr r="0" g="0" b="0"/>
+          </a:fillRef>
+          <a:effectRef idx="0">
+            <a:scrgbClr r="0" g="0" b="0"/>
+          </a:effectRef>
+          <a:fontRef idx="minor"/>
+        </p:style>
+        <p:txBody>
+          <a:bodyPr lIns="90000" tIns="46800" rIns="90000" bIns="46800"/>
+          <a:lstStyle/>
+          <a:p>
+            <a:pPr algn="ctr">
+              <a:lnSpc>
+                <a:spcPct val="100000"/>
+              </a:lnSpc>
+            </a:pPr>
+            <a:r>
+              <a:rPr lang="zh-CN" sz="2400">
+                <a:solidFill>
+                  <a:srgbClr val="000000"/>
+                </a:solidFill>
+                <a:latin typeface="华文中宋"/>
+                <a:ea typeface="华文中宋"/>
+              </a:rPr>
+              <a:t>总结展望</a:t>
+            </a:r>
+            <a:endParaRPr/>
+          </a:p>
+        </p:txBody>
+      </p:sp>
+    </p:spTree>
+  </p:cSld>
+  <p:clrMapOvr>
+    <a:masterClrMapping/>
+  </p:clrMapOvr>
+</p:sld>
+</file>
+
+<file path=ppt/slides/slide16.xml><?xml version="1.0" encoding="utf-8"?>
+<p:sld xmlns:a="http://schemas.openxmlformats.org/drawingml/2006/main" xmlns:r="http://schemas.openxmlformats.org/officeDocument/2006/relationships" xmlns:p="http://schemas.openxmlformats.org/presentationml/2006/main">
+  <p:cSld>
+    <p:spTree>
+      <p:nvGrpSpPr>
+        <p:cNvPr id="1" name=""/>
+        <p:cNvGrpSpPr/>
+        <p:nvPr/>
+      </p:nvGrpSpPr>
+      <p:grpSpPr>
+        <a:xfrm>
+          <a:off x="0" y="0"/>
+          <a:ext cx="0" cy="0"/>
+          <a:chOff x="0" y="0"/>
+          <a:chExt cx="0" cy="0"/>
+        </a:xfrm>
+      </p:grpSpPr>
+      <p:sp>
+        <p:nvSpPr>
+          <p:cNvPr id="176" name="TextShape 1"/>
+          <p:cNvSpPr txBox="1"/>
+          <p:nvPr/>
+        </p:nvSpPr>
+        <p:spPr>
+          <a:xfrm>
+            <a:off x="1042920" y="404280"/>
+            <a:ext cx="5616720" cy="576360"/>
+          </a:xfrm>
+          <a:prstGeom prst="rect">
+            <a:avLst/>
+          </a:prstGeom>
+          <a:noFill/>
+          <a:ln>
+            <a:noFill/>
+          </a:ln>
+        </p:spPr>
+        <p:txBody>
+          <a:bodyPr anchor="b"/>
+          <a:lstStyle/>
+          <a:p>
+            <a:pPr algn="ctr">
+              <a:lnSpc>
+                <a:spcPct val="100000"/>
+              </a:lnSpc>
+            </a:pPr>
+            <a:r>
+              <a:rPr lang="zh-CN" sz="3200">
+                <a:latin typeface="华文中宋"/>
+                <a:ea typeface="华文中宋"/>
+              </a:rPr>
+              <a:t>相关工作</a:t>
+            </a:r>
+            <a:r>
+              <a:rPr lang="en-US" sz="3200">
+                <a:latin typeface="华文中宋"/>
+                <a:ea typeface="华文中宋"/>
+              </a:rPr>
+              <a:t>——YARN</a:t>
+            </a:r>
+            <a:endParaRPr/>
+          </a:p>
+        </p:txBody>
+      </p:sp>
+      <p:sp>
+        <p:nvSpPr>
+          <p:cNvPr id="177" name="TextShape 2"/>
+          <p:cNvSpPr txBox="1"/>
+          <p:nvPr/>
+        </p:nvSpPr>
+        <p:spPr>
+          <a:xfrm>
+            <a:off x="108000" y="1196640"/>
+            <a:ext cx="8640720" cy="4824360"/>
+          </a:xfrm>
+          <a:prstGeom prst="rect">
+            <a:avLst/>
+          </a:prstGeom>
+          <a:noFill/>
+          <a:ln>
+            <a:noFill/>
+          </a:ln>
+        </p:spPr>
+        <p:txBody>
+          <a:bodyPr/>
+          <a:lstStyle/>
+          <a:p>
+            <a:pPr>
+              <a:lnSpc>
+                <a:spcPct val="100000"/>
+              </a:lnSpc>
+              <a:buSzPct val="70000"/>
+              <a:buFont typeface="Wingdings" charset="2"/>
+              <a:buChar char=""/>
+            </a:pPr>
+            <a:r>
+              <a:rPr lang="en-US" sz="2000" dirty="0">
+                <a:latin typeface="华文楷体"/>
+                <a:ea typeface="华文楷体"/>
+              </a:rPr>
+              <a:t>YARN</a:t>
+            </a:r>
+            <a:r>
+              <a:rPr lang="zh-CN" sz="2000" dirty="0">
+                <a:latin typeface="华文楷体"/>
+                <a:ea typeface="华文楷体"/>
+              </a:rPr>
+              <a:t>资源调度器相关工作：</a:t>
+            </a:r>
+            <a:endParaRPr lang="en-US" altLang="zh-CN" dirty="0"/>
+          </a:p>
+          <a:p>
+            <a:pPr lvl="1">
+              <a:buSzPct val="70000"/>
+              <a:buFont typeface="Wingdings" charset="2"/>
+              <a:buChar char=""/>
+            </a:pPr>
+            <a:r>
+              <a:rPr lang="en-US" sz="1600" dirty="0" err="1">
+                <a:latin typeface="华文楷体"/>
+                <a:ea typeface="华文楷体"/>
+              </a:rPr>
+              <a:t>Zaharia</a:t>
+            </a:r>
+            <a:r>
+              <a:rPr lang="zh-CN" sz="1600" dirty="0">
+                <a:latin typeface="华文楷体"/>
+                <a:ea typeface="华文楷体"/>
+              </a:rPr>
+              <a:t>等提出了一种</a:t>
+            </a:r>
+            <a:r>
+              <a:rPr lang="en-US" b="1" dirty="0">
+                <a:latin typeface="华文楷体"/>
+                <a:ea typeface="华文楷体"/>
+              </a:rPr>
+              <a:t>delay-scheduling</a:t>
+            </a:r>
+            <a:r>
+              <a:rPr lang="zh-CN" b="1" dirty="0">
+                <a:latin typeface="华文楷体"/>
+                <a:ea typeface="华文楷体"/>
+              </a:rPr>
+              <a:t>算法</a:t>
+            </a:r>
+            <a:r>
+              <a:rPr lang="zh-CN" sz="1600" dirty="0">
+                <a:latin typeface="华文楷体"/>
+                <a:ea typeface="华文楷体"/>
+              </a:rPr>
+              <a:t>用来在保证公平性的前提下提高数据本地化性能；</a:t>
+            </a:r>
+            <a:r>
+              <a:rPr lang="zh-CN" altLang="en-US" sz="1600" dirty="0">
+                <a:latin typeface="华文楷体"/>
+                <a:ea typeface="华文楷体"/>
+              </a:rPr>
+              <a:t>（</a:t>
+            </a:r>
+            <a:r>
+              <a:rPr lang="en-US" altLang="zh-CN" sz="1600" b="1" dirty="0">
+                <a:latin typeface="华文楷体"/>
+                <a:ea typeface="华文楷体"/>
+              </a:rPr>
+              <a:t>EECS-2009</a:t>
+            </a:r>
+            <a:r>
+              <a:rPr lang="zh-CN" altLang="en-US" sz="1600" dirty="0">
+                <a:latin typeface="华文楷体"/>
+                <a:ea typeface="华文楷体"/>
+              </a:rPr>
+              <a:t>）</a:t>
+            </a:r>
+            <a:endParaRPr lang="en-US" altLang="zh-CN" sz="1600" dirty="0">
+              <a:latin typeface="华文楷体"/>
+              <a:ea typeface="华文楷体"/>
+            </a:endParaRPr>
+          </a:p>
+          <a:p>
+            <a:pPr lvl="1">
+              <a:buSzPct val="70000"/>
+              <a:buFont typeface="Wingdings" charset="2"/>
+              <a:buChar char=""/>
+            </a:pPr>
+            <a:r>
+              <a:rPr lang="en-US" sz="1600" dirty="0">
+                <a:latin typeface="华文楷体"/>
+                <a:ea typeface="华文楷体"/>
+              </a:rPr>
+              <a:t>Kumar</a:t>
+            </a:r>
+            <a:r>
+              <a:rPr lang="zh-CN" sz="1600" dirty="0">
+                <a:latin typeface="华文楷体"/>
+                <a:ea typeface="华文楷体"/>
+              </a:rPr>
+              <a:t>等提出了</a:t>
+            </a:r>
+            <a:r>
+              <a:rPr lang="zh-CN" b="1" dirty="0">
+                <a:latin typeface="华文楷体"/>
+                <a:ea typeface="华文楷体"/>
+              </a:rPr>
+              <a:t>基于内容感知</a:t>
+            </a:r>
+            <a:r>
+              <a:rPr lang="zh-CN" sz="1600" dirty="0">
+                <a:latin typeface="华文楷体"/>
+                <a:ea typeface="华文楷体"/>
+              </a:rPr>
+              <a:t>的调度器，通过收集</a:t>
+            </a:r>
+            <a:r>
+              <a:rPr lang="en-US" sz="1600" dirty="0">
+                <a:latin typeface="华文楷体"/>
+                <a:ea typeface="华文楷体"/>
+              </a:rPr>
+              <a:t>Hadoop</a:t>
+            </a:r>
+            <a:r>
+              <a:rPr lang="zh-CN" sz="1600" dirty="0">
+                <a:latin typeface="华文楷体"/>
+                <a:ea typeface="华文楷体"/>
+              </a:rPr>
+              <a:t>中的一些运行信息来调度资源</a:t>
+            </a:r>
+            <a:r>
+              <a:rPr lang="zh-CN" altLang="en-US" sz="1600" dirty="0">
+                <a:latin typeface="华文楷体"/>
+                <a:ea typeface="华文楷体"/>
+              </a:rPr>
+              <a:t>；</a:t>
+            </a:r>
+            <a:r>
+              <a:rPr lang="en-US" altLang="zh-CN" sz="1600" dirty="0">
+                <a:latin typeface="华文楷体"/>
+                <a:ea typeface="华文楷体"/>
+              </a:rPr>
+              <a:t> </a:t>
+            </a:r>
+            <a:r>
+              <a:rPr lang="zh-CN" altLang="en-US" sz="1600" dirty="0">
+                <a:latin typeface="华文楷体"/>
+                <a:ea typeface="华文楷体"/>
+              </a:rPr>
+              <a:t>（</a:t>
+            </a:r>
+            <a:r>
+              <a:rPr lang="en-US" altLang="zh-CN" sz="1600" b="1" dirty="0">
+                <a:latin typeface="华文楷体"/>
+                <a:ea typeface="华文楷体"/>
+              </a:rPr>
+              <a:t>ICACCI-2012</a:t>
+            </a:r>
+            <a:r>
+              <a:rPr lang="zh-CN" altLang="en-US" sz="1600" dirty="0">
+                <a:latin typeface="华文楷体"/>
+                <a:ea typeface="华文楷体"/>
+              </a:rPr>
+              <a:t>）</a:t>
+            </a:r>
+            <a:endParaRPr lang="en-US" altLang="zh-CN" dirty="0"/>
+          </a:p>
+          <a:p>
+            <a:pPr lvl="1">
+              <a:buSzPct val="70000"/>
+              <a:buFont typeface="Wingdings" charset="2"/>
+              <a:buChar char=""/>
+            </a:pPr>
+            <a:r>
+              <a:rPr lang="en-US" sz="1600" dirty="0">
+                <a:latin typeface="华文楷体"/>
+                <a:ea typeface="华文楷体"/>
+              </a:rPr>
+              <a:t>Gupta</a:t>
+            </a:r>
+            <a:r>
+              <a:rPr lang="zh-CN" sz="1600" dirty="0">
+                <a:latin typeface="华文楷体"/>
+                <a:ea typeface="华文楷体"/>
+              </a:rPr>
+              <a:t>等人则开发了</a:t>
+            </a:r>
+            <a:r>
+              <a:rPr lang="en-US" b="1" dirty="0" err="1">
+                <a:latin typeface="华文楷体"/>
+                <a:ea typeface="华文楷体"/>
+              </a:rPr>
+              <a:t>ThroughputScheduler</a:t>
+            </a:r>
+            <a:r>
+              <a:rPr lang="zh-CN" sz="1600" dirty="0">
+                <a:latin typeface="华文楷体"/>
+                <a:ea typeface="华文楷体"/>
+              </a:rPr>
+              <a:t>调度器，该调度器通过使用</a:t>
+            </a:r>
+            <a:r>
+              <a:rPr lang="zh-CN" b="1" dirty="0">
+                <a:latin typeface="华文楷体"/>
+                <a:ea typeface="华文楷体"/>
+              </a:rPr>
+              <a:t>贝叶斯学习算法</a:t>
+            </a:r>
+            <a:r>
+              <a:rPr lang="zh-CN" sz="1600" dirty="0">
+                <a:latin typeface="华文楷体"/>
+                <a:ea typeface="华文楷体"/>
+              </a:rPr>
+              <a:t>找到和节点容量最佳匹配的</a:t>
+            </a:r>
+            <a:r>
+              <a:rPr lang="en-US" sz="1600" dirty="0">
+                <a:latin typeface="华文楷体"/>
+                <a:ea typeface="华文楷体"/>
+              </a:rPr>
+              <a:t>Job</a:t>
+            </a:r>
+            <a:r>
+              <a:rPr lang="zh-CN" sz="1600" dirty="0">
+                <a:latin typeface="华文楷体"/>
+                <a:ea typeface="华文楷体"/>
+              </a:rPr>
+              <a:t>需求来调度资源；</a:t>
+            </a:r>
+            <a:r>
+              <a:rPr lang="zh-CN" altLang="en-US" sz="1600" dirty="0">
+                <a:latin typeface="华文楷体"/>
+                <a:ea typeface="华文楷体"/>
+              </a:rPr>
+              <a:t>（</a:t>
+            </a:r>
+            <a:r>
+              <a:rPr lang="en-US" altLang="zh-CN" sz="1600" b="1" dirty="0">
+                <a:latin typeface="华文楷体"/>
+                <a:ea typeface="华文楷体"/>
+              </a:rPr>
+              <a:t>ICAC-2013</a:t>
+            </a:r>
+            <a:r>
+              <a:rPr lang="zh-CN" altLang="en-US" sz="1600" dirty="0">
+                <a:latin typeface="华文楷体"/>
+                <a:ea typeface="华文楷体"/>
+              </a:rPr>
+              <a:t>）</a:t>
+            </a:r>
+            <a:endParaRPr lang="en-US" altLang="zh-CN" dirty="0"/>
+          </a:p>
+          <a:p>
+            <a:pPr lvl="1">
+              <a:buSzPct val="70000"/>
+              <a:buFont typeface="Wingdings" charset="2"/>
+              <a:buChar char=""/>
+            </a:pPr>
+            <a:r>
+              <a:rPr lang="en-US" sz="1600" dirty="0">
+                <a:latin typeface="华文楷体"/>
+                <a:ea typeface="华文楷体"/>
+              </a:rPr>
+              <a:t>Lee</a:t>
+            </a:r>
+            <a:r>
+              <a:rPr lang="zh-CN" sz="1600" dirty="0">
+                <a:latin typeface="华文楷体"/>
+                <a:ea typeface="华文楷体"/>
+              </a:rPr>
+              <a:t>引入了</a:t>
+            </a:r>
+            <a:r>
+              <a:rPr lang="en-US" b="1" dirty="0" err="1">
+                <a:latin typeface="华文楷体"/>
+                <a:ea typeface="华文楷体"/>
+              </a:rPr>
+              <a:t>JoSS</a:t>
+            </a:r>
+            <a:r>
+              <a:rPr lang="zh-CN" b="1" dirty="0">
+                <a:latin typeface="华文楷体"/>
+                <a:ea typeface="华文楷体"/>
+              </a:rPr>
+              <a:t>调度器</a:t>
+            </a:r>
+            <a:r>
+              <a:rPr lang="zh-CN" sz="1600" dirty="0">
+                <a:latin typeface="华文楷体"/>
+                <a:ea typeface="华文楷体"/>
+              </a:rPr>
+              <a:t>，在</a:t>
+            </a:r>
+            <a:r>
+              <a:rPr lang="en-US" sz="1600" dirty="0">
+                <a:latin typeface="华文楷体"/>
+                <a:ea typeface="华文楷体"/>
+              </a:rPr>
+              <a:t>map</a:t>
+            </a:r>
+            <a:r>
+              <a:rPr lang="zh-CN" sz="1600" dirty="0">
+                <a:latin typeface="华文楷体"/>
+                <a:ea typeface="华文楷体"/>
+              </a:rPr>
+              <a:t>和</a:t>
+            </a:r>
+            <a:r>
+              <a:rPr lang="en-US" sz="1600" dirty="0">
+                <a:latin typeface="华文楷体"/>
+                <a:ea typeface="华文楷体"/>
+              </a:rPr>
+              <a:t>reduce</a:t>
+            </a:r>
+            <a:r>
+              <a:rPr lang="zh-CN" sz="1600" dirty="0">
+                <a:latin typeface="华文楷体"/>
+                <a:ea typeface="华文楷体"/>
+              </a:rPr>
+              <a:t>任务同时提高了</a:t>
+            </a:r>
+            <a:r>
+              <a:rPr lang="zh-CN" b="1" dirty="0">
+                <a:latin typeface="华文楷体"/>
+                <a:ea typeface="华文楷体"/>
+              </a:rPr>
+              <a:t>数据本地性</a:t>
+            </a:r>
+            <a:r>
+              <a:rPr lang="zh-CN" sz="1600" dirty="0">
+                <a:latin typeface="华文楷体"/>
+                <a:ea typeface="华文楷体"/>
+              </a:rPr>
+              <a:t>，避免</a:t>
+            </a:r>
+            <a:r>
+              <a:rPr lang="en-US" sz="1600" dirty="0">
+                <a:latin typeface="华文楷体"/>
+                <a:ea typeface="华文楷体"/>
+              </a:rPr>
+              <a:t>Job</a:t>
+            </a:r>
+            <a:r>
+              <a:rPr lang="zh-CN" sz="1600" dirty="0">
+                <a:latin typeface="华文楷体"/>
+                <a:ea typeface="华文楷体"/>
+              </a:rPr>
+              <a:t>饥饿，提高</a:t>
+            </a:r>
+            <a:r>
+              <a:rPr lang="en-US" sz="1600" dirty="0">
+                <a:latin typeface="华文楷体"/>
+                <a:ea typeface="华文楷体"/>
+              </a:rPr>
+              <a:t>Job</a:t>
+            </a:r>
+            <a:r>
+              <a:rPr lang="zh-CN" sz="1600" dirty="0">
+                <a:latin typeface="华文楷体"/>
+                <a:ea typeface="华文楷体"/>
+              </a:rPr>
+              <a:t>运行时间；</a:t>
+            </a:r>
+            <a:r>
+              <a:rPr lang="zh-CN" altLang="en-US" sz="1600" dirty="0">
+                <a:latin typeface="华文楷体"/>
+                <a:ea typeface="华文楷体"/>
+              </a:rPr>
+              <a:t>（</a:t>
+            </a:r>
+            <a:r>
+              <a:rPr lang="en-US" altLang="zh-CN" sz="1600" b="1" dirty="0">
+                <a:latin typeface="华文楷体"/>
+                <a:ea typeface="华文楷体"/>
+              </a:rPr>
+              <a:t>TPDS-2015</a:t>
+            </a:r>
+            <a:r>
+              <a:rPr lang="zh-CN" altLang="en-US" sz="1600" dirty="0">
+                <a:latin typeface="华文楷体"/>
+                <a:ea typeface="华文楷体"/>
+              </a:rPr>
+              <a:t>）</a:t>
+            </a:r>
+            <a:endParaRPr dirty="0"/>
+          </a:p>
+          <a:p>
+            <a:pPr>
+              <a:lnSpc>
+                <a:spcPct val="100000"/>
+              </a:lnSpc>
+              <a:buSzPct val="70000"/>
+              <a:buFont typeface="Wingdings" charset="2"/>
+              <a:buChar char=""/>
+            </a:pPr>
+            <a:r>
+              <a:rPr lang="en-US" sz="2000" dirty="0">
+                <a:latin typeface="华文楷体"/>
+                <a:ea typeface="华文楷体"/>
+              </a:rPr>
+              <a:t>Shuffle</a:t>
+            </a:r>
+            <a:r>
+              <a:rPr lang="zh-CN" sz="2000" dirty="0">
+                <a:latin typeface="华文楷体"/>
+                <a:ea typeface="华文楷体"/>
+              </a:rPr>
+              <a:t>过程相关工作：</a:t>
+            </a:r>
+            <a:endParaRPr dirty="0"/>
+          </a:p>
+          <a:p>
+            <a:pPr lvl="1">
+              <a:lnSpc>
+                <a:spcPct val="100000"/>
+              </a:lnSpc>
+              <a:buSzPct val="65000"/>
+              <a:buFont typeface="Wingdings" charset="2"/>
+              <a:buChar char=""/>
+            </a:pPr>
+            <a:r>
+              <a:rPr lang="en-US" sz="1600" dirty="0" err="1">
+                <a:latin typeface="华文楷体"/>
+                <a:ea typeface="华文楷体"/>
+              </a:rPr>
+              <a:t>Condie</a:t>
+            </a:r>
+            <a:r>
+              <a:rPr lang="zh-CN" sz="1600" dirty="0">
+                <a:latin typeface="华文楷体"/>
+                <a:ea typeface="华文楷体"/>
+              </a:rPr>
+              <a:t>等提出</a:t>
+            </a:r>
+            <a:r>
+              <a:rPr lang="en-US" b="1" dirty="0">
+                <a:latin typeface="华文楷体"/>
+                <a:ea typeface="华文楷体"/>
+              </a:rPr>
+              <a:t>instant shuffling</a:t>
+            </a:r>
+            <a:r>
+              <a:rPr lang="zh-CN" b="1" dirty="0">
+                <a:latin typeface="华文楷体"/>
+                <a:ea typeface="华文楷体"/>
+              </a:rPr>
+              <a:t>的概念</a:t>
+            </a:r>
+            <a:r>
+              <a:rPr lang="zh-CN" sz="1600" dirty="0">
+                <a:latin typeface="华文楷体"/>
+                <a:ea typeface="华文楷体"/>
+              </a:rPr>
+              <a:t>，直接将</a:t>
+            </a:r>
+            <a:r>
+              <a:rPr lang="en-US" sz="1600" dirty="0">
+                <a:latin typeface="华文楷体"/>
+                <a:ea typeface="华文楷体"/>
+              </a:rPr>
+              <a:t>Map</a:t>
+            </a:r>
+            <a:r>
+              <a:rPr lang="zh-CN" sz="1600" dirty="0">
+                <a:latin typeface="华文楷体"/>
+                <a:ea typeface="华文楷体"/>
+              </a:rPr>
+              <a:t>中间数据发送到</a:t>
+            </a:r>
+            <a:r>
+              <a:rPr lang="en-US" sz="1600" dirty="0">
+                <a:latin typeface="华文楷体"/>
+                <a:ea typeface="华文楷体"/>
+              </a:rPr>
+              <a:t>Reduce</a:t>
+            </a:r>
+            <a:r>
+              <a:rPr lang="zh-CN" sz="1600" dirty="0">
+                <a:latin typeface="华文楷体"/>
+                <a:ea typeface="华文楷体"/>
+              </a:rPr>
+              <a:t>端，节省创建中间数据的时间；</a:t>
+            </a:r>
+            <a:r>
+              <a:rPr lang="zh-CN" altLang="en-US" sz="1600" dirty="0">
+                <a:latin typeface="华文楷体"/>
+                <a:ea typeface="华文楷体"/>
+              </a:rPr>
+              <a:t>（</a:t>
+            </a:r>
+            <a:r>
+              <a:rPr lang="en-US" altLang="zh-CN" sz="1600" b="1" dirty="0">
+                <a:latin typeface="华文楷体"/>
+                <a:ea typeface="华文楷体"/>
+              </a:rPr>
+              <a:t>NSDI-2010</a:t>
+            </a:r>
+            <a:r>
+              <a:rPr lang="zh-CN" altLang="en-US" sz="1600" dirty="0">
+                <a:latin typeface="华文楷体"/>
+                <a:ea typeface="华文楷体"/>
+              </a:rPr>
+              <a:t>）</a:t>
+            </a:r>
+            <a:endParaRPr dirty="0"/>
+          </a:p>
+          <a:p>
+            <a:pPr lvl="1">
+              <a:lnSpc>
+                <a:spcPct val="100000"/>
+              </a:lnSpc>
+              <a:buSzPct val="65000"/>
+              <a:buFont typeface="Wingdings" charset="2"/>
+              <a:buChar char=""/>
+            </a:pPr>
+            <a:r>
+              <a:rPr lang="en-US" sz="1600" dirty="0" err="1">
+                <a:latin typeface="华文楷体"/>
+                <a:ea typeface="华文楷体"/>
+              </a:rPr>
+              <a:t>Camdoop</a:t>
+            </a:r>
+            <a:r>
+              <a:rPr lang="zh-CN" sz="1600" dirty="0">
+                <a:latin typeface="华文楷体"/>
+                <a:ea typeface="华文楷体"/>
+              </a:rPr>
+              <a:t>的文章在数据转发中使用了</a:t>
+            </a:r>
+            <a:r>
+              <a:rPr lang="zh-CN" b="1" dirty="0">
+                <a:latin typeface="华文楷体"/>
+                <a:ea typeface="华文楷体"/>
+              </a:rPr>
+              <a:t>分层聚合的策略</a:t>
+            </a:r>
+            <a:r>
+              <a:rPr lang="zh-CN" sz="1600" dirty="0">
+                <a:latin typeface="华文楷体"/>
+                <a:ea typeface="华文楷体"/>
+              </a:rPr>
+              <a:t>来设计</a:t>
+            </a:r>
+            <a:r>
+              <a:rPr lang="en-US" sz="1600" dirty="0">
+                <a:latin typeface="华文楷体"/>
+                <a:ea typeface="华文楷体"/>
+              </a:rPr>
+              <a:t>Shuffle</a:t>
+            </a:r>
+            <a:r>
+              <a:rPr lang="zh-CN" sz="1600" dirty="0">
+                <a:latin typeface="华文楷体"/>
+                <a:ea typeface="华文楷体"/>
+              </a:rPr>
+              <a:t>过程，减少了中间数据的网络传输；</a:t>
+            </a:r>
+            <a:r>
+              <a:rPr lang="zh-CN" altLang="en-US" sz="1600" dirty="0">
+                <a:latin typeface="华文楷体"/>
+                <a:ea typeface="华文楷体"/>
+              </a:rPr>
+              <a:t>（</a:t>
+            </a:r>
+            <a:r>
+              <a:rPr lang="en-US" altLang="zh-CN" sz="1600" b="1" dirty="0">
+                <a:latin typeface="华文楷体"/>
+                <a:ea typeface="华文楷体"/>
+              </a:rPr>
+              <a:t>NSDI-2012</a:t>
+            </a:r>
+            <a:r>
+              <a:rPr lang="zh-CN" altLang="en-US" sz="1600" dirty="0">
+                <a:latin typeface="华文楷体"/>
+                <a:ea typeface="华文楷体"/>
+              </a:rPr>
+              <a:t>）</a:t>
+            </a:r>
+            <a:endParaRPr dirty="0"/>
+          </a:p>
+          <a:p>
+            <a:pPr lvl="1">
+              <a:lnSpc>
+                <a:spcPct val="100000"/>
+              </a:lnSpc>
+              <a:buSzPct val="65000"/>
+              <a:buFont typeface="Wingdings" charset="2"/>
+              <a:buChar char=""/>
+            </a:pPr>
+            <a:r>
+              <a:rPr lang="en-US" sz="1600" dirty="0" err="1">
+                <a:latin typeface="华文楷体"/>
+                <a:ea typeface="华文楷体"/>
+              </a:rPr>
+              <a:t>MaRCO</a:t>
+            </a:r>
+            <a:r>
+              <a:rPr lang="zh-CN" sz="1600" dirty="0">
+                <a:latin typeface="华文楷体"/>
+                <a:ea typeface="华文楷体"/>
+              </a:rPr>
+              <a:t>等重叠了</a:t>
+            </a:r>
+            <a:r>
+              <a:rPr lang="en-US" b="1" dirty="0">
+                <a:latin typeface="华文楷体"/>
+                <a:ea typeface="华文楷体"/>
+              </a:rPr>
+              <a:t>Shuffle</a:t>
+            </a:r>
+            <a:r>
+              <a:rPr lang="zh-CN" b="1" dirty="0">
+                <a:latin typeface="华文楷体"/>
+                <a:ea typeface="华文楷体"/>
+              </a:rPr>
+              <a:t>和</a:t>
+            </a:r>
+            <a:r>
+              <a:rPr lang="en-US" b="1" dirty="0">
+                <a:latin typeface="华文楷体"/>
+                <a:ea typeface="华文楷体"/>
+              </a:rPr>
+              <a:t>Reduce</a:t>
+            </a:r>
+            <a:r>
+              <a:rPr lang="zh-CN" b="1" dirty="0">
+                <a:latin typeface="华文楷体"/>
+                <a:ea typeface="华文楷体"/>
+              </a:rPr>
+              <a:t>阶段</a:t>
+            </a:r>
+            <a:r>
+              <a:rPr lang="zh-CN" sz="1600" dirty="0">
+                <a:latin typeface="华文楷体"/>
+                <a:ea typeface="华文楷体"/>
+              </a:rPr>
+              <a:t>，</a:t>
+            </a:r>
+            <a:r>
+              <a:rPr lang="zh-CN" altLang="en-US" sz="1600" dirty="0">
+                <a:latin typeface="华文楷体"/>
+                <a:ea typeface="华文楷体"/>
+              </a:rPr>
+              <a:t>将</a:t>
+            </a:r>
+            <a:r>
+              <a:rPr lang="en-US" altLang="zh-CN" sz="1600" dirty="0">
+                <a:latin typeface="华文楷体"/>
+                <a:ea typeface="华文楷体"/>
+              </a:rPr>
+              <a:t>shuffle</a:t>
+            </a:r>
+            <a:r>
+              <a:rPr lang="zh-CN" altLang="en-US" sz="1600" dirty="0">
+                <a:latin typeface="华文楷体"/>
+                <a:ea typeface="华文楷体"/>
+              </a:rPr>
+              <a:t>阶段和</a:t>
+            </a:r>
+            <a:r>
+              <a:rPr lang="en-US" altLang="zh-CN" sz="1600" dirty="0">
+                <a:latin typeface="华文楷体"/>
+                <a:ea typeface="华文楷体"/>
+              </a:rPr>
+              <a:t>reduce</a:t>
+            </a:r>
+            <a:r>
+              <a:rPr lang="zh-CN" altLang="en-US" sz="1600" dirty="0">
+                <a:latin typeface="华文楷体"/>
+                <a:ea typeface="华文楷体"/>
+              </a:rPr>
+              <a:t>阶段并行运行，</a:t>
+            </a:r>
+            <a:r>
+              <a:rPr lang="zh-CN" sz="1600" dirty="0">
+                <a:latin typeface="华文楷体"/>
+                <a:ea typeface="华文楷体"/>
+              </a:rPr>
+              <a:t>减少了</a:t>
+            </a:r>
+            <a:r>
+              <a:rPr lang="en-US" sz="1600" dirty="0">
+                <a:latin typeface="华文楷体"/>
+                <a:ea typeface="华文楷体"/>
+              </a:rPr>
+              <a:t>Reduce</a:t>
+            </a:r>
+            <a:r>
+              <a:rPr lang="zh-CN" sz="1600" dirty="0">
+                <a:latin typeface="华文楷体"/>
+                <a:ea typeface="华文楷体"/>
+              </a:rPr>
+              <a:t>等待时间，提高了效率</a:t>
+            </a:r>
+            <a:r>
+              <a:rPr lang="zh-CN" altLang="en-US" sz="1600" dirty="0">
+                <a:latin typeface="华文楷体"/>
+                <a:ea typeface="华文楷体"/>
+              </a:rPr>
+              <a:t>；（</a:t>
+            </a:r>
+            <a:r>
+              <a:rPr lang="en-US" altLang="zh-CN" sz="1600" b="1" dirty="0">
+                <a:latin typeface="华文楷体"/>
+                <a:ea typeface="华文楷体"/>
+              </a:rPr>
+              <a:t>JPDC-2013</a:t>
+            </a:r>
+            <a:r>
+              <a:rPr lang="zh-CN" altLang="en-US" sz="1600" dirty="0">
+                <a:latin typeface="华文楷体"/>
+                <a:ea typeface="华文楷体"/>
+              </a:rPr>
+              <a:t>）</a:t>
+            </a:r>
+            <a:endParaRPr dirty="0"/>
+          </a:p>
+        </p:txBody>
+      </p:sp>
+      <p:sp>
+        <p:nvSpPr>
+          <p:cNvPr id="178" name="CustomShape 3"/>
+          <p:cNvSpPr/>
+          <p:nvPr/>
+        </p:nvSpPr>
+        <p:spPr>
+          <a:xfrm>
+            <a:off x="7524720" y="6284880"/>
+            <a:ext cx="933480" cy="457200"/>
+          </a:xfrm>
+          <a:prstGeom prst="rect">
+            <a:avLst/>
+          </a:prstGeom>
+          <a:noFill/>
+          <a:ln>
+            <a:noFill/>
+          </a:ln>
+        </p:spPr>
+        <p:style>
+          <a:lnRef idx="0">
+            <a:scrgbClr r="0" g="0" b="0"/>
+          </a:lnRef>
+          <a:fillRef idx="0">
+            <a:scrgbClr r="0" g="0" b="0"/>
+          </a:fillRef>
+          <a:effectRef idx="0">
+            <a:scrgbClr r="0" g="0" b="0"/>
+          </a:effectRef>
+          <a:fontRef idx="minor"/>
+        </p:style>
+        <p:txBody>
+          <a:bodyPr lIns="90000" tIns="46800" rIns="90000" bIns="46800"/>
+          <a:lstStyle/>
+          <a:p>
+            <a:pPr algn="r">
+              <a:lnSpc>
+                <a:spcPct val="100000"/>
+              </a:lnSpc>
+            </a:pPr>
+            <a:fld id="{52D6B66A-31D0-48C1-B822-D8E6AFF7F5E3}" type="slidenum">
+              <a:rPr lang="en-US" sz="1600">
+                <a:latin typeface="Arial"/>
+              </a:rPr>
+              <a:t>16</a:t>
+            </a:fld>
+            <a:endParaRPr/>
+          </a:p>
+        </p:txBody>
+      </p:sp>
+      <p:sp>
+        <p:nvSpPr>
+          <p:cNvPr id="179" name="CustomShape 4"/>
+          <p:cNvSpPr/>
+          <p:nvPr/>
+        </p:nvSpPr>
+        <p:spPr>
+          <a:xfrm>
+            <a:off x="4021756" y="980640"/>
+            <a:ext cx="2878200" cy="842760"/>
+          </a:xfrm>
+          <a:prstGeom prst="wedgeRoundRectCallout">
+            <a:avLst>
+              <a:gd name="adj1" fmla="val -63578"/>
+              <a:gd name="adj2" fmla="val -5559"/>
+              <a:gd name="adj3" fmla="val 16667"/>
+            </a:avLst>
+          </a:prstGeom>
+          <a:solidFill>
+            <a:srgbClr val="CCFFCC"/>
+          </a:solidFill>
+          <a:ln>
+            <a:noFill/>
+          </a:ln>
+        </p:spPr>
+        <p:style>
+          <a:lnRef idx="0">
+            <a:scrgbClr r="0" g="0" b="0"/>
+          </a:lnRef>
+          <a:fillRef idx="0">
+            <a:scrgbClr r="0" g="0" b="0"/>
+          </a:fillRef>
+          <a:effectRef idx="0">
+            <a:scrgbClr r="0" g="0" b="0"/>
+          </a:effectRef>
+          <a:fontRef idx="minor"/>
+        </p:style>
+        <p:txBody>
+          <a:bodyPr wrap="none" lIns="90000" tIns="46800" rIns="90000" bIns="46800" anchor="ctr"/>
+          <a:lstStyle/>
+          <a:p>
+            <a:pPr algn="ctr">
+              <a:lnSpc>
+                <a:spcPct val="100000"/>
+              </a:lnSpc>
+            </a:pPr>
+            <a:r>
+              <a:rPr lang="zh-CN" sz="2000" b="1">
+                <a:latin typeface="华文中宋"/>
+                <a:ea typeface="华文中宋"/>
+              </a:rPr>
+              <a:t>资源利用率最大化</a:t>
+            </a:r>
+            <a:endParaRPr/>
+          </a:p>
+        </p:txBody>
+      </p:sp>
+      <p:sp>
+        <p:nvSpPr>
+          <p:cNvPr id="180" name="CustomShape 5"/>
+          <p:cNvSpPr/>
+          <p:nvPr/>
+        </p:nvSpPr>
+        <p:spPr>
+          <a:xfrm>
+            <a:off x="3781440" y="3415157"/>
+            <a:ext cx="2878200" cy="842760"/>
+          </a:xfrm>
+          <a:prstGeom prst="wedgeRoundRectCallout">
+            <a:avLst>
+              <a:gd name="adj1" fmla="val -73687"/>
+              <a:gd name="adj2" fmla="val -2601"/>
+              <a:gd name="adj3" fmla="val 16667"/>
+            </a:avLst>
+          </a:prstGeom>
+          <a:solidFill>
+            <a:srgbClr val="CCFFCC"/>
+          </a:solidFill>
+          <a:ln>
+            <a:noFill/>
+          </a:ln>
+        </p:spPr>
+        <p:style>
+          <a:lnRef idx="0">
+            <a:scrgbClr r="0" g="0" b="0"/>
+          </a:lnRef>
+          <a:fillRef idx="0">
+            <a:scrgbClr r="0" g="0" b="0"/>
+          </a:fillRef>
+          <a:effectRef idx="0">
+            <a:scrgbClr r="0" g="0" b="0"/>
+          </a:effectRef>
+          <a:fontRef idx="minor"/>
+        </p:style>
+        <p:txBody>
+          <a:bodyPr wrap="none" lIns="90000" tIns="46800" rIns="90000" bIns="46800" anchor="ctr"/>
+          <a:lstStyle/>
+          <a:p>
+            <a:pPr algn="ctr">
+              <a:lnSpc>
+                <a:spcPct val="100000"/>
+              </a:lnSpc>
+            </a:pPr>
+            <a:r>
+              <a:rPr lang="zh-CN" sz="2000" b="1">
+                <a:latin typeface="华文中宋"/>
+                <a:ea typeface="华文中宋"/>
+              </a:rPr>
+              <a:t>数据传输速度慢</a:t>
+            </a:r>
+            <a:endParaRPr/>
+          </a:p>
+        </p:txBody>
+      </p:sp>
+    </p:spTree>
+  </p:cSld>
+  <p:clrMapOvr>
+    <a:masterClrMapping/>
+  </p:clrMapOvr>
+  <p:timing>
+    <p:tnLst>
+      <p:par>
+        <p:cTn id="1" dur="indefinite" restart="never" nodeType="tmRoot">
+          <p:childTnLst>
+            <p:seq concurrent="1" nextAc="seek">
+              <p:cTn id="2" dur="indefinite" nodeType="mainSeq">
+                <p:childTnLst>
+                  <p:par>
+                    <p:cTn id="3" fill="hold">
+                      <p:stCondLst>
+                        <p:cond delay="indefinite"/>
+                      </p:stCondLst>
+                      <p:childTnLst>
+                        <p:par>
+                          <p:cTn id="4" fill="hold">
+                            <p:stCondLst>
+                              <p:cond delay="0"/>
+                            </p:stCondLst>
+                            <p:childTnLst>
+                              <p:par>
+                                <p:cTn id="5" presetID="2" presetClass="entr" presetSubtype="4" fill="hold" grpId="0" nodeType="clickEffect">
+                                  <p:stCondLst>
+                                    <p:cond delay="0"/>
+                                  </p:stCondLst>
+                                  <p:childTnLst>
+                                    <p:set>
+                                      <p:cBhvr>
+                                        <p:cTn id="6" dur="1" fill="hold">
+                                          <p:stCondLst>
+                                            <p:cond delay="0"/>
+                                          </p:stCondLst>
+                                        </p:cTn>
+                                        <p:tgtEl>
+                                          <p:spTgt spid="179"/>
+                                        </p:tgtEl>
+                                        <p:attrNameLst>
+                                          <p:attrName>style.visibility</p:attrName>
+                                        </p:attrNameLst>
+                                      </p:cBhvr>
+                                      <p:to>
+                                        <p:strVal val="visible"/>
+                                      </p:to>
+                                    </p:set>
+                                    <p:anim calcmode="lin" valueType="num">
+                                      <p:cBhvr additive="base">
+                                        <p:cTn id="7" dur="500" fill="hold"/>
+                                        <p:tgtEl>
+                                          <p:spTgt spid="179"/>
+                                        </p:tgtEl>
+                                        <p:attrNameLst>
+                                          <p:attrName>ppt_x</p:attrName>
+                                        </p:attrNameLst>
+                                      </p:cBhvr>
+                                      <p:tavLst>
+                                        <p:tav tm="0">
+                                          <p:val>
+                                            <p:strVal val="#ppt_x"/>
+                                          </p:val>
+                                        </p:tav>
+                                        <p:tav tm="100000">
+                                          <p:val>
+                                            <p:strVal val="#ppt_x"/>
+                                          </p:val>
+                                        </p:tav>
+                                      </p:tavLst>
+                                    </p:anim>
+                                    <p:anim calcmode="lin" valueType="num">
+                                      <p:cBhvr additive="base">
+                                        <p:cTn id="8" dur="500" fill="hold"/>
+                                        <p:tgtEl>
+                                          <p:spTgt spid="179"/>
+                                        </p:tgtEl>
+                                        <p:attrNameLst>
+                                          <p:attrName>ppt_y</p:attrName>
+                                        </p:attrNameLst>
+                                      </p:cBhvr>
+                                      <p:tavLst>
+                                        <p:tav tm="0">
+                                          <p:val>
+                                            <p:strVal val="1+#ppt_h/2"/>
+                                          </p:val>
+                                        </p:tav>
+                                        <p:tav tm="100000">
+                                          <p:val>
+                                            <p:strVal val="#ppt_y"/>
+                                          </p:val>
+                                        </p:tav>
+                                      </p:tavLst>
+                                    </p:anim>
+                                  </p:childTnLst>
+                                </p:cTn>
+                              </p:par>
+                            </p:childTnLst>
+                          </p:cTn>
+                        </p:par>
+                      </p:childTnLst>
+                    </p:cTn>
+                  </p:par>
+                  <p:par>
+                    <p:cTn id="9" fill="hold">
+                      <p:stCondLst>
+                        <p:cond delay="indefinite"/>
+                      </p:stCondLst>
+                      <p:childTnLst>
+                        <p:par>
+                          <p:cTn id="10" fill="hold">
+                            <p:stCondLst>
+                              <p:cond delay="0"/>
+                            </p:stCondLst>
+                            <p:childTnLst>
+                              <p:par>
+                                <p:cTn id="11" presetID="22" presetClass="entr" presetSubtype="4" fill="hold" grpId="0" nodeType="clickEffect">
+                                  <p:stCondLst>
+                                    <p:cond delay="0"/>
+                                  </p:stCondLst>
+                                  <p:childTnLst>
+                                    <p:set>
+                                      <p:cBhvr>
+                                        <p:cTn id="12" dur="1" fill="hold">
+                                          <p:stCondLst>
+                                            <p:cond delay="0"/>
+                                          </p:stCondLst>
+                                        </p:cTn>
+                                        <p:tgtEl>
+                                          <p:spTgt spid="180"/>
+                                        </p:tgtEl>
+                                        <p:attrNameLst>
+                                          <p:attrName>style.visibility</p:attrName>
+                                        </p:attrNameLst>
+                                      </p:cBhvr>
+                                      <p:to>
+                                        <p:strVal val="visible"/>
+                                      </p:to>
+                                    </p:set>
+                                    <p:animEffect transition="in" filter="wipe(down)">
+                                      <p:cBhvr>
+                                        <p:cTn id="13" dur="500"/>
+                                        <p:tgtEl>
+                                          <p:spTgt spid="180"/>
                                         </p:tgtEl>
                                       </p:cBhvr>
                                     </p:animEffect>
@@ -6859,11 +9104,15 @@
         </p:cTn>
       </p:par>
     </p:tnLst>
+    <p:bldLst>
+      <p:bldP spid="179" grpId="0" animBg="1"/>
+      <p:bldP spid="180" grpId="0" animBg="1"/>
+    </p:bldLst>
   </p:timing>
 </p:sld>
 </file>
 
-<file path=ppt/slides/slide14.xml><?xml version="1.0" encoding="utf-8"?>
+<file path=ppt/slides/slide17.xml><?xml version="1.0" encoding="utf-8"?>
 <p:sld xmlns:a="http://schemas.openxmlformats.org/drawingml/2006/main" xmlns:r="http://schemas.openxmlformats.org/officeDocument/2006/relationships" xmlns:p="http://schemas.openxmlformats.org/presentationml/2006/main">
   <p:cSld>
     <p:spTree>
@@ -6882,7 +9131,7 @@
       </p:grpSpPr>
       <p:sp>
         <p:nvSpPr>
-          <p:cNvPr id="164" name="TextShape 1"/>
+          <p:cNvPr id="181" name="TextShape 1"/>
           <p:cNvSpPr txBox="1"/>
           <p:nvPr/>
         </p:nvSpPr>
@@ -6913,7 +9162,7 @@
                 <a:latin typeface="华文中宋"/>
                 <a:ea typeface="华文中宋"/>
               </a:rPr>
-              <a:t>研究问题</a:t>
+              <a:t>相关工作</a:t>
             </a:r>
             <a:r>
               <a:rPr lang="en-US" sz="3200">
@@ -6928,14 +9177,14 @@
       </p:sp>
       <p:sp>
         <p:nvSpPr>
-          <p:cNvPr id="165" name="TextShape 2"/>
+          <p:cNvPr id="182" name="TextShape 2"/>
           <p:cNvSpPr txBox="1"/>
           <p:nvPr/>
         </p:nvSpPr>
         <p:spPr>
           <a:xfrm>
-            <a:off x="468000" y="1436400"/>
-            <a:ext cx="8142120" cy="4584600"/>
+            <a:off x="108000" y="1196640"/>
+            <a:ext cx="8640720" cy="4824360"/>
           </a:xfrm>
           <a:prstGeom prst="rect">
             <a:avLst/>
@@ -6958,18 +9207,269 @@
               <a:buChar char=""/>
             </a:pPr>
             <a:r>
-              <a:rPr lang="en-US" sz="2800">
-                <a:latin typeface="华文楷体"/>
-                <a:ea typeface="华文楷体"/>
-              </a:rPr>
-              <a:t>CPU</a:t>
-            </a:r>
-            <a:r>
-              <a:rPr lang="zh-CN" sz="2800">
-                <a:latin typeface="华文楷体"/>
-                <a:ea typeface="华文楷体"/>
-              </a:rPr>
-              <a:t>算法缺点：</a:t>
+              <a:rPr lang="en-US" sz="2000">
+                <a:latin typeface="华文楷体"/>
+                <a:ea typeface="华文楷体"/>
+              </a:rPr>
+              <a:t>PKTM</a:t>
+            </a:r>
+            <a:r>
+              <a:rPr lang="zh-CN" sz="2000">
+                <a:latin typeface="华文楷体"/>
+                <a:ea typeface="华文楷体"/>
+              </a:rPr>
+              <a:t>算法在</a:t>
+            </a:r>
+            <a:r>
+              <a:rPr lang="zh-CN" sz="2400" b="1">
+                <a:latin typeface="华文楷体"/>
+                <a:ea typeface="华文楷体"/>
+              </a:rPr>
+              <a:t>分布式框架</a:t>
+            </a:r>
+            <a:r>
+              <a:rPr lang="zh-CN" sz="2000">
+                <a:latin typeface="华文楷体"/>
+                <a:ea typeface="华文楷体"/>
+              </a:rPr>
+              <a:t>上的应用：</a:t>
+            </a:r>
+            <a:endParaRPr/>
+          </a:p>
+          <a:p>
+            <a:pPr lvl="1">
+              <a:lnSpc>
+                <a:spcPct val="100000"/>
+              </a:lnSpc>
+              <a:buSzPct val="65000"/>
+              <a:buFont typeface="Wingdings" charset="2"/>
+              <a:buChar char=""/>
+            </a:pPr>
+            <a:r>
+              <a:rPr lang="en-US" sz="1600">
+                <a:latin typeface="华文楷体"/>
+                <a:ea typeface="华文楷体"/>
+              </a:rPr>
+              <a:t>Rizvandi</a:t>
+            </a:r>
+            <a:r>
+              <a:rPr lang="zh-CN" sz="1600">
+                <a:latin typeface="华文楷体"/>
+                <a:ea typeface="华文楷体"/>
+              </a:rPr>
+              <a:t>介绍了</a:t>
+            </a:r>
+            <a:r>
+              <a:rPr lang="en-US" sz="1600">
+                <a:latin typeface="华文楷体"/>
+                <a:ea typeface="华文楷体"/>
+              </a:rPr>
+              <a:t>PKTM</a:t>
+            </a:r>
+            <a:r>
+              <a:rPr lang="zh-CN" sz="1600">
+                <a:latin typeface="华文楷体"/>
+                <a:ea typeface="华文楷体"/>
+              </a:rPr>
+              <a:t>在</a:t>
+            </a:r>
+            <a:r>
+              <a:rPr lang="en-US" b="1">
+                <a:latin typeface="华文楷体"/>
+                <a:ea typeface="华文楷体"/>
+              </a:rPr>
+              <a:t>Hadoop</a:t>
+            </a:r>
+            <a:r>
+              <a:rPr lang="zh-CN" b="1">
+                <a:latin typeface="华文楷体"/>
+                <a:ea typeface="华文楷体"/>
+              </a:rPr>
+              <a:t>上的改进</a:t>
+            </a:r>
+            <a:r>
+              <a:rPr lang="zh-CN" sz="1600">
+                <a:latin typeface="华文楷体"/>
+                <a:ea typeface="华文楷体"/>
+              </a:rPr>
+              <a:t>，该文章只是单纯的实现了一个分布式版本，还有很大的提升空间；</a:t>
+            </a:r>
+            <a:endParaRPr/>
+          </a:p>
+          <a:p>
+            <a:pPr lvl="1">
+              <a:lnSpc>
+                <a:spcPct val="100000"/>
+              </a:lnSpc>
+              <a:buSzPct val="65000"/>
+              <a:buFont typeface="Wingdings" charset="2"/>
+              <a:buChar char=""/>
+            </a:pPr>
+            <a:r>
+              <a:rPr lang="en-US" sz="1600">
+                <a:latin typeface="华文楷体"/>
+                <a:ea typeface="华文楷体"/>
+              </a:rPr>
+              <a:t>Dai</a:t>
+            </a:r>
+            <a:r>
+              <a:rPr lang="zh-CN" sz="1600">
+                <a:latin typeface="华文楷体"/>
+                <a:ea typeface="华文楷体"/>
+              </a:rPr>
+              <a:t>和</a:t>
+            </a:r>
+            <a:r>
+              <a:rPr lang="en-US" sz="1600">
+                <a:latin typeface="华文楷体"/>
+                <a:ea typeface="华文楷体"/>
+              </a:rPr>
+              <a:t>Li</a:t>
+            </a:r>
+            <a:r>
+              <a:rPr lang="zh-CN" sz="1600">
+                <a:latin typeface="华文楷体"/>
+                <a:ea typeface="华文楷体"/>
+              </a:rPr>
+              <a:t>提出了一个通过</a:t>
+            </a:r>
+            <a:r>
+              <a:rPr lang="zh-CN" b="1">
+                <a:latin typeface="华文楷体"/>
+                <a:ea typeface="华文楷体"/>
+              </a:rPr>
+              <a:t>旅行时间获取偏移的速度模型</a:t>
+            </a:r>
+            <a:r>
+              <a:rPr lang="zh-CN" sz="1600">
+                <a:latin typeface="华文楷体"/>
+                <a:ea typeface="华文楷体"/>
+              </a:rPr>
+              <a:t>的实际模型；</a:t>
+            </a:r>
+            <a:endParaRPr/>
+          </a:p>
+          <a:p>
+            <a:pPr lvl="1">
+              <a:lnSpc>
+                <a:spcPct val="100000"/>
+              </a:lnSpc>
+              <a:buSzPct val="65000"/>
+              <a:buFont typeface="Wingdings" charset="2"/>
+              <a:buChar char=""/>
+            </a:pPr>
+            <a:r>
+              <a:rPr lang="en-US" sz="1600">
+                <a:latin typeface="华文楷体"/>
+                <a:ea typeface="华文楷体"/>
+              </a:rPr>
+              <a:t>Li</a:t>
+            </a:r>
+            <a:r>
+              <a:rPr lang="zh-CN" sz="1600">
+                <a:latin typeface="华文楷体"/>
+                <a:ea typeface="华文楷体"/>
+              </a:rPr>
+              <a:t>和</a:t>
+            </a:r>
+            <a:r>
+              <a:rPr lang="en-US" sz="1600">
+                <a:latin typeface="华文楷体"/>
+                <a:ea typeface="华文楷体"/>
+              </a:rPr>
+              <a:t>Wang</a:t>
+            </a:r>
+            <a:r>
+              <a:rPr lang="zh-CN" sz="1600">
+                <a:latin typeface="华文楷体"/>
+                <a:ea typeface="华文楷体"/>
+              </a:rPr>
+              <a:t>改进了</a:t>
+            </a:r>
+            <a:r>
+              <a:rPr lang="en-US" sz="1600">
+                <a:latin typeface="华文楷体"/>
+                <a:ea typeface="华文楷体"/>
+              </a:rPr>
+              <a:t>PKTM</a:t>
+            </a:r>
+            <a:r>
+              <a:rPr lang="zh-CN" sz="1600">
+                <a:latin typeface="华文楷体"/>
+                <a:ea typeface="华文楷体"/>
+              </a:rPr>
+              <a:t>算法，减少了</a:t>
+            </a:r>
+            <a:r>
+              <a:rPr lang="en-US" b="1">
+                <a:latin typeface="华文楷体"/>
+                <a:ea typeface="华文楷体"/>
+              </a:rPr>
+              <a:t>I/O</a:t>
+            </a:r>
+            <a:r>
+              <a:rPr lang="zh-CN" b="1">
+                <a:latin typeface="华文楷体"/>
+                <a:ea typeface="华文楷体"/>
+              </a:rPr>
+              <a:t>带宽</a:t>
+            </a:r>
+            <a:r>
+              <a:rPr lang="zh-CN" sz="1600">
+                <a:latin typeface="华文楷体"/>
+                <a:ea typeface="华文楷体"/>
+              </a:rPr>
+              <a:t>，提高了效率；</a:t>
+            </a:r>
+            <a:endParaRPr/>
+          </a:p>
+          <a:p>
+            <a:pPr lvl="1">
+              <a:lnSpc>
+                <a:spcPct val="100000"/>
+              </a:lnSpc>
+              <a:buSzPct val="65000"/>
+              <a:buFont typeface="Wingdings" charset="2"/>
+              <a:buChar char=""/>
+            </a:pPr>
+            <a:endParaRPr/>
+          </a:p>
+          <a:p>
+            <a:pPr>
+              <a:lnSpc>
+                <a:spcPct val="100000"/>
+              </a:lnSpc>
+              <a:buSzPct val="70000"/>
+              <a:buFont typeface="Wingdings" charset="2"/>
+              <a:buChar char=""/>
+            </a:pPr>
+            <a:r>
+              <a:rPr lang="en-US" sz="2000">
+                <a:latin typeface="华文楷体"/>
+                <a:ea typeface="华文楷体"/>
+              </a:rPr>
+              <a:t>PKTM</a:t>
+            </a:r>
+            <a:r>
+              <a:rPr lang="zh-CN" sz="2000">
+                <a:latin typeface="华文楷体"/>
+                <a:ea typeface="华文楷体"/>
+              </a:rPr>
+              <a:t>算法在</a:t>
+            </a:r>
+            <a:r>
+              <a:rPr lang="zh-CN" sz="2400" b="1">
+                <a:latin typeface="华文楷体"/>
+                <a:ea typeface="华文楷体"/>
+              </a:rPr>
+              <a:t>并行算法</a:t>
+            </a:r>
+            <a:r>
+              <a:rPr lang="zh-CN" sz="2000">
+                <a:latin typeface="华文楷体"/>
+                <a:ea typeface="华文楷体"/>
+              </a:rPr>
+              <a:t>上的应用：</a:t>
             </a:r>
             <a:endParaRPr/>
           </a:p>
@@ -6983,39 +9483,46 @@
               <a:buChar char=""/>
             </a:pPr>
             <a:r>
-              <a:rPr lang="en-US" sz="2400">
-                <a:latin typeface="华文楷体"/>
-                <a:ea typeface="华文楷体"/>
-              </a:rPr>
-              <a:t>1.</a:t>
-            </a:r>
-            <a:r>
-              <a:rPr lang="zh-CN" sz="2800" b="1">
-                <a:latin typeface="华文中宋"/>
-                <a:ea typeface="华文中宋"/>
-              </a:rPr>
-              <a:t>数据量庞大</a:t>
-            </a:r>
-            <a:r>
-              <a:rPr lang="zh-CN" sz="2400">
-                <a:latin typeface="华文楷体"/>
-                <a:ea typeface="华文楷体"/>
-              </a:rPr>
-              <a:t>：为了进行石油勘探，需要巨大的地层数据量，这就导致了</a:t>
-            </a:r>
-            <a:r>
-              <a:rPr lang="en-US" sz="2400">
-                <a:latin typeface="华文楷体"/>
-                <a:ea typeface="华文楷体"/>
-              </a:rPr>
-              <a:t>PKTM</a:t>
-            </a:r>
-            <a:r>
-              <a:rPr lang="zh-CN" sz="2400">
-                <a:latin typeface="华文楷体"/>
-                <a:ea typeface="华文楷体"/>
-              </a:rPr>
-              <a:t>算法的输入数据庞大</a:t>
+              <a:rPr lang="en-US" sz="1600">
+                <a:latin typeface="华文楷体"/>
+                <a:ea typeface="华文楷体"/>
+              </a:rPr>
+              <a:t>Zhang</a:t>
+            </a:r>
+            <a:r>
+              <a:rPr lang="zh-CN" sz="1600">
+                <a:latin typeface="华文楷体"/>
+                <a:ea typeface="华文楷体"/>
+              </a:rPr>
+              <a:t>等人提供了在</a:t>
+            </a:r>
+            <a:r>
+              <a:rPr lang="en-US" sz="1600">
+                <a:latin typeface="华文楷体"/>
+                <a:ea typeface="华文楷体"/>
+              </a:rPr>
+              <a:t>GPU</a:t>
+            </a:r>
+            <a:r>
+              <a:rPr lang="zh-CN" sz="1600">
+                <a:latin typeface="华文楷体"/>
+                <a:ea typeface="华文楷体"/>
+              </a:rPr>
+              <a:t>上实现的</a:t>
+            </a:r>
+            <a:r>
+              <a:rPr lang="en-US" sz="1600">
+                <a:latin typeface="华文楷体"/>
+                <a:ea typeface="华文楷体"/>
+              </a:rPr>
+              <a:t>KPSDM</a:t>
+            </a:r>
+            <a:r>
+              <a:rPr lang="zh-CN" sz="1600">
+                <a:latin typeface="华文楷体"/>
+                <a:ea typeface="华文楷体"/>
+              </a:rPr>
+              <a:t>算法（该算法也是地质成像算法），使用并行计算，大大的缩短了运行时间；</a:t>
             </a:r>
             <a:endParaRPr/>
           </a:p>
@@ -7029,71 +9536,74 @@
               <a:buChar char=""/>
             </a:pPr>
             <a:r>
-              <a:rPr lang="en-US" sz="2400">
-                <a:latin typeface="华文楷体"/>
-                <a:ea typeface="华文楷体"/>
-              </a:rPr>
-              <a:t>2.</a:t>
-            </a:r>
-            <a:r>
-              <a:rPr lang="zh-CN" sz="2800" b="1">
-                <a:latin typeface="华文中宋"/>
-                <a:ea typeface="华文中宋"/>
-              </a:rPr>
-              <a:t>时间复杂度</a:t>
-            </a:r>
-            <a:r>
-              <a:rPr lang="zh-CN" sz="2400">
-                <a:latin typeface="华文楷体"/>
-                <a:ea typeface="华文楷体"/>
-              </a:rPr>
-              <a:t>：数据量大以及大量的浮点数运算导致运行时间过长，正常的</a:t>
-            </a:r>
-            <a:r>
-              <a:rPr lang="en-US" sz="2400">
-                <a:latin typeface="华文楷体"/>
-                <a:ea typeface="华文楷体"/>
-              </a:rPr>
-              <a:t>CPU</a:t>
-            </a:r>
-            <a:r>
-              <a:rPr lang="zh-CN" sz="2400">
-                <a:latin typeface="华文楷体"/>
-                <a:ea typeface="华文楷体"/>
-              </a:rPr>
-              <a:t>版算法已经不适合使用</a:t>
-            </a:r>
-            <a:endParaRPr/>
-          </a:p>
-          <a:p>
-            <a:pPr>
-              <a:lnSpc>
-                <a:spcPct val="100000"/>
-              </a:lnSpc>
-              <a:buSzPct val="70000"/>
-              <a:buFont typeface="Wingdings" charset="2"/>
-              <a:buChar char=""/>
-            </a:pPr>
-            <a:r>
-              <a:rPr lang="en-US" sz="3200">
-                <a:latin typeface="华文中宋"/>
-                <a:ea typeface="华文中宋"/>
+              <a:rPr lang="en-US" sz="1600">
+                <a:latin typeface="华文楷体"/>
+                <a:ea typeface="华文楷体"/>
+              </a:rPr>
+              <a:t>Shi</a:t>
+            </a:r>
+            <a:r>
+              <a:rPr lang="zh-CN" sz="1600">
+                <a:latin typeface="华文楷体"/>
+                <a:ea typeface="华文楷体"/>
+              </a:rPr>
+              <a:t>和</a:t>
+            </a:r>
+            <a:r>
+              <a:rPr lang="en-US" sz="1600">
+                <a:latin typeface="华文楷体"/>
+                <a:ea typeface="华文楷体"/>
+              </a:rPr>
+              <a:t>Li</a:t>
+            </a:r>
+            <a:r>
+              <a:rPr lang="zh-CN" sz="1600">
+                <a:latin typeface="华文楷体"/>
+                <a:ea typeface="华文楷体"/>
+              </a:rPr>
+              <a:t>用</a:t>
+            </a:r>
+            <a:r>
+              <a:rPr lang="en-US" sz="1600">
+                <a:latin typeface="华文楷体"/>
+                <a:ea typeface="华文楷体"/>
+              </a:rPr>
+              <a:t>GPU</a:t>
+            </a:r>
+            <a:r>
+              <a:rPr lang="zh-CN" sz="1600">
+                <a:latin typeface="华文楷体"/>
+                <a:ea typeface="华文楷体"/>
+              </a:rPr>
+              <a:t>的</a:t>
+            </a:r>
+            <a:r>
+              <a:rPr lang="en-US" sz="1600">
+                <a:latin typeface="华文楷体"/>
+                <a:ea typeface="华文楷体"/>
+              </a:rPr>
+              <a:t>CUDA</a:t>
+            </a:r>
+            <a:r>
+              <a:rPr lang="zh-CN" sz="1600">
+                <a:latin typeface="华文楷体"/>
+                <a:ea typeface="华文楷体"/>
+              </a:rPr>
+              <a:t>语言实现</a:t>
+            </a:r>
+            <a:r>
+              <a:rPr lang="en-US" sz="1600">
+                <a:latin typeface="华文楷体"/>
+                <a:ea typeface="华文楷体"/>
               </a:rPr>
               <a:t>PKTM</a:t>
             </a:r>
             <a:r>
-              <a:rPr lang="zh-CN" sz="3200">
-                <a:latin typeface="华文中宋"/>
-                <a:ea typeface="华文中宋"/>
-              </a:rPr>
-              <a:t>并行算法：</a:t>
-            </a:r>
-            <a:r>
-              <a:rPr lang="zh-CN" sz="2800">
-                <a:latin typeface="华文楷体"/>
-                <a:ea typeface="华文楷体"/>
-              </a:rPr>
-              <a:t> </a:t>
+              <a:rPr lang="zh-CN" sz="1600">
+                <a:latin typeface="华文楷体"/>
+                <a:ea typeface="华文楷体"/>
+              </a:rPr>
+              <a:t>算法，大大提高了运行时间；</a:t>
             </a:r>
             <a:endParaRPr/>
           </a:p>
@@ -7104,69 +9614,71 @@
               </a:lnSpc>
               <a:buSzPct val="65000"/>
               <a:buFont typeface="Wingdings" charset="2"/>
-              <a:buChar char=""/>
+              <a:buChar char=""/>
             </a:pPr>
             <a:r>
-              <a:rPr lang="en-US" sz="2400">
-                <a:latin typeface="华文楷体"/>
-                <a:ea typeface="华文楷体"/>
-              </a:rPr>
-              <a:t>GPU </a:t>
-            </a:r>
-            <a:r>
-              <a:rPr lang="zh-CN" sz="2400">
-                <a:latin typeface="华文楷体"/>
-                <a:ea typeface="华文楷体"/>
-              </a:rPr>
-              <a:t>（</a:t>
-            </a:r>
-            <a:r>
-              <a:rPr lang="en-US" sz="2400">
-                <a:latin typeface="华文楷体"/>
-                <a:ea typeface="华文楷体"/>
-              </a:rPr>
-              <a:t>Cuda</a:t>
-            </a:r>
-            <a:r>
-              <a:rPr lang="zh-CN" sz="2400">
-                <a:latin typeface="华文楷体"/>
-                <a:ea typeface="华文楷体"/>
-              </a:rPr>
-              <a:t>）</a:t>
-            </a:r>
-            <a:endParaRPr/>
-          </a:p>
-          <a:p>
-            <a:pPr lvl="1">
-              <a:lnSpc>
-                <a:spcPct val="100000"/>
-              </a:lnSpc>
-              <a:buSzPct val="65000"/>
-              <a:buFont typeface="Wingdings" charset="2"/>
-              <a:buChar char=""/>
-            </a:pPr>
-            <a:r>
-              <a:rPr lang="en-US" sz="2800" b="1">
+              <a:rPr lang="en-US" sz="1600">
+                <a:latin typeface="华文楷体"/>
+                <a:ea typeface="华文楷体"/>
+              </a:rPr>
+              <a:t>Zhao</a:t>
+            </a:r>
+            <a:r>
+              <a:rPr lang="zh-CN" sz="1600">
+                <a:latin typeface="华文楷体"/>
+                <a:ea typeface="华文楷体"/>
+              </a:rPr>
+              <a:t>和</a:t>
+            </a:r>
+            <a:r>
+              <a:rPr lang="en-US" sz="1600">
+                <a:latin typeface="华文楷体"/>
+                <a:ea typeface="华文楷体"/>
+              </a:rPr>
+              <a:t>Dai</a:t>
+            </a:r>
+            <a:r>
+              <a:rPr lang="zh-CN" sz="1600">
+                <a:latin typeface="华文楷体"/>
+                <a:ea typeface="华文楷体"/>
+              </a:rPr>
+              <a:t>则是在</a:t>
+            </a:r>
+            <a:r>
+              <a:rPr lang="en-US" sz="1600">
                 <a:latin typeface="华文楷体"/>
                 <a:ea typeface="华文楷体"/>
               </a:rPr>
               <a:t>MPI</a:t>
             </a:r>
-            <a:endParaRPr/>
-          </a:p>
-          <a:p>
-            <a:pPr lvl="1">
-              <a:lnSpc>
-                <a:spcPct val="100000"/>
-              </a:lnSpc>
-            </a:pPr>
+            <a:r>
+              <a:rPr lang="zh-CN" sz="1600">
+                <a:latin typeface="华文楷体"/>
+                <a:ea typeface="华文楷体"/>
+              </a:rPr>
+              <a:t>上实现了</a:t>
+            </a:r>
+            <a:r>
+              <a:rPr lang="en-US" sz="1600">
+                <a:latin typeface="华文楷体"/>
+                <a:ea typeface="华文楷体"/>
+              </a:rPr>
+              <a:t>PKTM</a:t>
+            </a:r>
+            <a:r>
+              <a:rPr lang="zh-CN" sz="1600">
+                <a:latin typeface="华文楷体"/>
+                <a:ea typeface="华文楷体"/>
+              </a:rPr>
+              <a:t>算法。</a:t>
+            </a:r>
             <a:endParaRPr/>
           </a:p>
         </p:txBody>
       </p:sp>
       <p:sp>
         <p:nvSpPr>
-          <p:cNvPr id="166" name="CustomShape 3"/>
+          <p:cNvPr id="183" name="CustomShape 3"/>
           <p:cNvSpPr/>
           <p:nvPr/>
         </p:nvSpPr>
@@ -7204,11 +9716,11 @@
                 <a:spcPct val="100000"/>
               </a:lnSpc>
             </a:pPr>
-            <a:fld id="{7AD22AF1-DAA9-493D-8A16-7986952DE1D0}" type="slidenum">
+            <a:fld id="{117D6E93-5D4F-44F6-8444-C097C7EFA9E9}" type="slidenum">
               <a:rPr lang="en-US" sz="1600">
                 <a:latin typeface="Arial"/>
               </a:rPr>
-              <a:t>14</a:t>
+              <a:t>17</a:t>
             </a:fld>
             <a:endParaRPr/>
           </a:p>
@@ -7216,17 +9728,21 @@
       </p:sp>
       <p:sp>
         <p:nvSpPr>
-          <p:cNvPr id="167" name="CustomShape 4"/>
+          <p:cNvPr id="184" name="CustomShape 4"/>
           <p:cNvSpPr/>
           <p:nvPr/>
         </p:nvSpPr>
         <p:spPr>
           <a:xfrm>
-            <a:off x="4140360" y="4076640"/>
-            <a:ext cx="2808000" cy="825480"/>
-          </a:xfrm>
-          <a:prstGeom prst="rect">
-            <a:avLst/>
+            <a:off x="5724720" y="580565"/>
+            <a:ext cx="3024000" cy="987480"/>
+          </a:xfrm>
+          <a:prstGeom prst="wedgeRoundRectCallout">
+            <a:avLst>
+              <a:gd name="adj1" fmla="val -71688"/>
+              <a:gd name="adj2" fmla="val 33878"/>
+              <a:gd name="adj3" fmla="val 16667"/>
+            </a:avLst>
           </a:prstGeom>
           <a:solidFill>
             <a:srgbClr val="CCFFCC"/>
@@ -7248,7 +9764,7 @@
           <a:fontRef idx="minor"/>
         </p:style>
         <p:txBody>
-          <a:bodyPr lIns="90000" tIns="46800" rIns="90000" bIns="46800"/>
+          <a:bodyPr wrap="none" lIns="90000" tIns="46800" rIns="90000" bIns="46800" anchor="ctr"/>
           <a:lstStyle/>
           <a:p>
             <a:pPr algn="ctr">
@@ -7257,24 +9773,155 @@
               </a:lnSpc>
             </a:pPr>
             <a:r>
-              <a:rPr lang="en-US" sz="2400" b="1">
-                <a:solidFill>
-                  <a:srgbClr val="0D0D0D"/>
-                </a:solidFill>
-                <a:latin typeface="华文楷体"/>
-                <a:ea typeface="华文楷体"/>
+              <a:rPr lang="en-US" sz="2000" b="1" dirty="0">
+                <a:latin typeface="华文中宋"/>
+                <a:ea typeface="华文中宋"/>
+              </a:rPr>
+              <a:t>Hadoop</a:t>
+            </a:r>
+            <a:r>
+              <a:rPr lang="zh-CN" sz="2000" b="1" dirty="0">
+                <a:latin typeface="华文中宋"/>
+                <a:ea typeface="华文中宋"/>
+              </a:rPr>
+              <a:t>上的</a:t>
+            </a:r>
+            <a:r>
+              <a:rPr lang="en-US" sz="2000" b="1" dirty="0">
+                <a:latin typeface="华文中宋"/>
+                <a:ea typeface="华文中宋"/>
               </a:rPr>
               <a:t>PKTM</a:t>
             </a:r>
             <a:r>
-              <a:rPr lang="zh-CN" sz="2400" b="1">
-                <a:solidFill>
-                  <a:srgbClr val="0D0D0D"/>
-                </a:solidFill>
-                <a:latin typeface="华文楷体"/>
-                <a:ea typeface="华文楷体"/>
-              </a:rPr>
-              <a:t>分布式算法改进的必要性</a:t>
+              <a:rPr lang="zh-CN" sz="2000" b="1" dirty="0">
+                <a:latin typeface="华文中宋"/>
+                <a:ea typeface="华文中宋"/>
+              </a:rPr>
+              <a:t>算</a:t>
+            </a:r>
+            <a:endParaRPr dirty="0"/>
+          </a:p>
+          <a:p>
+            <a:pPr algn="ctr">
+              <a:lnSpc>
+                <a:spcPct val="100000"/>
+              </a:lnSpc>
+            </a:pPr>
+            <a:r>
+              <a:rPr lang="zh-CN" sz="2000" b="1" dirty="0">
+                <a:latin typeface="华文中宋"/>
+                <a:ea typeface="华文中宋"/>
+              </a:rPr>
+              <a:t>法运行效率不高</a:t>
+            </a:r>
+            <a:endParaRPr dirty="0"/>
+          </a:p>
+        </p:txBody>
+      </p:sp>
+      <p:sp>
+        <p:nvSpPr>
+          <p:cNvPr id="185" name="CustomShape 5"/>
+          <p:cNvSpPr/>
+          <p:nvPr/>
+        </p:nvSpPr>
+        <p:spPr>
+          <a:xfrm>
+            <a:off x="5003640" y="4508640"/>
+            <a:ext cx="3168720" cy="1214280"/>
+          </a:xfrm>
+          <a:prstGeom prst="wedgeRoundRectCallout">
+            <a:avLst>
+              <a:gd name="adj1" fmla="val -54412"/>
+              <a:gd name="adj2" fmla="val -73732"/>
+              <a:gd name="adj3" fmla="val 16667"/>
+            </a:avLst>
+          </a:prstGeom>
+          <a:solidFill>
+            <a:srgbClr val="CCFFCC"/>
+          </a:solidFill>
+          <a:ln>
+            <a:noFill/>
+          </a:ln>
+        </p:spPr>
+        <p:style>
+          <a:lnRef idx="0">
+            <a:scrgbClr r="0" g="0" b="0"/>
+          </a:lnRef>
+          <a:fillRef idx="0">
+            <a:scrgbClr r="0" g="0" b="0"/>
+          </a:fillRef>
+          <a:effectRef idx="0">
+            <a:scrgbClr r="0" g="0" b="0"/>
+          </a:effectRef>
+          <a:fontRef idx="minor"/>
+        </p:style>
+        <p:txBody>
+          <a:bodyPr wrap="none" lIns="90000" tIns="46800" rIns="90000" bIns="46800" anchor="ctr"/>
+          <a:lstStyle/>
+          <a:p>
+            <a:pPr algn="ctr">
+              <a:lnSpc>
+                <a:spcPct val="100000"/>
+              </a:lnSpc>
+            </a:pPr>
+            <a:r>
+              <a:rPr lang="en-US" sz="2000" b="1">
+                <a:latin typeface="华文中宋"/>
+                <a:ea typeface="华文中宋"/>
+              </a:rPr>
+              <a:t>GPU</a:t>
+            </a:r>
+            <a:r>
+              <a:rPr lang="zh-CN" sz="2000" b="1">
+                <a:latin typeface="华文中宋"/>
+                <a:ea typeface="华文中宋"/>
+              </a:rPr>
+              <a:t>版本的</a:t>
+            </a:r>
+            <a:r>
+              <a:rPr lang="en-US" sz="2000" b="1">
+                <a:latin typeface="华文中宋"/>
+                <a:ea typeface="华文中宋"/>
+              </a:rPr>
+              <a:t>PKTM</a:t>
+            </a:r>
+            <a:r>
+              <a:rPr lang="zh-CN" sz="2000" b="1">
+                <a:latin typeface="华文中宋"/>
+                <a:ea typeface="华文中宋"/>
+              </a:rPr>
+              <a:t>算法</a:t>
+            </a:r>
+            <a:endParaRPr/>
+          </a:p>
+          <a:p>
+            <a:pPr algn="ctr">
+              <a:lnSpc>
+                <a:spcPct val="100000"/>
+              </a:lnSpc>
+            </a:pPr>
+            <a:r>
+              <a:rPr lang="zh-CN" sz="2000" b="1">
+                <a:latin typeface="华文中宋"/>
+                <a:ea typeface="华文中宋"/>
+              </a:rPr>
+              <a:t>稳定性不够，容易出错，</a:t>
+            </a:r>
+            <a:endParaRPr/>
+          </a:p>
+          <a:p>
+            <a:pPr algn="ctr">
+              <a:lnSpc>
+                <a:spcPct val="100000"/>
+              </a:lnSpc>
+            </a:pPr>
+            <a:r>
+              <a:rPr lang="zh-CN" sz="2000" b="1">
+                <a:latin typeface="华文中宋"/>
+                <a:ea typeface="华文中宋"/>
+              </a:rPr>
+              <a:t>不适合大数据输入</a:t>
             </a:r>
             <a:endParaRPr/>
           </a:p>
@@ -7306,2179 +9953,7 @@
                             </p:stCondLst>
                             <p:childTnLst>
                               <p:par>
-                                <p:cTn id="5" presetID="16" presetClass="entr" presetSubtype="21" fill="hold" nodeType="clickEffect">
-                                  <p:stCondLst>
-                                    <p:cond delay="0"/>
-                                  </p:stCondLst>
-                                  <p:childTnLst>
-                                    <p:set>
-                                      <p:cBhvr>
-                                        <p:cTn id="6" dur="1" fill="hold">
-                                          <p:stCondLst>
-                                            <p:cond delay="0"/>
-                                          </p:stCondLst>
-                                        </p:cTn>
-                                        <p:tgtEl>
-                                          <p:spTgt spid="167"/>
-                                        </p:tgtEl>
-                                        <p:attrNameLst>
-                                          <p:attrName>style.visibility</p:attrName>
-                                        </p:attrNameLst>
-                                      </p:cBhvr>
-                                      <p:to>
-                                        <p:strVal val="visible"/>
-                                      </p:to>
-                                    </p:set>
-                                    <p:animEffect transition="out" filter="barn(inVertical)">
-                                      <p:cBhvr additive="repl">
-                                        <p:cTn id="7" dur="500"/>
-                                        <p:tgtEl>
-                                          <p:spTgt spid="167"/>
-                                        </p:tgtEl>
-                                      </p:cBhvr>
-                                    </p:animEffect>
-                                  </p:childTnLst>
-                                </p:cTn>
-                              </p:par>
-                            </p:childTnLst>
-                          </p:cTn>
-                        </p:par>
-                      </p:childTnLst>
-                    </p:cTn>
-                  </p:par>
-                </p:childTnLst>
-              </p:cTn>
-              <p:prevCondLst>
-                <p:cond evt="onPrev" delay="0">
-                  <p:tgtEl>
-                    <p:sldTgt/>
-                  </p:tgtEl>
-                </p:cond>
-              </p:prevCondLst>
-              <p:nextCondLst>
-                <p:cond evt="onNext" delay="0">
-                  <p:tgtEl>
-                    <p:sldTgt/>
-                  </p:tgtEl>
-                </p:cond>
-              </p:nextCondLst>
-            </p:seq>
-          </p:childTnLst>
-        </p:cTn>
-      </p:par>
-    </p:tnLst>
-  </p:timing>
-</p:sld>
-</file>
-
-<file path=ppt/slides/slide15.xml><?xml version="1.0" encoding="utf-8"?>
-<p:sld xmlns:a="http://schemas.openxmlformats.org/drawingml/2006/main" xmlns:r="http://schemas.openxmlformats.org/officeDocument/2006/relationships" xmlns:p="http://schemas.openxmlformats.org/presentationml/2006/main">
-  <p:cSld>
-    <p:spTree>
-      <p:nvGrpSpPr>
-        <p:cNvPr id="1" name=""/>
-        <p:cNvGrpSpPr/>
-        <p:nvPr/>
-      </p:nvGrpSpPr>
-      <p:grpSpPr>
-        <a:xfrm>
-          <a:off x="0" y="0"/>
-          <a:ext cx="0" cy="0"/>
-          <a:chOff x="0" y="0"/>
-          <a:chExt cx="0" cy="0"/>
-        </a:xfrm>
-      </p:grpSpPr>
-      <p:sp>
-        <p:nvSpPr>
-          <p:cNvPr id="168" name="CustomShape 1"/>
-          <p:cNvSpPr/>
-          <p:nvPr/>
-        </p:nvSpPr>
-        <p:spPr>
-          <a:xfrm>
-            <a:off x="7524720" y="6284880"/>
-            <a:ext cx="933480" cy="457200"/>
-          </a:xfrm>
-          <a:prstGeom prst="rect">
-            <a:avLst/>
-          </a:prstGeom>
-          <a:noFill/>
-          <a:ln>
-            <a:noFill/>
-          </a:ln>
-        </p:spPr>
-        <p:style>
-          <a:lnRef idx="0">
-            <a:scrgbClr r="0" g="0" b="0"/>
-          </a:lnRef>
-          <a:fillRef idx="0">
-            <a:scrgbClr r="0" g="0" b="0"/>
-          </a:fillRef>
-          <a:effectRef idx="0">
-            <a:scrgbClr r="0" g="0" b="0"/>
-          </a:effectRef>
-          <a:fontRef idx="minor"/>
-        </p:style>
-        <p:txBody>
-          <a:bodyPr lIns="90000" tIns="46800" rIns="90000" bIns="46800"/>
-          <a:lstStyle/>
-          <a:p>
-            <a:pPr algn="r">
-              <a:lnSpc>
-                <a:spcPct val="100000"/>
-              </a:lnSpc>
-            </a:pPr>
-            <a:fld id="{ECC5B79D-4E6D-48DF-9AE5-6531F5AF5AE8}" type="slidenum">
-              <a:rPr lang="en-US" sz="1600">
-                <a:latin typeface="Arial"/>
-              </a:rPr>
-              <a:t>15</a:t>
-            </a:fld>
-            <a:endParaRPr/>
-          </a:p>
-        </p:txBody>
-      </p:sp>
-      <p:sp>
-        <p:nvSpPr>
-          <p:cNvPr id="169" name="TextShape 2"/>
-          <p:cNvSpPr txBox="1"/>
-          <p:nvPr/>
-        </p:nvSpPr>
-        <p:spPr>
-          <a:xfrm>
-            <a:off x="1042920" y="404280"/>
-            <a:ext cx="5616720" cy="576360"/>
-          </a:xfrm>
-          <a:prstGeom prst="rect">
-            <a:avLst/>
-          </a:prstGeom>
-          <a:noFill/>
-          <a:ln>
-            <a:noFill/>
-          </a:ln>
-        </p:spPr>
-        <p:txBody>
-          <a:bodyPr anchor="b"/>
-          <a:lstStyle/>
-          <a:p>
-            <a:pPr algn="ctr">
-              <a:lnSpc>
-                <a:spcPct val="100000"/>
-              </a:lnSpc>
-            </a:pPr>
-            <a:r>
-              <a:rPr lang="zh-CN" sz="3200" b="1">
-                <a:latin typeface="华文中宋"/>
-                <a:ea typeface="华文中宋"/>
-              </a:rPr>
-              <a:t>研究生课题</a:t>
-            </a:r>
-            <a:endParaRPr/>
-          </a:p>
-        </p:txBody>
-      </p:sp>
-      <p:sp>
-        <p:nvSpPr>
-          <p:cNvPr id="170" name="CustomShape 3"/>
-          <p:cNvSpPr/>
-          <p:nvPr/>
-        </p:nvSpPr>
-        <p:spPr>
-          <a:xfrm>
-            <a:off x="1392120" y="2235240"/>
-            <a:ext cx="1871640" cy="459720"/>
-          </a:xfrm>
-          <a:prstGeom prst="rect">
-            <a:avLst/>
-          </a:prstGeom>
-          <a:gradFill>
-            <a:gsLst>
-              <a:gs pos="0">
-                <a:srgbClr val="C1C198"/>
-              </a:gs>
-              <a:gs pos="100000">
-                <a:srgbClr val="A9A975"/>
-              </a:gs>
-            </a:gsLst>
-            <a:lin ang="5400000"/>
-          </a:gradFill>
-          <a:ln>
-            <a:noFill/>
-          </a:ln>
-        </p:spPr>
-        <p:style>
-          <a:lnRef idx="0">
-            <a:scrgbClr r="0" g="0" b="0"/>
-          </a:lnRef>
-          <a:fillRef idx="0">
-            <a:scrgbClr r="0" g="0" b="0"/>
-          </a:fillRef>
-          <a:effectRef idx="0">
-            <a:scrgbClr r="0" g="0" b="0"/>
-          </a:effectRef>
-          <a:fontRef idx="minor"/>
-        </p:style>
-        <p:txBody>
-          <a:bodyPr lIns="90000" tIns="46800" rIns="90000" bIns="46800"/>
-          <a:lstStyle/>
-          <a:p>
-            <a:pPr algn="ctr">
-              <a:lnSpc>
-                <a:spcPct val="100000"/>
-              </a:lnSpc>
-            </a:pPr>
-            <a:r>
-              <a:rPr lang="zh-CN" sz="2400">
-                <a:solidFill>
-                  <a:srgbClr val="000000"/>
-                </a:solidFill>
-                <a:latin typeface="华文中宋"/>
-                <a:ea typeface="华文中宋"/>
-              </a:rPr>
-              <a:t>研究背景</a:t>
-            </a:r>
-            <a:endParaRPr/>
-          </a:p>
-        </p:txBody>
-      </p:sp>
-      <p:sp>
-        <p:nvSpPr>
-          <p:cNvPr id="171" name="CustomShape 4"/>
-          <p:cNvSpPr/>
-          <p:nvPr/>
-        </p:nvSpPr>
-        <p:spPr>
-          <a:xfrm>
-            <a:off x="1392120" y="2955960"/>
-            <a:ext cx="1871640" cy="459720"/>
-          </a:xfrm>
-          <a:prstGeom prst="rect">
-            <a:avLst/>
-          </a:prstGeom>
-          <a:gradFill>
-            <a:gsLst>
-              <a:gs pos="0">
-                <a:srgbClr val="C1C198"/>
-              </a:gs>
-              <a:gs pos="100000">
-                <a:srgbClr val="A9A975"/>
-              </a:gs>
-            </a:gsLst>
-            <a:lin ang="5400000"/>
-          </a:gradFill>
-          <a:ln>
-            <a:noFill/>
-          </a:ln>
-        </p:spPr>
-        <p:style>
-          <a:lnRef idx="0">
-            <a:scrgbClr r="0" g="0" b="0"/>
-          </a:lnRef>
-          <a:fillRef idx="0">
-            <a:scrgbClr r="0" g="0" b="0"/>
-          </a:fillRef>
-          <a:effectRef idx="0">
-            <a:scrgbClr r="0" g="0" b="0"/>
-          </a:effectRef>
-          <a:fontRef idx="minor"/>
-        </p:style>
-        <p:txBody>
-          <a:bodyPr lIns="90000" tIns="46800" rIns="90000" bIns="46800"/>
-          <a:lstStyle/>
-          <a:p>
-            <a:pPr algn="ctr">
-              <a:lnSpc>
-                <a:spcPct val="100000"/>
-              </a:lnSpc>
-            </a:pPr>
-            <a:r>
-              <a:rPr lang="zh-CN" sz="2400">
-                <a:solidFill>
-                  <a:srgbClr val="000000"/>
-                </a:solidFill>
-                <a:latin typeface="华文中宋"/>
-                <a:ea typeface="华文中宋"/>
-              </a:rPr>
-              <a:t>研究问题</a:t>
-            </a:r>
-            <a:endParaRPr/>
-          </a:p>
-        </p:txBody>
-      </p:sp>
-      <p:sp>
-        <p:nvSpPr>
-          <p:cNvPr id="172" name="CustomShape 5"/>
-          <p:cNvSpPr/>
-          <p:nvPr/>
-        </p:nvSpPr>
-        <p:spPr>
-          <a:xfrm>
-            <a:off x="1392120" y="3676680"/>
-            <a:ext cx="1871640" cy="459720"/>
-          </a:xfrm>
-          <a:prstGeom prst="rect">
-            <a:avLst/>
-          </a:prstGeom>
-          <a:solidFill>
-            <a:srgbClr val="FFC000"/>
-          </a:solidFill>
-          <a:ln>
-            <a:noFill/>
-          </a:ln>
-        </p:spPr>
-        <p:style>
-          <a:lnRef idx="0">
-            <a:scrgbClr r="0" g="0" b="0"/>
-          </a:lnRef>
-          <a:fillRef idx="0">
-            <a:scrgbClr r="0" g="0" b="0"/>
-          </a:fillRef>
-          <a:effectRef idx="0">
-            <a:scrgbClr r="0" g="0" b="0"/>
-          </a:effectRef>
-          <a:fontRef idx="minor"/>
-        </p:style>
-        <p:txBody>
-          <a:bodyPr lIns="90000" tIns="46800" rIns="90000" bIns="46800"/>
-          <a:lstStyle/>
-          <a:p>
-            <a:pPr algn="ctr">
-              <a:lnSpc>
-                <a:spcPct val="100000"/>
-              </a:lnSpc>
-            </a:pPr>
-            <a:r>
-              <a:rPr lang="zh-CN" sz="2400">
-                <a:solidFill>
-                  <a:srgbClr val="000000"/>
-                </a:solidFill>
-                <a:latin typeface="华文中宋"/>
-                <a:ea typeface="华文中宋"/>
-              </a:rPr>
-              <a:t>相关工作</a:t>
-            </a:r>
-            <a:endParaRPr/>
-          </a:p>
-        </p:txBody>
-      </p:sp>
-      <p:sp>
-        <p:nvSpPr>
-          <p:cNvPr id="173" name="CustomShape 6"/>
-          <p:cNvSpPr/>
-          <p:nvPr/>
-        </p:nvSpPr>
-        <p:spPr>
-          <a:xfrm>
-            <a:off x="1392120" y="4437000"/>
-            <a:ext cx="1871640" cy="459720"/>
-          </a:xfrm>
-          <a:prstGeom prst="rect">
-            <a:avLst/>
-          </a:prstGeom>
-          <a:gradFill>
-            <a:gsLst>
-              <a:gs pos="0">
-                <a:srgbClr val="C1C198"/>
-              </a:gs>
-              <a:gs pos="100000">
-                <a:srgbClr val="A9A975"/>
-              </a:gs>
-            </a:gsLst>
-            <a:lin ang="5400000"/>
-          </a:gradFill>
-          <a:ln>
-            <a:noFill/>
-          </a:ln>
-        </p:spPr>
-        <p:style>
-          <a:lnRef idx="0">
-            <a:scrgbClr r="0" g="0" b="0"/>
-          </a:lnRef>
-          <a:fillRef idx="0">
-            <a:scrgbClr r="0" g="0" b="0"/>
-          </a:fillRef>
-          <a:effectRef idx="0">
-            <a:scrgbClr r="0" g="0" b="0"/>
-          </a:effectRef>
-          <a:fontRef idx="minor"/>
-        </p:style>
-        <p:txBody>
-          <a:bodyPr lIns="90000" tIns="46800" rIns="90000" bIns="46800"/>
-          <a:lstStyle/>
-          <a:p>
-            <a:pPr algn="ctr">
-              <a:lnSpc>
-                <a:spcPct val="100000"/>
-              </a:lnSpc>
-            </a:pPr>
-            <a:r>
-              <a:rPr lang="zh-CN" sz="2400">
-                <a:solidFill>
-                  <a:srgbClr val="000000"/>
-                </a:solidFill>
-                <a:latin typeface="华文中宋"/>
-                <a:ea typeface="华文中宋"/>
-              </a:rPr>
-              <a:t>自己工作</a:t>
-            </a:r>
-            <a:endParaRPr/>
-          </a:p>
-        </p:txBody>
-      </p:sp>
-      <p:sp>
-        <p:nvSpPr>
-          <p:cNvPr id="174" name="CustomShape 7"/>
-          <p:cNvSpPr/>
-          <p:nvPr/>
-        </p:nvSpPr>
-        <p:spPr>
-          <a:xfrm>
-            <a:off x="468360" y="1425600"/>
-            <a:ext cx="2016000" cy="520560"/>
-          </a:xfrm>
-          <a:prstGeom prst="rect">
-            <a:avLst/>
-          </a:prstGeom>
-          <a:gradFill>
-            <a:gsLst>
-              <a:gs pos="0">
-                <a:srgbClr val="C1C198"/>
-              </a:gs>
-              <a:gs pos="100000">
-                <a:srgbClr val="A9A975"/>
-              </a:gs>
-            </a:gsLst>
-            <a:lin ang="5400000"/>
-          </a:gradFill>
-          <a:ln>
-            <a:noFill/>
-          </a:ln>
-        </p:spPr>
-        <p:style>
-          <a:lnRef idx="0">
-            <a:scrgbClr r="0" g="0" b="0"/>
-          </a:lnRef>
-          <a:fillRef idx="0">
-            <a:scrgbClr r="0" g="0" b="0"/>
-          </a:fillRef>
-          <a:effectRef idx="0">
-            <a:scrgbClr r="0" g="0" b="0"/>
-          </a:effectRef>
-          <a:fontRef idx="minor"/>
-        </p:style>
-        <p:txBody>
-          <a:bodyPr lIns="90000" tIns="46800" rIns="90000" bIns="46800"/>
-          <a:lstStyle/>
-          <a:p>
-            <a:pPr algn="ctr">
-              <a:lnSpc>
-                <a:spcPct val="100000"/>
-              </a:lnSpc>
-            </a:pPr>
-            <a:r>
-              <a:rPr lang="zh-CN" sz="2800">
-                <a:solidFill>
-                  <a:srgbClr val="000000"/>
-                </a:solidFill>
-                <a:latin typeface="华文中宋"/>
-                <a:ea typeface="华文中宋"/>
-              </a:rPr>
-              <a:t>研究课题：</a:t>
-            </a:r>
-            <a:endParaRPr/>
-          </a:p>
-        </p:txBody>
-      </p:sp>
-      <p:sp>
-        <p:nvSpPr>
-          <p:cNvPr id="175" name="CustomShape 8"/>
-          <p:cNvSpPr/>
-          <p:nvPr/>
-        </p:nvSpPr>
-        <p:spPr>
-          <a:xfrm>
-            <a:off x="1392120" y="5227560"/>
-            <a:ext cx="1871640" cy="459720"/>
-          </a:xfrm>
-          <a:prstGeom prst="rect">
-            <a:avLst/>
-          </a:prstGeom>
-          <a:gradFill>
-            <a:gsLst>
-              <a:gs pos="0">
-                <a:srgbClr val="C1C198"/>
-              </a:gs>
-              <a:gs pos="100000">
-                <a:srgbClr val="A9A975"/>
-              </a:gs>
-            </a:gsLst>
-            <a:lin ang="5400000"/>
-          </a:gradFill>
-          <a:ln>
-            <a:noFill/>
-          </a:ln>
-        </p:spPr>
-        <p:style>
-          <a:lnRef idx="0">
-            <a:scrgbClr r="0" g="0" b="0"/>
-          </a:lnRef>
-          <a:fillRef idx="0">
-            <a:scrgbClr r="0" g="0" b="0"/>
-          </a:fillRef>
-          <a:effectRef idx="0">
-            <a:scrgbClr r="0" g="0" b="0"/>
-          </a:effectRef>
-          <a:fontRef idx="minor"/>
-        </p:style>
-        <p:txBody>
-          <a:bodyPr lIns="90000" tIns="46800" rIns="90000" bIns="46800"/>
-          <a:lstStyle/>
-          <a:p>
-            <a:pPr algn="ctr">
-              <a:lnSpc>
-                <a:spcPct val="100000"/>
-              </a:lnSpc>
-            </a:pPr>
-            <a:r>
-              <a:rPr lang="zh-CN" sz="2400">
-                <a:solidFill>
-                  <a:srgbClr val="000000"/>
-                </a:solidFill>
-                <a:latin typeface="华文中宋"/>
-                <a:ea typeface="华文中宋"/>
-              </a:rPr>
-              <a:t>总结展望</a:t>
-            </a:r>
-            <a:endParaRPr/>
-          </a:p>
-        </p:txBody>
-      </p:sp>
-    </p:spTree>
-  </p:cSld>
-  <p:clrMapOvr>
-    <a:masterClrMapping/>
-  </p:clrMapOvr>
-</p:sld>
-</file>
-
-<file path=ppt/slides/slide16.xml><?xml version="1.0" encoding="utf-8"?>
-<p:sld xmlns:a="http://schemas.openxmlformats.org/drawingml/2006/main" xmlns:r="http://schemas.openxmlformats.org/officeDocument/2006/relationships" xmlns:p="http://schemas.openxmlformats.org/presentationml/2006/main">
-  <p:cSld>
-    <p:spTree>
-      <p:nvGrpSpPr>
-        <p:cNvPr id="1" name=""/>
-        <p:cNvGrpSpPr/>
-        <p:nvPr/>
-      </p:nvGrpSpPr>
-      <p:grpSpPr>
-        <a:xfrm>
-          <a:off x="0" y="0"/>
-          <a:ext cx="0" cy="0"/>
-          <a:chOff x="0" y="0"/>
-          <a:chExt cx="0" cy="0"/>
-        </a:xfrm>
-      </p:grpSpPr>
-      <p:sp>
-        <p:nvSpPr>
-          <p:cNvPr id="176" name="TextShape 1"/>
-          <p:cNvSpPr txBox="1"/>
-          <p:nvPr/>
-        </p:nvSpPr>
-        <p:spPr>
-          <a:xfrm>
-            <a:off x="1042920" y="404280"/>
-            <a:ext cx="5616720" cy="576360"/>
-          </a:xfrm>
-          <a:prstGeom prst="rect">
-            <a:avLst/>
-          </a:prstGeom>
-          <a:noFill/>
-          <a:ln>
-            <a:noFill/>
-          </a:ln>
-        </p:spPr>
-        <p:txBody>
-          <a:bodyPr anchor="b"/>
-          <a:lstStyle/>
-          <a:p>
-            <a:pPr algn="ctr">
-              <a:lnSpc>
-                <a:spcPct val="100000"/>
-              </a:lnSpc>
-            </a:pPr>
-            <a:r>
-              <a:rPr lang="zh-CN" sz="3200">
-                <a:latin typeface="华文中宋"/>
-                <a:ea typeface="华文中宋"/>
-              </a:rPr>
-              <a:t>相关工作</a:t>
-            </a:r>
-            <a:r>
-              <a:rPr lang="en-US" sz="3200">
-                <a:latin typeface="华文中宋"/>
-                <a:ea typeface="华文中宋"/>
-              </a:rPr>
-              <a:t>——YARN</a:t>
-            </a:r>
-            <a:endParaRPr/>
-          </a:p>
-        </p:txBody>
-      </p:sp>
-      <p:sp>
-        <p:nvSpPr>
-          <p:cNvPr id="177" name="TextShape 2"/>
-          <p:cNvSpPr txBox="1"/>
-          <p:nvPr/>
-        </p:nvSpPr>
-        <p:spPr>
-          <a:xfrm>
-            <a:off x="108000" y="1196640"/>
-            <a:ext cx="8640720" cy="4824360"/>
-          </a:xfrm>
-          <a:prstGeom prst="rect">
-            <a:avLst/>
-          </a:prstGeom>
-          <a:noFill/>
-          <a:ln>
-            <a:noFill/>
-          </a:ln>
-        </p:spPr>
-        <p:txBody>
-          <a:bodyPr/>
-          <a:lstStyle/>
-          <a:p>
-            <a:pPr>
-              <a:lnSpc>
-                <a:spcPct val="100000"/>
-              </a:lnSpc>
-              <a:buSzPct val="70000"/>
-              <a:buFont typeface="Wingdings" charset="2"/>
-              <a:buChar char=""/>
-            </a:pPr>
-            <a:r>
-              <a:rPr lang="en-US" sz="2000">
-                <a:latin typeface="华文楷体"/>
-                <a:ea typeface="华文楷体"/>
-              </a:rPr>
-              <a:t>YARN</a:t>
-            </a:r>
-            <a:r>
-              <a:rPr lang="zh-CN" sz="2000">
-                <a:latin typeface="华文楷体"/>
-                <a:ea typeface="华文楷体"/>
-              </a:rPr>
-              <a:t>资源调度器相关工作：</a:t>
-            </a:r>
-            <a:endParaRPr/>
-          </a:p>
-          <a:p>
-            <a:pPr lvl="1">
-              <a:lnSpc>
-                <a:spcPct val="100000"/>
-              </a:lnSpc>
-              <a:buSzPct val="65000"/>
-              <a:buFont typeface="Wingdings" charset="2"/>
-              <a:buChar char=""/>
-            </a:pPr>
-            <a:r>
-              <a:rPr lang="en-US" sz="1600">
-                <a:latin typeface="华文楷体"/>
-                <a:ea typeface="华文楷体"/>
-              </a:rPr>
-              <a:t>Zaharia</a:t>
-            </a:r>
-            <a:r>
-              <a:rPr lang="zh-CN" sz="1600">
-                <a:latin typeface="华文楷体"/>
-                <a:ea typeface="华文楷体"/>
-              </a:rPr>
-              <a:t>等提出了一种</a:t>
-            </a:r>
-            <a:r>
-              <a:rPr lang="en-US" b="1">
-                <a:latin typeface="华文楷体"/>
-                <a:ea typeface="华文楷体"/>
-              </a:rPr>
-              <a:t>delay-scheduling</a:t>
-            </a:r>
-            <a:r>
-              <a:rPr lang="zh-CN" b="1">
-                <a:latin typeface="华文楷体"/>
-                <a:ea typeface="华文楷体"/>
-              </a:rPr>
-              <a:t>算法</a:t>
-            </a:r>
-            <a:r>
-              <a:rPr lang="zh-CN" sz="1600">
-                <a:latin typeface="华文楷体"/>
-                <a:ea typeface="华文楷体"/>
-              </a:rPr>
-              <a:t>用来在保证公平性的前提下提高数据本地化性能；</a:t>
-            </a:r>
-            <a:endParaRPr/>
-          </a:p>
-          <a:p>
-            <a:pPr lvl="1">
-              <a:lnSpc>
-                <a:spcPct val="100000"/>
-              </a:lnSpc>
-              <a:buSzPct val="65000"/>
-              <a:buFont typeface="Wingdings" charset="2"/>
-              <a:buChar char=""/>
-            </a:pPr>
-            <a:r>
-              <a:rPr lang="en-US" sz="1600">
-                <a:latin typeface="华文楷体"/>
-                <a:ea typeface="华文楷体"/>
-              </a:rPr>
-              <a:t>Kumar</a:t>
-            </a:r>
-            <a:r>
-              <a:rPr lang="zh-CN" sz="1600">
-                <a:latin typeface="华文楷体"/>
-                <a:ea typeface="华文楷体"/>
-              </a:rPr>
-              <a:t>等提出了</a:t>
-            </a:r>
-            <a:r>
-              <a:rPr lang="zh-CN" b="1">
-                <a:latin typeface="华文楷体"/>
-                <a:ea typeface="华文楷体"/>
-              </a:rPr>
-              <a:t>基于内容感知</a:t>
-            </a:r>
-            <a:r>
-              <a:rPr lang="zh-CN" sz="1600">
-                <a:latin typeface="华文楷体"/>
-                <a:ea typeface="华文楷体"/>
-              </a:rPr>
-              <a:t>的调度器，通过收集</a:t>
-            </a:r>
-            <a:r>
-              <a:rPr lang="en-US" sz="1600">
-                <a:latin typeface="华文楷体"/>
-                <a:ea typeface="华文楷体"/>
-              </a:rPr>
-              <a:t>Hadoop</a:t>
-            </a:r>
-            <a:r>
-              <a:rPr lang="zh-CN" sz="1600">
-                <a:latin typeface="华文楷体"/>
-                <a:ea typeface="华文楷体"/>
-              </a:rPr>
-              <a:t>中的一些运行信息来调度资源；</a:t>
-            </a:r>
-            <a:endParaRPr/>
-          </a:p>
-          <a:p>
-            <a:pPr lvl="1">
-              <a:lnSpc>
-                <a:spcPct val="100000"/>
-              </a:lnSpc>
-              <a:buSzPct val="65000"/>
-              <a:buFont typeface="Wingdings" charset="2"/>
-              <a:buChar char=""/>
-            </a:pPr>
-            <a:r>
-              <a:rPr lang="en-US" sz="1600">
-                <a:latin typeface="华文楷体"/>
-                <a:ea typeface="华文楷体"/>
-              </a:rPr>
-              <a:t>Gupta</a:t>
-            </a:r>
-            <a:r>
-              <a:rPr lang="zh-CN" sz="1600">
-                <a:latin typeface="华文楷体"/>
-                <a:ea typeface="华文楷体"/>
-              </a:rPr>
-              <a:t>等人则开发了</a:t>
-            </a:r>
-            <a:r>
-              <a:rPr lang="en-US" b="1">
-                <a:latin typeface="华文楷体"/>
-                <a:ea typeface="华文楷体"/>
-              </a:rPr>
-              <a:t>ThroughputScheduler</a:t>
-            </a:r>
-            <a:r>
-              <a:rPr lang="zh-CN" sz="1600">
-                <a:latin typeface="华文楷体"/>
-                <a:ea typeface="华文楷体"/>
-              </a:rPr>
-              <a:t>调度器，该调度器通过使用</a:t>
-            </a:r>
-            <a:r>
-              <a:rPr lang="zh-CN" b="1">
-                <a:latin typeface="华文楷体"/>
-                <a:ea typeface="华文楷体"/>
-              </a:rPr>
-              <a:t>贝叶斯学习算法</a:t>
-            </a:r>
-            <a:r>
-              <a:rPr lang="zh-CN" sz="1600">
-                <a:latin typeface="华文楷体"/>
-                <a:ea typeface="华文楷体"/>
-              </a:rPr>
-              <a:t>找到和节点容量最佳匹配的</a:t>
-            </a:r>
-            <a:r>
-              <a:rPr lang="en-US" sz="1600">
-                <a:latin typeface="华文楷体"/>
-                <a:ea typeface="华文楷体"/>
-              </a:rPr>
-              <a:t>Job</a:t>
-            </a:r>
-            <a:r>
-              <a:rPr lang="zh-CN" sz="1600">
-                <a:latin typeface="华文楷体"/>
-                <a:ea typeface="华文楷体"/>
-              </a:rPr>
-              <a:t>需求来调度资源；</a:t>
-            </a:r>
-            <a:endParaRPr/>
-          </a:p>
-          <a:p>
-            <a:pPr lvl="1">
-              <a:lnSpc>
-                <a:spcPct val="100000"/>
-              </a:lnSpc>
-              <a:buSzPct val="65000"/>
-              <a:buFont typeface="Wingdings" charset="2"/>
-              <a:buChar char=""/>
-            </a:pPr>
-            <a:r>
-              <a:rPr lang="en-US" sz="1600">
-                <a:latin typeface="华文楷体"/>
-                <a:ea typeface="华文楷体"/>
-              </a:rPr>
-              <a:t>Lee</a:t>
-            </a:r>
-            <a:r>
-              <a:rPr lang="zh-CN" sz="1600">
-                <a:latin typeface="华文楷体"/>
-                <a:ea typeface="华文楷体"/>
-              </a:rPr>
-              <a:t>引入了</a:t>
-            </a:r>
-            <a:r>
-              <a:rPr lang="en-US" b="1">
-                <a:latin typeface="华文楷体"/>
-                <a:ea typeface="华文楷体"/>
-              </a:rPr>
-              <a:t>JoSS</a:t>
-            </a:r>
-            <a:r>
-              <a:rPr lang="zh-CN" b="1">
-                <a:latin typeface="华文楷体"/>
-                <a:ea typeface="华文楷体"/>
-              </a:rPr>
-              <a:t>调度器</a:t>
-            </a:r>
-            <a:r>
-              <a:rPr lang="zh-CN" sz="1600">
-                <a:latin typeface="华文楷体"/>
-                <a:ea typeface="华文楷体"/>
-              </a:rPr>
-              <a:t>，在</a:t>
-            </a:r>
-            <a:r>
-              <a:rPr lang="en-US" sz="1600">
-                <a:latin typeface="华文楷体"/>
-                <a:ea typeface="华文楷体"/>
-              </a:rPr>
-              <a:t>map</a:t>
-            </a:r>
-            <a:r>
-              <a:rPr lang="zh-CN" sz="1600">
-                <a:latin typeface="华文楷体"/>
-                <a:ea typeface="华文楷体"/>
-              </a:rPr>
-              <a:t>和</a:t>
-            </a:r>
-            <a:r>
-              <a:rPr lang="en-US" sz="1600">
-                <a:latin typeface="华文楷体"/>
-                <a:ea typeface="华文楷体"/>
-              </a:rPr>
-              <a:t>reduce</a:t>
-            </a:r>
-            <a:r>
-              <a:rPr lang="zh-CN" sz="1600">
-                <a:latin typeface="华文楷体"/>
-                <a:ea typeface="华文楷体"/>
-              </a:rPr>
-              <a:t>任务同时提高了</a:t>
-            </a:r>
-            <a:r>
-              <a:rPr lang="zh-CN" b="1">
-                <a:latin typeface="华文楷体"/>
-                <a:ea typeface="华文楷体"/>
-              </a:rPr>
-              <a:t>数据本地性</a:t>
-            </a:r>
-            <a:r>
-              <a:rPr lang="zh-CN" sz="1600">
-                <a:latin typeface="华文楷体"/>
-                <a:ea typeface="华文楷体"/>
-              </a:rPr>
-              <a:t>，避免</a:t>
-            </a:r>
-            <a:r>
-              <a:rPr lang="en-US" sz="1600">
-                <a:latin typeface="华文楷体"/>
-                <a:ea typeface="华文楷体"/>
-              </a:rPr>
-              <a:t>Job</a:t>
-            </a:r>
-            <a:r>
-              <a:rPr lang="zh-CN" sz="1600">
-                <a:latin typeface="华文楷体"/>
-                <a:ea typeface="华文楷体"/>
-              </a:rPr>
-              <a:t>饥饿，提高</a:t>
-            </a:r>
-            <a:r>
-              <a:rPr lang="en-US" sz="1600">
-                <a:latin typeface="华文楷体"/>
-                <a:ea typeface="华文楷体"/>
-              </a:rPr>
-              <a:t>Job</a:t>
-            </a:r>
-            <a:r>
-              <a:rPr lang="zh-CN" sz="1600">
-                <a:latin typeface="华文楷体"/>
-                <a:ea typeface="华文楷体"/>
-              </a:rPr>
-              <a:t>运行时间；</a:t>
-            </a:r>
-            <a:endParaRPr/>
-          </a:p>
-          <a:p>
-            <a:pPr>
-              <a:lnSpc>
-                <a:spcPct val="100000"/>
-              </a:lnSpc>
-              <a:buSzPct val="70000"/>
-              <a:buFont typeface="Wingdings" charset="2"/>
-              <a:buChar char=""/>
-            </a:pPr>
-            <a:r>
-              <a:rPr lang="en-US" sz="2000">
-                <a:latin typeface="华文楷体"/>
-                <a:ea typeface="华文楷体"/>
-              </a:rPr>
-              <a:t>Shuffle</a:t>
-            </a:r>
-            <a:r>
-              <a:rPr lang="zh-CN" sz="2000">
-                <a:latin typeface="华文楷体"/>
-                <a:ea typeface="华文楷体"/>
-              </a:rPr>
-              <a:t>过程相关工作：</a:t>
-            </a:r>
-            <a:endParaRPr/>
-          </a:p>
-          <a:p>
-            <a:pPr lvl="1">
-              <a:lnSpc>
-                <a:spcPct val="100000"/>
-              </a:lnSpc>
-              <a:buSzPct val="65000"/>
-              <a:buFont typeface="Wingdings" charset="2"/>
-              <a:buChar char=""/>
-            </a:pPr>
-            <a:r>
-              <a:rPr lang="en-US" sz="1600">
-                <a:latin typeface="华文楷体"/>
-                <a:ea typeface="华文楷体"/>
-              </a:rPr>
-              <a:t>Condie</a:t>
-            </a:r>
-            <a:r>
-              <a:rPr lang="zh-CN" sz="1600">
-                <a:latin typeface="华文楷体"/>
-                <a:ea typeface="华文楷体"/>
-              </a:rPr>
-              <a:t>等提出</a:t>
-            </a:r>
-            <a:r>
-              <a:rPr lang="en-US" b="1">
-                <a:latin typeface="华文楷体"/>
-                <a:ea typeface="华文楷体"/>
-              </a:rPr>
-              <a:t>instant shuffling</a:t>
-            </a:r>
-            <a:r>
-              <a:rPr lang="zh-CN" b="1">
-                <a:latin typeface="华文楷体"/>
-                <a:ea typeface="华文楷体"/>
-              </a:rPr>
-              <a:t>的概念</a:t>
-            </a:r>
-            <a:r>
-              <a:rPr lang="zh-CN" sz="1600">
-                <a:latin typeface="华文楷体"/>
-                <a:ea typeface="华文楷体"/>
-              </a:rPr>
-              <a:t>，直接将</a:t>
-            </a:r>
-            <a:r>
-              <a:rPr lang="en-US" sz="1600">
-                <a:latin typeface="华文楷体"/>
-                <a:ea typeface="华文楷体"/>
-              </a:rPr>
-              <a:t>Map</a:t>
-            </a:r>
-            <a:r>
-              <a:rPr lang="zh-CN" sz="1600">
-                <a:latin typeface="华文楷体"/>
-                <a:ea typeface="华文楷体"/>
-              </a:rPr>
-              <a:t>中间数据发送到</a:t>
-            </a:r>
-            <a:r>
-              <a:rPr lang="en-US" sz="1600">
-                <a:latin typeface="华文楷体"/>
-                <a:ea typeface="华文楷体"/>
-              </a:rPr>
-              <a:t>Reduce</a:t>
-            </a:r>
-            <a:r>
-              <a:rPr lang="zh-CN" sz="1600">
-                <a:latin typeface="华文楷体"/>
-                <a:ea typeface="华文楷体"/>
-              </a:rPr>
-              <a:t>端，节省创建中间数据的时间；</a:t>
-            </a:r>
-            <a:endParaRPr/>
-          </a:p>
-          <a:p>
-            <a:pPr lvl="1">
-              <a:lnSpc>
-                <a:spcPct val="100000"/>
-              </a:lnSpc>
-              <a:buSzPct val="65000"/>
-              <a:buFont typeface="Wingdings" charset="2"/>
-              <a:buChar char=""/>
-            </a:pPr>
-            <a:r>
-              <a:rPr lang="en-US" sz="1600">
-                <a:latin typeface="华文楷体"/>
-                <a:ea typeface="华文楷体"/>
-              </a:rPr>
-              <a:t>Camdoop</a:t>
-            </a:r>
-            <a:r>
-              <a:rPr lang="zh-CN" sz="1600">
-                <a:latin typeface="华文楷体"/>
-                <a:ea typeface="华文楷体"/>
-              </a:rPr>
-              <a:t>的文章在数据转发中使用了</a:t>
-            </a:r>
-            <a:r>
-              <a:rPr lang="zh-CN" b="1">
-                <a:latin typeface="华文楷体"/>
-                <a:ea typeface="华文楷体"/>
-              </a:rPr>
-              <a:t>分层聚合的策略</a:t>
-            </a:r>
-            <a:r>
-              <a:rPr lang="zh-CN" sz="1600">
-                <a:latin typeface="华文楷体"/>
-                <a:ea typeface="华文楷体"/>
-              </a:rPr>
-              <a:t>来设计</a:t>
-            </a:r>
-            <a:r>
-              <a:rPr lang="en-US" sz="1600">
-                <a:latin typeface="华文楷体"/>
-                <a:ea typeface="华文楷体"/>
-              </a:rPr>
-              <a:t>Shuffle</a:t>
-            </a:r>
-            <a:r>
-              <a:rPr lang="zh-CN" sz="1600">
-                <a:latin typeface="华文楷体"/>
-                <a:ea typeface="华文楷体"/>
-              </a:rPr>
-              <a:t>过程，减少了中间数据的网络传输；</a:t>
-            </a:r>
-            <a:endParaRPr/>
-          </a:p>
-          <a:p>
-            <a:pPr lvl="1">
-              <a:lnSpc>
-                <a:spcPct val="100000"/>
-              </a:lnSpc>
-              <a:buSzPct val="65000"/>
-              <a:buFont typeface="Wingdings" charset="2"/>
-              <a:buChar char=""/>
-            </a:pPr>
-            <a:r>
-              <a:rPr lang="en-US" sz="1600">
-                <a:latin typeface="华文楷体"/>
-                <a:ea typeface="华文楷体"/>
-              </a:rPr>
-              <a:t>MaRCO</a:t>
-            </a:r>
-            <a:r>
-              <a:rPr lang="zh-CN" sz="1600">
-                <a:latin typeface="华文楷体"/>
-                <a:ea typeface="华文楷体"/>
-              </a:rPr>
-              <a:t>等重叠了</a:t>
-            </a:r>
-            <a:r>
-              <a:rPr lang="en-US" b="1">
-                <a:latin typeface="华文楷体"/>
-                <a:ea typeface="华文楷体"/>
-              </a:rPr>
-              <a:t>Shuffle</a:t>
-            </a:r>
-            <a:r>
-              <a:rPr lang="zh-CN" b="1">
-                <a:latin typeface="华文楷体"/>
-                <a:ea typeface="华文楷体"/>
-              </a:rPr>
-              <a:t>和</a:t>
-            </a:r>
-            <a:r>
-              <a:rPr lang="en-US" b="1">
-                <a:latin typeface="华文楷体"/>
-                <a:ea typeface="华文楷体"/>
-              </a:rPr>
-              <a:t>Reduce</a:t>
-            </a:r>
-            <a:r>
-              <a:rPr lang="zh-CN" b="1">
-                <a:latin typeface="华文楷体"/>
-                <a:ea typeface="华文楷体"/>
-              </a:rPr>
-              <a:t>阶段</a:t>
-            </a:r>
-            <a:r>
-              <a:rPr lang="zh-CN" sz="1600">
-                <a:latin typeface="华文楷体"/>
-                <a:ea typeface="华文楷体"/>
-              </a:rPr>
-              <a:t>，减少了</a:t>
-            </a:r>
-            <a:r>
-              <a:rPr lang="en-US" sz="1600">
-                <a:latin typeface="华文楷体"/>
-                <a:ea typeface="华文楷体"/>
-              </a:rPr>
-              <a:t>Reduce</a:t>
-            </a:r>
-            <a:r>
-              <a:rPr lang="zh-CN" sz="1600">
-                <a:latin typeface="华文楷体"/>
-                <a:ea typeface="华文楷体"/>
-              </a:rPr>
-              <a:t>等待时间，提高了效率。</a:t>
-            </a:r>
-            <a:endParaRPr/>
-          </a:p>
-        </p:txBody>
-      </p:sp>
-      <p:sp>
-        <p:nvSpPr>
-          <p:cNvPr id="178" name="CustomShape 3"/>
-          <p:cNvSpPr/>
-          <p:nvPr/>
-        </p:nvSpPr>
-        <p:spPr>
-          <a:xfrm>
-            <a:off x="7524720" y="6284880"/>
-            <a:ext cx="933480" cy="457200"/>
-          </a:xfrm>
-          <a:prstGeom prst="rect">
-            <a:avLst/>
-          </a:prstGeom>
-          <a:noFill/>
-          <a:ln>
-            <a:noFill/>
-          </a:ln>
-        </p:spPr>
-        <p:style>
-          <a:lnRef idx="0">
-            <a:scrgbClr r="0" g="0" b="0"/>
-          </a:lnRef>
-          <a:fillRef idx="0">
-            <a:scrgbClr r="0" g="0" b="0"/>
-          </a:fillRef>
-          <a:effectRef idx="0">
-            <a:scrgbClr r="0" g="0" b="0"/>
-          </a:effectRef>
-          <a:fontRef idx="minor"/>
-        </p:style>
-        <p:txBody>
-          <a:bodyPr lIns="90000" tIns="46800" rIns="90000" bIns="46800"/>
-          <a:lstStyle/>
-          <a:p>
-            <a:pPr algn="r">
-              <a:lnSpc>
-                <a:spcPct val="100000"/>
-              </a:lnSpc>
-            </a:pPr>
-            <a:fld id="{52D6B66A-31D0-48C1-B822-D8E6AFF7F5E3}" type="slidenum">
-              <a:rPr lang="en-US" sz="1600">
-                <a:latin typeface="Arial"/>
-              </a:rPr>
-              <a:t>16</a:t>
-            </a:fld>
-            <a:endParaRPr/>
-          </a:p>
-        </p:txBody>
-      </p:sp>
-      <p:sp>
-        <p:nvSpPr>
-          <p:cNvPr id="179" name="CustomShape 4"/>
-          <p:cNvSpPr/>
-          <p:nvPr/>
-        </p:nvSpPr>
-        <p:spPr>
-          <a:xfrm>
-            <a:off x="4429080" y="1217520"/>
-            <a:ext cx="2878200" cy="842760"/>
-          </a:xfrm>
-          <a:prstGeom prst="wedgeRoundRectCallout">
-            <a:avLst/>
-          </a:prstGeom>
-          <a:solidFill>
-            <a:srgbClr val="CCFFCC"/>
-          </a:solidFill>
-          <a:ln>
-            <a:noFill/>
-          </a:ln>
-        </p:spPr>
-        <p:style>
-          <a:lnRef idx="0">
-            <a:scrgbClr r="0" g="0" b="0"/>
-          </a:lnRef>
-          <a:fillRef idx="0">
-            <a:scrgbClr r="0" g="0" b="0"/>
-          </a:fillRef>
-          <a:effectRef idx="0">
-            <a:scrgbClr r="0" g="0" b="0"/>
-          </a:effectRef>
-          <a:fontRef idx="minor"/>
-        </p:style>
-        <p:txBody>
-          <a:bodyPr wrap="none" lIns="90000" tIns="46800" rIns="90000" bIns="46800" anchor="ctr"/>
-          <a:lstStyle/>
-          <a:p>
-            <a:pPr algn="ctr">
-              <a:lnSpc>
-                <a:spcPct val="100000"/>
-              </a:lnSpc>
-            </a:pPr>
-            <a:r>
-              <a:rPr lang="zh-CN" sz="2000" b="1">
-                <a:latin typeface="华文中宋"/>
-                <a:ea typeface="华文中宋"/>
-              </a:rPr>
-              <a:t>资源利用率最大化</a:t>
-            </a:r>
-            <a:endParaRPr/>
-          </a:p>
-        </p:txBody>
-      </p:sp>
-      <p:sp>
-        <p:nvSpPr>
-          <p:cNvPr id="180" name="CustomShape 5"/>
-          <p:cNvSpPr/>
-          <p:nvPr/>
-        </p:nvSpPr>
-        <p:spPr>
-          <a:xfrm>
-            <a:off x="3492360" y="3548160"/>
-            <a:ext cx="2878200" cy="842760"/>
-          </a:xfrm>
-          <a:prstGeom prst="wedgeRoundRectCallout">
-            <a:avLst/>
-          </a:prstGeom>
-          <a:solidFill>
-            <a:srgbClr val="CCFFCC"/>
-          </a:solidFill>
-          <a:ln>
-            <a:noFill/>
-          </a:ln>
-        </p:spPr>
-        <p:style>
-          <a:lnRef idx="0">
-            <a:scrgbClr r="0" g="0" b="0"/>
-          </a:lnRef>
-          <a:fillRef idx="0">
-            <a:scrgbClr r="0" g="0" b="0"/>
-          </a:fillRef>
-          <a:effectRef idx="0">
-            <a:scrgbClr r="0" g="0" b="0"/>
-          </a:effectRef>
-          <a:fontRef idx="minor"/>
-        </p:style>
-        <p:txBody>
-          <a:bodyPr wrap="none" lIns="90000" tIns="46800" rIns="90000" bIns="46800" anchor="ctr"/>
-          <a:lstStyle/>
-          <a:p>
-            <a:pPr algn="ctr">
-              <a:lnSpc>
-                <a:spcPct val="100000"/>
-              </a:lnSpc>
-            </a:pPr>
-            <a:r>
-              <a:rPr lang="zh-CN" sz="2000" b="1">
-                <a:latin typeface="华文中宋"/>
-                <a:ea typeface="华文中宋"/>
-              </a:rPr>
-              <a:t>数据传输速度慢</a:t>
-            </a:r>
-            <a:endParaRPr/>
-          </a:p>
-        </p:txBody>
-      </p:sp>
-    </p:spTree>
-  </p:cSld>
-  <p:clrMapOvr>
-    <a:masterClrMapping/>
-  </p:clrMapOvr>
-</p:sld>
-</file>
-
-<file path=ppt/slides/slide17.xml><?xml version="1.0" encoding="utf-8"?>
-<p:sld xmlns:a="http://schemas.openxmlformats.org/drawingml/2006/main" xmlns:r="http://schemas.openxmlformats.org/officeDocument/2006/relationships" xmlns:p="http://schemas.openxmlformats.org/presentationml/2006/main">
-  <p:cSld>
-    <p:spTree>
-      <p:nvGrpSpPr>
-        <p:cNvPr id="1" name=""/>
-        <p:cNvGrpSpPr/>
-        <p:nvPr/>
-      </p:nvGrpSpPr>
-      <p:grpSpPr>
-        <a:xfrm>
-          <a:off x="0" y="0"/>
-          <a:ext cx="0" cy="0"/>
-          <a:chOff x="0" y="0"/>
-          <a:chExt cx="0" cy="0"/>
-        </a:xfrm>
-      </p:grpSpPr>
-      <p:sp>
-        <p:nvSpPr>
-          <p:cNvPr id="181" name="TextShape 1"/>
-          <p:cNvSpPr txBox="1"/>
-          <p:nvPr/>
-        </p:nvSpPr>
-        <p:spPr>
-          <a:xfrm>
-            <a:off x="1042920" y="404280"/>
-            <a:ext cx="5616720" cy="576360"/>
-          </a:xfrm>
-          <a:prstGeom prst="rect">
-            <a:avLst/>
-          </a:prstGeom>
-          <a:noFill/>
-          <a:ln>
-            <a:noFill/>
-          </a:ln>
-        </p:spPr>
-        <p:txBody>
-          <a:bodyPr anchor="b"/>
-          <a:lstStyle/>
-          <a:p>
-            <a:pPr algn="ctr">
-              <a:lnSpc>
-                <a:spcPct val="100000"/>
-              </a:lnSpc>
-            </a:pPr>
-            <a:r>
-              <a:rPr lang="zh-CN" sz="3200">
-                <a:latin typeface="华文中宋"/>
-                <a:ea typeface="华文中宋"/>
-              </a:rPr>
-              <a:t>相关工作</a:t>
-            </a:r>
-            <a:r>
-              <a:rPr lang="en-US" sz="3200">
-                <a:latin typeface="华文中宋"/>
-                <a:ea typeface="华文中宋"/>
-              </a:rPr>
-              <a:t>——PKTM</a:t>
-            </a:r>
-            <a:endParaRPr/>
-          </a:p>
-        </p:txBody>
-      </p:sp>
-      <p:sp>
-        <p:nvSpPr>
-          <p:cNvPr id="182" name="TextShape 2"/>
-          <p:cNvSpPr txBox="1"/>
-          <p:nvPr/>
-        </p:nvSpPr>
-        <p:spPr>
-          <a:xfrm>
-            <a:off x="108000" y="1196640"/>
-            <a:ext cx="8640720" cy="4824360"/>
-          </a:xfrm>
-          <a:prstGeom prst="rect">
-            <a:avLst/>
-          </a:prstGeom>
-          <a:noFill/>
-          <a:ln>
-            <a:noFill/>
-          </a:ln>
-        </p:spPr>
-        <p:txBody>
-          <a:bodyPr/>
-          <a:lstStyle/>
-          <a:p>
-            <a:pPr>
-              <a:lnSpc>
-                <a:spcPct val="100000"/>
-              </a:lnSpc>
-              <a:buSzPct val="70000"/>
-              <a:buFont typeface="Wingdings" charset="2"/>
-              <a:buChar char=""/>
-            </a:pPr>
-            <a:r>
-              <a:rPr lang="en-US" sz="2000">
-                <a:latin typeface="华文楷体"/>
-                <a:ea typeface="华文楷体"/>
-              </a:rPr>
-              <a:t>PKTM</a:t>
-            </a:r>
-            <a:r>
-              <a:rPr lang="zh-CN" sz="2000">
-                <a:latin typeface="华文楷体"/>
-                <a:ea typeface="华文楷体"/>
-              </a:rPr>
-              <a:t>算法在</a:t>
-            </a:r>
-            <a:r>
-              <a:rPr lang="zh-CN" sz="2400" b="1">
-                <a:latin typeface="华文楷体"/>
-                <a:ea typeface="华文楷体"/>
-              </a:rPr>
-              <a:t>分布式框架</a:t>
-            </a:r>
-            <a:r>
-              <a:rPr lang="zh-CN" sz="2000">
-                <a:latin typeface="华文楷体"/>
-                <a:ea typeface="华文楷体"/>
-              </a:rPr>
-              <a:t>上的应用：</a:t>
-            </a:r>
-            <a:endParaRPr/>
-          </a:p>
-          <a:p>
-            <a:pPr lvl="1">
-              <a:lnSpc>
-                <a:spcPct val="100000"/>
-              </a:lnSpc>
-              <a:buSzPct val="65000"/>
-              <a:buFont typeface="Wingdings" charset="2"/>
-              <a:buChar char=""/>
-            </a:pPr>
-            <a:r>
-              <a:rPr lang="en-US" sz="1600">
-                <a:latin typeface="华文楷体"/>
-                <a:ea typeface="华文楷体"/>
-              </a:rPr>
-              <a:t>Rizvandi</a:t>
-            </a:r>
-            <a:r>
-              <a:rPr lang="zh-CN" sz="1600">
-                <a:latin typeface="华文楷体"/>
-                <a:ea typeface="华文楷体"/>
-              </a:rPr>
-              <a:t>介绍了</a:t>
-            </a:r>
-            <a:r>
-              <a:rPr lang="en-US" sz="1600">
-                <a:latin typeface="华文楷体"/>
-                <a:ea typeface="华文楷体"/>
-              </a:rPr>
-              <a:t>PKTM</a:t>
-            </a:r>
-            <a:r>
-              <a:rPr lang="zh-CN" sz="1600">
-                <a:latin typeface="华文楷体"/>
-                <a:ea typeface="华文楷体"/>
-              </a:rPr>
-              <a:t>在</a:t>
-            </a:r>
-            <a:r>
-              <a:rPr lang="en-US" b="1">
-                <a:latin typeface="华文楷体"/>
-                <a:ea typeface="华文楷体"/>
-              </a:rPr>
-              <a:t>Hadoop</a:t>
-            </a:r>
-            <a:r>
-              <a:rPr lang="zh-CN" b="1">
-                <a:latin typeface="华文楷体"/>
-                <a:ea typeface="华文楷体"/>
-              </a:rPr>
-              <a:t>上的改进</a:t>
-            </a:r>
-            <a:r>
-              <a:rPr lang="zh-CN" sz="1600">
-                <a:latin typeface="华文楷体"/>
-                <a:ea typeface="华文楷体"/>
-              </a:rPr>
-              <a:t>，该文章只是单纯的实现了一个分布式版本，还有很大的提升空间；</a:t>
-            </a:r>
-            <a:endParaRPr/>
-          </a:p>
-          <a:p>
-            <a:pPr lvl="1">
-              <a:lnSpc>
-                <a:spcPct val="100000"/>
-              </a:lnSpc>
-              <a:buSzPct val="65000"/>
-              <a:buFont typeface="Wingdings" charset="2"/>
-              <a:buChar char=""/>
-            </a:pPr>
-            <a:r>
-              <a:rPr lang="en-US" sz="1600">
-                <a:latin typeface="华文楷体"/>
-                <a:ea typeface="华文楷体"/>
-              </a:rPr>
-              <a:t>Dai</a:t>
-            </a:r>
-            <a:r>
-              <a:rPr lang="zh-CN" sz="1600">
-                <a:latin typeface="华文楷体"/>
-                <a:ea typeface="华文楷体"/>
-              </a:rPr>
-              <a:t>和</a:t>
-            </a:r>
-            <a:r>
-              <a:rPr lang="en-US" sz="1600">
-                <a:latin typeface="华文楷体"/>
-                <a:ea typeface="华文楷体"/>
-              </a:rPr>
-              <a:t>Li</a:t>
-            </a:r>
-            <a:r>
-              <a:rPr lang="zh-CN" sz="1600">
-                <a:latin typeface="华文楷体"/>
-                <a:ea typeface="华文楷体"/>
-              </a:rPr>
-              <a:t>提出了一个通过</a:t>
-            </a:r>
-            <a:r>
-              <a:rPr lang="zh-CN" b="1">
-                <a:latin typeface="华文楷体"/>
-                <a:ea typeface="华文楷体"/>
-              </a:rPr>
-              <a:t>旅行时间获取偏移的速度模型</a:t>
-            </a:r>
-            <a:r>
-              <a:rPr lang="zh-CN" sz="1600">
-                <a:latin typeface="华文楷体"/>
-                <a:ea typeface="华文楷体"/>
-              </a:rPr>
-              <a:t>的实际模型；</a:t>
-            </a:r>
-            <a:endParaRPr/>
-          </a:p>
-          <a:p>
-            <a:pPr lvl="1">
-              <a:lnSpc>
-                <a:spcPct val="100000"/>
-              </a:lnSpc>
-              <a:buSzPct val="65000"/>
-              <a:buFont typeface="Wingdings" charset="2"/>
-              <a:buChar char=""/>
-            </a:pPr>
-            <a:r>
-              <a:rPr lang="en-US" sz="1600">
-                <a:latin typeface="华文楷体"/>
-                <a:ea typeface="华文楷体"/>
-              </a:rPr>
-              <a:t>Li</a:t>
-            </a:r>
-            <a:r>
-              <a:rPr lang="zh-CN" sz="1600">
-                <a:latin typeface="华文楷体"/>
-                <a:ea typeface="华文楷体"/>
-              </a:rPr>
-              <a:t>和</a:t>
-            </a:r>
-            <a:r>
-              <a:rPr lang="en-US" sz="1600">
-                <a:latin typeface="华文楷体"/>
-                <a:ea typeface="华文楷体"/>
-              </a:rPr>
-              <a:t>Wang</a:t>
-            </a:r>
-            <a:r>
-              <a:rPr lang="zh-CN" sz="1600">
-                <a:latin typeface="华文楷体"/>
-                <a:ea typeface="华文楷体"/>
-              </a:rPr>
-              <a:t>改进了</a:t>
-            </a:r>
-            <a:r>
-              <a:rPr lang="en-US" sz="1600">
-                <a:latin typeface="华文楷体"/>
-                <a:ea typeface="华文楷体"/>
-              </a:rPr>
-              <a:t>PKTM</a:t>
-            </a:r>
-            <a:r>
-              <a:rPr lang="zh-CN" sz="1600">
-                <a:latin typeface="华文楷体"/>
-                <a:ea typeface="华文楷体"/>
-              </a:rPr>
-              <a:t>算法，减少了</a:t>
-            </a:r>
-            <a:r>
-              <a:rPr lang="en-US" b="1">
-                <a:latin typeface="华文楷体"/>
-                <a:ea typeface="华文楷体"/>
-              </a:rPr>
-              <a:t>I/O</a:t>
-            </a:r>
-            <a:r>
-              <a:rPr lang="zh-CN" b="1">
-                <a:latin typeface="华文楷体"/>
-                <a:ea typeface="华文楷体"/>
-              </a:rPr>
-              <a:t>带宽</a:t>
-            </a:r>
-            <a:r>
-              <a:rPr lang="zh-CN" sz="1600">
-                <a:latin typeface="华文楷体"/>
-                <a:ea typeface="华文楷体"/>
-              </a:rPr>
-              <a:t>，提高了效率；</a:t>
-            </a:r>
-            <a:endParaRPr/>
-          </a:p>
-          <a:p>
-            <a:pPr lvl="1">
-              <a:lnSpc>
-                <a:spcPct val="100000"/>
-              </a:lnSpc>
-              <a:buSzPct val="65000"/>
-              <a:buFont typeface="Wingdings" charset="2"/>
-              <a:buChar char=""/>
-            </a:pPr>
-            <a:endParaRPr/>
-          </a:p>
-          <a:p>
-            <a:pPr>
-              <a:lnSpc>
-                <a:spcPct val="100000"/>
-              </a:lnSpc>
-              <a:buSzPct val="70000"/>
-              <a:buFont typeface="Wingdings" charset="2"/>
-              <a:buChar char=""/>
-            </a:pPr>
-            <a:r>
-              <a:rPr lang="en-US" sz="2000">
-                <a:latin typeface="华文楷体"/>
-                <a:ea typeface="华文楷体"/>
-              </a:rPr>
-              <a:t>PKTM</a:t>
-            </a:r>
-            <a:r>
-              <a:rPr lang="zh-CN" sz="2000">
-                <a:latin typeface="华文楷体"/>
-                <a:ea typeface="华文楷体"/>
-              </a:rPr>
-              <a:t>算法在</a:t>
-            </a:r>
-            <a:r>
-              <a:rPr lang="zh-CN" sz="2400" b="1">
-                <a:latin typeface="华文楷体"/>
-                <a:ea typeface="华文楷体"/>
-              </a:rPr>
-              <a:t>并行算法</a:t>
-            </a:r>
-            <a:r>
-              <a:rPr lang="zh-CN" sz="2000">
-                <a:latin typeface="华文楷体"/>
-                <a:ea typeface="华文楷体"/>
-              </a:rPr>
-              <a:t>上的应用：</a:t>
-            </a:r>
-            <a:endParaRPr/>
-          </a:p>
-          <a:p>
-            <a:pPr lvl="1">
-              <a:lnSpc>
-                <a:spcPct val="100000"/>
-              </a:lnSpc>
-              <a:buSzPct val="65000"/>
-              <a:buFont typeface="Wingdings" charset="2"/>
-              <a:buChar char=""/>
-            </a:pPr>
-            <a:r>
-              <a:rPr lang="en-US" sz="1600">
-                <a:latin typeface="华文楷体"/>
-                <a:ea typeface="华文楷体"/>
-              </a:rPr>
-              <a:t>Zhang</a:t>
-            </a:r>
-            <a:r>
-              <a:rPr lang="zh-CN" sz="1600">
-                <a:latin typeface="华文楷体"/>
-                <a:ea typeface="华文楷体"/>
-              </a:rPr>
-              <a:t>等人提供了在</a:t>
-            </a:r>
-            <a:r>
-              <a:rPr lang="en-US" sz="1600">
-                <a:latin typeface="华文楷体"/>
-                <a:ea typeface="华文楷体"/>
-              </a:rPr>
-              <a:t>GPU</a:t>
-            </a:r>
-            <a:r>
-              <a:rPr lang="zh-CN" sz="1600">
-                <a:latin typeface="华文楷体"/>
-                <a:ea typeface="华文楷体"/>
-              </a:rPr>
-              <a:t>上实现的</a:t>
-            </a:r>
-            <a:r>
-              <a:rPr lang="en-US" sz="1600">
-                <a:latin typeface="华文楷体"/>
-                <a:ea typeface="华文楷体"/>
-              </a:rPr>
-              <a:t>KPSDM</a:t>
-            </a:r>
-            <a:r>
-              <a:rPr lang="zh-CN" sz="1600">
-                <a:latin typeface="华文楷体"/>
-                <a:ea typeface="华文楷体"/>
-              </a:rPr>
-              <a:t>算法（该算法也是地质成像算法），使用并行计算，大大的缩短了运行时间；</a:t>
-            </a:r>
-            <a:endParaRPr/>
-          </a:p>
-          <a:p>
-            <a:pPr lvl="1">
-              <a:lnSpc>
-                <a:spcPct val="100000"/>
-              </a:lnSpc>
-              <a:buSzPct val="65000"/>
-              <a:buFont typeface="Wingdings" charset="2"/>
-              <a:buChar char=""/>
-            </a:pPr>
-            <a:r>
-              <a:rPr lang="en-US" sz="1600">
-                <a:latin typeface="华文楷体"/>
-                <a:ea typeface="华文楷体"/>
-              </a:rPr>
-              <a:t>Shi</a:t>
-            </a:r>
-            <a:r>
-              <a:rPr lang="zh-CN" sz="1600">
-                <a:latin typeface="华文楷体"/>
-                <a:ea typeface="华文楷体"/>
-              </a:rPr>
-              <a:t>和</a:t>
-            </a:r>
-            <a:r>
-              <a:rPr lang="en-US" sz="1600">
-                <a:latin typeface="华文楷体"/>
-                <a:ea typeface="华文楷体"/>
-              </a:rPr>
-              <a:t>Li</a:t>
-            </a:r>
-            <a:r>
-              <a:rPr lang="zh-CN" sz="1600">
-                <a:latin typeface="华文楷体"/>
-                <a:ea typeface="华文楷体"/>
-              </a:rPr>
-              <a:t>用</a:t>
-            </a:r>
-            <a:r>
-              <a:rPr lang="en-US" sz="1600">
-                <a:latin typeface="华文楷体"/>
-                <a:ea typeface="华文楷体"/>
-              </a:rPr>
-              <a:t>GPU</a:t>
-            </a:r>
-            <a:r>
-              <a:rPr lang="zh-CN" sz="1600">
-                <a:latin typeface="华文楷体"/>
-                <a:ea typeface="华文楷体"/>
-              </a:rPr>
-              <a:t>的</a:t>
-            </a:r>
-            <a:r>
-              <a:rPr lang="en-US" sz="1600">
-                <a:latin typeface="华文楷体"/>
-                <a:ea typeface="华文楷体"/>
-              </a:rPr>
-              <a:t>CUDA</a:t>
-            </a:r>
-            <a:r>
-              <a:rPr lang="zh-CN" sz="1600">
-                <a:latin typeface="华文楷体"/>
-                <a:ea typeface="华文楷体"/>
-              </a:rPr>
-              <a:t>语言实现</a:t>
-            </a:r>
-            <a:r>
-              <a:rPr lang="en-US" sz="1600">
-                <a:latin typeface="华文楷体"/>
-                <a:ea typeface="华文楷体"/>
-              </a:rPr>
-              <a:t>PKTM</a:t>
-            </a:r>
-            <a:r>
-              <a:rPr lang="zh-CN" sz="1600">
-                <a:latin typeface="华文楷体"/>
-                <a:ea typeface="华文楷体"/>
-              </a:rPr>
-              <a:t>算法，大大提高了运行时间；</a:t>
-            </a:r>
-            <a:endParaRPr/>
-          </a:p>
-          <a:p>
-            <a:pPr lvl="1">
-              <a:lnSpc>
-                <a:spcPct val="100000"/>
-              </a:lnSpc>
-              <a:buSzPct val="65000"/>
-              <a:buFont typeface="Wingdings" charset="2"/>
-              <a:buChar char=""/>
-            </a:pPr>
-            <a:r>
-              <a:rPr lang="en-US" sz="1600">
-                <a:latin typeface="华文楷体"/>
-                <a:ea typeface="华文楷体"/>
-              </a:rPr>
-              <a:t>Zhao</a:t>
-            </a:r>
-            <a:r>
-              <a:rPr lang="zh-CN" sz="1600">
-                <a:latin typeface="华文楷体"/>
-                <a:ea typeface="华文楷体"/>
-              </a:rPr>
-              <a:t>和</a:t>
-            </a:r>
-            <a:r>
-              <a:rPr lang="en-US" sz="1600">
-                <a:latin typeface="华文楷体"/>
-                <a:ea typeface="华文楷体"/>
-              </a:rPr>
-              <a:t>Dai</a:t>
-            </a:r>
-            <a:r>
-              <a:rPr lang="zh-CN" sz="1600">
-                <a:latin typeface="华文楷体"/>
-                <a:ea typeface="华文楷体"/>
-              </a:rPr>
-              <a:t>则是在</a:t>
-            </a:r>
-            <a:r>
-              <a:rPr lang="en-US" sz="1600">
-                <a:latin typeface="华文楷体"/>
-                <a:ea typeface="华文楷体"/>
-              </a:rPr>
-              <a:t>MPI</a:t>
-            </a:r>
-            <a:r>
-              <a:rPr lang="zh-CN" sz="1600">
-                <a:latin typeface="华文楷体"/>
-                <a:ea typeface="华文楷体"/>
-              </a:rPr>
-              <a:t>上实现了</a:t>
-            </a:r>
-            <a:r>
-              <a:rPr lang="en-US" sz="1600">
-                <a:latin typeface="华文楷体"/>
-                <a:ea typeface="华文楷体"/>
-              </a:rPr>
-              <a:t>PKTM</a:t>
-            </a:r>
-            <a:r>
-              <a:rPr lang="zh-CN" sz="1600">
-                <a:latin typeface="华文楷体"/>
-                <a:ea typeface="华文楷体"/>
-              </a:rPr>
-              <a:t>算法。</a:t>
-            </a:r>
-            <a:endParaRPr/>
-          </a:p>
-        </p:txBody>
-      </p:sp>
-      <p:sp>
-        <p:nvSpPr>
-          <p:cNvPr id="183" name="CustomShape 3"/>
-          <p:cNvSpPr/>
-          <p:nvPr/>
-        </p:nvSpPr>
-        <p:spPr>
-          <a:xfrm>
-            <a:off x="7524720" y="6284880"/>
-            <a:ext cx="933480" cy="457200"/>
-          </a:xfrm>
-          <a:prstGeom prst="rect">
-            <a:avLst/>
-          </a:prstGeom>
-          <a:noFill/>
-          <a:ln>
-            <a:noFill/>
-          </a:ln>
-        </p:spPr>
-        <p:style>
-          <a:lnRef idx="0">
-            <a:scrgbClr r="0" g="0" b="0"/>
-          </a:lnRef>
-          <a:fillRef idx="0">
-            <a:scrgbClr r="0" g="0" b="0"/>
-          </a:fillRef>
-          <a:effectRef idx="0">
-            <a:scrgbClr r="0" g="0" b="0"/>
-          </a:effectRef>
-          <a:fontRef idx="minor"/>
-        </p:style>
-        <p:txBody>
-          <a:bodyPr lIns="90000" tIns="46800" rIns="90000" bIns="46800"/>
-          <a:lstStyle/>
-          <a:p>
-            <a:pPr algn="r">
-              <a:lnSpc>
-                <a:spcPct val="100000"/>
-              </a:lnSpc>
-            </a:pPr>
-            <a:fld id="{117D6E93-5D4F-44F6-8444-C097C7EFA9E9}" type="slidenum">
-              <a:rPr lang="en-US" sz="1600">
-                <a:latin typeface="Arial"/>
-              </a:rPr>
-              <a:t>17</a:t>
-            </a:fld>
-            <a:endParaRPr/>
-          </a:p>
-        </p:txBody>
-      </p:sp>
-      <p:sp>
-        <p:nvSpPr>
-          <p:cNvPr id="184" name="CustomShape 4"/>
-          <p:cNvSpPr/>
-          <p:nvPr/>
-        </p:nvSpPr>
-        <p:spPr>
-          <a:xfrm>
-            <a:off x="5407200" y="750960"/>
-            <a:ext cx="3024000" cy="987480"/>
-          </a:xfrm>
-          <a:prstGeom prst="wedgeRoundRectCallout">
-            <a:avLst/>
-          </a:prstGeom>
-          <a:solidFill>
-            <a:srgbClr val="CCFFCC"/>
-          </a:solidFill>
-          <a:ln>
-            <a:noFill/>
-          </a:ln>
-        </p:spPr>
-        <p:style>
-          <a:lnRef idx="0">
-            <a:scrgbClr r="0" g="0" b="0"/>
-          </a:lnRef>
-          <a:fillRef idx="0">
-            <a:scrgbClr r="0" g="0" b="0"/>
-          </a:fillRef>
-          <a:effectRef idx="0">
-            <a:scrgbClr r="0" g="0" b="0"/>
-          </a:effectRef>
-          <a:fontRef idx="minor"/>
-        </p:style>
-        <p:txBody>
-          <a:bodyPr wrap="none" lIns="90000" tIns="46800" rIns="90000" bIns="46800" anchor="ctr"/>
-          <a:lstStyle/>
-          <a:p>
-            <a:pPr algn="ctr">
-              <a:lnSpc>
-                <a:spcPct val="100000"/>
-              </a:lnSpc>
-            </a:pPr>
-            <a:r>
-              <a:rPr lang="en-US" sz="2000" b="1">
-                <a:latin typeface="华文中宋"/>
-                <a:ea typeface="华文中宋"/>
-              </a:rPr>
-              <a:t>Hadoop</a:t>
-            </a:r>
-            <a:r>
-              <a:rPr lang="zh-CN" sz="2000" b="1">
-                <a:latin typeface="华文中宋"/>
-                <a:ea typeface="华文中宋"/>
-              </a:rPr>
-              <a:t>上的</a:t>
-            </a:r>
-            <a:r>
-              <a:rPr lang="en-US" sz="2000" b="1">
-                <a:latin typeface="华文中宋"/>
-                <a:ea typeface="华文中宋"/>
-              </a:rPr>
-              <a:t>PKTM</a:t>
-            </a:r>
-            <a:r>
-              <a:rPr lang="zh-CN" sz="2000" b="1">
-                <a:latin typeface="华文中宋"/>
-                <a:ea typeface="华文中宋"/>
-              </a:rPr>
-              <a:t>算</a:t>
-            </a:r>
-            <a:endParaRPr/>
-          </a:p>
-          <a:p>
-            <a:pPr algn="ctr">
-              <a:lnSpc>
-                <a:spcPct val="100000"/>
-              </a:lnSpc>
-            </a:pPr>
-            <a:r>
-              <a:rPr lang="zh-CN" sz="2000" b="1">
-                <a:latin typeface="华文中宋"/>
-                <a:ea typeface="华文中宋"/>
-              </a:rPr>
-              <a:t>法运行效率不高</a:t>
-            </a:r>
-            <a:endParaRPr/>
-          </a:p>
-        </p:txBody>
-      </p:sp>
-      <p:sp>
-        <p:nvSpPr>
-          <p:cNvPr id="185" name="CustomShape 5"/>
-          <p:cNvSpPr/>
-          <p:nvPr/>
-        </p:nvSpPr>
-        <p:spPr>
-          <a:xfrm>
-            <a:off x="5003640" y="4508640"/>
-            <a:ext cx="3168720" cy="1214280"/>
-          </a:xfrm>
-          <a:prstGeom prst="wedgeRoundRectCallout">
-            <a:avLst/>
-          </a:prstGeom>
-          <a:solidFill>
-            <a:srgbClr val="CCFFCC"/>
-          </a:solidFill>
-          <a:ln>
-            <a:noFill/>
-          </a:ln>
-        </p:spPr>
-        <p:style>
-          <a:lnRef idx="0">
-            <a:scrgbClr r="0" g="0" b="0"/>
-          </a:lnRef>
-          <a:fillRef idx="0">
-            <a:scrgbClr r="0" g="0" b="0"/>
-          </a:fillRef>
-          <a:effectRef idx="0">
-            <a:scrgbClr r="0" g="0" b="0"/>
-          </a:effectRef>
-          <a:fontRef idx="minor"/>
-        </p:style>
-        <p:txBody>
-          <a:bodyPr wrap="none" lIns="90000" tIns="46800" rIns="90000" bIns="46800" anchor="ctr"/>
-          <a:lstStyle/>
-          <a:p>
-            <a:pPr algn="ctr">
-              <a:lnSpc>
-                <a:spcPct val="100000"/>
-              </a:lnSpc>
-            </a:pPr>
-            <a:r>
-              <a:rPr lang="en-US" sz="2000" b="1">
-                <a:latin typeface="华文中宋"/>
-                <a:ea typeface="华文中宋"/>
-              </a:rPr>
-              <a:t>GPU</a:t>
-            </a:r>
-            <a:r>
-              <a:rPr lang="zh-CN" sz="2000" b="1">
-                <a:latin typeface="华文中宋"/>
-                <a:ea typeface="华文中宋"/>
-              </a:rPr>
-              <a:t>版本的</a:t>
-            </a:r>
-            <a:r>
-              <a:rPr lang="en-US" sz="2000" b="1">
-                <a:latin typeface="华文中宋"/>
-                <a:ea typeface="华文中宋"/>
-              </a:rPr>
-              <a:t>PKTM</a:t>
-            </a:r>
-            <a:r>
-              <a:rPr lang="zh-CN" sz="2000" b="1">
-                <a:latin typeface="华文中宋"/>
-                <a:ea typeface="华文中宋"/>
-              </a:rPr>
-              <a:t>算法</a:t>
-            </a:r>
-            <a:endParaRPr/>
-          </a:p>
-          <a:p>
-            <a:pPr algn="ctr">
-              <a:lnSpc>
-                <a:spcPct val="100000"/>
-              </a:lnSpc>
-            </a:pPr>
-            <a:r>
-              <a:rPr lang="zh-CN" sz="2000" b="1">
-                <a:latin typeface="华文中宋"/>
-                <a:ea typeface="华文中宋"/>
-              </a:rPr>
-              <a:t>稳定性不够，容易出错，</a:t>
-            </a:r>
-            <a:endParaRPr/>
-          </a:p>
-          <a:p>
-            <a:pPr algn="ctr">
-              <a:lnSpc>
-                <a:spcPct val="100000"/>
-              </a:lnSpc>
-            </a:pPr>
-            <a:r>
-              <a:rPr lang="zh-CN" sz="2000" b="1">
-                <a:latin typeface="华文中宋"/>
-                <a:ea typeface="华文中宋"/>
-              </a:rPr>
-              <a:t>不适合大数据输入</a:t>
-            </a:r>
-            <a:endParaRPr/>
-          </a:p>
-        </p:txBody>
-      </p:sp>
-    </p:spTree>
-  </p:cSld>
-  <p:clrMapOvr>
-    <a:masterClrMapping/>
-  </p:clrMapOvr>
-  <p:timing>
-    <p:tnLst>
-      <p:par>
-        <p:cTn id="1" dur="indefinite" restart="never" nodeType="tmRoot">
-          <p:childTnLst>
-            <p:seq>
-              <p:cTn id="2" dur="indefinite" nodeType="mainSeq">
-                <p:childTnLst>
-                  <p:par>
-                    <p:cTn id="3" fill="hold">
-                      <p:stCondLst>
-                        <p:cond delay="indefinite"/>
-                      </p:stCondLst>
-                      <p:childTnLst>
-                        <p:par>
-                          <p:cTn id="4" fill="hold">
-                            <p:stCondLst>
-                              <p:cond delay="0"/>
-                            </p:stCondLst>
-                            <p:childTnLst>
-                              <p:par>
-                                <p:cTn id="5" presetID="16" presetClass="entr" presetSubtype="21" fill="hold" nodeType="clickEffect">
+                                <p:cTn id="5" presetID="2" presetClass="entr" presetSubtype="4" fill="hold" grpId="0" nodeType="clickEffect">
                                   <p:stCondLst>
                                     <p:cond delay="0"/>
                                   </p:stCondLst>
@@ -9501,14 +9976,52 @@
                                         <p:strVal val="visible"/>
                                       </p:to>
                                     </p:set>
-                                    <p:animEffect transition="out" filter="barn(inVertical)">
-                                      <p:cBhvr additive="repl">
-                                        <p:cTn id="7" dur="500"/>
+                                    <p:anim calcmode="lin" valueType="num">
+                                      <p:cBhvr additive="base">
+                                        <p:cTn id="7" dur="500" fill="hold"/>
                                         <p:tgtEl>
                                           <p:spTgt spid="184"/>
                                         </p:tgtEl>
+                                        <p:attrNameLst>
+                                          <p:attrName>ppt_x</p:attrName>
+                                        </p:attrNameLst>
                                       </p:cBhvr>
-                                    </p:animEffect>
+                                      <p:tavLst>
+                                        <p:tav tm="0">
+                                          <p:val>
+                                            <p:strVal val="#ppt_x"/>
+                                          </p:val>
+                                        </p:tav>
+                                        <p:tav tm="100000">
+                                          <p:val>
+                                            <p:strVal val="#ppt_x"/>
+                                          </p:val>
+                                        </p:tav>
+                                      </p:tavLst>
+                                    </p:anim>
+                                    <p:anim calcmode="lin" valueType="num">
+                                      <p:cBhvr additive="base">
+                                        <p:cTn id="8" dur="500" fill="hold"/>
+                                        <p:tgtEl>
+                                          <p:spTgt spid="184"/>
+                                        </p:tgtEl>
+                                        <p:attrNameLst>
+                                          <p:attrName>ppt_y</p:attrName>
+                                        </p:attrNameLst>
+                                      </p:cBhvr>
+                                      <p:tavLst>
+                                        <p:tav tm="0">
+                                          <p:val>
+                                            <p:strVal val="1+#ppt_h/2"/>
+                                          </p:val>
+                                        </p:tav>
+                                        <p:tav tm="100000">
+                                          <p:val>
+                                            <p:strVal val="#ppt_y"/>
+                                          </p:val>
+                                        </p:tav>
+                                      </p:tavLst>
+                                    </p:anim>
                                   </p:childTnLst>
                                 </p:cTn>
                               </p:par>
@@ -9519,26 +10032,26 @@
                     </p:cTn>
                   </p:par>
                   <p:par>
-                    <p:cTn id="8" fill="hold">
+                    <p:cTn id="9" fill="hold">
                       <p:stCondLst>
                         <p:cond delay="indefinite"/>
                       </p:stCondLst>
                       <p:childTnLst>
                         <p:par>
-                          <p:cTn id="9" fill="hold">
+                          <p:cTn id="10" fill="hold">
                             <p:stCondLst>
                               <p:cond delay="0"/>
                             </p:stCondLst>
                             <p:childTnLst>
                               <p:par>
-                                <p:cTn id="10" presetID="16" presetClass="entr" presetSubtype="21" fill="hold" nodeType="clickEffect">
+                                <p:cTn id="11" presetID="16" presetClass="entr" presetSubtype="21" fill="hold" grpId="0" nodeType="clickEffect">
                                   <p:stCondLst>
                                     <p:cond delay="0"/>
                                   </p:stCondLst>
                                   <p:childTnLst>
                                     <p:set>
                                       <p:cBhvr>
-                                        <p:cTn id="11" dur="1" fill="hold">
+                                        <p:cTn id="12" dur="1" fill="hold">
                                           <p:stCondLst>
                                             <p:cond delay="0"/>
                                           </p:stCondLst>
@@ -9554,9 +10067,9 @@
                                         <p:strVal val="visible"/>
                                       </p:to>
                                     </p:set>
-                                    <p:animEffect transition="out" filter="barn(inVertical)">
-                                      <p:cBhvr additive="repl">
-                                        <p:cTn id="12" dur="500"/>
+                                    <p:animEffect transition="in" filter="barn(inVertical)">
+                                      <p:cBhvr>
+                                        <p:cTn id="13" dur="500"/>
                                         <p:tgtEl>
                                           <p:spTgt spid="185"/>
                                         </p:tgtEl>
@@ -9592,6 +10105,10 @@
         </p:cTn>
       </p:par>
     </p:tnLst>
+    <p:bldLst>
+      <p:bldP spid="184" grpId="0" animBg="1"/>
+      <p:bldP spid="185" grpId="0" animBg="1"/>
+    </p:bldLst>
   </p:timing>
 </p:sld>
 </file>
@@ -14971,7 +15488,7 @@
         </p:nvGraphicFramePr>
         <p:xfrm>
           <a:off x="250920" y="1628640"/>
-          <a:ext cx="4465440" cy="2468520"/>
+          <a:ext cx="4465440" cy="3291840"/>
         </p:xfrm>
         <a:graphic>
           <a:graphicData uri="http://schemas.openxmlformats.org/drawingml/2006/table">
@@ -16783,7 +17300,7 @@
         </p:nvGraphicFramePr>
         <p:xfrm>
           <a:off x="250920" y="1652760"/>
-          <a:ext cx="4465440" cy="1704960"/>
+          <a:ext cx="4465440" cy="2103120"/>
         </p:xfrm>
         <a:graphic>
           <a:graphicData uri="http://schemas.openxmlformats.org/drawingml/2006/table">
@@ -17809,7 +18326,7 @@
         </p:nvGraphicFramePr>
         <p:xfrm>
           <a:off x="250920" y="3814920"/>
-          <a:ext cx="4465440" cy="1846080"/>
+          <a:ext cx="4465440" cy="2107800"/>
         </p:xfrm>
         <a:graphic>
           <a:graphicData uri="http://schemas.openxmlformats.org/drawingml/2006/table">
@@ -19151,7 +19668,7 @@
         </p:nvGraphicFramePr>
         <p:xfrm>
           <a:off x="250920" y="1652760"/>
-          <a:ext cx="4465440" cy="1704960"/>
+          <a:ext cx="4465440" cy="2103120"/>
         </p:xfrm>
         <a:graphic>
           <a:graphicData uri="http://schemas.openxmlformats.org/drawingml/2006/table">
@@ -20288,7 +20805,7 @@
         </p:nvGraphicFramePr>
         <p:xfrm>
           <a:off x="250920" y="3828960"/>
-          <a:ext cx="4465440" cy="1760760"/>
+          <a:ext cx="4465440" cy="2085840"/>
         </p:xfrm>
         <a:graphic>
           <a:graphicData uri="http://schemas.openxmlformats.org/drawingml/2006/table">
@@ -24290,7 +24807,7 @@
         </p:nvGraphicFramePr>
         <p:xfrm>
           <a:off x="179280" y="1606680"/>
-          <a:ext cx="4608720" cy="1751040"/>
+          <a:ext cx="4608720" cy="2103120"/>
         </p:xfrm>
         <a:graphic>
           <a:graphicData uri="http://schemas.openxmlformats.org/drawingml/2006/table">
@@ -25203,7 +25720,7 @@
                         </a:lnSpc>
                       </a:pPr>
                       <a:r>
-                        <a:rPr lang="en-US" sz="1200">
+                        <a:rPr lang="en-US" sz="1200" dirty="0">
                           <a:solidFill>
                             <a:srgbClr val="292929"/>
                           </a:solidFill>
@@ -25211,7 +25728,7 @@
                         </a:rPr>
                         <a:t>10</a:t>
                       </a:r>
-                      <a:endParaRPr/>
+                      <a:endParaRPr dirty="0"/>
                     </a:p>
                   </a:txBody>
                   <a:tcPr/>

--- a/毕业答辩.pptx
+++ b/毕业答辩.pptx
@@ -4613,33 +4613,39 @@
               </a:lnSpc>
             </a:pPr>
             <a:r>
-              <a:rPr lang="zh-CN" sz="3600" b="1">
+              <a:rPr lang="zh-CN" sz="3600" b="1" dirty="0">
                 <a:solidFill>
                   <a:srgbClr val="292929"/>
                 </a:solidFill>
-                <a:latin typeface="宋体"/>
+                <a:latin typeface="华文中宋" panose="02010600040101010101" pitchFamily="2" charset="-122"/>
+                <a:ea typeface="华文中宋" panose="02010600040101010101" pitchFamily="2" charset="-122"/>
               </a:rPr>
               <a:t>面向高性能计算的</a:t>
             </a:r>
             <a:r>
-              <a:rPr lang="en-US" sz="3600" b="1">
+              <a:rPr lang="en-US" sz="3600" b="1" dirty="0">
                 <a:solidFill>
                   <a:srgbClr val="292929"/>
                 </a:solidFill>
-                <a:latin typeface="宋体"/>
+                <a:latin typeface="华文中宋" panose="02010600040101010101" pitchFamily="2" charset="-122"/>
+                <a:ea typeface="华文中宋" panose="02010600040101010101" pitchFamily="2" charset="-122"/>
               </a:rPr>
               <a:t>YARN</a:t>
             </a:r>
             <a:r>
-              <a:rPr lang="zh-CN" sz="3600" b="1">
+              <a:rPr lang="zh-CN" sz="3600" b="1" dirty="0">
                 <a:solidFill>
                   <a:srgbClr val="292929"/>
                 </a:solidFill>
-                <a:latin typeface="宋体"/>
+                <a:latin typeface="华文中宋" panose="02010600040101010101" pitchFamily="2" charset="-122"/>
+                <a:ea typeface="华文中宋" panose="02010600040101010101" pitchFamily="2" charset="-122"/>
               </a:rPr>
               <a:t>平台关键技术与应用研究</a:t>
             </a:r>
-            <a:endParaRPr/>
+            <a:endParaRPr dirty="0">
+              <a:latin typeface="华文中宋" panose="02010600040101010101" pitchFamily="2" charset="-122"/>
+              <a:ea typeface="华文中宋" panose="02010600040101010101" pitchFamily="2" charset="-122"/>
+            </a:endParaRPr>
           </a:p>
         </p:txBody>
       </p:sp>
@@ -12982,8 +12988,8 @@
           </p:txBody>
         </p:sp>
       </p:grpSp>
-      <mc:AlternateContent xmlns:mc="http://schemas.openxmlformats.org/markup-compatibility/2006">
-        <mc:Choice xmlns:a14="http://schemas.microsoft.com/office/drawing/2010/main" Requires="a14">
+      <mc:AlternateContent xmlns:mc="http://schemas.openxmlformats.org/markup-compatibility/2006" xmlns:a14="http://schemas.microsoft.com/office/drawing/2010/main">
+        <mc:Choice Requires="a14">
           <p:sp>
             <p:nvSpPr>
               <p:cNvPr id="3" name="圆角矩形 2"/>
@@ -13130,7 +13136,7 @@
             </p:txBody>
           </p:sp>
         </mc:Choice>
-        <mc:Fallback>
+        <mc:Fallback xmlns="">
           <p:sp>
             <p:nvSpPr>
               <p:cNvPr id="3" name="圆角矩形 2"/>
@@ -13783,8 +13789,8 @@
             </a:ln>
           </p:spPr>
         </p:cxnSp>
-        <mc:AlternateContent xmlns:mc="http://schemas.openxmlformats.org/markup-compatibility/2006">
-          <mc:Choice xmlns:a14="http://schemas.microsoft.com/office/drawing/2010/main" Requires="a14">
+        <mc:AlternateContent xmlns:mc="http://schemas.openxmlformats.org/markup-compatibility/2006" xmlns:a14="http://schemas.microsoft.com/office/drawing/2010/main">
+          <mc:Choice Requires="a14">
             <p:sp>
               <p:nvSpPr>
                 <p:cNvPr id="220" name="CustomShape 6"/>
@@ -13879,7 +13885,7 @@
               </p:txBody>
             </p:sp>
           </mc:Choice>
-          <mc:Fallback>
+          <mc:Fallback xmlns="">
             <p:sp>
               <p:nvSpPr>
                 <p:cNvPr id="220" name="CustomShape 6"/>
@@ -13994,8 +14000,8 @@
             </a:ln>
           </p:spPr>
         </p:cxnSp>
-        <mc:AlternateContent xmlns:mc="http://schemas.openxmlformats.org/markup-compatibility/2006">
-          <mc:Choice xmlns:a14="http://schemas.microsoft.com/office/drawing/2010/main" Requires="a14">
+        <mc:AlternateContent xmlns:mc="http://schemas.openxmlformats.org/markup-compatibility/2006" xmlns:a14="http://schemas.microsoft.com/office/drawing/2010/main">
+          <mc:Choice Requires="a14">
             <p:sp>
               <p:nvSpPr>
                 <p:cNvPr id="223" name="CustomShape 9"/>
@@ -14090,7 +14096,7 @@
               </p:txBody>
             </p:sp>
           </mc:Choice>
-          <mc:Fallback>
+          <mc:Fallback xmlns="">
             <p:sp>
               <p:nvSpPr>
                 <p:cNvPr id="223" name="CustomShape 9"/>
@@ -15613,8 +15619,8 @@
           </a:p>
         </p:txBody>
       </p:sp>
-      <mc:AlternateContent xmlns:mc="http://schemas.openxmlformats.org/markup-compatibility/2006">
-        <mc:Choice xmlns:a14="http://schemas.microsoft.com/office/drawing/2010/main" Requires="a14">
+      <mc:AlternateContent xmlns:mc="http://schemas.openxmlformats.org/markup-compatibility/2006" xmlns:a14="http://schemas.microsoft.com/office/drawing/2010/main">
+        <mc:Choice Requires="a14">
           <p:sp>
             <p:nvSpPr>
               <p:cNvPr id="9" name="CustomShape 4"/>
@@ -15771,7 +15777,7 @@
             </p:txBody>
           </p:sp>
         </mc:Choice>
-        <mc:Fallback>
+        <mc:Fallback xmlns="">
           <p:sp>
             <p:nvSpPr>
               <p:cNvPr id="9" name="CustomShape 4"/>
@@ -16168,8 +16174,8 @@
           </a:p>
         </p:txBody>
       </p:sp>
-      <mc:AlternateContent xmlns:mc="http://schemas.openxmlformats.org/markup-compatibility/2006">
-        <mc:Choice xmlns:a14="http://schemas.microsoft.com/office/drawing/2010/main" Requires="a14">
+      <mc:AlternateContent xmlns:mc="http://schemas.openxmlformats.org/markup-compatibility/2006" xmlns:a14="http://schemas.microsoft.com/office/drawing/2010/main">
+        <mc:Choice Requires="a14">
           <p:sp>
             <p:nvSpPr>
               <p:cNvPr id="182" name="TextShape 2"/>
@@ -17475,7 +17481,7 @@
             </p:txBody>
           </p:sp>
         </mc:Choice>
-        <mc:Fallback>
+        <mc:Fallback xmlns="">
           <p:sp>
             <p:nvSpPr>
               <p:cNvPr id="182" name="TextShape 2"/>
@@ -22179,13 +22185,20 @@
               <a:buChar char=""/>
             </a:pPr>
             <a:r>
-              <a:rPr lang="zh-CN" sz="2000">
-                <a:latin typeface="华文楷体"/>
-                <a:ea typeface="华文楷体"/>
-              </a:rPr>
-              <a:t>人工鱼群调度器实验：实验配置</a:t>
-            </a:r>
-            <a:endParaRPr/>
+              <a:rPr lang="zh-CN" sz="2000" dirty="0">
+                <a:latin typeface="华文楷体"/>
+                <a:ea typeface="华文楷体"/>
+              </a:rPr>
+              <a:t>人工鱼群调度器实验：</a:t>
+            </a:r>
+            <a:r>
+              <a:rPr lang="zh-CN" altLang="en-US" sz="2000" dirty="0">
+                <a:latin typeface="华文楷体"/>
+                <a:ea typeface="华文楷体"/>
+              </a:rPr>
+              <a:t>集群配置</a:t>
+            </a:r>
+            <a:endParaRPr dirty="0"/>
           </a:p>
         </p:txBody>
       </p:sp>
@@ -22239,950 +22252,6 @@
           </a:p>
         </p:txBody>
       </p:sp>
-      <p:graphicFrame>
-        <p:nvGraphicFramePr>
-          <p:cNvPr id="252" name="Table 4"/>
-          <p:cNvGraphicFramePr/>
-          <p:nvPr/>
-        </p:nvGraphicFramePr>
-        <p:xfrm>
-          <a:off x="250920" y="1652760"/>
-          <a:ext cx="4465440" cy="2103120"/>
-        </p:xfrm>
-        <a:graphic>
-          <a:graphicData uri="http://schemas.openxmlformats.org/drawingml/2006/table">
-            <a:tbl>
-              <a:tblPr/>
-              <a:tblGrid>
-                <a:gridCol w="663480">
-                  <a:extLst>
-                    <a:ext uri="{9D8B030D-6E8A-4147-A177-3AD203B41FA5}">
-                      <a16:colId xmlns:a16="http://schemas.microsoft.com/office/drawing/2014/main" val="20000"/>
-                    </a:ext>
-                  </a:extLst>
-                </a:gridCol>
-                <a:gridCol w="665280">
-                  <a:extLst>
-                    <a:ext uri="{9D8B030D-6E8A-4147-A177-3AD203B41FA5}">
-                      <a16:colId xmlns:a16="http://schemas.microsoft.com/office/drawing/2014/main" val="20001"/>
-                    </a:ext>
-                  </a:extLst>
-                </a:gridCol>
-                <a:gridCol w="1073160">
-                  <a:extLst>
-                    <a:ext uri="{9D8B030D-6E8A-4147-A177-3AD203B41FA5}">
-                      <a16:colId xmlns:a16="http://schemas.microsoft.com/office/drawing/2014/main" val="20002"/>
-                    </a:ext>
-                  </a:extLst>
-                </a:gridCol>
-                <a:gridCol w="1182600">
-                  <a:extLst>
-                    <a:ext uri="{9D8B030D-6E8A-4147-A177-3AD203B41FA5}">
-                      <a16:colId xmlns:a16="http://schemas.microsoft.com/office/drawing/2014/main" val="20003"/>
-                    </a:ext>
-                  </a:extLst>
-                </a:gridCol>
-                <a:gridCol w="880920">
-                  <a:extLst>
-                    <a:ext uri="{9D8B030D-6E8A-4147-A177-3AD203B41FA5}">
-                      <a16:colId xmlns:a16="http://schemas.microsoft.com/office/drawing/2014/main" val="20004"/>
-                    </a:ext>
-                  </a:extLst>
-                </a:gridCol>
-              </a:tblGrid>
-              <a:tr h="426960">
-                <a:tc>
-                  <a:txBody>
-                    <a:bodyPr/>
-                    <a:lstStyle/>
-                    <a:p>
-                      <a:pPr algn="ctr">
-                        <a:lnSpc>
-                          <a:spcPct val="100000"/>
-                        </a:lnSpc>
-                      </a:pPr>
-                      <a:r>
-                        <a:rPr lang="en-US" sz="1200" b="1">
-                          <a:solidFill>
-                            <a:srgbClr val="FFFFFF"/>
-                          </a:solidFill>
-                          <a:latin typeface="Arial"/>
-                        </a:rPr>
-                        <a:t>Node</a:t>
-                      </a:r>
-                      <a:endParaRPr/>
-                    </a:p>
-                  </a:txBody>
-                  <a:tcPr/>
-                </a:tc>
-                <a:tc>
-                  <a:txBody>
-                    <a:bodyPr/>
-                    <a:lstStyle/>
-                    <a:p>
-                      <a:pPr algn="ctr">
-                        <a:lnSpc>
-                          <a:spcPct val="100000"/>
-                        </a:lnSpc>
-                      </a:pPr>
-                      <a:r>
-                        <a:rPr lang="en-US" sz="1200" b="1">
-                          <a:solidFill>
-                            <a:srgbClr val="FFFFFF"/>
-                          </a:solidFill>
-                          <a:latin typeface="Arial"/>
-                        </a:rPr>
-                        <a:t>CPUs</a:t>
-                      </a:r>
-                      <a:endParaRPr/>
-                    </a:p>
-                  </a:txBody>
-                  <a:tcPr/>
-                </a:tc>
-                <a:tc>
-                  <a:txBody>
-                    <a:bodyPr/>
-                    <a:lstStyle/>
-                    <a:p>
-                      <a:pPr algn="ctr">
-                        <a:lnSpc>
-                          <a:spcPct val="100000"/>
-                        </a:lnSpc>
-                      </a:pPr>
-                      <a:r>
-                        <a:rPr lang="en-US" sz="1200" b="1">
-                          <a:solidFill>
-                            <a:srgbClr val="FFFFFF"/>
-                          </a:solidFill>
-                          <a:latin typeface="Arial"/>
-                        </a:rPr>
-                        <a:t>Cores Per CPU</a:t>
-                      </a:r>
-                      <a:endParaRPr/>
-                    </a:p>
-                  </a:txBody>
-                  <a:tcPr/>
-                </a:tc>
-                <a:tc>
-                  <a:txBody>
-                    <a:bodyPr/>
-                    <a:lstStyle/>
-                    <a:p>
-                      <a:pPr algn="ctr">
-                        <a:lnSpc>
-                          <a:spcPct val="100000"/>
-                        </a:lnSpc>
-                      </a:pPr>
-                      <a:r>
-                        <a:rPr lang="en-US" sz="1200" b="1">
-                          <a:solidFill>
-                            <a:srgbClr val="FFFFFF"/>
-                          </a:solidFill>
-                          <a:latin typeface="Arial"/>
-                        </a:rPr>
-                        <a:t>Thread Per Core</a:t>
-                      </a:r>
-                      <a:endParaRPr/>
-                    </a:p>
-                  </a:txBody>
-                  <a:tcPr/>
-                </a:tc>
-                <a:tc>
-                  <a:txBody>
-                    <a:bodyPr/>
-                    <a:lstStyle/>
-                    <a:p>
-                      <a:pPr algn="ctr">
-                        <a:lnSpc>
-                          <a:spcPct val="100000"/>
-                        </a:lnSpc>
-                      </a:pPr>
-                      <a:r>
-                        <a:rPr lang="en-US" sz="1200" b="1">
-                          <a:solidFill>
-                            <a:srgbClr val="FFFFFF"/>
-                          </a:solidFill>
-                          <a:latin typeface="Arial"/>
-                        </a:rPr>
-                        <a:t>Memory(G)</a:t>
-                      </a:r>
-                      <a:endParaRPr/>
-                    </a:p>
-                  </a:txBody>
-                  <a:tcPr/>
-                </a:tc>
-                <a:extLst>
-                  <a:ext uri="{0D108BD9-81ED-4DB2-BD59-A6C34878D82A}">
-                    <a16:rowId xmlns:a16="http://schemas.microsoft.com/office/drawing/2014/main" val="10000"/>
-                  </a:ext>
-                </a:extLst>
-              </a:tr>
-              <a:tr h="212760">
-                <a:tc>
-                  <a:txBody>
-                    <a:bodyPr/>
-                    <a:lstStyle/>
-                    <a:p>
-                      <a:pPr algn="ctr">
-                        <a:lnSpc>
-                          <a:spcPct val="100000"/>
-                        </a:lnSpc>
-                      </a:pPr>
-                      <a:r>
-                        <a:rPr lang="en-US" sz="1200" b="1">
-                          <a:solidFill>
-                            <a:srgbClr val="FFFFFF"/>
-                          </a:solidFill>
-                          <a:latin typeface="Arial"/>
-                        </a:rPr>
-                        <a:t>node1</a:t>
-                      </a:r>
-                      <a:endParaRPr/>
-                    </a:p>
-                  </a:txBody>
-                  <a:tcPr/>
-                </a:tc>
-                <a:tc>
-                  <a:txBody>
-                    <a:bodyPr/>
-                    <a:lstStyle/>
-                    <a:p>
-                      <a:pPr algn="ctr">
-                        <a:lnSpc>
-                          <a:spcPct val="100000"/>
-                        </a:lnSpc>
-                      </a:pPr>
-                      <a:r>
-                        <a:rPr lang="en-US" sz="1200">
-                          <a:solidFill>
-                            <a:srgbClr val="292929"/>
-                          </a:solidFill>
-                          <a:latin typeface="Arial"/>
-                        </a:rPr>
-                        <a:t>2</a:t>
-                      </a:r>
-                      <a:endParaRPr/>
-                    </a:p>
-                  </a:txBody>
-                  <a:tcPr/>
-                </a:tc>
-                <a:tc>
-                  <a:txBody>
-                    <a:bodyPr/>
-                    <a:lstStyle/>
-                    <a:p>
-                      <a:pPr algn="ctr">
-                        <a:lnSpc>
-                          <a:spcPct val="100000"/>
-                        </a:lnSpc>
-                      </a:pPr>
-                      <a:r>
-                        <a:rPr lang="en-US" sz="1200">
-                          <a:solidFill>
-                            <a:srgbClr val="292929"/>
-                          </a:solidFill>
-                          <a:latin typeface="Arial"/>
-                        </a:rPr>
-                        <a:t>6</a:t>
-                      </a:r>
-                      <a:endParaRPr/>
-                    </a:p>
-                  </a:txBody>
-                  <a:tcPr/>
-                </a:tc>
-                <a:tc>
-                  <a:txBody>
-                    <a:bodyPr/>
-                    <a:lstStyle/>
-                    <a:p>
-                      <a:pPr algn="ctr">
-                        <a:lnSpc>
-                          <a:spcPct val="100000"/>
-                        </a:lnSpc>
-                      </a:pPr>
-                      <a:r>
-                        <a:rPr lang="en-US" sz="1200">
-                          <a:solidFill>
-                            <a:srgbClr val="292929"/>
-                          </a:solidFill>
-                          <a:latin typeface="Arial"/>
-                        </a:rPr>
-                        <a:t>2</a:t>
-                      </a:r>
-                      <a:endParaRPr/>
-                    </a:p>
-                  </a:txBody>
-                  <a:tcPr/>
-                </a:tc>
-                <a:tc>
-                  <a:txBody>
-                    <a:bodyPr/>
-                    <a:lstStyle/>
-                    <a:p>
-                      <a:pPr algn="ctr">
-                        <a:lnSpc>
-                          <a:spcPct val="100000"/>
-                        </a:lnSpc>
-                      </a:pPr>
-                      <a:r>
-                        <a:rPr lang="en-US" sz="1200">
-                          <a:solidFill>
-                            <a:srgbClr val="292929"/>
-                          </a:solidFill>
-                          <a:latin typeface="Arial"/>
-                        </a:rPr>
-                        <a:t>10</a:t>
-                      </a:r>
-                      <a:endParaRPr/>
-                    </a:p>
-                  </a:txBody>
-                  <a:tcPr/>
-                </a:tc>
-                <a:extLst>
-                  <a:ext uri="{0D108BD9-81ED-4DB2-BD59-A6C34878D82A}">
-                    <a16:rowId xmlns:a16="http://schemas.microsoft.com/office/drawing/2014/main" val="10001"/>
-                  </a:ext>
-                </a:extLst>
-              </a:tr>
-              <a:tr h="212760">
-                <a:tc>
-                  <a:txBody>
-                    <a:bodyPr/>
-                    <a:lstStyle/>
-                    <a:p>
-                      <a:pPr algn="ctr">
-                        <a:lnSpc>
-                          <a:spcPct val="100000"/>
-                        </a:lnSpc>
-                      </a:pPr>
-                      <a:r>
-                        <a:rPr lang="en-US" sz="1200" b="1">
-                          <a:solidFill>
-                            <a:srgbClr val="FFFFFF"/>
-                          </a:solidFill>
-                          <a:latin typeface="Arial"/>
-                        </a:rPr>
-                        <a:t>node2</a:t>
-                      </a:r>
-                      <a:endParaRPr/>
-                    </a:p>
-                  </a:txBody>
-                  <a:tcPr/>
-                </a:tc>
-                <a:tc>
-                  <a:txBody>
-                    <a:bodyPr/>
-                    <a:lstStyle/>
-                    <a:p>
-                      <a:pPr algn="ctr">
-                        <a:lnSpc>
-                          <a:spcPct val="100000"/>
-                        </a:lnSpc>
-                      </a:pPr>
-                      <a:r>
-                        <a:rPr lang="en-US" sz="1200">
-                          <a:solidFill>
-                            <a:srgbClr val="292929"/>
-                          </a:solidFill>
-                          <a:latin typeface="Arial"/>
-                        </a:rPr>
-                        <a:t>2</a:t>
-                      </a:r>
-                      <a:endParaRPr/>
-                    </a:p>
-                  </a:txBody>
-                  <a:tcPr/>
-                </a:tc>
-                <a:tc>
-                  <a:txBody>
-                    <a:bodyPr/>
-                    <a:lstStyle/>
-                    <a:p>
-                      <a:pPr algn="ctr">
-                        <a:lnSpc>
-                          <a:spcPct val="100000"/>
-                        </a:lnSpc>
-                      </a:pPr>
-                      <a:r>
-                        <a:rPr lang="en-US" sz="1200">
-                          <a:solidFill>
-                            <a:srgbClr val="292929"/>
-                          </a:solidFill>
-                          <a:latin typeface="Arial"/>
-                        </a:rPr>
-                        <a:t>6</a:t>
-                      </a:r>
-                      <a:endParaRPr/>
-                    </a:p>
-                  </a:txBody>
-                  <a:tcPr/>
-                </a:tc>
-                <a:tc>
-                  <a:txBody>
-                    <a:bodyPr/>
-                    <a:lstStyle/>
-                    <a:p>
-                      <a:pPr algn="ctr">
-                        <a:lnSpc>
-                          <a:spcPct val="100000"/>
-                        </a:lnSpc>
-                      </a:pPr>
-                      <a:r>
-                        <a:rPr lang="en-US" sz="1200">
-                          <a:solidFill>
-                            <a:srgbClr val="292929"/>
-                          </a:solidFill>
-                          <a:latin typeface="Arial"/>
-                        </a:rPr>
-                        <a:t>2</a:t>
-                      </a:r>
-                      <a:endParaRPr/>
-                    </a:p>
-                  </a:txBody>
-                  <a:tcPr/>
-                </a:tc>
-                <a:tc>
-                  <a:txBody>
-                    <a:bodyPr/>
-                    <a:lstStyle/>
-                    <a:p>
-                      <a:pPr algn="ctr">
-                        <a:lnSpc>
-                          <a:spcPct val="100000"/>
-                        </a:lnSpc>
-                      </a:pPr>
-                      <a:r>
-                        <a:rPr lang="en-US" sz="1200">
-                          <a:solidFill>
-                            <a:srgbClr val="292929"/>
-                          </a:solidFill>
-                          <a:latin typeface="Arial"/>
-                        </a:rPr>
-                        <a:t>10</a:t>
-                      </a:r>
-                      <a:endParaRPr/>
-                    </a:p>
-                  </a:txBody>
-                  <a:tcPr/>
-                </a:tc>
-                <a:extLst>
-                  <a:ext uri="{0D108BD9-81ED-4DB2-BD59-A6C34878D82A}">
-                    <a16:rowId xmlns:a16="http://schemas.microsoft.com/office/drawing/2014/main" val="10002"/>
-                  </a:ext>
-                </a:extLst>
-              </a:tr>
-              <a:tr h="212400">
-                <a:tc>
-                  <a:txBody>
-                    <a:bodyPr/>
-                    <a:lstStyle/>
-                    <a:p>
-                      <a:pPr algn="ctr">
-                        <a:lnSpc>
-                          <a:spcPct val="100000"/>
-                        </a:lnSpc>
-                      </a:pPr>
-                      <a:r>
-                        <a:rPr lang="en-US" sz="1200" b="1">
-                          <a:solidFill>
-                            <a:srgbClr val="FFFFFF"/>
-                          </a:solidFill>
-                          <a:latin typeface="Arial"/>
-                        </a:rPr>
-                        <a:t>node3</a:t>
-                      </a:r>
-                      <a:endParaRPr/>
-                    </a:p>
-                  </a:txBody>
-                  <a:tcPr/>
-                </a:tc>
-                <a:tc>
-                  <a:txBody>
-                    <a:bodyPr/>
-                    <a:lstStyle/>
-                    <a:p>
-                      <a:pPr algn="ctr">
-                        <a:lnSpc>
-                          <a:spcPct val="100000"/>
-                        </a:lnSpc>
-                      </a:pPr>
-                      <a:r>
-                        <a:rPr lang="en-US" sz="1200">
-                          <a:solidFill>
-                            <a:srgbClr val="292929"/>
-                          </a:solidFill>
-                          <a:latin typeface="Arial"/>
-                        </a:rPr>
-                        <a:t>2</a:t>
-                      </a:r>
-                      <a:endParaRPr/>
-                    </a:p>
-                  </a:txBody>
-                  <a:tcPr/>
-                </a:tc>
-                <a:tc>
-                  <a:txBody>
-                    <a:bodyPr/>
-                    <a:lstStyle/>
-                    <a:p>
-                      <a:pPr algn="ctr">
-                        <a:lnSpc>
-                          <a:spcPct val="100000"/>
-                        </a:lnSpc>
-                      </a:pPr>
-                      <a:r>
-                        <a:rPr lang="en-US" sz="1200">
-                          <a:solidFill>
-                            <a:srgbClr val="292929"/>
-                          </a:solidFill>
-                          <a:latin typeface="Arial"/>
-                        </a:rPr>
-                        <a:t>6</a:t>
-                      </a:r>
-                      <a:endParaRPr/>
-                    </a:p>
-                  </a:txBody>
-                  <a:tcPr/>
-                </a:tc>
-                <a:tc>
-                  <a:txBody>
-                    <a:bodyPr/>
-                    <a:lstStyle/>
-                    <a:p>
-                      <a:pPr algn="ctr">
-                        <a:lnSpc>
-                          <a:spcPct val="100000"/>
-                        </a:lnSpc>
-                      </a:pPr>
-                      <a:r>
-                        <a:rPr lang="en-US" sz="1200">
-                          <a:solidFill>
-                            <a:srgbClr val="292929"/>
-                          </a:solidFill>
-                          <a:latin typeface="Arial"/>
-                        </a:rPr>
-                        <a:t>2</a:t>
-                      </a:r>
-                      <a:endParaRPr/>
-                    </a:p>
-                  </a:txBody>
-                  <a:tcPr/>
-                </a:tc>
-                <a:tc>
-                  <a:txBody>
-                    <a:bodyPr/>
-                    <a:lstStyle/>
-                    <a:p>
-                      <a:pPr algn="ctr">
-                        <a:lnSpc>
-                          <a:spcPct val="100000"/>
-                        </a:lnSpc>
-                      </a:pPr>
-                      <a:r>
-                        <a:rPr lang="en-US" sz="1200">
-                          <a:solidFill>
-                            <a:srgbClr val="292929"/>
-                          </a:solidFill>
-                          <a:latin typeface="Arial"/>
-                        </a:rPr>
-                        <a:t>10</a:t>
-                      </a:r>
-                      <a:endParaRPr/>
-                    </a:p>
-                  </a:txBody>
-                  <a:tcPr/>
-                </a:tc>
-                <a:extLst>
-                  <a:ext uri="{0D108BD9-81ED-4DB2-BD59-A6C34878D82A}">
-                    <a16:rowId xmlns:a16="http://schemas.microsoft.com/office/drawing/2014/main" val="10003"/>
-                  </a:ext>
-                </a:extLst>
-              </a:tr>
-              <a:tr h="214560">
-                <a:tc>
-                  <a:txBody>
-                    <a:bodyPr/>
-                    <a:lstStyle/>
-                    <a:p>
-                      <a:pPr algn="ctr">
-                        <a:lnSpc>
-                          <a:spcPct val="100000"/>
-                        </a:lnSpc>
-                      </a:pPr>
-                      <a:r>
-                        <a:rPr lang="en-US" sz="1200" b="1">
-                          <a:solidFill>
-                            <a:srgbClr val="FFFFFF"/>
-                          </a:solidFill>
-                          <a:latin typeface="Arial"/>
-                        </a:rPr>
-                        <a:t>node4</a:t>
-                      </a:r>
-                      <a:endParaRPr/>
-                    </a:p>
-                  </a:txBody>
-                  <a:tcPr/>
-                </a:tc>
-                <a:tc>
-                  <a:txBody>
-                    <a:bodyPr/>
-                    <a:lstStyle/>
-                    <a:p>
-                      <a:pPr algn="ctr">
-                        <a:lnSpc>
-                          <a:spcPct val="100000"/>
-                        </a:lnSpc>
-                      </a:pPr>
-                      <a:r>
-                        <a:rPr lang="en-US" sz="1200">
-                          <a:solidFill>
-                            <a:srgbClr val="292929"/>
-                          </a:solidFill>
-                          <a:latin typeface="Arial"/>
-                        </a:rPr>
-                        <a:t>2</a:t>
-                      </a:r>
-                      <a:endParaRPr/>
-                    </a:p>
-                  </a:txBody>
-                  <a:tcPr/>
-                </a:tc>
-                <a:tc>
-                  <a:txBody>
-                    <a:bodyPr/>
-                    <a:lstStyle/>
-                    <a:p>
-                      <a:pPr algn="ctr">
-                        <a:lnSpc>
-                          <a:spcPct val="100000"/>
-                        </a:lnSpc>
-                      </a:pPr>
-                      <a:r>
-                        <a:rPr lang="en-US" sz="1200">
-                          <a:solidFill>
-                            <a:srgbClr val="292929"/>
-                          </a:solidFill>
-                          <a:latin typeface="Arial"/>
-                        </a:rPr>
-                        <a:t>6</a:t>
-                      </a:r>
-                      <a:endParaRPr/>
-                    </a:p>
-                  </a:txBody>
-                  <a:tcPr/>
-                </a:tc>
-                <a:tc>
-                  <a:txBody>
-                    <a:bodyPr/>
-                    <a:lstStyle/>
-                    <a:p>
-                      <a:pPr algn="ctr">
-                        <a:lnSpc>
-                          <a:spcPct val="100000"/>
-                        </a:lnSpc>
-                      </a:pPr>
-                      <a:r>
-                        <a:rPr lang="en-US" sz="1200">
-                          <a:solidFill>
-                            <a:srgbClr val="292929"/>
-                          </a:solidFill>
-                          <a:latin typeface="Arial"/>
-                        </a:rPr>
-                        <a:t>2</a:t>
-                      </a:r>
-                      <a:endParaRPr/>
-                    </a:p>
-                  </a:txBody>
-                  <a:tcPr/>
-                </a:tc>
-                <a:tc>
-                  <a:txBody>
-                    <a:bodyPr/>
-                    <a:lstStyle/>
-                    <a:p>
-                      <a:pPr algn="ctr">
-                        <a:lnSpc>
-                          <a:spcPct val="100000"/>
-                        </a:lnSpc>
-                      </a:pPr>
-                      <a:r>
-                        <a:rPr lang="en-US" sz="1200">
-                          <a:solidFill>
-                            <a:srgbClr val="292929"/>
-                          </a:solidFill>
-                          <a:latin typeface="Arial"/>
-                        </a:rPr>
-                        <a:t>10</a:t>
-                      </a:r>
-                      <a:endParaRPr/>
-                    </a:p>
-                  </a:txBody>
-                  <a:tcPr/>
-                </a:tc>
-                <a:extLst>
-                  <a:ext uri="{0D108BD9-81ED-4DB2-BD59-A6C34878D82A}">
-                    <a16:rowId xmlns:a16="http://schemas.microsoft.com/office/drawing/2014/main" val="10004"/>
-                  </a:ext>
-                </a:extLst>
-              </a:tr>
-              <a:tr h="212760">
-                <a:tc>
-                  <a:txBody>
-                    <a:bodyPr/>
-                    <a:lstStyle/>
-                    <a:p>
-                      <a:pPr algn="ctr">
-                        <a:lnSpc>
-                          <a:spcPct val="100000"/>
-                        </a:lnSpc>
-                      </a:pPr>
-                      <a:r>
-                        <a:rPr lang="en-US" sz="1200" b="1">
-                          <a:solidFill>
-                            <a:srgbClr val="FFFFFF"/>
-                          </a:solidFill>
-                          <a:latin typeface="Arial"/>
-                        </a:rPr>
-                        <a:t>node5</a:t>
-                      </a:r>
-                      <a:endParaRPr/>
-                    </a:p>
-                  </a:txBody>
-                  <a:tcPr/>
-                </a:tc>
-                <a:tc>
-                  <a:txBody>
-                    <a:bodyPr/>
-                    <a:lstStyle/>
-                    <a:p>
-                      <a:pPr algn="ctr">
-                        <a:lnSpc>
-                          <a:spcPct val="100000"/>
-                        </a:lnSpc>
-                      </a:pPr>
-                      <a:r>
-                        <a:rPr lang="en-US" sz="1200">
-                          <a:solidFill>
-                            <a:srgbClr val="292929"/>
-                          </a:solidFill>
-                          <a:latin typeface="Arial"/>
-                        </a:rPr>
-                        <a:t>2</a:t>
-                      </a:r>
-                      <a:endParaRPr/>
-                    </a:p>
-                  </a:txBody>
-                  <a:tcPr/>
-                </a:tc>
-                <a:tc>
-                  <a:txBody>
-                    <a:bodyPr/>
-                    <a:lstStyle/>
-                    <a:p>
-                      <a:pPr algn="ctr">
-                        <a:lnSpc>
-                          <a:spcPct val="100000"/>
-                        </a:lnSpc>
-                      </a:pPr>
-                      <a:r>
-                        <a:rPr lang="en-US" sz="1200">
-                          <a:solidFill>
-                            <a:srgbClr val="292929"/>
-                          </a:solidFill>
-                          <a:latin typeface="Arial"/>
-                        </a:rPr>
-                        <a:t>6</a:t>
-                      </a:r>
-                      <a:endParaRPr/>
-                    </a:p>
-                  </a:txBody>
-                  <a:tcPr/>
-                </a:tc>
-                <a:tc>
-                  <a:txBody>
-                    <a:bodyPr/>
-                    <a:lstStyle/>
-                    <a:p>
-                      <a:pPr algn="ctr">
-                        <a:lnSpc>
-                          <a:spcPct val="100000"/>
-                        </a:lnSpc>
-                      </a:pPr>
-                      <a:r>
-                        <a:rPr lang="en-US" sz="1200">
-                          <a:solidFill>
-                            <a:srgbClr val="292929"/>
-                          </a:solidFill>
-                          <a:latin typeface="Arial"/>
-                        </a:rPr>
-                        <a:t>2</a:t>
-                      </a:r>
-                      <a:endParaRPr/>
-                    </a:p>
-                  </a:txBody>
-                  <a:tcPr/>
-                </a:tc>
-                <a:tc>
-                  <a:txBody>
-                    <a:bodyPr/>
-                    <a:lstStyle/>
-                    <a:p>
-                      <a:pPr algn="ctr">
-                        <a:lnSpc>
-                          <a:spcPct val="100000"/>
-                        </a:lnSpc>
-                      </a:pPr>
-                      <a:r>
-                        <a:rPr lang="en-US" sz="1200">
-                          <a:solidFill>
-                            <a:srgbClr val="292929"/>
-                          </a:solidFill>
-                          <a:latin typeface="Arial"/>
-                        </a:rPr>
-                        <a:t>10</a:t>
-                      </a:r>
-                      <a:endParaRPr/>
-                    </a:p>
-                  </a:txBody>
-                  <a:tcPr/>
-                </a:tc>
-                <a:extLst>
-                  <a:ext uri="{0D108BD9-81ED-4DB2-BD59-A6C34878D82A}">
-                    <a16:rowId xmlns:a16="http://schemas.microsoft.com/office/drawing/2014/main" val="10005"/>
-                  </a:ext>
-                </a:extLst>
-              </a:tr>
-              <a:tr h="212760">
-                <a:tc>
-                  <a:txBody>
-                    <a:bodyPr/>
-                    <a:lstStyle/>
-                    <a:p>
-                      <a:pPr algn="ctr">
-                        <a:lnSpc>
-                          <a:spcPct val="100000"/>
-                        </a:lnSpc>
-                      </a:pPr>
-                      <a:r>
-                        <a:rPr lang="en-US" sz="1200" b="1">
-                          <a:solidFill>
-                            <a:srgbClr val="FFFFFF"/>
-                          </a:solidFill>
-                          <a:latin typeface="Arial"/>
-                        </a:rPr>
-                        <a:t>node6</a:t>
-                      </a:r>
-                      <a:endParaRPr/>
-                    </a:p>
-                  </a:txBody>
-                  <a:tcPr/>
-                </a:tc>
-                <a:tc>
-                  <a:txBody>
-                    <a:bodyPr/>
-                    <a:lstStyle/>
-                    <a:p>
-                      <a:pPr algn="ctr">
-                        <a:lnSpc>
-                          <a:spcPct val="100000"/>
-                        </a:lnSpc>
-                      </a:pPr>
-                      <a:r>
-                        <a:rPr lang="en-US" sz="1200">
-                          <a:solidFill>
-                            <a:srgbClr val="292929"/>
-                          </a:solidFill>
-                          <a:latin typeface="Arial"/>
-                        </a:rPr>
-                        <a:t>2</a:t>
-                      </a:r>
-                      <a:endParaRPr/>
-                    </a:p>
-                  </a:txBody>
-                  <a:tcPr/>
-                </a:tc>
-                <a:tc>
-                  <a:txBody>
-                    <a:bodyPr/>
-                    <a:lstStyle/>
-                    <a:p>
-                      <a:pPr algn="ctr">
-                        <a:lnSpc>
-                          <a:spcPct val="100000"/>
-                        </a:lnSpc>
-                      </a:pPr>
-                      <a:r>
-                        <a:rPr lang="en-US" sz="1200">
-                          <a:solidFill>
-                            <a:srgbClr val="292929"/>
-                          </a:solidFill>
-                          <a:latin typeface="Arial"/>
-                        </a:rPr>
-                        <a:t>6</a:t>
-                      </a:r>
-                      <a:endParaRPr/>
-                    </a:p>
-                  </a:txBody>
-                  <a:tcPr/>
-                </a:tc>
-                <a:tc>
-                  <a:txBody>
-                    <a:bodyPr/>
-                    <a:lstStyle/>
-                    <a:p>
-                      <a:pPr algn="ctr">
-                        <a:lnSpc>
-                          <a:spcPct val="100000"/>
-                        </a:lnSpc>
-                      </a:pPr>
-                      <a:r>
-                        <a:rPr lang="en-US" sz="1200">
-                          <a:solidFill>
-                            <a:srgbClr val="292929"/>
-                          </a:solidFill>
-                          <a:latin typeface="Arial"/>
-                        </a:rPr>
-                        <a:t>2</a:t>
-                      </a:r>
-                      <a:endParaRPr/>
-                    </a:p>
-                  </a:txBody>
-                  <a:tcPr/>
-                </a:tc>
-                <a:tc>
-                  <a:txBody>
-                    <a:bodyPr/>
-                    <a:lstStyle/>
-                    <a:p>
-                      <a:pPr algn="ctr">
-                        <a:lnSpc>
-                          <a:spcPct val="100000"/>
-                        </a:lnSpc>
-                      </a:pPr>
-                      <a:r>
-                        <a:rPr lang="en-US" sz="1200">
-                          <a:solidFill>
-                            <a:srgbClr val="292929"/>
-                          </a:solidFill>
-                          <a:latin typeface="Arial"/>
-                        </a:rPr>
-                        <a:t>10</a:t>
-                      </a:r>
-                      <a:endParaRPr/>
-                    </a:p>
-                  </a:txBody>
-                  <a:tcPr/>
-                </a:tc>
-                <a:extLst>
-                  <a:ext uri="{0D108BD9-81ED-4DB2-BD59-A6C34878D82A}">
-                    <a16:rowId xmlns:a16="http://schemas.microsoft.com/office/drawing/2014/main" val="10006"/>
-                  </a:ext>
-                </a:extLst>
-              </a:tr>
-            </a:tbl>
-          </a:graphicData>
-        </a:graphic>
-      </p:graphicFrame>
       <p:sp>
         <p:nvSpPr>
           <p:cNvPr id="253" name="CustomShape 5"/>
@@ -23227,1006 +22296,51 @@
               <a:buChar char=""/>
             </a:pPr>
             <a:r>
-              <a:rPr lang="zh-CN" sz="2000">
+              <a:rPr lang="zh-CN" sz="2000" dirty="0">
                 <a:latin typeface="华文楷体"/>
                 <a:ea typeface="华文楷体"/>
               </a:rPr>
               <a:t>（</a:t>
             </a:r>
             <a:r>
-              <a:rPr lang="en-US" sz="2000">
+              <a:rPr lang="en-US" sz="2000" dirty="0">
                 <a:latin typeface="华文楷体"/>
                 <a:ea typeface="华文楷体"/>
               </a:rPr>
               <a:t>1</a:t>
             </a:r>
             <a:r>
-              <a:rPr lang="zh-CN" sz="2000">
+              <a:rPr lang="zh-CN" sz="2000" dirty="0">
                 <a:latin typeface="华文楷体"/>
                 <a:ea typeface="华文楷体"/>
               </a:rPr>
               <a:t>）同种类型</a:t>
             </a:r>
             <a:r>
-              <a:rPr lang="en-US" sz="2000">
+              <a:rPr lang="en-US" sz="2000" dirty="0">
                 <a:latin typeface="华文楷体"/>
                 <a:ea typeface="华文楷体"/>
               </a:rPr>
               <a:t>jobs</a:t>
             </a:r>
             <a:r>
-              <a:rPr lang="zh-CN" sz="2000">
-                <a:latin typeface="华文楷体"/>
-                <a:ea typeface="华文楷体"/>
-              </a:rPr>
-              <a:t>：配置如图</a:t>
-            </a:r>
-            <a:endParaRPr/>
+              <a:rPr lang="zh-CN" sz="2000" dirty="0">
+                <a:latin typeface="华文楷体"/>
+                <a:ea typeface="华文楷体"/>
+              </a:rPr>
+              <a:t>：</a:t>
+            </a:r>
+            <a:r>
+              <a:rPr lang="en-US" altLang="zh-CN" sz="2000" dirty="0">
+                <a:latin typeface="华文楷体"/>
+                <a:ea typeface="华文楷体"/>
+              </a:rPr>
+              <a:t>7.18G</a:t>
+            </a:r>
+            <a:endParaRPr dirty="0"/>
           </a:p>
         </p:txBody>
       </p:sp>
-      <p:graphicFrame>
-        <p:nvGraphicFramePr>
-          <p:cNvPr id="254" name="Table 6"/>
-          <p:cNvGraphicFramePr/>
-          <p:nvPr/>
-        </p:nvGraphicFramePr>
-        <p:xfrm>
-          <a:off x="250920" y="3814920"/>
-          <a:ext cx="4465440" cy="2107800"/>
-        </p:xfrm>
-        <a:graphic>
-          <a:graphicData uri="http://schemas.openxmlformats.org/drawingml/2006/table">
-            <a:tbl>
-              <a:tblPr/>
-              <a:tblGrid>
-                <a:gridCol w="803160">
-                  <a:extLst>
-                    <a:ext uri="{9D8B030D-6E8A-4147-A177-3AD203B41FA5}">
-                      <a16:colId xmlns:a16="http://schemas.microsoft.com/office/drawing/2014/main" val="20000"/>
-                    </a:ext>
-                  </a:extLst>
-                </a:gridCol>
-                <a:gridCol w="828720">
-                  <a:extLst>
-                    <a:ext uri="{9D8B030D-6E8A-4147-A177-3AD203B41FA5}">
-                      <a16:colId xmlns:a16="http://schemas.microsoft.com/office/drawing/2014/main" val="20001"/>
-                    </a:ext>
-                  </a:extLst>
-                </a:gridCol>
-                <a:gridCol w="958680">
-                  <a:extLst>
-                    <a:ext uri="{9D8B030D-6E8A-4147-A177-3AD203B41FA5}">
-                      <a16:colId xmlns:a16="http://schemas.microsoft.com/office/drawing/2014/main" val="20002"/>
-                    </a:ext>
-                  </a:extLst>
-                </a:gridCol>
-                <a:gridCol w="981360">
-                  <a:extLst>
-                    <a:ext uri="{9D8B030D-6E8A-4147-A177-3AD203B41FA5}">
-                      <a16:colId xmlns:a16="http://schemas.microsoft.com/office/drawing/2014/main" val="20003"/>
-                    </a:ext>
-                  </a:extLst>
-                </a:gridCol>
-                <a:gridCol w="893520">
-                  <a:extLst>
-                    <a:ext uri="{9D8B030D-6E8A-4147-A177-3AD203B41FA5}">
-                      <a16:colId xmlns:a16="http://schemas.microsoft.com/office/drawing/2014/main" val="20004"/>
-                    </a:ext>
-                  </a:extLst>
-                </a:gridCol>
-              </a:tblGrid>
-              <a:tr h="461880">
-                <a:tc>
-                  <a:txBody>
-                    <a:bodyPr/>
-                    <a:lstStyle/>
-                    <a:p>
-                      <a:pPr algn="ctr">
-                        <a:lnSpc>
-                          <a:spcPct val="100000"/>
-                        </a:lnSpc>
-                      </a:pPr>
-                      <a:r>
-                        <a:rPr lang="en-US" sz="1200" b="1">
-                          <a:solidFill>
-                            <a:srgbClr val="FFFFFF"/>
-                          </a:solidFill>
-                          <a:latin typeface="Arial"/>
-                        </a:rPr>
-                        <a:t>Job ID</a:t>
-                      </a:r>
-                      <a:endParaRPr/>
-                    </a:p>
-                  </a:txBody>
-                  <a:tcPr/>
-                </a:tc>
-                <a:tc>
-                  <a:txBody>
-                    <a:bodyPr/>
-                    <a:lstStyle/>
-                    <a:p>
-                      <a:pPr algn="ctr">
-                        <a:lnSpc>
-                          <a:spcPct val="100000"/>
-                        </a:lnSpc>
-                      </a:pPr>
-                      <a:r>
-                        <a:rPr lang="en-US" sz="1200" b="1">
-                          <a:solidFill>
-                            <a:srgbClr val="FFFFFF"/>
-                          </a:solidFill>
-                          <a:latin typeface="Arial"/>
-                        </a:rPr>
-                        <a:t>#M</a:t>
-                      </a:r>
-                      <a:endParaRPr/>
-                    </a:p>
-                  </a:txBody>
-                  <a:tcPr/>
-                </a:tc>
-                <a:tc>
-                  <a:txBody>
-                    <a:bodyPr/>
-                    <a:lstStyle/>
-                    <a:p>
-                      <a:pPr algn="ctr">
-                        <a:lnSpc>
-                          <a:spcPct val="100000"/>
-                        </a:lnSpc>
-                      </a:pPr>
-                      <a:r>
-                        <a:rPr lang="en-US" sz="1200" b="1">
-                          <a:solidFill>
-                            <a:srgbClr val="FFFFFF"/>
-                          </a:solidFill>
-                          <a:latin typeface="Arial"/>
-                        </a:rPr>
-                        <a:t>#R</a:t>
-                      </a:r>
-                      <a:endParaRPr/>
-                    </a:p>
-                  </a:txBody>
-                  <a:tcPr/>
-                </a:tc>
-                <a:tc>
-                  <a:txBody>
-                    <a:bodyPr/>
-                    <a:lstStyle/>
-                    <a:p>
-                      <a:pPr algn="ctr">
-                        <a:lnSpc>
-                          <a:spcPct val="100000"/>
-                        </a:lnSpc>
-                      </a:pPr>
-                      <a:r>
-                        <a:rPr lang="en-US" sz="1200" b="1">
-                          <a:solidFill>
-                            <a:srgbClr val="FFFFFF"/>
-                          </a:solidFill>
-                          <a:latin typeface="Arial"/>
-                        </a:rPr>
-                        <a:t>R</a:t>
-                      </a:r>
-                      <a:r>
-                        <a:rPr lang="en-US" sz="1200" b="1" baseline="30000">
-                          <a:solidFill>
-                            <a:srgbClr val="FFFFFF"/>
-                          </a:solidFill>
-                          <a:latin typeface="Arial"/>
-                        </a:rPr>
-                        <a:t>m</a:t>
-                      </a:r>
-                      <a:endParaRPr/>
-                    </a:p>
-                  </a:txBody>
-                  <a:tcPr/>
-                </a:tc>
-                <a:tc>
-                  <a:txBody>
-                    <a:bodyPr/>
-                    <a:lstStyle/>
-                    <a:p>
-                      <a:pPr algn="ctr">
-                        <a:lnSpc>
-                          <a:spcPct val="100000"/>
-                        </a:lnSpc>
-                      </a:pPr>
-                      <a:r>
-                        <a:rPr lang="en-US" sz="1200" b="1">
-                          <a:solidFill>
-                            <a:srgbClr val="FFFFFF"/>
-                          </a:solidFill>
-                          <a:latin typeface="Arial"/>
-                        </a:rPr>
-                        <a:t>R</a:t>
-                      </a:r>
-                      <a:r>
-                        <a:rPr lang="en-US" sz="1200" b="1" baseline="30000">
-                          <a:solidFill>
-                            <a:srgbClr val="FFFFFF"/>
-                          </a:solidFill>
-                          <a:latin typeface="Arial"/>
-                        </a:rPr>
-                        <a:t>r</a:t>
-                      </a:r>
-                      <a:endParaRPr/>
-                    </a:p>
-                  </a:txBody>
-                  <a:tcPr/>
-                </a:tc>
-                <a:extLst>
-                  <a:ext uri="{0D108BD9-81ED-4DB2-BD59-A6C34878D82A}">
-                    <a16:rowId xmlns:a16="http://schemas.microsoft.com/office/drawing/2014/main" val="10000"/>
-                  </a:ext>
-                </a:extLst>
-              </a:tr>
-              <a:tr h="230040">
-                <a:tc>
-                  <a:txBody>
-                    <a:bodyPr/>
-                    <a:lstStyle/>
-                    <a:p>
-                      <a:pPr algn="ctr">
-                        <a:lnSpc>
-                          <a:spcPct val="100000"/>
-                        </a:lnSpc>
-                      </a:pPr>
-                      <a:r>
-                        <a:rPr lang="en-US" sz="1200" b="1">
-                          <a:solidFill>
-                            <a:srgbClr val="FFFFFF"/>
-                          </a:solidFill>
-                          <a:latin typeface="Arial"/>
-                        </a:rPr>
-                        <a:t>1</a:t>
-                      </a:r>
-                      <a:endParaRPr/>
-                    </a:p>
-                  </a:txBody>
-                  <a:tcPr/>
-                </a:tc>
-                <a:tc>
-                  <a:txBody>
-                    <a:bodyPr/>
-                    <a:lstStyle/>
-                    <a:p>
-                      <a:pPr algn="ctr">
-                        <a:lnSpc>
-                          <a:spcPct val="100000"/>
-                        </a:lnSpc>
-                      </a:pPr>
-                      <a:r>
-                        <a:rPr lang="en-US" sz="1200">
-                          <a:solidFill>
-                            <a:srgbClr val="292929"/>
-                          </a:solidFill>
-                          <a:latin typeface="Arial"/>
-                        </a:rPr>
-                        <a:t>58</a:t>
-                      </a:r>
-                      <a:endParaRPr/>
-                    </a:p>
-                  </a:txBody>
-                  <a:tcPr/>
-                </a:tc>
-                <a:tc>
-                  <a:txBody>
-                    <a:bodyPr/>
-                    <a:lstStyle/>
-                    <a:p>
-                      <a:pPr algn="ctr">
-                        <a:lnSpc>
-                          <a:spcPct val="100000"/>
-                        </a:lnSpc>
-                      </a:pPr>
-                      <a:r>
-                        <a:rPr lang="en-US" sz="1200">
-                          <a:solidFill>
-                            <a:srgbClr val="292929"/>
-                          </a:solidFill>
-                          <a:latin typeface="Arial"/>
-                        </a:rPr>
-                        <a:t>5</a:t>
-                      </a:r>
-                      <a:endParaRPr/>
-                    </a:p>
-                  </a:txBody>
-                  <a:tcPr/>
-                </a:tc>
-                <a:tc>
-                  <a:txBody>
-                    <a:bodyPr/>
-                    <a:lstStyle/>
-                    <a:p>
-                      <a:pPr algn="ctr">
-                        <a:lnSpc>
-                          <a:spcPct val="100000"/>
-                        </a:lnSpc>
-                      </a:pPr>
-                      <a:r>
-                        <a:rPr lang="en-US" sz="1200">
-                          <a:solidFill>
-                            <a:srgbClr val="292929"/>
-                          </a:solidFill>
-                          <a:latin typeface="Arial"/>
-                        </a:rPr>
-                        <a:t>&lt;2,1&gt;</a:t>
-                      </a:r>
-                      <a:endParaRPr/>
-                    </a:p>
-                  </a:txBody>
-                  <a:tcPr/>
-                </a:tc>
-                <a:tc>
-                  <a:txBody>
-                    <a:bodyPr/>
-                    <a:lstStyle/>
-                    <a:p>
-                      <a:pPr algn="ctr">
-                        <a:lnSpc>
-                          <a:spcPct val="100000"/>
-                        </a:lnSpc>
-                      </a:pPr>
-                      <a:r>
-                        <a:rPr lang="en-US" sz="1200">
-                          <a:solidFill>
-                            <a:srgbClr val="292929"/>
-                          </a:solidFill>
-                          <a:latin typeface="Arial"/>
-                        </a:rPr>
-                        <a:t>&lt;2,1&gt;</a:t>
-                      </a:r>
-                      <a:endParaRPr/>
-                    </a:p>
-                  </a:txBody>
-                  <a:tcPr/>
-                </a:tc>
-                <a:extLst>
-                  <a:ext uri="{0D108BD9-81ED-4DB2-BD59-A6C34878D82A}">
-                    <a16:rowId xmlns:a16="http://schemas.microsoft.com/office/drawing/2014/main" val="10001"/>
-                  </a:ext>
-                </a:extLst>
-              </a:tr>
-              <a:tr h="231840">
-                <a:tc>
-                  <a:txBody>
-                    <a:bodyPr/>
-                    <a:lstStyle/>
-                    <a:p>
-                      <a:pPr algn="ctr">
-                        <a:lnSpc>
-                          <a:spcPct val="100000"/>
-                        </a:lnSpc>
-                      </a:pPr>
-                      <a:r>
-                        <a:rPr lang="en-US" sz="1200" b="1">
-                          <a:solidFill>
-                            <a:srgbClr val="FFFFFF"/>
-                          </a:solidFill>
-                          <a:latin typeface="Arial"/>
-                        </a:rPr>
-                        <a:t>2</a:t>
-                      </a:r>
-                      <a:endParaRPr/>
-                    </a:p>
-                  </a:txBody>
-                  <a:tcPr/>
-                </a:tc>
-                <a:tc>
-                  <a:txBody>
-                    <a:bodyPr/>
-                    <a:lstStyle/>
-                    <a:p>
-                      <a:pPr algn="ctr">
-                        <a:lnSpc>
-                          <a:spcPct val="100000"/>
-                        </a:lnSpc>
-                      </a:pPr>
-                      <a:r>
-                        <a:rPr lang="en-US" sz="1200">
-                          <a:solidFill>
-                            <a:srgbClr val="292929"/>
-                          </a:solidFill>
-                          <a:latin typeface="Arial"/>
-                        </a:rPr>
-                        <a:t>58</a:t>
-                      </a:r>
-                      <a:endParaRPr/>
-                    </a:p>
-                  </a:txBody>
-                  <a:tcPr/>
-                </a:tc>
-                <a:tc>
-                  <a:txBody>
-                    <a:bodyPr/>
-                    <a:lstStyle/>
-                    <a:p>
-                      <a:pPr algn="ctr">
-                        <a:lnSpc>
-                          <a:spcPct val="100000"/>
-                        </a:lnSpc>
-                      </a:pPr>
-                      <a:r>
-                        <a:rPr lang="en-US" sz="1200">
-                          <a:solidFill>
-                            <a:srgbClr val="292929"/>
-                          </a:solidFill>
-                          <a:latin typeface="Arial"/>
-                        </a:rPr>
-                        <a:t>5</a:t>
-                      </a:r>
-                      <a:endParaRPr/>
-                    </a:p>
-                  </a:txBody>
-                  <a:tcPr/>
-                </a:tc>
-                <a:tc>
-                  <a:txBody>
-                    <a:bodyPr/>
-                    <a:lstStyle/>
-                    <a:p>
-                      <a:pPr algn="ctr">
-                        <a:lnSpc>
-                          <a:spcPct val="100000"/>
-                        </a:lnSpc>
-                      </a:pPr>
-                      <a:r>
-                        <a:rPr lang="en-US" sz="1200">
-                          <a:solidFill>
-                            <a:srgbClr val="292929"/>
-                          </a:solidFill>
-                          <a:latin typeface="Arial"/>
-                        </a:rPr>
-                        <a:t>&lt;3,2&gt;</a:t>
-                      </a:r>
-                      <a:endParaRPr/>
-                    </a:p>
-                  </a:txBody>
-                  <a:tcPr/>
-                </a:tc>
-                <a:tc>
-                  <a:txBody>
-                    <a:bodyPr/>
-                    <a:lstStyle/>
-                    <a:p>
-                      <a:pPr algn="ctr">
-                        <a:lnSpc>
-                          <a:spcPct val="100000"/>
-                        </a:lnSpc>
-                      </a:pPr>
-                      <a:r>
-                        <a:rPr lang="en-US" sz="1200">
-                          <a:solidFill>
-                            <a:srgbClr val="292929"/>
-                          </a:solidFill>
-                          <a:latin typeface="Arial"/>
-                        </a:rPr>
-                        <a:t>&lt;2,2&gt;</a:t>
-                      </a:r>
-                      <a:endParaRPr/>
-                    </a:p>
-                  </a:txBody>
-                  <a:tcPr/>
-                </a:tc>
-                <a:extLst>
-                  <a:ext uri="{0D108BD9-81ED-4DB2-BD59-A6C34878D82A}">
-                    <a16:rowId xmlns:a16="http://schemas.microsoft.com/office/drawing/2014/main" val="10002"/>
-                  </a:ext>
-                </a:extLst>
-              </a:tr>
-              <a:tr h="230040">
-                <a:tc>
-                  <a:txBody>
-                    <a:bodyPr/>
-                    <a:lstStyle/>
-                    <a:p>
-                      <a:pPr algn="ctr">
-                        <a:lnSpc>
-                          <a:spcPct val="100000"/>
-                        </a:lnSpc>
-                      </a:pPr>
-                      <a:r>
-                        <a:rPr lang="en-US" sz="1200" b="1">
-                          <a:solidFill>
-                            <a:srgbClr val="FFFFFF"/>
-                          </a:solidFill>
-                          <a:latin typeface="Arial"/>
-                        </a:rPr>
-                        <a:t>3</a:t>
-                      </a:r>
-                      <a:endParaRPr/>
-                    </a:p>
-                  </a:txBody>
-                  <a:tcPr/>
-                </a:tc>
-                <a:tc>
-                  <a:txBody>
-                    <a:bodyPr/>
-                    <a:lstStyle/>
-                    <a:p>
-                      <a:pPr algn="ctr">
-                        <a:lnSpc>
-                          <a:spcPct val="100000"/>
-                        </a:lnSpc>
-                      </a:pPr>
-                      <a:r>
-                        <a:rPr lang="en-US" sz="1200">
-                          <a:solidFill>
-                            <a:srgbClr val="292929"/>
-                          </a:solidFill>
-                          <a:latin typeface="Arial"/>
-                        </a:rPr>
-                        <a:t>58</a:t>
-                      </a:r>
-                      <a:endParaRPr/>
-                    </a:p>
-                  </a:txBody>
-                  <a:tcPr/>
-                </a:tc>
-                <a:tc>
-                  <a:txBody>
-                    <a:bodyPr/>
-                    <a:lstStyle/>
-                    <a:p>
-                      <a:pPr algn="ctr">
-                        <a:lnSpc>
-                          <a:spcPct val="100000"/>
-                        </a:lnSpc>
-                      </a:pPr>
-                      <a:r>
-                        <a:rPr lang="en-US" sz="1200">
-                          <a:solidFill>
-                            <a:srgbClr val="292929"/>
-                          </a:solidFill>
-                          <a:latin typeface="Arial"/>
-                        </a:rPr>
-                        <a:t>5</a:t>
-                      </a:r>
-                      <a:endParaRPr/>
-                    </a:p>
-                  </a:txBody>
-                  <a:tcPr/>
-                </a:tc>
-                <a:tc>
-                  <a:txBody>
-                    <a:bodyPr/>
-                    <a:lstStyle/>
-                    <a:p>
-                      <a:pPr algn="ctr">
-                        <a:lnSpc>
-                          <a:spcPct val="100000"/>
-                        </a:lnSpc>
-                      </a:pPr>
-                      <a:r>
-                        <a:rPr lang="en-US" sz="1200">
-                          <a:solidFill>
-                            <a:srgbClr val="292929"/>
-                          </a:solidFill>
-                          <a:latin typeface="Arial"/>
-                        </a:rPr>
-                        <a:t>&lt;4,1&gt;</a:t>
-                      </a:r>
-                      <a:endParaRPr/>
-                    </a:p>
-                  </a:txBody>
-                  <a:tcPr/>
-                </a:tc>
-                <a:tc>
-                  <a:txBody>
-                    <a:bodyPr/>
-                    <a:lstStyle/>
-                    <a:p>
-                      <a:pPr algn="ctr">
-                        <a:lnSpc>
-                          <a:spcPct val="100000"/>
-                        </a:lnSpc>
-                      </a:pPr>
-                      <a:r>
-                        <a:rPr lang="en-US" sz="1200">
-                          <a:solidFill>
-                            <a:srgbClr val="292929"/>
-                          </a:solidFill>
-                          <a:latin typeface="Arial"/>
-                        </a:rPr>
-                        <a:t>&lt;2,1&gt;</a:t>
-                      </a:r>
-                      <a:endParaRPr/>
-                    </a:p>
-                  </a:txBody>
-                  <a:tcPr/>
-                </a:tc>
-                <a:extLst>
-                  <a:ext uri="{0D108BD9-81ED-4DB2-BD59-A6C34878D82A}">
-                    <a16:rowId xmlns:a16="http://schemas.microsoft.com/office/drawing/2014/main" val="10003"/>
-                  </a:ext>
-                </a:extLst>
-              </a:tr>
-              <a:tr h="230400">
-                <a:tc>
-                  <a:txBody>
-                    <a:bodyPr/>
-                    <a:lstStyle/>
-                    <a:p>
-                      <a:pPr algn="ctr">
-                        <a:lnSpc>
-                          <a:spcPct val="100000"/>
-                        </a:lnSpc>
-                      </a:pPr>
-                      <a:r>
-                        <a:rPr lang="en-US" sz="1200" b="1">
-                          <a:solidFill>
-                            <a:srgbClr val="FFFFFF"/>
-                          </a:solidFill>
-                          <a:latin typeface="Arial"/>
-                        </a:rPr>
-                        <a:t>4</a:t>
-                      </a:r>
-                      <a:endParaRPr/>
-                    </a:p>
-                  </a:txBody>
-                  <a:tcPr/>
-                </a:tc>
-                <a:tc>
-                  <a:txBody>
-                    <a:bodyPr/>
-                    <a:lstStyle/>
-                    <a:p>
-                      <a:pPr algn="ctr">
-                        <a:lnSpc>
-                          <a:spcPct val="100000"/>
-                        </a:lnSpc>
-                      </a:pPr>
-                      <a:r>
-                        <a:rPr lang="en-US" sz="1200">
-                          <a:solidFill>
-                            <a:srgbClr val="292929"/>
-                          </a:solidFill>
-                          <a:latin typeface="Arial"/>
-                        </a:rPr>
-                        <a:t>58</a:t>
-                      </a:r>
-                      <a:endParaRPr/>
-                    </a:p>
-                  </a:txBody>
-                  <a:tcPr/>
-                </a:tc>
-                <a:tc>
-                  <a:txBody>
-                    <a:bodyPr/>
-                    <a:lstStyle/>
-                    <a:p>
-                      <a:pPr algn="ctr">
-                        <a:lnSpc>
-                          <a:spcPct val="100000"/>
-                        </a:lnSpc>
-                      </a:pPr>
-                      <a:r>
-                        <a:rPr lang="en-US" sz="1200">
-                          <a:solidFill>
-                            <a:srgbClr val="292929"/>
-                          </a:solidFill>
-                          <a:latin typeface="Arial"/>
-                        </a:rPr>
-                        <a:t>5</a:t>
-                      </a:r>
-                      <a:endParaRPr/>
-                    </a:p>
-                  </a:txBody>
-                  <a:tcPr/>
-                </a:tc>
-                <a:tc>
-                  <a:txBody>
-                    <a:bodyPr/>
-                    <a:lstStyle/>
-                    <a:p>
-                      <a:pPr algn="ctr">
-                        <a:lnSpc>
-                          <a:spcPct val="100000"/>
-                        </a:lnSpc>
-                      </a:pPr>
-                      <a:r>
-                        <a:rPr lang="en-US" sz="1200">
-                          <a:solidFill>
-                            <a:srgbClr val="292929"/>
-                          </a:solidFill>
-                          <a:latin typeface="Arial"/>
-                        </a:rPr>
-                        <a:t>&lt;5,2&gt;</a:t>
-                      </a:r>
-                      <a:endParaRPr/>
-                    </a:p>
-                  </a:txBody>
-                  <a:tcPr/>
-                </a:tc>
-                <a:tc>
-                  <a:txBody>
-                    <a:bodyPr/>
-                    <a:lstStyle/>
-                    <a:p>
-                      <a:pPr algn="ctr">
-                        <a:lnSpc>
-                          <a:spcPct val="100000"/>
-                        </a:lnSpc>
-                      </a:pPr>
-                      <a:r>
-                        <a:rPr lang="en-US" sz="1200">
-                          <a:solidFill>
-                            <a:srgbClr val="292929"/>
-                          </a:solidFill>
-                          <a:latin typeface="Arial"/>
-                        </a:rPr>
-                        <a:t>&lt;2,2&gt;</a:t>
-                      </a:r>
-                      <a:endParaRPr/>
-                    </a:p>
-                  </a:txBody>
-                  <a:tcPr/>
-                </a:tc>
-                <a:extLst>
-                  <a:ext uri="{0D108BD9-81ED-4DB2-BD59-A6C34878D82A}">
-                    <a16:rowId xmlns:a16="http://schemas.microsoft.com/office/drawing/2014/main" val="10004"/>
-                  </a:ext>
-                </a:extLst>
-              </a:tr>
-              <a:tr h="231840">
-                <a:tc>
-                  <a:txBody>
-                    <a:bodyPr/>
-                    <a:lstStyle/>
-                    <a:p>
-                      <a:pPr algn="ctr">
-                        <a:lnSpc>
-                          <a:spcPct val="100000"/>
-                        </a:lnSpc>
-                      </a:pPr>
-                      <a:r>
-                        <a:rPr lang="en-US" sz="1200" b="1">
-                          <a:solidFill>
-                            <a:srgbClr val="FFFFFF"/>
-                          </a:solidFill>
-                          <a:latin typeface="Arial"/>
-                        </a:rPr>
-                        <a:t>5</a:t>
-                      </a:r>
-                      <a:endParaRPr/>
-                    </a:p>
-                  </a:txBody>
-                  <a:tcPr/>
-                </a:tc>
-                <a:tc>
-                  <a:txBody>
-                    <a:bodyPr/>
-                    <a:lstStyle/>
-                    <a:p>
-                      <a:pPr algn="ctr">
-                        <a:lnSpc>
-                          <a:spcPct val="100000"/>
-                        </a:lnSpc>
-                      </a:pPr>
-                      <a:r>
-                        <a:rPr lang="en-US" sz="1200">
-                          <a:solidFill>
-                            <a:srgbClr val="292929"/>
-                          </a:solidFill>
-                          <a:latin typeface="Arial"/>
-                        </a:rPr>
-                        <a:t>58</a:t>
-                      </a:r>
-                      <a:endParaRPr/>
-                    </a:p>
-                  </a:txBody>
-                  <a:tcPr/>
-                </a:tc>
-                <a:tc>
-                  <a:txBody>
-                    <a:bodyPr/>
-                    <a:lstStyle/>
-                    <a:p>
-                      <a:pPr algn="ctr">
-                        <a:lnSpc>
-                          <a:spcPct val="100000"/>
-                        </a:lnSpc>
-                      </a:pPr>
-                      <a:r>
-                        <a:rPr lang="en-US" sz="1200">
-                          <a:solidFill>
-                            <a:srgbClr val="292929"/>
-                          </a:solidFill>
-                          <a:latin typeface="Arial"/>
-                        </a:rPr>
-                        <a:t>5</a:t>
-                      </a:r>
-                      <a:endParaRPr/>
-                    </a:p>
-                  </a:txBody>
-                  <a:tcPr/>
-                </a:tc>
-                <a:tc>
-                  <a:txBody>
-                    <a:bodyPr/>
-                    <a:lstStyle/>
-                    <a:p>
-                      <a:pPr algn="ctr">
-                        <a:lnSpc>
-                          <a:spcPct val="100000"/>
-                        </a:lnSpc>
-                      </a:pPr>
-                      <a:r>
-                        <a:rPr lang="en-US" sz="1200">
-                          <a:solidFill>
-                            <a:srgbClr val="292929"/>
-                          </a:solidFill>
-                          <a:latin typeface="Arial"/>
-                        </a:rPr>
-                        <a:t>&lt;6,1&gt;</a:t>
-                      </a:r>
-                      <a:endParaRPr/>
-                    </a:p>
-                  </a:txBody>
-                  <a:tcPr/>
-                </a:tc>
-                <a:tc>
-                  <a:txBody>
-                    <a:bodyPr/>
-                    <a:lstStyle/>
-                    <a:p>
-                      <a:pPr algn="ctr">
-                        <a:lnSpc>
-                          <a:spcPct val="100000"/>
-                        </a:lnSpc>
-                      </a:pPr>
-                      <a:r>
-                        <a:rPr lang="en-US" sz="1200">
-                          <a:solidFill>
-                            <a:srgbClr val="292929"/>
-                          </a:solidFill>
-                          <a:latin typeface="Arial"/>
-                        </a:rPr>
-                        <a:t>&lt;2,1&gt;</a:t>
-                      </a:r>
-                      <a:endParaRPr/>
-                    </a:p>
-                  </a:txBody>
-                  <a:tcPr/>
-                </a:tc>
-                <a:extLst>
-                  <a:ext uri="{0D108BD9-81ED-4DB2-BD59-A6C34878D82A}">
-                    <a16:rowId xmlns:a16="http://schemas.microsoft.com/office/drawing/2014/main" val="10005"/>
-                  </a:ext>
-                </a:extLst>
-              </a:tr>
-              <a:tr h="230040">
-                <a:tc>
-                  <a:txBody>
-                    <a:bodyPr/>
-                    <a:lstStyle/>
-                    <a:p>
-                      <a:pPr algn="ctr">
-                        <a:lnSpc>
-                          <a:spcPct val="100000"/>
-                        </a:lnSpc>
-                      </a:pPr>
-                      <a:r>
-                        <a:rPr lang="en-US" sz="1200" b="1">
-                          <a:solidFill>
-                            <a:srgbClr val="FFFFFF"/>
-                          </a:solidFill>
-                          <a:latin typeface="Arial"/>
-                        </a:rPr>
-                        <a:t>6</a:t>
-                      </a:r>
-                      <a:endParaRPr/>
-                    </a:p>
-                  </a:txBody>
-                  <a:tcPr/>
-                </a:tc>
-                <a:tc>
-                  <a:txBody>
-                    <a:bodyPr/>
-                    <a:lstStyle/>
-                    <a:p>
-                      <a:pPr algn="ctr">
-                        <a:lnSpc>
-                          <a:spcPct val="100000"/>
-                        </a:lnSpc>
-                      </a:pPr>
-                      <a:r>
-                        <a:rPr lang="en-US" sz="1200">
-                          <a:solidFill>
-                            <a:srgbClr val="292929"/>
-                          </a:solidFill>
-                          <a:latin typeface="Arial"/>
-                        </a:rPr>
-                        <a:t>58</a:t>
-                      </a:r>
-                      <a:endParaRPr/>
-                    </a:p>
-                  </a:txBody>
-                  <a:tcPr/>
-                </a:tc>
-                <a:tc>
-                  <a:txBody>
-                    <a:bodyPr/>
-                    <a:lstStyle/>
-                    <a:p>
-                      <a:pPr algn="ctr">
-                        <a:lnSpc>
-                          <a:spcPct val="100000"/>
-                        </a:lnSpc>
-                      </a:pPr>
-                      <a:r>
-                        <a:rPr lang="en-US" sz="1200">
-                          <a:solidFill>
-                            <a:srgbClr val="292929"/>
-                          </a:solidFill>
-                          <a:latin typeface="Arial"/>
-                        </a:rPr>
-                        <a:t>5</a:t>
-                      </a:r>
-                      <a:endParaRPr/>
-                    </a:p>
-                  </a:txBody>
-                  <a:tcPr/>
-                </a:tc>
-                <a:tc>
-                  <a:txBody>
-                    <a:bodyPr/>
-                    <a:lstStyle/>
-                    <a:p>
-                      <a:pPr algn="ctr">
-                        <a:lnSpc>
-                          <a:spcPct val="100000"/>
-                        </a:lnSpc>
-                      </a:pPr>
-                      <a:r>
-                        <a:rPr lang="en-US" sz="1200">
-                          <a:solidFill>
-                            <a:srgbClr val="292929"/>
-                          </a:solidFill>
-                          <a:latin typeface="Arial"/>
-                        </a:rPr>
-                        <a:t>&lt;7,2&gt;</a:t>
-                      </a:r>
-                      <a:endParaRPr/>
-                    </a:p>
-                  </a:txBody>
-                  <a:tcPr/>
-                </a:tc>
-                <a:tc>
-                  <a:txBody>
-                    <a:bodyPr/>
-                    <a:lstStyle/>
-                    <a:p>
-                      <a:pPr algn="ctr">
-                        <a:lnSpc>
-                          <a:spcPct val="100000"/>
-                        </a:lnSpc>
-                      </a:pPr>
-                      <a:r>
-                        <a:rPr lang="en-US" sz="1200">
-                          <a:solidFill>
-                            <a:srgbClr val="292929"/>
-                          </a:solidFill>
-                          <a:latin typeface="Arial"/>
-                        </a:rPr>
-                        <a:t>&lt;2,2&gt;</a:t>
-                      </a:r>
-                      <a:endParaRPr/>
-                    </a:p>
-                  </a:txBody>
-                  <a:tcPr/>
-                </a:tc>
-                <a:extLst>
-                  <a:ext uri="{0D108BD9-81ED-4DB2-BD59-A6C34878D82A}">
-                    <a16:rowId xmlns:a16="http://schemas.microsoft.com/office/drawing/2014/main" val="10006"/>
-                  </a:ext>
-                </a:extLst>
-              </a:tr>
-            </a:tbl>
-          </a:graphicData>
-        </a:graphic>
-      </p:graphicFrame>
       <p:pic>
         <p:nvPicPr>
           <p:cNvPr id="255" name="图片 13"/>
@@ -24258,109 +22372,2219 @@
         </p:nvSpPr>
         <p:spPr>
           <a:xfrm>
-            <a:off x="5616720" y="1220760"/>
-            <a:ext cx="3168360" cy="1297080"/>
+            <a:off x="5616720" y="1354974"/>
+            <a:ext cx="3168360" cy="1162865"/>
           </a:xfrm>
           <a:prstGeom prst="wedgeRoundRectCallout">
             <a:avLst/>
           </a:prstGeom>
-          <a:solidFill>
-            <a:srgbClr val="FFC000"/>
-          </a:solidFill>
-          <a:ln>
-            <a:noFill/>
-          </a:ln>
+          <a:ln/>
         </p:spPr>
         <p:style>
-          <a:lnRef idx="0">
-            <a:scrgbClr r="0" g="0" b="0"/>
+          <a:lnRef idx="3">
+            <a:schemeClr val="lt1"/>
           </a:lnRef>
-          <a:fillRef idx="0">
-            <a:scrgbClr r="0" g="0" b="0"/>
+          <a:fillRef idx="1">
+            <a:schemeClr val="accent6"/>
           </a:fillRef>
-          <a:effectRef idx="0">
-            <a:scrgbClr r="0" g="0" b="0"/>
+          <a:effectRef idx="1">
+            <a:schemeClr val="accent6"/>
           </a:effectRef>
-          <a:fontRef idx="minor"/>
+          <a:fontRef idx="minor">
+            <a:schemeClr val="lt1"/>
+          </a:fontRef>
         </p:style>
         <p:txBody>
           <a:bodyPr wrap="none" lIns="90000" tIns="46800" rIns="90000" bIns="46800" anchor="ctr"/>
           <a:lstStyle/>
           <a:p>
-            <a:pPr algn="ctr">
+            <a:pPr>
               <a:lnSpc>
                 <a:spcPct val="100000"/>
               </a:lnSpc>
             </a:pPr>
             <a:r>
-              <a:rPr lang="zh-CN" sz="2000" b="1">
+              <a:rPr lang="zh-CN" sz="2000" dirty="0">
+                <a:solidFill>
+                  <a:schemeClr val="tx1"/>
+                </a:solidFill>
                 <a:latin typeface="华文中宋"/>
                 <a:ea typeface="华文中宋"/>
               </a:rPr>
               <a:t>调度器相比</a:t>
             </a:r>
             <a:r>
-              <a:rPr lang="en-US" sz="2000" b="1">
+              <a:rPr lang="en-US" sz="2000" dirty="0" err="1">
+                <a:solidFill>
+                  <a:schemeClr val="tx1"/>
+                </a:solidFill>
                 <a:latin typeface="华文中宋"/>
                 <a:ea typeface="华文中宋"/>
               </a:rPr>
               <a:t>HaSTE</a:t>
             </a:r>
             <a:r>
-              <a:rPr lang="zh-CN" sz="2000" b="1">
+              <a:rPr lang="zh-CN" sz="2000" dirty="0">
+                <a:solidFill>
+                  <a:schemeClr val="tx1"/>
+                </a:solidFill>
                 <a:latin typeface="华文中宋"/>
                 <a:ea typeface="华文中宋"/>
               </a:rPr>
               <a:t>：</a:t>
             </a:r>
-            <a:endParaRPr/>
-          </a:p>
-          <a:p>
-            <a:pPr algn="ctr">
+            <a:endParaRPr dirty="0">
+              <a:solidFill>
+                <a:schemeClr val="tx1"/>
+              </a:solidFill>
+            </a:endParaRPr>
+          </a:p>
+          <a:p>
+            <a:pPr>
               <a:lnSpc>
                 <a:spcPct val="100000"/>
               </a:lnSpc>
             </a:pPr>
             <a:r>
-              <a:rPr lang="zh-CN" sz="2000" b="1">
+              <a:rPr lang="en-US" altLang="zh-CN" sz="2000" dirty="0">
+                <a:solidFill>
+                  <a:schemeClr val="tx1"/>
+                </a:solidFill>
                 <a:latin typeface="华文中宋"/>
                 <a:ea typeface="华文中宋"/>
               </a:rPr>
-              <a:t>运行时间提高</a:t>
-            </a:r>
-            <a:r>
-              <a:rPr lang="en-US" sz="2000" b="1">
+              <a:t>   </a:t>
+            </a:r>
+            <a:r>
+              <a:rPr lang="zh-CN" sz="2000" dirty="0">
+                <a:solidFill>
+                  <a:schemeClr val="tx1"/>
+                </a:solidFill>
                 <a:latin typeface="华文中宋"/>
                 <a:ea typeface="华文中宋"/>
               </a:rPr>
+              <a:t>运行时间提高</a:t>
+            </a:r>
+            <a:r>
+              <a:rPr lang="en-US" sz="2000" dirty="0">
+                <a:solidFill>
+                  <a:schemeClr val="tx1"/>
+                </a:solidFill>
+                <a:latin typeface="华文中宋"/>
+                <a:ea typeface="华文中宋"/>
+              </a:rPr>
               <a:t>11%</a:t>
             </a:r>
-            <a:endParaRPr/>
-          </a:p>
-          <a:p>
-            <a:pPr algn="ctr">
+            <a:endParaRPr dirty="0">
+              <a:solidFill>
+                <a:schemeClr val="tx1"/>
+              </a:solidFill>
+            </a:endParaRPr>
+          </a:p>
+          <a:p>
+            <a:pPr>
               <a:lnSpc>
                 <a:spcPct val="100000"/>
               </a:lnSpc>
             </a:pPr>
             <a:r>
-              <a:rPr lang="zh-CN" sz="2000" b="1">
+              <a:rPr lang="en-US" altLang="zh-CN" sz="2000" dirty="0">
+                <a:solidFill>
+                  <a:schemeClr val="tx1"/>
+                </a:solidFill>
                 <a:latin typeface="华文中宋"/>
                 <a:ea typeface="华文中宋"/>
               </a:rPr>
-              <a:t>内存利用率提高</a:t>
-            </a:r>
-            <a:r>
-              <a:rPr lang="en-US" sz="2000" b="1">
+              <a:t>   </a:t>
+            </a:r>
+            <a:r>
+              <a:rPr lang="zh-CN" sz="2000" dirty="0">
+                <a:solidFill>
+                  <a:schemeClr val="tx1"/>
+                </a:solidFill>
                 <a:latin typeface="华文中宋"/>
                 <a:ea typeface="华文中宋"/>
               </a:rPr>
+              <a:t>内存利用率提高</a:t>
+            </a:r>
+            <a:r>
+              <a:rPr lang="en-US" sz="2000" dirty="0">
+                <a:solidFill>
+                  <a:schemeClr val="tx1"/>
+                </a:solidFill>
+                <a:latin typeface="华文中宋"/>
+                <a:ea typeface="华文中宋"/>
+              </a:rPr>
               <a:t>17%</a:t>
             </a:r>
-            <a:endParaRPr/>
+            <a:endParaRPr dirty="0">
+              <a:solidFill>
+                <a:schemeClr val="tx1"/>
+              </a:solidFill>
+            </a:endParaRPr>
           </a:p>
         </p:txBody>
       </p:sp>
+      <p:graphicFrame>
+        <p:nvGraphicFramePr>
+          <p:cNvPr id="2" name="表格 1"/>
+          <p:cNvGraphicFramePr>
+            <a:graphicFrameLocks noGrp="1"/>
+          </p:cNvGraphicFramePr>
+          <p:nvPr>
+            <p:extLst>
+              <p:ext uri="{D42A27DB-BD31-4B8C-83A1-F6EECF244321}">
+                <p14:modId xmlns:p14="http://schemas.microsoft.com/office/powerpoint/2010/main" val="145311291"/>
+              </p:ext>
+            </p:extLst>
+          </p:nvPr>
+        </p:nvGraphicFramePr>
+        <p:xfrm>
+          <a:off x="250921" y="1628280"/>
+          <a:ext cx="4465441" cy="1754640"/>
+        </p:xfrm>
+        <a:graphic>
+          <a:graphicData uri="http://schemas.openxmlformats.org/drawingml/2006/table">
+            <a:tbl>
+              <a:tblPr firstRow="1" firstCol="1" bandRow="1">
+                <a:tableStyleId>{5C22544A-7EE6-4342-B048-85BDC9FD1C3A}</a:tableStyleId>
+              </a:tblPr>
+              <a:tblGrid>
+                <a:gridCol w="663963">
+                  <a:extLst>
+                    <a:ext uri="{9D8B030D-6E8A-4147-A177-3AD203B41FA5}">
+                      <a16:colId xmlns:a16="http://schemas.microsoft.com/office/drawing/2014/main" val="4220392030"/>
+                    </a:ext>
+                  </a:extLst>
+                </a:gridCol>
+                <a:gridCol w="663963">
+                  <a:extLst>
+                    <a:ext uri="{9D8B030D-6E8A-4147-A177-3AD203B41FA5}">
+                      <a16:colId xmlns:a16="http://schemas.microsoft.com/office/drawing/2014/main" val="1112781177"/>
+                    </a:ext>
+                  </a:extLst>
+                </a:gridCol>
+                <a:gridCol w="1073406">
+                  <a:extLst>
+                    <a:ext uri="{9D8B030D-6E8A-4147-A177-3AD203B41FA5}">
+                      <a16:colId xmlns:a16="http://schemas.microsoft.com/office/drawing/2014/main" val="2758066364"/>
+                    </a:ext>
+                  </a:extLst>
+                </a:gridCol>
+                <a:gridCol w="1182902">
+                  <a:extLst>
+                    <a:ext uri="{9D8B030D-6E8A-4147-A177-3AD203B41FA5}">
+                      <a16:colId xmlns:a16="http://schemas.microsoft.com/office/drawing/2014/main" val="2261048815"/>
+                    </a:ext>
+                  </a:extLst>
+                </a:gridCol>
+                <a:gridCol w="881207">
+                  <a:extLst>
+                    <a:ext uri="{9D8B030D-6E8A-4147-A177-3AD203B41FA5}">
+                      <a16:colId xmlns:a16="http://schemas.microsoft.com/office/drawing/2014/main" val="1896618797"/>
+                    </a:ext>
+                  </a:extLst>
+                </a:gridCol>
+              </a:tblGrid>
+              <a:tr h="438660">
+                <a:tc>
+                  <a:txBody>
+                    <a:bodyPr/>
+                    <a:lstStyle/>
+                    <a:p>
+                      <a:pPr algn="ctr">
+                        <a:spcAft>
+                          <a:spcPts val="0"/>
+                        </a:spcAft>
+                      </a:pPr>
+                      <a:r>
+                        <a:rPr lang="en-US" sz="1200" kern="100">
+                          <a:effectLst/>
+                        </a:rPr>
+                        <a:t>Node</a:t>
+                      </a:r>
+                      <a:endParaRPr lang="zh-CN" sz="1050" kern="100">
+                        <a:effectLst/>
+                        <a:latin typeface="Calibri" panose="020F0502020204030204" pitchFamily="34" charset="0"/>
+                        <a:ea typeface="宋体" panose="02010600030101010101" pitchFamily="2" charset="-122"/>
+                        <a:cs typeface="Times New Roman" panose="02020603050405020304" pitchFamily="18" charset="0"/>
+                      </a:endParaRPr>
+                    </a:p>
+                  </a:txBody>
+                  <a:tcPr marL="68580" marR="68580" marT="0" marB="0"/>
+                </a:tc>
+                <a:tc>
+                  <a:txBody>
+                    <a:bodyPr/>
+                    <a:lstStyle/>
+                    <a:p>
+                      <a:pPr algn="ctr">
+                        <a:spcAft>
+                          <a:spcPts val="0"/>
+                        </a:spcAft>
+                      </a:pPr>
+                      <a:r>
+                        <a:rPr lang="en-US" sz="1200" kern="100">
+                          <a:effectLst/>
+                        </a:rPr>
+                        <a:t>CPUs</a:t>
+                      </a:r>
+                      <a:endParaRPr lang="zh-CN" sz="1050" kern="100">
+                        <a:effectLst/>
+                        <a:latin typeface="Calibri" panose="020F0502020204030204" pitchFamily="34" charset="0"/>
+                        <a:ea typeface="宋体" panose="02010600030101010101" pitchFamily="2" charset="-122"/>
+                        <a:cs typeface="Times New Roman" panose="02020603050405020304" pitchFamily="18" charset="0"/>
+                      </a:endParaRPr>
+                    </a:p>
+                  </a:txBody>
+                  <a:tcPr marL="68580" marR="68580" marT="0" marB="0"/>
+                </a:tc>
+                <a:tc>
+                  <a:txBody>
+                    <a:bodyPr/>
+                    <a:lstStyle/>
+                    <a:p>
+                      <a:pPr algn="ctr">
+                        <a:spcAft>
+                          <a:spcPts val="0"/>
+                        </a:spcAft>
+                      </a:pPr>
+                      <a:r>
+                        <a:rPr lang="en-US" sz="1200" kern="100" dirty="0">
+                          <a:effectLst/>
+                        </a:rPr>
+                        <a:t>Cores Per CPU</a:t>
+                      </a:r>
+                      <a:endParaRPr lang="zh-CN" sz="1050" kern="100" dirty="0">
+                        <a:effectLst/>
+                        <a:latin typeface="Calibri" panose="020F0502020204030204" pitchFamily="34" charset="0"/>
+                        <a:ea typeface="宋体" panose="02010600030101010101" pitchFamily="2" charset="-122"/>
+                        <a:cs typeface="Times New Roman" panose="02020603050405020304" pitchFamily="18" charset="0"/>
+                      </a:endParaRPr>
+                    </a:p>
+                  </a:txBody>
+                  <a:tcPr marL="68580" marR="68580" marT="0" marB="0"/>
+                </a:tc>
+                <a:tc>
+                  <a:txBody>
+                    <a:bodyPr/>
+                    <a:lstStyle/>
+                    <a:p>
+                      <a:pPr algn="ctr">
+                        <a:spcAft>
+                          <a:spcPts val="0"/>
+                        </a:spcAft>
+                      </a:pPr>
+                      <a:r>
+                        <a:rPr lang="en-US" sz="1200" kern="100">
+                          <a:effectLst/>
+                        </a:rPr>
+                        <a:t>Thread Per Core</a:t>
+                      </a:r>
+                      <a:endParaRPr lang="zh-CN" sz="1050" kern="100">
+                        <a:effectLst/>
+                        <a:latin typeface="Calibri" panose="020F0502020204030204" pitchFamily="34" charset="0"/>
+                        <a:ea typeface="宋体" panose="02010600030101010101" pitchFamily="2" charset="-122"/>
+                        <a:cs typeface="Times New Roman" panose="02020603050405020304" pitchFamily="18" charset="0"/>
+                      </a:endParaRPr>
+                    </a:p>
+                  </a:txBody>
+                  <a:tcPr marL="68580" marR="68580" marT="0" marB="0"/>
+                </a:tc>
+                <a:tc>
+                  <a:txBody>
+                    <a:bodyPr/>
+                    <a:lstStyle/>
+                    <a:p>
+                      <a:pPr algn="ctr">
+                        <a:spcAft>
+                          <a:spcPts val="0"/>
+                        </a:spcAft>
+                      </a:pPr>
+                      <a:r>
+                        <a:rPr lang="en-US" sz="1200" kern="100">
+                          <a:effectLst/>
+                        </a:rPr>
+                        <a:t>Memory(G)</a:t>
+                      </a:r>
+                      <a:endParaRPr lang="zh-CN" sz="1050" kern="100">
+                        <a:effectLst/>
+                        <a:latin typeface="Calibri" panose="020F0502020204030204" pitchFamily="34" charset="0"/>
+                        <a:ea typeface="宋体" panose="02010600030101010101" pitchFamily="2" charset="-122"/>
+                        <a:cs typeface="Times New Roman" panose="02020603050405020304" pitchFamily="18" charset="0"/>
+                      </a:endParaRPr>
+                    </a:p>
+                  </a:txBody>
+                  <a:tcPr marL="68580" marR="68580" marT="0" marB="0"/>
+                </a:tc>
+                <a:extLst>
+                  <a:ext uri="{0D108BD9-81ED-4DB2-BD59-A6C34878D82A}">
+                    <a16:rowId xmlns:a16="http://schemas.microsoft.com/office/drawing/2014/main" val="4172442934"/>
+                  </a:ext>
+                </a:extLst>
+              </a:tr>
+              <a:tr h="219330">
+                <a:tc>
+                  <a:txBody>
+                    <a:bodyPr/>
+                    <a:lstStyle/>
+                    <a:p>
+                      <a:pPr algn="ctr">
+                        <a:spcAft>
+                          <a:spcPts val="0"/>
+                        </a:spcAft>
+                      </a:pPr>
+                      <a:r>
+                        <a:rPr lang="en-US" sz="1200" kern="100">
+                          <a:effectLst/>
+                        </a:rPr>
+                        <a:t>node1</a:t>
+                      </a:r>
+                      <a:endParaRPr lang="zh-CN" sz="1050" kern="100">
+                        <a:effectLst/>
+                        <a:latin typeface="Calibri" panose="020F0502020204030204" pitchFamily="34" charset="0"/>
+                        <a:ea typeface="宋体" panose="02010600030101010101" pitchFamily="2" charset="-122"/>
+                        <a:cs typeface="Times New Roman" panose="02020603050405020304" pitchFamily="18" charset="0"/>
+                      </a:endParaRPr>
+                    </a:p>
+                  </a:txBody>
+                  <a:tcPr marL="68580" marR="68580" marT="0" marB="0"/>
+                </a:tc>
+                <a:tc>
+                  <a:txBody>
+                    <a:bodyPr/>
+                    <a:lstStyle/>
+                    <a:p>
+                      <a:pPr algn="ctr">
+                        <a:spcAft>
+                          <a:spcPts val="0"/>
+                        </a:spcAft>
+                      </a:pPr>
+                      <a:r>
+                        <a:rPr lang="en-US" sz="1200" kern="100">
+                          <a:effectLst/>
+                        </a:rPr>
+                        <a:t>2</a:t>
+                      </a:r>
+                      <a:endParaRPr lang="zh-CN" sz="1050" kern="100">
+                        <a:effectLst/>
+                        <a:latin typeface="Calibri" panose="020F0502020204030204" pitchFamily="34" charset="0"/>
+                        <a:ea typeface="宋体" panose="02010600030101010101" pitchFamily="2" charset="-122"/>
+                        <a:cs typeface="Times New Roman" panose="02020603050405020304" pitchFamily="18" charset="0"/>
+                      </a:endParaRPr>
+                    </a:p>
+                  </a:txBody>
+                  <a:tcPr marL="68580" marR="68580" marT="0" marB="0"/>
+                </a:tc>
+                <a:tc>
+                  <a:txBody>
+                    <a:bodyPr/>
+                    <a:lstStyle/>
+                    <a:p>
+                      <a:pPr algn="ctr">
+                        <a:spcAft>
+                          <a:spcPts val="0"/>
+                        </a:spcAft>
+                      </a:pPr>
+                      <a:r>
+                        <a:rPr lang="en-US" sz="1200" kern="100">
+                          <a:effectLst/>
+                        </a:rPr>
+                        <a:t>6</a:t>
+                      </a:r>
+                      <a:endParaRPr lang="zh-CN" sz="1050" kern="100">
+                        <a:effectLst/>
+                        <a:latin typeface="Calibri" panose="020F0502020204030204" pitchFamily="34" charset="0"/>
+                        <a:ea typeface="宋体" panose="02010600030101010101" pitchFamily="2" charset="-122"/>
+                        <a:cs typeface="Times New Roman" panose="02020603050405020304" pitchFamily="18" charset="0"/>
+                      </a:endParaRPr>
+                    </a:p>
+                  </a:txBody>
+                  <a:tcPr marL="68580" marR="68580" marT="0" marB="0"/>
+                </a:tc>
+                <a:tc>
+                  <a:txBody>
+                    <a:bodyPr/>
+                    <a:lstStyle/>
+                    <a:p>
+                      <a:pPr algn="ctr">
+                        <a:spcAft>
+                          <a:spcPts val="0"/>
+                        </a:spcAft>
+                      </a:pPr>
+                      <a:r>
+                        <a:rPr lang="en-US" sz="1200" kern="100">
+                          <a:effectLst/>
+                        </a:rPr>
+                        <a:t>2</a:t>
+                      </a:r>
+                      <a:endParaRPr lang="zh-CN" sz="1050" kern="100">
+                        <a:effectLst/>
+                        <a:latin typeface="Calibri" panose="020F0502020204030204" pitchFamily="34" charset="0"/>
+                        <a:ea typeface="宋体" panose="02010600030101010101" pitchFamily="2" charset="-122"/>
+                        <a:cs typeface="Times New Roman" panose="02020603050405020304" pitchFamily="18" charset="0"/>
+                      </a:endParaRPr>
+                    </a:p>
+                  </a:txBody>
+                  <a:tcPr marL="68580" marR="68580" marT="0" marB="0"/>
+                </a:tc>
+                <a:tc>
+                  <a:txBody>
+                    <a:bodyPr/>
+                    <a:lstStyle/>
+                    <a:p>
+                      <a:pPr algn="ctr">
+                        <a:spcAft>
+                          <a:spcPts val="0"/>
+                        </a:spcAft>
+                      </a:pPr>
+                      <a:r>
+                        <a:rPr lang="en-US" sz="1200" kern="100">
+                          <a:effectLst/>
+                        </a:rPr>
+                        <a:t>10</a:t>
+                      </a:r>
+                      <a:endParaRPr lang="zh-CN" sz="1050" kern="100">
+                        <a:effectLst/>
+                        <a:latin typeface="Calibri" panose="020F0502020204030204" pitchFamily="34" charset="0"/>
+                        <a:ea typeface="宋体" panose="02010600030101010101" pitchFamily="2" charset="-122"/>
+                        <a:cs typeface="Times New Roman" panose="02020603050405020304" pitchFamily="18" charset="0"/>
+                      </a:endParaRPr>
+                    </a:p>
+                  </a:txBody>
+                  <a:tcPr marL="68580" marR="68580" marT="0" marB="0"/>
+                </a:tc>
+                <a:extLst>
+                  <a:ext uri="{0D108BD9-81ED-4DB2-BD59-A6C34878D82A}">
+                    <a16:rowId xmlns:a16="http://schemas.microsoft.com/office/drawing/2014/main" val="1744315923"/>
+                  </a:ext>
+                </a:extLst>
+              </a:tr>
+              <a:tr h="219330">
+                <a:tc>
+                  <a:txBody>
+                    <a:bodyPr/>
+                    <a:lstStyle/>
+                    <a:p>
+                      <a:pPr algn="ctr">
+                        <a:spcAft>
+                          <a:spcPts val="0"/>
+                        </a:spcAft>
+                      </a:pPr>
+                      <a:r>
+                        <a:rPr lang="en-US" sz="1200" kern="100">
+                          <a:effectLst/>
+                        </a:rPr>
+                        <a:t>node2</a:t>
+                      </a:r>
+                      <a:endParaRPr lang="zh-CN" sz="1050" kern="100">
+                        <a:effectLst/>
+                        <a:latin typeface="Calibri" panose="020F0502020204030204" pitchFamily="34" charset="0"/>
+                        <a:ea typeface="宋体" panose="02010600030101010101" pitchFamily="2" charset="-122"/>
+                        <a:cs typeface="Times New Roman" panose="02020603050405020304" pitchFamily="18" charset="0"/>
+                      </a:endParaRPr>
+                    </a:p>
+                  </a:txBody>
+                  <a:tcPr marL="68580" marR="68580" marT="0" marB="0"/>
+                </a:tc>
+                <a:tc>
+                  <a:txBody>
+                    <a:bodyPr/>
+                    <a:lstStyle/>
+                    <a:p>
+                      <a:pPr algn="ctr">
+                        <a:spcAft>
+                          <a:spcPts val="0"/>
+                        </a:spcAft>
+                      </a:pPr>
+                      <a:r>
+                        <a:rPr lang="en-US" sz="1200" kern="100">
+                          <a:effectLst/>
+                        </a:rPr>
+                        <a:t>2</a:t>
+                      </a:r>
+                      <a:endParaRPr lang="zh-CN" sz="1050" kern="100">
+                        <a:effectLst/>
+                        <a:latin typeface="Calibri" panose="020F0502020204030204" pitchFamily="34" charset="0"/>
+                        <a:ea typeface="宋体" panose="02010600030101010101" pitchFamily="2" charset="-122"/>
+                        <a:cs typeface="Times New Roman" panose="02020603050405020304" pitchFamily="18" charset="0"/>
+                      </a:endParaRPr>
+                    </a:p>
+                  </a:txBody>
+                  <a:tcPr marL="68580" marR="68580" marT="0" marB="0"/>
+                </a:tc>
+                <a:tc>
+                  <a:txBody>
+                    <a:bodyPr/>
+                    <a:lstStyle/>
+                    <a:p>
+                      <a:pPr algn="ctr">
+                        <a:spcAft>
+                          <a:spcPts val="0"/>
+                        </a:spcAft>
+                      </a:pPr>
+                      <a:r>
+                        <a:rPr lang="en-US" sz="1200" kern="100">
+                          <a:effectLst/>
+                        </a:rPr>
+                        <a:t>6</a:t>
+                      </a:r>
+                      <a:endParaRPr lang="zh-CN" sz="1050" kern="100">
+                        <a:effectLst/>
+                        <a:latin typeface="Calibri" panose="020F0502020204030204" pitchFamily="34" charset="0"/>
+                        <a:ea typeface="宋体" panose="02010600030101010101" pitchFamily="2" charset="-122"/>
+                        <a:cs typeface="Times New Roman" panose="02020603050405020304" pitchFamily="18" charset="0"/>
+                      </a:endParaRPr>
+                    </a:p>
+                  </a:txBody>
+                  <a:tcPr marL="68580" marR="68580" marT="0" marB="0"/>
+                </a:tc>
+                <a:tc>
+                  <a:txBody>
+                    <a:bodyPr/>
+                    <a:lstStyle/>
+                    <a:p>
+                      <a:pPr algn="ctr">
+                        <a:spcAft>
+                          <a:spcPts val="0"/>
+                        </a:spcAft>
+                      </a:pPr>
+                      <a:r>
+                        <a:rPr lang="en-US" sz="1200" kern="100">
+                          <a:effectLst/>
+                        </a:rPr>
+                        <a:t>2</a:t>
+                      </a:r>
+                      <a:endParaRPr lang="zh-CN" sz="1050" kern="100">
+                        <a:effectLst/>
+                        <a:latin typeface="Calibri" panose="020F0502020204030204" pitchFamily="34" charset="0"/>
+                        <a:ea typeface="宋体" panose="02010600030101010101" pitchFamily="2" charset="-122"/>
+                        <a:cs typeface="Times New Roman" panose="02020603050405020304" pitchFamily="18" charset="0"/>
+                      </a:endParaRPr>
+                    </a:p>
+                  </a:txBody>
+                  <a:tcPr marL="68580" marR="68580" marT="0" marB="0"/>
+                </a:tc>
+                <a:tc>
+                  <a:txBody>
+                    <a:bodyPr/>
+                    <a:lstStyle/>
+                    <a:p>
+                      <a:pPr algn="ctr">
+                        <a:spcAft>
+                          <a:spcPts val="0"/>
+                        </a:spcAft>
+                      </a:pPr>
+                      <a:r>
+                        <a:rPr lang="en-US" sz="1200" kern="100">
+                          <a:effectLst/>
+                        </a:rPr>
+                        <a:t>10</a:t>
+                      </a:r>
+                      <a:endParaRPr lang="zh-CN" sz="1050" kern="100">
+                        <a:effectLst/>
+                        <a:latin typeface="Calibri" panose="020F0502020204030204" pitchFamily="34" charset="0"/>
+                        <a:ea typeface="宋体" panose="02010600030101010101" pitchFamily="2" charset="-122"/>
+                        <a:cs typeface="Times New Roman" panose="02020603050405020304" pitchFamily="18" charset="0"/>
+                      </a:endParaRPr>
+                    </a:p>
+                  </a:txBody>
+                  <a:tcPr marL="68580" marR="68580" marT="0" marB="0"/>
+                </a:tc>
+                <a:extLst>
+                  <a:ext uri="{0D108BD9-81ED-4DB2-BD59-A6C34878D82A}">
+                    <a16:rowId xmlns:a16="http://schemas.microsoft.com/office/drawing/2014/main" val="592817491"/>
+                  </a:ext>
+                </a:extLst>
+              </a:tr>
+              <a:tr h="219330">
+                <a:tc>
+                  <a:txBody>
+                    <a:bodyPr/>
+                    <a:lstStyle/>
+                    <a:p>
+                      <a:pPr algn="ctr">
+                        <a:spcAft>
+                          <a:spcPts val="0"/>
+                        </a:spcAft>
+                      </a:pPr>
+                      <a:r>
+                        <a:rPr lang="en-US" sz="1200" kern="100">
+                          <a:effectLst/>
+                        </a:rPr>
+                        <a:t>node3</a:t>
+                      </a:r>
+                      <a:endParaRPr lang="zh-CN" sz="1050" kern="100">
+                        <a:effectLst/>
+                        <a:latin typeface="Calibri" panose="020F0502020204030204" pitchFamily="34" charset="0"/>
+                        <a:ea typeface="宋体" panose="02010600030101010101" pitchFamily="2" charset="-122"/>
+                        <a:cs typeface="Times New Roman" panose="02020603050405020304" pitchFamily="18" charset="0"/>
+                      </a:endParaRPr>
+                    </a:p>
+                  </a:txBody>
+                  <a:tcPr marL="68580" marR="68580" marT="0" marB="0"/>
+                </a:tc>
+                <a:tc>
+                  <a:txBody>
+                    <a:bodyPr/>
+                    <a:lstStyle/>
+                    <a:p>
+                      <a:pPr algn="ctr">
+                        <a:spcAft>
+                          <a:spcPts val="0"/>
+                        </a:spcAft>
+                      </a:pPr>
+                      <a:r>
+                        <a:rPr lang="en-US" sz="1200" kern="100">
+                          <a:effectLst/>
+                        </a:rPr>
+                        <a:t>2</a:t>
+                      </a:r>
+                      <a:endParaRPr lang="zh-CN" sz="1050" kern="100">
+                        <a:effectLst/>
+                        <a:latin typeface="Calibri" panose="020F0502020204030204" pitchFamily="34" charset="0"/>
+                        <a:ea typeface="宋体" panose="02010600030101010101" pitchFamily="2" charset="-122"/>
+                        <a:cs typeface="Times New Roman" panose="02020603050405020304" pitchFamily="18" charset="0"/>
+                      </a:endParaRPr>
+                    </a:p>
+                  </a:txBody>
+                  <a:tcPr marL="68580" marR="68580" marT="0" marB="0"/>
+                </a:tc>
+                <a:tc>
+                  <a:txBody>
+                    <a:bodyPr/>
+                    <a:lstStyle/>
+                    <a:p>
+                      <a:pPr algn="ctr">
+                        <a:spcAft>
+                          <a:spcPts val="0"/>
+                        </a:spcAft>
+                      </a:pPr>
+                      <a:r>
+                        <a:rPr lang="en-US" sz="1200" kern="100">
+                          <a:effectLst/>
+                        </a:rPr>
+                        <a:t>6</a:t>
+                      </a:r>
+                      <a:endParaRPr lang="zh-CN" sz="1050" kern="100">
+                        <a:effectLst/>
+                        <a:latin typeface="Calibri" panose="020F0502020204030204" pitchFamily="34" charset="0"/>
+                        <a:ea typeface="宋体" panose="02010600030101010101" pitchFamily="2" charset="-122"/>
+                        <a:cs typeface="Times New Roman" panose="02020603050405020304" pitchFamily="18" charset="0"/>
+                      </a:endParaRPr>
+                    </a:p>
+                  </a:txBody>
+                  <a:tcPr marL="68580" marR="68580" marT="0" marB="0"/>
+                </a:tc>
+                <a:tc>
+                  <a:txBody>
+                    <a:bodyPr/>
+                    <a:lstStyle/>
+                    <a:p>
+                      <a:pPr algn="ctr">
+                        <a:spcAft>
+                          <a:spcPts val="0"/>
+                        </a:spcAft>
+                      </a:pPr>
+                      <a:r>
+                        <a:rPr lang="en-US" sz="1200" kern="100">
+                          <a:effectLst/>
+                        </a:rPr>
+                        <a:t>2</a:t>
+                      </a:r>
+                      <a:endParaRPr lang="zh-CN" sz="1050" kern="100">
+                        <a:effectLst/>
+                        <a:latin typeface="Calibri" panose="020F0502020204030204" pitchFamily="34" charset="0"/>
+                        <a:ea typeface="宋体" panose="02010600030101010101" pitchFamily="2" charset="-122"/>
+                        <a:cs typeface="Times New Roman" panose="02020603050405020304" pitchFamily="18" charset="0"/>
+                      </a:endParaRPr>
+                    </a:p>
+                  </a:txBody>
+                  <a:tcPr marL="68580" marR="68580" marT="0" marB="0"/>
+                </a:tc>
+                <a:tc>
+                  <a:txBody>
+                    <a:bodyPr/>
+                    <a:lstStyle/>
+                    <a:p>
+                      <a:pPr algn="ctr">
+                        <a:spcAft>
+                          <a:spcPts val="0"/>
+                        </a:spcAft>
+                      </a:pPr>
+                      <a:r>
+                        <a:rPr lang="en-US" sz="1200" kern="100">
+                          <a:effectLst/>
+                        </a:rPr>
+                        <a:t>10</a:t>
+                      </a:r>
+                      <a:endParaRPr lang="zh-CN" sz="1050" kern="100">
+                        <a:effectLst/>
+                        <a:latin typeface="Calibri" panose="020F0502020204030204" pitchFamily="34" charset="0"/>
+                        <a:ea typeface="宋体" panose="02010600030101010101" pitchFamily="2" charset="-122"/>
+                        <a:cs typeface="Times New Roman" panose="02020603050405020304" pitchFamily="18" charset="0"/>
+                      </a:endParaRPr>
+                    </a:p>
+                  </a:txBody>
+                  <a:tcPr marL="68580" marR="68580" marT="0" marB="0"/>
+                </a:tc>
+                <a:extLst>
+                  <a:ext uri="{0D108BD9-81ED-4DB2-BD59-A6C34878D82A}">
+                    <a16:rowId xmlns:a16="http://schemas.microsoft.com/office/drawing/2014/main" val="901231934"/>
+                  </a:ext>
+                </a:extLst>
+              </a:tr>
+              <a:tr h="219330">
+                <a:tc>
+                  <a:txBody>
+                    <a:bodyPr/>
+                    <a:lstStyle/>
+                    <a:p>
+                      <a:pPr algn="ctr">
+                        <a:spcAft>
+                          <a:spcPts val="0"/>
+                        </a:spcAft>
+                      </a:pPr>
+                      <a:r>
+                        <a:rPr lang="en-US" sz="1200" kern="100">
+                          <a:effectLst/>
+                        </a:rPr>
+                        <a:t>node4</a:t>
+                      </a:r>
+                      <a:endParaRPr lang="zh-CN" sz="1050" kern="100">
+                        <a:effectLst/>
+                        <a:latin typeface="Calibri" panose="020F0502020204030204" pitchFamily="34" charset="0"/>
+                        <a:ea typeface="宋体" panose="02010600030101010101" pitchFamily="2" charset="-122"/>
+                        <a:cs typeface="Times New Roman" panose="02020603050405020304" pitchFamily="18" charset="0"/>
+                      </a:endParaRPr>
+                    </a:p>
+                  </a:txBody>
+                  <a:tcPr marL="68580" marR="68580" marT="0" marB="0"/>
+                </a:tc>
+                <a:tc>
+                  <a:txBody>
+                    <a:bodyPr/>
+                    <a:lstStyle/>
+                    <a:p>
+                      <a:pPr algn="ctr">
+                        <a:spcAft>
+                          <a:spcPts val="0"/>
+                        </a:spcAft>
+                      </a:pPr>
+                      <a:r>
+                        <a:rPr lang="en-US" sz="1200" kern="100">
+                          <a:effectLst/>
+                        </a:rPr>
+                        <a:t>2</a:t>
+                      </a:r>
+                      <a:endParaRPr lang="zh-CN" sz="1050" kern="100">
+                        <a:effectLst/>
+                        <a:latin typeface="Calibri" panose="020F0502020204030204" pitchFamily="34" charset="0"/>
+                        <a:ea typeface="宋体" panose="02010600030101010101" pitchFamily="2" charset="-122"/>
+                        <a:cs typeface="Times New Roman" panose="02020603050405020304" pitchFamily="18" charset="0"/>
+                      </a:endParaRPr>
+                    </a:p>
+                  </a:txBody>
+                  <a:tcPr marL="68580" marR="68580" marT="0" marB="0"/>
+                </a:tc>
+                <a:tc>
+                  <a:txBody>
+                    <a:bodyPr/>
+                    <a:lstStyle/>
+                    <a:p>
+                      <a:pPr algn="ctr">
+                        <a:spcAft>
+                          <a:spcPts val="0"/>
+                        </a:spcAft>
+                      </a:pPr>
+                      <a:r>
+                        <a:rPr lang="en-US" sz="1200" kern="100">
+                          <a:effectLst/>
+                        </a:rPr>
+                        <a:t>6</a:t>
+                      </a:r>
+                      <a:endParaRPr lang="zh-CN" sz="1050" kern="100">
+                        <a:effectLst/>
+                        <a:latin typeface="Calibri" panose="020F0502020204030204" pitchFamily="34" charset="0"/>
+                        <a:ea typeface="宋体" panose="02010600030101010101" pitchFamily="2" charset="-122"/>
+                        <a:cs typeface="Times New Roman" panose="02020603050405020304" pitchFamily="18" charset="0"/>
+                      </a:endParaRPr>
+                    </a:p>
+                  </a:txBody>
+                  <a:tcPr marL="68580" marR="68580" marT="0" marB="0"/>
+                </a:tc>
+                <a:tc>
+                  <a:txBody>
+                    <a:bodyPr/>
+                    <a:lstStyle/>
+                    <a:p>
+                      <a:pPr algn="ctr">
+                        <a:spcAft>
+                          <a:spcPts val="0"/>
+                        </a:spcAft>
+                      </a:pPr>
+                      <a:r>
+                        <a:rPr lang="en-US" sz="1200" kern="100">
+                          <a:effectLst/>
+                        </a:rPr>
+                        <a:t>2</a:t>
+                      </a:r>
+                      <a:endParaRPr lang="zh-CN" sz="1050" kern="100">
+                        <a:effectLst/>
+                        <a:latin typeface="Calibri" panose="020F0502020204030204" pitchFamily="34" charset="0"/>
+                        <a:ea typeface="宋体" panose="02010600030101010101" pitchFamily="2" charset="-122"/>
+                        <a:cs typeface="Times New Roman" panose="02020603050405020304" pitchFamily="18" charset="0"/>
+                      </a:endParaRPr>
+                    </a:p>
+                  </a:txBody>
+                  <a:tcPr marL="68580" marR="68580" marT="0" marB="0"/>
+                </a:tc>
+                <a:tc>
+                  <a:txBody>
+                    <a:bodyPr/>
+                    <a:lstStyle/>
+                    <a:p>
+                      <a:pPr algn="ctr">
+                        <a:spcAft>
+                          <a:spcPts val="0"/>
+                        </a:spcAft>
+                      </a:pPr>
+                      <a:r>
+                        <a:rPr lang="en-US" sz="1200" kern="100">
+                          <a:effectLst/>
+                        </a:rPr>
+                        <a:t>10</a:t>
+                      </a:r>
+                      <a:endParaRPr lang="zh-CN" sz="1050" kern="100">
+                        <a:effectLst/>
+                        <a:latin typeface="Calibri" panose="020F0502020204030204" pitchFamily="34" charset="0"/>
+                        <a:ea typeface="宋体" panose="02010600030101010101" pitchFamily="2" charset="-122"/>
+                        <a:cs typeface="Times New Roman" panose="02020603050405020304" pitchFamily="18" charset="0"/>
+                      </a:endParaRPr>
+                    </a:p>
+                  </a:txBody>
+                  <a:tcPr marL="68580" marR="68580" marT="0" marB="0"/>
+                </a:tc>
+                <a:extLst>
+                  <a:ext uri="{0D108BD9-81ED-4DB2-BD59-A6C34878D82A}">
+                    <a16:rowId xmlns:a16="http://schemas.microsoft.com/office/drawing/2014/main" val="4292115367"/>
+                  </a:ext>
+                </a:extLst>
+              </a:tr>
+              <a:tr h="219330">
+                <a:tc>
+                  <a:txBody>
+                    <a:bodyPr/>
+                    <a:lstStyle/>
+                    <a:p>
+                      <a:pPr algn="ctr">
+                        <a:spcAft>
+                          <a:spcPts val="0"/>
+                        </a:spcAft>
+                      </a:pPr>
+                      <a:r>
+                        <a:rPr lang="en-US" sz="1200" kern="100">
+                          <a:effectLst/>
+                        </a:rPr>
+                        <a:t>node5</a:t>
+                      </a:r>
+                      <a:endParaRPr lang="zh-CN" sz="1050" kern="100">
+                        <a:effectLst/>
+                        <a:latin typeface="Calibri" panose="020F0502020204030204" pitchFamily="34" charset="0"/>
+                        <a:ea typeface="宋体" panose="02010600030101010101" pitchFamily="2" charset="-122"/>
+                        <a:cs typeface="Times New Roman" panose="02020603050405020304" pitchFamily="18" charset="0"/>
+                      </a:endParaRPr>
+                    </a:p>
+                  </a:txBody>
+                  <a:tcPr marL="68580" marR="68580" marT="0" marB="0"/>
+                </a:tc>
+                <a:tc>
+                  <a:txBody>
+                    <a:bodyPr/>
+                    <a:lstStyle/>
+                    <a:p>
+                      <a:pPr algn="ctr">
+                        <a:spcAft>
+                          <a:spcPts val="0"/>
+                        </a:spcAft>
+                      </a:pPr>
+                      <a:r>
+                        <a:rPr lang="en-US" sz="1200" kern="100">
+                          <a:effectLst/>
+                        </a:rPr>
+                        <a:t>2</a:t>
+                      </a:r>
+                      <a:endParaRPr lang="zh-CN" sz="1050" kern="100">
+                        <a:effectLst/>
+                        <a:latin typeface="Calibri" panose="020F0502020204030204" pitchFamily="34" charset="0"/>
+                        <a:ea typeface="宋体" panose="02010600030101010101" pitchFamily="2" charset="-122"/>
+                        <a:cs typeface="Times New Roman" panose="02020603050405020304" pitchFamily="18" charset="0"/>
+                      </a:endParaRPr>
+                    </a:p>
+                  </a:txBody>
+                  <a:tcPr marL="68580" marR="68580" marT="0" marB="0"/>
+                </a:tc>
+                <a:tc>
+                  <a:txBody>
+                    <a:bodyPr/>
+                    <a:lstStyle/>
+                    <a:p>
+                      <a:pPr algn="ctr">
+                        <a:spcAft>
+                          <a:spcPts val="0"/>
+                        </a:spcAft>
+                      </a:pPr>
+                      <a:r>
+                        <a:rPr lang="en-US" sz="1200" kern="100">
+                          <a:effectLst/>
+                        </a:rPr>
+                        <a:t>6</a:t>
+                      </a:r>
+                      <a:endParaRPr lang="zh-CN" sz="1050" kern="100">
+                        <a:effectLst/>
+                        <a:latin typeface="Calibri" panose="020F0502020204030204" pitchFamily="34" charset="0"/>
+                        <a:ea typeface="宋体" panose="02010600030101010101" pitchFamily="2" charset="-122"/>
+                        <a:cs typeface="Times New Roman" panose="02020603050405020304" pitchFamily="18" charset="0"/>
+                      </a:endParaRPr>
+                    </a:p>
+                  </a:txBody>
+                  <a:tcPr marL="68580" marR="68580" marT="0" marB="0"/>
+                </a:tc>
+                <a:tc>
+                  <a:txBody>
+                    <a:bodyPr/>
+                    <a:lstStyle/>
+                    <a:p>
+                      <a:pPr algn="ctr">
+                        <a:spcAft>
+                          <a:spcPts val="0"/>
+                        </a:spcAft>
+                      </a:pPr>
+                      <a:r>
+                        <a:rPr lang="en-US" sz="1200" kern="100">
+                          <a:effectLst/>
+                        </a:rPr>
+                        <a:t>2</a:t>
+                      </a:r>
+                      <a:endParaRPr lang="zh-CN" sz="1050" kern="100">
+                        <a:effectLst/>
+                        <a:latin typeface="Calibri" panose="020F0502020204030204" pitchFamily="34" charset="0"/>
+                        <a:ea typeface="宋体" panose="02010600030101010101" pitchFamily="2" charset="-122"/>
+                        <a:cs typeface="Times New Roman" panose="02020603050405020304" pitchFamily="18" charset="0"/>
+                      </a:endParaRPr>
+                    </a:p>
+                  </a:txBody>
+                  <a:tcPr marL="68580" marR="68580" marT="0" marB="0"/>
+                </a:tc>
+                <a:tc>
+                  <a:txBody>
+                    <a:bodyPr/>
+                    <a:lstStyle/>
+                    <a:p>
+                      <a:pPr algn="ctr">
+                        <a:spcAft>
+                          <a:spcPts val="0"/>
+                        </a:spcAft>
+                      </a:pPr>
+                      <a:r>
+                        <a:rPr lang="en-US" sz="1200" kern="100">
+                          <a:effectLst/>
+                        </a:rPr>
+                        <a:t>10</a:t>
+                      </a:r>
+                      <a:endParaRPr lang="zh-CN" sz="1050" kern="100">
+                        <a:effectLst/>
+                        <a:latin typeface="Calibri" panose="020F0502020204030204" pitchFamily="34" charset="0"/>
+                        <a:ea typeface="宋体" panose="02010600030101010101" pitchFamily="2" charset="-122"/>
+                        <a:cs typeface="Times New Roman" panose="02020603050405020304" pitchFamily="18" charset="0"/>
+                      </a:endParaRPr>
+                    </a:p>
+                  </a:txBody>
+                  <a:tcPr marL="68580" marR="68580" marT="0" marB="0"/>
+                </a:tc>
+                <a:extLst>
+                  <a:ext uri="{0D108BD9-81ED-4DB2-BD59-A6C34878D82A}">
+                    <a16:rowId xmlns:a16="http://schemas.microsoft.com/office/drawing/2014/main" val="3273714373"/>
+                  </a:ext>
+                </a:extLst>
+              </a:tr>
+              <a:tr h="219330">
+                <a:tc>
+                  <a:txBody>
+                    <a:bodyPr/>
+                    <a:lstStyle/>
+                    <a:p>
+                      <a:pPr algn="ctr">
+                        <a:spcAft>
+                          <a:spcPts val="0"/>
+                        </a:spcAft>
+                      </a:pPr>
+                      <a:r>
+                        <a:rPr lang="en-US" sz="1200" kern="100">
+                          <a:effectLst/>
+                        </a:rPr>
+                        <a:t>node6</a:t>
+                      </a:r>
+                      <a:endParaRPr lang="zh-CN" sz="1050" kern="100">
+                        <a:effectLst/>
+                        <a:latin typeface="Calibri" panose="020F0502020204030204" pitchFamily="34" charset="0"/>
+                        <a:ea typeface="宋体" panose="02010600030101010101" pitchFamily="2" charset="-122"/>
+                        <a:cs typeface="Times New Roman" panose="02020603050405020304" pitchFamily="18" charset="0"/>
+                      </a:endParaRPr>
+                    </a:p>
+                  </a:txBody>
+                  <a:tcPr marL="68580" marR="68580" marT="0" marB="0"/>
+                </a:tc>
+                <a:tc>
+                  <a:txBody>
+                    <a:bodyPr/>
+                    <a:lstStyle/>
+                    <a:p>
+                      <a:pPr algn="ctr">
+                        <a:spcAft>
+                          <a:spcPts val="0"/>
+                        </a:spcAft>
+                      </a:pPr>
+                      <a:r>
+                        <a:rPr lang="en-US" sz="1200" kern="100">
+                          <a:effectLst/>
+                        </a:rPr>
+                        <a:t>2</a:t>
+                      </a:r>
+                      <a:endParaRPr lang="zh-CN" sz="1050" kern="100">
+                        <a:effectLst/>
+                        <a:latin typeface="Calibri" panose="020F0502020204030204" pitchFamily="34" charset="0"/>
+                        <a:ea typeface="宋体" panose="02010600030101010101" pitchFamily="2" charset="-122"/>
+                        <a:cs typeface="Times New Roman" panose="02020603050405020304" pitchFamily="18" charset="0"/>
+                      </a:endParaRPr>
+                    </a:p>
+                  </a:txBody>
+                  <a:tcPr marL="68580" marR="68580" marT="0" marB="0"/>
+                </a:tc>
+                <a:tc>
+                  <a:txBody>
+                    <a:bodyPr/>
+                    <a:lstStyle/>
+                    <a:p>
+                      <a:pPr algn="ctr">
+                        <a:spcAft>
+                          <a:spcPts val="0"/>
+                        </a:spcAft>
+                      </a:pPr>
+                      <a:r>
+                        <a:rPr lang="en-US" sz="1200" kern="100">
+                          <a:effectLst/>
+                        </a:rPr>
+                        <a:t>6</a:t>
+                      </a:r>
+                      <a:endParaRPr lang="zh-CN" sz="1050" kern="100">
+                        <a:effectLst/>
+                        <a:latin typeface="Calibri" panose="020F0502020204030204" pitchFamily="34" charset="0"/>
+                        <a:ea typeface="宋体" panose="02010600030101010101" pitchFamily="2" charset="-122"/>
+                        <a:cs typeface="Times New Roman" panose="02020603050405020304" pitchFamily="18" charset="0"/>
+                      </a:endParaRPr>
+                    </a:p>
+                  </a:txBody>
+                  <a:tcPr marL="68580" marR="68580" marT="0" marB="0"/>
+                </a:tc>
+                <a:tc>
+                  <a:txBody>
+                    <a:bodyPr/>
+                    <a:lstStyle/>
+                    <a:p>
+                      <a:pPr algn="ctr">
+                        <a:spcAft>
+                          <a:spcPts val="0"/>
+                        </a:spcAft>
+                      </a:pPr>
+                      <a:r>
+                        <a:rPr lang="en-US" sz="1200" kern="100">
+                          <a:effectLst/>
+                        </a:rPr>
+                        <a:t>2</a:t>
+                      </a:r>
+                      <a:endParaRPr lang="zh-CN" sz="1050" kern="100">
+                        <a:effectLst/>
+                        <a:latin typeface="Calibri" panose="020F0502020204030204" pitchFamily="34" charset="0"/>
+                        <a:ea typeface="宋体" panose="02010600030101010101" pitchFamily="2" charset="-122"/>
+                        <a:cs typeface="Times New Roman" panose="02020603050405020304" pitchFamily="18" charset="0"/>
+                      </a:endParaRPr>
+                    </a:p>
+                  </a:txBody>
+                  <a:tcPr marL="68580" marR="68580" marT="0" marB="0"/>
+                </a:tc>
+                <a:tc>
+                  <a:txBody>
+                    <a:bodyPr/>
+                    <a:lstStyle/>
+                    <a:p>
+                      <a:pPr algn="ctr">
+                        <a:spcAft>
+                          <a:spcPts val="0"/>
+                        </a:spcAft>
+                      </a:pPr>
+                      <a:r>
+                        <a:rPr lang="en-US" sz="1200" kern="100" dirty="0">
+                          <a:effectLst/>
+                        </a:rPr>
+                        <a:t>10</a:t>
+                      </a:r>
+                      <a:endParaRPr lang="zh-CN" sz="1050" kern="100" dirty="0">
+                        <a:effectLst/>
+                        <a:latin typeface="Calibri" panose="020F0502020204030204" pitchFamily="34" charset="0"/>
+                        <a:ea typeface="宋体" panose="02010600030101010101" pitchFamily="2" charset="-122"/>
+                        <a:cs typeface="Times New Roman" panose="02020603050405020304" pitchFamily="18" charset="0"/>
+                      </a:endParaRPr>
+                    </a:p>
+                  </a:txBody>
+                  <a:tcPr marL="68580" marR="68580" marT="0" marB="0"/>
+                </a:tc>
+                <a:extLst>
+                  <a:ext uri="{0D108BD9-81ED-4DB2-BD59-A6C34878D82A}">
+                    <a16:rowId xmlns:a16="http://schemas.microsoft.com/office/drawing/2014/main" val="32274121"/>
+                  </a:ext>
+                </a:extLst>
+              </a:tr>
+            </a:tbl>
+          </a:graphicData>
+        </a:graphic>
+      </p:graphicFrame>
+      <p:graphicFrame>
+        <p:nvGraphicFramePr>
+          <p:cNvPr id="3" name="表格 2"/>
+          <p:cNvGraphicFramePr>
+            <a:graphicFrameLocks noGrp="1"/>
+          </p:cNvGraphicFramePr>
+          <p:nvPr>
+            <p:extLst>
+              <p:ext uri="{D42A27DB-BD31-4B8C-83A1-F6EECF244321}">
+                <p14:modId xmlns:p14="http://schemas.microsoft.com/office/powerpoint/2010/main" val="4192674719"/>
+              </p:ext>
+            </p:extLst>
+          </p:nvPr>
+        </p:nvGraphicFramePr>
+        <p:xfrm>
+          <a:off x="251300" y="3814560"/>
+          <a:ext cx="4465061" cy="1755001"/>
+        </p:xfrm>
+        <a:graphic>
+          <a:graphicData uri="http://schemas.openxmlformats.org/drawingml/2006/table">
+            <a:tbl>
+              <a:tblPr firstRow="1" firstCol="1" bandRow="1">
+                <a:tableStyleId>{5C22544A-7EE6-4342-B048-85BDC9FD1C3A}</a:tableStyleId>
+              </a:tblPr>
+              <a:tblGrid>
+                <a:gridCol w="803812">
+                  <a:extLst>
+                    <a:ext uri="{9D8B030D-6E8A-4147-A177-3AD203B41FA5}">
+                      <a16:colId xmlns:a16="http://schemas.microsoft.com/office/drawing/2014/main" val="3522620897"/>
+                    </a:ext>
+                  </a:extLst>
+                </a:gridCol>
+                <a:gridCol w="828380">
+                  <a:extLst>
+                    <a:ext uri="{9D8B030D-6E8A-4147-A177-3AD203B41FA5}">
+                      <a16:colId xmlns:a16="http://schemas.microsoft.com/office/drawing/2014/main" val="2689396042"/>
+                    </a:ext>
+                  </a:extLst>
+                </a:gridCol>
+                <a:gridCol w="957519">
+                  <a:extLst>
+                    <a:ext uri="{9D8B030D-6E8A-4147-A177-3AD203B41FA5}">
+                      <a16:colId xmlns:a16="http://schemas.microsoft.com/office/drawing/2014/main" val="764279219"/>
+                    </a:ext>
+                  </a:extLst>
+                </a:gridCol>
+                <a:gridCol w="982086">
+                  <a:extLst>
+                    <a:ext uri="{9D8B030D-6E8A-4147-A177-3AD203B41FA5}">
+                      <a16:colId xmlns:a16="http://schemas.microsoft.com/office/drawing/2014/main" val="2921447441"/>
+                    </a:ext>
+                  </a:extLst>
+                </a:gridCol>
+                <a:gridCol w="893264">
+                  <a:extLst>
+                    <a:ext uri="{9D8B030D-6E8A-4147-A177-3AD203B41FA5}">
+                      <a16:colId xmlns:a16="http://schemas.microsoft.com/office/drawing/2014/main" val="3889417650"/>
+                    </a:ext>
+                  </a:extLst>
+                </a:gridCol>
+              </a:tblGrid>
+              <a:tr h="438751">
+                <a:tc>
+                  <a:txBody>
+                    <a:bodyPr/>
+                    <a:lstStyle/>
+                    <a:p>
+                      <a:pPr indent="266700" algn="ctr">
+                        <a:spcAft>
+                          <a:spcPts val="0"/>
+                        </a:spcAft>
+                      </a:pPr>
+                      <a:r>
+                        <a:rPr lang="en-US" sz="1200" kern="100">
+                          <a:effectLst/>
+                        </a:rPr>
+                        <a:t>Job ID</a:t>
+                      </a:r>
+                      <a:endParaRPr lang="zh-CN" sz="1050" kern="100">
+                        <a:effectLst/>
+                        <a:latin typeface="Calibri" panose="020F0502020204030204" pitchFamily="34" charset="0"/>
+                        <a:ea typeface="宋体" panose="02010600030101010101" pitchFamily="2" charset="-122"/>
+                        <a:cs typeface="Times New Roman" panose="02020603050405020304" pitchFamily="18" charset="0"/>
+                      </a:endParaRPr>
+                    </a:p>
+                  </a:txBody>
+                  <a:tcPr marL="68580" marR="68580" marT="0" marB="0"/>
+                </a:tc>
+                <a:tc>
+                  <a:txBody>
+                    <a:bodyPr/>
+                    <a:lstStyle/>
+                    <a:p>
+                      <a:pPr indent="266700" algn="ctr">
+                        <a:spcAft>
+                          <a:spcPts val="0"/>
+                        </a:spcAft>
+                      </a:pPr>
+                      <a:r>
+                        <a:rPr lang="en-US" sz="1200" kern="100">
+                          <a:effectLst/>
+                        </a:rPr>
+                        <a:t>#M</a:t>
+                      </a:r>
+                      <a:endParaRPr lang="zh-CN" sz="1050" kern="100">
+                        <a:effectLst/>
+                        <a:latin typeface="Calibri" panose="020F0502020204030204" pitchFamily="34" charset="0"/>
+                        <a:ea typeface="宋体" panose="02010600030101010101" pitchFamily="2" charset="-122"/>
+                        <a:cs typeface="Times New Roman" panose="02020603050405020304" pitchFamily="18" charset="0"/>
+                      </a:endParaRPr>
+                    </a:p>
+                  </a:txBody>
+                  <a:tcPr marL="68580" marR="68580" marT="0" marB="0"/>
+                </a:tc>
+                <a:tc>
+                  <a:txBody>
+                    <a:bodyPr/>
+                    <a:lstStyle/>
+                    <a:p>
+                      <a:pPr indent="266700" algn="ctr">
+                        <a:spcAft>
+                          <a:spcPts val="0"/>
+                        </a:spcAft>
+                      </a:pPr>
+                      <a:r>
+                        <a:rPr lang="en-US" sz="1200" kern="100">
+                          <a:effectLst/>
+                        </a:rPr>
+                        <a:t>#R</a:t>
+                      </a:r>
+                      <a:endParaRPr lang="zh-CN" sz="1050" kern="100">
+                        <a:effectLst/>
+                        <a:latin typeface="Calibri" panose="020F0502020204030204" pitchFamily="34" charset="0"/>
+                        <a:ea typeface="宋体" panose="02010600030101010101" pitchFamily="2" charset="-122"/>
+                        <a:cs typeface="Times New Roman" panose="02020603050405020304" pitchFamily="18" charset="0"/>
+                      </a:endParaRPr>
+                    </a:p>
+                  </a:txBody>
+                  <a:tcPr marL="68580" marR="68580" marT="0" marB="0"/>
+                </a:tc>
+                <a:tc>
+                  <a:txBody>
+                    <a:bodyPr/>
+                    <a:lstStyle/>
+                    <a:p>
+                      <a:pPr indent="266700" algn="ctr">
+                        <a:spcAft>
+                          <a:spcPts val="0"/>
+                        </a:spcAft>
+                      </a:pPr>
+                      <a:r>
+                        <a:rPr lang="en-US" sz="1200" kern="100">
+                          <a:effectLst/>
+                        </a:rPr>
+                        <a:t>R</a:t>
+                      </a:r>
+                      <a:r>
+                        <a:rPr lang="en-US" sz="1200" kern="100" baseline="30000">
+                          <a:effectLst/>
+                        </a:rPr>
+                        <a:t>m</a:t>
+                      </a:r>
+                      <a:endParaRPr lang="zh-CN" sz="1050" kern="100">
+                        <a:effectLst/>
+                        <a:latin typeface="Calibri" panose="020F0502020204030204" pitchFamily="34" charset="0"/>
+                        <a:ea typeface="宋体" panose="02010600030101010101" pitchFamily="2" charset="-122"/>
+                        <a:cs typeface="Times New Roman" panose="02020603050405020304" pitchFamily="18" charset="0"/>
+                      </a:endParaRPr>
+                    </a:p>
+                  </a:txBody>
+                  <a:tcPr marL="68580" marR="68580" marT="0" marB="0"/>
+                </a:tc>
+                <a:tc>
+                  <a:txBody>
+                    <a:bodyPr/>
+                    <a:lstStyle/>
+                    <a:p>
+                      <a:pPr indent="266700" algn="ctr">
+                        <a:spcAft>
+                          <a:spcPts val="0"/>
+                        </a:spcAft>
+                      </a:pPr>
+                      <a:r>
+                        <a:rPr lang="en-US" sz="1200" kern="100">
+                          <a:effectLst/>
+                        </a:rPr>
+                        <a:t>R</a:t>
+                      </a:r>
+                      <a:r>
+                        <a:rPr lang="en-US" sz="1200" kern="100" baseline="30000">
+                          <a:effectLst/>
+                        </a:rPr>
+                        <a:t>r</a:t>
+                      </a:r>
+                      <a:endParaRPr lang="zh-CN" sz="1050" kern="100">
+                        <a:effectLst/>
+                        <a:latin typeface="Calibri" panose="020F0502020204030204" pitchFamily="34" charset="0"/>
+                        <a:ea typeface="宋体" panose="02010600030101010101" pitchFamily="2" charset="-122"/>
+                        <a:cs typeface="Times New Roman" panose="02020603050405020304" pitchFamily="18" charset="0"/>
+                      </a:endParaRPr>
+                    </a:p>
+                  </a:txBody>
+                  <a:tcPr marL="68580" marR="68580" marT="0" marB="0"/>
+                </a:tc>
+                <a:extLst>
+                  <a:ext uri="{0D108BD9-81ED-4DB2-BD59-A6C34878D82A}">
+                    <a16:rowId xmlns:a16="http://schemas.microsoft.com/office/drawing/2014/main" val="782086918"/>
+                  </a:ext>
+                </a:extLst>
+              </a:tr>
+              <a:tr h="219375">
+                <a:tc>
+                  <a:txBody>
+                    <a:bodyPr/>
+                    <a:lstStyle/>
+                    <a:p>
+                      <a:pPr indent="266700" algn="ctr">
+                        <a:spcAft>
+                          <a:spcPts val="0"/>
+                        </a:spcAft>
+                      </a:pPr>
+                      <a:r>
+                        <a:rPr lang="en-US" sz="1200" kern="100">
+                          <a:effectLst/>
+                        </a:rPr>
+                        <a:t>1</a:t>
+                      </a:r>
+                      <a:endParaRPr lang="zh-CN" sz="1050" kern="100">
+                        <a:effectLst/>
+                        <a:latin typeface="Calibri" panose="020F0502020204030204" pitchFamily="34" charset="0"/>
+                        <a:ea typeface="宋体" panose="02010600030101010101" pitchFamily="2" charset="-122"/>
+                        <a:cs typeface="Times New Roman" panose="02020603050405020304" pitchFamily="18" charset="0"/>
+                      </a:endParaRPr>
+                    </a:p>
+                  </a:txBody>
+                  <a:tcPr marL="68580" marR="68580" marT="0" marB="0"/>
+                </a:tc>
+                <a:tc>
+                  <a:txBody>
+                    <a:bodyPr/>
+                    <a:lstStyle/>
+                    <a:p>
+                      <a:pPr indent="266700" algn="ctr">
+                        <a:spcAft>
+                          <a:spcPts val="0"/>
+                        </a:spcAft>
+                      </a:pPr>
+                      <a:r>
+                        <a:rPr lang="en-US" sz="1200" kern="100">
+                          <a:effectLst/>
+                        </a:rPr>
+                        <a:t>58</a:t>
+                      </a:r>
+                      <a:endParaRPr lang="zh-CN" sz="1050" kern="100">
+                        <a:effectLst/>
+                        <a:latin typeface="Calibri" panose="020F0502020204030204" pitchFamily="34" charset="0"/>
+                        <a:ea typeface="宋体" panose="02010600030101010101" pitchFamily="2" charset="-122"/>
+                        <a:cs typeface="Times New Roman" panose="02020603050405020304" pitchFamily="18" charset="0"/>
+                      </a:endParaRPr>
+                    </a:p>
+                  </a:txBody>
+                  <a:tcPr marL="68580" marR="68580" marT="0" marB="0"/>
+                </a:tc>
+                <a:tc>
+                  <a:txBody>
+                    <a:bodyPr/>
+                    <a:lstStyle/>
+                    <a:p>
+                      <a:pPr indent="266700" algn="ctr">
+                        <a:spcAft>
+                          <a:spcPts val="0"/>
+                        </a:spcAft>
+                      </a:pPr>
+                      <a:r>
+                        <a:rPr lang="en-US" sz="1200" kern="100">
+                          <a:effectLst/>
+                        </a:rPr>
+                        <a:t>5</a:t>
+                      </a:r>
+                      <a:endParaRPr lang="zh-CN" sz="1050" kern="100">
+                        <a:effectLst/>
+                        <a:latin typeface="Calibri" panose="020F0502020204030204" pitchFamily="34" charset="0"/>
+                        <a:ea typeface="宋体" panose="02010600030101010101" pitchFamily="2" charset="-122"/>
+                        <a:cs typeface="Times New Roman" panose="02020603050405020304" pitchFamily="18" charset="0"/>
+                      </a:endParaRPr>
+                    </a:p>
+                  </a:txBody>
+                  <a:tcPr marL="68580" marR="68580" marT="0" marB="0"/>
+                </a:tc>
+                <a:tc>
+                  <a:txBody>
+                    <a:bodyPr/>
+                    <a:lstStyle/>
+                    <a:p>
+                      <a:pPr indent="266700" algn="ctr">
+                        <a:spcAft>
+                          <a:spcPts val="0"/>
+                        </a:spcAft>
+                      </a:pPr>
+                      <a:r>
+                        <a:rPr lang="en-US" sz="1200" kern="100">
+                          <a:effectLst/>
+                        </a:rPr>
+                        <a:t>&lt;2,1&gt;</a:t>
+                      </a:r>
+                      <a:endParaRPr lang="zh-CN" sz="1050" kern="100">
+                        <a:effectLst/>
+                        <a:latin typeface="Calibri" panose="020F0502020204030204" pitchFamily="34" charset="0"/>
+                        <a:ea typeface="宋体" panose="02010600030101010101" pitchFamily="2" charset="-122"/>
+                        <a:cs typeface="Times New Roman" panose="02020603050405020304" pitchFamily="18" charset="0"/>
+                      </a:endParaRPr>
+                    </a:p>
+                  </a:txBody>
+                  <a:tcPr marL="68580" marR="68580" marT="0" marB="0"/>
+                </a:tc>
+                <a:tc>
+                  <a:txBody>
+                    <a:bodyPr/>
+                    <a:lstStyle/>
+                    <a:p>
+                      <a:pPr indent="266700" algn="ctr">
+                        <a:spcAft>
+                          <a:spcPts val="0"/>
+                        </a:spcAft>
+                      </a:pPr>
+                      <a:r>
+                        <a:rPr lang="en-US" sz="1200" kern="100">
+                          <a:effectLst/>
+                        </a:rPr>
+                        <a:t>&lt;2,1&gt;</a:t>
+                      </a:r>
+                      <a:endParaRPr lang="zh-CN" sz="1050" kern="100">
+                        <a:effectLst/>
+                        <a:latin typeface="Calibri" panose="020F0502020204030204" pitchFamily="34" charset="0"/>
+                        <a:ea typeface="宋体" panose="02010600030101010101" pitchFamily="2" charset="-122"/>
+                        <a:cs typeface="Times New Roman" panose="02020603050405020304" pitchFamily="18" charset="0"/>
+                      </a:endParaRPr>
+                    </a:p>
+                  </a:txBody>
+                  <a:tcPr marL="68580" marR="68580" marT="0" marB="0"/>
+                </a:tc>
+                <a:extLst>
+                  <a:ext uri="{0D108BD9-81ED-4DB2-BD59-A6C34878D82A}">
+                    <a16:rowId xmlns:a16="http://schemas.microsoft.com/office/drawing/2014/main" val="1204486098"/>
+                  </a:ext>
+                </a:extLst>
+              </a:tr>
+              <a:tr h="219375">
+                <a:tc>
+                  <a:txBody>
+                    <a:bodyPr/>
+                    <a:lstStyle/>
+                    <a:p>
+                      <a:pPr indent="266700" algn="ctr">
+                        <a:spcAft>
+                          <a:spcPts val="0"/>
+                        </a:spcAft>
+                      </a:pPr>
+                      <a:r>
+                        <a:rPr lang="en-US" sz="1200" kern="100">
+                          <a:effectLst/>
+                        </a:rPr>
+                        <a:t>2</a:t>
+                      </a:r>
+                      <a:endParaRPr lang="zh-CN" sz="1050" kern="100">
+                        <a:effectLst/>
+                        <a:latin typeface="Calibri" panose="020F0502020204030204" pitchFamily="34" charset="0"/>
+                        <a:ea typeface="宋体" panose="02010600030101010101" pitchFamily="2" charset="-122"/>
+                        <a:cs typeface="Times New Roman" panose="02020603050405020304" pitchFamily="18" charset="0"/>
+                      </a:endParaRPr>
+                    </a:p>
+                  </a:txBody>
+                  <a:tcPr marL="68580" marR="68580" marT="0" marB="0"/>
+                </a:tc>
+                <a:tc>
+                  <a:txBody>
+                    <a:bodyPr/>
+                    <a:lstStyle/>
+                    <a:p>
+                      <a:pPr indent="266700" algn="ctr">
+                        <a:spcAft>
+                          <a:spcPts val="0"/>
+                        </a:spcAft>
+                      </a:pPr>
+                      <a:r>
+                        <a:rPr lang="en-US" sz="1200" kern="100">
+                          <a:effectLst/>
+                        </a:rPr>
+                        <a:t>58</a:t>
+                      </a:r>
+                      <a:endParaRPr lang="zh-CN" sz="1050" kern="100">
+                        <a:effectLst/>
+                        <a:latin typeface="Calibri" panose="020F0502020204030204" pitchFamily="34" charset="0"/>
+                        <a:ea typeface="宋体" panose="02010600030101010101" pitchFamily="2" charset="-122"/>
+                        <a:cs typeface="Times New Roman" panose="02020603050405020304" pitchFamily="18" charset="0"/>
+                      </a:endParaRPr>
+                    </a:p>
+                  </a:txBody>
+                  <a:tcPr marL="68580" marR="68580" marT="0" marB="0"/>
+                </a:tc>
+                <a:tc>
+                  <a:txBody>
+                    <a:bodyPr/>
+                    <a:lstStyle/>
+                    <a:p>
+                      <a:pPr indent="266700" algn="ctr">
+                        <a:spcAft>
+                          <a:spcPts val="0"/>
+                        </a:spcAft>
+                      </a:pPr>
+                      <a:r>
+                        <a:rPr lang="en-US" sz="1200" kern="100">
+                          <a:effectLst/>
+                        </a:rPr>
+                        <a:t>5</a:t>
+                      </a:r>
+                      <a:endParaRPr lang="zh-CN" sz="1050" kern="100">
+                        <a:effectLst/>
+                        <a:latin typeface="Calibri" panose="020F0502020204030204" pitchFamily="34" charset="0"/>
+                        <a:ea typeface="宋体" panose="02010600030101010101" pitchFamily="2" charset="-122"/>
+                        <a:cs typeface="Times New Roman" panose="02020603050405020304" pitchFamily="18" charset="0"/>
+                      </a:endParaRPr>
+                    </a:p>
+                  </a:txBody>
+                  <a:tcPr marL="68580" marR="68580" marT="0" marB="0"/>
+                </a:tc>
+                <a:tc>
+                  <a:txBody>
+                    <a:bodyPr/>
+                    <a:lstStyle/>
+                    <a:p>
+                      <a:pPr indent="266700" algn="ctr">
+                        <a:spcAft>
+                          <a:spcPts val="0"/>
+                        </a:spcAft>
+                      </a:pPr>
+                      <a:r>
+                        <a:rPr lang="en-US" sz="1200" kern="100">
+                          <a:effectLst/>
+                        </a:rPr>
+                        <a:t>&lt;3,2&gt;</a:t>
+                      </a:r>
+                      <a:endParaRPr lang="zh-CN" sz="1050" kern="100">
+                        <a:effectLst/>
+                        <a:latin typeface="Calibri" panose="020F0502020204030204" pitchFamily="34" charset="0"/>
+                        <a:ea typeface="宋体" panose="02010600030101010101" pitchFamily="2" charset="-122"/>
+                        <a:cs typeface="Times New Roman" panose="02020603050405020304" pitchFamily="18" charset="0"/>
+                      </a:endParaRPr>
+                    </a:p>
+                  </a:txBody>
+                  <a:tcPr marL="68580" marR="68580" marT="0" marB="0"/>
+                </a:tc>
+                <a:tc>
+                  <a:txBody>
+                    <a:bodyPr/>
+                    <a:lstStyle/>
+                    <a:p>
+                      <a:pPr indent="266700" algn="ctr">
+                        <a:spcAft>
+                          <a:spcPts val="0"/>
+                        </a:spcAft>
+                      </a:pPr>
+                      <a:r>
+                        <a:rPr lang="en-US" sz="1200" kern="100">
+                          <a:effectLst/>
+                        </a:rPr>
+                        <a:t>&lt;2,2&gt;</a:t>
+                      </a:r>
+                      <a:endParaRPr lang="zh-CN" sz="1050" kern="100">
+                        <a:effectLst/>
+                        <a:latin typeface="Calibri" panose="020F0502020204030204" pitchFamily="34" charset="0"/>
+                        <a:ea typeface="宋体" panose="02010600030101010101" pitchFamily="2" charset="-122"/>
+                        <a:cs typeface="Times New Roman" panose="02020603050405020304" pitchFamily="18" charset="0"/>
+                      </a:endParaRPr>
+                    </a:p>
+                  </a:txBody>
+                  <a:tcPr marL="68580" marR="68580" marT="0" marB="0"/>
+                </a:tc>
+                <a:extLst>
+                  <a:ext uri="{0D108BD9-81ED-4DB2-BD59-A6C34878D82A}">
+                    <a16:rowId xmlns:a16="http://schemas.microsoft.com/office/drawing/2014/main" val="2581434284"/>
+                  </a:ext>
+                </a:extLst>
+              </a:tr>
+              <a:tr h="219375">
+                <a:tc>
+                  <a:txBody>
+                    <a:bodyPr/>
+                    <a:lstStyle/>
+                    <a:p>
+                      <a:pPr indent="266700" algn="ctr">
+                        <a:spcAft>
+                          <a:spcPts val="0"/>
+                        </a:spcAft>
+                      </a:pPr>
+                      <a:r>
+                        <a:rPr lang="en-US" sz="1200" kern="100">
+                          <a:effectLst/>
+                        </a:rPr>
+                        <a:t>3</a:t>
+                      </a:r>
+                      <a:endParaRPr lang="zh-CN" sz="1050" kern="100">
+                        <a:effectLst/>
+                        <a:latin typeface="Calibri" panose="020F0502020204030204" pitchFamily="34" charset="0"/>
+                        <a:ea typeface="宋体" panose="02010600030101010101" pitchFamily="2" charset="-122"/>
+                        <a:cs typeface="Times New Roman" panose="02020603050405020304" pitchFamily="18" charset="0"/>
+                      </a:endParaRPr>
+                    </a:p>
+                  </a:txBody>
+                  <a:tcPr marL="68580" marR="68580" marT="0" marB="0"/>
+                </a:tc>
+                <a:tc>
+                  <a:txBody>
+                    <a:bodyPr/>
+                    <a:lstStyle/>
+                    <a:p>
+                      <a:pPr indent="266700" algn="ctr">
+                        <a:spcAft>
+                          <a:spcPts val="0"/>
+                        </a:spcAft>
+                      </a:pPr>
+                      <a:r>
+                        <a:rPr lang="en-US" sz="1200" kern="100">
+                          <a:effectLst/>
+                        </a:rPr>
+                        <a:t>58</a:t>
+                      </a:r>
+                      <a:endParaRPr lang="zh-CN" sz="1050" kern="100">
+                        <a:effectLst/>
+                        <a:latin typeface="Calibri" panose="020F0502020204030204" pitchFamily="34" charset="0"/>
+                        <a:ea typeface="宋体" panose="02010600030101010101" pitchFamily="2" charset="-122"/>
+                        <a:cs typeface="Times New Roman" panose="02020603050405020304" pitchFamily="18" charset="0"/>
+                      </a:endParaRPr>
+                    </a:p>
+                  </a:txBody>
+                  <a:tcPr marL="68580" marR="68580" marT="0" marB="0"/>
+                </a:tc>
+                <a:tc>
+                  <a:txBody>
+                    <a:bodyPr/>
+                    <a:lstStyle/>
+                    <a:p>
+                      <a:pPr indent="266700" algn="ctr">
+                        <a:spcAft>
+                          <a:spcPts val="0"/>
+                        </a:spcAft>
+                      </a:pPr>
+                      <a:r>
+                        <a:rPr lang="en-US" sz="1200" kern="100">
+                          <a:effectLst/>
+                        </a:rPr>
+                        <a:t>5</a:t>
+                      </a:r>
+                      <a:endParaRPr lang="zh-CN" sz="1050" kern="100">
+                        <a:effectLst/>
+                        <a:latin typeface="Calibri" panose="020F0502020204030204" pitchFamily="34" charset="0"/>
+                        <a:ea typeface="宋体" panose="02010600030101010101" pitchFamily="2" charset="-122"/>
+                        <a:cs typeface="Times New Roman" panose="02020603050405020304" pitchFamily="18" charset="0"/>
+                      </a:endParaRPr>
+                    </a:p>
+                  </a:txBody>
+                  <a:tcPr marL="68580" marR="68580" marT="0" marB="0"/>
+                </a:tc>
+                <a:tc>
+                  <a:txBody>
+                    <a:bodyPr/>
+                    <a:lstStyle/>
+                    <a:p>
+                      <a:pPr indent="266700" algn="ctr">
+                        <a:spcAft>
+                          <a:spcPts val="0"/>
+                        </a:spcAft>
+                      </a:pPr>
+                      <a:r>
+                        <a:rPr lang="en-US" sz="1200" kern="100">
+                          <a:effectLst/>
+                        </a:rPr>
+                        <a:t>&lt;4,1&gt;</a:t>
+                      </a:r>
+                      <a:endParaRPr lang="zh-CN" sz="1050" kern="100">
+                        <a:effectLst/>
+                        <a:latin typeface="Calibri" panose="020F0502020204030204" pitchFamily="34" charset="0"/>
+                        <a:ea typeface="宋体" panose="02010600030101010101" pitchFamily="2" charset="-122"/>
+                        <a:cs typeface="Times New Roman" panose="02020603050405020304" pitchFamily="18" charset="0"/>
+                      </a:endParaRPr>
+                    </a:p>
+                  </a:txBody>
+                  <a:tcPr marL="68580" marR="68580" marT="0" marB="0"/>
+                </a:tc>
+                <a:tc>
+                  <a:txBody>
+                    <a:bodyPr/>
+                    <a:lstStyle/>
+                    <a:p>
+                      <a:pPr indent="266700" algn="ctr">
+                        <a:spcAft>
+                          <a:spcPts val="0"/>
+                        </a:spcAft>
+                      </a:pPr>
+                      <a:r>
+                        <a:rPr lang="en-US" sz="1200" kern="100">
+                          <a:effectLst/>
+                        </a:rPr>
+                        <a:t>&lt;2,1&gt;</a:t>
+                      </a:r>
+                      <a:endParaRPr lang="zh-CN" sz="1050" kern="100">
+                        <a:effectLst/>
+                        <a:latin typeface="Calibri" panose="020F0502020204030204" pitchFamily="34" charset="0"/>
+                        <a:ea typeface="宋体" panose="02010600030101010101" pitchFamily="2" charset="-122"/>
+                        <a:cs typeface="Times New Roman" panose="02020603050405020304" pitchFamily="18" charset="0"/>
+                      </a:endParaRPr>
+                    </a:p>
+                  </a:txBody>
+                  <a:tcPr marL="68580" marR="68580" marT="0" marB="0"/>
+                </a:tc>
+                <a:extLst>
+                  <a:ext uri="{0D108BD9-81ED-4DB2-BD59-A6C34878D82A}">
+                    <a16:rowId xmlns:a16="http://schemas.microsoft.com/office/drawing/2014/main" val="1496275493"/>
+                  </a:ext>
+                </a:extLst>
+              </a:tr>
+              <a:tr h="219375">
+                <a:tc>
+                  <a:txBody>
+                    <a:bodyPr/>
+                    <a:lstStyle/>
+                    <a:p>
+                      <a:pPr indent="266700" algn="ctr">
+                        <a:spcAft>
+                          <a:spcPts val="0"/>
+                        </a:spcAft>
+                      </a:pPr>
+                      <a:r>
+                        <a:rPr lang="en-US" sz="1200" kern="100">
+                          <a:effectLst/>
+                        </a:rPr>
+                        <a:t>4</a:t>
+                      </a:r>
+                      <a:endParaRPr lang="zh-CN" sz="1050" kern="100">
+                        <a:effectLst/>
+                        <a:latin typeface="Calibri" panose="020F0502020204030204" pitchFamily="34" charset="0"/>
+                        <a:ea typeface="宋体" panose="02010600030101010101" pitchFamily="2" charset="-122"/>
+                        <a:cs typeface="Times New Roman" panose="02020603050405020304" pitchFamily="18" charset="0"/>
+                      </a:endParaRPr>
+                    </a:p>
+                  </a:txBody>
+                  <a:tcPr marL="68580" marR="68580" marT="0" marB="0"/>
+                </a:tc>
+                <a:tc>
+                  <a:txBody>
+                    <a:bodyPr/>
+                    <a:lstStyle/>
+                    <a:p>
+                      <a:pPr indent="266700" algn="ctr">
+                        <a:spcAft>
+                          <a:spcPts val="0"/>
+                        </a:spcAft>
+                      </a:pPr>
+                      <a:r>
+                        <a:rPr lang="en-US" sz="1200" kern="100">
+                          <a:effectLst/>
+                        </a:rPr>
+                        <a:t>58</a:t>
+                      </a:r>
+                      <a:endParaRPr lang="zh-CN" sz="1050" kern="100">
+                        <a:effectLst/>
+                        <a:latin typeface="Calibri" panose="020F0502020204030204" pitchFamily="34" charset="0"/>
+                        <a:ea typeface="宋体" panose="02010600030101010101" pitchFamily="2" charset="-122"/>
+                        <a:cs typeface="Times New Roman" panose="02020603050405020304" pitchFamily="18" charset="0"/>
+                      </a:endParaRPr>
+                    </a:p>
+                  </a:txBody>
+                  <a:tcPr marL="68580" marR="68580" marT="0" marB="0"/>
+                </a:tc>
+                <a:tc>
+                  <a:txBody>
+                    <a:bodyPr/>
+                    <a:lstStyle/>
+                    <a:p>
+                      <a:pPr indent="266700" algn="ctr">
+                        <a:spcAft>
+                          <a:spcPts val="0"/>
+                        </a:spcAft>
+                      </a:pPr>
+                      <a:r>
+                        <a:rPr lang="en-US" sz="1200" kern="100">
+                          <a:effectLst/>
+                        </a:rPr>
+                        <a:t>5</a:t>
+                      </a:r>
+                      <a:endParaRPr lang="zh-CN" sz="1050" kern="100">
+                        <a:effectLst/>
+                        <a:latin typeface="Calibri" panose="020F0502020204030204" pitchFamily="34" charset="0"/>
+                        <a:ea typeface="宋体" panose="02010600030101010101" pitchFamily="2" charset="-122"/>
+                        <a:cs typeface="Times New Roman" panose="02020603050405020304" pitchFamily="18" charset="0"/>
+                      </a:endParaRPr>
+                    </a:p>
+                  </a:txBody>
+                  <a:tcPr marL="68580" marR="68580" marT="0" marB="0"/>
+                </a:tc>
+                <a:tc>
+                  <a:txBody>
+                    <a:bodyPr/>
+                    <a:lstStyle/>
+                    <a:p>
+                      <a:pPr indent="266700" algn="ctr">
+                        <a:spcAft>
+                          <a:spcPts val="0"/>
+                        </a:spcAft>
+                      </a:pPr>
+                      <a:r>
+                        <a:rPr lang="en-US" sz="1200" kern="100">
+                          <a:effectLst/>
+                        </a:rPr>
+                        <a:t>&lt;5,2&gt;</a:t>
+                      </a:r>
+                      <a:endParaRPr lang="zh-CN" sz="1050" kern="100">
+                        <a:effectLst/>
+                        <a:latin typeface="Calibri" panose="020F0502020204030204" pitchFamily="34" charset="0"/>
+                        <a:ea typeface="宋体" panose="02010600030101010101" pitchFamily="2" charset="-122"/>
+                        <a:cs typeface="Times New Roman" panose="02020603050405020304" pitchFamily="18" charset="0"/>
+                      </a:endParaRPr>
+                    </a:p>
+                  </a:txBody>
+                  <a:tcPr marL="68580" marR="68580" marT="0" marB="0"/>
+                </a:tc>
+                <a:tc>
+                  <a:txBody>
+                    <a:bodyPr/>
+                    <a:lstStyle/>
+                    <a:p>
+                      <a:pPr indent="266700" algn="ctr">
+                        <a:spcAft>
+                          <a:spcPts val="0"/>
+                        </a:spcAft>
+                      </a:pPr>
+                      <a:r>
+                        <a:rPr lang="en-US" sz="1200" kern="100">
+                          <a:effectLst/>
+                        </a:rPr>
+                        <a:t>&lt;2,2&gt;</a:t>
+                      </a:r>
+                      <a:endParaRPr lang="zh-CN" sz="1050" kern="100">
+                        <a:effectLst/>
+                        <a:latin typeface="Calibri" panose="020F0502020204030204" pitchFamily="34" charset="0"/>
+                        <a:ea typeface="宋体" panose="02010600030101010101" pitchFamily="2" charset="-122"/>
+                        <a:cs typeface="Times New Roman" panose="02020603050405020304" pitchFamily="18" charset="0"/>
+                      </a:endParaRPr>
+                    </a:p>
+                  </a:txBody>
+                  <a:tcPr marL="68580" marR="68580" marT="0" marB="0"/>
+                </a:tc>
+                <a:extLst>
+                  <a:ext uri="{0D108BD9-81ED-4DB2-BD59-A6C34878D82A}">
+                    <a16:rowId xmlns:a16="http://schemas.microsoft.com/office/drawing/2014/main" val="2743432915"/>
+                  </a:ext>
+                </a:extLst>
+              </a:tr>
+              <a:tr h="219375">
+                <a:tc>
+                  <a:txBody>
+                    <a:bodyPr/>
+                    <a:lstStyle/>
+                    <a:p>
+                      <a:pPr indent="266700" algn="ctr">
+                        <a:spcAft>
+                          <a:spcPts val="0"/>
+                        </a:spcAft>
+                      </a:pPr>
+                      <a:r>
+                        <a:rPr lang="en-US" sz="1200" kern="100">
+                          <a:effectLst/>
+                        </a:rPr>
+                        <a:t>5</a:t>
+                      </a:r>
+                      <a:endParaRPr lang="zh-CN" sz="1050" kern="100">
+                        <a:effectLst/>
+                        <a:latin typeface="Calibri" panose="020F0502020204030204" pitchFamily="34" charset="0"/>
+                        <a:ea typeface="宋体" panose="02010600030101010101" pitchFamily="2" charset="-122"/>
+                        <a:cs typeface="Times New Roman" panose="02020603050405020304" pitchFamily="18" charset="0"/>
+                      </a:endParaRPr>
+                    </a:p>
+                  </a:txBody>
+                  <a:tcPr marL="68580" marR="68580" marT="0" marB="0"/>
+                </a:tc>
+                <a:tc>
+                  <a:txBody>
+                    <a:bodyPr/>
+                    <a:lstStyle/>
+                    <a:p>
+                      <a:pPr indent="266700" algn="ctr">
+                        <a:spcAft>
+                          <a:spcPts val="0"/>
+                        </a:spcAft>
+                      </a:pPr>
+                      <a:r>
+                        <a:rPr lang="en-US" sz="1200" kern="100">
+                          <a:effectLst/>
+                        </a:rPr>
+                        <a:t>58</a:t>
+                      </a:r>
+                      <a:endParaRPr lang="zh-CN" sz="1050" kern="100">
+                        <a:effectLst/>
+                        <a:latin typeface="Calibri" panose="020F0502020204030204" pitchFamily="34" charset="0"/>
+                        <a:ea typeface="宋体" panose="02010600030101010101" pitchFamily="2" charset="-122"/>
+                        <a:cs typeface="Times New Roman" panose="02020603050405020304" pitchFamily="18" charset="0"/>
+                      </a:endParaRPr>
+                    </a:p>
+                  </a:txBody>
+                  <a:tcPr marL="68580" marR="68580" marT="0" marB="0"/>
+                </a:tc>
+                <a:tc>
+                  <a:txBody>
+                    <a:bodyPr/>
+                    <a:lstStyle/>
+                    <a:p>
+                      <a:pPr indent="266700" algn="ctr">
+                        <a:spcAft>
+                          <a:spcPts val="0"/>
+                        </a:spcAft>
+                      </a:pPr>
+                      <a:r>
+                        <a:rPr lang="en-US" sz="1200" kern="100">
+                          <a:effectLst/>
+                        </a:rPr>
+                        <a:t>5</a:t>
+                      </a:r>
+                      <a:endParaRPr lang="zh-CN" sz="1050" kern="100">
+                        <a:effectLst/>
+                        <a:latin typeface="Calibri" panose="020F0502020204030204" pitchFamily="34" charset="0"/>
+                        <a:ea typeface="宋体" panose="02010600030101010101" pitchFamily="2" charset="-122"/>
+                        <a:cs typeface="Times New Roman" panose="02020603050405020304" pitchFamily="18" charset="0"/>
+                      </a:endParaRPr>
+                    </a:p>
+                  </a:txBody>
+                  <a:tcPr marL="68580" marR="68580" marT="0" marB="0"/>
+                </a:tc>
+                <a:tc>
+                  <a:txBody>
+                    <a:bodyPr/>
+                    <a:lstStyle/>
+                    <a:p>
+                      <a:pPr indent="266700" algn="ctr">
+                        <a:spcAft>
+                          <a:spcPts val="0"/>
+                        </a:spcAft>
+                      </a:pPr>
+                      <a:r>
+                        <a:rPr lang="en-US" sz="1200" kern="100">
+                          <a:effectLst/>
+                        </a:rPr>
+                        <a:t>&lt;6,1&gt;</a:t>
+                      </a:r>
+                      <a:endParaRPr lang="zh-CN" sz="1050" kern="100">
+                        <a:effectLst/>
+                        <a:latin typeface="Calibri" panose="020F0502020204030204" pitchFamily="34" charset="0"/>
+                        <a:ea typeface="宋体" panose="02010600030101010101" pitchFamily="2" charset="-122"/>
+                        <a:cs typeface="Times New Roman" panose="02020603050405020304" pitchFamily="18" charset="0"/>
+                      </a:endParaRPr>
+                    </a:p>
+                  </a:txBody>
+                  <a:tcPr marL="68580" marR="68580" marT="0" marB="0"/>
+                </a:tc>
+                <a:tc>
+                  <a:txBody>
+                    <a:bodyPr/>
+                    <a:lstStyle/>
+                    <a:p>
+                      <a:pPr indent="266700" algn="ctr">
+                        <a:spcAft>
+                          <a:spcPts val="0"/>
+                        </a:spcAft>
+                      </a:pPr>
+                      <a:r>
+                        <a:rPr lang="en-US" sz="1200" kern="100">
+                          <a:effectLst/>
+                        </a:rPr>
+                        <a:t>&lt;2,1&gt;</a:t>
+                      </a:r>
+                      <a:endParaRPr lang="zh-CN" sz="1050" kern="100">
+                        <a:effectLst/>
+                        <a:latin typeface="Calibri" panose="020F0502020204030204" pitchFamily="34" charset="0"/>
+                        <a:ea typeface="宋体" panose="02010600030101010101" pitchFamily="2" charset="-122"/>
+                        <a:cs typeface="Times New Roman" panose="02020603050405020304" pitchFamily="18" charset="0"/>
+                      </a:endParaRPr>
+                    </a:p>
+                  </a:txBody>
+                  <a:tcPr marL="68580" marR="68580" marT="0" marB="0"/>
+                </a:tc>
+                <a:extLst>
+                  <a:ext uri="{0D108BD9-81ED-4DB2-BD59-A6C34878D82A}">
+                    <a16:rowId xmlns:a16="http://schemas.microsoft.com/office/drawing/2014/main" val="964435199"/>
+                  </a:ext>
+                </a:extLst>
+              </a:tr>
+              <a:tr h="219375">
+                <a:tc>
+                  <a:txBody>
+                    <a:bodyPr/>
+                    <a:lstStyle/>
+                    <a:p>
+                      <a:pPr indent="266700" algn="ctr">
+                        <a:spcAft>
+                          <a:spcPts val="0"/>
+                        </a:spcAft>
+                      </a:pPr>
+                      <a:r>
+                        <a:rPr lang="en-US" sz="1200" kern="100">
+                          <a:effectLst/>
+                        </a:rPr>
+                        <a:t>6</a:t>
+                      </a:r>
+                      <a:endParaRPr lang="zh-CN" sz="1050" kern="100">
+                        <a:effectLst/>
+                        <a:latin typeface="Calibri" panose="020F0502020204030204" pitchFamily="34" charset="0"/>
+                        <a:ea typeface="宋体" panose="02010600030101010101" pitchFamily="2" charset="-122"/>
+                        <a:cs typeface="Times New Roman" panose="02020603050405020304" pitchFamily="18" charset="0"/>
+                      </a:endParaRPr>
+                    </a:p>
+                  </a:txBody>
+                  <a:tcPr marL="68580" marR="68580" marT="0" marB="0"/>
+                </a:tc>
+                <a:tc>
+                  <a:txBody>
+                    <a:bodyPr/>
+                    <a:lstStyle/>
+                    <a:p>
+                      <a:pPr indent="266700" algn="ctr">
+                        <a:spcAft>
+                          <a:spcPts val="0"/>
+                        </a:spcAft>
+                      </a:pPr>
+                      <a:r>
+                        <a:rPr lang="en-US" sz="1200" kern="100">
+                          <a:effectLst/>
+                        </a:rPr>
+                        <a:t>58</a:t>
+                      </a:r>
+                      <a:endParaRPr lang="zh-CN" sz="1050" kern="100">
+                        <a:effectLst/>
+                        <a:latin typeface="Calibri" panose="020F0502020204030204" pitchFamily="34" charset="0"/>
+                        <a:ea typeface="宋体" panose="02010600030101010101" pitchFamily="2" charset="-122"/>
+                        <a:cs typeface="Times New Roman" panose="02020603050405020304" pitchFamily="18" charset="0"/>
+                      </a:endParaRPr>
+                    </a:p>
+                  </a:txBody>
+                  <a:tcPr marL="68580" marR="68580" marT="0" marB="0"/>
+                </a:tc>
+                <a:tc>
+                  <a:txBody>
+                    <a:bodyPr/>
+                    <a:lstStyle/>
+                    <a:p>
+                      <a:pPr indent="266700" algn="ctr">
+                        <a:spcAft>
+                          <a:spcPts val="0"/>
+                        </a:spcAft>
+                      </a:pPr>
+                      <a:r>
+                        <a:rPr lang="en-US" sz="1200" kern="100">
+                          <a:effectLst/>
+                        </a:rPr>
+                        <a:t>5</a:t>
+                      </a:r>
+                      <a:endParaRPr lang="zh-CN" sz="1050" kern="100">
+                        <a:effectLst/>
+                        <a:latin typeface="Calibri" panose="020F0502020204030204" pitchFamily="34" charset="0"/>
+                        <a:ea typeface="宋体" panose="02010600030101010101" pitchFamily="2" charset="-122"/>
+                        <a:cs typeface="Times New Roman" panose="02020603050405020304" pitchFamily="18" charset="0"/>
+                      </a:endParaRPr>
+                    </a:p>
+                  </a:txBody>
+                  <a:tcPr marL="68580" marR="68580" marT="0" marB="0"/>
+                </a:tc>
+                <a:tc>
+                  <a:txBody>
+                    <a:bodyPr/>
+                    <a:lstStyle/>
+                    <a:p>
+                      <a:pPr indent="266700" algn="ctr">
+                        <a:spcAft>
+                          <a:spcPts val="0"/>
+                        </a:spcAft>
+                      </a:pPr>
+                      <a:r>
+                        <a:rPr lang="en-US" sz="1200" kern="100">
+                          <a:effectLst/>
+                        </a:rPr>
+                        <a:t>&lt;7,2&gt;</a:t>
+                      </a:r>
+                      <a:endParaRPr lang="zh-CN" sz="1050" kern="100">
+                        <a:effectLst/>
+                        <a:latin typeface="Calibri" panose="020F0502020204030204" pitchFamily="34" charset="0"/>
+                        <a:ea typeface="宋体" panose="02010600030101010101" pitchFamily="2" charset="-122"/>
+                        <a:cs typeface="Times New Roman" panose="02020603050405020304" pitchFamily="18" charset="0"/>
+                      </a:endParaRPr>
+                    </a:p>
+                  </a:txBody>
+                  <a:tcPr marL="68580" marR="68580" marT="0" marB="0"/>
+                </a:tc>
+                <a:tc>
+                  <a:txBody>
+                    <a:bodyPr/>
+                    <a:lstStyle/>
+                    <a:p>
+                      <a:pPr indent="266700" algn="ctr">
+                        <a:spcAft>
+                          <a:spcPts val="0"/>
+                        </a:spcAft>
+                      </a:pPr>
+                      <a:r>
+                        <a:rPr lang="en-US" sz="1200" kern="100" dirty="0">
+                          <a:effectLst/>
+                        </a:rPr>
+                        <a:t>&lt;2,2&gt;</a:t>
+                      </a:r>
+                      <a:endParaRPr lang="zh-CN" sz="1050" kern="100" dirty="0">
+                        <a:effectLst/>
+                        <a:latin typeface="Calibri" panose="020F0502020204030204" pitchFamily="34" charset="0"/>
+                        <a:ea typeface="宋体" panose="02010600030101010101" pitchFamily="2" charset="-122"/>
+                        <a:cs typeface="Times New Roman" panose="02020603050405020304" pitchFamily="18" charset="0"/>
+                      </a:endParaRPr>
+                    </a:p>
+                  </a:txBody>
+                  <a:tcPr marL="68580" marR="68580" marT="0" marB="0"/>
+                </a:tc>
+                <a:extLst>
+                  <a:ext uri="{0D108BD9-81ED-4DB2-BD59-A6C34878D82A}">
+                    <a16:rowId xmlns:a16="http://schemas.microsoft.com/office/drawing/2014/main" val="3978437111"/>
+                  </a:ext>
+                </a:extLst>
+              </a:tr>
+            </a:tbl>
+          </a:graphicData>
+        </a:graphic>
+      </p:graphicFrame>
     </p:spTree>
   </p:cSld>
   <p:clrMapOvr>
@@ -31062,125 +31286,125 @@
               <a:buChar char=""/>
             </a:pPr>
             <a:r>
-              <a:rPr lang="zh-CN" sz="2400" b="1">
+              <a:rPr lang="zh-CN" sz="2400" b="1" dirty="0">
                 <a:latin typeface="华文中宋"/>
                 <a:ea typeface="华文中宋"/>
               </a:rPr>
               <a:t>互联网时代</a:t>
             </a:r>
             <a:r>
-              <a:rPr lang="zh-CN" sz="2000">
+              <a:rPr lang="zh-CN" sz="2000" dirty="0">
                 <a:latin typeface="华文楷体"/>
                 <a:ea typeface="华文楷体"/>
               </a:rPr>
               <a:t>的到来，导致大量的网络数据的产生，</a:t>
             </a:r>
             <a:r>
-              <a:rPr lang="zh-CN" sz="2400" b="1">
+              <a:rPr lang="zh-CN" sz="2400" b="1" dirty="0">
                 <a:latin typeface="华文楷体"/>
                 <a:ea typeface="华文楷体"/>
               </a:rPr>
               <a:t>大数据概念</a:t>
             </a:r>
             <a:r>
-              <a:rPr lang="zh-CN" sz="2000">
+              <a:rPr lang="zh-CN" sz="2000" dirty="0">
                 <a:latin typeface="华文楷体"/>
                 <a:ea typeface="华文楷体"/>
               </a:rPr>
               <a:t>应运而生，产生了大数据计算处理框架：</a:t>
             </a:r>
             <a:r>
-              <a:rPr lang="en-US" sz="2400" b="1">
+              <a:rPr lang="en-US" sz="2400" b="1" dirty="0">
                 <a:latin typeface="华文楷体"/>
                 <a:ea typeface="华文楷体"/>
               </a:rPr>
               <a:t>Hadoop</a:t>
             </a:r>
             <a:r>
-              <a:rPr lang="zh-CN" sz="2000">
+              <a:rPr lang="zh-CN" sz="2000" dirty="0">
                 <a:latin typeface="华文楷体"/>
                 <a:ea typeface="华文楷体"/>
               </a:rPr>
               <a:t>和</a:t>
             </a:r>
             <a:r>
-              <a:rPr lang="en-US" sz="2400" b="1">
+              <a:rPr lang="en-US" sz="2400" b="1" dirty="0">
                 <a:latin typeface="华文楷体"/>
                 <a:ea typeface="华文楷体"/>
               </a:rPr>
               <a:t>Spark</a:t>
             </a:r>
             <a:r>
-              <a:rPr lang="zh-CN" sz="2000">
+              <a:rPr lang="zh-CN" sz="2000" dirty="0">
                 <a:latin typeface="华文楷体"/>
                 <a:ea typeface="华文楷体"/>
               </a:rPr>
               <a:t>。随着</a:t>
             </a:r>
             <a:r>
-              <a:rPr lang="en-US" sz="2000">
+              <a:rPr lang="en-US" sz="2000" dirty="0">
                 <a:latin typeface="华文楷体"/>
                 <a:ea typeface="华文楷体"/>
               </a:rPr>
               <a:t>Hadoop</a:t>
             </a:r>
             <a:r>
-              <a:rPr lang="zh-CN" sz="2000">
+              <a:rPr lang="zh-CN" sz="2000" dirty="0">
                 <a:latin typeface="华文楷体"/>
                 <a:ea typeface="华文楷体"/>
               </a:rPr>
               <a:t>的不断发展产生了通用的资源管理框架</a:t>
             </a:r>
             <a:r>
-              <a:rPr lang="en-US" sz="2000">
+              <a:rPr lang="en-US" sz="2000" dirty="0">
                 <a:latin typeface="华文楷体"/>
                 <a:ea typeface="华文楷体"/>
               </a:rPr>
               <a:t>——</a:t>
             </a:r>
             <a:r>
-              <a:rPr lang="en-US" sz="2400" b="1">
+              <a:rPr lang="en-US" sz="2400" b="1" dirty="0">
                 <a:latin typeface="华文楷体"/>
                 <a:ea typeface="华文楷体"/>
               </a:rPr>
               <a:t>YARN</a:t>
             </a:r>
             <a:r>
-              <a:rPr lang="zh-CN" sz="2000">
+              <a:rPr lang="zh-CN" sz="2000" dirty="0">
                 <a:latin typeface="华文楷体"/>
                 <a:ea typeface="华文楷体"/>
               </a:rPr>
               <a:t>。</a:t>
             </a:r>
             <a:r>
-              <a:rPr lang="es-ES" sz="2000">
+              <a:rPr lang="es-ES" sz="2000" dirty="0">
                 <a:latin typeface="华文楷体"/>
                 <a:ea typeface="华文楷体"/>
               </a:rPr>
               <a:t>YARN</a:t>
             </a:r>
             <a:r>
-              <a:rPr lang="zh-CN" sz="2000">
+              <a:rPr lang="zh-CN" sz="2000" dirty="0">
                 <a:latin typeface="华文楷体"/>
                 <a:ea typeface="华文楷体"/>
               </a:rPr>
               <a:t>是下一代</a:t>
             </a:r>
             <a:r>
-              <a:rPr lang="es-ES" sz="2000">
+              <a:rPr lang="es-ES" sz="2000" dirty="0">
                 <a:latin typeface="华文楷体"/>
                 <a:ea typeface="华文楷体"/>
               </a:rPr>
               <a:t>MapReduce </a:t>
             </a:r>
             <a:r>
-              <a:rPr lang="zh-CN" sz="2000">
+              <a:rPr lang="zh-CN" sz="2000" dirty="0">
                 <a:latin typeface="华文楷体"/>
                 <a:ea typeface="华文楷体"/>
               </a:rPr>
               <a:t>框架。</a:t>
             </a:r>
-            <a:endParaRPr/>
+            <a:endParaRPr dirty="0"/>
           </a:p>
           <a:p>
             <a:pPr>
@@ -31191,7 +31415,7 @@
               <a:buFont typeface="Wingdings" charset="2"/>
               <a:buChar char=""/>
             </a:pPr>
-            <a:endParaRPr/>
+            <a:endParaRPr dirty="0"/>
           </a:p>
           <a:p>
             <a:pPr>
@@ -31203,90 +31427,90 @@
               <a:buChar char=""/>
             </a:pPr>
             <a:r>
-              <a:rPr lang="zh-CN" sz="2400" b="1">
+              <a:rPr lang="zh-CN" sz="2400" b="1" dirty="0">
                 <a:latin typeface="华文楷体"/>
                 <a:ea typeface="华文楷体"/>
               </a:rPr>
               <a:t>高性能计算</a:t>
             </a:r>
             <a:r>
-              <a:rPr lang="en-US" sz="2400" b="1">
+              <a:rPr lang="en-US" sz="2400" b="1" dirty="0">
                 <a:latin typeface="华文楷体"/>
                 <a:ea typeface="华文楷体"/>
               </a:rPr>
               <a:t>HPC</a:t>
             </a:r>
             <a:r>
-              <a:rPr lang="zh-CN" sz="2000">
+              <a:rPr lang="zh-CN" sz="2000" dirty="0">
                 <a:latin typeface="华文楷体"/>
                 <a:ea typeface="华文楷体"/>
               </a:rPr>
               <a:t>（</a:t>
             </a:r>
             <a:r>
-              <a:rPr lang="en-US" sz="2000">
+              <a:rPr lang="en-US" sz="2000" dirty="0">
                 <a:latin typeface="华文楷体"/>
                 <a:ea typeface="华文楷体"/>
               </a:rPr>
               <a:t>High Performance Computing</a:t>
             </a:r>
             <a:r>
-              <a:rPr lang="zh-CN" sz="2000">
+              <a:rPr lang="zh-CN" sz="2000" dirty="0">
                 <a:latin typeface="华文楷体"/>
                 <a:ea typeface="华文楷体"/>
               </a:rPr>
               <a:t>）是计算机科学中的一个分支，主要是研究</a:t>
             </a:r>
             <a:r>
-              <a:rPr lang="zh-CN" sz="2400" b="1">
+              <a:rPr lang="zh-CN" sz="2400" b="1" dirty="0">
                 <a:latin typeface="华文楷体"/>
                 <a:ea typeface="华文楷体"/>
               </a:rPr>
               <a:t>并行算法</a:t>
             </a:r>
             <a:r>
-              <a:rPr lang="zh-CN" sz="2000">
+              <a:rPr lang="zh-CN" sz="2000" dirty="0">
                 <a:latin typeface="华文楷体"/>
                 <a:ea typeface="华文楷体"/>
               </a:rPr>
               <a:t>和开发相关的软件，致力于研究高性能的超级计算机。</a:t>
             </a:r>
             <a:r>
-              <a:rPr lang="zh-CN" sz="2400" b="1">
+              <a:rPr lang="zh-CN" sz="2400" b="1" dirty="0">
                 <a:latin typeface="华文楷体"/>
                 <a:ea typeface="华文楷体"/>
               </a:rPr>
               <a:t>地质成像</a:t>
             </a:r>
             <a:r>
-              <a:rPr lang="zh-CN" sz="2000">
+              <a:rPr lang="zh-CN" sz="2000" dirty="0">
                 <a:latin typeface="华文楷体"/>
                 <a:ea typeface="华文楷体"/>
               </a:rPr>
               <a:t>算法是高性能计算算法，在石油勘探中有着广泛的应用，其中应用最为广泛的就是</a:t>
             </a:r>
             <a:r>
-              <a:rPr lang="en-US" sz="2400" b="1">
+              <a:rPr lang="en-US" sz="2400" b="1" dirty="0">
                 <a:latin typeface="华文楷体"/>
                 <a:ea typeface="华文楷体"/>
               </a:rPr>
               <a:t>PKTM</a:t>
             </a:r>
             <a:r>
-              <a:rPr lang="zh-CN" sz="2400" b="1">
+              <a:rPr lang="zh-CN" sz="2400" b="1" dirty="0">
                 <a:latin typeface="华文楷体"/>
                 <a:ea typeface="华文楷体"/>
               </a:rPr>
               <a:t>算法</a:t>
             </a:r>
             <a:r>
-              <a:rPr lang="zh-CN" sz="2000">
+              <a:rPr lang="zh-CN" sz="2000" dirty="0">
                 <a:latin typeface="华文楷体"/>
                 <a:ea typeface="华文楷体"/>
               </a:rPr>
               <a:t>。</a:t>
             </a:r>
-            <a:endParaRPr/>
+            <a:endParaRPr dirty="0"/>
           </a:p>
           <a:p>
             <a:pPr>
@@ -31297,7 +31521,7 @@
               <a:buFont typeface="Wingdings" charset="2"/>
               <a:buChar char=""/>
             </a:pPr>
-            <a:endParaRPr/>
+            <a:endParaRPr dirty="0"/>
           </a:p>
         </p:txBody>
       </p:sp>
@@ -31412,10 +31636,10 @@
         </p:nvGrpSpPr>
         <p:grpSpPr>
           <a:xfrm>
-            <a:off x="3850920" y="2205000"/>
-            <a:ext cx="2858400" cy="2938680"/>
-            <a:chOff x="3850920" y="2205000"/>
-            <a:chExt cx="2858400" cy="2938680"/>
+            <a:off x="3850920" y="2211184"/>
+            <a:ext cx="2858400" cy="2932496"/>
+            <a:chOff x="3850920" y="2211184"/>
+            <a:chExt cx="2858400" cy="2932496"/>
           </a:xfrm>
         </p:grpSpPr>
         <p:sp>
@@ -31426,8 +31650,8 @@
           </p:nvSpPr>
           <p:spPr>
             <a:xfrm>
-              <a:off x="5292000" y="2205000"/>
-              <a:ext cx="1224000" cy="504000"/>
+              <a:off x="5292000" y="2211184"/>
+              <a:ext cx="1224000" cy="481189"/>
             </a:xfrm>
             <a:prstGeom prst="rect">
               <a:avLst/>

--- a/毕业答辩.pptx
+++ b/毕业答辩.pptx
@@ -19239,6 +19239,34 @@
               </a:rPr>
               <a:t>。</a:t>
             </a:r>
+            <a:endParaRPr lang="en-US" altLang="zh-CN" sz="1600" dirty="0">
+              <a:latin typeface="华文楷体"/>
+              <a:ea typeface="华文楷体"/>
+            </a:endParaRPr>
+          </a:p>
+          <a:p>
+            <a:pPr lvl="1">
+              <a:lnSpc>
+                <a:spcPct val="100000"/>
+              </a:lnSpc>
+              <a:buSzPct val="65000"/>
+              <a:buFont typeface="Wingdings" charset="2"/>
+              <a:buChar char=""/>
+            </a:pPr>
+            <a:endParaRPr lang="en-US" sz="1600" dirty="0">
+              <a:latin typeface="华文楷体"/>
+              <a:ea typeface="华文楷体"/>
+            </a:endParaRPr>
+          </a:p>
+          <a:p>
+            <a:pPr lvl="1">
+              <a:lnSpc>
+                <a:spcPct val="100000"/>
+              </a:lnSpc>
+              <a:buSzPct val="65000"/>
+              <a:buFont typeface="Wingdings" charset="2"/>
+              <a:buChar char=""/>
+            </a:pPr>
             <a:endParaRPr dirty="0"/>
           </a:p>
           <a:p>
@@ -28973,7 +29001,7 @@
         <p:spPr>
           <a:xfrm>
             <a:off x="108000" y="1197000"/>
-            <a:ext cx="8640720" cy="719280"/>
+            <a:ext cx="8640720" cy="511200"/>
           </a:xfrm>
           <a:prstGeom prst="rect">
             <a:avLst/>
@@ -28996,20 +29024,20 @@
               <a:buChar char=""/>
             </a:pPr>
             <a:r>
-              <a:rPr lang="en-US" sz="2000">
+              <a:rPr lang="en-US" sz="2000" dirty="0">
                 <a:latin typeface="华文楷体"/>
                 <a:ea typeface="华文楷体"/>
               </a:rPr>
               <a:t>Shuffle</a:t>
             </a:r>
             <a:r>
-              <a:rPr lang="zh-CN" sz="2000">
+              <a:rPr lang="zh-CN" sz="2000" dirty="0">
                 <a:latin typeface="华文楷体"/>
                 <a:ea typeface="华文楷体"/>
               </a:rPr>
               <a:t>过程设计：</a:t>
             </a:r>
-            <a:endParaRPr/>
+            <a:endParaRPr dirty="0"/>
           </a:p>
         </p:txBody>
       </p:sp>
@@ -29117,98 +29145,229 @@
         </p:nvSpPr>
         <p:spPr>
           <a:xfrm>
-            <a:off x="4643280" y="5084640"/>
+            <a:off x="4269667" y="5537487"/>
             <a:ext cx="3024360" cy="830520"/>
           </a:xfrm>
           <a:prstGeom prst="wedgeRoundRectCallout">
-            <a:avLst/>
+            <a:avLst>
+              <a:gd name="adj1" fmla="val -20048"/>
+              <a:gd name="adj2" fmla="val -49030"/>
+              <a:gd name="adj3" fmla="val 16667"/>
+            </a:avLst>
           </a:prstGeom>
           <a:solidFill>
-            <a:srgbClr val="CCFFCC"/>
+            <a:srgbClr val="FFC000"/>
+          </a:solidFill>
+          <a:ln/>
+        </p:spPr>
+        <p:style>
+          <a:lnRef idx="3">
+            <a:schemeClr val="lt1"/>
+          </a:lnRef>
+          <a:fillRef idx="1">
+            <a:schemeClr val="accent6"/>
+          </a:fillRef>
+          <a:effectRef idx="1">
+            <a:schemeClr val="accent6"/>
+          </a:effectRef>
+          <a:fontRef idx="minor">
+            <a:schemeClr val="lt1"/>
+          </a:fontRef>
+        </p:style>
+        <p:txBody>
+          <a:bodyPr wrap="none" lIns="90000" tIns="46800" rIns="90000" bIns="46800" anchor="ctr"/>
+          <a:lstStyle/>
+          <a:p>
+            <a:pPr algn="ctr">
+              <a:lnSpc>
+                <a:spcPct val="100000"/>
+              </a:lnSpc>
+            </a:pPr>
+            <a:r>
+              <a:rPr lang="zh-CN" sz="1600" b="1" dirty="0">
+                <a:solidFill>
+                  <a:schemeClr val="tx1"/>
+                </a:solidFill>
+                <a:latin typeface="华文中宋"/>
+                <a:ea typeface="华文中宋"/>
+              </a:rPr>
+              <a:t>把</a:t>
+            </a:r>
+            <a:r>
+              <a:rPr lang="en-US" sz="1600" b="1" dirty="0">
+                <a:solidFill>
+                  <a:schemeClr val="tx1"/>
+                </a:solidFill>
+                <a:latin typeface="华文中宋"/>
+                <a:ea typeface="华文中宋"/>
+              </a:rPr>
+              <a:t>shuffle</a:t>
+            </a:r>
+            <a:r>
+              <a:rPr lang="zh-CN" sz="1600" b="1" dirty="0">
+                <a:solidFill>
+                  <a:schemeClr val="tx1"/>
+                </a:solidFill>
+                <a:latin typeface="华文中宋"/>
+                <a:ea typeface="华文中宋"/>
+              </a:rPr>
+              <a:t>从</a:t>
+            </a:r>
+            <a:r>
+              <a:rPr lang="en-US" sz="1600" b="1" dirty="0">
+                <a:solidFill>
+                  <a:schemeClr val="tx1"/>
+                </a:solidFill>
+                <a:latin typeface="华文中宋"/>
+                <a:ea typeface="华文中宋"/>
+              </a:rPr>
+              <a:t>reduce</a:t>
+            </a:r>
+            <a:r>
+              <a:rPr lang="zh-CN" sz="1600" b="1" dirty="0">
+                <a:solidFill>
+                  <a:schemeClr val="tx1"/>
+                </a:solidFill>
+                <a:latin typeface="华文中宋"/>
+                <a:ea typeface="华文中宋"/>
+              </a:rPr>
+              <a:t>端抽象出来</a:t>
+            </a:r>
+            <a:endParaRPr dirty="0">
+              <a:solidFill>
+                <a:schemeClr val="tx1"/>
+              </a:solidFill>
+            </a:endParaRPr>
+          </a:p>
+          <a:p>
+            <a:pPr algn="ctr">
+              <a:lnSpc>
+                <a:spcPct val="100000"/>
+              </a:lnSpc>
+            </a:pPr>
+            <a:r>
+              <a:rPr lang="zh-CN" sz="1600" b="1" dirty="0">
+                <a:solidFill>
+                  <a:schemeClr val="tx1"/>
+                </a:solidFill>
+                <a:latin typeface="华文中宋"/>
+                <a:ea typeface="华文中宋"/>
+              </a:rPr>
+              <a:t>一个节点一个</a:t>
+            </a:r>
+            <a:r>
+              <a:rPr lang="en-US" sz="1600" b="1" dirty="0">
+                <a:solidFill>
+                  <a:schemeClr val="tx1"/>
+                </a:solidFill>
+                <a:latin typeface="华文中宋"/>
+                <a:ea typeface="华文中宋"/>
+              </a:rPr>
+              <a:t>shuffle service</a:t>
+            </a:r>
+            <a:endParaRPr dirty="0">
+              <a:solidFill>
+                <a:schemeClr val="tx1"/>
+              </a:solidFill>
+            </a:endParaRPr>
+          </a:p>
+        </p:txBody>
+      </p:sp>
+      <p:sp>
+        <p:nvSpPr>
+          <p:cNvPr id="2" name="下箭头 1"/>
+          <p:cNvSpPr/>
+          <p:nvPr/>
+        </p:nvSpPr>
+        <p:spPr>
+          <a:xfrm rot="19838543">
+            <a:off x="4759202" y="4767910"/>
+            <a:ext cx="298019" cy="744316"/>
+          </a:xfrm>
+          <a:prstGeom prst="downArrow">
+            <a:avLst>
+              <a:gd name="adj1" fmla="val 50000"/>
+              <a:gd name="adj2" fmla="val 57970"/>
+            </a:avLst>
+          </a:prstGeom>
+          <a:solidFill>
+            <a:srgbClr val="0070C0"/>
           </a:solidFill>
           <a:ln>
             <a:noFill/>
           </a:ln>
         </p:spPr>
         <p:style>
-          <a:lnRef idx="0">
-            <a:scrgbClr r="0" g="0" b="0"/>
+          <a:lnRef idx="2">
+            <a:schemeClr val="accent1">
+              <a:shade val="50000"/>
+            </a:schemeClr>
           </a:lnRef>
-          <a:fillRef idx="0">
-            <a:scrgbClr r="0" g="0" b="0"/>
+          <a:fillRef idx="1">
+            <a:schemeClr val="accent1"/>
           </a:fillRef>
           <a:effectRef idx="0">
-            <a:scrgbClr r="0" g="0" b="0"/>
+            <a:schemeClr val="accent1"/>
           </a:effectRef>
-          <a:fontRef idx="minor"/>
+          <a:fontRef idx="minor">
+            <a:schemeClr val="lt1"/>
+          </a:fontRef>
         </p:style>
         <p:txBody>
-          <a:bodyPr wrap="none" lIns="90000" tIns="46800" rIns="90000" bIns="46800" anchor="ctr"/>
+          <a:bodyPr rtlCol="0" anchor="ctr"/>
           <a:lstStyle/>
           <a:p>
-            <a:pPr algn="ctr">
-              <a:lnSpc>
-                <a:spcPct val="100000"/>
-              </a:lnSpc>
-            </a:pPr>
-            <a:r>
-              <a:rPr lang="zh-CN" sz="1600" b="1">
-                <a:latin typeface="华文中宋"/>
-                <a:ea typeface="华文中宋"/>
-              </a:rPr>
-              <a:t>把</a:t>
-            </a:r>
-            <a:r>
-              <a:rPr lang="en-US" sz="1600" b="1">
-                <a:latin typeface="华文中宋"/>
-                <a:ea typeface="华文中宋"/>
-              </a:rPr>
-              <a:t>shuffle</a:t>
-            </a:r>
-            <a:r>
-              <a:rPr lang="zh-CN" sz="1600" b="1">
-                <a:latin typeface="华文中宋"/>
-                <a:ea typeface="华文中宋"/>
-              </a:rPr>
-              <a:t>从</a:t>
-            </a:r>
-            <a:r>
-              <a:rPr lang="en-US" sz="1600" b="1">
-                <a:latin typeface="华文中宋"/>
-                <a:ea typeface="华文中宋"/>
-              </a:rPr>
-              <a:t>reduce</a:t>
-            </a:r>
-            <a:r>
-              <a:rPr lang="zh-CN" sz="1600" b="1">
-                <a:latin typeface="华文中宋"/>
-                <a:ea typeface="华文中宋"/>
-              </a:rPr>
-              <a:t>端抽象出来</a:t>
-            </a:r>
-            <a:endParaRPr/>
-          </a:p>
-          <a:p>
-            <a:pPr algn="ctr">
-              <a:lnSpc>
-                <a:spcPct val="100000"/>
-              </a:lnSpc>
-            </a:pPr>
-            <a:r>
-              <a:rPr lang="zh-CN" sz="1600" b="1">
-                <a:latin typeface="华文中宋"/>
-                <a:ea typeface="华文中宋"/>
-              </a:rPr>
-              <a:t>一个节点一个</a:t>
-            </a:r>
-            <a:r>
-              <a:rPr lang="en-US" sz="1600" b="1">
-                <a:latin typeface="华文中宋"/>
-                <a:ea typeface="华文中宋"/>
-              </a:rPr>
-              <a:t>shuffle service</a:t>
-            </a:r>
-            <a:endParaRPr/>
+            <a:pPr algn="ctr"/>
+            <a:endParaRPr lang="zh-CN" altLang="en-US"/>
+          </a:p>
+        </p:txBody>
+      </p:sp>
+      <p:sp>
+        <p:nvSpPr>
+          <p:cNvPr id="9" name="下箭头 8"/>
+          <p:cNvSpPr/>
+          <p:nvPr/>
+        </p:nvSpPr>
+        <p:spPr>
+          <a:xfrm rot="13640545">
+            <a:off x="6600197" y="4732257"/>
+            <a:ext cx="298019" cy="744316"/>
+          </a:xfrm>
+          <a:prstGeom prst="downArrow">
+            <a:avLst>
+              <a:gd name="adj1" fmla="val 50000"/>
+              <a:gd name="adj2" fmla="val 57970"/>
+            </a:avLst>
+          </a:prstGeom>
+          <a:solidFill>
+            <a:srgbClr val="0070C0"/>
+          </a:solidFill>
+          <a:ln>
+            <a:noFill/>
+          </a:ln>
+        </p:spPr>
+        <p:style>
+          <a:lnRef idx="2">
+            <a:schemeClr val="accent1">
+              <a:shade val="50000"/>
+            </a:schemeClr>
+          </a:lnRef>
+          <a:fillRef idx="1">
+            <a:schemeClr val="accent1"/>
+          </a:fillRef>
+          <a:effectRef idx="0">
+            <a:schemeClr val="accent1"/>
+          </a:effectRef>
+          <a:fontRef idx="minor">
+            <a:schemeClr val="lt1"/>
+          </a:fontRef>
+        </p:style>
+        <p:txBody>
+          <a:bodyPr rtlCol="0" anchor="ctr"/>
+          <a:lstStyle/>
+          <a:p>
+            <a:pPr algn="ctr"/>
+            <a:endParaRPr lang="zh-CN" altLang="en-US"/>
           </a:p>
         </p:txBody>
       </p:sp>
@@ -29375,7 +29534,7 @@
         <p:spPr>
           <a:xfrm>
             <a:off x="108000" y="1197000"/>
-            <a:ext cx="8640720" cy="719280"/>
+            <a:ext cx="8640720" cy="528480"/>
           </a:xfrm>
           <a:prstGeom prst="rect">
             <a:avLst/>
@@ -29398,34 +29557,34 @@
               <a:buChar char=""/>
             </a:pPr>
             <a:r>
-              <a:rPr lang="en-US" sz="2000">
+              <a:rPr lang="en-US" sz="2000" dirty="0">
                 <a:latin typeface="华文楷体"/>
                 <a:ea typeface="华文楷体"/>
               </a:rPr>
               <a:t>Shuffle</a:t>
             </a:r>
             <a:r>
-              <a:rPr lang="zh-CN" sz="2000">
+              <a:rPr lang="zh-CN" sz="2000" dirty="0">
                 <a:latin typeface="华文楷体"/>
                 <a:ea typeface="华文楷体"/>
               </a:rPr>
               <a:t>过程设计：优化</a:t>
             </a:r>
             <a:r>
-              <a:rPr lang="en-US" sz="2000">
+              <a:rPr lang="en-US" sz="2000" dirty="0">
                 <a:latin typeface="华文楷体"/>
                 <a:ea typeface="华文楷体"/>
               </a:rPr>
               <a:t>shuffle</a:t>
             </a:r>
             <a:r>
-              <a:rPr lang="zh-CN" sz="2000">
+              <a:rPr lang="zh-CN" sz="2000" dirty="0">
                 <a:latin typeface="华文楷体"/>
                 <a:ea typeface="华文楷体"/>
               </a:rPr>
               <a:t>随机读写磁盘</a:t>
             </a:r>
-            <a:endParaRPr/>
+            <a:endParaRPr dirty="0"/>
           </a:p>
         </p:txBody>
       </p:sp>
@@ -29487,30 +29646,34 @@
         </p:nvSpPr>
         <p:spPr>
           <a:xfrm>
-            <a:off x="6073920" y="1725480"/>
-            <a:ext cx="1871640" cy="406440"/>
+            <a:off x="6079958" y="1626919"/>
+            <a:ext cx="1871640" cy="517741"/>
           </a:xfrm>
           <a:prstGeom prst="wedgeRoundRectCallout">
-            <a:avLst/>
+            <a:avLst>
+              <a:gd name="adj1" fmla="val -17661"/>
+              <a:gd name="adj2" fmla="val 91718"/>
+              <a:gd name="adj3" fmla="val 16667"/>
+            </a:avLst>
           </a:prstGeom>
           <a:solidFill>
-            <a:srgbClr val="CCFFCC"/>
+            <a:srgbClr val="0070C0"/>
           </a:solidFill>
-          <a:ln>
-            <a:noFill/>
-          </a:ln>
+          <a:ln/>
         </p:spPr>
         <p:style>
-          <a:lnRef idx="0">
-            <a:scrgbClr r="0" g="0" b="0"/>
+          <a:lnRef idx="3">
+            <a:schemeClr val="lt1"/>
           </a:lnRef>
-          <a:fillRef idx="0">
-            <a:scrgbClr r="0" g="0" b="0"/>
+          <a:fillRef idx="1">
+            <a:schemeClr val="accent3"/>
           </a:fillRef>
-          <a:effectRef idx="0">
-            <a:scrgbClr r="0" g="0" b="0"/>
+          <a:effectRef idx="1">
+            <a:schemeClr val="accent3"/>
           </a:effectRef>
-          <a:fontRef idx="minor"/>
+          <a:fontRef idx="minor">
+            <a:schemeClr val="lt1"/>
+          </a:fontRef>
         </p:style>
         <p:txBody>
           <a:bodyPr wrap="none" lIns="90000" tIns="46800" rIns="90000" bIns="46800" anchor="ctr"/>
@@ -29522,20 +29685,30 @@
               </a:lnSpc>
             </a:pPr>
             <a:r>
-              <a:rPr lang="en-US" sz="1600" b="1">
+              <a:rPr lang="en-US" b="1" dirty="0">
+                <a:solidFill>
+                  <a:schemeClr val="tx1"/>
+                </a:solidFill>
                 <a:latin typeface="华文中宋"/>
                 <a:ea typeface="华文中宋"/>
               </a:rPr>
               <a:t>Shuffle</a:t>
             </a:r>
             <a:r>
-              <a:rPr lang="zh-CN" sz="1600" b="1">
+              <a:rPr lang="zh-CN" b="1" dirty="0">
+                <a:solidFill>
+                  <a:schemeClr val="tx1"/>
+                </a:solidFill>
                 <a:latin typeface="华文中宋"/>
                 <a:ea typeface="华文中宋"/>
               </a:rPr>
               <a:t>架构</a:t>
             </a:r>
-            <a:endParaRPr/>
+            <a:endParaRPr dirty="0">
+              <a:solidFill>
+                <a:schemeClr val="tx1"/>
+              </a:solidFill>
+            </a:endParaRPr>
           </a:p>
         </p:txBody>
       </p:sp>
@@ -29551,7 +29724,7 @@
         </p:blipFill>
         <p:spPr>
           <a:xfrm>
-            <a:off x="179280" y="1590840"/>
+            <a:off x="286158" y="1725480"/>
             <a:ext cx="3745080" cy="3350880"/>
           </a:xfrm>
           <a:prstGeom prst="rect">
@@ -29587,36 +29760,40 @@
       </p:pic>
       <p:sp>
         <p:nvSpPr>
-          <p:cNvPr id="291" name="CustomShape 5"/>
+          <p:cNvPr id="9" name="CustomShape 4"/>
           <p:cNvSpPr/>
           <p:nvPr/>
         </p:nvSpPr>
         <p:spPr>
           <a:xfrm>
-            <a:off x="1046160" y="5291280"/>
-            <a:ext cx="2448000" cy="542880"/>
+            <a:off x="919651" y="5278930"/>
+            <a:ext cx="3024360" cy="651820"/>
           </a:xfrm>
           <a:prstGeom prst="wedgeRoundRectCallout">
-            <a:avLst/>
+            <a:avLst>
+              <a:gd name="adj1" fmla="val -19263"/>
+              <a:gd name="adj2" fmla="val -76358"/>
+              <a:gd name="adj3" fmla="val 16667"/>
+            </a:avLst>
           </a:prstGeom>
           <a:solidFill>
-            <a:srgbClr val="CCFFCC"/>
+            <a:srgbClr val="FFC000"/>
           </a:solidFill>
-          <a:ln>
-            <a:noFill/>
-          </a:ln>
+          <a:ln/>
         </p:spPr>
         <p:style>
-          <a:lnRef idx="0">
-            <a:scrgbClr r="0" g="0" b="0"/>
+          <a:lnRef idx="3">
+            <a:schemeClr val="lt1"/>
           </a:lnRef>
-          <a:fillRef idx="0">
-            <a:scrgbClr r="0" g="0" b="0"/>
+          <a:fillRef idx="1">
+            <a:schemeClr val="accent6"/>
           </a:fillRef>
-          <a:effectRef idx="0">
-            <a:scrgbClr r="0" g="0" b="0"/>
+          <a:effectRef idx="1">
+            <a:schemeClr val="accent6"/>
           </a:effectRef>
-          <a:fontRef idx="minor"/>
+          <a:fontRef idx="minor">
+            <a:schemeClr val="lt1"/>
+          </a:fontRef>
         </p:style>
         <p:txBody>
           <a:bodyPr wrap="none" lIns="90000" tIns="46800" rIns="90000" bIns="46800" anchor="ctr"/>
@@ -29628,27 +29805,40 @@
               </a:lnSpc>
             </a:pPr>
             <a:r>
-              <a:rPr lang="zh-CN" sz="1600" b="1">
+              <a:rPr lang="zh-CN" altLang="en-US" sz="1600" b="1" dirty="0">
+                <a:solidFill>
+                  <a:schemeClr val="tx1"/>
+                </a:solidFill>
                 <a:latin typeface="华文中宋"/>
                 <a:ea typeface="华文中宋"/>
               </a:rPr>
-              <a:t>数据传输使用</a:t>
-            </a:r>
-            <a:r>
-              <a:rPr lang="en-US" sz="1600" b="1">
+              <a:t>使用</a:t>
+            </a:r>
+            <a:r>
+              <a:rPr lang="en-US" altLang="zh-CN" sz="1600" b="1" dirty="0">
+                <a:solidFill>
+                  <a:schemeClr val="tx1"/>
+                </a:solidFill>
                 <a:latin typeface="华文中宋"/>
                 <a:ea typeface="华文中宋"/>
               </a:rPr>
               <a:t>RDMA</a:t>
             </a:r>
             <a:r>
-              <a:rPr lang="zh-CN" sz="1600" b="1">
+              <a:rPr lang="zh-CN" altLang="en-US" sz="1600" b="1" dirty="0">
+                <a:solidFill>
+                  <a:schemeClr val="tx1"/>
+                </a:solidFill>
                 <a:latin typeface="华文中宋"/>
                 <a:ea typeface="华文中宋"/>
               </a:rPr>
-              <a:t>协议</a:t>
-            </a:r>
-            <a:endParaRPr/>
+              <a:t>协议来传输数据</a:t>
+            </a:r>
+            <a:endParaRPr dirty="0">
+              <a:solidFill>
+                <a:schemeClr val="tx1"/>
+              </a:solidFill>
+            </a:endParaRPr>
           </a:p>
         </p:txBody>
       </p:sp>
@@ -29678,7 +29868,7 @@
                             </p:stCondLst>
                             <p:childTnLst>
                               <p:par>
-                                <p:cTn id="5" presetID="2" presetClass="entr" presetSubtype="4" fill="hold" nodeType="clickEffect">
+                                <p:cTn id="5" presetID="16" presetClass="entr" presetSubtype="21" fill="hold" nodeType="clickEffect">
                                   <p:stCondLst>
                                     <p:cond delay="0"/>
                                   </p:stCondLst>
@@ -29686,97 +29876,6 @@
                                     <p:set>
                                       <p:cBhvr>
                                         <p:cTn id="6" dur="1" fill="hold">
-                                          <p:stCondLst>
-                                            <p:cond delay="0"/>
-                                          </p:stCondLst>
-                                        </p:cTn>
-                                        <p:tgtEl>
-                                          <p:spTgt spid="291"/>
-                                        </p:tgtEl>
-                                        <p:attrNameLst>
-                                          <p:attrName>style.visibility</p:attrName>
-                                        </p:attrNameLst>
-                                      </p:cBhvr>
-                                      <p:to>
-                                        <p:strVal val="visible"/>
-                                      </p:to>
-                                    </p:set>
-                                    <p:anim calcmode="lin" valueType="num">
-                                      <p:cBhvr additive="base">
-                                        <p:cTn id="7" dur="500" fill="hold"/>
-                                        <p:tgtEl>
-                                          <p:spTgt spid="291"/>
-                                        </p:tgtEl>
-                                        <p:attrNameLst>
-                                          <p:attrName>ppt_x</p:attrName>
-                                        </p:attrNameLst>
-                                      </p:cBhvr>
-                                      <p:tavLst>
-                                        <p:tav tm="0">
-                                          <p:val>
-                                            <p:strVal val="#ppt_x"/>
-                                          </p:val>
-                                        </p:tav>
-                                        <p:tav tm="100000">
-                                          <p:val>
-                                            <p:strVal val="#ppt_x"/>
-                                          </p:val>
-                                        </p:tav>
-                                      </p:tavLst>
-                                    </p:anim>
-                                    <p:anim calcmode="lin" valueType="num">
-                                      <p:cBhvr additive="base">
-                                        <p:cTn id="8" dur="500" fill="hold"/>
-                                        <p:tgtEl>
-                                          <p:spTgt spid="291"/>
-                                        </p:tgtEl>
-                                        <p:attrNameLst>
-                                          <p:attrName>ppt_y</p:attrName>
-                                        </p:attrNameLst>
-                                      </p:cBhvr>
-                                      <p:tavLst>
-                                        <p:tav tm="0">
-                                          <p:val>
-                                            <p:strVal val="1+#ppt_h/2"/>
-                                          </p:val>
-                                        </p:tav>
-                                        <p:tav tm="100000">
-                                          <p:val>
-                                            <p:strVal val="#ppt_y"/>
-                                          </p:val>
-                                        </p:tav>
-                                      </p:tavLst>
-                                    </p:anim>
-                                  </p:childTnLst>
-                                </p:cTn>
-                              </p:par>
-                            </p:childTnLst>
-                          </p:cTn>
-                        </p:par>
-                      </p:childTnLst>
-                    </p:cTn>
-                  </p:par>
-                  <p:par>
-                    <p:cTn id="9" fill="hold">
-                      <p:stCondLst>
-                        <p:cond delay="indefinite"/>
-                      </p:stCondLst>
-                      <p:childTnLst>
-                        <p:par>
-                          <p:cTn id="10" fill="hold">
-                            <p:stCondLst>
-                              <p:cond delay="0"/>
-                            </p:stCondLst>
-                            <p:childTnLst>
-                              <p:par>
-                                <p:cTn id="11" presetID="16" presetClass="entr" presetSubtype="21" fill="hold" nodeType="clickEffect">
-                                  <p:stCondLst>
-                                    <p:cond delay="0"/>
-                                  </p:stCondLst>
-                                  <p:childTnLst>
-                                    <p:set>
-                                      <p:cBhvr>
-                                        <p:cTn id="12" dur="1" fill="hold">
                                           <p:stCondLst>
                                             <p:cond delay="0"/>
                                           </p:stCondLst>
@@ -29794,7 +29893,7 @@
                                     </p:set>
                                     <p:animEffect transition="out" filter="barn(inVertical)">
                                       <p:cBhvr additive="repl">
-                                        <p:cTn id="13" dur="500"/>
+                                        <p:cTn id="7" dur="500"/>
                                         <p:tgtEl>
                                           <p:spTgt spid="288"/>
                                         </p:tgtEl>
@@ -29810,26 +29909,26 @@
                     </p:cTn>
                   </p:par>
                   <p:par>
-                    <p:cTn id="14" fill="hold">
+                    <p:cTn id="8" fill="hold">
                       <p:stCondLst>
                         <p:cond delay="indefinite"/>
                       </p:stCondLst>
                       <p:childTnLst>
                         <p:par>
-                          <p:cTn id="15" fill="hold">
+                          <p:cTn id="9" fill="hold">
                             <p:stCondLst>
                               <p:cond delay="0"/>
                             </p:stCondLst>
                             <p:childTnLst>
                               <p:par>
-                                <p:cTn id="16" presetID="22" presetClass="entr" presetSubtype="4" fill="hold" nodeType="clickEffect">
+                                <p:cTn id="10" presetID="22" presetClass="entr" presetSubtype="4" fill="hold" nodeType="clickEffect">
                                   <p:stCondLst>
                                     <p:cond delay="0"/>
                                   </p:stCondLst>
                                   <p:childTnLst>
                                     <p:set>
                                       <p:cBhvr>
-                                        <p:cTn id="17" dur="1" fill="hold">
+                                        <p:cTn id="11" dur="1" fill="hold">
                                           <p:stCondLst>
                                             <p:cond delay="0"/>
                                           </p:stCondLst>
@@ -29847,9 +29946,62 @@
                                     </p:set>
                                     <p:animEffect transition="out" filter="wipe(down)">
                                       <p:cBhvr additive="repl">
-                                        <p:cTn id="18" dur="500"/>
+                                        <p:cTn id="12" dur="500"/>
                                         <p:tgtEl>
                                           <p:spTgt spid="290"/>
+                                        </p:tgtEl>
+                                      </p:cBhvr>
+                                    </p:animEffect>
+                                  </p:childTnLst>
+                                </p:cTn>
+                              </p:par>
+                            </p:childTnLst>
+                          </p:cTn>
+                        </p:par>
+                      </p:childTnLst>
+                    </p:cTn>
+                  </p:par>
+                  <p:par>
+                    <p:cTn id="13" fill="hold">
+                      <p:stCondLst>
+                        <p:cond delay="indefinite"/>
+                      </p:stCondLst>
+                      <p:childTnLst>
+                        <p:par>
+                          <p:cTn id="14" fill="hold">
+                            <p:stCondLst>
+                              <p:cond delay="0"/>
+                            </p:stCondLst>
+                            <p:childTnLst>
+                              <p:par>
+                                <p:cTn id="15" presetID="16" presetClass="entr" presetSubtype="21" fill="hold" nodeType="clickEffect">
+                                  <p:stCondLst>
+                                    <p:cond delay="0"/>
+                                  </p:stCondLst>
+                                  <p:childTnLst>
+                                    <p:set>
+                                      <p:cBhvr>
+                                        <p:cTn id="16" dur="1" fill="hold">
+                                          <p:stCondLst>
+                                            <p:cond delay="0"/>
+                                          </p:stCondLst>
+                                        </p:cTn>
+                                        <p:tgtEl>
+                                          <p:spTgt spid="9"/>
+                                        </p:tgtEl>
+                                        <p:attrNameLst>
+                                          <p:attrName>style.visibility</p:attrName>
+                                        </p:attrNameLst>
+                                      </p:cBhvr>
+                                      <p:to>
+                                        <p:strVal val="visible"/>
+                                      </p:to>
+                                    </p:set>
+                                    <p:animEffect transition="out" filter="barn(inVertical)">
+                                      <p:cBhvr additive="repl">
+                                        <p:cTn id="17" dur="500"/>
+                                        <p:tgtEl>
+                                          <p:spTgt spid="9"/>
                                         </p:tgtEl>
                                       </p:cBhvr>
                                     </p:animEffect>

--- a/毕业答辩.pptx
+++ b/毕业答辩.pptx
@@ -6,7 +6,7 @@
     <p:sldMasterId id="2147483661" r:id="rId2"/>
   </p:sldMasterIdLst>
   <p:notesMasterIdLst>
-    <p:notesMasterId r:id="rId54"/>
+    <p:notesMasterId r:id="rId57"/>
   </p:notesMasterIdLst>
   <p:sldIdLst>
     <p:sldId id="256" r:id="rId3"/>
@@ -49,17 +49,20 @@
     <p:sldId id="289" r:id="rId40"/>
     <p:sldId id="290" r:id="rId41"/>
     <p:sldId id="307" r:id="rId42"/>
-    <p:sldId id="291" r:id="rId43"/>
-    <p:sldId id="292" r:id="rId44"/>
-    <p:sldId id="293" r:id="rId45"/>
-    <p:sldId id="294" r:id="rId46"/>
-    <p:sldId id="295" r:id="rId47"/>
-    <p:sldId id="296" r:id="rId48"/>
-    <p:sldId id="297" r:id="rId49"/>
-    <p:sldId id="298" r:id="rId50"/>
-    <p:sldId id="299" r:id="rId51"/>
-    <p:sldId id="300" r:id="rId52"/>
-    <p:sldId id="301" r:id="rId53"/>
+    <p:sldId id="314" r:id="rId43"/>
+    <p:sldId id="291" r:id="rId44"/>
+    <p:sldId id="313" r:id="rId45"/>
+    <p:sldId id="292" r:id="rId46"/>
+    <p:sldId id="293" r:id="rId47"/>
+    <p:sldId id="294" r:id="rId48"/>
+    <p:sldId id="295" r:id="rId49"/>
+    <p:sldId id="308" r:id="rId50"/>
+    <p:sldId id="297" r:id="rId51"/>
+    <p:sldId id="311" r:id="rId52"/>
+    <p:sldId id="310" r:id="rId53"/>
+    <p:sldId id="312" r:id="rId54"/>
+    <p:sldId id="299" r:id="rId55"/>
+    <p:sldId id="301" r:id="rId56"/>
   </p:sldIdLst>
   <p:sldSz cx="9144000" cy="6858000" type="screen4x3"/>
   <p:notesSz cx="6796088" cy="9874250"/>
@@ -4619,8 +4622,8 @@
                 <a:solidFill>
                   <a:srgbClr val="292929"/>
                 </a:solidFill>
-                <a:latin typeface="华文中宋" panose="02010600040101010101" pitchFamily="2" charset="-122"/>
-                <a:ea typeface="华文中宋" panose="02010600040101010101" pitchFamily="2" charset="-122"/>
+                <a:latin typeface="华文楷体" panose="02010600040101010101" pitchFamily="2" charset="-122"/>
+                <a:ea typeface="华文楷体" panose="02010600040101010101" pitchFamily="2" charset="-122"/>
               </a:rPr>
               <a:t>面向高性能计算的</a:t>
             </a:r>
@@ -4629,8 +4632,8 @@
                 <a:solidFill>
                   <a:srgbClr val="292929"/>
                 </a:solidFill>
-                <a:latin typeface="华文中宋" panose="02010600040101010101" pitchFamily="2" charset="-122"/>
-                <a:ea typeface="华文中宋" panose="02010600040101010101" pitchFamily="2" charset="-122"/>
+                <a:latin typeface="华文楷体" panose="02010600040101010101" pitchFamily="2" charset="-122"/>
+                <a:ea typeface="华文楷体" panose="02010600040101010101" pitchFamily="2" charset="-122"/>
               </a:rPr>
               <a:t>YARN</a:t>
             </a:r>
@@ -4639,14 +4642,14 @@
                 <a:solidFill>
                   <a:srgbClr val="292929"/>
                 </a:solidFill>
-                <a:latin typeface="华文中宋" panose="02010600040101010101" pitchFamily="2" charset="-122"/>
-                <a:ea typeface="华文中宋" panose="02010600040101010101" pitchFamily="2" charset="-122"/>
+                <a:latin typeface="华文楷体" panose="02010600040101010101" pitchFamily="2" charset="-122"/>
+                <a:ea typeface="华文楷体" panose="02010600040101010101" pitchFamily="2" charset="-122"/>
               </a:rPr>
               <a:t>平台关键技术与应用研究</a:t>
             </a:r>
             <a:endParaRPr dirty="0">
-              <a:latin typeface="华文中宋" panose="02010600040101010101" pitchFamily="2" charset="-122"/>
-              <a:ea typeface="华文中宋" panose="02010600040101010101" pitchFamily="2" charset="-122"/>
+              <a:latin typeface="华文楷体" panose="02010600040101010101" pitchFamily="2" charset="-122"/>
+              <a:ea typeface="华文楷体" panose="02010600040101010101" pitchFamily="2" charset="-122"/>
             </a:endParaRPr>
           </a:p>
         </p:txBody>
@@ -4680,20 +4683,23 @@
               </a:lnSpc>
             </a:pPr>
             <a:r>
-              <a:rPr lang="zh-CN" sz="2400" b="1">
-                <a:latin typeface="华文中宋"/>
-                <a:ea typeface="华文中宋"/>
+              <a:rPr lang="zh-CN" sz="2400" b="1" dirty="0">
+                <a:latin typeface="华文楷体" panose="02010600040101010101" pitchFamily="2" charset="-122"/>
+                <a:ea typeface="华文楷体" panose="02010600040101010101" pitchFamily="2" charset="-122"/>
               </a:rPr>
               <a:t>杨晨   </a:t>
             </a:r>
             <a:r>
-              <a:rPr lang="en-US" sz="2400" b="1">
-                <a:latin typeface="华文中宋"/>
-                <a:ea typeface="华文中宋"/>
+              <a:rPr lang="en-US" sz="2400" b="1" dirty="0">
+                <a:latin typeface="华文楷体" panose="02010600040101010101" pitchFamily="2" charset="-122"/>
+                <a:ea typeface="华文楷体" panose="02010600040101010101" pitchFamily="2" charset="-122"/>
               </a:rPr>
               <a:t>MG1333067</a:t>
             </a:r>
-            <a:endParaRPr/>
+            <a:endParaRPr dirty="0">
+              <a:latin typeface="华文楷体" panose="02010600040101010101" pitchFamily="2" charset="-122"/>
+              <a:ea typeface="华文楷体" panose="02010600040101010101" pitchFamily="2" charset="-122"/>
+            </a:endParaRPr>
           </a:p>
           <a:p>
             <a:pPr>
@@ -4702,28 +4708,38 @@
               </a:lnSpc>
             </a:pPr>
             <a:r>
-              <a:rPr lang="zh-CN" sz="2400" b="1">
-                <a:latin typeface="华文中宋"/>
-                <a:ea typeface="华文中宋"/>
+              <a:rPr lang="zh-CN" sz="2400" b="1" dirty="0">
+                <a:latin typeface="华文楷体" panose="02010600040101010101" pitchFamily="2" charset="-122"/>
+                <a:ea typeface="华文楷体" panose="02010600040101010101" pitchFamily="2" charset="-122"/>
               </a:rPr>
               <a:t>指导老师： 唐杰</a:t>
             </a:r>
-            <a:endParaRPr/>
+            <a:endParaRPr dirty="0">
+              <a:latin typeface="华文楷体" panose="02010600040101010101" pitchFamily="2" charset="-122"/>
+              <a:ea typeface="华文楷体" panose="02010600040101010101" pitchFamily="2" charset="-122"/>
+            </a:endParaRPr>
           </a:p>
           <a:p>
-            <a:endParaRPr/>
+            <a:endParaRPr dirty="0">
+              <a:latin typeface="华文楷体" panose="02010600040101010101" pitchFamily="2" charset="-122"/>
+              <a:ea typeface="华文楷体" panose="02010600040101010101" pitchFamily="2" charset="-122"/>
+            </a:endParaRPr>
           </a:p>
           <a:p>
             <a:r>
-              <a:rPr lang="en-US" sz="2400" b="1">
-                <a:latin typeface="Arial"/>
+              <a:rPr lang="en-US" sz="2400" b="1" dirty="0">
+                <a:latin typeface="华文楷体" panose="02010600040101010101" pitchFamily="2" charset="-122"/>
+                <a:ea typeface="华文楷体" panose="02010600040101010101" pitchFamily="2" charset="-122"/>
               </a:rPr>
               <a:t>Multimedia Computing Group, MCG</a:t>
             </a:r>
-            <a:endParaRPr/>
+            <a:endParaRPr dirty="0">
+              <a:latin typeface="华文楷体" panose="02010600040101010101" pitchFamily="2" charset="-122"/>
+              <a:ea typeface="华文楷体" panose="02010600040101010101" pitchFamily="2" charset="-122"/>
+            </a:endParaRPr>
           </a:p>
           <a:p>
-            <a:endParaRPr/>
+            <a:endParaRPr dirty="0"/>
           </a:p>
         </p:txBody>
       </p:sp>
@@ -21680,11 +21696,298 @@
           </a:p>
         </p:txBody>
       </p:sp>
+      <p:sp>
+        <p:nvSpPr>
+          <p:cNvPr id="11" name="圆角矩形 10"/>
+          <p:cNvSpPr/>
+          <p:nvPr/>
+        </p:nvSpPr>
+        <p:spPr>
+          <a:xfrm>
+            <a:off x="1340836" y="5572080"/>
+            <a:ext cx="1806125" cy="508086"/>
+          </a:xfrm>
+          <a:prstGeom prst="roundRect">
+            <a:avLst/>
+          </a:prstGeom>
+          <a:solidFill>
+            <a:srgbClr val="FFC000"/>
+          </a:solidFill>
+        </p:spPr>
+        <p:style>
+          <a:lnRef idx="3">
+            <a:schemeClr val="lt1"/>
+          </a:lnRef>
+          <a:fillRef idx="1">
+            <a:schemeClr val="accent6"/>
+          </a:fillRef>
+          <a:effectRef idx="1">
+            <a:schemeClr val="accent6"/>
+          </a:effectRef>
+          <a:fontRef idx="minor">
+            <a:schemeClr val="lt1"/>
+          </a:fontRef>
+        </p:style>
+        <p:txBody>
+          <a:bodyPr rtlCol="0" anchor="ctr"/>
+          <a:lstStyle/>
+          <a:p>
+            <a:pPr algn="ctr">
+              <a:lnSpc>
+                <a:spcPct val="100000"/>
+              </a:lnSpc>
+            </a:pPr>
+            <a:r>
+              <a:rPr lang="zh-CN" altLang="en-US" sz="2000" b="1" dirty="0">
+                <a:solidFill>
+                  <a:srgbClr val="0D0D0D"/>
+                </a:solidFill>
+                <a:latin typeface="华文楷体"/>
+                <a:ea typeface="华文楷体"/>
+              </a:rPr>
+              <a:t>最优解：</a:t>
+            </a:r>
+            <a:r>
+              <a:rPr lang="en-US" altLang="zh-CN" sz="2000" b="1" dirty="0">
+                <a:solidFill>
+                  <a:srgbClr val="0D0D0D"/>
+                </a:solidFill>
+                <a:latin typeface="华文楷体"/>
+                <a:ea typeface="华文楷体"/>
+              </a:rPr>
+              <a:t>6151</a:t>
+            </a:r>
+            <a:endParaRPr lang="zh-CN" altLang="en-US" sz="2000" dirty="0"/>
+          </a:p>
+        </p:txBody>
+      </p:sp>
     </p:spTree>
   </p:cSld>
   <p:clrMapOvr>
     <a:masterClrMapping/>
   </p:clrMapOvr>
+  <p:timing>
+    <p:tnLst>
+      <p:par>
+        <p:cTn id="1" dur="indefinite" restart="never" nodeType="tmRoot">
+          <p:childTnLst>
+            <p:seq concurrent="1" nextAc="seek">
+              <p:cTn id="2" dur="indefinite" nodeType="mainSeq">
+                <p:childTnLst>
+                  <p:par>
+                    <p:cTn id="3" fill="hold">
+                      <p:stCondLst>
+                        <p:cond delay="indefinite"/>
+                      </p:stCondLst>
+                      <p:childTnLst>
+                        <p:par>
+                          <p:cTn id="4" fill="hold">
+                            <p:stCondLst>
+                              <p:cond delay="0"/>
+                            </p:stCondLst>
+                            <p:childTnLst>
+                              <p:par>
+                                <p:cTn id="5" presetID="2" presetClass="entr" presetSubtype="4" fill="hold" nodeType="clickEffect">
+                                  <p:stCondLst>
+                                    <p:cond delay="0"/>
+                                  </p:stCondLst>
+                                  <p:childTnLst>
+                                    <p:set>
+                                      <p:cBhvr>
+                                        <p:cTn id="6" dur="1" fill="hold">
+                                          <p:stCondLst>
+                                            <p:cond delay="0"/>
+                                          </p:stCondLst>
+                                        </p:cTn>
+                                        <p:tgtEl>
+                                          <p:spTgt spid="246"/>
+                                        </p:tgtEl>
+                                        <p:attrNameLst>
+                                          <p:attrName>style.visibility</p:attrName>
+                                        </p:attrNameLst>
+                                      </p:cBhvr>
+                                      <p:to>
+                                        <p:strVal val="visible"/>
+                                      </p:to>
+                                    </p:set>
+                                    <p:anim calcmode="lin" valueType="num">
+                                      <p:cBhvr additive="base">
+                                        <p:cTn id="7" dur="500" fill="hold"/>
+                                        <p:tgtEl>
+                                          <p:spTgt spid="246"/>
+                                        </p:tgtEl>
+                                        <p:attrNameLst>
+                                          <p:attrName>ppt_x</p:attrName>
+                                        </p:attrNameLst>
+                                      </p:cBhvr>
+                                      <p:tavLst>
+                                        <p:tav tm="0">
+                                          <p:val>
+                                            <p:strVal val="#ppt_x"/>
+                                          </p:val>
+                                        </p:tav>
+                                        <p:tav tm="100000">
+                                          <p:val>
+                                            <p:strVal val="#ppt_x"/>
+                                          </p:val>
+                                        </p:tav>
+                                      </p:tavLst>
+                                    </p:anim>
+                                    <p:anim calcmode="lin" valueType="num">
+                                      <p:cBhvr additive="base">
+                                        <p:cTn id="8" dur="500" fill="hold"/>
+                                        <p:tgtEl>
+                                          <p:spTgt spid="246"/>
+                                        </p:tgtEl>
+                                        <p:attrNameLst>
+                                          <p:attrName>ppt_y</p:attrName>
+                                        </p:attrNameLst>
+                                      </p:cBhvr>
+                                      <p:tavLst>
+                                        <p:tav tm="0">
+                                          <p:val>
+                                            <p:strVal val="1+#ppt_h/2"/>
+                                          </p:val>
+                                        </p:tav>
+                                        <p:tav tm="100000">
+                                          <p:val>
+                                            <p:strVal val="#ppt_y"/>
+                                          </p:val>
+                                        </p:tav>
+                                      </p:tavLst>
+                                    </p:anim>
+                                  </p:childTnLst>
+                                </p:cTn>
+                              </p:par>
+                            </p:childTnLst>
+                          </p:cTn>
+                        </p:par>
+                        <p:par>
+                          <p:cTn id="9" fill="hold">
+                            <p:stCondLst>
+                              <p:cond delay="500"/>
+                            </p:stCondLst>
+                            <p:childTnLst>
+                              <p:par>
+                                <p:cTn id="10" presetID="16" presetClass="entr" presetSubtype="21" fill="hold" grpId="0" nodeType="afterEffect">
+                                  <p:stCondLst>
+                                    <p:cond delay="0"/>
+                                  </p:stCondLst>
+                                  <p:childTnLst>
+                                    <p:set>
+                                      <p:cBhvr>
+                                        <p:cTn id="11" dur="1" fill="hold">
+                                          <p:stCondLst>
+                                            <p:cond delay="0"/>
+                                          </p:stCondLst>
+                                        </p:cTn>
+                                        <p:tgtEl>
+                                          <p:spTgt spid="3"/>
+                                        </p:tgtEl>
+                                        <p:attrNameLst>
+                                          <p:attrName>style.visibility</p:attrName>
+                                        </p:attrNameLst>
+                                      </p:cBhvr>
+                                      <p:to>
+                                        <p:strVal val="visible"/>
+                                      </p:to>
+                                    </p:set>
+                                    <p:animEffect transition="in" filter="barn(inVertical)">
+                                      <p:cBhvr>
+                                        <p:cTn id="12" dur="500"/>
+                                        <p:tgtEl>
+                                          <p:spTgt spid="3"/>
+                                        </p:tgtEl>
+                                      </p:cBhvr>
+                                    </p:animEffect>
+                                  </p:childTnLst>
+                                </p:cTn>
+                              </p:par>
+                            </p:childTnLst>
+                          </p:cTn>
+                        </p:par>
+                      </p:childTnLst>
+                    </p:cTn>
+                  </p:par>
+                  <p:par>
+                    <p:cTn id="13" fill="hold">
+                      <p:stCondLst>
+                        <p:cond delay="indefinite"/>
+                      </p:stCondLst>
+                      <p:childTnLst>
+                        <p:par>
+                          <p:cTn id="14" fill="hold">
+                            <p:stCondLst>
+                              <p:cond delay="0"/>
+                            </p:stCondLst>
+                            <p:childTnLst>
+                              <p:par>
+                                <p:cTn id="15" presetID="22" presetClass="entr" presetSubtype="4" fill="hold" grpId="0" nodeType="clickEffect">
+                                  <p:stCondLst>
+                                    <p:cond delay="0"/>
+                                  </p:stCondLst>
+                                  <p:childTnLst>
+                                    <p:set>
+                                      <p:cBhvr>
+                                        <p:cTn id="16" dur="1" fill="hold">
+                                          <p:stCondLst>
+                                            <p:cond delay="0"/>
+                                          </p:stCondLst>
+                                        </p:cTn>
+                                        <p:tgtEl>
+                                          <p:spTgt spid="13"/>
+                                        </p:tgtEl>
+                                        <p:attrNameLst>
+                                          <p:attrName>style.visibility</p:attrName>
+                                        </p:attrNameLst>
+                                      </p:cBhvr>
+                                      <p:to>
+                                        <p:strVal val="visible"/>
+                                      </p:to>
+                                    </p:set>
+                                    <p:animEffect transition="in" filter="wipe(down)">
+                                      <p:cBhvr>
+                                        <p:cTn id="17" dur="500"/>
+                                        <p:tgtEl>
+                                          <p:spTgt spid="13"/>
+                                        </p:tgtEl>
+                                      </p:cBhvr>
+                                    </p:animEffect>
+                                  </p:childTnLst>
+                                </p:cTn>
+                              </p:par>
+                            </p:childTnLst>
+                          </p:cTn>
+                        </p:par>
+                      </p:childTnLst>
+                    </p:cTn>
+                  </p:par>
+                </p:childTnLst>
+              </p:cTn>
+              <p:prevCondLst>
+                <p:cond evt="onPrev" delay="0">
+                  <p:tgtEl>
+                    <p:sldTgt/>
+                  </p:tgtEl>
+                </p:cond>
+              </p:prevCondLst>
+              <p:nextCondLst>
+                <p:cond evt="onNext" delay="0">
+                  <p:tgtEl>
+                    <p:sldTgt/>
+                  </p:tgtEl>
+                </p:cond>
+              </p:nextCondLst>
+            </p:seq>
+          </p:childTnLst>
+        </p:cTn>
+      </p:par>
+    </p:tnLst>
+    <p:bldLst>
+      <p:bldP spid="3" grpId="0" animBg="1"/>
+      <p:bldP spid="13" grpId="0" animBg="1"/>
+    </p:bldLst>
+  </p:timing>
 </p:sld>
 </file>
 
@@ -24628,7 +24931,7 @@
       <p:par>
         <p:cTn id="1" dur="indefinite" restart="never" nodeType="tmRoot">
           <p:childTnLst>
-            <p:seq>
+            <p:seq concurrent="1" nextAc="seek">
               <p:cTn id="2" dur="indefinite" nodeType="mainSeq">
                 <p:childTnLst>
                   <p:par>
@@ -24644,7 +24947,7 @@
                             </p:stCondLst>
                             <p:childTnLst>
                               <p:par>
-                                <p:cTn id="5" presetID="16" presetClass="entr" presetSubtype="21" fill="hold" nodeType="clickEffect">
+                                <p:cTn id="5" presetID="22" presetClass="entr" presetSubtype="4" fill="hold" grpId="0" nodeType="clickEffect">
                                   <p:stCondLst>
                                     <p:cond delay="0"/>
                                   </p:stCondLst>
@@ -24667,8 +24970,8 @@
                                         <p:strVal val="visible"/>
                                       </p:to>
                                     </p:set>
-                                    <p:animEffect transition="out" filter="barn(inVertical)">
-                                      <p:cBhvr additive="repl">
+                                    <p:animEffect transition="in" filter="wipe(down)">
+                                      <p:cBhvr>
                                         <p:cTn id="7" dur="500"/>
                                         <p:tgtEl>
                                           <p:spTgt spid="256"/>
@@ -24705,6 +25008,9 @@
         </p:cTn>
       </p:par>
     </p:tnLst>
+    <p:bldLst>
+      <p:bldP spid="256" grpId="0" animBg="1"/>
+    </p:bldLst>
   </p:timing>
 </p:sld>
 </file>
@@ -24960,6 +25266,9 @@
           <a:prstGeom prst="wedgeRoundRectCallout">
             <a:avLst/>
           </a:prstGeom>
+          <a:solidFill>
+            <a:srgbClr val="FFC000"/>
+          </a:solidFill>
           <a:ln/>
         </p:spPr>
         <p:style>
@@ -27389,7 +27698,7 @@
       <p:par>
         <p:cTn id="1" dur="indefinite" restart="never" nodeType="tmRoot">
           <p:childTnLst>
-            <p:seq>
+            <p:seq concurrent="1" nextAc="seek">
               <p:cTn id="2" dur="indefinite" nodeType="mainSeq">
                 <p:childTnLst>
                   <p:par>
@@ -27405,7 +27714,7 @@
                             </p:stCondLst>
                             <p:childTnLst>
                               <p:par>
-                                <p:cTn id="5" presetID="16" presetClass="entr" presetSubtype="21" fill="hold" nodeType="clickEffect">
+                                <p:cTn id="5" presetID="2" presetClass="entr" presetSubtype="4" fill="hold" grpId="0" nodeType="clickEffect">
                                   <p:stCondLst>
                                     <p:cond delay="0"/>
                                   </p:stCondLst>
@@ -27428,14 +27737,52 @@
                                         <p:strVal val="visible"/>
                                       </p:to>
                                     </p:set>
-                                    <p:animEffect transition="out" filter="barn(inVertical)">
-                                      <p:cBhvr additive="repl">
-                                        <p:cTn id="7" dur="500"/>
+                                    <p:anim calcmode="lin" valueType="num">
+                                      <p:cBhvr additive="base">
+                                        <p:cTn id="7" dur="500" fill="hold"/>
                                         <p:tgtEl>
                                           <p:spTgt spid="262"/>
                                         </p:tgtEl>
+                                        <p:attrNameLst>
+                                          <p:attrName>ppt_x</p:attrName>
+                                        </p:attrNameLst>
                                       </p:cBhvr>
-                                    </p:animEffect>
+                                      <p:tavLst>
+                                        <p:tav tm="0">
+                                          <p:val>
+                                            <p:strVal val="#ppt_x"/>
+                                          </p:val>
+                                        </p:tav>
+                                        <p:tav tm="100000">
+                                          <p:val>
+                                            <p:strVal val="#ppt_x"/>
+                                          </p:val>
+                                        </p:tav>
+                                      </p:tavLst>
+                                    </p:anim>
+                                    <p:anim calcmode="lin" valueType="num">
+                                      <p:cBhvr additive="base">
+                                        <p:cTn id="8" dur="500" fill="hold"/>
+                                        <p:tgtEl>
+                                          <p:spTgt spid="262"/>
+                                        </p:tgtEl>
+                                        <p:attrNameLst>
+                                          <p:attrName>ppt_y</p:attrName>
+                                        </p:attrNameLst>
+                                      </p:cBhvr>
+                                      <p:tavLst>
+                                        <p:tav tm="0">
+                                          <p:val>
+                                            <p:strVal val="1+#ppt_h/2"/>
+                                          </p:val>
+                                        </p:tav>
+                                        <p:tav tm="100000">
+                                          <p:val>
+                                            <p:strVal val="#ppt_y"/>
+                                          </p:val>
+                                        </p:tav>
+                                      </p:tavLst>
+                                    </p:anim>
                                   </p:childTnLst>
                                 </p:cTn>
                               </p:par>
@@ -27466,6 +27813,9 @@
         </p:cTn>
       </p:par>
     </p:tnLst>
+    <p:bldLst>
+      <p:bldP spid="262" grpId="0" animBg="1"/>
+    </p:bldLst>
   </p:timing>
 </p:sld>
 </file>
@@ -28589,8 +28939,8 @@
         </p:blipFill>
         <p:spPr>
           <a:xfrm>
-            <a:off x="591610" y="1533600"/>
-            <a:ext cx="8012749" cy="4535640"/>
+            <a:off x="296883" y="1305540"/>
+            <a:ext cx="8307477" cy="4667748"/>
           </a:xfrm>
           <a:prstGeom prst="rect">
             <a:avLst/>
@@ -28717,7 +29067,7 @@
                             </p:stCondLst>
                             <p:childTnLst>
                               <p:par>
-                                <p:cTn id="11" presetID="16" presetClass="entr" presetSubtype="21" fill="hold" nodeType="clickEffect">
+                                <p:cTn id="11" presetID="22" presetClass="entr" presetSubtype="4" fill="hold" nodeType="clickEffect">
                                   <p:stCondLst>
                                     <p:cond delay="0"/>
                                   </p:stCondLst>
@@ -28740,8 +29090,8 @@
                                         <p:strVal val="visible"/>
                                       </p:to>
                                     </p:set>
-                                    <p:animEffect transition="out" filter="barn(inVertical)">
-                                      <p:cBhvr additive="repl">
+                                    <p:animEffect transition="in" filter="wipe(down)">
+                                      <p:cBhvr>
                                         <p:cTn id="13" dur="500"/>
                                         <p:tgtEl>
                                           <p:spTgt spid="277"/>
@@ -29137,240 +29487,275 @@
           </a:ln>
         </p:spPr>
       </p:pic>
-      <p:sp>
-        <p:nvSpPr>
-          <p:cNvPr id="284" name="CustomShape 4"/>
-          <p:cNvSpPr/>
+      <p:grpSp>
+        <p:nvGrpSpPr>
+          <p:cNvPr id="3" name="组合 2"/>
+          <p:cNvGrpSpPr/>
           <p:nvPr/>
-        </p:nvSpPr>
-        <p:spPr>
+        </p:nvGrpSpPr>
+        <p:grpSpPr>
           <a:xfrm>
-            <a:off x="4269667" y="5537487"/>
-            <a:ext cx="3024360" cy="830520"/>
+            <a:off x="4269667" y="4767910"/>
+            <a:ext cx="3024360" cy="1600097"/>
+            <a:chOff x="4269667" y="4767910"/>
+            <a:chExt cx="3024360" cy="1600097"/>
           </a:xfrm>
-          <a:prstGeom prst="wedgeRoundRectCallout">
-            <a:avLst>
-              <a:gd name="adj1" fmla="val -20048"/>
-              <a:gd name="adj2" fmla="val -49030"/>
-              <a:gd name="adj3" fmla="val 16667"/>
-            </a:avLst>
-          </a:prstGeom>
-          <a:solidFill>
-            <a:srgbClr val="FFC000"/>
-          </a:solidFill>
-          <a:ln/>
-        </p:spPr>
-        <p:style>
-          <a:lnRef idx="3">
-            <a:schemeClr val="lt1"/>
-          </a:lnRef>
-          <a:fillRef idx="1">
-            <a:schemeClr val="accent6"/>
-          </a:fillRef>
-          <a:effectRef idx="1">
-            <a:schemeClr val="accent6"/>
-          </a:effectRef>
-          <a:fontRef idx="minor">
-            <a:schemeClr val="lt1"/>
-          </a:fontRef>
-        </p:style>
-        <p:txBody>
-          <a:bodyPr wrap="none" lIns="90000" tIns="46800" rIns="90000" bIns="46800" anchor="ctr"/>
-          <a:lstStyle/>
-          <a:p>
-            <a:pPr algn="ctr">
-              <a:lnSpc>
-                <a:spcPct val="100000"/>
-              </a:lnSpc>
-            </a:pPr>
-            <a:r>
-              <a:rPr lang="zh-CN" sz="1600" b="1" dirty="0">
+        </p:grpSpPr>
+        <p:sp>
+          <p:nvSpPr>
+            <p:cNvPr id="284" name="CustomShape 4"/>
+            <p:cNvSpPr/>
+            <p:nvPr/>
+          </p:nvSpPr>
+          <p:spPr>
+            <a:xfrm>
+              <a:off x="4269667" y="5537487"/>
+              <a:ext cx="3024360" cy="830520"/>
+            </a:xfrm>
+            <a:prstGeom prst="wedgeRoundRectCallout">
+              <a:avLst>
+                <a:gd name="adj1" fmla="val -20048"/>
+                <a:gd name="adj2" fmla="val -49030"/>
+                <a:gd name="adj3" fmla="val 16667"/>
+              </a:avLst>
+            </a:prstGeom>
+            <a:solidFill>
+              <a:srgbClr val="FFC000"/>
+            </a:solidFill>
+            <a:ln/>
+          </p:spPr>
+          <p:style>
+            <a:lnRef idx="3">
+              <a:schemeClr val="lt1"/>
+            </a:lnRef>
+            <a:fillRef idx="1">
+              <a:schemeClr val="accent6"/>
+            </a:fillRef>
+            <a:effectRef idx="1">
+              <a:schemeClr val="accent6"/>
+            </a:effectRef>
+            <a:fontRef idx="minor">
+              <a:schemeClr val="lt1"/>
+            </a:fontRef>
+          </p:style>
+          <p:txBody>
+            <a:bodyPr wrap="none" lIns="90000" tIns="46800" rIns="90000" bIns="46800" anchor="ctr"/>
+            <a:lstStyle/>
+            <a:p>
+              <a:pPr algn="ctr">
+                <a:lnSpc>
+                  <a:spcPct val="100000"/>
+                </a:lnSpc>
+              </a:pPr>
+              <a:r>
+                <a:rPr lang="zh-CN" sz="1600" b="1" dirty="0">
+                  <a:solidFill>
+                    <a:schemeClr val="tx1"/>
+                  </a:solidFill>
+                  <a:latin typeface="华文中宋"/>
+                  <a:ea typeface="华文中宋"/>
+                </a:rPr>
+                <a:t>把</a:t>
+              </a:r>
+              <a:r>
+                <a:rPr lang="en-US" sz="1600" b="1" dirty="0">
+                  <a:solidFill>
+                    <a:schemeClr val="tx1"/>
+                  </a:solidFill>
+                  <a:latin typeface="华文中宋"/>
+                  <a:ea typeface="华文中宋"/>
+                </a:rPr>
+                <a:t>shuffle</a:t>
+              </a:r>
+              <a:r>
+                <a:rPr lang="zh-CN" sz="1600" b="1" dirty="0">
+                  <a:solidFill>
+                    <a:schemeClr val="tx1"/>
+                  </a:solidFill>
+                  <a:latin typeface="华文中宋"/>
+                  <a:ea typeface="华文中宋"/>
+                </a:rPr>
+                <a:t>从</a:t>
+              </a:r>
+              <a:r>
+                <a:rPr lang="en-US" sz="1600" b="1" dirty="0">
+                  <a:solidFill>
+                    <a:schemeClr val="tx1"/>
+                  </a:solidFill>
+                  <a:latin typeface="华文中宋"/>
+                  <a:ea typeface="华文中宋"/>
+                </a:rPr>
+                <a:t>reduce</a:t>
+              </a:r>
+              <a:r>
+                <a:rPr lang="zh-CN" sz="1600" b="1" dirty="0">
+                  <a:solidFill>
+                    <a:schemeClr val="tx1"/>
+                  </a:solidFill>
+                  <a:latin typeface="华文中宋"/>
+                  <a:ea typeface="华文中宋"/>
+                </a:rPr>
+                <a:t>端抽</a:t>
+              </a:r>
+              <a:r>
+                <a:rPr lang="zh-CN" altLang="en-US" sz="1600" b="1" dirty="0">
+                  <a:solidFill>
+                    <a:schemeClr val="tx1"/>
+                  </a:solidFill>
+                  <a:latin typeface="华文中宋"/>
+                  <a:ea typeface="华文中宋"/>
+                </a:rPr>
+                <a:t>取</a:t>
+              </a:r>
+              <a:r>
+                <a:rPr lang="zh-CN" sz="1600" b="1" dirty="0">
+                  <a:solidFill>
+                    <a:schemeClr val="tx1"/>
+                  </a:solidFill>
+                  <a:latin typeface="华文中宋"/>
+                  <a:ea typeface="华文中宋"/>
+                </a:rPr>
+                <a:t>出来</a:t>
+              </a:r>
+              <a:endParaRPr dirty="0">
                 <a:solidFill>
                   <a:schemeClr val="tx1"/>
                 </a:solidFill>
-                <a:latin typeface="华文中宋"/>
-                <a:ea typeface="华文中宋"/>
-              </a:rPr>
-              <a:t>把</a:t>
-            </a:r>
-            <a:r>
-              <a:rPr lang="en-US" sz="1600" b="1" dirty="0">
+              </a:endParaRPr>
+            </a:p>
+            <a:p>
+              <a:pPr algn="ctr">
+                <a:lnSpc>
+                  <a:spcPct val="100000"/>
+                </a:lnSpc>
+              </a:pPr>
+              <a:r>
+                <a:rPr lang="en-US" altLang="zh-CN" sz="1600" b="1" dirty="0">
+                  <a:solidFill>
+                    <a:schemeClr val="tx1"/>
+                  </a:solidFill>
+                  <a:latin typeface="华文中宋"/>
+                  <a:ea typeface="华文中宋"/>
+                </a:rPr>
+                <a:t>Job</a:t>
+              </a:r>
+              <a:r>
+                <a:rPr lang="zh-CN" altLang="en-US" sz="1600" b="1" dirty="0">
+                  <a:solidFill>
+                    <a:schemeClr val="tx1"/>
+                  </a:solidFill>
+                  <a:latin typeface="华文中宋"/>
+                  <a:ea typeface="华文中宋"/>
+                </a:rPr>
+                <a:t>启动时，启动该后台进程</a:t>
+              </a:r>
+              <a:endParaRPr dirty="0">
                 <a:solidFill>
                   <a:schemeClr val="tx1"/>
                 </a:solidFill>
-                <a:latin typeface="华文中宋"/>
-                <a:ea typeface="华文中宋"/>
-              </a:rPr>
-              <a:t>shuffle</a:t>
-            </a:r>
-            <a:r>
-              <a:rPr lang="zh-CN" sz="1600" b="1" dirty="0">
-                <a:solidFill>
-                  <a:schemeClr val="tx1"/>
-                </a:solidFill>
-                <a:latin typeface="华文中宋"/>
-                <a:ea typeface="华文中宋"/>
-              </a:rPr>
-              <a:t>从</a:t>
-            </a:r>
-            <a:r>
-              <a:rPr lang="en-US" sz="1600" b="1" dirty="0">
-                <a:solidFill>
-                  <a:schemeClr val="tx1"/>
-                </a:solidFill>
-                <a:latin typeface="华文中宋"/>
-                <a:ea typeface="华文中宋"/>
-              </a:rPr>
-              <a:t>reduce</a:t>
-            </a:r>
-            <a:r>
-              <a:rPr lang="zh-CN" sz="1600" b="1" dirty="0">
-                <a:solidFill>
-                  <a:schemeClr val="tx1"/>
-                </a:solidFill>
-                <a:latin typeface="华文中宋"/>
-                <a:ea typeface="华文中宋"/>
-              </a:rPr>
-              <a:t>端抽象出来</a:t>
-            </a:r>
-            <a:endParaRPr dirty="0">
-              <a:solidFill>
-                <a:schemeClr val="tx1"/>
-              </a:solidFill>
-            </a:endParaRPr>
-          </a:p>
-          <a:p>
-            <a:pPr algn="ctr">
-              <a:lnSpc>
-                <a:spcPct val="100000"/>
-              </a:lnSpc>
-            </a:pPr>
-            <a:r>
-              <a:rPr lang="zh-CN" sz="1600" b="1" dirty="0">
-                <a:solidFill>
-                  <a:schemeClr val="tx1"/>
-                </a:solidFill>
-                <a:latin typeface="华文中宋"/>
-                <a:ea typeface="华文中宋"/>
-              </a:rPr>
-              <a:t>一个节点一个</a:t>
-            </a:r>
-            <a:r>
-              <a:rPr lang="en-US" sz="1600" b="1" dirty="0">
-                <a:solidFill>
-                  <a:schemeClr val="tx1"/>
-                </a:solidFill>
-                <a:latin typeface="华文中宋"/>
-                <a:ea typeface="华文中宋"/>
-              </a:rPr>
-              <a:t>shuffle service</a:t>
-            </a:r>
-            <a:endParaRPr dirty="0">
-              <a:solidFill>
-                <a:schemeClr val="tx1"/>
-              </a:solidFill>
-            </a:endParaRPr>
-          </a:p>
-        </p:txBody>
-      </p:sp>
-      <p:sp>
-        <p:nvSpPr>
-          <p:cNvPr id="2" name="下箭头 1"/>
-          <p:cNvSpPr/>
-          <p:nvPr/>
-        </p:nvSpPr>
-        <p:spPr>
-          <a:xfrm rot="19838543">
-            <a:off x="4759202" y="4767910"/>
-            <a:ext cx="298019" cy="744316"/>
-          </a:xfrm>
-          <a:prstGeom prst="downArrow">
-            <a:avLst>
-              <a:gd name="adj1" fmla="val 50000"/>
-              <a:gd name="adj2" fmla="val 57970"/>
-            </a:avLst>
-          </a:prstGeom>
-          <a:solidFill>
-            <a:srgbClr val="0070C0"/>
-          </a:solidFill>
-          <a:ln>
-            <a:noFill/>
-          </a:ln>
-        </p:spPr>
-        <p:style>
-          <a:lnRef idx="2">
-            <a:schemeClr val="accent1">
-              <a:shade val="50000"/>
-            </a:schemeClr>
-          </a:lnRef>
-          <a:fillRef idx="1">
-            <a:schemeClr val="accent1"/>
-          </a:fillRef>
-          <a:effectRef idx="0">
-            <a:schemeClr val="accent1"/>
-          </a:effectRef>
-          <a:fontRef idx="minor">
-            <a:schemeClr val="lt1"/>
-          </a:fontRef>
-        </p:style>
-        <p:txBody>
-          <a:bodyPr rtlCol="0" anchor="ctr"/>
-          <a:lstStyle/>
-          <a:p>
-            <a:pPr algn="ctr"/>
-            <a:endParaRPr lang="zh-CN" altLang="en-US"/>
-          </a:p>
-        </p:txBody>
-      </p:sp>
-      <p:sp>
-        <p:nvSpPr>
-          <p:cNvPr id="9" name="下箭头 8"/>
-          <p:cNvSpPr/>
-          <p:nvPr/>
-        </p:nvSpPr>
-        <p:spPr>
-          <a:xfrm rot="13640545">
-            <a:off x="6600197" y="4732257"/>
-            <a:ext cx="298019" cy="744316"/>
-          </a:xfrm>
-          <a:prstGeom prst="downArrow">
-            <a:avLst>
-              <a:gd name="adj1" fmla="val 50000"/>
-              <a:gd name="adj2" fmla="val 57970"/>
-            </a:avLst>
-          </a:prstGeom>
-          <a:solidFill>
-            <a:srgbClr val="0070C0"/>
-          </a:solidFill>
-          <a:ln>
-            <a:noFill/>
-          </a:ln>
-        </p:spPr>
-        <p:style>
-          <a:lnRef idx="2">
-            <a:schemeClr val="accent1">
-              <a:shade val="50000"/>
-            </a:schemeClr>
-          </a:lnRef>
-          <a:fillRef idx="1">
-            <a:schemeClr val="accent1"/>
-          </a:fillRef>
-          <a:effectRef idx="0">
-            <a:schemeClr val="accent1"/>
-          </a:effectRef>
-          <a:fontRef idx="minor">
-            <a:schemeClr val="lt1"/>
-          </a:fontRef>
-        </p:style>
-        <p:txBody>
-          <a:bodyPr rtlCol="0" anchor="ctr"/>
-          <a:lstStyle/>
-          <a:p>
-            <a:pPr algn="ctr"/>
-            <a:endParaRPr lang="zh-CN" altLang="en-US"/>
-          </a:p>
-        </p:txBody>
-      </p:sp>
+              </a:endParaRPr>
+            </a:p>
+          </p:txBody>
+        </p:sp>
+        <p:sp>
+          <p:nvSpPr>
+            <p:cNvPr id="2" name="下箭头 1"/>
+            <p:cNvSpPr/>
+            <p:nvPr/>
+          </p:nvSpPr>
+          <p:spPr>
+            <a:xfrm rot="19838543">
+              <a:off x="4759202" y="4767910"/>
+              <a:ext cx="298019" cy="744316"/>
+            </a:xfrm>
+            <a:prstGeom prst="downArrow">
+              <a:avLst>
+                <a:gd name="adj1" fmla="val 50000"/>
+                <a:gd name="adj2" fmla="val 57970"/>
+              </a:avLst>
+            </a:prstGeom>
+            <a:solidFill>
+              <a:srgbClr val="0070C0"/>
+            </a:solidFill>
+            <a:ln>
+              <a:noFill/>
+            </a:ln>
+          </p:spPr>
+          <p:style>
+            <a:lnRef idx="2">
+              <a:schemeClr val="accent1">
+                <a:shade val="50000"/>
+              </a:schemeClr>
+            </a:lnRef>
+            <a:fillRef idx="1">
+              <a:schemeClr val="accent1"/>
+            </a:fillRef>
+            <a:effectRef idx="0">
+              <a:schemeClr val="accent1"/>
+            </a:effectRef>
+            <a:fontRef idx="minor">
+              <a:schemeClr val="lt1"/>
+            </a:fontRef>
+          </p:style>
+          <p:txBody>
+            <a:bodyPr rtlCol="0" anchor="ctr"/>
+            <a:lstStyle/>
+            <a:p>
+              <a:pPr algn="ctr"/>
+              <a:endParaRPr lang="zh-CN" altLang="en-US"/>
+            </a:p>
+          </p:txBody>
+        </p:sp>
+        <p:sp>
+          <p:nvSpPr>
+            <p:cNvPr id="9" name="下箭头 8"/>
+            <p:cNvSpPr/>
+            <p:nvPr/>
+          </p:nvSpPr>
+          <p:spPr>
+            <a:xfrm rot="13640545">
+              <a:off x="6600197" y="4732257"/>
+              <a:ext cx="298019" cy="744316"/>
+            </a:xfrm>
+            <a:prstGeom prst="downArrow">
+              <a:avLst>
+                <a:gd name="adj1" fmla="val 50000"/>
+                <a:gd name="adj2" fmla="val 57970"/>
+              </a:avLst>
+            </a:prstGeom>
+            <a:solidFill>
+              <a:srgbClr val="0070C0"/>
+            </a:solidFill>
+            <a:ln>
+              <a:noFill/>
+            </a:ln>
+          </p:spPr>
+          <p:style>
+            <a:lnRef idx="2">
+              <a:schemeClr val="accent1">
+                <a:shade val="50000"/>
+              </a:schemeClr>
+            </a:lnRef>
+            <a:fillRef idx="1">
+              <a:schemeClr val="accent1"/>
+            </a:fillRef>
+            <a:effectRef idx="0">
+              <a:schemeClr val="accent1"/>
+            </a:effectRef>
+            <a:fontRef idx="minor">
+              <a:schemeClr val="lt1"/>
+            </a:fontRef>
+          </p:style>
+          <p:txBody>
+            <a:bodyPr rtlCol="0" anchor="ctr"/>
+            <a:lstStyle/>
+            <a:p>
+              <a:pPr algn="ctr"/>
+              <a:endParaRPr lang="zh-CN" altLang="en-US"/>
+            </a:p>
+          </p:txBody>
+        </p:sp>
+      </p:grpSp>
     </p:spTree>
   </p:cSld>
   <p:clrMapOvr>
@@ -29381,7 +29766,7 @@
       <p:par>
         <p:cTn id="1" dur="indefinite" restart="never" nodeType="tmRoot">
           <p:childTnLst>
-            <p:seq>
+            <p:seq concurrent="1" nextAc="seek">
               <p:cTn id="2" dur="indefinite" nodeType="mainSeq">
                 <p:childTnLst>
                   <p:par>
@@ -29397,7 +29782,7 @@
                             </p:stCondLst>
                             <p:childTnLst>
                               <p:par>
-                                <p:cTn id="5" presetID="16" presetClass="entr" presetSubtype="21" fill="hold" nodeType="clickEffect">
+                                <p:cTn id="5" presetID="2" presetClass="entr" presetSubtype="4" fill="hold" nodeType="clickEffect">
                                   <p:stCondLst>
                                     <p:cond delay="0"/>
                                   </p:stCondLst>
@@ -29410,7 +29795,7 @@
                                           </p:stCondLst>
                                         </p:cTn>
                                         <p:tgtEl>
-                                          <p:spTgt spid="284"/>
+                                          <p:spTgt spid="3"/>
                                         </p:tgtEl>
                                         <p:attrNameLst>
                                           <p:attrName>style.visibility</p:attrName>
@@ -29420,14 +29805,52 @@
                                         <p:strVal val="visible"/>
                                       </p:to>
                                     </p:set>
-                                    <p:animEffect transition="out" filter="barn(inVertical)">
-                                      <p:cBhvr additive="repl">
-                                        <p:cTn id="7" dur="500"/>
+                                    <p:anim calcmode="lin" valueType="num">
+                                      <p:cBhvr additive="base">
+                                        <p:cTn id="7" dur="500" fill="hold"/>
                                         <p:tgtEl>
-                                          <p:spTgt spid="284"/>
+                                          <p:spTgt spid="3"/>
                                         </p:tgtEl>
+                                        <p:attrNameLst>
+                                          <p:attrName>ppt_x</p:attrName>
+                                        </p:attrNameLst>
                                       </p:cBhvr>
-                                    </p:animEffect>
+                                      <p:tavLst>
+                                        <p:tav tm="0">
+                                          <p:val>
+                                            <p:strVal val="#ppt_x"/>
+                                          </p:val>
+                                        </p:tav>
+                                        <p:tav tm="100000">
+                                          <p:val>
+                                            <p:strVal val="#ppt_x"/>
+                                          </p:val>
+                                        </p:tav>
+                                      </p:tavLst>
+                                    </p:anim>
+                                    <p:anim calcmode="lin" valueType="num">
+                                      <p:cBhvr additive="base">
+                                        <p:cTn id="8" dur="500" fill="hold"/>
+                                        <p:tgtEl>
+                                          <p:spTgt spid="3"/>
+                                        </p:tgtEl>
+                                        <p:attrNameLst>
+                                          <p:attrName>ppt_y</p:attrName>
+                                        </p:attrNameLst>
+                                      </p:cBhvr>
+                                      <p:tavLst>
+                                        <p:tav tm="0">
+                                          <p:val>
+                                            <p:strVal val="1+#ppt_h/2"/>
+                                          </p:val>
+                                        </p:tav>
+                                        <p:tav tm="100000">
+                                          <p:val>
+                                            <p:strVal val="#ppt_y"/>
+                                          </p:val>
+                                        </p:tav>
+                                      </p:tavLst>
+                                    </p:anim>
                                   </p:childTnLst>
                                 </p:cTn>
                               </p:par>
@@ -29487,8 +29910,8 @@
         </p:nvSpPr>
         <p:spPr>
           <a:xfrm>
-            <a:off x="1042920" y="404280"/>
-            <a:ext cx="5616720" cy="576360"/>
+            <a:off x="1042919" y="285530"/>
+            <a:ext cx="5939771" cy="576360"/>
           </a:xfrm>
           <a:prstGeom prst="rect">
             <a:avLst/>
@@ -29508,20 +29931,76 @@
               </a:lnSpc>
             </a:pPr>
             <a:r>
-              <a:rPr lang="en-US" sz="3200">
+              <a:rPr lang="zh-CN" altLang="en-US" sz="2400" b="1" dirty="0">
+                <a:solidFill>
+                  <a:srgbClr val="000000"/>
+                </a:solidFill>
                 <a:latin typeface="华文中宋"/>
                 <a:ea typeface="华文中宋"/>
               </a:rPr>
-              <a:t>YARN——Shuffle</a:t>
-            </a:r>
-            <a:r>
-              <a:rPr lang="zh-CN" sz="3200">
+              <a:t>基于</a:t>
+            </a:r>
+            <a:r>
+              <a:rPr lang="en-US" altLang="zh-CN" sz="2400" b="1" dirty="0">
+                <a:solidFill>
+                  <a:srgbClr val="000000"/>
+                </a:solidFill>
                 <a:latin typeface="华文中宋"/>
                 <a:ea typeface="华文中宋"/>
               </a:rPr>
-              <a:t>改进</a:t>
-            </a:r>
-            <a:endParaRPr/>
+              <a:t>RDMA</a:t>
+            </a:r>
+            <a:r>
+              <a:rPr lang="zh-CN" altLang="en-US" sz="2400" b="1" dirty="0">
+                <a:solidFill>
+                  <a:srgbClr val="000000"/>
+                </a:solidFill>
+                <a:latin typeface="华文中宋"/>
+                <a:ea typeface="华文中宋"/>
+              </a:rPr>
+              <a:t>的</a:t>
+            </a:r>
+            <a:r>
+              <a:rPr lang="en-US" altLang="zh-CN" sz="2400" b="1" dirty="0">
+                <a:solidFill>
+                  <a:srgbClr val="000000"/>
+                </a:solidFill>
+                <a:latin typeface="华文中宋"/>
+                <a:ea typeface="华文中宋"/>
+              </a:rPr>
+              <a:t>YARN</a:t>
+            </a:r>
+            <a:r>
+              <a:rPr lang="zh-CN" altLang="en-US" sz="2400" b="1" dirty="0">
+                <a:solidFill>
+                  <a:srgbClr val="000000"/>
+                </a:solidFill>
+                <a:latin typeface="华文中宋"/>
+                <a:ea typeface="华文中宋"/>
+              </a:rPr>
+              <a:t>平台</a:t>
+            </a:r>
+            <a:r>
+              <a:rPr lang="en-US" altLang="zh-CN" sz="2400" b="1" dirty="0">
+                <a:solidFill>
+                  <a:srgbClr val="000000"/>
+                </a:solidFill>
+                <a:latin typeface="华文中宋"/>
+                <a:ea typeface="华文中宋"/>
+              </a:rPr>
+              <a:t>Shuffle</a:t>
+            </a:r>
+            <a:r>
+              <a:rPr lang="zh-CN" altLang="en-US" sz="2400" b="1" dirty="0">
+                <a:solidFill>
+                  <a:srgbClr val="000000"/>
+                </a:solidFill>
+                <a:latin typeface="华文中宋"/>
+                <a:ea typeface="华文中宋"/>
+              </a:rPr>
+              <a:t>算法改进</a:t>
+            </a:r>
+            <a:endParaRPr lang="zh-CN" altLang="en-US" sz="2400" dirty="0"/>
           </a:p>
         </p:txBody>
       </p:sp>
@@ -29646,7 +30125,7 @@
         </p:nvSpPr>
         <p:spPr>
           <a:xfrm>
-            <a:off x="6079958" y="1626919"/>
+            <a:off x="5747453" y="1626919"/>
             <a:ext cx="1871640" cy="517741"/>
           </a:xfrm>
           <a:prstGeom prst="wedgeRoundRectCallout">
@@ -29842,6 +30321,28 @@
           </a:p>
         </p:txBody>
       </p:sp>
+      <p:pic>
+        <p:nvPicPr>
+          <p:cNvPr id="10" name="图片 9"/>
+          <p:cNvPicPr/>
+          <p:nvPr/>
+        </p:nvPicPr>
+        <p:blipFill>
+          <a:blip r:embed="rId4"/>
+          <a:stretch>
+            <a:fillRect/>
+          </a:stretch>
+        </p:blipFill>
+        <p:spPr>
+          <a:xfrm>
+            <a:off x="4303693" y="1773410"/>
+            <a:ext cx="4624307" cy="4021748"/>
+          </a:xfrm>
+          <a:prstGeom prst="rect">
+            <a:avLst/>
+          </a:prstGeom>
+        </p:spPr>
+      </p:pic>
     </p:spTree>
   </p:cSld>
   <p:clrMapOvr>
@@ -29852,7 +30353,7 @@
       <p:par>
         <p:cTn id="1" dur="indefinite" restart="never" nodeType="tmRoot">
           <p:childTnLst>
-            <p:seq>
+            <p:seq concurrent="1" nextAc="seek">
               <p:cTn id="2" dur="indefinite" nodeType="mainSeq">
                 <p:childTnLst>
                   <p:par>
@@ -29868,7 +30369,7 @@
                             </p:stCondLst>
                             <p:childTnLst>
                               <p:par>
-                                <p:cTn id="5" presetID="16" presetClass="entr" presetSubtype="21" fill="hold" nodeType="clickEffect">
+                                <p:cTn id="5" presetID="2" presetClass="entr" presetSubtype="4" fill="hold" grpId="0" nodeType="clickEffect">
                                   <p:stCondLst>
                                     <p:cond delay="0"/>
                                   </p:stCondLst>
@@ -29876,6 +30377,232 @@
                                     <p:set>
                                       <p:cBhvr>
                                         <p:cTn id="6" dur="1" fill="hold">
+                                          <p:stCondLst>
+                                            <p:cond delay="0"/>
+                                          </p:stCondLst>
+                                        </p:cTn>
+                                        <p:tgtEl>
+                                          <p:spTgt spid="9"/>
+                                        </p:tgtEl>
+                                        <p:attrNameLst>
+                                          <p:attrName>style.visibility</p:attrName>
+                                        </p:attrNameLst>
+                                      </p:cBhvr>
+                                      <p:to>
+                                        <p:strVal val="visible"/>
+                                      </p:to>
+                                    </p:set>
+                                    <p:anim calcmode="lin" valueType="num">
+                                      <p:cBhvr additive="base">
+                                        <p:cTn id="7" dur="500" fill="hold"/>
+                                        <p:tgtEl>
+                                          <p:spTgt spid="9"/>
+                                        </p:tgtEl>
+                                        <p:attrNameLst>
+                                          <p:attrName>ppt_x</p:attrName>
+                                        </p:attrNameLst>
+                                      </p:cBhvr>
+                                      <p:tavLst>
+                                        <p:tav tm="0">
+                                          <p:val>
+                                            <p:strVal val="#ppt_x"/>
+                                          </p:val>
+                                        </p:tav>
+                                        <p:tav tm="100000">
+                                          <p:val>
+                                            <p:strVal val="#ppt_x"/>
+                                          </p:val>
+                                        </p:tav>
+                                      </p:tavLst>
+                                    </p:anim>
+                                    <p:anim calcmode="lin" valueType="num">
+                                      <p:cBhvr additive="base">
+                                        <p:cTn id="8" dur="500" fill="hold"/>
+                                        <p:tgtEl>
+                                          <p:spTgt spid="9"/>
+                                        </p:tgtEl>
+                                        <p:attrNameLst>
+                                          <p:attrName>ppt_y</p:attrName>
+                                        </p:attrNameLst>
+                                      </p:cBhvr>
+                                      <p:tavLst>
+                                        <p:tav tm="0">
+                                          <p:val>
+                                            <p:strVal val="1+#ppt_h/2"/>
+                                          </p:val>
+                                        </p:tav>
+                                        <p:tav tm="100000">
+                                          <p:val>
+                                            <p:strVal val="#ppt_y"/>
+                                          </p:val>
+                                        </p:tav>
+                                      </p:tavLst>
+                                    </p:anim>
+                                  </p:childTnLst>
+                                </p:cTn>
+                              </p:par>
+                            </p:childTnLst>
+                          </p:cTn>
+                        </p:par>
+                      </p:childTnLst>
+                    </p:cTn>
+                  </p:par>
+                  <p:par>
+                    <p:cTn id="9" fill="hold">
+                      <p:stCondLst>
+                        <p:cond delay="indefinite"/>
+                      </p:stCondLst>
+                      <p:childTnLst>
+                        <p:par>
+                          <p:cTn id="10" fill="hold">
+                            <p:stCondLst>
+                              <p:cond delay="0"/>
+                            </p:stCondLst>
+                            <p:childTnLst>
+                              <p:par>
+                                <p:cTn id="11" presetID="16" presetClass="entr" presetSubtype="21" fill="hold" nodeType="clickEffect">
+                                  <p:stCondLst>
+                                    <p:cond delay="0"/>
+                                  </p:stCondLst>
+                                  <p:childTnLst>
+                                    <p:set>
+                                      <p:cBhvr>
+                                        <p:cTn id="12" dur="1" fill="hold">
+                                          <p:stCondLst>
+                                            <p:cond delay="0"/>
+                                          </p:stCondLst>
+                                        </p:cTn>
+                                        <p:tgtEl>
+                                          <p:spTgt spid="10"/>
+                                        </p:tgtEl>
+                                        <p:attrNameLst>
+                                          <p:attrName>style.visibility</p:attrName>
+                                        </p:attrNameLst>
+                                      </p:cBhvr>
+                                      <p:to>
+                                        <p:strVal val="visible"/>
+                                      </p:to>
+                                    </p:set>
+                                    <p:animEffect transition="in" filter="barn(inVertical)">
+                                      <p:cBhvr>
+                                        <p:cTn id="13" dur="500"/>
+                                        <p:tgtEl>
+                                          <p:spTgt spid="10"/>
+                                        </p:tgtEl>
+                                      </p:cBhvr>
+                                    </p:animEffect>
+                                  </p:childTnLst>
+                                </p:cTn>
+                              </p:par>
+                            </p:childTnLst>
+                          </p:cTn>
+                        </p:par>
+                      </p:childTnLst>
+                    </p:cTn>
+                  </p:par>
+                  <p:par>
+                    <p:cTn id="14" fill="hold">
+                      <p:stCondLst>
+                        <p:cond delay="indefinite"/>
+                      </p:stCondLst>
+                      <p:childTnLst>
+                        <p:par>
+                          <p:cTn id="15" fill="hold">
+                            <p:stCondLst>
+                              <p:cond delay="0"/>
+                            </p:stCondLst>
+                            <p:childTnLst>
+                              <p:par>
+                                <p:cTn id="16" presetID="2" presetClass="exit" presetSubtype="4" fill="hold" nodeType="clickEffect">
+                                  <p:stCondLst>
+                                    <p:cond delay="0"/>
+                                  </p:stCondLst>
+                                  <p:childTnLst>
+                                    <p:anim calcmode="lin" valueType="num">
+                                      <p:cBhvr additive="base">
+                                        <p:cTn id="17" dur="500"/>
+                                        <p:tgtEl>
+                                          <p:spTgt spid="10"/>
+                                        </p:tgtEl>
+                                        <p:attrNameLst>
+                                          <p:attrName>ppt_x</p:attrName>
+                                        </p:attrNameLst>
+                                      </p:cBhvr>
+                                      <p:tavLst>
+                                        <p:tav tm="0">
+                                          <p:val>
+                                            <p:strVal val="ppt_x"/>
+                                          </p:val>
+                                        </p:tav>
+                                        <p:tav tm="100000">
+                                          <p:val>
+                                            <p:strVal val="ppt_x"/>
+                                          </p:val>
+                                        </p:tav>
+                                      </p:tavLst>
+                                    </p:anim>
+                                    <p:anim calcmode="lin" valueType="num">
+                                      <p:cBhvr additive="base">
+                                        <p:cTn id="18" dur="500"/>
+                                        <p:tgtEl>
+                                          <p:spTgt spid="10"/>
+                                        </p:tgtEl>
+                                        <p:attrNameLst>
+                                          <p:attrName>ppt_y</p:attrName>
+                                        </p:attrNameLst>
+                                      </p:cBhvr>
+                                      <p:tavLst>
+                                        <p:tav tm="0">
+                                          <p:val>
+                                            <p:strVal val="ppt_y"/>
+                                          </p:val>
+                                        </p:tav>
+                                        <p:tav tm="100000">
+                                          <p:val>
+                                            <p:strVal val="1+ppt_h/2"/>
+                                          </p:val>
+                                        </p:tav>
+                                      </p:tavLst>
+                                    </p:anim>
+                                    <p:set>
+                                      <p:cBhvr>
+                                        <p:cTn id="19" dur="1" fill="hold">
+                                          <p:stCondLst>
+                                            <p:cond delay="499"/>
+                                          </p:stCondLst>
+                                        </p:cTn>
+                                        <p:tgtEl>
+                                          <p:spTgt spid="10"/>
+                                        </p:tgtEl>
+                                        <p:attrNameLst>
+                                          <p:attrName>style.visibility</p:attrName>
+                                        </p:attrNameLst>
+                                      </p:cBhvr>
+                                      <p:to>
+                                        <p:strVal val="hidden"/>
+                                      </p:to>
+                                    </p:set>
+                                  </p:childTnLst>
+                                </p:cTn>
+                              </p:par>
+                            </p:childTnLst>
+                          </p:cTn>
+                        </p:par>
+                        <p:par>
+                          <p:cTn id="20" fill="hold">
+                            <p:stCondLst>
+                              <p:cond delay="500"/>
+                            </p:stCondLst>
+                            <p:childTnLst>
+                              <p:par>
+                                <p:cTn id="21" presetID="22" presetClass="entr" presetSubtype="4" fill="hold" grpId="0" nodeType="afterEffect">
+                                  <p:stCondLst>
+                                    <p:cond delay="0"/>
+                                  </p:stCondLst>
+                                  <p:childTnLst>
+                                    <p:set>
+                                      <p:cBhvr>
+                                        <p:cTn id="22" dur="1" fill="hold">
                                           <p:stCondLst>
                                             <p:cond delay="0"/>
                                           </p:stCondLst>
@@ -29891,9 +30618,9 @@
                                         <p:strVal val="visible"/>
                                       </p:to>
                                     </p:set>
-                                    <p:animEffect transition="out" filter="barn(inVertical)">
-                                      <p:cBhvr additive="repl">
-                                        <p:cTn id="7" dur="500"/>
+                                    <p:animEffect transition="in" filter="wipe(down)">
+                                      <p:cBhvr>
+                                        <p:cTn id="23" dur="500"/>
                                         <p:tgtEl>
                                           <p:spTgt spid="288"/>
                                         </p:tgtEl>
@@ -29909,26 +30636,26 @@
                     </p:cTn>
                   </p:par>
                   <p:par>
-                    <p:cTn id="8" fill="hold">
+                    <p:cTn id="24" fill="hold">
                       <p:stCondLst>
                         <p:cond delay="indefinite"/>
                       </p:stCondLst>
                       <p:childTnLst>
                         <p:par>
-                          <p:cTn id="9" fill="hold">
+                          <p:cTn id="25" fill="hold">
                             <p:stCondLst>
                               <p:cond delay="0"/>
                             </p:stCondLst>
                             <p:childTnLst>
                               <p:par>
-                                <p:cTn id="10" presetID="22" presetClass="entr" presetSubtype="4" fill="hold" nodeType="clickEffect">
+                                <p:cTn id="26" presetID="2" presetClass="entr" presetSubtype="4" fill="hold" nodeType="clickEffect">
                                   <p:stCondLst>
                                     <p:cond delay="0"/>
                                   </p:stCondLst>
                                   <p:childTnLst>
                                     <p:set>
                                       <p:cBhvr>
-                                        <p:cTn id="11" dur="1" fill="hold">
+                                        <p:cTn id="27" dur="1" fill="hold">
                                           <p:stCondLst>
                                             <p:cond delay="0"/>
                                           </p:stCondLst>
@@ -29944,67 +30671,52 @@
                                         <p:strVal val="visible"/>
                                       </p:to>
                                     </p:set>
-                                    <p:animEffect transition="out" filter="wipe(down)">
-                                      <p:cBhvr additive="repl">
-                                        <p:cTn id="12" dur="500"/>
+                                    <p:anim calcmode="lin" valueType="num">
+                                      <p:cBhvr additive="base">
+                                        <p:cTn id="28" dur="500" fill="hold"/>
                                         <p:tgtEl>
                                           <p:spTgt spid="290"/>
                                         </p:tgtEl>
+                                        <p:attrNameLst>
+                                          <p:attrName>ppt_x</p:attrName>
+                                        </p:attrNameLst>
                                       </p:cBhvr>
-                                    </p:animEffect>
-                                  </p:childTnLst>
-                                </p:cTn>
-                              </p:par>
-                            </p:childTnLst>
-                          </p:cTn>
-                        </p:par>
-                      </p:childTnLst>
-                    </p:cTn>
-                  </p:par>
-                  <p:par>
-                    <p:cTn id="13" fill="hold">
-                      <p:stCondLst>
-                        <p:cond delay="indefinite"/>
-                      </p:stCondLst>
-                      <p:childTnLst>
-                        <p:par>
-                          <p:cTn id="14" fill="hold">
-                            <p:stCondLst>
-                              <p:cond delay="0"/>
-                            </p:stCondLst>
-                            <p:childTnLst>
-                              <p:par>
-                                <p:cTn id="15" presetID="16" presetClass="entr" presetSubtype="21" fill="hold" nodeType="clickEffect">
-                                  <p:stCondLst>
-                                    <p:cond delay="0"/>
-                                  </p:stCondLst>
-                                  <p:childTnLst>
-                                    <p:set>
-                                      <p:cBhvr>
-                                        <p:cTn id="16" dur="1" fill="hold">
-                                          <p:stCondLst>
-                                            <p:cond delay="0"/>
-                                          </p:stCondLst>
-                                        </p:cTn>
+                                      <p:tavLst>
+                                        <p:tav tm="0">
+                                          <p:val>
+                                            <p:strVal val="#ppt_x"/>
+                                          </p:val>
+                                        </p:tav>
+                                        <p:tav tm="100000">
+                                          <p:val>
+                                            <p:strVal val="#ppt_x"/>
+                                          </p:val>
+                                        </p:tav>
+                                      </p:tavLst>
+                                    </p:anim>
+                                    <p:anim calcmode="lin" valueType="num">
+                                      <p:cBhvr additive="base">
+                                        <p:cTn id="29" dur="500" fill="hold"/>
                                         <p:tgtEl>
-                                          <p:spTgt spid="9"/>
+                                          <p:spTgt spid="290"/>
                                         </p:tgtEl>
                                         <p:attrNameLst>
-                                          <p:attrName>style.visibility</p:attrName>
+                                          <p:attrName>ppt_y</p:attrName>
                                         </p:attrNameLst>
                                       </p:cBhvr>
-                                      <p:to>
-                                        <p:strVal val="visible"/>
-                                      </p:to>
-                                    </p:set>
-                                    <p:animEffect transition="out" filter="barn(inVertical)">
-                                      <p:cBhvr additive="repl">
-                                        <p:cTn id="17" dur="500"/>
-                                        <p:tgtEl>
-                                          <p:spTgt spid="9"/>
-                                        </p:tgtEl>
-                                      </p:cBhvr>
-                                    </p:animEffect>
+                                      <p:tavLst>
+                                        <p:tav tm="0">
+                                          <p:val>
+                                            <p:strVal val="1+#ppt_h/2"/>
+                                          </p:val>
+                                        </p:tav>
+                                        <p:tav tm="100000">
+                                          <p:val>
+                                            <p:strVal val="#ppt_y"/>
+                                          </p:val>
+                                        </p:tav>
+                                      </p:tavLst>
+                                    </p:anim>
                                   </p:childTnLst>
                                 </p:cTn>
                               </p:par>
@@ -30035,6 +30747,10 @@
         </p:cTn>
       </p:par>
     </p:tnLst>
+    <p:bldLst>
+      <p:bldP spid="288" grpId="0" animBg="1"/>
+      <p:bldP spid="9" grpId="0" animBg="1"/>
+    </p:bldLst>
   </p:timing>
 </p:sld>
 </file>
@@ -30085,20 +30801,41 @@
               </a:lnSpc>
             </a:pPr>
             <a:r>
-              <a:rPr lang="en-US" sz="3200">
+              <a:rPr lang="en-US" sz="3200" b="1" dirty="0">
                 <a:latin typeface="华文中宋"/>
                 <a:ea typeface="华文中宋"/>
               </a:rPr>
-              <a:t>YARN——Shuffle</a:t>
-            </a:r>
-            <a:r>
-              <a:rPr lang="zh-CN" sz="3200">
+              <a:t>Shuffle</a:t>
+            </a:r>
+            <a:r>
+              <a:rPr lang="zh-CN" sz="3200" b="1" dirty="0">
                 <a:latin typeface="华文中宋"/>
                 <a:ea typeface="华文中宋"/>
               </a:rPr>
-              <a:t>改进实验</a:t>
-            </a:r>
-            <a:endParaRPr/>
+              <a:t>改</a:t>
+            </a:r>
+            <a:r>
+              <a:rPr lang="zh-CN" altLang="en-US" sz="3200" b="1" dirty="0">
+                <a:latin typeface="华文中宋"/>
+                <a:ea typeface="华文中宋"/>
+              </a:rPr>
+              <a:t>进</a:t>
+            </a:r>
+            <a:r>
+              <a:rPr lang="zh-CN" sz="3200" b="1" dirty="0">
+                <a:latin typeface="华文中宋"/>
+                <a:ea typeface="华文中宋"/>
+              </a:rPr>
+              <a:t>实验</a:t>
+            </a:r>
+            <a:r>
+              <a:rPr lang="zh-CN" altLang="en-US" sz="3200" b="1" dirty="0">
+                <a:latin typeface="华文中宋"/>
+                <a:ea typeface="华文中宋"/>
+              </a:rPr>
+              <a:t>结果</a:t>
+            </a:r>
+            <a:endParaRPr b="1" dirty="0"/>
           </a:p>
         </p:txBody>
       </p:sp>
@@ -31456,11 +32193,276 @@
           </a:graphicData>
         </a:graphic>
       </p:graphicFrame>
+      <p:sp>
+        <p:nvSpPr>
+          <p:cNvPr id="3" name="圆角矩形标注 2"/>
+          <p:cNvSpPr/>
+          <p:nvPr/>
+        </p:nvSpPr>
+        <p:spPr>
+          <a:xfrm>
+            <a:off x="1325781" y="4160328"/>
+            <a:ext cx="2030681" cy="637032"/>
+          </a:xfrm>
+          <a:prstGeom prst="wedgeRoundRectCallout">
+            <a:avLst/>
+          </a:prstGeom>
+          <a:solidFill>
+            <a:srgbClr val="00B050"/>
+          </a:solidFill>
+        </p:spPr>
+        <p:style>
+          <a:lnRef idx="3">
+            <a:schemeClr val="lt1"/>
+          </a:lnRef>
+          <a:fillRef idx="1">
+            <a:schemeClr val="accent6"/>
+          </a:fillRef>
+          <a:effectRef idx="1">
+            <a:schemeClr val="accent6"/>
+          </a:effectRef>
+          <a:fontRef idx="minor">
+            <a:schemeClr val="lt1"/>
+          </a:fontRef>
+        </p:style>
+        <p:txBody>
+          <a:bodyPr rtlCol="0" anchor="ctr"/>
+          <a:lstStyle/>
+          <a:p>
+            <a:pPr algn="ctr"/>
+            <a:r>
+              <a:rPr lang="zh-CN" altLang="en-US" sz="2000" b="1" dirty="0">
+                <a:solidFill>
+                  <a:schemeClr val="tx1"/>
+                </a:solidFill>
+              </a:rPr>
+              <a:t>平均提高</a:t>
+            </a:r>
+            <a:r>
+              <a:rPr lang="en-US" altLang="zh-CN" sz="2000" b="1" dirty="0">
+                <a:solidFill>
+                  <a:schemeClr val="tx1"/>
+                </a:solidFill>
+              </a:rPr>
+              <a:t>44%</a:t>
+            </a:r>
+            <a:endParaRPr lang="zh-CN" altLang="en-US" sz="2000" b="1" dirty="0">
+              <a:solidFill>
+                <a:schemeClr val="tx1"/>
+              </a:solidFill>
+            </a:endParaRPr>
+          </a:p>
+        </p:txBody>
+      </p:sp>
+      <p:sp>
+        <p:nvSpPr>
+          <p:cNvPr id="12" name="圆角矩形标注 11"/>
+          <p:cNvSpPr/>
+          <p:nvPr/>
+        </p:nvSpPr>
+        <p:spPr>
+          <a:xfrm>
+            <a:off x="6153458" y="2024359"/>
+            <a:ext cx="2030681" cy="637032"/>
+          </a:xfrm>
+          <a:prstGeom prst="wedgeRoundRectCallout">
+            <a:avLst/>
+          </a:prstGeom>
+          <a:solidFill>
+            <a:srgbClr val="00B050"/>
+          </a:solidFill>
+        </p:spPr>
+        <p:style>
+          <a:lnRef idx="3">
+            <a:schemeClr val="lt1"/>
+          </a:lnRef>
+          <a:fillRef idx="1">
+            <a:schemeClr val="accent6"/>
+          </a:fillRef>
+          <a:effectRef idx="1">
+            <a:schemeClr val="accent6"/>
+          </a:effectRef>
+          <a:fontRef idx="minor">
+            <a:schemeClr val="lt1"/>
+          </a:fontRef>
+        </p:style>
+        <p:txBody>
+          <a:bodyPr rtlCol="0" anchor="ctr"/>
+          <a:lstStyle/>
+          <a:p>
+            <a:pPr algn="ctr"/>
+            <a:r>
+              <a:rPr lang="zh-CN" altLang="en-US" sz="2000" b="1" dirty="0">
+                <a:solidFill>
+                  <a:schemeClr val="tx1"/>
+                </a:solidFill>
+              </a:rPr>
+              <a:t>平均提高</a:t>
+            </a:r>
+            <a:r>
+              <a:rPr lang="en-US" altLang="zh-CN" sz="2000" b="1" dirty="0">
+                <a:solidFill>
+                  <a:schemeClr val="tx1"/>
+                </a:solidFill>
+              </a:rPr>
+              <a:t>2</a:t>
+            </a:r>
+            <a:r>
+              <a:rPr lang="zh-CN" altLang="en-US" sz="2000" b="1" dirty="0">
+                <a:solidFill>
+                  <a:schemeClr val="tx1"/>
+                </a:solidFill>
+              </a:rPr>
+              <a:t>倍</a:t>
+            </a:r>
+          </a:p>
+        </p:txBody>
+      </p:sp>
     </p:spTree>
   </p:cSld>
   <p:clrMapOvr>
     <a:masterClrMapping/>
   </p:clrMapOvr>
+  <p:timing>
+    <p:tnLst>
+      <p:par>
+        <p:cTn id="1" dur="indefinite" restart="never" nodeType="tmRoot">
+          <p:childTnLst>
+            <p:seq concurrent="1" nextAc="seek">
+              <p:cTn id="2" dur="indefinite" nodeType="mainSeq">
+                <p:childTnLst>
+                  <p:par>
+                    <p:cTn id="3" fill="hold">
+                      <p:stCondLst>
+                        <p:cond delay="indefinite"/>
+                      </p:stCondLst>
+                      <p:childTnLst>
+                        <p:par>
+                          <p:cTn id="4" fill="hold">
+                            <p:stCondLst>
+                              <p:cond delay="0"/>
+                            </p:stCondLst>
+                            <p:childTnLst>
+                              <p:par>
+                                <p:cTn id="5" presetID="6" presetClass="entr" presetSubtype="16" fill="hold" grpId="0" nodeType="clickEffect">
+                                  <p:stCondLst>
+                                    <p:cond delay="0"/>
+                                  </p:stCondLst>
+                                  <p:childTnLst>
+                                    <p:set>
+                                      <p:cBhvr>
+                                        <p:cTn id="6" dur="1" fill="hold">
+                                          <p:stCondLst>
+                                            <p:cond delay="0"/>
+                                          </p:stCondLst>
+                                        </p:cTn>
+                                        <p:tgtEl>
+                                          <p:spTgt spid="3"/>
+                                        </p:tgtEl>
+                                        <p:attrNameLst>
+                                          <p:attrName>style.visibility</p:attrName>
+                                        </p:attrNameLst>
+                                      </p:cBhvr>
+                                      <p:to>
+                                        <p:strVal val="visible"/>
+                                      </p:to>
+                                    </p:set>
+                                    <p:animEffect transition="in" filter="circle(in)">
+                                      <p:cBhvr>
+                                        <p:cTn id="7" dur="2000"/>
+                                        <p:tgtEl>
+                                          <p:spTgt spid="3"/>
+                                        </p:tgtEl>
+                                      </p:cBhvr>
+                                    </p:animEffect>
+                                  </p:childTnLst>
+                                </p:cTn>
+                              </p:par>
+                            </p:childTnLst>
+                          </p:cTn>
+                        </p:par>
+                      </p:childTnLst>
+                    </p:cTn>
+                  </p:par>
+                  <p:par>
+                    <p:cTn id="8" fill="hold">
+                      <p:stCondLst>
+                        <p:cond delay="indefinite"/>
+                      </p:stCondLst>
+                      <p:childTnLst>
+                        <p:par>
+                          <p:cTn id="9" fill="hold">
+                            <p:stCondLst>
+                              <p:cond delay="0"/>
+                            </p:stCondLst>
+                            <p:childTnLst>
+                              <p:par>
+                                <p:cTn id="10" presetID="22" presetClass="entr" presetSubtype="4" fill="hold" grpId="0" nodeType="clickEffect">
+                                  <p:stCondLst>
+                                    <p:cond delay="0"/>
+                                  </p:stCondLst>
+                                  <p:childTnLst>
+                                    <p:set>
+                                      <p:cBhvr>
+                                        <p:cTn id="11" dur="1" fill="hold">
+                                          <p:stCondLst>
+                                            <p:cond delay="0"/>
+                                          </p:stCondLst>
+                                        </p:cTn>
+                                        <p:tgtEl>
+                                          <p:spTgt spid="12"/>
+                                        </p:tgtEl>
+                                        <p:attrNameLst>
+                                          <p:attrName>style.visibility</p:attrName>
+                                        </p:attrNameLst>
+                                      </p:cBhvr>
+                                      <p:to>
+                                        <p:strVal val="visible"/>
+                                      </p:to>
+                                    </p:set>
+                                    <p:animEffect transition="in" filter="wipe(down)">
+                                      <p:cBhvr>
+                                        <p:cTn id="12" dur="500"/>
+                                        <p:tgtEl>
+                                          <p:spTgt spid="12"/>
+                                        </p:tgtEl>
+                                      </p:cBhvr>
+                                    </p:animEffect>
+                                  </p:childTnLst>
+                                </p:cTn>
+                              </p:par>
+                            </p:childTnLst>
+                          </p:cTn>
+                        </p:par>
+                      </p:childTnLst>
+                    </p:cTn>
+                  </p:par>
+                </p:childTnLst>
+              </p:cTn>
+              <p:prevCondLst>
+                <p:cond evt="onPrev" delay="0">
+                  <p:tgtEl>
+                    <p:sldTgt/>
+                  </p:tgtEl>
+                </p:cond>
+              </p:prevCondLst>
+              <p:nextCondLst>
+                <p:cond evt="onNext" delay="0">
+                  <p:tgtEl>
+                    <p:sldTgt/>
+                  </p:tgtEl>
+                </p:cond>
+              </p:nextCondLst>
+            </p:seq>
+          </p:childTnLst>
+        </p:cTn>
+      </p:par>
+    </p:tnLst>
+    <p:bldLst>
+      <p:bldP spid="3" grpId="0" animBg="1"/>
+      <p:bldP spid="12" grpId="0" animBg="1"/>
+    </p:bldLst>
+  </p:timing>
 </p:sld>
 </file>
 
@@ -31510,20 +32512,20 @@
               </a:lnSpc>
             </a:pPr>
             <a:r>
-              <a:rPr lang="en-US" sz="3200">
+              <a:rPr lang="en-US" altLang="zh-CN" sz="3200" b="1" dirty="0">
                 <a:latin typeface="华文中宋"/>
                 <a:ea typeface="华文中宋"/>
               </a:rPr>
-              <a:t>YARN——Shuffle</a:t>
-            </a:r>
-            <a:r>
-              <a:rPr lang="zh-CN" sz="3200">
+              <a:t>Shuffle</a:t>
+            </a:r>
+            <a:r>
+              <a:rPr lang="zh-CN" altLang="en-US" sz="3200" b="1" dirty="0">
                 <a:latin typeface="华文中宋"/>
                 <a:ea typeface="华文中宋"/>
               </a:rPr>
-              <a:t>改进实验</a:t>
-            </a:r>
-            <a:endParaRPr/>
+              <a:t>改进实验结果</a:t>
+            </a:r>
+            <a:endParaRPr lang="zh-CN" altLang="en-US" sz="3200" b="1" dirty="0"/>
           </a:p>
         </p:txBody>
       </p:sp>
@@ -31621,79 +32623,71 @@
               <a:buChar char=""/>
             </a:pPr>
             <a:r>
-              <a:rPr lang="zh-CN" sz="2000">
-                <a:latin typeface="华文楷体"/>
-                <a:ea typeface="华文楷体"/>
-              </a:rPr>
-              <a:t>（</a:t>
-            </a:r>
-            <a:r>
-              <a:rPr lang="en-US" sz="2000">
-                <a:latin typeface="华文楷体"/>
-                <a:ea typeface="华文楷体"/>
-              </a:rPr>
-              <a:t>2</a:t>
-            </a:r>
-            <a:r>
-              <a:rPr lang="zh-CN" sz="2000">
-                <a:latin typeface="华文楷体"/>
-                <a:ea typeface="华文楷体"/>
-              </a:rPr>
-              <a:t>）</a:t>
-            </a:r>
-            <a:r>
-              <a:rPr lang="en-US" sz="2000">
-                <a:latin typeface="华文楷体"/>
-                <a:ea typeface="华文楷体"/>
-              </a:rPr>
-              <a:t>TeraSort</a:t>
-            </a:r>
-            <a:r>
-              <a:rPr lang="zh-CN" sz="2000">
+              <a:rPr lang="en-US" altLang="zh-CN" sz="2000" dirty="0">
+                <a:latin typeface="华文楷体"/>
+                <a:ea typeface="华文楷体"/>
+              </a:rPr>
+              <a:t> </a:t>
+            </a:r>
+            <a:r>
+              <a:rPr lang="en-US" altLang="zh-CN" sz="2000" dirty="0" err="1">
+                <a:latin typeface="华文楷体"/>
+                <a:ea typeface="华文楷体"/>
+              </a:rPr>
+              <a:t>WordCount</a:t>
+            </a:r>
+            <a:r>
+              <a:rPr lang="zh-CN" sz="2000" dirty="0">
                 <a:latin typeface="华文楷体"/>
                 <a:ea typeface="华文楷体"/>
               </a:rPr>
               <a:t>：</a:t>
             </a:r>
             <a:r>
-              <a:rPr lang="en-US" sz="2000">
-                <a:latin typeface="华文楷体"/>
-                <a:ea typeface="华文楷体"/>
-              </a:rPr>
-              <a:t>20G</a:t>
-            </a:r>
-            <a:r>
-              <a:rPr lang="zh-CN" sz="2000">
+              <a:rPr lang="en-US" altLang="zh-CN" sz="2000" dirty="0">
+                <a:latin typeface="华文楷体"/>
+                <a:ea typeface="华文楷体"/>
+              </a:rPr>
+              <a:t>5</a:t>
+            </a:r>
+            <a:r>
+              <a:rPr lang="en-US" sz="2000" dirty="0">
+                <a:latin typeface="华文楷体"/>
+                <a:ea typeface="华文楷体"/>
+              </a:rPr>
+              <a:t>0G</a:t>
+            </a:r>
+            <a:r>
+              <a:rPr lang="zh-CN" sz="2000" dirty="0">
                 <a:latin typeface="华文楷体"/>
                 <a:ea typeface="华文楷体"/>
               </a:rPr>
               <a:t>数据</a:t>
             </a:r>
-            <a:endParaRPr/>
+            <a:endParaRPr dirty="0"/>
           </a:p>
         </p:txBody>
       </p:sp>
       <p:pic>
         <p:nvPicPr>
-          <p:cNvPr id="303" name="图片 10"/>
+          <p:cNvPr id="6" name="图片 5"/>
           <p:cNvPicPr/>
           <p:nvPr/>
         </p:nvPicPr>
         <p:blipFill>
           <a:blip r:embed="rId2"/>
-          <a:stretch/>
+          <a:stretch>
+            <a:fillRect/>
+          </a:stretch>
         </p:blipFill>
         <p:spPr>
           <a:xfrm>
-            <a:off x="395280" y="1593720"/>
-            <a:ext cx="7705800" cy="4427640"/>
+            <a:off x="521537" y="1628639"/>
+            <a:ext cx="7850567" cy="4510903"/>
           </a:xfrm>
           <a:prstGeom prst="rect">
             <a:avLst/>
           </a:prstGeom>
-          <a:ln>
-            <a:noFill/>
-          </a:ln>
         </p:spPr>
       </p:pic>
     </p:spTree>
@@ -32654,12 +33648,317 @@
   <p:clrMapOvr>
     <a:masterClrMapping/>
   </p:clrMapOvr>
+</p:sld>
+</file>
+
+<file path=ppt/slides/slide41.xml><?xml version="1.0" encoding="utf-8"?>
+<p:sld xmlns:a="http://schemas.openxmlformats.org/drawingml/2006/main" xmlns:r="http://schemas.openxmlformats.org/officeDocument/2006/relationships" xmlns:p="http://schemas.openxmlformats.org/presentationml/2006/main">
+  <p:cSld>
+    <p:spTree>
+      <p:nvGrpSpPr>
+        <p:cNvPr id="1" name=""/>
+        <p:cNvGrpSpPr/>
+        <p:nvPr/>
+      </p:nvGrpSpPr>
+      <p:grpSpPr>
+        <a:xfrm>
+          <a:off x="0" y="0"/>
+          <a:ext cx="0" cy="0"/>
+          <a:chOff x="0" y="0"/>
+          <a:chExt cx="0" cy="0"/>
+        </a:xfrm>
+      </p:grpSpPr>
+      <p:sp>
+        <p:nvSpPr>
+          <p:cNvPr id="142" name="TextShape 1"/>
+          <p:cNvSpPr txBox="1"/>
+          <p:nvPr/>
+        </p:nvSpPr>
+        <p:spPr>
+          <a:xfrm>
+            <a:off x="1042920" y="404280"/>
+            <a:ext cx="5616720" cy="576360"/>
+          </a:xfrm>
+          <a:prstGeom prst="rect">
+            <a:avLst/>
+          </a:prstGeom>
+          <a:noFill/>
+          <a:ln>
+            <a:noFill/>
+          </a:ln>
+        </p:spPr>
+        <p:txBody>
+          <a:bodyPr anchor="b"/>
+          <a:lstStyle/>
+          <a:p>
+            <a:pPr algn="ctr">
+              <a:lnSpc>
+                <a:spcPct val="100000"/>
+              </a:lnSpc>
+            </a:pPr>
+            <a:r>
+              <a:rPr lang="en-US" sz="3200" b="1" dirty="0">
+                <a:latin typeface="华文中宋"/>
+                <a:ea typeface="华文中宋"/>
+              </a:rPr>
+              <a:t>PKTM</a:t>
+            </a:r>
+            <a:r>
+              <a:rPr lang="zh-CN" altLang="en-US" sz="3200" b="1" dirty="0">
+                <a:latin typeface="华文中宋"/>
+                <a:ea typeface="华文中宋"/>
+              </a:rPr>
+              <a:t>简介</a:t>
+            </a:r>
+            <a:endParaRPr b="1" dirty="0"/>
+          </a:p>
+        </p:txBody>
+      </p:sp>
+      <p:sp>
+        <p:nvSpPr>
+          <p:cNvPr id="143" name="TextShape 2"/>
+          <p:cNvSpPr txBox="1"/>
+          <p:nvPr/>
+        </p:nvSpPr>
+        <p:spPr>
+          <a:xfrm>
+            <a:off x="178920" y="1268280"/>
+            <a:ext cx="8504280" cy="1949933"/>
+          </a:xfrm>
+          <a:prstGeom prst="rect">
+            <a:avLst/>
+          </a:prstGeom>
+          <a:noFill/>
+          <a:ln>
+            <a:noFill/>
+          </a:ln>
+        </p:spPr>
+        <p:txBody>
+          <a:bodyPr/>
+          <a:lstStyle/>
+          <a:p>
+            <a:pPr>
+              <a:lnSpc>
+                <a:spcPct val="100000"/>
+              </a:lnSpc>
+              <a:buSzPct val="70000"/>
+              <a:buFont typeface="Wingdings" charset="2"/>
+              <a:buChar char=""/>
+            </a:pPr>
+            <a:r>
+              <a:rPr lang="en-US" sz="2400" b="1" dirty="0">
+                <a:latin typeface="华文中宋"/>
+                <a:ea typeface="华文中宋"/>
+              </a:rPr>
+              <a:t>PKTM</a:t>
+            </a:r>
+            <a:r>
+              <a:rPr lang="zh-CN" sz="2400" b="1" dirty="0">
+                <a:latin typeface="华文中宋"/>
+                <a:ea typeface="华文中宋"/>
+              </a:rPr>
+              <a:t>介绍：</a:t>
+            </a:r>
+            <a:r>
+              <a:rPr lang="zh-CN" sz="2000" dirty="0">
+                <a:latin typeface="华文楷体"/>
+                <a:ea typeface="华文楷体"/>
+              </a:rPr>
+              <a:t>石油和天然气行业是</a:t>
+            </a:r>
+            <a:r>
+              <a:rPr lang="zh-CN" sz="2400" b="1" dirty="0">
+                <a:latin typeface="华文楷体"/>
+                <a:ea typeface="华文楷体"/>
+              </a:rPr>
+              <a:t>分布式计算</a:t>
+            </a:r>
+            <a:r>
+              <a:rPr lang="zh-CN" sz="2000" dirty="0">
+                <a:latin typeface="华文楷体"/>
+                <a:ea typeface="华文楷体"/>
+              </a:rPr>
+              <a:t>和</a:t>
+            </a:r>
+            <a:r>
+              <a:rPr lang="zh-CN" sz="2400" b="1" dirty="0">
+                <a:latin typeface="华文楷体"/>
+                <a:ea typeface="华文楷体"/>
+              </a:rPr>
+              <a:t>并行计算</a:t>
+            </a:r>
+            <a:r>
+              <a:rPr lang="zh-CN" sz="2000" dirty="0">
+                <a:latin typeface="华文楷体"/>
+                <a:ea typeface="华文楷体"/>
+              </a:rPr>
+              <a:t>的重要消费者，因为在该行业大部分程序都具有海量的输入数据。地质勘探是寻找石油的重要途径，而地质成像算法则是地质勘探中非常重要的环节。</a:t>
+            </a:r>
+            <a:r>
+              <a:rPr lang="en-US" sz="2400" b="1" dirty="0">
+                <a:latin typeface="华文楷体"/>
+                <a:ea typeface="华文楷体"/>
+              </a:rPr>
+              <a:t>PKTM</a:t>
+            </a:r>
+            <a:r>
+              <a:rPr lang="zh-CN" sz="2000" dirty="0">
+                <a:latin typeface="华文楷体"/>
+                <a:ea typeface="华文楷体"/>
+              </a:rPr>
+              <a:t>（</a:t>
+            </a:r>
+            <a:r>
+              <a:rPr lang="en-US" sz="2000" dirty="0" err="1">
+                <a:latin typeface="华文楷体"/>
+                <a:ea typeface="华文楷体"/>
+              </a:rPr>
+              <a:t>Prestack</a:t>
+            </a:r>
+            <a:r>
+              <a:rPr lang="en-US" sz="2000" dirty="0">
+                <a:latin typeface="华文楷体"/>
+                <a:ea typeface="华文楷体"/>
+              </a:rPr>
+              <a:t> Kirchhoff Time Migration</a:t>
+            </a:r>
+            <a:r>
+              <a:rPr lang="zh-CN" sz="2000" dirty="0">
+                <a:latin typeface="华文楷体"/>
+                <a:ea typeface="华文楷体"/>
+              </a:rPr>
+              <a:t>）被认为在处理地质数据中</a:t>
+            </a:r>
+            <a:r>
+              <a:rPr lang="zh-CN" sz="2400" b="1" dirty="0">
+                <a:latin typeface="华文楷体"/>
+                <a:ea typeface="华文楷体"/>
+              </a:rPr>
+              <a:t>最有效</a:t>
+            </a:r>
+            <a:r>
+              <a:rPr lang="zh-CN" sz="2000" dirty="0">
+                <a:latin typeface="华文楷体"/>
+                <a:ea typeface="华文楷体"/>
+              </a:rPr>
+              <a:t>的成像偏移算法。</a:t>
+            </a:r>
+            <a:endParaRPr dirty="0"/>
+          </a:p>
+        </p:txBody>
+      </p:sp>
+      <p:sp>
+        <p:nvSpPr>
+          <p:cNvPr id="144" name="CustomShape 3"/>
+          <p:cNvSpPr/>
+          <p:nvPr/>
+        </p:nvSpPr>
+        <p:spPr>
+          <a:xfrm>
+            <a:off x="7524720" y="6284880"/>
+            <a:ext cx="933480" cy="457200"/>
+          </a:xfrm>
+          <a:prstGeom prst="rect">
+            <a:avLst/>
+          </a:prstGeom>
+          <a:noFill/>
+          <a:ln>
+            <a:noFill/>
+          </a:ln>
+        </p:spPr>
+        <p:style>
+          <a:lnRef idx="0">
+            <a:scrgbClr r="0" g="0" b="0"/>
+          </a:lnRef>
+          <a:fillRef idx="0">
+            <a:scrgbClr r="0" g="0" b="0"/>
+          </a:fillRef>
+          <a:effectRef idx="0">
+            <a:scrgbClr r="0" g="0" b="0"/>
+          </a:effectRef>
+          <a:fontRef idx="minor"/>
+        </p:style>
+        <p:txBody>
+          <a:bodyPr lIns="90000" tIns="46800" rIns="90000" bIns="46800"/>
+          <a:lstStyle/>
+          <a:p>
+            <a:pPr algn="r">
+              <a:lnSpc>
+                <a:spcPct val="100000"/>
+              </a:lnSpc>
+            </a:pPr>
+            <a:fld id="{F802E3C6-0CB4-4CF2-B75B-98FFA8D9F836}" type="slidenum">
+              <a:rPr lang="en-US" sz="1600">
+                <a:latin typeface="Arial"/>
+              </a:rPr>
+              <a:t>41</a:t>
+            </a:fld>
+            <a:endParaRPr/>
+          </a:p>
+        </p:txBody>
+      </p:sp>
+      <p:pic>
+        <p:nvPicPr>
+          <p:cNvPr id="145" name="图片 40"/>
+          <p:cNvPicPr/>
+          <p:nvPr/>
+        </p:nvPicPr>
+        <p:blipFill>
+          <a:blip r:embed="rId2"/>
+          <a:stretch/>
+        </p:blipFill>
+        <p:spPr>
+          <a:xfrm>
+            <a:off x="250920" y="3500280"/>
+            <a:ext cx="3313080" cy="1513080"/>
+          </a:xfrm>
+          <a:prstGeom prst="rect">
+            <a:avLst/>
+          </a:prstGeom>
+          <a:ln>
+            <a:noFill/>
+          </a:ln>
+        </p:spPr>
+      </p:pic>
+      <p:pic>
+        <p:nvPicPr>
+          <p:cNvPr id="146" name="图片 5"/>
+          <p:cNvPicPr/>
+          <p:nvPr/>
+        </p:nvPicPr>
+        <p:blipFill>
+          <a:blip r:embed="rId3"/>
+          <a:stretch/>
+        </p:blipFill>
+        <p:spPr>
+          <a:xfrm>
+            <a:off x="3635280" y="3068640"/>
+            <a:ext cx="5400720" cy="3216240"/>
+          </a:xfrm>
+          <a:prstGeom prst="rect">
+            <a:avLst/>
+          </a:prstGeom>
+          <a:ln>
+            <a:noFill/>
+          </a:ln>
+        </p:spPr>
+      </p:pic>
+    </p:spTree>
+    <p:extLst>
+      <p:ext uri="{BB962C8B-B14F-4D97-AF65-F5344CB8AC3E}">
+        <p14:creationId xmlns:p14="http://schemas.microsoft.com/office/powerpoint/2010/main" val="1784384416"/>
+      </p:ext>
+    </p:extLst>
+  </p:cSld>
+  <p:clrMapOvr>
+    <a:masterClrMapping/>
+  </p:clrMapOvr>
   <p:timing>
     <p:tnLst>
       <p:par>
         <p:cTn id="1" dur="indefinite" restart="never" nodeType="tmRoot">
           <p:childTnLst>
-            <p:seq concurrent="1" nextAc="seek">
+            <p:seq>
               <p:cTn id="2" dur="indefinite" nodeType="mainSeq">
                 <p:childTnLst>
                   <p:par>
@@ -32675,7 +33974,7 @@
                             </p:stCondLst>
                             <p:childTnLst>
                               <p:par>
-                                <p:cTn id="5" presetID="22" presetClass="entr" presetSubtype="4" fill="hold" grpId="0" nodeType="clickEffect">
+                                <p:cTn id="5" presetID="2" presetClass="entr" presetSubtype="4" fill="hold" nodeType="clickEffect">
                                   <p:stCondLst>
                                     <p:cond delay="0"/>
                                   </p:stCondLst>
@@ -32688,7 +33987,98 @@
                                           </p:stCondLst>
                                         </p:cTn>
                                         <p:tgtEl>
-                                          <p:spTgt spid="15"/>
+                                          <p:spTgt spid="145"/>
+                                        </p:tgtEl>
+                                        <p:attrNameLst>
+                                          <p:attrName>style.visibility</p:attrName>
+                                        </p:attrNameLst>
+                                      </p:cBhvr>
+                                      <p:to>
+                                        <p:strVal val="visible"/>
+                                      </p:to>
+                                    </p:set>
+                                    <p:anim calcmode="lin" valueType="num">
+                                      <p:cBhvr additive="base">
+                                        <p:cTn id="7" dur="500" fill="hold"/>
+                                        <p:tgtEl>
+                                          <p:spTgt spid="145"/>
+                                        </p:tgtEl>
+                                        <p:attrNameLst>
+                                          <p:attrName>ppt_x</p:attrName>
+                                        </p:attrNameLst>
+                                      </p:cBhvr>
+                                      <p:tavLst>
+                                        <p:tav tm="0">
+                                          <p:val>
+                                            <p:strVal val="#ppt_x"/>
+                                          </p:val>
+                                        </p:tav>
+                                        <p:tav tm="100000">
+                                          <p:val>
+                                            <p:strVal val="#ppt_x"/>
+                                          </p:val>
+                                        </p:tav>
+                                      </p:tavLst>
+                                    </p:anim>
+                                    <p:anim calcmode="lin" valueType="num">
+                                      <p:cBhvr additive="base">
+                                        <p:cTn id="8" dur="500" fill="hold"/>
+                                        <p:tgtEl>
+                                          <p:spTgt spid="145"/>
+                                        </p:tgtEl>
+                                        <p:attrNameLst>
+                                          <p:attrName>ppt_y</p:attrName>
+                                        </p:attrNameLst>
+                                      </p:cBhvr>
+                                      <p:tavLst>
+                                        <p:tav tm="0">
+                                          <p:val>
+                                            <p:strVal val="1+#ppt_h/2"/>
+                                          </p:val>
+                                        </p:tav>
+                                        <p:tav tm="100000">
+                                          <p:val>
+                                            <p:strVal val="#ppt_y"/>
+                                          </p:val>
+                                        </p:tav>
+                                      </p:tavLst>
+                                    </p:anim>
+                                  </p:childTnLst>
+                                </p:cTn>
+                              </p:par>
+                            </p:childTnLst>
+                          </p:cTn>
+                        </p:par>
+                      </p:childTnLst>
+                    </p:cTn>
+                  </p:par>
+                  <p:par>
+                    <p:cTn id="9" fill="hold">
+                      <p:stCondLst>
+                        <p:cond delay="indefinite"/>
+                      </p:stCondLst>
+                      <p:childTnLst>
+                        <p:par>
+                          <p:cTn id="10" fill="hold">
+                            <p:stCondLst>
+                              <p:cond delay="0"/>
+                            </p:stCondLst>
+                            <p:childTnLst>
+                              <p:par>
+                                <p:cTn id="11" presetID="22" presetClass="entr" presetSubtype="4" fill="hold" nodeType="clickEffect">
+                                  <p:stCondLst>
+                                    <p:cond delay="0"/>
+                                  </p:stCondLst>
+                                  <p:childTnLst>
+                                    <p:set>
+                                      <p:cBhvr>
+                                        <p:cTn id="12" dur="1" fill="hold">
+                                          <p:stCondLst>
+                                            <p:cond delay="0"/>
+                                          </p:stCondLst>
+                                        </p:cTn>
+                                        <p:tgtEl>
+                                          <p:spTgt spid="146"/>
                                         </p:tgtEl>
                                         <p:attrNameLst>
                                           <p:attrName>style.visibility</p:attrName>
@@ -32700,9 +34090,9 @@
                                     </p:set>
                                     <p:animEffect transition="in" filter="wipe(down)">
                                       <p:cBhvr>
-                                        <p:cTn id="7" dur="500"/>
+                                        <p:cTn id="13" dur="500"/>
                                         <p:tgtEl>
-                                          <p:spTgt spid="15"/>
+                                          <p:spTgt spid="146"/>
                                         </p:tgtEl>
                                       </p:cBhvr>
                                     </p:animEffect>
@@ -32736,14 +34126,11 @@
         </p:cTn>
       </p:par>
     </p:tnLst>
-    <p:bldLst>
-      <p:bldP spid="15" grpId="0" animBg="1"/>
-    </p:bldLst>
   </p:timing>
 </p:sld>
 </file>
 
-<file path=ppt/slides/slide41.xml><?xml version="1.0" encoding="utf-8"?>
+<file path=ppt/slides/slide42.xml><?xml version="1.0" encoding="utf-8"?>
 <p:sld xmlns:a="http://schemas.openxmlformats.org/drawingml/2006/main" xmlns:r="http://schemas.openxmlformats.org/officeDocument/2006/relationships" xmlns:p="http://schemas.openxmlformats.org/presentationml/2006/main">
   <p:cSld>
     <p:spTree>
@@ -32909,7 +34296,1092 @@
               <a:rPr lang="en-US" sz="1600">
                 <a:latin typeface="Arial"/>
               </a:rPr>
-              <a:t>41</a:t>
+              <a:t>42</a:t>
+            </a:fld>
+            <a:endParaRPr/>
+          </a:p>
+        </p:txBody>
+      </p:sp>
+    </p:spTree>
+  </p:cSld>
+  <p:clrMapOvr>
+    <a:masterClrMapping/>
+  </p:clrMapOvr>
+</p:sld>
+</file>
+
+<file path=ppt/slides/slide43.xml><?xml version="1.0" encoding="utf-8"?>
+<p:sld xmlns:a="http://schemas.openxmlformats.org/drawingml/2006/main" xmlns:r="http://schemas.openxmlformats.org/officeDocument/2006/relationships" xmlns:p="http://schemas.openxmlformats.org/presentationml/2006/main">
+  <p:cSld>
+    <p:spTree>
+      <p:nvGrpSpPr>
+        <p:cNvPr id="1" name=""/>
+        <p:cNvGrpSpPr/>
+        <p:nvPr/>
+      </p:nvGrpSpPr>
+      <p:grpSpPr>
+        <a:xfrm>
+          <a:off x="0" y="0"/>
+          <a:ext cx="0" cy="0"/>
+          <a:chOff x="0" y="0"/>
+          <a:chExt cx="0" cy="0"/>
+        </a:xfrm>
+      </p:grpSpPr>
+      <p:sp>
+        <p:nvSpPr>
+          <p:cNvPr id="211" name="TextShape 1"/>
+          <p:cNvSpPr txBox="1"/>
+          <p:nvPr/>
+        </p:nvSpPr>
+        <p:spPr>
+          <a:xfrm>
+            <a:off x="1042919" y="404280"/>
+            <a:ext cx="5868519" cy="576360"/>
+          </a:xfrm>
+          <a:prstGeom prst="rect">
+            <a:avLst/>
+          </a:prstGeom>
+          <a:noFill/>
+          <a:ln>
+            <a:noFill/>
+          </a:ln>
+        </p:spPr>
+        <p:txBody>
+          <a:bodyPr anchor="b"/>
+          <a:lstStyle/>
+          <a:p>
+            <a:pPr algn="ctr">
+              <a:lnSpc>
+                <a:spcPct val="100000"/>
+              </a:lnSpc>
+            </a:pPr>
+            <a:r>
+              <a:rPr lang="zh-CN" altLang="en-US" sz="2800" b="1" dirty="0">
+                <a:solidFill>
+                  <a:srgbClr val="000000"/>
+                </a:solidFill>
+                <a:latin typeface="华文中宋"/>
+                <a:ea typeface="华文中宋"/>
+              </a:rPr>
+              <a:t>基于改进的</a:t>
+            </a:r>
+            <a:r>
+              <a:rPr lang="en-US" altLang="zh-CN" sz="2800" b="1" dirty="0">
+                <a:solidFill>
+                  <a:srgbClr val="000000"/>
+                </a:solidFill>
+                <a:latin typeface="华文中宋"/>
+                <a:ea typeface="华文中宋"/>
+              </a:rPr>
+              <a:t>YARN</a:t>
+            </a:r>
+            <a:r>
+              <a:rPr lang="zh-CN" altLang="en-US" sz="2800" b="1" dirty="0">
+                <a:solidFill>
+                  <a:srgbClr val="000000"/>
+                </a:solidFill>
+                <a:latin typeface="华文中宋"/>
+                <a:ea typeface="华文中宋"/>
+              </a:rPr>
+              <a:t>平台的</a:t>
+            </a:r>
+            <a:r>
+              <a:rPr lang="en-US" altLang="zh-CN" sz="2800" b="1" dirty="0">
+                <a:solidFill>
+                  <a:srgbClr val="000000"/>
+                </a:solidFill>
+                <a:latin typeface="华文中宋"/>
+                <a:ea typeface="华文中宋"/>
+              </a:rPr>
+              <a:t>PKTM</a:t>
+            </a:r>
+            <a:r>
+              <a:rPr lang="zh-CN" altLang="en-US" sz="2800" b="1" dirty="0">
+                <a:solidFill>
+                  <a:srgbClr val="000000"/>
+                </a:solidFill>
+                <a:latin typeface="华文中宋"/>
+                <a:ea typeface="华文中宋"/>
+              </a:rPr>
+              <a:t>系统</a:t>
+            </a:r>
+            <a:endParaRPr lang="zh-CN" altLang="en-US" sz="2800" dirty="0"/>
+          </a:p>
+        </p:txBody>
+      </p:sp>
+      <mc:AlternateContent xmlns:mc="http://schemas.openxmlformats.org/markup-compatibility/2006">
+        <mc:Choice xmlns:a14="http://schemas.microsoft.com/office/drawing/2010/main" Requires="a14">
+          <p:sp>
+            <p:nvSpPr>
+              <p:cNvPr id="212" name="TextShape 2"/>
+              <p:cNvSpPr txBox="1"/>
+              <p:nvPr/>
+            </p:nvSpPr>
+            <p:spPr>
+              <a:xfrm>
+                <a:off x="108000" y="1196640"/>
+                <a:ext cx="8640720" cy="3816360"/>
+              </a:xfrm>
+              <a:prstGeom prst="rect">
+                <a:avLst/>
+              </a:prstGeom>
+              <a:noFill/>
+              <a:ln>
+                <a:noFill/>
+              </a:ln>
+            </p:spPr>
+            <p:txBody>
+              <a:bodyPr/>
+              <a:lstStyle/>
+              <a:p>
+                <a:pPr>
+                  <a:lnSpc>
+                    <a:spcPct val="100000"/>
+                  </a:lnSpc>
+                  <a:buSzPct val="70000"/>
+                  <a:buFont typeface="Wingdings" charset="2"/>
+                  <a:buChar char=""/>
+                </a:pPr>
+                <a:r>
+                  <a:rPr lang="en-US" altLang="zh-CN" sz="2000" dirty="0">
+                    <a:latin typeface="华文楷体"/>
+                    <a:ea typeface="华文楷体"/>
+                  </a:rPr>
+                  <a:t>PKTM</a:t>
+                </a:r>
+                <a:r>
+                  <a:rPr lang="zh-CN" altLang="en-US" sz="2000" dirty="0">
+                    <a:latin typeface="华文楷体"/>
+                    <a:ea typeface="华文楷体"/>
+                  </a:rPr>
+                  <a:t>并行算法主要问题</a:t>
+                </a:r>
+                <a:r>
+                  <a:rPr lang="zh-CN" sz="2000" dirty="0">
+                    <a:latin typeface="华文楷体"/>
+                    <a:ea typeface="华文楷体"/>
+                  </a:rPr>
+                  <a:t>：</a:t>
+                </a:r>
+                <a:endParaRPr dirty="0"/>
+              </a:p>
+              <a:p>
+                <a:pPr lvl="1">
+                  <a:lnSpc>
+                    <a:spcPct val="100000"/>
+                  </a:lnSpc>
+                  <a:buSzPct val="65000"/>
+                  <a:buFont typeface="Wingdings" charset="2"/>
+                  <a:buChar char=""/>
+                </a:pPr>
+                <a:r>
+                  <a:rPr lang="zh-CN" altLang="en-US" sz="2000" b="1" dirty="0">
+                    <a:latin typeface="华文楷体"/>
+                    <a:ea typeface="华文楷体"/>
+                  </a:rPr>
+                  <a:t>如何切分数据？</a:t>
+                </a:r>
+                <a:endParaRPr lang="en-US" altLang="zh-CN" sz="2000" b="1" dirty="0">
+                  <a:latin typeface="华文楷体"/>
+                  <a:ea typeface="华文楷体"/>
+                </a:endParaRPr>
+              </a:p>
+              <a:p>
+                <a:pPr lvl="1">
+                  <a:lnSpc>
+                    <a:spcPct val="100000"/>
+                  </a:lnSpc>
+                  <a:buSzPct val="65000"/>
+                  <a:buFont typeface="Wingdings" charset="2"/>
+                  <a:buChar char=""/>
+                </a:pPr>
+                <a:r>
+                  <a:rPr lang="en-US" altLang="zh-CN" sz="2000" b="1" dirty="0">
+                    <a:latin typeface="华文楷体"/>
+                    <a:ea typeface="华文楷体"/>
+                  </a:rPr>
+                  <a:t>Map</a:t>
+                </a:r>
+                <a:r>
+                  <a:rPr lang="zh-CN" altLang="en-US" sz="2000" b="1" dirty="0">
+                    <a:latin typeface="华文楷体"/>
+                    <a:ea typeface="华文楷体"/>
+                  </a:rPr>
+                  <a:t>端结果如何映射</a:t>
+                </a:r>
+                <a:r>
+                  <a:rPr lang="en-US" altLang="zh-CN" sz="2000" b="1" dirty="0">
+                    <a:latin typeface="华文楷体"/>
+                    <a:ea typeface="华文楷体"/>
+                  </a:rPr>
+                  <a:t>Reduce</a:t>
+                </a:r>
+                <a:r>
+                  <a:rPr lang="zh-CN" altLang="en-US" sz="2000" b="1" dirty="0">
+                    <a:latin typeface="华文楷体"/>
+                    <a:ea typeface="华文楷体"/>
+                  </a:rPr>
+                  <a:t>端？</a:t>
+                </a:r>
+                <a:endParaRPr dirty="0"/>
+              </a:p>
+              <a:p>
+                <a:pPr>
+                  <a:lnSpc>
+                    <a:spcPct val="100000"/>
+                  </a:lnSpc>
+                  <a:buSzPct val="70000"/>
+                  <a:buFont typeface="Wingdings" charset="2"/>
+                  <a:buChar char=""/>
+                </a:pPr>
+                <a:r>
+                  <a:rPr lang="en-US" altLang="zh-CN" sz="2000" dirty="0">
+                    <a:latin typeface="华文楷体"/>
+                    <a:ea typeface="华文楷体"/>
+                  </a:rPr>
+                  <a:t>Hadoop</a:t>
+                </a:r>
+                <a:r>
+                  <a:rPr lang="zh-CN" altLang="en-US" sz="2000" dirty="0">
+                    <a:latin typeface="华文楷体"/>
+                    <a:ea typeface="华文楷体"/>
+                  </a:rPr>
+                  <a:t>上的</a:t>
+                </a:r>
+                <a:r>
+                  <a:rPr lang="en-US" altLang="zh-CN" sz="2000" dirty="0">
+                    <a:latin typeface="华文楷体"/>
+                    <a:ea typeface="华文楷体"/>
+                  </a:rPr>
+                  <a:t>PKTM</a:t>
+                </a:r>
+                <a:r>
+                  <a:rPr lang="zh-CN" altLang="en-US" sz="2000" dirty="0">
+                    <a:latin typeface="华文楷体"/>
+                    <a:ea typeface="华文楷体"/>
+                  </a:rPr>
+                  <a:t>实现</a:t>
+                </a:r>
+                <a:r>
+                  <a:rPr lang="zh-CN" sz="2000" dirty="0">
+                    <a:latin typeface="华文楷体"/>
+                    <a:ea typeface="华文楷体"/>
+                  </a:rPr>
+                  <a:t>：</a:t>
+                </a:r>
+                <a:endParaRPr lang="en-US" altLang="zh-CN" sz="2000" dirty="0">
+                  <a:latin typeface="华文楷体"/>
+                  <a:ea typeface="华文楷体"/>
+                </a:endParaRPr>
+              </a:p>
+              <a:p>
+                <a:pPr lvl="1">
+                  <a:lnSpc>
+                    <a:spcPct val="100000"/>
+                  </a:lnSpc>
+                  <a:buSzPct val="65000"/>
+                  <a:buFont typeface="Wingdings" charset="2"/>
+                  <a:buChar char=""/>
+                </a:pPr>
+                <a:r>
+                  <a:rPr lang="zh-CN" altLang="en-US" sz="2000" b="1" dirty="0">
+                    <a:latin typeface="华文楷体"/>
+                    <a:ea typeface="华文楷体"/>
+                  </a:rPr>
+                  <a:t>切分数据：</a:t>
+                </a:r>
+                <a:r>
+                  <a:rPr lang="zh-CN" altLang="zh-CN" dirty="0"/>
+                  <a:t> </a:t>
+                </a:r>
+                <a14:m>
+                  <m:oMath xmlns:m="http://schemas.openxmlformats.org/officeDocument/2006/math">
+                    <m:sSub>
+                      <m:sSubPr>
+                        <m:ctrlPr>
+                          <a:rPr lang="zh-CN" altLang="zh-CN" i="1"/>
+                        </m:ctrlPr>
+                      </m:sSubPr>
+                      <m:e>
+                        <m:r>
+                          <a:rPr lang="en-US" altLang="zh-CN" i="1"/>
+                          <m:t>𝑓</m:t>
+                        </m:r>
+                      </m:e>
+                      <m:sub>
+                        <m:r>
+                          <a:rPr lang="en-US" altLang="zh-CN" i="1"/>
+                          <m:t>𝑠𝑝𝑙𝑖𝑡</m:t>
+                        </m:r>
+                      </m:sub>
+                    </m:sSub>
+                    <m:r>
+                      <a:rPr lang="en-US" altLang="zh-CN" i="1"/>
+                      <m:t>=</m:t>
+                    </m:r>
+                    <m:f>
+                      <m:fPr>
+                        <m:ctrlPr>
+                          <a:rPr lang="zh-CN" altLang="zh-CN" i="1"/>
+                        </m:ctrlPr>
+                      </m:fPr>
+                      <m:num>
+                        <m:nary>
+                          <m:naryPr>
+                            <m:chr m:val="∑"/>
+                            <m:limLoc m:val="undOvr"/>
+                            <m:ctrlPr>
+                              <a:rPr lang="zh-CN" altLang="zh-CN" i="1"/>
+                            </m:ctrlPr>
+                          </m:naryPr>
+                          <m:sub>
+                            <m:r>
+                              <a:rPr lang="en-US" altLang="zh-CN" i="1"/>
+                              <m:t>𝑖</m:t>
+                            </m:r>
+                            <m:r>
+                              <a:rPr lang="en-US" altLang="zh-CN" i="1"/>
+                              <m:t>=1</m:t>
+                            </m:r>
+                          </m:sub>
+                          <m:sup>
+                            <m:r>
+                              <a:rPr lang="en-US" altLang="zh-CN" i="1"/>
+                              <m:t>𝑛</m:t>
+                            </m:r>
+                          </m:sup>
+                          <m:e>
+                            <m:sSub>
+                              <m:sSubPr>
+                                <m:ctrlPr>
+                                  <a:rPr lang="zh-CN" altLang="zh-CN" i="1"/>
+                                </m:ctrlPr>
+                              </m:sSubPr>
+                              <m:e>
+                                <m:r>
+                                  <a:rPr lang="en-US" altLang="zh-CN" i="1"/>
+                                  <m:t>𝑆</m:t>
+                                </m:r>
+                              </m:e>
+                              <m:sub>
+                                <m:r>
+                                  <a:rPr lang="en-US" altLang="zh-CN" i="1"/>
+                                  <m:t>𝑖</m:t>
+                                </m:r>
+                              </m:sub>
+                            </m:sSub>
+                          </m:e>
+                        </m:nary>
+                      </m:num>
+                      <m:den>
+                        <m:r>
+                          <a:rPr lang="en-US" altLang="zh-CN" i="1"/>
+                          <m:t>𝑘</m:t>
+                        </m:r>
+                        <m:r>
+                          <a:rPr lang="en-US" altLang="zh-CN" i="1"/>
+                          <m:t>∗</m:t>
+                        </m:r>
+                        <m:r>
+                          <m:rPr>
+                            <m:sty m:val="p"/>
+                          </m:rPr>
+                          <a:rPr lang="en-US" altLang="zh-CN"/>
+                          <m:t>min</m:t>
+                        </m:r>
+                        <m:r>
+                          <a:rPr lang="en-US" altLang="zh-CN" i="1"/>
+                          <m:t>(</m:t>
+                        </m:r>
+                        <m:d>
+                          <m:dPr>
+                            <m:ctrlPr>
+                              <a:rPr lang="zh-CN" altLang="zh-CN" i="1"/>
+                            </m:ctrlPr>
+                          </m:dPr>
+                          <m:e>
+                            <m:r>
+                              <a:rPr lang="en-US" altLang="zh-CN" i="1"/>
+                              <m:t>𝑐𝑝𝑢𝑠</m:t>
+                            </m:r>
+                            <m:r>
+                              <a:rPr lang="en-US" altLang="zh-CN" i="1"/>
+                              <m:t>∗</m:t>
+                            </m:r>
+                            <m:r>
+                              <a:rPr lang="en-US" altLang="zh-CN" i="1"/>
+                              <m:t>𝑐𝑜𝑟𝑒𝑠</m:t>
+                            </m:r>
+                            <m:r>
+                              <a:rPr lang="en-US" altLang="zh-CN" i="1"/>
+                              <m:t>+</m:t>
+                            </m:r>
+                            <m:sSub>
+                              <m:sSubPr>
+                                <m:ctrlPr>
+                                  <a:rPr lang="zh-CN" altLang="zh-CN" i="1"/>
+                                </m:ctrlPr>
+                              </m:sSubPr>
+                              <m:e>
+                                <m:r>
+                                  <a:rPr lang="en-US" altLang="zh-CN" i="1"/>
+                                  <m:t>𝑟</m:t>
+                                </m:r>
+                              </m:e>
+                              <m:sub>
+                                <m:r>
+                                  <a:rPr lang="en-US" altLang="zh-CN" i="1"/>
+                                  <m:t>𝑛</m:t>
+                                </m:r>
+                              </m:sub>
+                            </m:sSub>
+                          </m:e>
+                        </m:d>
+                        <m:r>
+                          <a:rPr lang="en-US" altLang="zh-CN" i="1"/>
+                          <m:t>,(</m:t>
+                        </m:r>
+                        <m:f>
+                          <m:fPr>
+                            <m:ctrlPr>
+                              <a:rPr lang="zh-CN" altLang="zh-CN" i="1"/>
+                            </m:ctrlPr>
+                          </m:fPr>
+                          <m:num>
+                            <m:nary>
+                              <m:naryPr>
+                                <m:chr m:val="∑"/>
+                                <m:limLoc m:val="undOvr"/>
+                                <m:ctrlPr>
+                                  <a:rPr lang="zh-CN" altLang="zh-CN" i="1"/>
+                                </m:ctrlPr>
+                              </m:naryPr>
+                              <m:sub>
+                                <m:r>
+                                  <a:rPr lang="en-US" altLang="zh-CN" i="1"/>
+                                  <m:t>𝑖</m:t>
+                                </m:r>
+                                <m:r>
+                                  <a:rPr lang="en-US" altLang="zh-CN" i="1"/>
+                                  <m:t>=1</m:t>
+                                </m:r>
+                              </m:sub>
+                              <m:sup>
+                                <m:r>
+                                  <a:rPr lang="en-US" altLang="zh-CN" i="1"/>
+                                  <m:t>𝑛</m:t>
+                                </m:r>
+                              </m:sup>
+                              <m:e>
+                                <m:sSub>
+                                  <m:sSubPr>
+                                    <m:ctrlPr>
+                                      <a:rPr lang="zh-CN" altLang="zh-CN" i="1"/>
+                                    </m:ctrlPr>
+                                  </m:sSubPr>
+                                  <m:e>
+                                    <m:r>
+                                      <a:rPr lang="en-US" altLang="zh-CN" i="1"/>
+                                      <m:t>𝑀</m:t>
+                                    </m:r>
+                                  </m:e>
+                                  <m:sub>
+                                    <m:r>
+                                      <a:rPr lang="en-US" altLang="zh-CN" i="1"/>
+                                      <m:t>𝑖</m:t>
+                                    </m:r>
+                                  </m:sub>
+                                </m:sSub>
+                              </m:e>
+                            </m:nary>
+                          </m:num>
+                          <m:den>
+                            <m:r>
+                              <a:rPr lang="en-US" altLang="zh-CN" i="1"/>
+                              <m:t>𝑀</m:t>
+                            </m:r>
+                          </m:den>
+                        </m:f>
+                        <m:r>
+                          <a:rPr lang="en-US" altLang="zh-CN" i="1"/>
+                          <m:t>))</m:t>
+                        </m:r>
+                      </m:den>
+                    </m:f>
+                    <m:r>
+                      <a:rPr lang="en-US" altLang="zh-CN" i="1"/>
+                      <m:t> </m:t>
+                    </m:r>
+                  </m:oMath>
+                </a14:m>
+                <a:r>
+                  <a:rPr lang="zh-CN" altLang="en-US" sz="1600" dirty="0">
+                    <a:latin typeface="华文楷体"/>
+                    <a:ea typeface="华文楷体"/>
+                  </a:rPr>
+                  <a:t>；</a:t>
+                </a:r>
+                <a:endParaRPr lang="zh-CN" altLang="en-US" dirty="0"/>
+              </a:p>
+              <a:p>
+                <a:pPr lvl="1">
+                  <a:lnSpc>
+                    <a:spcPct val="100000"/>
+                  </a:lnSpc>
+                  <a:buSzPct val="65000"/>
+                  <a:buFont typeface="Wingdings" charset="2"/>
+                  <a:buChar char=""/>
+                </a:pPr>
+                <a:r>
+                  <a:rPr lang="zh-CN" altLang="en-US" sz="2000" b="1" dirty="0">
+                    <a:latin typeface="华文楷体"/>
+                    <a:ea typeface="华文楷体"/>
+                  </a:rPr>
+                  <a:t>如何映射：</a:t>
+                </a:r>
+                <a14:m>
+                  <m:oMath xmlns:m="http://schemas.openxmlformats.org/officeDocument/2006/math">
+                    <m:sSub>
+                      <m:sSubPr>
+                        <m:ctrlPr>
+                          <a:rPr lang="zh-CN" altLang="zh-CN" i="1"/>
+                        </m:ctrlPr>
+                      </m:sSubPr>
+                      <m:e>
+                        <m:r>
+                          <a:rPr lang="en-US" altLang="zh-CN" i="1"/>
+                          <m:t>𝑓</m:t>
+                        </m:r>
+                      </m:e>
+                      <m:sub>
+                        <m:r>
+                          <a:rPr lang="en-US" altLang="zh-CN" i="1"/>
+                          <m:t>h𝑎𝑠h</m:t>
+                        </m:r>
+                      </m:sub>
+                    </m:sSub>
+                    <m:r>
+                      <a:rPr lang="en-US" altLang="zh-CN" i="1"/>
+                      <m:t>=</m:t>
+                    </m:r>
+                    <m:f>
+                      <m:fPr>
+                        <m:ctrlPr>
+                          <a:rPr lang="zh-CN" altLang="zh-CN" i="1"/>
+                        </m:ctrlPr>
+                      </m:fPr>
+                      <m:num>
+                        <m:r>
+                          <a:rPr lang="en-US" altLang="zh-CN" i="1"/>
+                          <m:t>𝑘𝑒𝑦</m:t>
+                        </m:r>
+                      </m:num>
+                      <m:den>
+                        <m:f>
+                          <m:fPr>
+                            <m:ctrlPr>
+                              <a:rPr lang="zh-CN" altLang="zh-CN" i="1"/>
+                            </m:ctrlPr>
+                          </m:fPr>
+                          <m:num>
+                            <m:sSub>
+                              <m:sSubPr>
+                                <m:ctrlPr>
+                                  <a:rPr lang="zh-CN" altLang="zh-CN" i="1"/>
+                                </m:ctrlPr>
+                              </m:sSubPr>
+                              <m:e>
+                                <m:r>
+                                  <a:rPr lang="en-US" altLang="zh-CN" i="1"/>
+                                  <m:t>𝑘𝑒𝑦</m:t>
+                                </m:r>
+                              </m:e>
+                              <m:sub>
+                                <m:r>
+                                  <a:rPr lang="en-US" altLang="zh-CN" i="1"/>
+                                  <m:t>𝑚𝑎𝑥</m:t>
+                                </m:r>
+                              </m:sub>
+                            </m:sSub>
+                          </m:num>
+                          <m:den>
+                            <m:sSub>
+                              <m:sSubPr>
+                                <m:ctrlPr>
+                                  <a:rPr lang="zh-CN" altLang="zh-CN" i="1"/>
+                                </m:ctrlPr>
+                              </m:sSubPr>
+                              <m:e>
+                                <m:r>
+                                  <a:rPr lang="en-US" altLang="zh-CN" i="1"/>
+                                  <m:t>𝑟𝑒𝑑𝑢𝑐𝑒</m:t>
+                                </m:r>
+                              </m:e>
+                              <m:sub>
+                                <m:r>
+                                  <a:rPr lang="en-US" altLang="zh-CN" i="1"/>
+                                  <m:t>𝑖𝑑</m:t>
+                                </m:r>
+                              </m:sub>
+                            </m:sSub>
+                          </m:den>
+                        </m:f>
+                      </m:den>
+                    </m:f>
+                  </m:oMath>
+                </a14:m>
+                <a:r>
+                  <a:rPr lang="zh-CN" altLang="en-US" sz="1600" dirty="0">
+                    <a:latin typeface="华文楷体"/>
+                    <a:ea typeface="华文楷体"/>
+                  </a:rPr>
+                  <a:t>；</a:t>
+                </a:r>
+                <a:endParaRPr lang="zh-CN" altLang="en-US" dirty="0"/>
+              </a:p>
+              <a:p>
+                <a:pPr>
+                  <a:lnSpc>
+                    <a:spcPct val="100000"/>
+                  </a:lnSpc>
+                  <a:buSzPct val="70000"/>
+                  <a:buFont typeface="Wingdings" charset="2"/>
+                  <a:buChar char=""/>
+                </a:pPr>
+                <a:r>
+                  <a:rPr lang="en-US" sz="2000" dirty="0">
+                    <a:latin typeface="华文楷体"/>
+                    <a:ea typeface="华文楷体"/>
+                  </a:rPr>
+                  <a:t>S</a:t>
+                </a:r>
+                <a:r>
+                  <a:rPr lang="en-US" altLang="zh-CN" sz="2000" dirty="0">
+                    <a:latin typeface="华文楷体"/>
+                    <a:ea typeface="华文楷体"/>
+                  </a:rPr>
+                  <a:t>park</a:t>
+                </a:r>
+                <a:r>
+                  <a:rPr lang="zh-CN" altLang="en-US" sz="2000" dirty="0">
+                    <a:latin typeface="华文楷体"/>
+                    <a:ea typeface="华文楷体"/>
+                  </a:rPr>
+                  <a:t>上的</a:t>
+                </a:r>
+                <a:r>
+                  <a:rPr lang="en-US" altLang="zh-CN" sz="2000" dirty="0">
+                    <a:latin typeface="华文楷体"/>
+                    <a:ea typeface="华文楷体"/>
+                  </a:rPr>
+                  <a:t>PKTM</a:t>
+                </a:r>
+                <a:r>
+                  <a:rPr lang="zh-CN" altLang="en-US" sz="2000" dirty="0">
+                    <a:latin typeface="华文楷体"/>
+                    <a:ea typeface="华文楷体"/>
+                  </a:rPr>
+                  <a:t>实现：</a:t>
+                </a:r>
+                <a:endParaRPr dirty="0"/>
+              </a:p>
+              <a:p>
+                <a:pPr lvl="1">
+                  <a:lnSpc>
+                    <a:spcPct val="100000"/>
+                  </a:lnSpc>
+                  <a:buSzPct val="65000"/>
+                  <a:buFont typeface="Wingdings" charset="2"/>
+                  <a:buChar char=""/>
+                </a:pPr>
+                <a:r>
+                  <a:rPr lang="zh-CN" altLang="en-US" sz="2000" b="1" dirty="0">
+                    <a:latin typeface="华文楷体"/>
+                    <a:ea typeface="华文楷体"/>
+                  </a:rPr>
+                  <a:t>切分数据：</a:t>
+                </a:r>
+                <a:r>
+                  <a:rPr lang="zh-CN" altLang="zh-CN" dirty="0"/>
+                  <a:t> </a:t>
+                </a:r>
+                <a14:m>
+                  <m:oMath xmlns:m="http://schemas.openxmlformats.org/officeDocument/2006/math">
+                    <m:sSub>
+                      <m:sSubPr>
+                        <m:ctrlPr>
+                          <a:rPr lang="zh-CN" altLang="zh-CN" i="1"/>
+                        </m:ctrlPr>
+                      </m:sSubPr>
+                      <m:e>
+                        <m:r>
+                          <a:rPr lang="en-US" altLang="zh-CN" i="1"/>
+                          <m:t>𝑓</m:t>
+                        </m:r>
+                      </m:e>
+                      <m:sub>
+                        <m:r>
+                          <a:rPr lang="en-US" altLang="zh-CN" i="1"/>
+                          <m:t>𝑝𝑎𝑟𝑠</m:t>
+                        </m:r>
+                      </m:sub>
+                    </m:sSub>
+                    <m:r>
+                      <a:rPr lang="en-US" altLang="zh-CN" i="1"/>
+                      <m:t>=</m:t>
+                    </m:r>
+                    <m:r>
+                      <a:rPr lang="en-US" altLang="zh-CN" i="1"/>
+                      <m:t>𝑘</m:t>
+                    </m:r>
+                    <m:r>
+                      <a:rPr lang="en-US" altLang="zh-CN" i="1"/>
+                      <m:t>∗</m:t>
+                    </m:r>
+                    <m:func>
+                      <m:funcPr>
+                        <m:ctrlPr>
+                          <a:rPr lang="zh-CN" altLang="zh-CN" i="1"/>
+                        </m:ctrlPr>
+                      </m:funcPr>
+                      <m:fName>
+                        <m:r>
+                          <m:rPr>
+                            <m:sty m:val="p"/>
+                          </m:rPr>
+                          <a:rPr lang="en-US" altLang="zh-CN"/>
+                          <m:t>min</m:t>
+                        </m:r>
+                      </m:fName>
+                      <m:e>
+                        <m:d>
+                          <m:dPr>
+                            <m:ctrlPr>
+                              <a:rPr lang="zh-CN" altLang="zh-CN" i="1"/>
+                            </m:ctrlPr>
+                          </m:dPr>
+                          <m:e>
+                            <m:r>
+                              <a:rPr lang="en-US" altLang="zh-CN" i="1"/>
+                              <m:t>𝑁</m:t>
+                            </m:r>
+                            <m:r>
+                              <a:rPr lang="en-US" altLang="zh-CN" i="1"/>
+                              <m:t>,</m:t>
+                            </m:r>
+                            <m:f>
+                              <m:fPr>
+                                <m:ctrlPr>
+                                  <a:rPr lang="zh-CN" altLang="zh-CN" i="1"/>
+                                </m:ctrlPr>
+                              </m:fPr>
+                              <m:num>
+                                <m:nary>
+                                  <m:naryPr>
+                                    <m:chr m:val="∑"/>
+                                    <m:limLoc m:val="undOvr"/>
+                                    <m:ctrlPr>
+                                      <a:rPr lang="zh-CN" altLang="zh-CN" i="1"/>
+                                    </m:ctrlPr>
+                                  </m:naryPr>
+                                  <m:sub>
+                                    <m:r>
+                                      <a:rPr lang="en-US" altLang="zh-CN" i="1"/>
+                                      <m:t>𝑖</m:t>
+                                    </m:r>
+                                    <m:r>
+                                      <a:rPr lang="en-US" altLang="zh-CN" i="1"/>
+                                      <m:t>=1</m:t>
+                                    </m:r>
+                                  </m:sub>
+                                  <m:sup>
+                                    <m:r>
+                                      <a:rPr lang="en-US" altLang="zh-CN" i="1"/>
+                                      <m:t>𝑛</m:t>
+                                    </m:r>
+                                  </m:sup>
+                                  <m:e>
+                                    <m:sSub>
+                                      <m:sSubPr>
+                                        <m:ctrlPr>
+                                          <a:rPr lang="zh-CN" altLang="zh-CN" i="1"/>
+                                        </m:ctrlPr>
+                                      </m:sSubPr>
+                                      <m:e>
+                                        <m:r>
+                                          <a:rPr lang="en-US" altLang="zh-CN" i="1"/>
+                                          <m:t>𝑀</m:t>
+                                        </m:r>
+                                      </m:e>
+                                      <m:sub>
+                                        <m:r>
+                                          <a:rPr lang="en-US" altLang="zh-CN" i="1"/>
+                                          <m:t>𝑖</m:t>
+                                        </m:r>
+                                      </m:sub>
+                                    </m:sSub>
+                                  </m:e>
+                                </m:nary>
+                              </m:num>
+                              <m:den>
+                                <m:sSub>
+                                  <m:sSubPr>
+                                    <m:ctrlPr>
+                                      <a:rPr lang="zh-CN" altLang="zh-CN" i="1"/>
+                                    </m:ctrlPr>
+                                  </m:sSubPr>
+                                  <m:e>
+                                    <m:r>
+                                      <a:rPr lang="en-US" altLang="zh-CN" i="1"/>
+                                      <m:t>𝑀</m:t>
+                                    </m:r>
+                                  </m:e>
+                                  <m:sub>
+                                    <m:r>
+                                      <a:rPr lang="en-US" altLang="zh-CN" i="1"/>
+                                      <m:t>𝑚𝑖𝑛</m:t>
+                                    </m:r>
+                                  </m:sub>
+                                </m:sSub>
+                              </m:den>
+                            </m:f>
+                          </m:e>
+                        </m:d>
+                      </m:e>
+                    </m:func>
+                    <m:r>
+                      <a:rPr lang="en-US" altLang="zh-CN" i="1"/>
+                      <m:t> </m:t>
+                    </m:r>
+                  </m:oMath>
+                </a14:m>
+                <a:r>
+                  <a:rPr lang="zh-CN" altLang="en-US" sz="1600" dirty="0">
+                    <a:latin typeface="华文楷体"/>
+                    <a:ea typeface="华文楷体"/>
+                  </a:rPr>
+                  <a:t>；</a:t>
+                </a:r>
+                <a:endParaRPr lang="en-US" altLang="zh-CN" sz="2000" b="1" dirty="0">
+                  <a:latin typeface="华文楷体"/>
+                  <a:ea typeface="华文楷体"/>
+                </a:endParaRPr>
+              </a:p>
+              <a:p>
+                <a:pPr lvl="1">
+                  <a:lnSpc>
+                    <a:spcPct val="100000"/>
+                  </a:lnSpc>
+                  <a:buSzPct val="65000"/>
+                  <a:buFont typeface="Wingdings" charset="2"/>
+                  <a:buChar char=""/>
+                </a:pPr>
+                <a:r>
+                  <a:rPr lang="zh-CN" altLang="en-US" sz="2000" b="1" dirty="0">
+                    <a:latin typeface="华文楷体"/>
+                    <a:ea typeface="华文楷体"/>
+                  </a:rPr>
+                  <a:t>如何 映射：</a:t>
+                </a:r>
+                <a:r>
+                  <a:rPr lang="zh-CN" altLang="zh-CN" dirty="0"/>
+                  <a:t> </a:t>
+                </a:r>
+                <a14:m>
+                  <m:oMath xmlns:m="http://schemas.openxmlformats.org/officeDocument/2006/math">
+                    <m:sSub>
+                      <m:sSubPr>
+                        <m:ctrlPr>
+                          <a:rPr lang="zh-CN" altLang="zh-CN" i="1"/>
+                        </m:ctrlPr>
+                      </m:sSubPr>
+                      <m:e>
+                        <m:r>
+                          <a:rPr lang="en-US" altLang="zh-CN" i="1"/>
+                          <m:t>𝑓</m:t>
+                        </m:r>
+                      </m:e>
+                      <m:sub>
+                        <m:r>
+                          <a:rPr lang="en-US" altLang="zh-CN" i="1"/>
+                          <m:t>𝑝𝑎𝑟𝑡𝑖𝑡𝑖𝑜𝑛</m:t>
+                        </m:r>
+                      </m:sub>
+                    </m:sSub>
+                    <m:r>
+                      <a:rPr lang="en-US" altLang="zh-CN" i="1"/>
+                      <m:t>=</m:t>
+                    </m:r>
+                    <m:f>
+                      <m:fPr>
+                        <m:ctrlPr>
+                          <a:rPr lang="zh-CN" altLang="zh-CN" i="1"/>
+                        </m:ctrlPr>
+                      </m:fPr>
+                      <m:num>
+                        <m:r>
+                          <a:rPr lang="en-US" altLang="zh-CN" i="1"/>
+                          <m:t>  </m:t>
+                        </m:r>
+                        <m:r>
+                          <a:rPr lang="en-US" altLang="zh-CN" i="1"/>
+                          <m:t>𝑘𝑒𝑦</m:t>
+                        </m:r>
+                        <m:r>
+                          <a:rPr lang="en-US" altLang="zh-CN" i="1"/>
+                          <m:t>  </m:t>
+                        </m:r>
+                      </m:num>
+                      <m:den>
+                        <m:r>
+                          <a:rPr lang="en-US" altLang="zh-CN" i="1"/>
+                          <m:t>(</m:t>
+                        </m:r>
+                        <m:f>
+                          <m:fPr>
+                            <m:ctrlPr>
+                              <a:rPr lang="zh-CN" altLang="zh-CN" i="1"/>
+                            </m:ctrlPr>
+                          </m:fPr>
+                          <m:num>
+                            <m:r>
+                              <a:rPr lang="en-US" altLang="zh-CN" i="1"/>
+                              <m:t>𝑜𝑛𝑥</m:t>
+                            </m:r>
+                          </m:num>
+                          <m:den>
+                            <m:sSub>
+                              <m:sSubPr>
+                                <m:ctrlPr>
+                                  <a:rPr lang="zh-CN" altLang="zh-CN" i="1"/>
+                                </m:ctrlPr>
+                              </m:sSubPr>
+                              <m:e>
+                                <m:r>
+                                  <a:rPr lang="en-US" altLang="zh-CN" i="1"/>
+                                  <m:t>𝑅</m:t>
+                                </m:r>
+                              </m:e>
+                              <m:sub>
+                                <m:r>
+                                  <a:rPr lang="en-US" altLang="zh-CN" i="1"/>
+                                  <m:t>𝑛</m:t>
+                                </m:r>
+                              </m:sub>
+                            </m:sSub>
+                          </m:den>
+                        </m:f>
+                        <m:r>
+                          <a:rPr lang="en-US" altLang="zh-CN" i="1"/>
+                          <m:t>)</m:t>
+                        </m:r>
+                      </m:den>
+                    </m:f>
+                    <m:r>
+                      <a:rPr lang="en-US" altLang="zh-CN" i="1"/>
+                      <m:t> </m:t>
+                    </m:r>
+                  </m:oMath>
+                </a14:m>
+                <a:r>
+                  <a:rPr lang="zh-CN" sz="1600" dirty="0">
+                    <a:latin typeface="华文楷体"/>
+                    <a:ea typeface="华文楷体"/>
+                  </a:rPr>
+                  <a:t>；</a:t>
+                </a:r>
+                <a:endParaRPr dirty="0"/>
+              </a:p>
+            </p:txBody>
+          </p:sp>
+        </mc:Choice>
+        <mc:Fallback>
+          <p:sp>
+            <p:nvSpPr>
+              <p:cNvPr id="212" name="TextShape 2"/>
+              <p:cNvSpPr txBox="1">
+                <a:spLocks noRot="1" noChangeAspect="1" noMove="1" noResize="1" noEditPoints="1" noAdjustHandles="1" noChangeArrowheads="1" noChangeShapeType="1" noTextEdit="1"/>
+              </p:cNvSpPr>
+              <p:nvPr/>
+            </p:nvSpPr>
+            <p:spPr>
+              <a:xfrm>
+                <a:off x="108000" y="1196640"/>
+                <a:ext cx="8640720" cy="3816360"/>
+              </a:xfrm>
+              <a:prstGeom prst="rect">
+                <a:avLst/>
+              </a:prstGeom>
+              <a:blipFill>
+                <a:blip r:embed="rId2"/>
+                <a:stretch>
+                  <a:fillRect l="-141" t="-639"/>
+                </a:stretch>
+              </a:blipFill>
+              <a:ln>
+                <a:noFill/>
+              </a:ln>
+            </p:spPr>
+            <p:txBody>
+              <a:bodyPr/>
+              <a:lstStyle/>
+              <a:p>
+                <a:r>
+                  <a:rPr lang="zh-CN" altLang="en-US">
+                    <a:noFill/>
+                  </a:rPr>
+                  <a:t> </a:t>
+                </a:r>
+              </a:p>
+            </p:txBody>
+          </p:sp>
+        </mc:Fallback>
+      </mc:AlternateContent>
+      <p:sp>
+        <p:nvSpPr>
+          <p:cNvPr id="213" name="CustomShape 3"/>
+          <p:cNvSpPr/>
+          <p:nvPr/>
+        </p:nvSpPr>
+        <p:spPr>
+          <a:xfrm>
+            <a:off x="7524720" y="6284880"/>
+            <a:ext cx="933480" cy="457200"/>
+          </a:xfrm>
+          <a:prstGeom prst="rect">
+            <a:avLst/>
+          </a:prstGeom>
+          <a:noFill/>
+          <a:ln>
+            <a:noFill/>
+          </a:ln>
+        </p:spPr>
+        <p:style>
+          <a:lnRef idx="0">
+            <a:scrgbClr r="0" g="0" b="0"/>
+          </a:lnRef>
+          <a:fillRef idx="0">
+            <a:scrgbClr r="0" g="0" b="0"/>
+          </a:fillRef>
+          <a:effectRef idx="0">
+            <a:scrgbClr r="0" g="0" b="0"/>
+          </a:effectRef>
+          <a:fontRef idx="minor"/>
+        </p:style>
+        <p:txBody>
+          <a:bodyPr lIns="90000" tIns="46800" rIns="90000" bIns="46800"/>
+          <a:lstStyle/>
+          <a:p>
+            <a:pPr algn="r">
+              <a:lnSpc>
+                <a:spcPct val="100000"/>
+              </a:lnSpc>
+            </a:pPr>
+            <a:fld id="{275C4CA8-ECAF-4F72-B98D-E30B728A4E59}" type="slidenum">
+              <a:rPr lang="en-US" sz="1600">
+                <a:latin typeface="Arial"/>
+              </a:rPr>
+              <a:t>43</a:t>
             </a:fld>
             <a:endParaRPr/>
           </a:p>
@@ -32917,7 +35389,7 @@
       </p:sp>
       <p:pic>
         <p:nvPicPr>
-          <p:cNvPr id="307" name="图片 1"/>
+          <p:cNvPr id="5" name="图片 1"/>
           <p:cNvPicPr/>
           <p:nvPr/>
         </p:nvPicPr>
@@ -32927,8 +35399,8 @@
         </p:blipFill>
         <p:spPr>
           <a:xfrm>
-            <a:off x="1022400" y="1989000"/>
-            <a:ext cx="7224840" cy="2695680"/>
+            <a:off x="330834" y="2169393"/>
+            <a:ext cx="8127366" cy="3649516"/>
           </a:xfrm>
           <a:prstGeom prst="rect">
             <a:avLst/>
@@ -32939,6 +35411,11 @@
         </p:spPr>
       </p:pic>
     </p:spTree>
+    <p:extLst>
+      <p:ext uri="{BB962C8B-B14F-4D97-AF65-F5344CB8AC3E}">
+        <p14:creationId xmlns:p14="http://schemas.microsoft.com/office/powerpoint/2010/main" val="1239297773"/>
+      </p:ext>
+    </p:extLst>
   </p:cSld>
   <p:clrMapOvr>
     <a:masterClrMapping/>
@@ -32948,7 +35425,7 @@
       <p:par>
         <p:cTn id="1" dur="indefinite" restart="never" nodeType="tmRoot">
           <p:childTnLst>
-            <p:seq>
+            <p:seq concurrent="1" nextAc="seek">
               <p:cTn id="2" dur="indefinite" nodeType="mainSeq">
                 <p:childTnLst>
                   <p:par>
@@ -32977,7 +35454,7 @@
                                           </p:stCondLst>
                                         </p:cTn>
                                         <p:tgtEl>
-                                          <p:spTgt spid="307"/>
+                                          <p:spTgt spid="5"/>
                                         </p:tgtEl>
                                         <p:attrNameLst>
                                           <p:attrName>style.visibility</p:attrName>
@@ -32991,7 +35468,7 @@
                                       <p:cBhvr additive="base">
                                         <p:cTn id="7" dur="500" fill="hold"/>
                                         <p:tgtEl>
-                                          <p:spTgt spid="307"/>
+                                          <p:spTgt spid="5"/>
                                         </p:tgtEl>
                                         <p:attrNameLst>
                                           <p:attrName>ppt_x</p:attrName>
@@ -33014,7 +35491,7 @@
                                       <p:cBhvr additive="base">
                                         <p:cTn id="8" dur="500" fill="hold"/>
                                         <p:tgtEl>
-                                          <p:spTgt spid="307"/>
+                                          <p:spTgt spid="5"/>
                                         </p:tgtEl>
                                         <p:attrNameLst>
                                           <p:attrName>ppt_y</p:attrName>
@@ -33067,8 +35544,8 @@
 </p:sld>
 </file>
 
-<file path=ppt/slides/slide42.xml><?xml version="1.0" encoding="utf-8"?>
-<p:sld xmlns:a="http://schemas.openxmlformats.org/drawingml/2006/main" xmlns:r="http://schemas.openxmlformats.org/officeDocument/2006/relationships" xmlns:p="http://schemas.openxmlformats.org/presentationml/2006/main">
+<file path=ppt/slides/slide44.xml><?xml version="1.0" encoding="utf-8"?>
+<p:sld xmlns:a="http://schemas.openxmlformats.org/drawingml/2006/main" xmlns:r="http://schemas.openxmlformats.org/officeDocument/2006/relationships" xmlns:p="http://schemas.openxmlformats.org/presentationml/2006/main" show="0">
   <p:cSld>
     <p:spTree>
       <p:nvGrpSpPr>
@@ -33113,6 +35590,16 @@
               </a:lnSpc>
             </a:pPr>
             <a:r>
+              <a:rPr lang="en-US" altLang="zh-CN" sz="2800" b="1" dirty="0">
+                <a:solidFill>
+                  <a:srgbClr val="000000"/>
+                </a:solidFill>
+                <a:latin typeface="华文中宋"/>
+                <a:ea typeface="华文中宋"/>
+              </a:rPr>
+              <a:t>Hadoop</a:t>
+            </a:r>
+            <a:r>
               <a:rPr lang="zh-CN" altLang="en-US" sz="2800" b="1" dirty="0">
                 <a:solidFill>
                   <a:srgbClr val="000000"/>
@@ -33120,27 +35607,7 @@
                 <a:latin typeface="华文中宋"/>
                 <a:ea typeface="华文中宋"/>
               </a:rPr>
-              <a:t>基于改进的</a:t>
-            </a:r>
-            <a:r>
-              <a:rPr lang="en-US" altLang="zh-CN" sz="2800" b="1" dirty="0">
-                <a:solidFill>
-                  <a:srgbClr val="000000"/>
-                </a:solidFill>
-                <a:latin typeface="华文中宋"/>
-                <a:ea typeface="华文中宋"/>
-              </a:rPr>
-              <a:t>YARN</a:t>
-            </a:r>
-            <a:r>
-              <a:rPr lang="zh-CN" altLang="en-US" sz="2800" b="1" dirty="0">
-                <a:solidFill>
-                  <a:srgbClr val="000000"/>
-                </a:solidFill>
-                <a:latin typeface="华文中宋"/>
-                <a:ea typeface="华文中宋"/>
-              </a:rPr>
-              <a:t>平台的</a:t>
+              <a:t>上的</a:t>
             </a:r>
             <a:r>
               <a:rPr lang="en-US" altLang="zh-CN" sz="2800" b="1" dirty="0">
@@ -33273,7 +35740,7 @@
               <a:rPr lang="en-US" sz="1600">
                 <a:latin typeface="Arial"/>
               </a:rPr>
-              <a:t>42</a:t>
+              <a:t>44</a:t>
             </a:fld>
             <a:endParaRPr/>
           </a:p>
@@ -33310,8 +35777,8 @@
 </p:sld>
 </file>
 
-<file path=ppt/slides/slide43.xml><?xml version="1.0" encoding="utf-8"?>
-<p:sld xmlns:a="http://schemas.openxmlformats.org/drawingml/2006/main" xmlns:r="http://schemas.openxmlformats.org/officeDocument/2006/relationships" xmlns:p="http://schemas.openxmlformats.org/presentationml/2006/main">
+<file path=ppt/slides/slide45.xml><?xml version="1.0" encoding="utf-8"?>
+<p:sld xmlns:a="http://schemas.openxmlformats.org/drawingml/2006/main" xmlns:r="http://schemas.openxmlformats.org/officeDocument/2006/relationships" xmlns:p="http://schemas.openxmlformats.org/presentationml/2006/main" show="0">
   <p:cSld>
     <p:spTree>
       <p:nvGrpSpPr>
@@ -33356,6 +35823,16 @@
               </a:lnSpc>
             </a:pPr>
             <a:r>
+              <a:rPr lang="en-US" altLang="zh-CN" sz="2800" b="1" dirty="0">
+                <a:solidFill>
+                  <a:srgbClr val="000000"/>
+                </a:solidFill>
+                <a:latin typeface="华文中宋"/>
+                <a:ea typeface="华文中宋"/>
+              </a:rPr>
+              <a:t>Spark</a:t>
+            </a:r>
+            <a:r>
               <a:rPr lang="zh-CN" altLang="en-US" sz="2800" b="1" dirty="0">
                 <a:solidFill>
                   <a:srgbClr val="000000"/>
@@ -33363,27 +35840,7 @@
                 <a:latin typeface="华文中宋"/>
                 <a:ea typeface="华文中宋"/>
               </a:rPr>
-              <a:t>基于改进的</a:t>
-            </a:r>
-            <a:r>
-              <a:rPr lang="en-US" altLang="zh-CN" sz="2800" b="1" dirty="0">
-                <a:solidFill>
-                  <a:srgbClr val="000000"/>
-                </a:solidFill>
-                <a:latin typeface="华文中宋"/>
-                <a:ea typeface="华文中宋"/>
-              </a:rPr>
-              <a:t>YARN</a:t>
-            </a:r>
-            <a:r>
-              <a:rPr lang="zh-CN" altLang="en-US" sz="2800" b="1" dirty="0">
-                <a:solidFill>
-                  <a:srgbClr val="000000"/>
-                </a:solidFill>
-                <a:latin typeface="华文中宋"/>
-                <a:ea typeface="华文中宋"/>
-              </a:rPr>
-              <a:t>平台的</a:t>
+              <a:t>上的</a:t>
             </a:r>
             <a:r>
               <a:rPr lang="en-US" altLang="zh-CN" sz="2800" b="1" dirty="0">
@@ -33516,7 +35973,7 @@
               <a:rPr lang="en-US" sz="1600">
                 <a:latin typeface="Arial"/>
               </a:rPr>
-              <a:t>43</a:t>
+              <a:t>45</a:t>
             </a:fld>
             <a:endParaRPr/>
           </a:p>
@@ -33553,7 +36010,7 @@
 </p:sld>
 </file>
 
-<file path=ppt/slides/slide44.xml><?xml version="1.0" encoding="utf-8"?>
+<file path=ppt/slides/slide46.xml><?xml version="1.0" encoding="utf-8"?>
 <p:sld xmlns:a="http://schemas.openxmlformats.org/drawingml/2006/main" xmlns:r="http://schemas.openxmlformats.org/officeDocument/2006/relationships" xmlns:p="http://schemas.openxmlformats.org/presentationml/2006/main">
   <p:cSld>
     <p:spTree>
@@ -33611,6 +36068,13 @@
                 <a:ea typeface="华文中宋"/>
               </a:rPr>
               <a:t>实验</a:t>
+            </a:r>
+            <a:r>
+              <a:rPr lang="zh-CN" altLang="en-US" sz="3200" dirty="0">
+                <a:latin typeface="华文中宋"/>
+                <a:ea typeface="华文中宋"/>
+              </a:rPr>
+              <a:t>结果</a:t>
             </a:r>
             <a:endParaRPr dirty="0"/>
           </a:p>
@@ -33702,7 +36166,7 @@
               <a:rPr lang="en-US" sz="1600">
                 <a:latin typeface="Arial"/>
               </a:rPr>
-              <a:t>44</a:t>
+              <a:t>46</a:t>
             </a:fld>
             <a:endParaRPr/>
           </a:p>
@@ -33781,8 +36245,8 @@
         </p:blipFill>
         <p:spPr>
           <a:xfrm>
-            <a:off x="108000" y="3860640"/>
-            <a:ext cx="4392720" cy="2424240"/>
+            <a:off x="107999" y="3860640"/>
+            <a:ext cx="4511521" cy="2424240"/>
           </a:xfrm>
           <a:prstGeom prst="rect">
             <a:avLst/>
@@ -34908,7 +37372,7 @@
 </p:sld>
 </file>
 
-<file path=ppt/slides/slide45.xml><?xml version="1.0" encoding="utf-8"?>
+<file path=ppt/slides/slide47.xml><?xml version="1.0" encoding="utf-8"?>
 <p:sld xmlns:a="http://schemas.openxmlformats.org/drawingml/2006/main" xmlns:r="http://schemas.openxmlformats.org/officeDocument/2006/relationships" xmlns:p="http://schemas.openxmlformats.org/presentationml/2006/main">
   <p:cSld>
     <p:spTree>
@@ -34954,20 +37418,27 @@
               </a:lnSpc>
             </a:pPr>
             <a:r>
-              <a:rPr lang="en-US" sz="3200">
+              <a:rPr lang="en-US" sz="3200" dirty="0">
                 <a:latin typeface="华文中宋"/>
                 <a:ea typeface="华文中宋"/>
               </a:rPr>
               <a:t>PKTM</a:t>
             </a:r>
             <a:r>
-              <a:rPr lang="zh-CN" sz="3200">
+              <a:rPr lang="zh-CN" sz="3200" dirty="0">
                 <a:latin typeface="华文中宋"/>
                 <a:ea typeface="华文中宋"/>
               </a:rPr>
               <a:t>实验</a:t>
             </a:r>
-            <a:endParaRPr/>
+            <a:r>
+              <a:rPr lang="zh-CN" altLang="en-US" sz="3200" dirty="0">
+                <a:latin typeface="华文中宋"/>
+                <a:ea typeface="华文中宋"/>
+              </a:rPr>
+              <a:t>结果</a:t>
+            </a:r>
+            <a:endParaRPr dirty="0"/>
           </a:p>
         </p:txBody>
       </p:sp>
@@ -35085,38 +37556,86 @@
               <a:rPr lang="en-US" sz="1600">
                 <a:latin typeface="Arial"/>
               </a:rPr>
-              <a:t>45</a:t>
+              <a:t>47</a:t>
             </a:fld>
             <a:endParaRPr/>
           </a:p>
         </p:txBody>
       </p:sp>
-      <p:pic>
-        <p:nvPicPr>
-          <p:cNvPr id="327" name="图片 2"/>
-          <p:cNvPicPr/>
+      <p:grpSp>
+        <p:nvGrpSpPr>
+          <p:cNvPr id="4" name="组合 3"/>
+          <p:cNvGrpSpPr/>
           <p:nvPr/>
-        </p:nvPicPr>
-        <p:blipFill>
-          <a:blip r:embed="rId2"/>
-          <a:stretch/>
-        </p:blipFill>
-        <p:spPr>
+        </p:nvGrpSpPr>
+        <p:grpSpPr>
           <a:xfrm>
-            <a:off x="136440" y="1628640"/>
-            <a:ext cx="6375600" cy="4321440"/>
+            <a:off x="109440" y="1683244"/>
+            <a:ext cx="6550200" cy="4321440"/>
+            <a:chOff x="136440" y="1628640"/>
+            <a:chExt cx="6550200" cy="4321440"/>
           </a:xfrm>
-          <a:prstGeom prst="rect">
-            <a:avLst/>
-          </a:prstGeom>
-          <a:ln>
+        </p:grpSpPr>
+        <p:pic>
+          <p:nvPicPr>
+            <p:cNvPr id="327" name="图片 2"/>
+            <p:cNvPicPr/>
+            <p:nvPr/>
+          </p:nvPicPr>
+          <p:blipFill>
+            <a:blip r:embed="rId2"/>
+            <a:stretch/>
+          </p:blipFill>
+          <p:spPr>
+            <a:xfrm>
+              <a:off x="136440" y="1628640"/>
+              <a:ext cx="6375600" cy="4321440"/>
+            </a:xfrm>
+            <a:prstGeom prst="rect">
+              <a:avLst/>
+            </a:prstGeom>
+            <a:ln>
+              <a:noFill/>
+            </a:ln>
+          </p:spPr>
+        </p:pic>
+        <p:sp>
+          <p:nvSpPr>
+            <p:cNvPr id="3" name="文本框 2"/>
+            <p:cNvSpPr txBox="1"/>
+            <p:nvPr/>
+          </p:nvSpPr>
+          <p:spPr>
+            <a:xfrm rot="10800000">
+              <a:off x="6224975" y="2943605"/>
+              <a:ext cx="461665" cy="967975"/>
+            </a:xfrm>
+            <a:prstGeom prst="rect">
+              <a:avLst/>
+            </a:prstGeom>
             <a:noFill/>
-          </a:ln>
-        </p:spPr>
-      </p:pic>
+            <a:ln>
+              <a:noFill/>
+            </a:ln>
+          </p:spPr>
+          <p:txBody>
+            <a:bodyPr vert="eaVert" wrap="square" rtlCol="0">
+              <a:spAutoFit/>
+            </a:bodyPr>
+            <a:lstStyle/>
+            <a:p>
+              <a:r>
+                <a:rPr lang="en-US" altLang="zh-CN" dirty="0"/>
+                <a:t>Time(s)</a:t>
+              </a:r>
+              <a:endParaRPr lang="zh-CN" altLang="en-US" dirty="0"/>
+            </a:p>
+          </p:txBody>
+        </p:sp>
+      </p:grpSp>
       <p:sp>
         <p:nvSpPr>
-          <p:cNvPr id="328" name="CustomShape 4"/>
+          <p:cNvPr id="13" name="CustomShape 4"/>
           <p:cNvSpPr/>
           <p:nvPr/>
         </p:nvSpPr>
@@ -35126,26 +37645,30 @@
             <a:ext cx="2016000" cy="771480"/>
           </a:xfrm>
           <a:prstGeom prst="wedgeRoundRectCallout">
-            <a:avLst/>
+            <a:avLst>
+              <a:gd name="adj1" fmla="val -139233"/>
+              <a:gd name="adj2" fmla="val 119454"/>
+              <a:gd name="adj3" fmla="val 16667"/>
+            </a:avLst>
           </a:prstGeom>
           <a:solidFill>
             <a:srgbClr val="00B050"/>
           </a:solidFill>
-          <a:ln>
-            <a:noFill/>
-          </a:ln>
+          <a:ln/>
         </p:spPr>
         <p:style>
-          <a:lnRef idx="0">
-            <a:scrgbClr r="0" g="0" b="0"/>
+          <a:lnRef idx="3">
+            <a:schemeClr val="lt1"/>
           </a:lnRef>
-          <a:fillRef idx="0">
-            <a:scrgbClr r="0" g="0" b="0"/>
+          <a:fillRef idx="1">
+            <a:schemeClr val="accent6"/>
           </a:fillRef>
-          <a:effectRef idx="0">
-            <a:scrgbClr r="0" g="0" b="0"/>
+          <a:effectRef idx="1">
+            <a:schemeClr val="accent6"/>
           </a:effectRef>
-          <a:fontRef idx="minor"/>
+          <a:fontRef idx="minor">
+            <a:schemeClr val="lt1"/>
+          </a:fontRef>
         </p:style>
         <p:txBody>
           <a:bodyPr wrap="none" lIns="90000" tIns="46800" rIns="90000" bIns="46800" anchor="ctr"/>
@@ -35157,20 +37680,30 @@
               </a:lnSpc>
             </a:pPr>
             <a:r>
-              <a:rPr lang="zh-CN" sz="1600" b="1">
+              <a:rPr lang="zh-CN" sz="1600" b="1" dirty="0">
+                <a:solidFill>
+                  <a:schemeClr val="tx1"/>
+                </a:solidFill>
                 <a:latin typeface="华文中宋"/>
                 <a:ea typeface="华文中宋"/>
               </a:rPr>
               <a:t>原生</a:t>
             </a:r>
             <a:r>
-              <a:rPr lang="en-US" sz="1600" b="1">
+              <a:rPr lang="en-US" sz="1600" b="1" dirty="0">
+                <a:solidFill>
+                  <a:schemeClr val="tx1"/>
+                </a:solidFill>
                 <a:latin typeface="华文中宋"/>
                 <a:ea typeface="华文中宋"/>
               </a:rPr>
               <a:t>Hadoop PKTM</a:t>
             </a:r>
-            <a:endParaRPr/>
+            <a:endParaRPr dirty="0">
+              <a:solidFill>
+                <a:schemeClr val="tx1"/>
+              </a:solidFill>
+            </a:endParaRPr>
           </a:p>
           <a:p>
             <a:pPr algn="ctr">
@@ -35179,48 +37712,59 @@
               </a:lnSpc>
             </a:pPr>
             <a:r>
-              <a:rPr lang="zh-CN" sz="1600" b="1">
+              <a:rPr lang="zh-CN" sz="1600" b="1" dirty="0">
+                <a:solidFill>
+                  <a:schemeClr val="tx1"/>
+                </a:solidFill>
                 <a:latin typeface="华文中宋"/>
                 <a:ea typeface="华文中宋"/>
               </a:rPr>
               <a:t>运行时间</a:t>
             </a:r>
-            <a:endParaRPr/>
+            <a:endParaRPr dirty="0">
+              <a:solidFill>
+                <a:schemeClr val="tx1"/>
+              </a:solidFill>
+            </a:endParaRPr>
           </a:p>
         </p:txBody>
       </p:sp>
       <p:sp>
         <p:nvSpPr>
-          <p:cNvPr id="329" name="CustomShape 5"/>
+          <p:cNvPr id="14" name="CustomShape 5"/>
           <p:cNvSpPr/>
           <p:nvPr/>
         </p:nvSpPr>
         <p:spPr>
           <a:xfrm>
-            <a:off x="6686640" y="2789280"/>
+            <a:off x="6659640" y="2833525"/>
             <a:ext cx="2017800" cy="771480"/>
           </a:xfrm>
           <a:prstGeom prst="wedgeRoundRectCallout">
-            <a:avLst/>
+            <a:avLst>
+              <a:gd name="adj1" fmla="val -107346"/>
+              <a:gd name="adj2" fmla="val 39410"/>
+              <a:gd name="adj3" fmla="val 16667"/>
+            </a:avLst>
           </a:prstGeom>
           <a:solidFill>
             <a:srgbClr val="FF0000"/>
           </a:solidFill>
-          <a:ln>
-            <a:noFill/>
-          </a:ln>
+          <a:ln/>
         </p:spPr>
         <p:style>
-          <a:lnRef idx="0">
-            <a:scrgbClr r="0" g="0" b="0"/>
+          <a:lnRef idx="3">
+            <a:schemeClr val="lt1"/>
           </a:lnRef>
-          <a:fillRef idx="0">
-            <a:scrgbClr r="0" g="0" b="0"/>
+          <a:fillRef idx="1">
+            <a:schemeClr val="accent6"/>
           </a:fillRef>
-          <a:effectRef idx="0">
-            <a:scrgbClr r="0" g="0" b="0"/>
+          <a:effectRef idx="1">
+            <a:schemeClr val="accent6"/>
           </a:effectRef>
-          <a:fontRef idx="minor"/>
+          <a:fontRef idx="minor">
+            <a:schemeClr val="lt1"/>
+          </a:fontRef>
         </p:style>
         <p:txBody>
           <a:bodyPr wrap="none" lIns="90000" tIns="46800" rIns="90000" bIns="46800" anchor="ctr"/>
@@ -35232,20 +37776,30 @@
               </a:lnSpc>
             </a:pPr>
             <a:r>
-              <a:rPr lang="zh-CN" sz="1600" b="1">
+              <a:rPr lang="zh-CN" sz="1600" b="1" dirty="0">
+                <a:solidFill>
+                  <a:schemeClr val="tx1"/>
+                </a:solidFill>
                 <a:latin typeface="华文中宋"/>
                 <a:ea typeface="华文中宋"/>
               </a:rPr>
               <a:t>改进</a:t>
             </a:r>
             <a:r>
-              <a:rPr lang="en-US" sz="1600" b="1">
+              <a:rPr lang="en-US" sz="1600" b="1" dirty="0">
+                <a:solidFill>
+                  <a:schemeClr val="tx1"/>
+                </a:solidFill>
                 <a:latin typeface="华文中宋"/>
                 <a:ea typeface="华文中宋"/>
               </a:rPr>
               <a:t>Hadoop PKTM</a:t>
             </a:r>
-            <a:endParaRPr/>
+            <a:endParaRPr dirty="0">
+              <a:solidFill>
+                <a:schemeClr val="tx1"/>
+              </a:solidFill>
+            </a:endParaRPr>
           </a:p>
           <a:p>
             <a:pPr algn="ctr">
@@ -35254,48 +37808,59 @@
               </a:lnSpc>
             </a:pPr>
             <a:r>
-              <a:rPr lang="zh-CN" sz="1600" b="1">
+              <a:rPr lang="zh-CN" sz="1600" b="1" dirty="0">
+                <a:solidFill>
+                  <a:schemeClr val="tx1"/>
+                </a:solidFill>
                 <a:latin typeface="华文中宋"/>
                 <a:ea typeface="华文中宋"/>
               </a:rPr>
               <a:t>运行时间</a:t>
             </a:r>
-            <a:endParaRPr/>
+            <a:endParaRPr dirty="0">
+              <a:solidFill>
+                <a:schemeClr val="tx1"/>
+              </a:solidFill>
+            </a:endParaRPr>
           </a:p>
         </p:txBody>
       </p:sp>
       <p:sp>
         <p:nvSpPr>
-          <p:cNvPr id="330" name="CustomShape 6"/>
+          <p:cNvPr id="15" name="CustomShape 6"/>
           <p:cNvSpPr/>
           <p:nvPr/>
         </p:nvSpPr>
         <p:spPr>
           <a:xfrm>
-            <a:off x="6659640" y="3911760"/>
+            <a:off x="6659640" y="3935510"/>
             <a:ext cx="2016000" cy="772920"/>
           </a:xfrm>
           <a:prstGeom prst="wedgeRoundRectCallout">
-            <a:avLst/>
+            <a:avLst>
+              <a:gd name="adj1" fmla="val -110369"/>
+              <a:gd name="adj2" fmla="val 11798"/>
+              <a:gd name="adj3" fmla="val 16667"/>
+            </a:avLst>
           </a:prstGeom>
           <a:solidFill>
-            <a:srgbClr val="BFBC3E"/>
+            <a:srgbClr val="6C711B"/>
           </a:solidFill>
-          <a:ln>
-            <a:noFill/>
-          </a:ln>
+          <a:ln/>
         </p:spPr>
         <p:style>
-          <a:lnRef idx="0">
-            <a:scrgbClr r="0" g="0" b="0"/>
+          <a:lnRef idx="3">
+            <a:schemeClr val="lt1"/>
           </a:lnRef>
-          <a:fillRef idx="0">
-            <a:scrgbClr r="0" g="0" b="0"/>
+          <a:fillRef idx="1">
+            <a:schemeClr val="accent6"/>
           </a:fillRef>
-          <a:effectRef idx="0">
-            <a:scrgbClr r="0" g="0" b="0"/>
+          <a:effectRef idx="1">
+            <a:schemeClr val="accent6"/>
           </a:effectRef>
-          <a:fontRef idx="minor"/>
+          <a:fontRef idx="minor">
+            <a:schemeClr val="lt1"/>
+          </a:fontRef>
         </p:style>
         <p:txBody>
           <a:bodyPr wrap="none" lIns="90000" tIns="46800" rIns="90000" bIns="46800" anchor="ctr"/>
@@ -35307,20 +37872,30 @@
               </a:lnSpc>
             </a:pPr>
             <a:r>
-              <a:rPr lang="zh-CN" sz="1600" b="1">
+              <a:rPr lang="zh-CN" sz="1600" b="1" dirty="0">
+                <a:solidFill>
+                  <a:schemeClr val="tx1"/>
+                </a:solidFill>
                 <a:latin typeface="华文中宋"/>
                 <a:ea typeface="华文中宋"/>
               </a:rPr>
               <a:t>改进</a:t>
             </a:r>
             <a:r>
-              <a:rPr lang="en-US" sz="1600" b="1">
+              <a:rPr lang="en-US" sz="1600" b="1" dirty="0">
+                <a:solidFill>
+                  <a:schemeClr val="tx1"/>
+                </a:solidFill>
                 <a:latin typeface="华文中宋"/>
                 <a:ea typeface="华文中宋"/>
               </a:rPr>
               <a:t>Spark PKTM</a:t>
             </a:r>
-            <a:endParaRPr/>
+            <a:endParaRPr dirty="0">
+              <a:solidFill>
+                <a:schemeClr val="tx1"/>
+              </a:solidFill>
+            </a:endParaRPr>
           </a:p>
           <a:p>
             <a:pPr algn="ctr">
@@ -35329,13 +37904,185 @@
               </a:lnSpc>
             </a:pPr>
             <a:r>
-              <a:rPr lang="zh-CN" sz="1600" b="1">
+              <a:rPr lang="zh-CN" sz="1600" b="1" dirty="0">
+                <a:solidFill>
+                  <a:schemeClr val="tx1"/>
+                </a:solidFill>
                 <a:latin typeface="华文中宋"/>
                 <a:ea typeface="华文中宋"/>
               </a:rPr>
               <a:t>运行时间</a:t>
             </a:r>
-            <a:endParaRPr/>
+            <a:endParaRPr dirty="0">
+              <a:solidFill>
+                <a:schemeClr val="tx1"/>
+              </a:solidFill>
+            </a:endParaRPr>
+          </a:p>
+        </p:txBody>
+      </p:sp>
+      <p:sp>
+        <p:nvSpPr>
+          <p:cNvPr id="16" name="圆角矩形 15"/>
+          <p:cNvSpPr/>
+          <p:nvPr/>
+        </p:nvSpPr>
+        <p:spPr>
+          <a:xfrm>
+            <a:off x="1938108" y="1844280"/>
+            <a:ext cx="2718263" cy="763534"/>
+          </a:xfrm>
+          <a:prstGeom prst="roundRect">
+            <a:avLst/>
+          </a:prstGeom>
+          <a:solidFill>
+            <a:srgbClr val="FFC000"/>
+          </a:solidFill>
+        </p:spPr>
+        <p:style>
+          <a:lnRef idx="3">
+            <a:schemeClr val="lt1"/>
+          </a:lnRef>
+          <a:fillRef idx="1">
+            <a:schemeClr val="accent5"/>
+          </a:fillRef>
+          <a:effectRef idx="1">
+            <a:schemeClr val="accent5"/>
+          </a:effectRef>
+          <a:fontRef idx="minor">
+            <a:schemeClr val="lt1"/>
+          </a:fontRef>
+        </p:style>
+        <p:txBody>
+          <a:bodyPr rtlCol="0" anchor="ctr"/>
+          <a:lstStyle>
+            <a:defPPr>
+              <a:defRPr lang="zh-CN"/>
+            </a:defPPr>
+            <a:lvl1pPr marL="0" algn="l" defTabSz="914400" rtl="0" eaLnBrk="1" latinLnBrk="0" hangingPunct="1">
+              <a:defRPr sz="1800" kern="1200">
+                <a:solidFill>
+                  <a:schemeClr val="lt1"/>
+                </a:solidFill>
+                <a:latin typeface="+mn-lt"/>
+                <a:ea typeface="+mn-ea"/>
+                <a:cs typeface="+mn-cs"/>
+              </a:defRPr>
+            </a:lvl1pPr>
+            <a:lvl2pPr marL="457200" algn="l" defTabSz="914400" rtl="0" eaLnBrk="1" latinLnBrk="0" hangingPunct="1">
+              <a:defRPr sz="1800" kern="1200">
+                <a:solidFill>
+                  <a:schemeClr val="lt1"/>
+                </a:solidFill>
+                <a:latin typeface="+mn-lt"/>
+                <a:ea typeface="+mn-ea"/>
+                <a:cs typeface="+mn-cs"/>
+              </a:defRPr>
+            </a:lvl2pPr>
+            <a:lvl3pPr marL="914400" algn="l" defTabSz="914400" rtl="0" eaLnBrk="1" latinLnBrk="0" hangingPunct="1">
+              <a:defRPr sz="1800" kern="1200">
+                <a:solidFill>
+                  <a:schemeClr val="lt1"/>
+                </a:solidFill>
+                <a:latin typeface="+mn-lt"/>
+                <a:ea typeface="+mn-ea"/>
+                <a:cs typeface="+mn-cs"/>
+              </a:defRPr>
+            </a:lvl3pPr>
+            <a:lvl4pPr marL="1371600" algn="l" defTabSz="914400" rtl="0" eaLnBrk="1" latinLnBrk="0" hangingPunct="1">
+              <a:defRPr sz="1800" kern="1200">
+                <a:solidFill>
+                  <a:schemeClr val="lt1"/>
+                </a:solidFill>
+                <a:latin typeface="+mn-lt"/>
+                <a:ea typeface="+mn-ea"/>
+                <a:cs typeface="+mn-cs"/>
+              </a:defRPr>
+            </a:lvl4pPr>
+            <a:lvl5pPr marL="1828800" algn="l" defTabSz="914400" rtl="0" eaLnBrk="1" latinLnBrk="0" hangingPunct="1">
+              <a:defRPr sz="1800" kern="1200">
+                <a:solidFill>
+                  <a:schemeClr val="lt1"/>
+                </a:solidFill>
+                <a:latin typeface="+mn-lt"/>
+                <a:ea typeface="+mn-ea"/>
+                <a:cs typeface="+mn-cs"/>
+              </a:defRPr>
+            </a:lvl5pPr>
+            <a:lvl6pPr marL="2286000" algn="l" defTabSz="914400" rtl="0" eaLnBrk="1" latinLnBrk="0" hangingPunct="1">
+              <a:defRPr sz="1800" kern="1200">
+                <a:solidFill>
+                  <a:schemeClr val="lt1"/>
+                </a:solidFill>
+                <a:latin typeface="+mn-lt"/>
+                <a:ea typeface="+mn-ea"/>
+                <a:cs typeface="+mn-cs"/>
+              </a:defRPr>
+            </a:lvl6pPr>
+            <a:lvl7pPr marL="2743200" algn="l" defTabSz="914400" rtl="0" eaLnBrk="1" latinLnBrk="0" hangingPunct="1">
+              <a:defRPr sz="1800" kern="1200">
+                <a:solidFill>
+                  <a:schemeClr val="lt1"/>
+                </a:solidFill>
+                <a:latin typeface="+mn-lt"/>
+                <a:ea typeface="+mn-ea"/>
+                <a:cs typeface="+mn-cs"/>
+              </a:defRPr>
+            </a:lvl7pPr>
+            <a:lvl8pPr marL="3200400" algn="l" defTabSz="914400" rtl="0" eaLnBrk="1" latinLnBrk="0" hangingPunct="1">
+              <a:defRPr sz="1800" kern="1200">
+                <a:solidFill>
+                  <a:schemeClr val="lt1"/>
+                </a:solidFill>
+                <a:latin typeface="+mn-lt"/>
+                <a:ea typeface="+mn-ea"/>
+                <a:cs typeface="+mn-cs"/>
+              </a:defRPr>
+            </a:lvl8pPr>
+            <a:lvl9pPr marL="3657600" algn="l" defTabSz="914400" rtl="0" eaLnBrk="1" latinLnBrk="0" hangingPunct="1">
+              <a:defRPr sz="1800" kern="1200">
+                <a:solidFill>
+                  <a:schemeClr val="lt1"/>
+                </a:solidFill>
+                <a:latin typeface="+mn-lt"/>
+                <a:ea typeface="+mn-ea"/>
+                <a:cs typeface="+mn-cs"/>
+              </a:defRPr>
+            </a:lvl9pPr>
+          </a:lstStyle>
+          <a:p>
+            <a:pPr algn="ctr"/>
+            <a:r>
+              <a:rPr lang="zh-CN" altLang="en-US" sz="2000" b="1" dirty="0">
+                <a:solidFill>
+                  <a:srgbClr val="000000"/>
+                </a:solidFill>
+                <a:latin typeface="华文中宋"/>
+                <a:ea typeface="华文中宋"/>
+              </a:rPr>
+              <a:t>改进</a:t>
+            </a:r>
+            <a:r>
+              <a:rPr lang="en-US" altLang="zh-CN" sz="2000" b="1" dirty="0">
+                <a:solidFill>
+                  <a:srgbClr val="000000"/>
+                </a:solidFill>
+                <a:latin typeface="华文中宋"/>
+                <a:ea typeface="华文中宋"/>
+              </a:rPr>
+              <a:t>YARN</a:t>
+            </a:r>
+            <a:r>
+              <a:rPr lang="zh-CN" altLang="en-US" sz="2000" b="1" dirty="0">
+                <a:solidFill>
+                  <a:srgbClr val="000000"/>
+                </a:solidFill>
+                <a:latin typeface="华文中宋"/>
+                <a:ea typeface="华文中宋"/>
+              </a:rPr>
+              <a:t>性能提高</a:t>
+            </a:r>
+            <a:endParaRPr lang="zh-CN" altLang="en-US" sz="2000" b="1" dirty="0"/>
           </a:p>
         </p:txBody>
       </p:sp>
@@ -35378,7 +38125,7 @@
                                           </p:stCondLst>
                                         </p:cTn>
                                         <p:tgtEl>
-                                          <p:spTgt spid="328"/>
+                                          <p:spTgt spid="13"/>
                                         </p:tgtEl>
                                         <p:attrNameLst>
                                           <p:attrName>style.visibility</p:attrName>
@@ -35392,7 +38139,7 @@
                                       <p:cBhvr additive="base">
                                         <p:cTn id="7" dur="500" fill="hold"/>
                                         <p:tgtEl>
-                                          <p:spTgt spid="328"/>
+                                          <p:spTgt spid="13"/>
                                         </p:tgtEl>
                                         <p:attrNameLst>
                                           <p:attrName>ppt_x</p:attrName>
@@ -35415,7 +38162,7 @@
                                       <p:cBhvr additive="base">
                                         <p:cTn id="8" dur="500" fill="hold"/>
                                         <p:tgtEl>
-                                          <p:spTgt spid="328"/>
+                                          <p:spTgt spid="13"/>
                                         </p:tgtEl>
                                         <p:attrNameLst>
                                           <p:attrName>ppt_y</p:attrName>
@@ -35469,7 +38216,7 @@
                                           </p:stCondLst>
                                         </p:cTn>
                                         <p:tgtEl>
-                                          <p:spTgt spid="329"/>
+                                          <p:spTgt spid="14"/>
                                         </p:tgtEl>
                                         <p:attrNameLst>
                                           <p:attrName>style.visibility</p:attrName>
@@ -35483,7 +38230,7 @@
                                       <p:cBhvr additive="base">
                                         <p:cTn id="13" dur="500" fill="hold"/>
                                         <p:tgtEl>
-                                          <p:spTgt spid="329"/>
+                                          <p:spTgt spid="14"/>
                                         </p:tgtEl>
                                         <p:attrNameLst>
                                           <p:attrName>ppt_x</p:attrName>
@@ -35506,7 +38253,7 @@
                                       <p:cBhvr additive="base">
                                         <p:cTn id="14" dur="500" fill="hold"/>
                                         <p:tgtEl>
-                                          <p:spTgt spid="329"/>
+                                          <p:spTgt spid="14"/>
                                         </p:tgtEl>
                                         <p:attrNameLst>
                                           <p:attrName>ppt_y</p:attrName>
@@ -35560,7 +38307,7 @@
                                           </p:stCondLst>
                                         </p:cTn>
                                         <p:tgtEl>
-                                          <p:spTgt spid="330"/>
+                                          <p:spTgt spid="15"/>
                                         </p:tgtEl>
                                         <p:attrNameLst>
                                           <p:attrName>style.visibility</p:attrName>
@@ -35574,7 +38321,7 @@
                                       <p:cBhvr additive="base">
                                         <p:cTn id="19" dur="500" fill="hold"/>
                                         <p:tgtEl>
-                                          <p:spTgt spid="330"/>
+                                          <p:spTgt spid="15"/>
                                         </p:tgtEl>
                                         <p:attrNameLst>
                                           <p:attrName>ppt_x</p:attrName>
@@ -35597,7 +38344,7 @@
                                       <p:cBhvr additive="base">
                                         <p:cTn id="20" dur="500" fill="hold"/>
                                         <p:tgtEl>
-                                          <p:spTgt spid="330"/>
+                                          <p:spTgt spid="15"/>
                                         </p:tgtEl>
                                         <p:attrNameLst>
                                           <p:attrName>ppt_y</p:attrName>
@@ -35616,6 +38363,77 @@
                                         </p:tav>
                                       </p:tavLst>
                                     </p:anim>
+                                  </p:childTnLst>
+                                </p:cTn>
+                              </p:par>
+                            </p:childTnLst>
+                          </p:cTn>
+                        </p:par>
+                      </p:childTnLst>
+                    </p:cTn>
+                  </p:par>
+                  <p:par>
+                    <p:cTn id="21" fill="hold">
+                      <p:stCondLst>
+                        <p:cond delay="indefinite"/>
+                      </p:stCondLst>
+                      <p:childTnLst>
+                        <p:par>
+                          <p:cTn id="22" fill="hold">
+                            <p:stCondLst>
+                              <p:cond delay="0"/>
+                            </p:stCondLst>
+                            <p:childTnLst>
+                              <p:par>
+                                <p:cTn id="23" presetID="16" presetClass="entr" presetSubtype="21" fill="hold" grpId="0" nodeType="clickEffect">
+                                  <p:stCondLst>
+                                    <p:cond delay="0"/>
+                                  </p:stCondLst>
+                                  <p:childTnLst>
+                                    <p:set>
+                                      <p:cBhvr>
+                                        <p:cTn id="24" dur="1" fill="hold">
+                                          <p:stCondLst>
+                                            <p:cond delay="0"/>
+                                          </p:stCondLst>
+                                        </p:cTn>
+                                        <p:tgtEl>
+                                          <p:spTgt spid="16"/>
+                                        </p:tgtEl>
+                                        <p:attrNameLst>
+                                          <p:attrName>style.visibility</p:attrName>
+                                        </p:attrNameLst>
+                                      </p:cBhvr>
+                                      <p:to>
+                                        <p:strVal val="visible"/>
+                                      </p:to>
+                                    </p:set>
+                                    <p:animEffect transition="in" filter="barn(inVertical)">
+                                      <p:cBhvr>
+                                        <p:cTn id="25" dur="500"/>
+                                        <p:tgtEl>
+                                          <p:spTgt spid="16"/>
+                                        </p:tgtEl>
+                                      </p:cBhvr>
+                                    </p:animEffect>
+                                  </p:childTnLst>
+                                </p:cTn>
+                              </p:par>
+                              <p:par>
+                                <p:cTn id="26" presetID="6" presetClass="emph" presetSubtype="0" fill="hold" grpId="1" nodeType="withEffect">
+                                  <p:stCondLst>
+                                    <p:cond delay="0"/>
+                                  </p:stCondLst>
+                                  <p:childTnLst>
+                                    <p:animScale>
+                                      <p:cBhvr>
+                                        <p:cTn id="27" dur="2000" fill="hold"/>
+                                        <p:tgtEl>
+                                          <p:spTgt spid="16"/>
+                                        </p:tgtEl>
+                                      </p:cBhvr>
+                                      <p:by x="150000" y="150000"/>
+                                    </p:animScale>
                                   </p:childTnLst>
                                 </p:cTn>
                               </p:par>
@@ -35646,11 +38464,15 @@
         </p:cTn>
       </p:par>
     </p:tnLst>
+    <p:bldLst>
+      <p:bldP spid="16" grpId="0" animBg="1"/>
+      <p:bldP spid="16" grpId="1" animBg="1"/>
+    </p:bldLst>
   </p:timing>
 </p:sld>
 </file>
 
-<file path=ppt/slides/slide46.xml><?xml version="1.0" encoding="utf-8"?>
+<file path=ppt/slides/slide48.xml><?xml version="1.0" encoding="utf-8"?>
 <p:sld xmlns:a="http://schemas.openxmlformats.org/drawingml/2006/main" xmlns:r="http://schemas.openxmlformats.org/officeDocument/2006/relationships" xmlns:p="http://schemas.openxmlformats.org/presentationml/2006/main">
   <p:cSld>
     <p:spTree>
@@ -35669,7 +38491,7 @@
       </p:grpSpPr>
       <p:sp>
         <p:nvSpPr>
-          <p:cNvPr id="331" name="CustomShape 1"/>
+          <p:cNvPr id="357" name="CustomShape 1"/>
           <p:cNvSpPr/>
           <p:nvPr/>
         </p:nvSpPr>
@@ -35707,11 +38529,11 @@
                 <a:spcPct val="100000"/>
               </a:lnSpc>
             </a:pPr>
-            <a:fld id="{4C41CAD8-7DEB-4A37-882B-14DC1BA85337}" type="slidenum">
+            <a:fld id="{E6485FA7-D7CB-42C9-98FD-08EA9A038439}" type="slidenum">
               <a:rPr lang="en-US" sz="1600">
                 <a:latin typeface="Arial"/>
               </a:rPr>
-              <a:t>46</a:t>
+              <a:t>48</a:t>
             </a:fld>
             <a:endParaRPr/>
           </a:p>
@@ -35719,7 +38541,7 @@
       </p:sp>
       <p:sp>
         <p:nvSpPr>
-          <p:cNvPr id="332" name="TextShape 2"/>
+          <p:cNvPr id="358" name="TextShape 2"/>
           <p:cNvSpPr txBox="1"/>
           <p:nvPr/>
         </p:nvSpPr>
@@ -35750,7 +38572,7 @@
                 <a:latin typeface="华文中宋"/>
                 <a:ea typeface="华文中宋"/>
               </a:rPr>
-              <a:t>研究生课题</a:t>
+              <a:t>目录</a:t>
             </a:r>
             <a:endParaRPr/>
           </a:p>
@@ -35758,44 +38580,33 @@
       </p:sp>
       <p:sp>
         <p:nvSpPr>
-          <p:cNvPr id="333" name="CustomShape 3"/>
+          <p:cNvPr id="359" name="CustomShape 3"/>
           <p:cNvSpPr/>
           <p:nvPr/>
         </p:nvSpPr>
         <p:spPr>
           <a:xfrm>
-            <a:off x="1392120" y="2235240"/>
+            <a:off x="1392120" y="1506600"/>
             <a:ext cx="1871640" cy="459720"/>
           </a:xfrm>
           <a:prstGeom prst="rect">
             <a:avLst/>
           </a:prstGeom>
-          <a:gradFill>
-            <a:gsLst>
-              <a:gs pos="0">
-                <a:srgbClr val="C1C198"/>
-              </a:gs>
-              <a:gs pos="100000">
-                <a:srgbClr val="A9A975"/>
-              </a:gs>
-            </a:gsLst>
-            <a:lin ang="5400000"/>
-          </a:gradFill>
-          <a:ln>
-            <a:noFill/>
-          </a:ln>
+          <a:ln/>
         </p:spPr>
         <p:style>
-          <a:lnRef idx="0">
-            <a:scrgbClr r="0" g="0" b="0"/>
+          <a:lnRef idx="3">
+            <a:schemeClr val="lt1"/>
           </a:lnRef>
-          <a:fillRef idx="0">
-            <a:scrgbClr r="0" g="0" b="0"/>
+          <a:fillRef idx="1">
+            <a:schemeClr val="accent3"/>
           </a:fillRef>
-          <a:effectRef idx="0">
-            <a:scrgbClr r="0" g="0" b="0"/>
+          <a:effectRef idx="1">
+            <a:schemeClr val="accent3"/>
           </a:effectRef>
-          <a:fontRef idx="minor"/>
+          <a:fontRef idx="minor">
+            <a:schemeClr val="lt1"/>
+          </a:fontRef>
         </p:style>
         <p:txBody>
           <a:bodyPr lIns="90000" tIns="46800" rIns="90000" bIns="46800"/>
@@ -35822,44 +38633,33 @@
       </p:sp>
       <p:sp>
         <p:nvSpPr>
-          <p:cNvPr id="334" name="CustomShape 4"/>
+          <p:cNvPr id="360" name="CustomShape 4"/>
           <p:cNvSpPr/>
           <p:nvPr/>
         </p:nvSpPr>
         <p:spPr>
           <a:xfrm>
-            <a:off x="1392120" y="2955960"/>
+            <a:off x="1397160" y="2297160"/>
             <a:ext cx="1871640" cy="459720"/>
           </a:xfrm>
           <a:prstGeom prst="rect">
             <a:avLst/>
           </a:prstGeom>
-          <a:gradFill>
-            <a:gsLst>
-              <a:gs pos="0">
-                <a:srgbClr val="C1C198"/>
-              </a:gs>
-              <a:gs pos="100000">
-                <a:srgbClr val="A9A975"/>
-              </a:gs>
-            </a:gsLst>
-            <a:lin ang="5400000"/>
-          </a:gradFill>
-          <a:ln>
-            <a:noFill/>
-          </a:ln>
+          <a:ln/>
         </p:spPr>
         <p:style>
-          <a:lnRef idx="0">
-            <a:scrgbClr r="0" g="0" b="0"/>
+          <a:lnRef idx="3">
+            <a:schemeClr val="lt1"/>
           </a:lnRef>
-          <a:fillRef idx="0">
-            <a:scrgbClr r="0" g="0" b="0"/>
+          <a:fillRef idx="1">
+            <a:schemeClr val="accent3"/>
           </a:fillRef>
-          <a:effectRef idx="0">
-            <a:scrgbClr r="0" g="0" b="0"/>
+          <a:effectRef idx="1">
+            <a:schemeClr val="accent3"/>
           </a:effectRef>
-          <a:fontRef idx="minor"/>
+          <a:fontRef idx="minor">
+            <a:schemeClr val="lt1"/>
+          </a:fontRef>
         </p:style>
         <p:txBody>
           <a:bodyPr lIns="90000" tIns="46800" rIns="90000" bIns="46800"/>
@@ -35871,7 +38671,7 @@
               </a:lnSpc>
             </a:pPr>
             <a:r>
-              <a:rPr lang="zh-CN" sz="2400">
+              <a:rPr lang="zh-CN" sz="2400" dirty="0">
                 <a:solidFill>
                   <a:srgbClr val="000000"/>
                 </a:solidFill>
@@ -35880,50 +38680,39 @@
               </a:rPr>
               <a:t>研究问题</a:t>
             </a:r>
-            <a:endParaRPr/>
+            <a:endParaRPr dirty="0"/>
           </a:p>
         </p:txBody>
       </p:sp>
       <p:sp>
         <p:nvSpPr>
-          <p:cNvPr id="335" name="CustomShape 5"/>
+          <p:cNvPr id="361" name="CustomShape 5"/>
           <p:cNvSpPr/>
           <p:nvPr/>
         </p:nvSpPr>
         <p:spPr>
           <a:xfrm>
-            <a:off x="1392120" y="3676680"/>
+            <a:off x="1392120" y="3086280"/>
             <a:ext cx="1871640" cy="459720"/>
           </a:xfrm>
           <a:prstGeom prst="rect">
             <a:avLst/>
           </a:prstGeom>
-          <a:gradFill>
-            <a:gsLst>
-              <a:gs pos="0">
-                <a:srgbClr val="C1C198"/>
-              </a:gs>
-              <a:gs pos="100000">
-                <a:srgbClr val="A9A975"/>
-              </a:gs>
-            </a:gsLst>
-            <a:lin ang="5400000"/>
-          </a:gradFill>
-          <a:ln>
-            <a:noFill/>
-          </a:ln>
+          <a:ln/>
         </p:spPr>
         <p:style>
-          <a:lnRef idx="0">
-            <a:scrgbClr r="0" g="0" b="0"/>
+          <a:lnRef idx="3">
+            <a:schemeClr val="lt1"/>
           </a:lnRef>
-          <a:fillRef idx="0">
-            <a:scrgbClr r="0" g="0" b="0"/>
+          <a:fillRef idx="1">
+            <a:schemeClr val="accent3"/>
           </a:fillRef>
-          <a:effectRef idx="0">
-            <a:scrgbClr r="0" g="0" b="0"/>
+          <a:effectRef idx="1">
+            <a:schemeClr val="accent3"/>
           </a:effectRef>
-          <a:fontRef idx="minor"/>
+          <a:fontRef idx="minor">
+            <a:schemeClr val="lt1"/>
+          </a:fontRef>
         </p:style>
         <p:txBody>
           <a:bodyPr lIns="90000" tIns="46800" rIns="90000" bIns="46800"/>
@@ -35950,44 +38739,36 @@
       </p:sp>
       <p:sp>
         <p:nvSpPr>
-          <p:cNvPr id="336" name="CustomShape 6"/>
+          <p:cNvPr id="362" name="CustomShape 6"/>
           <p:cNvSpPr/>
           <p:nvPr/>
         </p:nvSpPr>
         <p:spPr>
           <a:xfrm>
-            <a:off x="1392120" y="4437000"/>
+            <a:off x="1392120" y="3875040"/>
             <a:ext cx="1871640" cy="459720"/>
           </a:xfrm>
           <a:prstGeom prst="rect">
             <a:avLst/>
           </a:prstGeom>
-          <a:gradFill>
-            <a:gsLst>
-              <a:gs pos="0">
-                <a:srgbClr val="C1C198"/>
-              </a:gs>
-              <a:gs pos="100000">
-                <a:srgbClr val="A9A975"/>
-              </a:gs>
-            </a:gsLst>
-            <a:lin ang="5400000"/>
-          </a:gradFill>
-          <a:ln>
-            <a:noFill/>
-          </a:ln>
+          <a:solidFill>
+            <a:schemeClr val="accent3"/>
+          </a:solidFill>
+          <a:ln/>
         </p:spPr>
         <p:style>
-          <a:lnRef idx="0">
-            <a:scrgbClr r="0" g="0" b="0"/>
+          <a:lnRef idx="3">
+            <a:schemeClr val="lt1"/>
           </a:lnRef>
-          <a:fillRef idx="0">
-            <a:scrgbClr r="0" g="0" b="0"/>
+          <a:fillRef idx="1">
+            <a:schemeClr val="accent6"/>
           </a:fillRef>
-          <a:effectRef idx="0">
-            <a:scrgbClr r="0" g="0" b="0"/>
+          <a:effectRef idx="1">
+            <a:schemeClr val="accent6"/>
           </a:effectRef>
-          <a:fontRef idx="minor"/>
+          <a:fontRef idx="minor">
+            <a:schemeClr val="lt1"/>
+          </a:fontRef>
         </p:style>
         <p:txBody>
           <a:bodyPr lIns="90000" tIns="46800" rIns="90000" bIns="46800"/>
@@ -35999,7 +38780,7 @@
               </a:lnSpc>
             </a:pPr>
             <a:r>
-              <a:rPr lang="zh-CN" sz="2400">
+              <a:rPr lang="zh-CN" sz="2400" dirty="0">
                 <a:solidFill>
                   <a:srgbClr val="000000"/>
                 </a:solidFill>
@@ -36008,50 +38789,42 @@
               </a:rPr>
               <a:t>自己工作</a:t>
             </a:r>
-            <a:endParaRPr/>
+            <a:endParaRPr dirty="0"/>
           </a:p>
         </p:txBody>
       </p:sp>
       <p:sp>
         <p:nvSpPr>
-          <p:cNvPr id="337" name="CustomShape 7"/>
+          <p:cNvPr id="363" name="CustomShape 7"/>
           <p:cNvSpPr/>
           <p:nvPr/>
         </p:nvSpPr>
         <p:spPr>
           <a:xfrm>
-            <a:off x="468360" y="1425600"/>
-            <a:ext cx="2016000" cy="520560"/>
+            <a:off x="1392120" y="4664160"/>
+            <a:ext cx="1871640" cy="459720"/>
           </a:xfrm>
           <a:prstGeom prst="rect">
             <a:avLst/>
           </a:prstGeom>
-          <a:gradFill>
-            <a:gsLst>
-              <a:gs pos="0">
-                <a:srgbClr val="C1C198"/>
-              </a:gs>
-              <a:gs pos="100000">
-                <a:srgbClr val="A9A975"/>
-              </a:gs>
-            </a:gsLst>
-            <a:lin ang="5400000"/>
-          </a:gradFill>
-          <a:ln>
-            <a:noFill/>
-          </a:ln>
+          <a:solidFill>
+            <a:srgbClr val="FFC000"/>
+          </a:solidFill>
+          <a:ln/>
         </p:spPr>
         <p:style>
-          <a:lnRef idx="0">
-            <a:scrgbClr r="0" g="0" b="0"/>
+          <a:lnRef idx="3">
+            <a:schemeClr val="lt1"/>
           </a:lnRef>
-          <a:fillRef idx="0">
-            <a:scrgbClr r="0" g="0" b="0"/>
+          <a:fillRef idx="1">
+            <a:schemeClr val="accent3"/>
           </a:fillRef>
-          <a:effectRef idx="0">
-            <a:scrgbClr r="0" g="0" b="0"/>
+          <a:effectRef idx="1">
+            <a:schemeClr val="accent3"/>
           </a:effectRef>
-          <a:fontRef idx="minor"/>
+          <a:fontRef idx="minor">
+            <a:schemeClr val="lt1"/>
+          </a:fontRef>
         </p:style>
         <p:txBody>
           <a:bodyPr lIns="90000" tIns="46800" rIns="90000" bIns="46800"/>
@@ -36063,51 +38836,48 @@
               </a:lnSpc>
             </a:pPr>
             <a:r>
-              <a:rPr lang="zh-CN" sz="2800">
+              <a:rPr lang="zh-CN" sz="2400" dirty="0">
                 <a:solidFill>
                   <a:srgbClr val="000000"/>
                 </a:solidFill>
                 <a:latin typeface="华文中宋"/>
                 <a:ea typeface="华文中宋"/>
               </a:rPr>
-              <a:t>研究课题：</a:t>
-            </a:r>
-            <a:endParaRPr/>
+              <a:t>总结展望</a:t>
+            </a:r>
+            <a:endParaRPr dirty="0"/>
           </a:p>
         </p:txBody>
       </p:sp>
       <p:sp>
         <p:nvSpPr>
-          <p:cNvPr id="338" name="CustomShape 8"/>
+          <p:cNvPr id="364" name="CustomShape 8"/>
           <p:cNvSpPr/>
           <p:nvPr/>
         </p:nvSpPr>
         <p:spPr>
           <a:xfrm>
-            <a:off x="1392120" y="5227560"/>
+            <a:off x="1392120" y="5452920"/>
             <a:ext cx="1871640" cy="459720"/>
           </a:xfrm>
           <a:prstGeom prst="rect">
             <a:avLst/>
           </a:prstGeom>
-          <a:solidFill>
-            <a:srgbClr val="FFC000"/>
-          </a:solidFill>
-          <a:ln>
-            <a:noFill/>
-          </a:ln>
+          <a:ln/>
         </p:spPr>
         <p:style>
-          <a:lnRef idx="0">
-            <a:scrgbClr r="0" g="0" b="0"/>
+          <a:lnRef idx="3">
+            <a:schemeClr val="lt1"/>
           </a:lnRef>
-          <a:fillRef idx="0">
-            <a:scrgbClr r="0" g="0" b="0"/>
+          <a:fillRef idx="1">
+            <a:schemeClr val="accent3"/>
           </a:fillRef>
-          <a:effectRef idx="0">
-            <a:scrgbClr r="0" g="0" b="0"/>
+          <a:effectRef idx="1">
+            <a:schemeClr val="accent3"/>
           </a:effectRef>
-          <a:fontRef idx="minor"/>
+          <a:fontRef idx="minor">
+            <a:schemeClr val="lt1"/>
+          </a:fontRef>
         </p:style>
         <p:txBody>
           <a:bodyPr lIns="90000" tIns="46800" rIns="90000" bIns="46800"/>
@@ -36119,20 +38889,25 @@
               </a:lnSpc>
             </a:pPr>
             <a:r>
-              <a:rPr lang="zh-CN" sz="2400">
+              <a:rPr lang="zh-CN" sz="2400" dirty="0">
                 <a:solidFill>
                   <a:srgbClr val="000000"/>
                 </a:solidFill>
                 <a:latin typeface="华文中宋"/>
                 <a:ea typeface="华文中宋"/>
               </a:rPr>
-              <a:t>总结展望</a:t>
-            </a:r>
-            <a:endParaRPr/>
+              <a:t>科研成果</a:t>
+            </a:r>
+            <a:endParaRPr dirty="0"/>
           </a:p>
         </p:txBody>
       </p:sp>
     </p:spTree>
+    <p:extLst>
+      <p:ext uri="{BB962C8B-B14F-4D97-AF65-F5344CB8AC3E}">
+        <p14:creationId xmlns:p14="http://schemas.microsoft.com/office/powerpoint/2010/main" val="2923551843"/>
+      </p:ext>
+    </p:extLst>
   </p:cSld>
   <p:clrMapOvr>
     <a:masterClrMapping/>
@@ -36140,7 +38915,7 @@
 </p:sld>
 </file>
 
-<file path=ppt/slides/slide47.xml><?xml version="1.0" encoding="utf-8"?>
+<file path=ppt/slides/slide49.xml><?xml version="1.0" encoding="utf-8"?>
 <p:sld xmlns:a="http://schemas.openxmlformats.org/drawingml/2006/main" xmlns:r="http://schemas.openxmlformats.org/officeDocument/2006/relationships" xmlns:p="http://schemas.openxmlformats.org/presentationml/2006/main">
   <p:cSld>
     <p:spTree>
@@ -36186,311 +38961,13 @@
               </a:lnSpc>
             </a:pPr>
             <a:r>
-              <a:rPr lang="zh-CN" sz="3200">
+              <a:rPr lang="zh-CN" sz="3200" b="1" dirty="0">
                 <a:latin typeface="华文中宋"/>
                 <a:ea typeface="华文中宋"/>
               </a:rPr>
-              <a:t>总结与展望</a:t>
-            </a:r>
-            <a:endParaRPr/>
-          </a:p>
-        </p:txBody>
-      </p:sp>
-      <p:sp>
-        <p:nvSpPr>
-          <p:cNvPr id="340" name="TextShape 2"/>
-          <p:cNvSpPr txBox="1"/>
-          <p:nvPr/>
-        </p:nvSpPr>
-        <p:spPr>
-          <a:xfrm>
-            <a:off x="108000" y="1196640"/>
-            <a:ext cx="8640720" cy="3816360"/>
-          </a:xfrm>
-          <a:prstGeom prst="rect">
-            <a:avLst/>
-          </a:prstGeom>
-          <a:noFill/>
-          <a:ln>
-            <a:noFill/>
-          </a:ln>
-        </p:spPr>
-        <p:txBody>
-          <a:bodyPr/>
-          <a:lstStyle/>
-          <a:p>
-            <a:pPr>
-              <a:lnSpc>
-                <a:spcPct val="100000"/>
-              </a:lnSpc>
-              <a:buSzPct val="70000"/>
-              <a:buFont typeface="Wingdings" charset="2"/>
-              <a:buChar char=""/>
-            </a:pPr>
-            <a:r>
-              <a:rPr lang="zh-CN" sz="2000">
-                <a:latin typeface="华文楷体"/>
-                <a:ea typeface="华文楷体"/>
-              </a:rPr>
-              <a:t>总结：</a:t>
-            </a:r>
-            <a:endParaRPr/>
-          </a:p>
-          <a:p>
-            <a:pPr lvl="1">
-              <a:lnSpc>
-                <a:spcPct val="100000"/>
-              </a:lnSpc>
-              <a:buSzPct val="65000"/>
-              <a:buFont typeface="Wingdings" charset="2"/>
-              <a:buChar char=""/>
-            </a:pPr>
-            <a:r>
-              <a:rPr lang="zh-CN" sz="2000" b="1">
-                <a:latin typeface="华文楷体"/>
-                <a:ea typeface="华文楷体"/>
-              </a:rPr>
-              <a:t>更改</a:t>
-            </a:r>
-            <a:r>
-              <a:rPr lang="en-US" sz="2000" b="1">
-                <a:latin typeface="华文楷体"/>
-                <a:ea typeface="华文楷体"/>
-              </a:rPr>
-              <a:t>YARN</a:t>
-            </a:r>
-            <a:r>
-              <a:rPr lang="zh-CN" sz="2000" b="1">
-                <a:latin typeface="华文楷体"/>
-                <a:ea typeface="华文楷体"/>
-              </a:rPr>
-              <a:t>框架的插拔式资源调度器</a:t>
-            </a:r>
-            <a:endParaRPr/>
-          </a:p>
-          <a:p>
-            <a:pPr lvl="1">
-              <a:lnSpc>
-                <a:spcPct val="100000"/>
-              </a:lnSpc>
-              <a:buSzPct val="65000"/>
-              <a:buFont typeface="Wingdings" charset="2"/>
-              <a:buChar char=""/>
-            </a:pPr>
-            <a:r>
-              <a:rPr lang="zh-CN" sz="2000" b="1">
-                <a:latin typeface="华文楷体"/>
-                <a:ea typeface="华文楷体"/>
-              </a:rPr>
-              <a:t>改进了</a:t>
-            </a:r>
-            <a:r>
-              <a:rPr lang="en-US" sz="2000" b="1">
-                <a:latin typeface="华文楷体"/>
-                <a:ea typeface="华文楷体"/>
-              </a:rPr>
-              <a:t>Shuffle</a:t>
-            </a:r>
-            <a:r>
-              <a:rPr lang="zh-CN" sz="2000" b="1">
-                <a:latin typeface="华文楷体"/>
-                <a:ea typeface="华文楷体"/>
-              </a:rPr>
-              <a:t>阶段</a:t>
-            </a:r>
-            <a:endParaRPr/>
-          </a:p>
-          <a:p>
-            <a:pPr lvl="1">
-              <a:lnSpc>
-                <a:spcPct val="100000"/>
-              </a:lnSpc>
-              <a:buSzPct val="65000"/>
-              <a:buFont typeface="Wingdings" charset="2"/>
-              <a:buChar char=""/>
-            </a:pPr>
-            <a:r>
-              <a:rPr lang="en-US" sz="2000" b="1">
-                <a:latin typeface="华文楷体"/>
-                <a:ea typeface="华文楷体"/>
-              </a:rPr>
-              <a:t>PKTM</a:t>
-            </a:r>
-            <a:r>
-              <a:rPr lang="zh-CN" sz="2000" b="1">
-                <a:latin typeface="华文楷体"/>
-                <a:ea typeface="华文楷体"/>
-              </a:rPr>
-              <a:t>并行算法实现，并验证实验性能</a:t>
-            </a:r>
-            <a:endParaRPr/>
-          </a:p>
-          <a:p>
-            <a:pPr>
-              <a:lnSpc>
-                <a:spcPct val="100000"/>
-              </a:lnSpc>
-              <a:buSzPct val="70000"/>
-              <a:buFont typeface="Wingdings" charset="2"/>
-              <a:buChar char=""/>
-            </a:pPr>
-            <a:r>
-              <a:rPr lang="zh-CN" sz="2000">
-                <a:latin typeface="华文楷体"/>
-                <a:ea typeface="华文楷体"/>
-              </a:rPr>
-              <a:t>展望：</a:t>
-            </a:r>
-            <a:endParaRPr/>
-          </a:p>
-          <a:p>
-            <a:pPr lvl="1">
-              <a:lnSpc>
-                <a:spcPct val="100000"/>
-              </a:lnSpc>
-              <a:buSzPct val="65000"/>
-              <a:buFont typeface="Wingdings" charset="2"/>
-              <a:buChar char=""/>
-            </a:pPr>
-            <a:r>
-              <a:rPr lang="en-US" sz="2000" b="1">
-                <a:latin typeface="华文楷体"/>
-                <a:ea typeface="华文楷体"/>
-              </a:rPr>
-              <a:t>YARN</a:t>
-            </a:r>
-            <a:r>
-              <a:rPr lang="zh-CN" sz="2000" b="1">
-                <a:latin typeface="华文楷体"/>
-                <a:ea typeface="华文楷体"/>
-              </a:rPr>
-              <a:t>中使用多资源多背包问题</a:t>
-            </a:r>
-            <a:endParaRPr/>
-          </a:p>
-          <a:p>
-            <a:pPr lvl="1">
-              <a:lnSpc>
-                <a:spcPct val="100000"/>
-              </a:lnSpc>
-              <a:buSzPct val="65000"/>
-              <a:buFont typeface="Wingdings" charset="2"/>
-              <a:buChar char=""/>
-            </a:pPr>
-            <a:r>
-              <a:rPr lang="zh-CN" sz="2000" b="1">
-                <a:latin typeface="华文楷体"/>
-                <a:ea typeface="华文楷体"/>
-              </a:rPr>
-              <a:t>用更加高效的算法来解决资源调度问题</a:t>
-            </a:r>
-            <a:endParaRPr/>
-          </a:p>
-          <a:p>
-            <a:pPr lvl="1">
-              <a:lnSpc>
-                <a:spcPct val="100000"/>
-              </a:lnSpc>
-              <a:buSzPct val="65000"/>
-              <a:buFont typeface="Wingdings" charset="2"/>
-              <a:buChar char=""/>
-            </a:pPr>
-            <a:r>
-              <a:rPr lang="zh-CN" sz="2000" b="1">
-                <a:latin typeface="华文楷体"/>
-                <a:ea typeface="华文楷体"/>
-              </a:rPr>
-              <a:t>把</a:t>
-            </a:r>
-            <a:r>
-              <a:rPr lang="en-US" sz="2000" b="1">
-                <a:latin typeface="华文楷体"/>
-                <a:ea typeface="华文楷体"/>
-              </a:rPr>
-              <a:t>HDFS</a:t>
-            </a:r>
-            <a:r>
-              <a:rPr lang="zh-CN" sz="2000" b="1">
-                <a:latin typeface="华文楷体"/>
-                <a:ea typeface="华文楷体"/>
-              </a:rPr>
-              <a:t>替换为</a:t>
-            </a:r>
-            <a:r>
-              <a:rPr lang="en-US" sz="2000" b="1">
-                <a:latin typeface="华文楷体"/>
-                <a:ea typeface="华文楷体"/>
-              </a:rPr>
-              <a:t>Alluxio</a:t>
-            </a:r>
-            <a:r>
-              <a:rPr lang="zh-CN" sz="2000" b="1">
-                <a:latin typeface="华文楷体"/>
-                <a:ea typeface="华文楷体"/>
-              </a:rPr>
-              <a:t>等内存数据集</a:t>
-            </a:r>
-            <a:endParaRPr/>
-          </a:p>
-          <a:p>
-            <a:pPr lvl="1">
-              <a:lnSpc>
-                <a:spcPct val="100000"/>
-              </a:lnSpc>
-              <a:buSzPct val="65000"/>
-              <a:buFont typeface="Wingdings" charset="2"/>
-              <a:buChar char=""/>
-            </a:pPr>
-            <a:r>
-              <a:rPr lang="zh-CN" sz="2000" b="1">
-                <a:latin typeface="华文楷体"/>
-                <a:ea typeface="华文楷体"/>
-              </a:rPr>
-              <a:t>借鉴</a:t>
-            </a:r>
-            <a:r>
-              <a:rPr lang="en-US" sz="2000" b="1">
-                <a:latin typeface="华文楷体"/>
-                <a:ea typeface="华文楷体"/>
-              </a:rPr>
-              <a:t>Google</a:t>
-            </a:r>
-            <a:r>
-              <a:rPr lang="zh-CN" sz="2000" b="1">
-                <a:latin typeface="华文楷体"/>
-                <a:ea typeface="华文楷体"/>
-              </a:rPr>
-              <a:t>第三代</a:t>
-            </a:r>
-            <a:r>
-              <a:rPr lang="en-US" sz="2000" b="1">
-                <a:latin typeface="华文楷体"/>
-                <a:ea typeface="华文楷体"/>
-              </a:rPr>
-              <a:t>Omiga</a:t>
-            </a:r>
-            <a:r>
-              <a:rPr lang="zh-CN" sz="2000" b="1">
-                <a:latin typeface="华文楷体"/>
-                <a:ea typeface="华文楷体"/>
-              </a:rPr>
-              <a:t>调度器来完善</a:t>
-            </a:r>
-            <a:r>
-              <a:rPr lang="en-US" sz="2000" b="1">
-                <a:latin typeface="华文楷体"/>
-                <a:ea typeface="华文楷体"/>
-              </a:rPr>
-              <a:t>YARN</a:t>
-            </a:r>
-            <a:r>
-              <a:rPr lang="zh-CN" sz="2000" b="1">
-                <a:latin typeface="华文楷体"/>
-                <a:ea typeface="华文楷体"/>
-              </a:rPr>
-              <a:t>框架</a:t>
-            </a:r>
-            <a:endParaRPr/>
+              <a:t>总结</a:t>
+            </a:r>
+            <a:endParaRPr b="1" dirty="0"/>
           </a:p>
         </p:txBody>
       </p:sp>
@@ -36538,610 +39015,6 @@
               <a:rPr lang="en-US" sz="1600">
                 <a:latin typeface="Arial"/>
               </a:rPr>
-              <a:t>47</a:t>
-            </a:fld>
-            <a:endParaRPr/>
-          </a:p>
-        </p:txBody>
-      </p:sp>
-    </p:spTree>
-  </p:cSld>
-  <p:clrMapOvr>
-    <a:masterClrMapping/>
-  </p:clrMapOvr>
-</p:sld>
-</file>
-
-<file path=ppt/slides/slide48.xml><?xml version="1.0" encoding="utf-8"?>
-<p:sld xmlns:a="http://schemas.openxmlformats.org/drawingml/2006/main" xmlns:r="http://schemas.openxmlformats.org/officeDocument/2006/relationships" xmlns:p="http://schemas.openxmlformats.org/presentationml/2006/main">
-  <p:cSld>
-    <p:spTree>
-      <p:nvGrpSpPr>
-        <p:cNvPr id="1" name=""/>
-        <p:cNvGrpSpPr/>
-        <p:nvPr/>
-      </p:nvGrpSpPr>
-      <p:grpSpPr>
-        <a:xfrm>
-          <a:off x="0" y="0"/>
-          <a:ext cx="0" cy="0"/>
-          <a:chOff x="0" y="0"/>
-          <a:chExt cx="0" cy="0"/>
-        </a:xfrm>
-      </p:grpSpPr>
-      <p:sp>
-        <p:nvSpPr>
-          <p:cNvPr id="342" name="CustomShape 1"/>
-          <p:cNvSpPr/>
-          <p:nvPr/>
-        </p:nvSpPr>
-        <p:spPr>
-          <a:xfrm>
-            <a:off x="7524720" y="6284880"/>
-            <a:ext cx="933480" cy="457200"/>
-          </a:xfrm>
-          <a:prstGeom prst="rect">
-            <a:avLst/>
-          </a:prstGeom>
-          <a:noFill/>
-          <a:ln>
-            <a:noFill/>
-          </a:ln>
-        </p:spPr>
-        <p:style>
-          <a:lnRef idx="0">
-            <a:scrgbClr r="0" g="0" b="0"/>
-          </a:lnRef>
-          <a:fillRef idx="0">
-            <a:scrgbClr r="0" g="0" b="0"/>
-          </a:fillRef>
-          <a:effectRef idx="0">
-            <a:scrgbClr r="0" g="0" b="0"/>
-          </a:effectRef>
-          <a:fontRef idx="minor"/>
-        </p:style>
-        <p:txBody>
-          <a:bodyPr lIns="90000" tIns="46800" rIns="90000" bIns="46800"/>
-          <a:lstStyle/>
-          <a:p>
-            <a:pPr algn="r">
-              <a:lnSpc>
-                <a:spcPct val="100000"/>
-              </a:lnSpc>
-            </a:pPr>
-            <a:fld id="{28544B7D-8F44-4A57-85CE-E6D7D1A9FB1B}" type="slidenum">
-              <a:rPr lang="en-US" sz="1600">
-                <a:latin typeface="Arial"/>
-              </a:rPr>
-              <a:t>48</a:t>
-            </a:fld>
-            <a:endParaRPr/>
-          </a:p>
-        </p:txBody>
-      </p:sp>
-      <p:sp>
-        <p:nvSpPr>
-          <p:cNvPr id="343" name="TextShape 2"/>
-          <p:cNvSpPr txBox="1"/>
-          <p:nvPr/>
-        </p:nvSpPr>
-        <p:spPr>
-          <a:xfrm>
-            <a:off x="1042920" y="404280"/>
-            <a:ext cx="5616720" cy="576360"/>
-          </a:xfrm>
-          <a:prstGeom prst="rect">
-            <a:avLst/>
-          </a:prstGeom>
-          <a:noFill/>
-          <a:ln>
-            <a:noFill/>
-          </a:ln>
-        </p:spPr>
-        <p:txBody>
-          <a:bodyPr anchor="b"/>
-          <a:lstStyle/>
-          <a:p>
-            <a:pPr algn="ctr">
-              <a:lnSpc>
-                <a:spcPct val="100000"/>
-              </a:lnSpc>
-            </a:pPr>
-            <a:r>
-              <a:rPr lang="zh-CN" sz="3200" b="1">
-                <a:latin typeface="华文中宋"/>
-                <a:ea typeface="华文中宋"/>
-              </a:rPr>
-              <a:t>目录</a:t>
-            </a:r>
-            <a:endParaRPr/>
-          </a:p>
-        </p:txBody>
-      </p:sp>
-      <p:sp>
-        <p:nvSpPr>
-          <p:cNvPr id="344" name="CustomShape 3"/>
-          <p:cNvSpPr/>
-          <p:nvPr/>
-        </p:nvSpPr>
-        <p:spPr>
-          <a:xfrm>
-            <a:off x="1392120" y="1506600"/>
-            <a:ext cx="1871640" cy="459720"/>
-          </a:xfrm>
-          <a:prstGeom prst="rect">
-            <a:avLst/>
-          </a:prstGeom>
-          <a:gradFill>
-            <a:gsLst>
-              <a:gs pos="0">
-                <a:srgbClr val="C1C198"/>
-              </a:gs>
-              <a:gs pos="100000">
-                <a:srgbClr val="A9A975"/>
-              </a:gs>
-            </a:gsLst>
-            <a:lin ang="5400000"/>
-          </a:gradFill>
-          <a:ln>
-            <a:noFill/>
-          </a:ln>
-        </p:spPr>
-        <p:style>
-          <a:lnRef idx="0">
-            <a:scrgbClr r="0" g="0" b="0"/>
-          </a:lnRef>
-          <a:fillRef idx="0">
-            <a:scrgbClr r="0" g="0" b="0"/>
-          </a:fillRef>
-          <a:effectRef idx="0">
-            <a:scrgbClr r="0" g="0" b="0"/>
-          </a:effectRef>
-          <a:fontRef idx="minor"/>
-        </p:style>
-        <p:txBody>
-          <a:bodyPr lIns="90000" tIns="46800" rIns="90000" bIns="46800"/>
-          <a:lstStyle/>
-          <a:p>
-            <a:pPr algn="ctr">
-              <a:lnSpc>
-                <a:spcPct val="100000"/>
-              </a:lnSpc>
-            </a:pPr>
-            <a:r>
-              <a:rPr lang="zh-CN" sz="2400">
-                <a:solidFill>
-                  <a:srgbClr val="000000"/>
-                </a:solidFill>
-                <a:latin typeface="华文中宋"/>
-                <a:ea typeface="华文中宋"/>
-              </a:rPr>
-              <a:t>研究背景</a:t>
-            </a:r>
-            <a:endParaRPr/>
-          </a:p>
-        </p:txBody>
-      </p:sp>
-      <p:sp>
-        <p:nvSpPr>
-          <p:cNvPr id="345" name="CustomShape 4"/>
-          <p:cNvSpPr/>
-          <p:nvPr/>
-        </p:nvSpPr>
-        <p:spPr>
-          <a:xfrm>
-            <a:off x="1397160" y="2297160"/>
-            <a:ext cx="1871640" cy="459720"/>
-          </a:xfrm>
-          <a:prstGeom prst="rect">
-            <a:avLst/>
-          </a:prstGeom>
-          <a:gradFill>
-            <a:gsLst>
-              <a:gs pos="0">
-                <a:srgbClr val="C1C198"/>
-              </a:gs>
-              <a:gs pos="100000">
-                <a:srgbClr val="A9A975"/>
-              </a:gs>
-            </a:gsLst>
-            <a:lin ang="5400000"/>
-          </a:gradFill>
-          <a:ln>
-            <a:noFill/>
-          </a:ln>
-        </p:spPr>
-        <p:style>
-          <a:lnRef idx="0">
-            <a:scrgbClr r="0" g="0" b="0"/>
-          </a:lnRef>
-          <a:fillRef idx="0">
-            <a:scrgbClr r="0" g="0" b="0"/>
-          </a:fillRef>
-          <a:effectRef idx="0">
-            <a:scrgbClr r="0" g="0" b="0"/>
-          </a:effectRef>
-          <a:fontRef idx="minor"/>
-        </p:style>
-        <p:txBody>
-          <a:bodyPr lIns="90000" tIns="46800" rIns="90000" bIns="46800"/>
-          <a:lstStyle/>
-          <a:p>
-            <a:pPr algn="ctr">
-              <a:lnSpc>
-                <a:spcPct val="100000"/>
-              </a:lnSpc>
-            </a:pPr>
-            <a:r>
-              <a:rPr lang="zh-CN" sz="2400">
-                <a:solidFill>
-                  <a:srgbClr val="000000"/>
-                </a:solidFill>
-                <a:latin typeface="华文中宋"/>
-                <a:ea typeface="华文中宋"/>
-              </a:rPr>
-              <a:t>研究问题</a:t>
-            </a:r>
-            <a:endParaRPr/>
-          </a:p>
-        </p:txBody>
-      </p:sp>
-      <p:sp>
-        <p:nvSpPr>
-          <p:cNvPr id="346" name="CustomShape 5"/>
-          <p:cNvSpPr/>
-          <p:nvPr/>
-        </p:nvSpPr>
-        <p:spPr>
-          <a:xfrm>
-            <a:off x="1392120" y="3086280"/>
-            <a:ext cx="1871640" cy="459720"/>
-          </a:xfrm>
-          <a:prstGeom prst="rect">
-            <a:avLst/>
-          </a:prstGeom>
-          <a:gradFill>
-            <a:gsLst>
-              <a:gs pos="0">
-                <a:srgbClr val="C1C198"/>
-              </a:gs>
-              <a:gs pos="100000">
-                <a:srgbClr val="A9A975"/>
-              </a:gs>
-            </a:gsLst>
-            <a:lin ang="5400000"/>
-          </a:gradFill>
-          <a:ln>
-            <a:noFill/>
-          </a:ln>
-        </p:spPr>
-        <p:style>
-          <a:lnRef idx="0">
-            <a:scrgbClr r="0" g="0" b="0"/>
-          </a:lnRef>
-          <a:fillRef idx="0">
-            <a:scrgbClr r="0" g="0" b="0"/>
-          </a:fillRef>
-          <a:effectRef idx="0">
-            <a:scrgbClr r="0" g="0" b="0"/>
-          </a:effectRef>
-          <a:fontRef idx="minor"/>
-        </p:style>
-        <p:txBody>
-          <a:bodyPr lIns="90000" tIns="46800" rIns="90000" bIns="46800"/>
-          <a:lstStyle/>
-          <a:p>
-            <a:pPr algn="ctr">
-              <a:lnSpc>
-                <a:spcPct val="100000"/>
-              </a:lnSpc>
-            </a:pPr>
-            <a:r>
-              <a:rPr lang="zh-CN" sz="2400">
-                <a:solidFill>
-                  <a:srgbClr val="000000"/>
-                </a:solidFill>
-                <a:latin typeface="华文中宋"/>
-                <a:ea typeface="华文中宋"/>
-              </a:rPr>
-              <a:t>相关工作</a:t>
-            </a:r>
-            <a:endParaRPr/>
-          </a:p>
-        </p:txBody>
-      </p:sp>
-      <p:sp>
-        <p:nvSpPr>
-          <p:cNvPr id="347" name="CustomShape 6"/>
-          <p:cNvSpPr/>
-          <p:nvPr/>
-        </p:nvSpPr>
-        <p:spPr>
-          <a:xfrm>
-            <a:off x="1392120" y="3875040"/>
-            <a:ext cx="1871640" cy="459720"/>
-          </a:xfrm>
-          <a:prstGeom prst="rect">
-            <a:avLst/>
-          </a:prstGeom>
-          <a:gradFill>
-            <a:gsLst>
-              <a:gs pos="0">
-                <a:srgbClr val="C1C198"/>
-              </a:gs>
-              <a:gs pos="100000">
-                <a:srgbClr val="A9A975"/>
-              </a:gs>
-            </a:gsLst>
-            <a:lin ang="5400000"/>
-          </a:gradFill>
-          <a:ln>
-            <a:noFill/>
-          </a:ln>
-        </p:spPr>
-        <p:style>
-          <a:lnRef idx="0">
-            <a:scrgbClr r="0" g="0" b="0"/>
-          </a:lnRef>
-          <a:fillRef idx="0">
-            <a:scrgbClr r="0" g="0" b="0"/>
-          </a:fillRef>
-          <a:effectRef idx="0">
-            <a:scrgbClr r="0" g="0" b="0"/>
-          </a:effectRef>
-          <a:fontRef idx="minor"/>
-        </p:style>
-        <p:txBody>
-          <a:bodyPr lIns="90000" tIns="46800" rIns="90000" bIns="46800"/>
-          <a:lstStyle/>
-          <a:p>
-            <a:pPr algn="ctr">
-              <a:lnSpc>
-                <a:spcPct val="100000"/>
-              </a:lnSpc>
-            </a:pPr>
-            <a:r>
-              <a:rPr lang="zh-CN" sz="2400">
-                <a:solidFill>
-                  <a:srgbClr val="000000"/>
-                </a:solidFill>
-                <a:latin typeface="华文中宋"/>
-                <a:ea typeface="华文中宋"/>
-              </a:rPr>
-              <a:t>自己工作</a:t>
-            </a:r>
-            <a:endParaRPr/>
-          </a:p>
-        </p:txBody>
-      </p:sp>
-      <p:sp>
-        <p:nvSpPr>
-          <p:cNvPr id="348" name="CustomShape 7"/>
-          <p:cNvSpPr/>
-          <p:nvPr/>
-        </p:nvSpPr>
-        <p:spPr>
-          <a:xfrm>
-            <a:off x="1392120" y="4664160"/>
-            <a:ext cx="1871640" cy="459720"/>
-          </a:xfrm>
-          <a:prstGeom prst="rect">
-            <a:avLst/>
-          </a:prstGeom>
-          <a:gradFill>
-            <a:gsLst>
-              <a:gs pos="0">
-                <a:srgbClr val="C1C198"/>
-              </a:gs>
-              <a:gs pos="100000">
-                <a:srgbClr val="A9A975"/>
-              </a:gs>
-            </a:gsLst>
-            <a:lin ang="5400000"/>
-          </a:gradFill>
-          <a:ln>
-            <a:noFill/>
-          </a:ln>
-        </p:spPr>
-        <p:style>
-          <a:lnRef idx="0">
-            <a:scrgbClr r="0" g="0" b="0"/>
-          </a:lnRef>
-          <a:fillRef idx="0">
-            <a:scrgbClr r="0" g="0" b="0"/>
-          </a:fillRef>
-          <a:effectRef idx="0">
-            <a:scrgbClr r="0" g="0" b="0"/>
-          </a:effectRef>
-          <a:fontRef idx="minor"/>
-        </p:style>
-        <p:txBody>
-          <a:bodyPr lIns="90000" tIns="46800" rIns="90000" bIns="46800"/>
-          <a:lstStyle/>
-          <a:p>
-            <a:pPr algn="ctr">
-              <a:lnSpc>
-                <a:spcPct val="100000"/>
-              </a:lnSpc>
-            </a:pPr>
-            <a:r>
-              <a:rPr lang="zh-CN" sz="2400">
-                <a:solidFill>
-                  <a:srgbClr val="000000"/>
-                </a:solidFill>
-                <a:latin typeface="华文中宋"/>
-                <a:ea typeface="华文中宋"/>
-              </a:rPr>
-              <a:t>总结展望</a:t>
-            </a:r>
-            <a:endParaRPr/>
-          </a:p>
-        </p:txBody>
-      </p:sp>
-      <p:sp>
-        <p:nvSpPr>
-          <p:cNvPr id="349" name="CustomShape 8"/>
-          <p:cNvSpPr/>
-          <p:nvPr/>
-        </p:nvSpPr>
-        <p:spPr>
-          <a:xfrm>
-            <a:off x="1392120" y="5452920"/>
-            <a:ext cx="1871640" cy="459720"/>
-          </a:xfrm>
-          <a:prstGeom prst="rect">
-            <a:avLst/>
-          </a:prstGeom>
-          <a:solidFill>
-            <a:srgbClr val="FFC000"/>
-          </a:solidFill>
-          <a:ln>
-            <a:noFill/>
-          </a:ln>
-        </p:spPr>
-        <p:style>
-          <a:lnRef idx="0">
-            <a:scrgbClr r="0" g="0" b="0"/>
-          </a:lnRef>
-          <a:fillRef idx="0">
-            <a:scrgbClr r="0" g="0" b="0"/>
-          </a:fillRef>
-          <a:effectRef idx="0">
-            <a:scrgbClr r="0" g="0" b="0"/>
-          </a:effectRef>
-          <a:fontRef idx="minor"/>
-        </p:style>
-        <p:txBody>
-          <a:bodyPr lIns="90000" tIns="46800" rIns="90000" bIns="46800"/>
-          <a:lstStyle/>
-          <a:p>
-            <a:pPr algn="ctr">
-              <a:lnSpc>
-                <a:spcPct val="100000"/>
-              </a:lnSpc>
-            </a:pPr>
-            <a:r>
-              <a:rPr lang="zh-CN" sz="2400">
-                <a:solidFill>
-                  <a:srgbClr val="000000"/>
-                </a:solidFill>
-                <a:latin typeface="华文中宋"/>
-                <a:ea typeface="华文中宋"/>
-              </a:rPr>
-              <a:t>科研成果</a:t>
-            </a:r>
-            <a:endParaRPr/>
-          </a:p>
-        </p:txBody>
-      </p:sp>
-    </p:spTree>
-  </p:cSld>
-  <p:clrMapOvr>
-    <a:masterClrMapping/>
-  </p:clrMapOvr>
-</p:sld>
-</file>
-
-<file path=ppt/slides/slide49.xml><?xml version="1.0" encoding="utf-8"?>
-<p:sld xmlns:a="http://schemas.openxmlformats.org/drawingml/2006/main" xmlns:r="http://schemas.openxmlformats.org/officeDocument/2006/relationships" xmlns:p="http://schemas.openxmlformats.org/presentationml/2006/main">
-  <p:cSld>
-    <p:spTree>
-      <p:nvGrpSpPr>
-        <p:cNvPr id="1" name=""/>
-        <p:cNvGrpSpPr/>
-        <p:nvPr/>
-      </p:nvGrpSpPr>
-      <p:grpSpPr>
-        <a:xfrm>
-          <a:off x="0" y="0"/>
-          <a:ext cx="0" cy="0"/>
-          <a:chOff x="0" y="0"/>
-          <a:chExt cx="0" cy="0"/>
-        </a:xfrm>
-      </p:grpSpPr>
-      <p:sp>
-        <p:nvSpPr>
-          <p:cNvPr id="350" name="TextShape 1"/>
-          <p:cNvSpPr txBox="1"/>
-          <p:nvPr/>
-        </p:nvSpPr>
-        <p:spPr>
-          <a:xfrm>
-            <a:off x="1042920" y="404280"/>
-            <a:ext cx="5616720" cy="576360"/>
-          </a:xfrm>
-          <a:prstGeom prst="rect">
-            <a:avLst/>
-          </a:prstGeom>
-          <a:noFill/>
-          <a:ln>
-            <a:noFill/>
-          </a:ln>
-        </p:spPr>
-        <p:txBody>
-          <a:bodyPr anchor="b"/>
-          <a:lstStyle/>
-          <a:p>
-            <a:pPr algn="ctr">
-              <a:lnSpc>
-                <a:spcPct val="100000"/>
-              </a:lnSpc>
-            </a:pPr>
-            <a:r>
-              <a:rPr lang="zh-CN" sz="3200">
-                <a:latin typeface="华文中宋"/>
-                <a:ea typeface="华文中宋"/>
-              </a:rPr>
-              <a:t>科研成果</a:t>
-            </a:r>
-            <a:endParaRPr/>
-          </a:p>
-        </p:txBody>
-      </p:sp>
-      <p:sp>
-        <p:nvSpPr>
-          <p:cNvPr id="351" name="CustomShape 2"/>
-          <p:cNvSpPr/>
-          <p:nvPr/>
-        </p:nvSpPr>
-        <p:spPr>
-          <a:xfrm>
-            <a:off x="7524720" y="6284880"/>
-            <a:ext cx="933480" cy="457200"/>
-          </a:xfrm>
-          <a:prstGeom prst="rect">
-            <a:avLst/>
-          </a:prstGeom>
-          <a:noFill/>
-          <a:ln>
-            <a:noFill/>
-          </a:ln>
-        </p:spPr>
-        <p:style>
-          <a:lnRef idx="0">
-            <a:scrgbClr r="0" g="0" b="0"/>
-          </a:lnRef>
-          <a:fillRef idx="0">
-            <a:scrgbClr r="0" g="0" b="0"/>
-          </a:fillRef>
-          <a:effectRef idx="0">
-            <a:scrgbClr r="0" g="0" b="0"/>
-          </a:effectRef>
-          <a:fontRef idx="minor"/>
-        </p:style>
-        <p:txBody>
-          <a:bodyPr lIns="90000" tIns="46800" rIns="90000" bIns="46800"/>
-          <a:lstStyle/>
-          <a:p>
-            <a:pPr algn="r">
-              <a:lnSpc>
-                <a:spcPct val="100000"/>
-              </a:lnSpc>
-            </a:pPr>
-            <a:fld id="{86F37FE2-C479-468F-8F44-EC8609D334B1}" type="slidenum">
-              <a:rPr lang="en-US" sz="1600">
-                <a:latin typeface="Arial"/>
-              </a:rPr>
               <a:t>49</a:t>
             </a:fld>
             <a:endParaRPr/>
@@ -37150,347 +39023,461 @@
       </p:sp>
       <p:sp>
         <p:nvSpPr>
-          <p:cNvPr id="352" name="CustomShape 3"/>
+          <p:cNvPr id="5" name="圆角矩形 4"/>
           <p:cNvSpPr/>
           <p:nvPr/>
         </p:nvSpPr>
         <p:spPr>
           <a:xfrm>
-            <a:off x="179280" y="1341360"/>
-            <a:ext cx="3097440" cy="432000"/>
+            <a:off x="1948738" y="2473730"/>
+            <a:ext cx="5853349" cy="976098"/>
           </a:xfrm>
-          <a:prstGeom prst="homePlate">
-            <a:avLst>
-              <a:gd name="adj" fmla="val 20093"/>
-            </a:avLst>
+          <a:prstGeom prst="roundRect">
+            <a:avLst/>
           </a:prstGeom>
-          <a:solidFill>
-            <a:srgbClr val="CCFFCC"/>
-          </a:solidFill>
-          <a:ln>
-            <a:noFill/>
-          </a:ln>
         </p:spPr>
         <p:style>
-          <a:lnRef idx="0">
-            <a:scrgbClr r="0" g="0" b="0"/>
+          <a:lnRef idx="3">
+            <a:schemeClr val="lt1"/>
           </a:lnRef>
-          <a:fillRef idx="0">
-            <a:scrgbClr r="0" g="0" b="0"/>
+          <a:fillRef idx="1">
+            <a:schemeClr val="accent6"/>
           </a:fillRef>
-          <a:effectRef idx="0">
-            <a:scrgbClr r="0" g="0" b="0"/>
+          <a:effectRef idx="1">
+            <a:schemeClr val="accent6"/>
           </a:effectRef>
-          <a:fontRef idx="minor"/>
+          <a:fontRef idx="minor">
+            <a:schemeClr val="lt1"/>
+          </a:fontRef>
         </p:style>
         <p:txBody>
-          <a:bodyPr wrap="none" lIns="90000" tIns="46800" rIns="90000" bIns="46800" anchor="ctr"/>
+          <a:bodyPr rtlCol="0" anchor="ctr"/>
           <a:lstStyle/>
           <a:p>
             <a:pPr algn="ctr"/>
             <a:r>
-              <a:rPr lang="zh-CN" sz="2400" b="1">
-                <a:latin typeface="Times New Roman"/>
-              </a:rPr>
-              <a:t>在校参加的研究工作</a:t>
-            </a:r>
-            <a:endParaRPr/>
+              <a:rPr lang="zh-CN" altLang="en-US" sz="2000" b="1" dirty="0">
+                <a:solidFill>
+                  <a:srgbClr val="000000"/>
+                </a:solidFill>
+                <a:latin typeface="华文中宋"/>
+                <a:ea typeface="华文中宋"/>
+              </a:rPr>
+              <a:t>提出一种基于人工鱼群算法的</a:t>
+            </a:r>
+            <a:r>
+              <a:rPr lang="en-US" altLang="zh-CN" sz="2000" b="1" dirty="0">
+                <a:solidFill>
+                  <a:srgbClr val="000000"/>
+                </a:solidFill>
+                <a:latin typeface="华文中宋"/>
+                <a:ea typeface="华文中宋"/>
+              </a:rPr>
+              <a:t>YARN</a:t>
+            </a:r>
+            <a:r>
+              <a:rPr lang="zh-CN" altLang="en-US" sz="2000" b="1" dirty="0">
+                <a:solidFill>
+                  <a:srgbClr val="000000"/>
+                </a:solidFill>
+                <a:latin typeface="华文中宋"/>
+                <a:ea typeface="华文中宋"/>
+              </a:rPr>
+              <a:t>资源调度器</a:t>
+            </a:r>
+            <a:endParaRPr lang="zh-CN" altLang="en-US" sz="2000" b="1" dirty="0"/>
           </a:p>
         </p:txBody>
       </p:sp>
       <p:sp>
         <p:nvSpPr>
-          <p:cNvPr id="353" name="CustomShape 4"/>
+          <p:cNvPr id="6" name="圆角矩形 5"/>
           <p:cNvSpPr/>
           <p:nvPr/>
         </p:nvSpPr>
         <p:spPr>
           <a:xfrm>
-            <a:off x="179280" y="3429000"/>
-            <a:ext cx="3097440" cy="431640"/>
+            <a:off x="1948739" y="3646562"/>
+            <a:ext cx="5853348" cy="955963"/>
           </a:xfrm>
-          <a:prstGeom prst="homePlate">
-            <a:avLst>
-              <a:gd name="adj" fmla="val 20093"/>
-            </a:avLst>
+          <a:prstGeom prst="roundRect">
+            <a:avLst/>
           </a:prstGeom>
-          <a:solidFill>
-            <a:srgbClr val="CCFFCC"/>
-          </a:solidFill>
-          <a:ln>
-            <a:noFill/>
-          </a:ln>
         </p:spPr>
         <p:style>
-          <a:lnRef idx="0">
-            <a:scrgbClr r="0" g="0" b="0"/>
+          <a:lnRef idx="3">
+            <a:schemeClr val="lt1"/>
           </a:lnRef>
-          <a:fillRef idx="0">
-            <a:scrgbClr r="0" g="0" b="0"/>
+          <a:fillRef idx="1">
+            <a:schemeClr val="accent3"/>
           </a:fillRef>
-          <a:effectRef idx="0">
-            <a:scrgbClr r="0" g="0" b="0"/>
+          <a:effectRef idx="1">
+            <a:schemeClr val="accent3"/>
           </a:effectRef>
-          <a:fontRef idx="minor"/>
+          <a:fontRef idx="minor">
+            <a:schemeClr val="lt1"/>
+          </a:fontRef>
         </p:style>
         <p:txBody>
-          <a:bodyPr wrap="none" lIns="90000" tIns="46800" rIns="90000" bIns="46800" anchor="ctr"/>
+          <a:bodyPr rtlCol="0" anchor="ctr"/>
           <a:lstStyle/>
           <a:p>
             <a:pPr algn="ctr"/>
             <a:r>
-              <a:rPr lang="zh-CN" sz="2400" b="1">
-                <a:latin typeface="Times New Roman"/>
-              </a:rPr>
-              <a:t>在校发表论文</a:t>
-            </a:r>
-            <a:endParaRPr/>
+              <a:rPr lang="zh-CN" altLang="en-US" sz="2000" b="1" dirty="0">
+                <a:solidFill>
+                  <a:srgbClr val="000000"/>
+                </a:solidFill>
+                <a:latin typeface="华文中宋"/>
+                <a:ea typeface="华文中宋"/>
+              </a:rPr>
+              <a:t>提出基于</a:t>
+            </a:r>
+            <a:r>
+              <a:rPr lang="en-US" altLang="zh-CN" sz="2000" b="1" dirty="0">
+                <a:solidFill>
+                  <a:srgbClr val="000000"/>
+                </a:solidFill>
+                <a:latin typeface="华文中宋"/>
+                <a:ea typeface="华文中宋"/>
+              </a:rPr>
+              <a:t>RDMA</a:t>
+            </a:r>
+            <a:r>
+              <a:rPr lang="zh-CN" altLang="en-US" sz="2000" b="1" dirty="0">
+                <a:solidFill>
+                  <a:srgbClr val="000000"/>
+                </a:solidFill>
+                <a:latin typeface="华文中宋"/>
+                <a:ea typeface="华文中宋"/>
+              </a:rPr>
+              <a:t>传输协议的</a:t>
+            </a:r>
+            <a:r>
+              <a:rPr lang="en-US" altLang="zh-CN" sz="2000" b="1" dirty="0">
+                <a:solidFill>
+                  <a:srgbClr val="000000"/>
+                </a:solidFill>
+                <a:latin typeface="华文中宋"/>
+                <a:ea typeface="华文中宋"/>
+              </a:rPr>
+              <a:t>YARN</a:t>
+            </a:r>
+            <a:r>
+              <a:rPr lang="zh-CN" altLang="en-US" sz="2000" b="1" dirty="0">
+                <a:solidFill>
+                  <a:srgbClr val="000000"/>
+                </a:solidFill>
+                <a:latin typeface="华文中宋"/>
+                <a:ea typeface="华文中宋"/>
+              </a:rPr>
+              <a:t>平台</a:t>
+            </a:r>
+            <a:r>
+              <a:rPr lang="en-US" altLang="zh-CN" sz="2000" b="1" dirty="0">
+                <a:solidFill>
+                  <a:srgbClr val="000000"/>
+                </a:solidFill>
+                <a:latin typeface="华文中宋"/>
+                <a:ea typeface="华文中宋"/>
+              </a:rPr>
+              <a:t>Shuffle</a:t>
+            </a:r>
+            <a:r>
+              <a:rPr lang="zh-CN" altLang="en-US" sz="2000" b="1" dirty="0">
+                <a:solidFill>
+                  <a:srgbClr val="000000"/>
+                </a:solidFill>
+                <a:latin typeface="华文中宋"/>
+                <a:ea typeface="华文中宋"/>
+              </a:rPr>
+              <a:t>算法改进</a:t>
+            </a:r>
+            <a:endParaRPr lang="zh-CN" altLang="en-US" sz="2000" b="1" dirty="0"/>
           </a:p>
         </p:txBody>
       </p:sp>
       <p:sp>
         <p:nvSpPr>
-          <p:cNvPr id="354" name="CustomShape 5"/>
+          <p:cNvPr id="7" name="圆角矩形 6"/>
           <p:cNvSpPr/>
           <p:nvPr/>
         </p:nvSpPr>
         <p:spPr>
           <a:xfrm>
-            <a:off x="826920" y="4008600"/>
-            <a:ext cx="1800360" cy="473040"/>
+            <a:off x="1948739" y="4799260"/>
+            <a:ext cx="5853348" cy="955963"/>
           </a:xfrm>
           <a:prstGeom prst="roundRect">
-            <a:avLst>
-              <a:gd name="adj" fmla="val 3600"/>
-            </a:avLst>
+            <a:avLst/>
           </a:prstGeom>
-          <a:noFill/>
-          <a:ln w="28440">
-            <a:solidFill>
-              <a:srgbClr val="FFC000"/>
-            </a:solidFill>
-            <a:miter/>
-          </a:ln>
         </p:spPr>
         <p:style>
-          <a:lnRef idx="0">
-            <a:scrgbClr r="0" g="0" b="0"/>
+          <a:lnRef idx="3">
+            <a:schemeClr val="lt1"/>
           </a:lnRef>
-          <a:fillRef idx="0">
-            <a:scrgbClr r="0" g="0" b="0"/>
+          <a:fillRef idx="1">
+            <a:schemeClr val="accent5"/>
           </a:fillRef>
-          <a:effectRef idx="0">
-            <a:scrgbClr r="0" g="0" b="0"/>
+          <a:effectRef idx="1">
+            <a:schemeClr val="accent5"/>
           </a:effectRef>
-          <a:fontRef idx="minor"/>
+          <a:fontRef idx="minor">
+            <a:schemeClr val="lt1"/>
+          </a:fontRef>
         </p:style>
         <p:txBody>
-          <a:bodyPr wrap="none" lIns="90000" tIns="46800" rIns="90000" bIns="46800" anchor="ctr"/>
+          <a:bodyPr rtlCol="0" anchor="ctr"/>
           <a:lstStyle/>
           <a:p>
             <a:pPr algn="ctr"/>
             <a:r>
-              <a:rPr lang="en-US">
-                <a:latin typeface="Times New Roman"/>
-              </a:rPr>
-              <a:t>CCF-C</a:t>
-            </a:r>
-            <a:r>
-              <a:rPr lang="zh-CN">
-                <a:latin typeface="Times New Roman"/>
-              </a:rPr>
-              <a:t>类会议</a:t>
-            </a:r>
-            <a:endParaRPr/>
+              <a:rPr lang="zh-CN" altLang="en-US" sz="2000" b="1" dirty="0">
+                <a:solidFill>
+                  <a:srgbClr val="000000"/>
+                </a:solidFill>
+                <a:latin typeface="华文中宋"/>
+                <a:ea typeface="华文中宋"/>
+              </a:rPr>
+              <a:t>实现基于改进的</a:t>
+            </a:r>
+            <a:r>
+              <a:rPr lang="en-US" altLang="zh-CN" sz="2000" b="1" dirty="0">
+                <a:solidFill>
+                  <a:srgbClr val="000000"/>
+                </a:solidFill>
+                <a:latin typeface="华文中宋"/>
+                <a:ea typeface="华文中宋"/>
+              </a:rPr>
+              <a:t>YARN</a:t>
+            </a:r>
+            <a:r>
+              <a:rPr lang="zh-CN" altLang="en-US" sz="2000" b="1" dirty="0">
+                <a:solidFill>
+                  <a:srgbClr val="000000"/>
+                </a:solidFill>
+                <a:latin typeface="华文中宋"/>
+                <a:ea typeface="华文中宋"/>
+              </a:rPr>
+              <a:t>平台的</a:t>
+            </a:r>
+            <a:r>
+              <a:rPr lang="en-US" altLang="zh-CN" sz="2000" b="1" dirty="0">
+                <a:solidFill>
+                  <a:srgbClr val="000000"/>
+                </a:solidFill>
+                <a:latin typeface="华文中宋"/>
+                <a:ea typeface="华文中宋"/>
+              </a:rPr>
+              <a:t>PKTM</a:t>
+            </a:r>
+            <a:r>
+              <a:rPr lang="zh-CN" altLang="en-US" sz="2000" b="1" dirty="0">
+                <a:solidFill>
+                  <a:srgbClr val="000000"/>
+                </a:solidFill>
+                <a:latin typeface="华文中宋"/>
+                <a:ea typeface="华文中宋"/>
+              </a:rPr>
+              <a:t>系统</a:t>
+            </a:r>
+            <a:endParaRPr lang="zh-CN" altLang="en-US" sz="2000" b="1" dirty="0"/>
           </a:p>
         </p:txBody>
       </p:sp>
       <p:sp>
         <p:nvSpPr>
-          <p:cNvPr id="355" name="CustomShape 6"/>
+          <p:cNvPr id="8" name="圆角矩形 7"/>
           <p:cNvSpPr/>
           <p:nvPr/>
         </p:nvSpPr>
         <p:spPr>
           <a:xfrm>
-            <a:off x="826920" y="4545000"/>
-            <a:ext cx="7058160" cy="936720"/>
+            <a:off x="477321" y="1671651"/>
+            <a:ext cx="1471417" cy="766697"/>
           </a:xfrm>
           <a:prstGeom prst="roundRect">
-            <a:avLst>
-              <a:gd name="adj" fmla="val 3600"/>
-            </a:avLst>
+            <a:avLst/>
           </a:prstGeom>
-          <a:noFill/>
-          <a:ln w="28440">
+          <a:solidFill>
+            <a:srgbClr val="00B050"/>
+          </a:solidFill>
+        </p:spPr>
+        <p:style>
+          <a:lnRef idx="3">
+            <a:schemeClr val="lt1"/>
+          </a:lnRef>
+          <a:fillRef idx="1">
+            <a:schemeClr val="accent6"/>
+          </a:fillRef>
+          <a:effectRef idx="1">
+            <a:schemeClr val="accent6"/>
+          </a:effectRef>
+          <a:fontRef idx="minor">
+            <a:schemeClr val="lt1"/>
+          </a:fontRef>
+        </p:style>
+        <p:txBody>
+          <a:bodyPr rtlCol="0" anchor="ctr"/>
+          <a:lstStyle/>
+          <a:p>
+            <a:pPr algn="ctr"/>
+            <a:r>
+              <a:rPr lang="zh-CN" altLang="en-US" sz="3200" b="1" dirty="0">
+                <a:solidFill>
+                  <a:srgbClr val="000000"/>
+                </a:solidFill>
+                <a:latin typeface="华文中宋"/>
+                <a:ea typeface="华文中宋"/>
+              </a:rPr>
+              <a:t>总结</a:t>
+            </a:r>
+            <a:endParaRPr lang="zh-CN" altLang="en-US" sz="3200" b="1" dirty="0"/>
+          </a:p>
+        </p:txBody>
+      </p:sp>
+      <p:cxnSp>
+        <p:nvCxnSpPr>
+          <p:cNvPr id="3" name="直接连接符 2"/>
+          <p:cNvCxnSpPr/>
+          <p:nvPr/>
+        </p:nvCxnSpPr>
+        <p:spPr>
+          <a:xfrm flipH="1">
+            <a:off x="1199408" y="2473730"/>
+            <a:ext cx="12462" cy="2803511"/>
+          </a:xfrm>
+          <a:prstGeom prst="line">
+            <a:avLst/>
+          </a:prstGeom>
+          <a:ln w="38100">
             <a:solidFill>
-              <a:srgbClr val="FFC000"/>
+              <a:schemeClr val="tx1"/>
             </a:solidFill>
-            <a:miter/>
           </a:ln>
         </p:spPr>
         <p:style>
-          <a:lnRef idx="0">
-            <a:scrgbClr r="0" g="0" b="0"/>
+          <a:lnRef idx="1">
+            <a:schemeClr val="accent1"/>
           </a:lnRef>
           <a:fillRef idx="0">
-            <a:scrgbClr r="0" g="0" b="0"/>
+            <a:schemeClr val="accent1"/>
           </a:fillRef>
           <a:effectRef idx="0">
-            <a:scrgbClr r="0" g="0" b="0"/>
+            <a:schemeClr val="accent1"/>
           </a:effectRef>
-          <a:fontRef idx="minor"/>
+          <a:fontRef idx="minor">
+            <a:schemeClr val="tx1"/>
+          </a:fontRef>
         </p:style>
-        <p:txBody>
-          <a:bodyPr wrap="none" lIns="90000" tIns="46800" rIns="90000" bIns="46800" anchor="ctr"/>
-          <a:lstStyle/>
-          <a:p>
-            <a:pPr algn="ctr"/>
-            <a:r>
-              <a:rPr lang="en-US">
-                <a:latin typeface="Times New Roman"/>
-              </a:rPr>
-              <a:t>Yang C, Tang J, Gao H, et al. Pre-stack Kirchhoff Time Migration on </a:t>
-            </a:r>
-            <a:endParaRPr/>
-          </a:p>
-          <a:p>
-            <a:pPr algn="ctr"/>
-            <a:r>
-              <a:rPr lang="en-US">
-                <a:latin typeface="Times New Roman"/>
-              </a:rPr>
-              <a:t>Hadoop and Spark[M]//Algorithms and Architectures for Parallel</a:t>
-            </a:r>
-            <a:endParaRPr/>
-          </a:p>
-          <a:p>
-            <a:pPr algn="ctr"/>
-            <a:r>
-              <a:rPr lang="en-US">
-                <a:latin typeface="Times New Roman"/>
-              </a:rPr>
-              <a:t> Processing. Springer International Publishing, 2015: 190-202.</a:t>
-            </a:r>
-            <a:endParaRPr/>
-          </a:p>
-        </p:txBody>
-      </p:sp>
-      <p:sp>
-        <p:nvSpPr>
-          <p:cNvPr id="356" name="CustomShape 7"/>
-          <p:cNvSpPr/>
+      </p:cxnSp>
+      <p:cxnSp>
+        <p:nvCxnSpPr>
+          <p:cNvPr id="9" name="直接连接符 8"/>
+          <p:cNvCxnSpPr>
+            <a:endCxn id="5" idx="1"/>
+          </p:cNvCxnSpPr>
           <p:nvPr/>
-        </p:nvSpPr>
+        </p:nvCxnSpPr>
         <p:spPr>
           <a:xfrm>
-            <a:off x="979560" y="2212920"/>
-            <a:ext cx="7057800" cy="936720"/>
+            <a:off x="1213029" y="2961779"/>
+            <a:ext cx="735709" cy="0"/>
           </a:xfrm>
-          <a:prstGeom prst="roundRect">
-            <a:avLst>
-              <a:gd name="adj" fmla="val 3600"/>
-            </a:avLst>
+          <a:prstGeom prst="line">
+            <a:avLst/>
           </a:prstGeom>
-          <a:noFill/>
-          <a:ln w="28440">
+          <a:ln w="38100">
             <a:solidFill>
-              <a:srgbClr val="FFC000"/>
+              <a:schemeClr val="tx1"/>
             </a:solidFill>
-            <a:miter/>
           </a:ln>
         </p:spPr>
         <p:style>
-          <a:lnRef idx="0">
-            <a:scrgbClr r="0" g="0" b="0"/>
+          <a:lnRef idx="1">
+            <a:schemeClr val="accent1"/>
           </a:lnRef>
           <a:fillRef idx="0">
-            <a:scrgbClr r="0" g="0" b="0"/>
+            <a:schemeClr val="accent1"/>
           </a:fillRef>
           <a:effectRef idx="0">
-            <a:scrgbClr r="0" g="0" b="0"/>
+            <a:schemeClr val="accent1"/>
           </a:effectRef>
-          <a:fontRef idx="minor"/>
+          <a:fontRef idx="minor">
+            <a:schemeClr val="tx1"/>
+          </a:fontRef>
         </p:style>
-        <p:txBody>
-          <a:bodyPr wrap="none" lIns="90000" tIns="46800" rIns="90000" bIns="46800" anchor="ctr"/>
-          <a:lstStyle/>
-          <a:p>
-            <a:pPr algn="ctr"/>
-            <a:r>
-              <a:rPr lang="en-US">
-                <a:latin typeface="Times New Roman"/>
-              </a:rPr>
-              <a:t>“</a:t>
-            </a:r>
-            <a:r>
-              <a:rPr lang="zh-CN">
-                <a:latin typeface="Times New Roman"/>
-              </a:rPr>
-              <a:t>十二五</a:t>
-            </a:r>
-            <a:r>
-              <a:rPr lang="en-US">
-                <a:latin typeface="Times New Roman"/>
-              </a:rPr>
-              <a:t>”</a:t>
-            </a:r>
-            <a:r>
-              <a:rPr lang="zh-CN">
-                <a:latin typeface="Times New Roman"/>
-              </a:rPr>
-              <a:t>国家科技重大专项专题</a:t>
-            </a:r>
-            <a:r>
-              <a:rPr lang="en-US">
-                <a:latin typeface="Times New Roman"/>
-              </a:rPr>
-              <a:t>“</a:t>
-            </a:r>
-            <a:r>
-              <a:rPr lang="zh-CN">
-                <a:latin typeface="Times New Roman"/>
-              </a:rPr>
-              <a:t>煤层气地震数据处理算法并行化</a:t>
-            </a:r>
-            <a:endParaRPr/>
-          </a:p>
-          <a:p>
-            <a:pPr algn="ctr"/>
-            <a:r>
-              <a:rPr lang="zh-CN">
-                <a:latin typeface="Times New Roman"/>
-              </a:rPr>
-              <a:t>及高效数据组织技术研究</a:t>
-            </a:r>
-            <a:r>
-              <a:rPr lang="en-US">
-                <a:latin typeface="Times New Roman"/>
-              </a:rPr>
-              <a:t>”</a:t>
-            </a:r>
-            <a:r>
-              <a:rPr lang="zh-CN">
-                <a:latin typeface="Times New Roman"/>
-              </a:rPr>
-              <a:t>（</a:t>
-            </a:r>
-            <a:r>
-              <a:rPr lang="en-US">
-                <a:latin typeface="Times New Roman"/>
-              </a:rPr>
-              <a:t>ZX05035-004-004HZ</a:t>
-            </a:r>
-            <a:r>
-              <a:rPr lang="zh-CN">
-                <a:latin typeface="Times New Roman"/>
-              </a:rPr>
-              <a:t>）</a:t>
-            </a:r>
-            <a:endParaRPr/>
-          </a:p>
-        </p:txBody>
-      </p:sp>
+      </p:cxnSp>
+      <p:cxnSp>
+        <p:nvCxnSpPr>
+          <p:cNvPr id="13" name="直接连接符 12"/>
+          <p:cNvCxnSpPr/>
+          <p:nvPr/>
+        </p:nvCxnSpPr>
+        <p:spPr>
+          <a:xfrm>
+            <a:off x="1213029" y="4124543"/>
+            <a:ext cx="735709" cy="0"/>
+          </a:xfrm>
+          <a:prstGeom prst="line">
+            <a:avLst/>
+          </a:prstGeom>
+          <a:ln w="38100">
+            <a:solidFill>
+              <a:schemeClr val="tx1"/>
+            </a:solidFill>
+          </a:ln>
+        </p:spPr>
+        <p:style>
+          <a:lnRef idx="1">
+            <a:schemeClr val="accent1"/>
+          </a:lnRef>
+          <a:fillRef idx="0">
+            <a:schemeClr val="accent1"/>
+          </a:fillRef>
+          <a:effectRef idx="0">
+            <a:schemeClr val="accent1"/>
+          </a:effectRef>
+          <a:fontRef idx="minor">
+            <a:schemeClr val="tx1"/>
+          </a:fontRef>
+        </p:style>
+      </p:cxnSp>
+      <p:cxnSp>
+        <p:nvCxnSpPr>
+          <p:cNvPr id="14" name="直接连接符 13"/>
+          <p:cNvCxnSpPr/>
+          <p:nvPr/>
+        </p:nvCxnSpPr>
+        <p:spPr>
+          <a:xfrm>
+            <a:off x="1199408" y="5277241"/>
+            <a:ext cx="735709" cy="0"/>
+          </a:xfrm>
+          <a:prstGeom prst="line">
+            <a:avLst/>
+          </a:prstGeom>
+          <a:ln w="38100">
+            <a:solidFill>
+              <a:schemeClr val="tx1"/>
+            </a:solidFill>
+          </a:ln>
+        </p:spPr>
+        <p:style>
+          <a:lnRef idx="1">
+            <a:schemeClr val="accent1"/>
+          </a:lnRef>
+          <a:fillRef idx="0">
+            <a:schemeClr val="accent1"/>
+          </a:fillRef>
+          <a:effectRef idx="0">
+            <a:schemeClr val="accent1"/>
+          </a:effectRef>
+          <a:fontRef idx="minor">
+            <a:schemeClr val="tx1"/>
+          </a:fontRef>
+        </p:style>
+      </p:cxnSp>
     </p:spTree>
   </p:cSld>
   <p:clrMapOvr>
@@ -38025,6 +40012,1151 @@
       </p:grpSpPr>
       <p:sp>
         <p:nvSpPr>
+          <p:cNvPr id="339" name="TextShape 1"/>
+          <p:cNvSpPr txBox="1"/>
+          <p:nvPr/>
+        </p:nvSpPr>
+        <p:spPr>
+          <a:xfrm>
+            <a:off x="1042920" y="404280"/>
+            <a:ext cx="5616720" cy="576360"/>
+          </a:xfrm>
+          <a:prstGeom prst="rect">
+            <a:avLst/>
+          </a:prstGeom>
+          <a:noFill/>
+          <a:ln>
+            <a:noFill/>
+          </a:ln>
+        </p:spPr>
+        <p:txBody>
+          <a:bodyPr anchor="b"/>
+          <a:lstStyle/>
+          <a:p>
+            <a:pPr algn="ctr">
+              <a:lnSpc>
+                <a:spcPct val="100000"/>
+              </a:lnSpc>
+            </a:pPr>
+            <a:r>
+              <a:rPr lang="zh-CN" altLang="en-US" sz="3200" b="1" dirty="0">
+                <a:latin typeface="华文中宋"/>
+                <a:ea typeface="华文中宋"/>
+              </a:rPr>
+              <a:t>展望</a:t>
+            </a:r>
+            <a:endParaRPr b="1" dirty="0"/>
+          </a:p>
+        </p:txBody>
+      </p:sp>
+      <p:sp>
+        <p:nvSpPr>
+          <p:cNvPr id="341" name="CustomShape 3"/>
+          <p:cNvSpPr/>
+          <p:nvPr/>
+        </p:nvSpPr>
+        <p:spPr>
+          <a:xfrm>
+            <a:off x="7524720" y="6284880"/>
+            <a:ext cx="933480" cy="457200"/>
+          </a:xfrm>
+          <a:prstGeom prst="rect">
+            <a:avLst/>
+          </a:prstGeom>
+          <a:noFill/>
+          <a:ln>
+            <a:noFill/>
+          </a:ln>
+        </p:spPr>
+        <p:style>
+          <a:lnRef idx="0">
+            <a:scrgbClr r="0" g="0" b="0"/>
+          </a:lnRef>
+          <a:fillRef idx="0">
+            <a:scrgbClr r="0" g="0" b="0"/>
+          </a:fillRef>
+          <a:effectRef idx="0">
+            <a:scrgbClr r="0" g="0" b="0"/>
+          </a:effectRef>
+          <a:fontRef idx="minor"/>
+        </p:style>
+        <p:txBody>
+          <a:bodyPr lIns="90000" tIns="46800" rIns="90000" bIns="46800"/>
+          <a:lstStyle/>
+          <a:p>
+            <a:pPr algn="r">
+              <a:lnSpc>
+                <a:spcPct val="100000"/>
+              </a:lnSpc>
+            </a:pPr>
+            <a:fld id="{80CAEB57-AD67-4CC2-9A33-D5D5F7EB4BE0}" type="slidenum">
+              <a:rPr lang="en-US" sz="1600">
+                <a:latin typeface="Arial"/>
+              </a:rPr>
+              <a:t>50</a:t>
+            </a:fld>
+            <a:endParaRPr/>
+          </a:p>
+        </p:txBody>
+      </p:sp>
+      <p:sp>
+        <p:nvSpPr>
+          <p:cNvPr id="5" name="圆角矩形 4"/>
+          <p:cNvSpPr/>
+          <p:nvPr/>
+        </p:nvSpPr>
+        <p:spPr>
+          <a:xfrm>
+            <a:off x="1948739" y="2473730"/>
+            <a:ext cx="5152704" cy="976098"/>
+          </a:xfrm>
+          <a:prstGeom prst="roundRect">
+            <a:avLst/>
+          </a:prstGeom>
+        </p:spPr>
+        <p:style>
+          <a:lnRef idx="3">
+            <a:schemeClr val="lt1"/>
+          </a:lnRef>
+          <a:fillRef idx="1">
+            <a:schemeClr val="accent6"/>
+          </a:fillRef>
+          <a:effectRef idx="1">
+            <a:schemeClr val="accent6"/>
+          </a:effectRef>
+          <a:fontRef idx="minor">
+            <a:schemeClr val="lt1"/>
+          </a:fontRef>
+        </p:style>
+        <p:txBody>
+          <a:bodyPr rtlCol="0" anchor="ctr"/>
+          <a:lstStyle/>
+          <a:p>
+            <a:r>
+              <a:rPr lang="zh-CN" altLang="en-US" sz="2000" b="1" dirty="0">
+                <a:solidFill>
+                  <a:srgbClr val="000000"/>
+                </a:solidFill>
+                <a:latin typeface="华文中宋"/>
+                <a:ea typeface="华文中宋"/>
+              </a:rPr>
+              <a:t>多资源多背包模型；更优算法；学习算法</a:t>
+            </a:r>
+          </a:p>
+        </p:txBody>
+      </p:sp>
+      <p:sp>
+        <p:nvSpPr>
+          <p:cNvPr id="6" name="圆角矩形 5"/>
+          <p:cNvSpPr/>
+          <p:nvPr/>
+        </p:nvSpPr>
+        <p:spPr>
+          <a:xfrm>
+            <a:off x="1948739" y="3646562"/>
+            <a:ext cx="5152704" cy="955963"/>
+          </a:xfrm>
+          <a:prstGeom prst="roundRect">
+            <a:avLst/>
+          </a:prstGeom>
+        </p:spPr>
+        <p:style>
+          <a:lnRef idx="3">
+            <a:schemeClr val="lt1"/>
+          </a:lnRef>
+          <a:fillRef idx="1">
+            <a:schemeClr val="accent3"/>
+          </a:fillRef>
+          <a:effectRef idx="1">
+            <a:schemeClr val="accent3"/>
+          </a:effectRef>
+          <a:fontRef idx="minor">
+            <a:schemeClr val="lt1"/>
+          </a:fontRef>
+        </p:style>
+        <p:txBody>
+          <a:bodyPr rtlCol="0" anchor="ctr"/>
+          <a:lstStyle/>
+          <a:p>
+            <a:r>
+              <a:rPr lang="en-US" altLang="zh-CN" sz="2000" b="1" dirty="0">
+                <a:solidFill>
+                  <a:schemeClr val="tx1"/>
+                </a:solidFill>
+              </a:rPr>
+              <a:t>RDMA RPC</a:t>
+            </a:r>
+            <a:r>
+              <a:rPr lang="zh-CN" altLang="en-US" sz="2000" b="1" dirty="0">
+                <a:solidFill>
+                  <a:schemeClr val="tx1"/>
+                </a:solidFill>
+              </a:rPr>
+              <a:t>框架；</a:t>
+            </a:r>
+            <a:r>
+              <a:rPr lang="en-US" altLang="zh-CN" sz="2000" b="1" dirty="0">
+                <a:solidFill>
+                  <a:schemeClr val="tx1"/>
+                </a:solidFill>
+              </a:rPr>
+              <a:t>GPU</a:t>
+            </a:r>
+            <a:r>
+              <a:rPr lang="zh-CN" altLang="en-US" sz="2000" b="1" dirty="0">
+                <a:solidFill>
+                  <a:schemeClr val="tx1"/>
+                </a:solidFill>
+              </a:rPr>
+              <a:t>分布式</a:t>
+            </a:r>
+          </a:p>
+        </p:txBody>
+      </p:sp>
+      <p:sp>
+        <p:nvSpPr>
+          <p:cNvPr id="7" name="圆角矩形 6"/>
+          <p:cNvSpPr/>
+          <p:nvPr/>
+        </p:nvSpPr>
+        <p:spPr>
+          <a:xfrm>
+            <a:off x="1948738" y="4799260"/>
+            <a:ext cx="5152705" cy="955963"/>
+          </a:xfrm>
+          <a:prstGeom prst="roundRect">
+            <a:avLst/>
+          </a:prstGeom>
+        </p:spPr>
+        <p:style>
+          <a:lnRef idx="3">
+            <a:schemeClr val="lt1"/>
+          </a:lnRef>
+          <a:fillRef idx="1">
+            <a:schemeClr val="accent5"/>
+          </a:fillRef>
+          <a:effectRef idx="1">
+            <a:schemeClr val="accent5"/>
+          </a:effectRef>
+          <a:fontRef idx="minor">
+            <a:schemeClr val="lt1"/>
+          </a:fontRef>
+        </p:style>
+        <p:txBody>
+          <a:bodyPr rtlCol="0" anchor="ctr"/>
+          <a:lstStyle/>
+          <a:p>
+            <a:r>
+              <a:rPr lang="en-US" altLang="zh-CN" sz="2000" b="1" dirty="0">
+                <a:solidFill>
+                  <a:srgbClr val="000000"/>
+                </a:solidFill>
+                <a:latin typeface="华文中宋"/>
+                <a:ea typeface="华文中宋"/>
+              </a:rPr>
+              <a:t>HDFS</a:t>
+            </a:r>
+            <a:r>
+              <a:rPr lang="zh-CN" altLang="en-US" sz="2000" b="1" dirty="0">
+                <a:solidFill>
+                  <a:srgbClr val="000000"/>
+                </a:solidFill>
+                <a:latin typeface="华文中宋"/>
+                <a:ea typeface="华文中宋"/>
+              </a:rPr>
+              <a:t>替换内存数据集；借鉴</a:t>
+            </a:r>
+            <a:r>
+              <a:rPr lang="en-US" altLang="zh-CN" sz="2000" b="1" dirty="0" err="1">
+                <a:solidFill>
+                  <a:srgbClr val="000000"/>
+                </a:solidFill>
+                <a:latin typeface="华文中宋"/>
+                <a:ea typeface="华文中宋"/>
+              </a:rPr>
+              <a:t>Omiga</a:t>
+            </a:r>
+            <a:r>
+              <a:rPr lang="zh-CN" altLang="en-US" sz="2000" b="1" dirty="0">
+                <a:solidFill>
+                  <a:srgbClr val="000000"/>
+                </a:solidFill>
+                <a:latin typeface="华文中宋"/>
+                <a:ea typeface="华文中宋"/>
+              </a:rPr>
+              <a:t>调度器</a:t>
+            </a:r>
+            <a:endParaRPr lang="zh-CN" altLang="en-US" sz="2000" b="1" dirty="0"/>
+          </a:p>
+        </p:txBody>
+      </p:sp>
+      <p:sp>
+        <p:nvSpPr>
+          <p:cNvPr id="8" name="圆角矩形 7"/>
+          <p:cNvSpPr/>
+          <p:nvPr/>
+        </p:nvSpPr>
+        <p:spPr>
+          <a:xfrm>
+            <a:off x="477321" y="1671651"/>
+            <a:ext cx="1471417" cy="766697"/>
+          </a:xfrm>
+          <a:prstGeom prst="roundRect">
+            <a:avLst/>
+          </a:prstGeom>
+          <a:solidFill>
+            <a:srgbClr val="00B050"/>
+          </a:solidFill>
+        </p:spPr>
+        <p:style>
+          <a:lnRef idx="3">
+            <a:schemeClr val="lt1"/>
+          </a:lnRef>
+          <a:fillRef idx="1">
+            <a:schemeClr val="accent6"/>
+          </a:fillRef>
+          <a:effectRef idx="1">
+            <a:schemeClr val="accent6"/>
+          </a:effectRef>
+          <a:fontRef idx="minor">
+            <a:schemeClr val="lt1"/>
+          </a:fontRef>
+        </p:style>
+        <p:txBody>
+          <a:bodyPr rtlCol="0" anchor="ctr"/>
+          <a:lstStyle/>
+          <a:p>
+            <a:pPr algn="ctr"/>
+            <a:r>
+              <a:rPr lang="zh-CN" altLang="en-US" sz="3200" b="1" dirty="0">
+                <a:solidFill>
+                  <a:srgbClr val="000000"/>
+                </a:solidFill>
+                <a:latin typeface="华文中宋"/>
+                <a:ea typeface="华文中宋"/>
+              </a:rPr>
+              <a:t>展望</a:t>
+            </a:r>
+            <a:endParaRPr lang="zh-CN" altLang="en-US" sz="3200" b="1" dirty="0"/>
+          </a:p>
+        </p:txBody>
+      </p:sp>
+      <p:cxnSp>
+        <p:nvCxnSpPr>
+          <p:cNvPr id="3" name="直接连接符 2"/>
+          <p:cNvCxnSpPr/>
+          <p:nvPr/>
+        </p:nvCxnSpPr>
+        <p:spPr>
+          <a:xfrm flipH="1">
+            <a:off x="1199408" y="2473730"/>
+            <a:ext cx="12462" cy="2803511"/>
+          </a:xfrm>
+          <a:prstGeom prst="line">
+            <a:avLst/>
+          </a:prstGeom>
+          <a:ln w="38100">
+            <a:solidFill>
+              <a:schemeClr val="tx1"/>
+            </a:solidFill>
+          </a:ln>
+        </p:spPr>
+        <p:style>
+          <a:lnRef idx="1">
+            <a:schemeClr val="accent1"/>
+          </a:lnRef>
+          <a:fillRef idx="0">
+            <a:schemeClr val="accent1"/>
+          </a:fillRef>
+          <a:effectRef idx="0">
+            <a:schemeClr val="accent1"/>
+          </a:effectRef>
+          <a:fontRef idx="minor">
+            <a:schemeClr val="tx1"/>
+          </a:fontRef>
+        </p:style>
+      </p:cxnSp>
+      <p:cxnSp>
+        <p:nvCxnSpPr>
+          <p:cNvPr id="9" name="直接连接符 8"/>
+          <p:cNvCxnSpPr>
+            <a:endCxn id="5" idx="1"/>
+          </p:cNvCxnSpPr>
+          <p:nvPr/>
+        </p:nvCxnSpPr>
+        <p:spPr>
+          <a:xfrm>
+            <a:off x="1213029" y="2961779"/>
+            <a:ext cx="735710" cy="0"/>
+          </a:xfrm>
+          <a:prstGeom prst="line">
+            <a:avLst/>
+          </a:prstGeom>
+          <a:ln w="38100">
+            <a:solidFill>
+              <a:schemeClr val="tx1"/>
+            </a:solidFill>
+          </a:ln>
+        </p:spPr>
+        <p:style>
+          <a:lnRef idx="1">
+            <a:schemeClr val="accent1"/>
+          </a:lnRef>
+          <a:fillRef idx="0">
+            <a:schemeClr val="accent1"/>
+          </a:fillRef>
+          <a:effectRef idx="0">
+            <a:schemeClr val="accent1"/>
+          </a:effectRef>
+          <a:fontRef idx="minor">
+            <a:schemeClr val="tx1"/>
+          </a:fontRef>
+        </p:style>
+      </p:cxnSp>
+      <p:cxnSp>
+        <p:nvCxnSpPr>
+          <p:cNvPr id="13" name="直接连接符 12"/>
+          <p:cNvCxnSpPr/>
+          <p:nvPr/>
+        </p:nvCxnSpPr>
+        <p:spPr>
+          <a:xfrm>
+            <a:off x="1213029" y="4124543"/>
+            <a:ext cx="735709" cy="0"/>
+          </a:xfrm>
+          <a:prstGeom prst="line">
+            <a:avLst/>
+          </a:prstGeom>
+          <a:ln w="38100">
+            <a:solidFill>
+              <a:schemeClr val="tx1"/>
+            </a:solidFill>
+          </a:ln>
+        </p:spPr>
+        <p:style>
+          <a:lnRef idx="1">
+            <a:schemeClr val="accent1"/>
+          </a:lnRef>
+          <a:fillRef idx="0">
+            <a:schemeClr val="accent1"/>
+          </a:fillRef>
+          <a:effectRef idx="0">
+            <a:schemeClr val="accent1"/>
+          </a:effectRef>
+          <a:fontRef idx="minor">
+            <a:schemeClr val="tx1"/>
+          </a:fontRef>
+        </p:style>
+      </p:cxnSp>
+      <p:cxnSp>
+        <p:nvCxnSpPr>
+          <p:cNvPr id="14" name="直接连接符 13"/>
+          <p:cNvCxnSpPr/>
+          <p:nvPr/>
+        </p:nvCxnSpPr>
+        <p:spPr>
+          <a:xfrm>
+            <a:off x="1199408" y="5277241"/>
+            <a:ext cx="735709" cy="0"/>
+          </a:xfrm>
+          <a:prstGeom prst="line">
+            <a:avLst/>
+          </a:prstGeom>
+          <a:ln w="38100">
+            <a:solidFill>
+              <a:schemeClr val="tx1"/>
+            </a:solidFill>
+          </a:ln>
+        </p:spPr>
+        <p:style>
+          <a:lnRef idx="1">
+            <a:schemeClr val="accent1"/>
+          </a:lnRef>
+          <a:fillRef idx="0">
+            <a:schemeClr val="accent1"/>
+          </a:fillRef>
+          <a:effectRef idx="0">
+            <a:schemeClr val="accent1"/>
+          </a:effectRef>
+          <a:fontRef idx="minor">
+            <a:schemeClr val="tx1"/>
+          </a:fontRef>
+        </p:style>
+      </p:cxnSp>
+      <p:grpSp>
+        <p:nvGrpSpPr>
+          <p:cNvPr id="11" name="组合 10"/>
+          <p:cNvGrpSpPr/>
+          <p:nvPr/>
+        </p:nvGrpSpPr>
+        <p:grpSpPr>
+          <a:xfrm>
+            <a:off x="7612083" y="4049484"/>
+            <a:ext cx="737310" cy="138315"/>
+            <a:chOff x="7612083" y="3990109"/>
+            <a:chExt cx="737310" cy="138315"/>
+          </a:xfrm>
+        </p:grpSpPr>
+        <p:sp>
+          <p:nvSpPr>
+            <p:cNvPr id="10" name="椭圆 9"/>
+            <p:cNvSpPr/>
+            <p:nvPr/>
+          </p:nvSpPr>
+          <p:spPr>
+            <a:xfrm>
+              <a:off x="7612083" y="3990109"/>
+              <a:ext cx="134434" cy="134434"/>
+            </a:xfrm>
+            <a:prstGeom prst="ellipse">
+              <a:avLst/>
+            </a:prstGeom>
+          </p:spPr>
+          <p:style>
+            <a:lnRef idx="2">
+              <a:schemeClr val="dk1">
+                <a:shade val="50000"/>
+              </a:schemeClr>
+            </a:lnRef>
+            <a:fillRef idx="1">
+              <a:schemeClr val="dk1"/>
+            </a:fillRef>
+            <a:effectRef idx="0">
+              <a:schemeClr val="dk1"/>
+            </a:effectRef>
+            <a:fontRef idx="minor">
+              <a:schemeClr val="lt1"/>
+            </a:fontRef>
+          </p:style>
+          <p:txBody>
+            <a:bodyPr rtlCol="0" anchor="ctr"/>
+            <a:lstStyle/>
+            <a:p>
+              <a:pPr algn="ctr"/>
+              <a:endParaRPr lang="zh-CN" altLang="en-US"/>
+            </a:p>
+          </p:txBody>
+        </p:sp>
+        <p:sp>
+          <p:nvSpPr>
+            <p:cNvPr id="15" name="椭圆 14"/>
+            <p:cNvSpPr/>
+            <p:nvPr/>
+          </p:nvSpPr>
+          <p:spPr>
+            <a:xfrm>
+              <a:off x="7913521" y="3990109"/>
+              <a:ext cx="134434" cy="134434"/>
+            </a:xfrm>
+            <a:prstGeom prst="ellipse">
+              <a:avLst/>
+            </a:prstGeom>
+          </p:spPr>
+          <p:style>
+            <a:lnRef idx="2">
+              <a:schemeClr val="dk1">
+                <a:shade val="50000"/>
+              </a:schemeClr>
+            </a:lnRef>
+            <a:fillRef idx="1">
+              <a:schemeClr val="dk1"/>
+            </a:fillRef>
+            <a:effectRef idx="0">
+              <a:schemeClr val="dk1"/>
+            </a:effectRef>
+            <a:fontRef idx="minor">
+              <a:schemeClr val="lt1"/>
+            </a:fontRef>
+          </p:style>
+          <p:txBody>
+            <a:bodyPr rtlCol="0" anchor="ctr"/>
+            <a:lstStyle/>
+            <a:p>
+              <a:pPr algn="ctr"/>
+              <a:endParaRPr lang="zh-CN" altLang="en-US"/>
+            </a:p>
+          </p:txBody>
+        </p:sp>
+        <p:sp>
+          <p:nvSpPr>
+            <p:cNvPr id="16" name="椭圆 15"/>
+            <p:cNvSpPr/>
+            <p:nvPr/>
+          </p:nvSpPr>
+          <p:spPr>
+            <a:xfrm>
+              <a:off x="8214959" y="3993990"/>
+              <a:ext cx="134434" cy="134434"/>
+            </a:xfrm>
+            <a:prstGeom prst="ellipse">
+              <a:avLst/>
+            </a:prstGeom>
+          </p:spPr>
+          <p:style>
+            <a:lnRef idx="2">
+              <a:schemeClr val="dk1">
+                <a:shade val="50000"/>
+              </a:schemeClr>
+            </a:lnRef>
+            <a:fillRef idx="1">
+              <a:schemeClr val="dk1"/>
+            </a:fillRef>
+            <a:effectRef idx="0">
+              <a:schemeClr val="dk1"/>
+            </a:effectRef>
+            <a:fontRef idx="minor">
+              <a:schemeClr val="lt1"/>
+            </a:fontRef>
+          </p:style>
+          <p:txBody>
+            <a:bodyPr rtlCol="0" anchor="ctr"/>
+            <a:lstStyle/>
+            <a:p>
+              <a:pPr algn="ctr"/>
+              <a:endParaRPr lang="zh-CN" altLang="en-US"/>
+            </a:p>
+          </p:txBody>
+        </p:sp>
+      </p:grpSp>
+    </p:spTree>
+    <p:extLst>
+      <p:ext uri="{BB962C8B-B14F-4D97-AF65-F5344CB8AC3E}">
+        <p14:creationId xmlns:p14="http://schemas.microsoft.com/office/powerpoint/2010/main" val="768242218"/>
+      </p:ext>
+    </p:extLst>
+  </p:cSld>
+  <p:clrMapOvr>
+    <a:masterClrMapping/>
+  </p:clrMapOvr>
+  <p:timing>
+    <p:tnLst>
+      <p:par>
+        <p:cTn id="1" dur="indefinite" restart="never" nodeType="tmRoot">
+          <p:childTnLst>
+            <p:seq concurrent="1" nextAc="seek">
+              <p:cTn id="2" dur="indefinite" nodeType="mainSeq">
+                <p:childTnLst>
+                  <p:par>
+                    <p:cTn id="3" fill="hold">
+                      <p:stCondLst>
+                        <p:cond delay="indefinite"/>
+                      </p:stCondLst>
+                      <p:childTnLst>
+                        <p:par>
+                          <p:cTn id="4" fill="hold">
+                            <p:stCondLst>
+                              <p:cond delay="0"/>
+                            </p:stCondLst>
+                            <p:childTnLst>
+                              <p:par>
+                                <p:cTn id="5" presetID="16" presetClass="entr" presetSubtype="21" fill="hold" nodeType="clickEffect">
+                                  <p:stCondLst>
+                                    <p:cond delay="0"/>
+                                  </p:stCondLst>
+                                  <p:childTnLst>
+                                    <p:set>
+                                      <p:cBhvr>
+                                        <p:cTn id="6" dur="1" fill="hold">
+                                          <p:stCondLst>
+                                            <p:cond delay="0"/>
+                                          </p:stCondLst>
+                                        </p:cTn>
+                                        <p:tgtEl>
+                                          <p:spTgt spid="11"/>
+                                        </p:tgtEl>
+                                        <p:attrNameLst>
+                                          <p:attrName>style.visibility</p:attrName>
+                                        </p:attrNameLst>
+                                      </p:cBhvr>
+                                      <p:to>
+                                        <p:strVal val="visible"/>
+                                      </p:to>
+                                    </p:set>
+                                    <p:animEffect transition="in" filter="barn(inVertical)">
+                                      <p:cBhvr>
+                                        <p:cTn id="7" dur="500"/>
+                                        <p:tgtEl>
+                                          <p:spTgt spid="11"/>
+                                        </p:tgtEl>
+                                      </p:cBhvr>
+                                    </p:animEffect>
+                                  </p:childTnLst>
+                                </p:cTn>
+                              </p:par>
+                            </p:childTnLst>
+                          </p:cTn>
+                        </p:par>
+                      </p:childTnLst>
+                    </p:cTn>
+                  </p:par>
+                </p:childTnLst>
+              </p:cTn>
+              <p:prevCondLst>
+                <p:cond evt="onPrev" delay="0">
+                  <p:tgtEl>
+                    <p:sldTgt/>
+                  </p:tgtEl>
+                </p:cond>
+              </p:prevCondLst>
+              <p:nextCondLst>
+                <p:cond evt="onNext" delay="0">
+                  <p:tgtEl>
+                    <p:sldTgt/>
+                  </p:tgtEl>
+                </p:cond>
+              </p:nextCondLst>
+            </p:seq>
+          </p:childTnLst>
+        </p:cTn>
+      </p:par>
+    </p:tnLst>
+  </p:timing>
+</p:sld>
+</file>
+
+<file path=ppt/slides/slide51.xml><?xml version="1.0" encoding="utf-8"?>
+<p:sld xmlns:a="http://schemas.openxmlformats.org/drawingml/2006/main" xmlns:r="http://schemas.openxmlformats.org/officeDocument/2006/relationships" xmlns:p="http://schemas.openxmlformats.org/presentationml/2006/main" show="0">
+  <p:cSld>
+    <p:spTree>
+      <p:nvGrpSpPr>
+        <p:cNvPr id="1" name=""/>
+        <p:cNvGrpSpPr/>
+        <p:nvPr/>
+      </p:nvGrpSpPr>
+      <p:grpSpPr>
+        <a:xfrm>
+          <a:off x="0" y="0"/>
+          <a:ext cx="0" cy="0"/>
+          <a:chOff x="0" y="0"/>
+          <a:chExt cx="0" cy="0"/>
+        </a:xfrm>
+      </p:grpSpPr>
+      <p:sp>
+        <p:nvSpPr>
+          <p:cNvPr id="339" name="TextShape 1"/>
+          <p:cNvSpPr txBox="1"/>
+          <p:nvPr/>
+        </p:nvSpPr>
+        <p:spPr>
+          <a:xfrm>
+            <a:off x="1042920" y="404280"/>
+            <a:ext cx="5616720" cy="576360"/>
+          </a:xfrm>
+          <a:prstGeom prst="rect">
+            <a:avLst/>
+          </a:prstGeom>
+          <a:noFill/>
+          <a:ln>
+            <a:noFill/>
+          </a:ln>
+        </p:spPr>
+        <p:txBody>
+          <a:bodyPr anchor="b"/>
+          <a:lstStyle/>
+          <a:p>
+            <a:pPr algn="ctr">
+              <a:lnSpc>
+                <a:spcPct val="100000"/>
+              </a:lnSpc>
+            </a:pPr>
+            <a:r>
+              <a:rPr lang="zh-CN" sz="3200" dirty="0">
+                <a:latin typeface="华文中宋"/>
+                <a:ea typeface="华文中宋"/>
+              </a:rPr>
+              <a:t>总结</a:t>
+            </a:r>
+            <a:endParaRPr dirty="0"/>
+          </a:p>
+        </p:txBody>
+      </p:sp>
+      <p:sp>
+        <p:nvSpPr>
+          <p:cNvPr id="340" name="TextShape 2"/>
+          <p:cNvSpPr txBox="1"/>
+          <p:nvPr/>
+        </p:nvSpPr>
+        <p:spPr>
+          <a:xfrm>
+            <a:off x="503280" y="1664096"/>
+            <a:ext cx="8640720" cy="3816360"/>
+          </a:xfrm>
+          <a:prstGeom prst="rect">
+            <a:avLst/>
+          </a:prstGeom>
+          <a:noFill/>
+          <a:ln>
+            <a:noFill/>
+          </a:ln>
+        </p:spPr>
+        <p:txBody>
+          <a:bodyPr/>
+          <a:lstStyle/>
+          <a:p>
+            <a:pPr>
+              <a:lnSpc>
+                <a:spcPct val="100000"/>
+              </a:lnSpc>
+              <a:buSzPct val="70000"/>
+              <a:buFont typeface="Wingdings" charset="2"/>
+              <a:buChar char=""/>
+            </a:pPr>
+            <a:r>
+              <a:rPr lang="zh-CN" sz="2800" dirty="0">
+                <a:latin typeface="华文楷体"/>
+                <a:ea typeface="华文楷体"/>
+              </a:rPr>
+              <a:t>总结</a:t>
+            </a:r>
+            <a:r>
+              <a:rPr lang="zh-CN" sz="2000" dirty="0">
+                <a:latin typeface="华文楷体"/>
+                <a:ea typeface="华文楷体"/>
+              </a:rPr>
+              <a:t>：</a:t>
+            </a:r>
+            <a:endParaRPr dirty="0"/>
+          </a:p>
+          <a:p>
+            <a:pPr lvl="1">
+              <a:lnSpc>
+                <a:spcPct val="100000"/>
+              </a:lnSpc>
+              <a:buSzPct val="65000"/>
+              <a:buFont typeface="Wingdings" charset="2"/>
+              <a:buChar char=""/>
+            </a:pPr>
+            <a:r>
+              <a:rPr lang="zh-CN" altLang="en-US" sz="2400" b="1" dirty="0">
+                <a:latin typeface="华文楷体"/>
+                <a:ea typeface="华文楷体"/>
+              </a:rPr>
+              <a:t>提出了一种基于人工鱼群算法的</a:t>
+            </a:r>
+            <a:r>
+              <a:rPr lang="en-US" altLang="zh-CN" sz="2400" b="1" dirty="0">
+                <a:latin typeface="华文楷体"/>
+                <a:ea typeface="华文楷体"/>
+              </a:rPr>
+              <a:t>YARN</a:t>
+            </a:r>
+            <a:r>
+              <a:rPr lang="zh-CN" altLang="en-US" sz="2400" b="1" dirty="0">
+                <a:latin typeface="华文楷体"/>
+                <a:ea typeface="华文楷体"/>
+              </a:rPr>
+              <a:t>资源调度器</a:t>
+            </a:r>
+            <a:endParaRPr sz="2400" dirty="0"/>
+          </a:p>
+          <a:p>
+            <a:pPr lvl="1">
+              <a:lnSpc>
+                <a:spcPct val="100000"/>
+              </a:lnSpc>
+              <a:buSzPct val="65000"/>
+              <a:buFont typeface="Wingdings" charset="2"/>
+              <a:buChar char=""/>
+            </a:pPr>
+            <a:r>
+              <a:rPr lang="zh-CN" sz="2400" b="1" dirty="0">
+                <a:latin typeface="华文楷体"/>
+                <a:ea typeface="华文楷体"/>
+              </a:rPr>
+              <a:t>改进了</a:t>
+            </a:r>
+            <a:r>
+              <a:rPr lang="en-US" sz="2400" b="1" dirty="0">
+                <a:latin typeface="华文楷体"/>
+                <a:ea typeface="华文楷体"/>
+              </a:rPr>
+              <a:t>Shuffle</a:t>
+            </a:r>
+            <a:r>
+              <a:rPr lang="zh-CN" sz="2400" b="1" dirty="0">
+                <a:latin typeface="华文楷体"/>
+                <a:ea typeface="华文楷体"/>
+              </a:rPr>
+              <a:t>阶段</a:t>
+            </a:r>
+            <a:endParaRPr sz="2400" dirty="0"/>
+          </a:p>
+          <a:p>
+            <a:pPr lvl="1">
+              <a:lnSpc>
+                <a:spcPct val="100000"/>
+              </a:lnSpc>
+              <a:buSzPct val="65000"/>
+              <a:buFont typeface="Wingdings" charset="2"/>
+              <a:buChar char=""/>
+            </a:pPr>
+            <a:r>
+              <a:rPr lang="en-US" sz="2400" b="1" dirty="0">
+                <a:latin typeface="华文楷体"/>
+                <a:ea typeface="华文楷体"/>
+              </a:rPr>
+              <a:t>PKTM</a:t>
+            </a:r>
+            <a:r>
+              <a:rPr lang="zh-CN" sz="2400" b="1" dirty="0">
+                <a:latin typeface="华文楷体"/>
+                <a:ea typeface="华文楷体"/>
+              </a:rPr>
+              <a:t>并行算法实现，并验证实验性能</a:t>
+            </a:r>
+            <a:endParaRPr sz="2400" dirty="0"/>
+          </a:p>
+          <a:p>
+            <a:pPr>
+              <a:lnSpc>
+                <a:spcPct val="100000"/>
+              </a:lnSpc>
+              <a:buSzPct val="70000"/>
+              <a:buFont typeface="Wingdings" charset="2"/>
+              <a:buChar char=""/>
+            </a:pPr>
+            <a:r>
+              <a:rPr lang="zh-CN" sz="2000" dirty="0">
+                <a:latin typeface="华文楷体"/>
+                <a:ea typeface="华文楷体"/>
+              </a:rPr>
+              <a:t>展望：</a:t>
+            </a:r>
+            <a:endParaRPr dirty="0"/>
+          </a:p>
+          <a:p>
+            <a:pPr lvl="1">
+              <a:lnSpc>
+                <a:spcPct val="100000"/>
+              </a:lnSpc>
+              <a:buSzPct val="65000"/>
+              <a:buFont typeface="Wingdings" charset="2"/>
+              <a:buChar char=""/>
+            </a:pPr>
+            <a:r>
+              <a:rPr lang="en-US" sz="2000" b="1" dirty="0">
+                <a:latin typeface="华文楷体"/>
+                <a:ea typeface="华文楷体"/>
+              </a:rPr>
+              <a:t>YARN</a:t>
+            </a:r>
+            <a:r>
+              <a:rPr lang="zh-CN" sz="2000" b="1" dirty="0">
+                <a:latin typeface="华文楷体"/>
+                <a:ea typeface="华文楷体"/>
+              </a:rPr>
+              <a:t>中使用多资源多背包问题</a:t>
+            </a:r>
+            <a:endParaRPr dirty="0"/>
+          </a:p>
+          <a:p>
+            <a:pPr lvl="1">
+              <a:lnSpc>
+                <a:spcPct val="100000"/>
+              </a:lnSpc>
+              <a:buSzPct val="65000"/>
+              <a:buFont typeface="Wingdings" charset="2"/>
+              <a:buChar char=""/>
+            </a:pPr>
+            <a:r>
+              <a:rPr lang="zh-CN" sz="2000" b="1" dirty="0">
+                <a:latin typeface="华文楷体"/>
+                <a:ea typeface="华文楷体"/>
+              </a:rPr>
+              <a:t>用更加高效的算法来解决资源调度问题</a:t>
+            </a:r>
+            <a:endParaRPr dirty="0"/>
+          </a:p>
+          <a:p>
+            <a:pPr lvl="1">
+              <a:lnSpc>
+                <a:spcPct val="100000"/>
+              </a:lnSpc>
+              <a:buSzPct val="65000"/>
+              <a:buFont typeface="Wingdings" charset="2"/>
+              <a:buChar char=""/>
+            </a:pPr>
+            <a:r>
+              <a:rPr lang="zh-CN" sz="2000" b="1" dirty="0">
+                <a:latin typeface="华文楷体"/>
+                <a:ea typeface="华文楷体"/>
+              </a:rPr>
+              <a:t>把</a:t>
+            </a:r>
+            <a:r>
+              <a:rPr lang="en-US" sz="2000" b="1" dirty="0">
+                <a:latin typeface="华文楷体"/>
+                <a:ea typeface="华文楷体"/>
+              </a:rPr>
+              <a:t>HDFS</a:t>
+            </a:r>
+            <a:r>
+              <a:rPr lang="zh-CN" sz="2000" b="1" dirty="0">
+                <a:latin typeface="华文楷体"/>
+                <a:ea typeface="华文楷体"/>
+              </a:rPr>
+              <a:t>替换为</a:t>
+            </a:r>
+            <a:r>
+              <a:rPr lang="en-US" sz="2000" b="1" dirty="0" err="1">
+                <a:latin typeface="华文楷体"/>
+                <a:ea typeface="华文楷体"/>
+              </a:rPr>
+              <a:t>Alluxio</a:t>
+            </a:r>
+            <a:r>
+              <a:rPr lang="zh-CN" sz="2000" b="1" dirty="0">
+                <a:latin typeface="华文楷体"/>
+                <a:ea typeface="华文楷体"/>
+              </a:rPr>
+              <a:t>等内存数据集</a:t>
+            </a:r>
+            <a:endParaRPr dirty="0"/>
+          </a:p>
+          <a:p>
+            <a:pPr lvl="1">
+              <a:lnSpc>
+                <a:spcPct val="100000"/>
+              </a:lnSpc>
+              <a:buSzPct val="65000"/>
+              <a:buFont typeface="Wingdings" charset="2"/>
+              <a:buChar char=""/>
+            </a:pPr>
+            <a:r>
+              <a:rPr lang="zh-CN" sz="2000" b="1" dirty="0">
+                <a:latin typeface="华文楷体"/>
+                <a:ea typeface="华文楷体"/>
+              </a:rPr>
+              <a:t>借鉴</a:t>
+            </a:r>
+            <a:r>
+              <a:rPr lang="en-US" sz="2000" b="1" dirty="0">
+                <a:latin typeface="华文楷体"/>
+                <a:ea typeface="华文楷体"/>
+              </a:rPr>
+              <a:t>Google</a:t>
+            </a:r>
+            <a:r>
+              <a:rPr lang="zh-CN" sz="2000" b="1" dirty="0">
+                <a:latin typeface="华文楷体"/>
+                <a:ea typeface="华文楷体"/>
+              </a:rPr>
+              <a:t>第三代</a:t>
+            </a:r>
+            <a:r>
+              <a:rPr lang="en-US" sz="2000" b="1" dirty="0" err="1">
+                <a:latin typeface="华文楷体"/>
+                <a:ea typeface="华文楷体"/>
+              </a:rPr>
+              <a:t>Omiga</a:t>
+            </a:r>
+            <a:r>
+              <a:rPr lang="zh-CN" sz="2000" b="1" dirty="0">
+                <a:latin typeface="华文楷体"/>
+                <a:ea typeface="华文楷体"/>
+              </a:rPr>
+              <a:t>调度器来完善</a:t>
+            </a:r>
+            <a:r>
+              <a:rPr lang="en-US" sz="2000" b="1" dirty="0">
+                <a:latin typeface="华文楷体"/>
+                <a:ea typeface="华文楷体"/>
+              </a:rPr>
+              <a:t>YARN</a:t>
+            </a:r>
+            <a:r>
+              <a:rPr lang="zh-CN" sz="2000" b="1" dirty="0">
+                <a:latin typeface="华文楷体"/>
+                <a:ea typeface="华文楷体"/>
+              </a:rPr>
+              <a:t>框架</a:t>
+            </a:r>
+            <a:endParaRPr dirty="0"/>
+          </a:p>
+        </p:txBody>
+      </p:sp>
+      <p:sp>
+        <p:nvSpPr>
+          <p:cNvPr id="341" name="CustomShape 3"/>
+          <p:cNvSpPr/>
+          <p:nvPr/>
+        </p:nvSpPr>
+        <p:spPr>
+          <a:xfrm>
+            <a:off x="7524720" y="6284880"/>
+            <a:ext cx="933480" cy="457200"/>
+          </a:xfrm>
+          <a:prstGeom prst="rect">
+            <a:avLst/>
+          </a:prstGeom>
+          <a:noFill/>
+          <a:ln>
+            <a:noFill/>
+          </a:ln>
+        </p:spPr>
+        <p:style>
+          <a:lnRef idx="0">
+            <a:scrgbClr r="0" g="0" b="0"/>
+          </a:lnRef>
+          <a:fillRef idx="0">
+            <a:scrgbClr r="0" g="0" b="0"/>
+          </a:fillRef>
+          <a:effectRef idx="0">
+            <a:scrgbClr r="0" g="0" b="0"/>
+          </a:effectRef>
+          <a:fontRef idx="minor"/>
+        </p:style>
+        <p:txBody>
+          <a:bodyPr lIns="90000" tIns="46800" rIns="90000" bIns="46800"/>
+          <a:lstStyle/>
+          <a:p>
+            <a:pPr algn="r">
+              <a:lnSpc>
+                <a:spcPct val="100000"/>
+              </a:lnSpc>
+            </a:pPr>
+            <a:fld id="{80CAEB57-AD67-4CC2-9A33-D5D5F7EB4BE0}" type="slidenum">
+              <a:rPr lang="en-US" sz="1600">
+                <a:latin typeface="Arial"/>
+              </a:rPr>
+              <a:t>51</a:t>
+            </a:fld>
+            <a:endParaRPr/>
+          </a:p>
+        </p:txBody>
+      </p:sp>
+    </p:spTree>
+    <p:extLst>
+      <p:ext uri="{BB962C8B-B14F-4D97-AF65-F5344CB8AC3E}">
+        <p14:creationId xmlns:p14="http://schemas.microsoft.com/office/powerpoint/2010/main" val="709512040"/>
+      </p:ext>
+    </p:extLst>
+  </p:cSld>
+  <p:clrMapOvr>
+    <a:masterClrMapping/>
+  </p:clrMapOvr>
+</p:sld>
+</file>
+
+<file path=ppt/slides/slide52.xml><?xml version="1.0" encoding="utf-8"?>
+<p:sld xmlns:a="http://schemas.openxmlformats.org/drawingml/2006/main" xmlns:r="http://schemas.openxmlformats.org/officeDocument/2006/relationships" xmlns:p="http://schemas.openxmlformats.org/presentationml/2006/main">
+  <p:cSld>
+    <p:spTree>
+      <p:nvGrpSpPr>
+        <p:cNvPr id="1" name=""/>
+        <p:cNvGrpSpPr/>
+        <p:nvPr/>
+      </p:nvGrpSpPr>
+      <p:grpSpPr>
+        <a:xfrm>
+          <a:off x="0" y="0"/>
+          <a:ext cx="0" cy="0"/>
+          <a:chOff x="0" y="0"/>
+          <a:chExt cx="0" cy="0"/>
+        </a:xfrm>
+      </p:grpSpPr>
+      <p:sp>
+        <p:nvSpPr>
           <p:cNvPr id="357" name="CustomShape 1"/>
           <p:cNvSpPr/>
           <p:nvPr/>
@@ -38067,7 +41199,7 @@
               <a:rPr lang="en-US" sz="1600">
                 <a:latin typeface="Arial"/>
               </a:rPr>
-              <a:t>50</a:t>
+              <a:t>52</a:t>
             </a:fld>
             <a:endParaRPr/>
           </a:p>
@@ -38126,17 +41258,403 @@
           <a:prstGeom prst="rect">
             <a:avLst/>
           </a:prstGeom>
-          <a:gradFill>
-            <a:gsLst>
-              <a:gs pos="0">
-                <a:srgbClr val="C1C198"/>
-              </a:gs>
-              <a:gs pos="100000">
-                <a:srgbClr val="A9A975"/>
-              </a:gs>
-            </a:gsLst>
-            <a:lin ang="5400000"/>
-          </a:gradFill>
+          <a:ln/>
+        </p:spPr>
+        <p:style>
+          <a:lnRef idx="3">
+            <a:schemeClr val="lt1"/>
+          </a:lnRef>
+          <a:fillRef idx="1">
+            <a:schemeClr val="accent3"/>
+          </a:fillRef>
+          <a:effectRef idx="1">
+            <a:schemeClr val="accent3"/>
+          </a:effectRef>
+          <a:fontRef idx="minor">
+            <a:schemeClr val="lt1"/>
+          </a:fontRef>
+        </p:style>
+        <p:txBody>
+          <a:bodyPr lIns="90000" tIns="46800" rIns="90000" bIns="46800"/>
+          <a:lstStyle/>
+          <a:p>
+            <a:pPr algn="ctr">
+              <a:lnSpc>
+                <a:spcPct val="100000"/>
+              </a:lnSpc>
+            </a:pPr>
+            <a:r>
+              <a:rPr lang="zh-CN" sz="2400">
+                <a:solidFill>
+                  <a:srgbClr val="000000"/>
+                </a:solidFill>
+                <a:latin typeface="华文中宋"/>
+                <a:ea typeface="华文中宋"/>
+              </a:rPr>
+              <a:t>研究背景</a:t>
+            </a:r>
+            <a:endParaRPr/>
+          </a:p>
+        </p:txBody>
+      </p:sp>
+      <p:sp>
+        <p:nvSpPr>
+          <p:cNvPr id="360" name="CustomShape 4"/>
+          <p:cNvSpPr/>
+          <p:nvPr/>
+        </p:nvSpPr>
+        <p:spPr>
+          <a:xfrm>
+            <a:off x="1397160" y="2297160"/>
+            <a:ext cx="1871640" cy="459720"/>
+          </a:xfrm>
+          <a:prstGeom prst="rect">
+            <a:avLst/>
+          </a:prstGeom>
+          <a:ln/>
+        </p:spPr>
+        <p:style>
+          <a:lnRef idx="3">
+            <a:schemeClr val="lt1"/>
+          </a:lnRef>
+          <a:fillRef idx="1">
+            <a:schemeClr val="accent3"/>
+          </a:fillRef>
+          <a:effectRef idx="1">
+            <a:schemeClr val="accent3"/>
+          </a:effectRef>
+          <a:fontRef idx="minor">
+            <a:schemeClr val="lt1"/>
+          </a:fontRef>
+        </p:style>
+        <p:txBody>
+          <a:bodyPr lIns="90000" tIns="46800" rIns="90000" bIns="46800"/>
+          <a:lstStyle/>
+          <a:p>
+            <a:pPr algn="ctr">
+              <a:lnSpc>
+                <a:spcPct val="100000"/>
+              </a:lnSpc>
+            </a:pPr>
+            <a:r>
+              <a:rPr lang="zh-CN" sz="2400" dirty="0">
+                <a:solidFill>
+                  <a:srgbClr val="000000"/>
+                </a:solidFill>
+                <a:latin typeface="华文中宋"/>
+                <a:ea typeface="华文中宋"/>
+              </a:rPr>
+              <a:t>研究问题</a:t>
+            </a:r>
+            <a:endParaRPr dirty="0"/>
+          </a:p>
+        </p:txBody>
+      </p:sp>
+      <p:sp>
+        <p:nvSpPr>
+          <p:cNvPr id="361" name="CustomShape 5"/>
+          <p:cNvSpPr/>
+          <p:nvPr/>
+        </p:nvSpPr>
+        <p:spPr>
+          <a:xfrm>
+            <a:off x="1392120" y="3086280"/>
+            <a:ext cx="1871640" cy="459720"/>
+          </a:xfrm>
+          <a:prstGeom prst="rect">
+            <a:avLst/>
+          </a:prstGeom>
+          <a:ln/>
+        </p:spPr>
+        <p:style>
+          <a:lnRef idx="3">
+            <a:schemeClr val="lt1"/>
+          </a:lnRef>
+          <a:fillRef idx="1">
+            <a:schemeClr val="accent3"/>
+          </a:fillRef>
+          <a:effectRef idx="1">
+            <a:schemeClr val="accent3"/>
+          </a:effectRef>
+          <a:fontRef idx="minor">
+            <a:schemeClr val="lt1"/>
+          </a:fontRef>
+        </p:style>
+        <p:txBody>
+          <a:bodyPr lIns="90000" tIns="46800" rIns="90000" bIns="46800"/>
+          <a:lstStyle/>
+          <a:p>
+            <a:pPr algn="ctr">
+              <a:lnSpc>
+                <a:spcPct val="100000"/>
+              </a:lnSpc>
+            </a:pPr>
+            <a:r>
+              <a:rPr lang="zh-CN" sz="2400">
+                <a:solidFill>
+                  <a:srgbClr val="000000"/>
+                </a:solidFill>
+                <a:latin typeface="华文中宋"/>
+                <a:ea typeface="华文中宋"/>
+              </a:rPr>
+              <a:t>相关工作</a:t>
+            </a:r>
+            <a:endParaRPr/>
+          </a:p>
+        </p:txBody>
+      </p:sp>
+      <p:sp>
+        <p:nvSpPr>
+          <p:cNvPr id="362" name="CustomShape 6"/>
+          <p:cNvSpPr/>
+          <p:nvPr/>
+        </p:nvSpPr>
+        <p:spPr>
+          <a:xfrm>
+            <a:off x="1392120" y="3875040"/>
+            <a:ext cx="1871640" cy="459720"/>
+          </a:xfrm>
+          <a:prstGeom prst="rect">
+            <a:avLst/>
+          </a:prstGeom>
+          <a:solidFill>
+            <a:schemeClr val="accent3"/>
+          </a:solidFill>
+          <a:ln/>
+        </p:spPr>
+        <p:style>
+          <a:lnRef idx="3">
+            <a:schemeClr val="lt1"/>
+          </a:lnRef>
+          <a:fillRef idx="1">
+            <a:schemeClr val="accent6"/>
+          </a:fillRef>
+          <a:effectRef idx="1">
+            <a:schemeClr val="accent6"/>
+          </a:effectRef>
+          <a:fontRef idx="minor">
+            <a:schemeClr val="lt1"/>
+          </a:fontRef>
+        </p:style>
+        <p:txBody>
+          <a:bodyPr lIns="90000" tIns="46800" rIns="90000" bIns="46800"/>
+          <a:lstStyle/>
+          <a:p>
+            <a:pPr algn="ctr">
+              <a:lnSpc>
+                <a:spcPct val="100000"/>
+              </a:lnSpc>
+            </a:pPr>
+            <a:r>
+              <a:rPr lang="zh-CN" sz="2400" dirty="0">
+                <a:solidFill>
+                  <a:srgbClr val="000000"/>
+                </a:solidFill>
+                <a:latin typeface="华文中宋"/>
+                <a:ea typeface="华文中宋"/>
+              </a:rPr>
+              <a:t>自己工作</a:t>
+            </a:r>
+            <a:endParaRPr dirty="0"/>
+          </a:p>
+        </p:txBody>
+      </p:sp>
+      <p:sp>
+        <p:nvSpPr>
+          <p:cNvPr id="363" name="CustomShape 7"/>
+          <p:cNvSpPr/>
+          <p:nvPr/>
+        </p:nvSpPr>
+        <p:spPr>
+          <a:xfrm>
+            <a:off x="1392120" y="4664160"/>
+            <a:ext cx="1871640" cy="459720"/>
+          </a:xfrm>
+          <a:prstGeom prst="rect">
+            <a:avLst/>
+          </a:prstGeom>
+          <a:solidFill>
+            <a:schemeClr val="accent3"/>
+          </a:solidFill>
+          <a:ln/>
+        </p:spPr>
+        <p:style>
+          <a:lnRef idx="3">
+            <a:schemeClr val="lt1"/>
+          </a:lnRef>
+          <a:fillRef idx="1">
+            <a:schemeClr val="accent3"/>
+          </a:fillRef>
+          <a:effectRef idx="1">
+            <a:schemeClr val="accent3"/>
+          </a:effectRef>
+          <a:fontRef idx="minor">
+            <a:schemeClr val="lt1"/>
+          </a:fontRef>
+        </p:style>
+        <p:txBody>
+          <a:bodyPr lIns="90000" tIns="46800" rIns="90000" bIns="46800"/>
+          <a:lstStyle/>
+          <a:p>
+            <a:pPr algn="ctr">
+              <a:lnSpc>
+                <a:spcPct val="100000"/>
+              </a:lnSpc>
+            </a:pPr>
+            <a:r>
+              <a:rPr lang="zh-CN" sz="2400" dirty="0">
+                <a:solidFill>
+                  <a:srgbClr val="000000"/>
+                </a:solidFill>
+                <a:latin typeface="华文中宋"/>
+                <a:ea typeface="华文中宋"/>
+              </a:rPr>
+              <a:t>总结展望</a:t>
+            </a:r>
+            <a:endParaRPr dirty="0"/>
+          </a:p>
+        </p:txBody>
+      </p:sp>
+      <p:sp>
+        <p:nvSpPr>
+          <p:cNvPr id="364" name="CustomShape 8"/>
+          <p:cNvSpPr/>
+          <p:nvPr/>
+        </p:nvSpPr>
+        <p:spPr>
+          <a:xfrm>
+            <a:off x="1392120" y="5452920"/>
+            <a:ext cx="1871640" cy="459720"/>
+          </a:xfrm>
+          <a:prstGeom prst="rect">
+            <a:avLst/>
+          </a:prstGeom>
+          <a:solidFill>
+            <a:srgbClr val="FFC000"/>
+          </a:solidFill>
+          <a:ln/>
+        </p:spPr>
+        <p:style>
+          <a:lnRef idx="3">
+            <a:schemeClr val="lt1"/>
+          </a:lnRef>
+          <a:fillRef idx="1">
+            <a:schemeClr val="accent3"/>
+          </a:fillRef>
+          <a:effectRef idx="1">
+            <a:schemeClr val="accent3"/>
+          </a:effectRef>
+          <a:fontRef idx="minor">
+            <a:schemeClr val="lt1"/>
+          </a:fontRef>
+        </p:style>
+        <p:txBody>
+          <a:bodyPr lIns="90000" tIns="46800" rIns="90000" bIns="46800"/>
+          <a:lstStyle/>
+          <a:p>
+            <a:pPr algn="ctr">
+              <a:lnSpc>
+                <a:spcPct val="100000"/>
+              </a:lnSpc>
+            </a:pPr>
+            <a:r>
+              <a:rPr lang="zh-CN" sz="2400" dirty="0">
+                <a:solidFill>
+                  <a:srgbClr val="000000"/>
+                </a:solidFill>
+                <a:latin typeface="华文中宋"/>
+                <a:ea typeface="华文中宋"/>
+              </a:rPr>
+              <a:t>科研成果</a:t>
+            </a:r>
+            <a:endParaRPr dirty="0"/>
+          </a:p>
+        </p:txBody>
+      </p:sp>
+    </p:spTree>
+    <p:extLst>
+      <p:ext uri="{BB962C8B-B14F-4D97-AF65-F5344CB8AC3E}">
+        <p14:creationId xmlns:p14="http://schemas.microsoft.com/office/powerpoint/2010/main" val="3604610678"/>
+      </p:ext>
+    </p:extLst>
+  </p:cSld>
+  <p:clrMapOvr>
+    <a:masterClrMapping/>
+  </p:clrMapOvr>
+</p:sld>
+</file>
+
+<file path=ppt/slides/slide53.xml><?xml version="1.0" encoding="utf-8"?>
+<p:sld xmlns:a="http://schemas.openxmlformats.org/drawingml/2006/main" xmlns:r="http://schemas.openxmlformats.org/officeDocument/2006/relationships" xmlns:p="http://schemas.openxmlformats.org/presentationml/2006/main">
+  <p:cSld>
+    <p:spTree>
+      <p:nvGrpSpPr>
+        <p:cNvPr id="1" name=""/>
+        <p:cNvGrpSpPr/>
+        <p:nvPr/>
+      </p:nvGrpSpPr>
+      <p:grpSpPr>
+        <a:xfrm>
+          <a:off x="0" y="0"/>
+          <a:ext cx="0" cy="0"/>
+          <a:chOff x="0" y="0"/>
+          <a:chExt cx="0" cy="0"/>
+        </a:xfrm>
+      </p:grpSpPr>
+      <p:sp>
+        <p:nvSpPr>
+          <p:cNvPr id="350" name="TextShape 1"/>
+          <p:cNvSpPr txBox="1"/>
+          <p:nvPr/>
+        </p:nvSpPr>
+        <p:spPr>
+          <a:xfrm>
+            <a:off x="1042920" y="404280"/>
+            <a:ext cx="5616720" cy="576360"/>
+          </a:xfrm>
+          <a:prstGeom prst="rect">
+            <a:avLst/>
+          </a:prstGeom>
+          <a:noFill/>
+          <a:ln>
+            <a:noFill/>
+          </a:ln>
+        </p:spPr>
+        <p:txBody>
+          <a:bodyPr anchor="b"/>
+          <a:lstStyle/>
+          <a:p>
+            <a:pPr algn="ctr">
+              <a:lnSpc>
+                <a:spcPct val="100000"/>
+              </a:lnSpc>
+            </a:pPr>
+            <a:r>
+              <a:rPr lang="zh-CN" sz="3200" b="1" dirty="0">
+                <a:latin typeface="华文中宋"/>
+                <a:ea typeface="华文中宋"/>
+              </a:rPr>
+              <a:t>科研成果</a:t>
+            </a:r>
+            <a:endParaRPr b="1" dirty="0"/>
+          </a:p>
+        </p:txBody>
+      </p:sp>
+      <p:sp>
+        <p:nvSpPr>
+          <p:cNvPr id="351" name="CustomShape 2"/>
+          <p:cNvSpPr/>
+          <p:nvPr/>
+        </p:nvSpPr>
+        <p:spPr>
+          <a:xfrm>
+            <a:off x="7524720" y="6284880"/>
+            <a:ext cx="933480" cy="457200"/>
+          </a:xfrm>
+          <a:prstGeom prst="rect">
+            <a:avLst/>
+          </a:prstGeom>
+          <a:noFill/>
           <a:ln>
             <a:noFill/>
           </a:ln>
@@ -38157,342 +41675,467 @@
           <a:bodyPr lIns="90000" tIns="46800" rIns="90000" bIns="46800"/>
           <a:lstStyle/>
           <a:p>
-            <a:pPr algn="ctr">
+            <a:pPr algn="r">
               <a:lnSpc>
                 <a:spcPct val="100000"/>
               </a:lnSpc>
             </a:pPr>
-            <a:r>
-              <a:rPr lang="zh-CN" sz="2400">
-                <a:solidFill>
-                  <a:srgbClr val="000000"/>
-                </a:solidFill>
-                <a:latin typeface="华文中宋"/>
-                <a:ea typeface="华文中宋"/>
-              </a:rPr>
-              <a:t>研究背景</a:t>
-            </a:r>
+            <a:fld id="{86F37FE2-C479-468F-8F44-EC8609D334B1}" type="slidenum">
+              <a:rPr lang="en-US" sz="1600">
+                <a:latin typeface="Arial"/>
+              </a:rPr>
+              <a:t>53</a:t>
+            </a:fld>
             <a:endParaRPr/>
           </a:p>
         </p:txBody>
       </p:sp>
       <p:sp>
         <p:nvSpPr>
-          <p:cNvPr id="360" name="CustomShape 4"/>
+          <p:cNvPr id="352" name="CustomShape 3"/>
           <p:cNvSpPr/>
           <p:nvPr/>
         </p:nvSpPr>
         <p:spPr>
           <a:xfrm>
-            <a:off x="1397160" y="2297160"/>
-            <a:ext cx="1871640" cy="459720"/>
+            <a:off x="179280" y="1341360"/>
+            <a:ext cx="2991432" cy="432000"/>
           </a:xfrm>
-          <a:prstGeom prst="rect">
-            <a:avLst/>
+          <a:prstGeom prst="homePlate">
+            <a:avLst>
+              <a:gd name="adj" fmla="val 22842"/>
+            </a:avLst>
           </a:prstGeom>
-          <a:gradFill>
-            <a:gsLst>
-              <a:gs pos="0">
-                <a:srgbClr val="C1C198"/>
-              </a:gs>
-              <a:gs pos="100000">
-                <a:srgbClr val="A9A975"/>
-              </a:gs>
-            </a:gsLst>
-            <a:lin ang="5400000"/>
-          </a:gradFill>
-          <a:ln>
-            <a:noFill/>
-          </a:ln>
+          <a:solidFill>
+            <a:srgbClr val="00B050"/>
+          </a:solidFill>
+          <a:ln/>
         </p:spPr>
         <p:style>
-          <a:lnRef idx="0">
-            <a:scrgbClr r="0" g="0" b="0"/>
+          <a:lnRef idx="3">
+            <a:schemeClr val="lt1"/>
           </a:lnRef>
-          <a:fillRef idx="0">
-            <a:scrgbClr r="0" g="0" b="0"/>
+          <a:fillRef idx="1">
+            <a:schemeClr val="accent6"/>
           </a:fillRef>
-          <a:effectRef idx="0">
-            <a:scrgbClr r="0" g="0" b="0"/>
+          <a:effectRef idx="1">
+            <a:schemeClr val="accent6"/>
           </a:effectRef>
-          <a:fontRef idx="minor"/>
+          <a:fontRef idx="minor">
+            <a:schemeClr val="lt1"/>
+          </a:fontRef>
         </p:style>
         <p:txBody>
-          <a:bodyPr lIns="90000" tIns="46800" rIns="90000" bIns="46800"/>
+          <a:bodyPr wrap="none" lIns="90000" tIns="46800" rIns="90000" bIns="46800" anchor="ctr"/>
           <a:lstStyle/>
           <a:p>
-            <a:pPr algn="ctr">
-              <a:lnSpc>
-                <a:spcPct val="100000"/>
-              </a:lnSpc>
-            </a:pPr>
-            <a:r>
-              <a:rPr lang="zh-CN" sz="2400">
+            <a:r>
+              <a:rPr lang="zh-CN" sz="2400" b="1" dirty="0">
                 <a:solidFill>
-                  <a:srgbClr val="000000"/>
+                  <a:schemeClr val="tx1"/>
                 </a:solidFill>
-                <a:latin typeface="华文中宋"/>
-                <a:ea typeface="华文中宋"/>
-              </a:rPr>
-              <a:t>研究问题</a:t>
-            </a:r>
-            <a:endParaRPr/>
+                <a:latin typeface="Times New Roman"/>
+              </a:rPr>
+              <a:t>在校参加的研究工作</a:t>
+            </a:r>
+            <a:endParaRPr dirty="0">
+              <a:solidFill>
+                <a:schemeClr val="tx1"/>
+              </a:solidFill>
+            </a:endParaRPr>
           </a:p>
         </p:txBody>
       </p:sp>
       <p:sp>
         <p:nvSpPr>
-          <p:cNvPr id="361" name="CustomShape 5"/>
+          <p:cNvPr id="353" name="CustomShape 4"/>
           <p:cNvSpPr/>
           <p:nvPr/>
         </p:nvSpPr>
         <p:spPr>
           <a:xfrm>
-            <a:off x="1392120" y="3086280"/>
-            <a:ext cx="1871640" cy="459720"/>
+            <a:off x="179280" y="3429000"/>
+            <a:ext cx="3097440" cy="431640"/>
           </a:xfrm>
-          <a:prstGeom prst="rect">
-            <a:avLst/>
+          <a:prstGeom prst="homePlate">
+            <a:avLst>
+              <a:gd name="adj" fmla="val 20093"/>
+            </a:avLst>
           </a:prstGeom>
-          <a:gradFill>
-            <a:gsLst>
-              <a:gs pos="0">
-                <a:srgbClr val="C1C198"/>
-              </a:gs>
-              <a:gs pos="100000">
-                <a:srgbClr val="A9A975"/>
-              </a:gs>
-            </a:gsLst>
-            <a:lin ang="5400000"/>
-          </a:gradFill>
-          <a:ln>
-            <a:noFill/>
-          </a:ln>
+          <a:solidFill>
+            <a:srgbClr val="00B050"/>
+          </a:solidFill>
+          <a:ln/>
         </p:spPr>
         <p:style>
-          <a:lnRef idx="0">
-            <a:scrgbClr r="0" g="0" b="0"/>
+          <a:lnRef idx="3">
+            <a:schemeClr val="lt1"/>
           </a:lnRef>
-          <a:fillRef idx="0">
-            <a:scrgbClr r="0" g="0" b="0"/>
+          <a:fillRef idx="1">
+            <a:schemeClr val="accent6"/>
           </a:fillRef>
-          <a:effectRef idx="0">
-            <a:scrgbClr r="0" g="0" b="0"/>
+          <a:effectRef idx="1">
+            <a:schemeClr val="accent6"/>
           </a:effectRef>
-          <a:fontRef idx="minor"/>
+          <a:fontRef idx="minor">
+            <a:schemeClr val="lt1"/>
+          </a:fontRef>
         </p:style>
         <p:txBody>
-          <a:bodyPr lIns="90000" tIns="46800" rIns="90000" bIns="46800"/>
+          <a:bodyPr wrap="none" lIns="90000" tIns="46800" rIns="90000" bIns="46800" anchor="ctr"/>
           <a:lstStyle/>
           <a:p>
-            <a:pPr algn="ctr">
-              <a:lnSpc>
-                <a:spcPct val="100000"/>
-              </a:lnSpc>
-            </a:pPr>
-            <a:r>
-              <a:rPr lang="zh-CN" sz="2400">
+            <a:r>
+              <a:rPr lang="zh-CN" sz="2400" b="1" dirty="0">
                 <a:solidFill>
-                  <a:srgbClr val="000000"/>
+                  <a:schemeClr val="tx1"/>
                 </a:solidFill>
-                <a:latin typeface="华文中宋"/>
-                <a:ea typeface="华文中宋"/>
-              </a:rPr>
-              <a:t>相关工作</a:t>
-            </a:r>
-            <a:endParaRPr/>
+                <a:latin typeface="Times New Roman"/>
+              </a:rPr>
+              <a:t>在校发表论文</a:t>
+            </a:r>
+            <a:endParaRPr dirty="0">
+              <a:solidFill>
+                <a:schemeClr val="tx1"/>
+              </a:solidFill>
+            </a:endParaRPr>
           </a:p>
         </p:txBody>
       </p:sp>
       <p:sp>
         <p:nvSpPr>
-          <p:cNvPr id="362" name="CustomShape 6"/>
+          <p:cNvPr id="356" name="CustomShape 7"/>
           <p:cNvSpPr/>
           <p:nvPr/>
         </p:nvSpPr>
         <p:spPr>
           <a:xfrm>
-            <a:off x="1392120" y="3875040"/>
-            <a:ext cx="1871640" cy="459720"/>
+            <a:off x="826920" y="1992240"/>
+            <a:ext cx="7057800" cy="936720"/>
           </a:xfrm>
-          <a:prstGeom prst="rect">
-            <a:avLst/>
+          <a:prstGeom prst="roundRect">
+            <a:avLst>
+              <a:gd name="adj" fmla="val 3600"/>
+            </a:avLst>
           </a:prstGeom>
-          <a:gradFill>
-            <a:gsLst>
-              <a:gs pos="0">
-                <a:srgbClr val="C1C198"/>
-              </a:gs>
-              <a:gs pos="100000">
-                <a:srgbClr val="A9A975"/>
-              </a:gs>
-            </a:gsLst>
-            <a:lin ang="5400000"/>
-          </a:gradFill>
+          <a:noFill/>
           <a:ln>
-            <a:noFill/>
+            <a:solidFill>
+              <a:srgbClr val="FFC000"/>
+            </a:solidFill>
           </a:ln>
         </p:spPr>
         <p:style>
-          <a:lnRef idx="0">
-            <a:scrgbClr r="0" g="0" b="0"/>
+          <a:lnRef idx="3">
+            <a:schemeClr val="lt1"/>
           </a:lnRef>
-          <a:fillRef idx="0">
-            <a:scrgbClr r="0" g="0" b="0"/>
+          <a:fillRef idx="1">
+            <a:schemeClr val="accent6"/>
           </a:fillRef>
-          <a:effectRef idx="0">
-            <a:scrgbClr r="0" g="0" b="0"/>
+          <a:effectRef idx="1">
+            <a:schemeClr val="accent6"/>
           </a:effectRef>
-          <a:fontRef idx="minor"/>
+          <a:fontRef idx="minor">
+            <a:schemeClr val="lt1"/>
+          </a:fontRef>
         </p:style>
         <p:txBody>
-          <a:bodyPr lIns="90000" tIns="46800" rIns="90000" bIns="46800"/>
+          <a:bodyPr wrap="none" lIns="90000" tIns="46800" rIns="90000" bIns="46800" anchor="ctr"/>
           <a:lstStyle/>
           <a:p>
-            <a:pPr algn="ctr">
-              <a:lnSpc>
-                <a:spcPct val="100000"/>
-              </a:lnSpc>
-            </a:pPr>
-            <a:r>
-              <a:rPr lang="zh-CN" sz="2400">
+            <a:pPr algn="ctr"/>
+            <a:r>
+              <a:rPr lang="en-US" sz="2000" b="1" dirty="0">
                 <a:solidFill>
-                  <a:srgbClr val="000000"/>
+                  <a:schemeClr val="tx1"/>
                 </a:solidFill>
-                <a:latin typeface="华文中宋"/>
-                <a:ea typeface="华文中宋"/>
-              </a:rPr>
-              <a:t>自己工作</a:t>
-            </a:r>
-            <a:endParaRPr/>
+                <a:latin typeface="华文楷体" panose="02010600040101010101" pitchFamily="2" charset="-122"/>
+                <a:ea typeface="华文楷体" panose="02010600040101010101" pitchFamily="2" charset="-122"/>
+              </a:rPr>
+              <a:t>“</a:t>
+            </a:r>
+            <a:r>
+              <a:rPr lang="zh-CN" sz="2000" b="1" dirty="0">
+                <a:solidFill>
+                  <a:schemeClr val="tx1"/>
+                </a:solidFill>
+                <a:latin typeface="华文楷体" panose="02010600040101010101" pitchFamily="2" charset="-122"/>
+                <a:ea typeface="华文楷体" panose="02010600040101010101" pitchFamily="2" charset="-122"/>
+              </a:rPr>
+              <a:t>十二五</a:t>
+            </a:r>
+            <a:r>
+              <a:rPr lang="en-US" sz="2000" b="1" dirty="0">
+                <a:solidFill>
+                  <a:schemeClr val="tx1"/>
+                </a:solidFill>
+                <a:latin typeface="华文楷体" panose="02010600040101010101" pitchFamily="2" charset="-122"/>
+                <a:ea typeface="华文楷体" panose="02010600040101010101" pitchFamily="2" charset="-122"/>
+              </a:rPr>
+              <a:t>”</a:t>
+            </a:r>
+            <a:r>
+              <a:rPr lang="zh-CN" sz="2000" b="1" dirty="0">
+                <a:solidFill>
+                  <a:schemeClr val="tx1"/>
+                </a:solidFill>
+                <a:latin typeface="华文楷体" panose="02010600040101010101" pitchFamily="2" charset="-122"/>
+                <a:ea typeface="华文楷体" panose="02010600040101010101" pitchFamily="2" charset="-122"/>
+              </a:rPr>
+              <a:t>国家科技重大专项专题</a:t>
+            </a:r>
+            <a:r>
+              <a:rPr lang="en-US" sz="2000" b="1" dirty="0">
+                <a:solidFill>
+                  <a:schemeClr val="tx1"/>
+                </a:solidFill>
+                <a:latin typeface="华文楷体" panose="02010600040101010101" pitchFamily="2" charset="-122"/>
+                <a:ea typeface="华文楷体" panose="02010600040101010101" pitchFamily="2" charset="-122"/>
+              </a:rPr>
+              <a:t>“</a:t>
+            </a:r>
+            <a:r>
+              <a:rPr lang="zh-CN" sz="2000" b="1" dirty="0">
+                <a:solidFill>
+                  <a:schemeClr val="tx1"/>
+                </a:solidFill>
+                <a:latin typeface="华文楷体" panose="02010600040101010101" pitchFamily="2" charset="-122"/>
+                <a:ea typeface="华文楷体" panose="02010600040101010101" pitchFamily="2" charset="-122"/>
+              </a:rPr>
+              <a:t>煤层气地震数据处理算法</a:t>
+            </a:r>
+            <a:endParaRPr lang="en-US" altLang="zh-CN" sz="2000" b="1" dirty="0">
+              <a:solidFill>
+                <a:schemeClr val="tx1"/>
+              </a:solidFill>
+              <a:latin typeface="华文楷体" panose="02010600040101010101" pitchFamily="2" charset="-122"/>
+              <a:ea typeface="华文楷体" panose="02010600040101010101" pitchFamily="2" charset="-122"/>
+            </a:endParaRPr>
+          </a:p>
+          <a:p>
+            <a:pPr algn="ctr"/>
+            <a:r>
+              <a:rPr lang="zh-CN" sz="2000" b="1" dirty="0">
+                <a:solidFill>
+                  <a:schemeClr val="tx1"/>
+                </a:solidFill>
+                <a:latin typeface="华文楷体" panose="02010600040101010101" pitchFamily="2" charset="-122"/>
+                <a:ea typeface="华文楷体" panose="02010600040101010101" pitchFamily="2" charset="-122"/>
+              </a:rPr>
+              <a:t>并行化及高效数据组织技术研究</a:t>
+            </a:r>
+            <a:r>
+              <a:rPr lang="en-US" sz="2000" b="1" dirty="0">
+                <a:solidFill>
+                  <a:schemeClr val="tx1"/>
+                </a:solidFill>
+                <a:latin typeface="华文楷体" panose="02010600040101010101" pitchFamily="2" charset="-122"/>
+                <a:ea typeface="华文楷体" panose="02010600040101010101" pitchFamily="2" charset="-122"/>
+              </a:rPr>
+              <a:t>”</a:t>
+            </a:r>
+            <a:r>
+              <a:rPr lang="zh-CN" sz="2000" b="1" dirty="0">
+                <a:solidFill>
+                  <a:schemeClr val="tx1"/>
+                </a:solidFill>
+                <a:latin typeface="华文楷体" panose="02010600040101010101" pitchFamily="2" charset="-122"/>
+                <a:ea typeface="华文楷体" panose="02010600040101010101" pitchFamily="2" charset="-122"/>
+              </a:rPr>
+              <a:t>（</a:t>
+            </a:r>
+            <a:r>
+              <a:rPr lang="en-US" sz="2000" b="1" dirty="0">
+                <a:solidFill>
+                  <a:schemeClr val="tx1"/>
+                </a:solidFill>
+                <a:latin typeface="华文楷体" panose="02010600040101010101" pitchFamily="2" charset="-122"/>
+                <a:ea typeface="华文楷体" panose="02010600040101010101" pitchFamily="2" charset="-122"/>
+              </a:rPr>
+              <a:t>ZX05035-004-004HZ</a:t>
+            </a:r>
+            <a:r>
+              <a:rPr lang="zh-CN" sz="2000" b="1" dirty="0">
+                <a:solidFill>
+                  <a:schemeClr val="tx1"/>
+                </a:solidFill>
+                <a:latin typeface="华文楷体" panose="02010600040101010101" pitchFamily="2" charset="-122"/>
+                <a:ea typeface="华文楷体" panose="02010600040101010101" pitchFamily="2" charset="-122"/>
+              </a:rPr>
+              <a:t>）</a:t>
+            </a:r>
+            <a:endParaRPr sz="2000" b="1" dirty="0">
+              <a:solidFill>
+                <a:schemeClr val="tx1"/>
+              </a:solidFill>
+              <a:latin typeface="华文楷体" panose="02010600040101010101" pitchFamily="2" charset="-122"/>
+              <a:ea typeface="华文楷体" panose="02010600040101010101" pitchFamily="2" charset="-122"/>
+            </a:endParaRPr>
           </a:p>
         </p:txBody>
       </p:sp>
       <p:sp>
         <p:nvSpPr>
-          <p:cNvPr id="363" name="CustomShape 7"/>
+          <p:cNvPr id="9" name="CustomShape 7"/>
           <p:cNvSpPr/>
           <p:nvPr/>
         </p:nvSpPr>
         <p:spPr>
           <a:xfrm>
-            <a:off x="1392120" y="4664160"/>
-            <a:ext cx="1871640" cy="459720"/>
+            <a:off x="826920" y="3972939"/>
+            <a:ext cx="1820782" cy="473040"/>
           </a:xfrm>
-          <a:prstGeom prst="rect">
-            <a:avLst/>
+          <a:prstGeom prst="roundRect">
+            <a:avLst>
+              <a:gd name="adj" fmla="val 3600"/>
+            </a:avLst>
           </a:prstGeom>
-          <a:gradFill>
-            <a:gsLst>
-              <a:gs pos="0">
-                <a:srgbClr val="C1C198"/>
-              </a:gs>
-              <a:gs pos="100000">
-                <a:srgbClr val="A9A975"/>
-              </a:gs>
-            </a:gsLst>
-            <a:lin ang="5400000"/>
-          </a:gradFill>
+          <a:noFill/>
           <a:ln>
-            <a:noFill/>
+            <a:solidFill>
+              <a:srgbClr val="FFC000"/>
+            </a:solidFill>
           </a:ln>
         </p:spPr>
         <p:style>
-          <a:lnRef idx="0">
-            <a:scrgbClr r="0" g="0" b="0"/>
+          <a:lnRef idx="3">
+            <a:schemeClr val="lt1"/>
           </a:lnRef>
-          <a:fillRef idx="0">
-            <a:scrgbClr r="0" g="0" b="0"/>
+          <a:fillRef idx="1">
+            <a:schemeClr val="accent6"/>
           </a:fillRef>
-          <a:effectRef idx="0">
-            <a:scrgbClr r="0" g="0" b="0"/>
+          <a:effectRef idx="1">
+            <a:schemeClr val="accent6"/>
           </a:effectRef>
-          <a:fontRef idx="minor"/>
+          <a:fontRef idx="minor">
+            <a:schemeClr val="lt1"/>
+          </a:fontRef>
         </p:style>
         <p:txBody>
-          <a:bodyPr lIns="90000" tIns="46800" rIns="90000" bIns="46800"/>
+          <a:bodyPr wrap="none" lIns="90000" tIns="46800" rIns="90000" bIns="46800" anchor="ctr"/>
           <a:lstStyle/>
           <a:p>
-            <a:pPr algn="ctr">
-              <a:lnSpc>
-                <a:spcPct val="100000"/>
-              </a:lnSpc>
-            </a:pPr>
-            <a:r>
-              <a:rPr lang="zh-CN" sz="2400">
+            <a:pPr algn="ctr"/>
+            <a:r>
+              <a:rPr lang="en-US" sz="2000" b="1" dirty="0">
                 <a:solidFill>
-                  <a:srgbClr val="000000"/>
+                  <a:schemeClr val="tx1"/>
                 </a:solidFill>
-                <a:latin typeface="华文中宋"/>
-                <a:ea typeface="华文中宋"/>
-              </a:rPr>
-              <a:t>总结展望</a:t>
-            </a:r>
-            <a:endParaRPr/>
+                <a:latin typeface="华文楷体" panose="02010600040101010101" pitchFamily="2" charset="-122"/>
+                <a:ea typeface="华文楷体" panose="02010600040101010101" pitchFamily="2" charset="-122"/>
+              </a:rPr>
+              <a:t>CCF-C</a:t>
+            </a:r>
+            <a:r>
+              <a:rPr lang="zh-CN" altLang="en-US" sz="2000" b="1" dirty="0">
+                <a:solidFill>
+                  <a:schemeClr val="tx1"/>
+                </a:solidFill>
+                <a:latin typeface="华文楷体" panose="02010600040101010101" pitchFamily="2" charset="-122"/>
+                <a:ea typeface="华文楷体" panose="02010600040101010101" pitchFamily="2" charset="-122"/>
+              </a:rPr>
+              <a:t>类会议</a:t>
+            </a:r>
+            <a:endParaRPr sz="2000" b="1" dirty="0">
+              <a:solidFill>
+                <a:schemeClr val="tx1"/>
+              </a:solidFill>
+              <a:latin typeface="华文楷体" panose="02010600040101010101" pitchFamily="2" charset="-122"/>
+              <a:ea typeface="华文楷体" panose="02010600040101010101" pitchFamily="2" charset="-122"/>
+            </a:endParaRPr>
           </a:p>
         </p:txBody>
       </p:sp>
       <p:sp>
         <p:nvSpPr>
-          <p:cNvPr id="364" name="CustomShape 8"/>
+          <p:cNvPr id="10" name="CustomShape 7"/>
           <p:cNvSpPr/>
           <p:nvPr/>
         </p:nvSpPr>
         <p:spPr>
           <a:xfrm>
-            <a:off x="1392120" y="5452920"/>
-            <a:ext cx="1871640" cy="459720"/>
+            <a:off x="826920" y="4637170"/>
+            <a:ext cx="7057800" cy="936720"/>
           </a:xfrm>
-          <a:prstGeom prst="rect">
-            <a:avLst/>
+          <a:prstGeom prst="roundRect">
+            <a:avLst>
+              <a:gd name="adj" fmla="val 3600"/>
+            </a:avLst>
           </a:prstGeom>
-          <a:gradFill>
-            <a:gsLst>
-              <a:gs pos="0">
-                <a:srgbClr val="C1C198"/>
-              </a:gs>
-              <a:gs pos="100000">
-                <a:srgbClr val="A9A975"/>
-              </a:gs>
-            </a:gsLst>
-            <a:lin ang="5400000"/>
-          </a:gradFill>
+          <a:noFill/>
           <a:ln>
-            <a:noFill/>
+            <a:solidFill>
+              <a:srgbClr val="FFC000"/>
+            </a:solidFill>
           </a:ln>
         </p:spPr>
         <p:style>
-          <a:lnRef idx="0">
-            <a:scrgbClr r="0" g="0" b="0"/>
+          <a:lnRef idx="3">
+            <a:schemeClr val="lt1"/>
           </a:lnRef>
-          <a:fillRef idx="0">
-            <a:scrgbClr r="0" g="0" b="0"/>
+          <a:fillRef idx="1">
+            <a:schemeClr val="accent6"/>
           </a:fillRef>
-          <a:effectRef idx="0">
-            <a:scrgbClr r="0" g="0" b="0"/>
+          <a:effectRef idx="1">
+            <a:schemeClr val="accent6"/>
           </a:effectRef>
-          <a:fontRef idx="minor"/>
+          <a:fontRef idx="minor">
+            <a:schemeClr val="lt1"/>
+          </a:fontRef>
         </p:style>
         <p:txBody>
-          <a:bodyPr lIns="90000" tIns="46800" rIns="90000" bIns="46800"/>
+          <a:bodyPr wrap="none" lIns="90000" tIns="46800" rIns="90000" bIns="46800" anchor="ctr"/>
           <a:lstStyle/>
           <a:p>
-            <a:pPr algn="ctr">
-              <a:lnSpc>
-                <a:spcPct val="100000"/>
-              </a:lnSpc>
-            </a:pPr>
-            <a:r>
-              <a:rPr lang="zh-CN" sz="2400">
+            <a:pPr algn="ctr"/>
+            <a:r>
+              <a:rPr lang="en-US" altLang="zh-CN" sz="2000" dirty="0">
                 <a:solidFill>
-                  <a:srgbClr val="000000"/>
+                  <a:schemeClr val="tx1"/>
                 </a:solidFill>
-                <a:latin typeface="华文中宋"/>
-                <a:ea typeface="华文中宋"/>
-              </a:rPr>
-              <a:t>科研成果</a:t>
-            </a:r>
-            <a:endParaRPr/>
+                <a:latin typeface="Times New Roman"/>
+              </a:rPr>
+              <a:t>Yang C, Tang J, Gao H, et al. Pre-stack Kirchhoff Time Migration on </a:t>
+            </a:r>
+            <a:endParaRPr lang="en-US" altLang="zh-CN" sz="2000" dirty="0">
+              <a:solidFill>
+                <a:schemeClr val="tx1"/>
+              </a:solidFill>
+            </a:endParaRPr>
+          </a:p>
+          <a:p>
+            <a:pPr algn="ctr"/>
+            <a:r>
+              <a:rPr lang="en-US" altLang="zh-CN" sz="2000" dirty="0">
+                <a:solidFill>
+                  <a:schemeClr val="tx1"/>
+                </a:solidFill>
+                <a:latin typeface="Times New Roman"/>
+              </a:rPr>
+              <a:t>Hadoop and Spark[M]//Algorithms and Architectures for Parallel</a:t>
+            </a:r>
+            <a:endParaRPr lang="en-US" altLang="zh-CN" sz="2000" dirty="0">
+              <a:solidFill>
+                <a:schemeClr val="tx1"/>
+              </a:solidFill>
+            </a:endParaRPr>
+          </a:p>
+          <a:p>
+            <a:pPr algn="ctr"/>
+            <a:r>
+              <a:rPr lang="en-US" altLang="zh-CN" sz="2000" dirty="0">
+                <a:solidFill>
+                  <a:schemeClr val="tx1"/>
+                </a:solidFill>
+                <a:latin typeface="Times New Roman"/>
+              </a:rPr>
+              <a:t> Processing. Springer International Publishing, 2015: 190-202.</a:t>
+            </a:r>
+            <a:endParaRPr lang="en-US" altLang="zh-CN" sz="2000" dirty="0">
+              <a:solidFill>
+                <a:schemeClr val="tx1"/>
+              </a:solidFill>
+            </a:endParaRPr>
           </a:p>
         </p:txBody>
       </p:sp>
@@ -38504,7 +42147,7 @@
 </p:sld>
 </file>
 
-<file path=ppt/slides/slide51.xml><?xml version="1.0" encoding="utf-8"?>
+<file path=ppt/slides/slide54.xml><?xml version="1.0" encoding="utf-8"?>
 <p:sld xmlns:a="http://schemas.openxmlformats.org/drawingml/2006/main" xmlns:r="http://schemas.openxmlformats.org/officeDocument/2006/relationships" xmlns:p="http://schemas.openxmlformats.org/presentationml/2006/main">
   <p:cSld>
     <p:spTree>
@@ -38565,7 +42208,7 @@
               <a:rPr lang="en-US" sz="1600">
                 <a:latin typeface="Arial"/>
               </a:rPr>
-              <a:t>51</a:t>
+              <a:t>54</a:t>
             </a:fld>
             <a:endParaRPr/>
           </a:p>

--- a/毕业答辩.pptx
+++ b/毕业答辩.pptx
@@ -14652,176 +14652,6 @@
           </a:p>
         </p:txBody>
       </p:sp>
-      <p:sp>
-        <p:nvSpPr>
-          <p:cNvPr id="210" name="CustomShape 4"/>
-          <p:cNvSpPr/>
-          <p:nvPr/>
-        </p:nvSpPr>
-        <p:spPr>
-          <a:xfrm>
-            <a:off x="250740" y="3860640"/>
-            <a:ext cx="1584360" cy="1297080"/>
-          </a:xfrm>
-          <a:prstGeom prst="wedgeRoundRectCallout">
-            <a:avLst>
-              <a:gd name="adj1" fmla="val 67312"/>
-              <a:gd name="adj2" fmla="val -26582"/>
-              <a:gd name="adj3" fmla="val 16667"/>
-            </a:avLst>
-          </a:prstGeom>
-          <a:solidFill>
-            <a:srgbClr val="FFC000"/>
-          </a:solidFill>
-          <a:ln/>
-        </p:spPr>
-        <p:style>
-          <a:lnRef idx="3">
-            <a:schemeClr val="lt1"/>
-          </a:lnRef>
-          <a:fillRef idx="1">
-            <a:schemeClr val="accent6"/>
-          </a:fillRef>
-          <a:effectRef idx="1">
-            <a:schemeClr val="accent6"/>
-          </a:effectRef>
-          <a:fontRef idx="minor">
-            <a:schemeClr val="lt1"/>
-          </a:fontRef>
-        </p:style>
-        <p:txBody>
-          <a:bodyPr wrap="none" lIns="90000" tIns="46800" rIns="90000" bIns="46800" anchor="ctr"/>
-          <a:lstStyle/>
-          <a:p>
-            <a:pPr algn="ctr">
-              <a:lnSpc>
-                <a:spcPct val="100000"/>
-              </a:lnSpc>
-            </a:pPr>
-            <a:r>
-              <a:rPr lang="en-US" sz="2000" b="1" dirty="0">
-                <a:solidFill>
-                  <a:schemeClr val="tx1"/>
-                </a:solidFill>
-                <a:latin typeface="华文中宋"/>
-                <a:ea typeface="华文中宋"/>
-              </a:rPr>
-              <a:t>n</a:t>
-            </a:r>
-            <a:r>
-              <a:rPr lang="zh-CN" sz="2000" b="1" dirty="0">
-                <a:solidFill>
-                  <a:schemeClr val="tx1"/>
-                </a:solidFill>
-                <a:latin typeface="华文中宋"/>
-                <a:ea typeface="华文中宋"/>
-              </a:rPr>
-              <a:t>个任务</a:t>
-            </a:r>
-            <a:endParaRPr dirty="0">
-              <a:solidFill>
-                <a:schemeClr val="tx1"/>
-              </a:solidFill>
-            </a:endParaRPr>
-          </a:p>
-          <a:p>
-            <a:pPr algn="ctr">
-              <a:lnSpc>
-                <a:spcPct val="100000"/>
-              </a:lnSpc>
-            </a:pPr>
-            <a:r>
-              <a:rPr lang="zh-CN" sz="2000" b="1" dirty="0">
-                <a:solidFill>
-                  <a:schemeClr val="tx1"/>
-                </a:solidFill>
-                <a:latin typeface="华文中宋"/>
-                <a:ea typeface="华文中宋"/>
-              </a:rPr>
-              <a:t>分配到</a:t>
-            </a:r>
-            <a:r>
-              <a:rPr lang="en-US" sz="2000" b="1" dirty="0">
-                <a:solidFill>
-                  <a:schemeClr val="tx1"/>
-                </a:solidFill>
-                <a:latin typeface="华文中宋"/>
-                <a:ea typeface="华文中宋"/>
-              </a:rPr>
-              <a:t>m</a:t>
-            </a:r>
-            <a:r>
-              <a:rPr lang="zh-CN" sz="2000" b="1" dirty="0">
-                <a:solidFill>
-                  <a:schemeClr val="tx1"/>
-                </a:solidFill>
-                <a:latin typeface="华文中宋"/>
-                <a:ea typeface="华文中宋"/>
-              </a:rPr>
-              <a:t>个</a:t>
-            </a:r>
-            <a:endParaRPr dirty="0">
-              <a:solidFill>
-                <a:schemeClr val="tx1"/>
-              </a:solidFill>
-            </a:endParaRPr>
-          </a:p>
-          <a:p>
-            <a:pPr algn="ctr">
-              <a:lnSpc>
-                <a:spcPct val="100000"/>
-              </a:lnSpc>
-            </a:pPr>
-            <a:r>
-              <a:rPr lang="zh-CN" altLang="en-US" sz="2000" b="1" dirty="0">
-                <a:solidFill>
-                  <a:schemeClr val="tx1"/>
-                </a:solidFill>
-                <a:latin typeface="华文中宋"/>
-                <a:ea typeface="华文中宋"/>
-              </a:rPr>
-              <a:t>节点</a:t>
-            </a:r>
-            <a:r>
-              <a:rPr lang="zh-CN" sz="2000" b="1" dirty="0">
-                <a:solidFill>
-                  <a:schemeClr val="tx1"/>
-                </a:solidFill>
-                <a:latin typeface="华文中宋"/>
-                <a:ea typeface="华文中宋"/>
-              </a:rPr>
-              <a:t>的</a:t>
-            </a:r>
-            <a:endParaRPr dirty="0">
-              <a:solidFill>
-                <a:schemeClr val="tx1"/>
-              </a:solidFill>
-            </a:endParaRPr>
-          </a:p>
-          <a:p>
-            <a:pPr algn="ctr">
-              <a:lnSpc>
-                <a:spcPct val="100000"/>
-              </a:lnSpc>
-            </a:pPr>
-            <a:r>
-              <a:rPr lang="zh-CN" sz="2000" b="1" dirty="0">
-                <a:solidFill>
-                  <a:schemeClr val="tx1"/>
-                </a:solidFill>
-                <a:latin typeface="华文中宋"/>
-                <a:ea typeface="华文中宋"/>
-              </a:rPr>
-              <a:t>目标函数</a:t>
-            </a:r>
-            <a:endParaRPr dirty="0">
-              <a:solidFill>
-                <a:schemeClr val="tx1"/>
-              </a:solidFill>
-            </a:endParaRPr>
-          </a:p>
-        </p:txBody>
-      </p:sp>
       <p:pic>
         <p:nvPicPr>
           <p:cNvPr id="7" name="图片 5"/>
@@ -15011,127 +14841,21 @@
                             </p:childTnLst>
                           </p:cTn>
                         </p:par>
-                      </p:childTnLst>
-                    </p:cTn>
-                  </p:par>
-                  <p:par>
-                    <p:cTn id="9" fill="hold">
-                      <p:stCondLst>
-                        <p:cond delay="indefinite"/>
-                      </p:stCondLst>
-                      <p:childTnLst>
                         <p:par>
-                          <p:cTn id="10" fill="hold">
+                          <p:cTn id="9" fill="hold">
                             <p:stCondLst>
-                              <p:cond delay="0"/>
+                              <p:cond delay="500"/>
                             </p:stCondLst>
                             <p:childTnLst>
                               <p:par>
-                                <p:cTn id="11" presetID="16" presetClass="entr" presetSubtype="21" fill="hold" grpId="0" nodeType="clickEffect">
+                                <p:cTn id="10" presetID="22" presetClass="entr" presetSubtype="4" fill="hold" nodeType="afterEffect">
                                   <p:stCondLst>
                                     <p:cond delay="0"/>
                                   </p:stCondLst>
                                   <p:childTnLst>
                                     <p:set>
                                       <p:cBhvr>
-                                        <p:cTn id="12" dur="1" fill="hold">
-                                          <p:stCondLst>
-                                            <p:cond delay="0"/>
-                                          </p:stCondLst>
-                                        </p:cTn>
-                                        <p:tgtEl>
-                                          <p:spTgt spid="210"/>
-                                        </p:tgtEl>
-                                        <p:attrNameLst>
-                                          <p:attrName>style.visibility</p:attrName>
-                                        </p:attrNameLst>
-                                      </p:cBhvr>
-                                      <p:to>
-                                        <p:strVal val="visible"/>
-                                      </p:to>
-                                    </p:set>
-                                    <p:animEffect transition="in" filter="barn(inVertical)">
-                                      <p:cBhvr>
-                                        <p:cTn id="13" dur="500"/>
-                                        <p:tgtEl>
-                                          <p:spTgt spid="210"/>
-                                        </p:tgtEl>
-                                      </p:cBhvr>
-                                    </p:animEffect>
-                                  </p:childTnLst>
-                                </p:cTn>
-                              </p:par>
-                            </p:childTnLst>
-                          </p:cTn>
-                        </p:par>
-                      </p:childTnLst>
-                    </p:cTn>
-                  </p:par>
-                  <p:par>
-                    <p:cTn id="14" fill="hold">
-                      <p:stCondLst>
-                        <p:cond delay="indefinite"/>
-                      </p:stCondLst>
-                      <p:childTnLst>
-                        <p:par>
-                          <p:cTn id="15" fill="hold">
-                            <p:stCondLst>
-                              <p:cond delay="0"/>
-                            </p:stCondLst>
-                            <p:childTnLst>
-                              <p:par>
-                                <p:cTn id="16" presetID="14" presetClass="exit" presetSubtype="10" fill="hold" grpId="1" nodeType="clickEffect">
-                                  <p:stCondLst>
-                                    <p:cond delay="0"/>
-                                  </p:stCondLst>
-                                  <p:childTnLst>
-                                    <p:animEffect transition="out" filter="randombar(horizontal)">
-                                      <p:cBhvr>
-                                        <p:cTn id="17" dur="500"/>
-                                        <p:tgtEl>
-                                          <p:spTgt spid="210"/>
-                                        </p:tgtEl>
-                                      </p:cBhvr>
-                                    </p:animEffect>
-                                    <p:set>
-                                      <p:cBhvr>
-                                        <p:cTn id="18" dur="1" fill="hold">
-                                          <p:stCondLst>
-                                            <p:cond delay="499"/>
-                                          </p:stCondLst>
-                                        </p:cTn>
-                                        <p:tgtEl>
-                                          <p:spTgt spid="210"/>
-                                        </p:tgtEl>
-                                        <p:attrNameLst>
-                                          <p:attrName>style.visibility</p:attrName>
-                                        </p:attrNameLst>
-                                      </p:cBhvr>
-                                      <p:to>
-                                        <p:strVal val="hidden"/>
-                                      </p:to>
-                                    </p:set>
-                                  </p:childTnLst>
-                                </p:cTn>
-                              </p:par>
-                            </p:childTnLst>
-                          </p:cTn>
-                        </p:par>
-                        <p:par>
-                          <p:cTn id="19" fill="hold">
-                            <p:stCondLst>
-                              <p:cond delay="500"/>
-                            </p:stCondLst>
-                            <p:childTnLst>
-                              <p:par>
-                                <p:cTn id="20" presetID="22" presetClass="entr" presetSubtype="4" fill="hold" nodeType="afterEffect">
-                                  <p:stCondLst>
-                                    <p:cond delay="0"/>
-                                  </p:stCondLst>
-                                  <p:childTnLst>
-                                    <p:set>
-                                      <p:cBhvr>
-                                        <p:cTn id="21" dur="1" fill="hold">
+                                        <p:cTn id="11" dur="1" fill="hold">
                                           <p:stCondLst>
                                             <p:cond delay="0"/>
                                           </p:stCondLst>
@@ -15149,7 +14873,7 @@
                                     </p:set>
                                     <p:animEffect transition="in" filter="wipe(down)">
                                       <p:cBhvr>
-                                        <p:cTn id="22" dur="500"/>
+                                        <p:cTn id="12" dur="500"/>
                                         <p:tgtEl>
                                           <p:spTgt spid="7"/>
                                         </p:tgtEl>
@@ -15165,26 +14889,26 @@
                     </p:cTn>
                   </p:par>
                   <p:par>
-                    <p:cTn id="23" fill="hold">
+                    <p:cTn id="13" fill="hold">
                       <p:stCondLst>
                         <p:cond delay="indefinite"/>
                       </p:stCondLst>
                       <p:childTnLst>
                         <p:par>
-                          <p:cTn id="24" fill="hold">
+                          <p:cTn id="14" fill="hold">
                             <p:stCondLst>
                               <p:cond delay="0"/>
                             </p:stCondLst>
                             <p:childTnLst>
                               <p:par>
-                                <p:cTn id="25" presetID="2" presetClass="entr" presetSubtype="4" fill="hold" grpId="0" nodeType="clickEffect">
+                                <p:cTn id="15" presetID="2" presetClass="entr" presetSubtype="4" fill="hold" grpId="0" nodeType="clickEffect">
                                   <p:stCondLst>
                                     <p:cond delay="0"/>
                                   </p:stCondLst>
                                   <p:childTnLst>
                                     <p:set>
                                       <p:cBhvr>
-                                        <p:cTn id="26" dur="1" fill="hold">
+                                        <p:cTn id="16" dur="1" fill="hold">
                                           <p:stCondLst>
                                             <p:cond delay="0"/>
                                           </p:stCondLst>
@@ -15202,7 +14926,7 @@
                                     </p:set>
                                     <p:anim calcmode="lin" valueType="num">
                                       <p:cBhvr additive="base">
-                                        <p:cTn id="27" dur="500" fill="hold"/>
+                                        <p:cTn id="17" dur="500" fill="hold"/>
                                         <p:tgtEl>
                                           <p:spTgt spid="9"/>
                                         </p:tgtEl>
@@ -15225,7 +14949,7 @@
                                     </p:anim>
                                     <p:anim calcmode="lin" valueType="num">
                                       <p:cBhvr additive="base">
-                                        <p:cTn id="28" dur="500" fill="hold"/>
+                                        <p:cTn id="18" dur="500" fill="hold"/>
                                         <p:tgtEl>
                                           <p:spTgt spid="9"/>
                                         </p:tgtEl>
@@ -15278,8 +15002,6 @@
     </p:tnLst>
     <p:bldLst>
       <p:bldP spid="209" grpId="0" animBg="1"/>
-      <p:bldP spid="210" grpId="0" animBg="1"/>
-      <p:bldP spid="210" grpId="1" animBg="1"/>
       <p:bldP spid="9" grpId="0" animBg="1"/>
     </p:bldLst>
   </p:timing>
@@ -33652,7 +33374,7 @@
 </file>
 
 <file path=ppt/slides/slide41.xml><?xml version="1.0" encoding="utf-8"?>
-<p:sld xmlns:a="http://schemas.openxmlformats.org/drawingml/2006/main" xmlns:r="http://schemas.openxmlformats.org/officeDocument/2006/relationships" xmlns:p="http://schemas.openxmlformats.org/presentationml/2006/main">
+<p:sld xmlns:a="http://schemas.openxmlformats.org/drawingml/2006/main" xmlns:r="http://schemas.openxmlformats.org/officeDocument/2006/relationships" xmlns:p="http://schemas.openxmlformats.org/presentationml/2006/main" show="0">
   <p:cSld>
     <p:spTree>
       <p:nvGrpSpPr>
@@ -34131,7 +33853,7 @@
 </file>
 
 <file path=ppt/slides/slide42.xml><?xml version="1.0" encoding="utf-8"?>
-<p:sld xmlns:a="http://schemas.openxmlformats.org/drawingml/2006/main" xmlns:r="http://schemas.openxmlformats.org/officeDocument/2006/relationships" xmlns:p="http://schemas.openxmlformats.org/presentationml/2006/main">
+<p:sld xmlns:a="http://schemas.openxmlformats.org/drawingml/2006/main" xmlns:r="http://schemas.openxmlformats.org/officeDocument/2006/relationships" xmlns:p="http://schemas.openxmlformats.org/presentationml/2006/main" show="0">
   <p:cSld>
     <p:spTree>
       <p:nvGrpSpPr>
@@ -34409,8 +34131,8 @@
           </a:p>
         </p:txBody>
       </p:sp>
-      <mc:AlternateContent xmlns:mc="http://schemas.openxmlformats.org/markup-compatibility/2006">
-        <mc:Choice xmlns:a14="http://schemas.microsoft.com/office/drawing/2010/main" Requires="a14">
+      <mc:AlternateContent xmlns:mc="http://schemas.openxmlformats.org/markup-compatibility/2006" xmlns:a14="http://schemas.microsoft.com/office/drawing/2010/main">
+        <mc:Choice Requires="a14">
           <p:sp>
             <p:nvSpPr>
               <p:cNvPr id="212" name="TextShape 2"/>
@@ -34599,30 +34321,40 @@
                     <m:sSub>
                       <m:sSubPr>
                         <m:ctrlPr>
-                          <a:rPr lang="zh-CN" altLang="zh-CN" i="1"/>
+                          <a:rPr lang="zh-CN" altLang="zh-CN" i="1">
+                            <a:latin typeface="Cambria Math" panose="02040503050406030204" pitchFamily="18" charset="0"/>
+                          </a:rPr>
                         </m:ctrlPr>
                       </m:sSubPr>
                       <m:e>
                         <m:r>
-                          <a:rPr lang="en-US" altLang="zh-CN" i="1"/>
+                          <a:rPr lang="en-US" altLang="zh-CN" i="1">
+                            <a:latin typeface="Cambria Math" panose="02040503050406030204" pitchFamily="18" charset="0"/>
+                          </a:rPr>
                           <m:t>𝑓</m:t>
                         </m:r>
                       </m:e>
                       <m:sub>
                         <m:r>
-                          <a:rPr lang="en-US" altLang="zh-CN" i="1"/>
+                          <a:rPr lang="en-US" altLang="zh-CN" i="1">
+                            <a:latin typeface="Cambria Math" panose="02040503050406030204" pitchFamily="18" charset="0"/>
+                          </a:rPr>
                           <m:t>𝑠𝑝𝑙𝑖𝑡</m:t>
                         </m:r>
                       </m:sub>
                     </m:sSub>
                     <m:r>
-                      <a:rPr lang="en-US" altLang="zh-CN" i="1"/>
+                      <a:rPr lang="en-US" altLang="zh-CN" i="1">
+                        <a:latin typeface="Cambria Math" panose="02040503050406030204" pitchFamily="18" charset="0"/>
+                      </a:rPr>
                       <m:t>=</m:t>
                     </m:r>
                     <m:f>
                       <m:fPr>
                         <m:ctrlPr>
-                          <a:rPr lang="zh-CN" altLang="zh-CN" i="1"/>
+                          <a:rPr lang="zh-CN" altLang="zh-CN" i="1">
+                            <a:latin typeface="Cambria Math" panose="02040503050406030204" pitchFamily="18" charset="0"/>
+                          </a:rPr>
                         </m:ctrlPr>
                       </m:fPr>
                       <m:num>
@@ -34631,22 +34363,30 @@
                             <m:chr m:val="∑"/>
                             <m:limLoc m:val="undOvr"/>
                             <m:ctrlPr>
-                              <a:rPr lang="zh-CN" altLang="zh-CN" i="1"/>
+                              <a:rPr lang="zh-CN" altLang="zh-CN" i="1">
+                                <a:latin typeface="Cambria Math" panose="02040503050406030204" pitchFamily="18" charset="0"/>
+                              </a:rPr>
                             </m:ctrlPr>
                           </m:naryPr>
                           <m:sub>
                             <m:r>
-                              <a:rPr lang="en-US" altLang="zh-CN" i="1"/>
+                              <a:rPr lang="en-US" altLang="zh-CN" i="1">
+                                <a:latin typeface="Cambria Math" panose="02040503050406030204" pitchFamily="18" charset="0"/>
+                              </a:rPr>
                               <m:t>𝑖</m:t>
                             </m:r>
                             <m:r>
-                              <a:rPr lang="en-US" altLang="zh-CN" i="1"/>
+                              <a:rPr lang="en-US" altLang="zh-CN" i="1">
+                                <a:latin typeface="Cambria Math" panose="02040503050406030204" pitchFamily="18" charset="0"/>
+                              </a:rPr>
                               <m:t>=1</m:t>
                             </m:r>
                           </m:sub>
                           <m:sup>
                             <m:r>
-                              <a:rPr lang="en-US" altLang="zh-CN" i="1"/>
+                              <a:rPr lang="en-US" altLang="zh-CN" i="1">
+                                <a:latin typeface="Cambria Math" panose="02040503050406030204" pitchFamily="18" charset="0"/>
+                              </a:rPr>
                               <m:t>𝑛</m:t>
                             </m:r>
                           </m:sup>
@@ -34654,18 +34394,24 @@
                             <m:sSub>
                               <m:sSubPr>
                                 <m:ctrlPr>
-                                  <a:rPr lang="zh-CN" altLang="zh-CN" i="1"/>
+                                  <a:rPr lang="zh-CN" altLang="zh-CN" i="1">
+                                    <a:latin typeface="Cambria Math" panose="02040503050406030204" pitchFamily="18" charset="0"/>
+                                  </a:rPr>
                                 </m:ctrlPr>
                               </m:sSubPr>
                               <m:e>
                                 <m:r>
-                                  <a:rPr lang="en-US" altLang="zh-CN" i="1"/>
+                                  <a:rPr lang="en-US" altLang="zh-CN" i="1">
+                                    <a:latin typeface="Cambria Math" panose="02040503050406030204" pitchFamily="18" charset="0"/>
+                                  </a:rPr>
                                   <m:t>𝑆</m:t>
                                 </m:r>
                               </m:e>
                               <m:sub>
                                 <m:r>
-                                  <a:rPr lang="en-US" altLang="zh-CN" i="1"/>
+                                  <a:rPr lang="en-US" altLang="zh-CN" i="1">
+                                    <a:latin typeface="Cambria Math" panose="02040503050406030204" pitchFamily="18" charset="0"/>
+                                  </a:rPr>
                                   <m:t>𝑖</m:t>
                                 </m:r>
                               </m:sub>
@@ -34675,62 +34421,86 @@
                       </m:num>
                       <m:den>
                         <m:r>
-                          <a:rPr lang="en-US" altLang="zh-CN" i="1"/>
+                          <a:rPr lang="en-US" altLang="zh-CN" i="1">
+                            <a:latin typeface="Cambria Math" panose="02040503050406030204" pitchFamily="18" charset="0"/>
+                          </a:rPr>
                           <m:t>𝑘</m:t>
                         </m:r>
                         <m:r>
-                          <a:rPr lang="en-US" altLang="zh-CN" i="1"/>
+                          <a:rPr lang="en-US" altLang="zh-CN" i="1">
+                            <a:latin typeface="Cambria Math" panose="02040503050406030204" pitchFamily="18" charset="0"/>
+                          </a:rPr>
                           <m:t>∗</m:t>
                         </m:r>
                         <m:r>
                           <m:rPr>
                             <m:sty m:val="p"/>
                           </m:rPr>
-                          <a:rPr lang="en-US" altLang="zh-CN"/>
+                          <a:rPr lang="en-US" altLang="zh-CN">
+                            <a:latin typeface="Cambria Math" panose="02040503050406030204" pitchFamily="18" charset="0"/>
+                          </a:rPr>
                           <m:t>min</m:t>
                         </m:r>
                         <m:r>
-                          <a:rPr lang="en-US" altLang="zh-CN" i="1"/>
+                          <a:rPr lang="en-US" altLang="zh-CN" i="1">
+                            <a:latin typeface="Cambria Math" panose="02040503050406030204" pitchFamily="18" charset="0"/>
+                          </a:rPr>
                           <m:t>(</m:t>
                         </m:r>
                         <m:d>
                           <m:dPr>
                             <m:ctrlPr>
-                              <a:rPr lang="zh-CN" altLang="zh-CN" i="1"/>
+                              <a:rPr lang="zh-CN" altLang="zh-CN" i="1">
+                                <a:latin typeface="Cambria Math" panose="02040503050406030204" pitchFamily="18" charset="0"/>
+                              </a:rPr>
                             </m:ctrlPr>
                           </m:dPr>
                           <m:e>
                             <m:r>
-                              <a:rPr lang="en-US" altLang="zh-CN" i="1"/>
+                              <a:rPr lang="en-US" altLang="zh-CN" i="1">
+                                <a:latin typeface="Cambria Math" panose="02040503050406030204" pitchFamily="18" charset="0"/>
+                              </a:rPr>
                               <m:t>𝑐𝑝𝑢𝑠</m:t>
                             </m:r>
                             <m:r>
-                              <a:rPr lang="en-US" altLang="zh-CN" i="1"/>
+                              <a:rPr lang="en-US" altLang="zh-CN" i="1">
+                                <a:latin typeface="Cambria Math" panose="02040503050406030204" pitchFamily="18" charset="0"/>
+                              </a:rPr>
                               <m:t>∗</m:t>
                             </m:r>
                             <m:r>
-                              <a:rPr lang="en-US" altLang="zh-CN" i="1"/>
+                              <a:rPr lang="en-US" altLang="zh-CN" i="1">
+                                <a:latin typeface="Cambria Math" panose="02040503050406030204" pitchFamily="18" charset="0"/>
+                              </a:rPr>
                               <m:t>𝑐𝑜𝑟𝑒𝑠</m:t>
                             </m:r>
                             <m:r>
-                              <a:rPr lang="en-US" altLang="zh-CN" i="1"/>
+                              <a:rPr lang="en-US" altLang="zh-CN" i="1">
+                                <a:latin typeface="Cambria Math" panose="02040503050406030204" pitchFamily="18" charset="0"/>
+                              </a:rPr>
                               <m:t>+</m:t>
                             </m:r>
                             <m:sSub>
                               <m:sSubPr>
                                 <m:ctrlPr>
-                                  <a:rPr lang="zh-CN" altLang="zh-CN" i="1"/>
+                                  <a:rPr lang="zh-CN" altLang="zh-CN" i="1">
+                                    <a:latin typeface="Cambria Math" panose="02040503050406030204" pitchFamily="18" charset="0"/>
+                                  </a:rPr>
                                 </m:ctrlPr>
                               </m:sSubPr>
                               <m:e>
                                 <m:r>
-                                  <a:rPr lang="en-US" altLang="zh-CN" i="1"/>
+                                  <a:rPr lang="en-US" altLang="zh-CN" i="1">
+                                    <a:latin typeface="Cambria Math" panose="02040503050406030204" pitchFamily="18" charset="0"/>
+                                  </a:rPr>
                                   <m:t>𝑟</m:t>
                                 </m:r>
                               </m:e>
                               <m:sub>
                                 <m:r>
-                                  <a:rPr lang="en-US" altLang="zh-CN" i="1"/>
+                                  <a:rPr lang="en-US" altLang="zh-CN" i="1">
+                                    <a:latin typeface="Cambria Math" panose="02040503050406030204" pitchFamily="18" charset="0"/>
+                                  </a:rPr>
                                   <m:t>𝑛</m:t>
                                 </m:r>
                               </m:sub>
@@ -34738,13 +34508,17 @@
                           </m:e>
                         </m:d>
                         <m:r>
-                          <a:rPr lang="en-US" altLang="zh-CN" i="1"/>
+                          <a:rPr lang="en-US" altLang="zh-CN" i="1">
+                            <a:latin typeface="Cambria Math" panose="02040503050406030204" pitchFamily="18" charset="0"/>
+                          </a:rPr>
                           <m:t>,(</m:t>
                         </m:r>
                         <m:f>
                           <m:fPr>
                             <m:ctrlPr>
-                              <a:rPr lang="zh-CN" altLang="zh-CN" i="1"/>
+                              <a:rPr lang="zh-CN" altLang="zh-CN" i="1">
+                                <a:latin typeface="Cambria Math" panose="02040503050406030204" pitchFamily="18" charset="0"/>
+                              </a:rPr>
                             </m:ctrlPr>
                           </m:fPr>
                           <m:num>
@@ -34753,22 +34527,30 @@
                                 <m:chr m:val="∑"/>
                                 <m:limLoc m:val="undOvr"/>
                                 <m:ctrlPr>
-                                  <a:rPr lang="zh-CN" altLang="zh-CN" i="1"/>
+                                  <a:rPr lang="zh-CN" altLang="zh-CN" i="1">
+                                    <a:latin typeface="Cambria Math" panose="02040503050406030204" pitchFamily="18" charset="0"/>
+                                  </a:rPr>
                                 </m:ctrlPr>
                               </m:naryPr>
                               <m:sub>
                                 <m:r>
-                                  <a:rPr lang="en-US" altLang="zh-CN" i="1"/>
+                                  <a:rPr lang="en-US" altLang="zh-CN" i="1">
+                                    <a:latin typeface="Cambria Math" panose="02040503050406030204" pitchFamily="18" charset="0"/>
+                                  </a:rPr>
                                   <m:t>𝑖</m:t>
                                 </m:r>
                                 <m:r>
-                                  <a:rPr lang="en-US" altLang="zh-CN" i="1"/>
+                                  <a:rPr lang="en-US" altLang="zh-CN" i="1">
+                                    <a:latin typeface="Cambria Math" panose="02040503050406030204" pitchFamily="18" charset="0"/>
+                                  </a:rPr>
                                   <m:t>=1</m:t>
                                 </m:r>
                               </m:sub>
                               <m:sup>
                                 <m:r>
-                                  <a:rPr lang="en-US" altLang="zh-CN" i="1"/>
+                                  <a:rPr lang="en-US" altLang="zh-CN" i="1">
+                                    <a:latin typeface="Cambria Math" panose="02040503050406030204" pitchFamily="18" charset="0"/>
+                                  </a:rPr>
                                   <m:t>𝑛</m:t>
                                 </m:r>
                               </m:sup>
@@ -34776,18 +34558,24 @@
                                 <m:sSub>
                                   <m:sSubPr>
                                     <m:ctrlPr>
-                                      <a:rPr lang="zh-CN" altLang="zh-CN" i="1"/>
+                                      <a:rPr lang="zh-CN" altLang="zh-CN" i="1">
+                                        <a:latin typeface="Cambria Math" panose="02040503050406030204" pitchFamily="18" charset="0"/>
+                                      </a:rPr>
                                     </m:ctrlPr>
                                   </m:sSubPr>
                                   <m:e>
                                     <m:r>
-                                      <a:rPr lang="en-US" altLang="zh-CN" i="1"/>
+                                      <a:rPr lang="en-US" altLang="zh-CN" i="1">
+                                        <a:latin typeface="Cambria Math" panose="02040503050406030204" pitchFamily="18" charset="0"/>
+                                      </a:rPr>
                                       <m:t>𝑀</m:t>
                                     </m:r>
                                   </m:e>
                                   <m:sub>
                                     <m:r>
-                                      <a:rPr lang="en-US" altLang="zh-CN" i="1"/>
+                                      <a:rPr lang="en-US" altLang="zh-CN" i="1">
+                                        <a:latin typeface="Cambria Math" panose="02040503050406030204" pitchFamily="18" charset="0"/>
+                                      </a:rPr>
                                       <m:t>𝑖</m:t>
                                     </m:r>
                                   </m:sub>
@@ -34797,19 +34585,25 @@
                           </m:num>
                           <m:den>
                             <m:r>
-                              <a:rPr lang="en-US" altLang="zh-CN" i="1"/>
+                              <a:rPr lang="en-US" altLang="zh-CN" i="1">
+                                <a:latin typeface="Cambria Math" panose="02040503050406030204" pitchFamily="18" charset="0"/>
+                              </a:rPr>
                               <m:t>𝑀</m:t>
                             </m:r>
                           </m:den>
                         </m:f>
                         <m:r>
-                          <a:rPr lang="en-US" altLang="zh-CN" i="1"/>
+                          <a:rPr lang="en-US" altLang="zh-CN" i="1">
+                            <a:latin typeface="Cambria Math" panose="02040503050406030204" pitchFamily="18" charset="0"/>
+                          </a:rPr>
                           <m:t>))</m:t>
                         </m:r>
                       </m:den>
                     </m:f>
                     <m:r>
-                      <a:rPr lang="en-US" altLang="zh-CN" i="1"/>
+                      <a:rPr lang="en-US" altLang="zh-CN" i="1">
+                        <a:latin typeface="Cambria Math" panose="02040503050406030204" pitchFamily="18" charset="0"/>
+                      </a:rPr>
                       <m:t> </m:t>
                     </m:r>
                   </m:oMath>
@@ -34844,35 +34638,47 @@
                     <m:sSub>
                       <m:sSubPr>
                         <m:ctrlPr>
-                          <a:rPr lang="zh-CN" altLang="zh-CN" i="1"/>
+                          <a:rPr lang="zh-CN" altLang="zh-CN" i="1">
+                            <a:latin typeface="Cambria Math" panose="02040503050406030204" pitchFamily="18" charset="0"/>
+                          </a:rPr>
                         </m:ctrlPr>
                       </m:sSubPr>
                       <m:e>
                         <m:r>
-                          <a:rPr lang="en-US" altLang="zh-CN" i="1"/>
+                          <a:rPr lang="en-US" altLang="zh-CN" i="1">
+                            <a:latin typeface="Cambria Math" panose="02040503050406030204" pitchFamily="18" charset="0"/>
+                          </a:rPr>
                           <m:t>𝑓</m:t>
                         </m:r>
                       </m:e>
                       <m:sub>
                         <m:r>
-                          <a:rPr lang="en-US" altLang="zh-CN" i="1"/>
+                          <a:rPr lang="en-US" altLang="zh-CN" i="1">
+                            <a:latin typeface="Cambria Math" panose="02040503050406030204" pitchFamily="18" charset="0"/>
+                          </a:rPr>
                           <m:t>h𝑎𝑠h</m:t>
                         </m:r>
                       </m:sub>
                     </m:sSub>
                     <m:r>
-                      <a:rPr lang="en-US" altLang="zh-CN" i="1"/>
+                      <a:rPr lang="en-US" altLang="zh-CN" i="1">
+                        <a:latin typeface="Cambria Math" panose="02040503050406030204" pitchFamily="18" charset="0"/>
+                      </a:rPr>
                       <m:t>=</m:t>
                     </m:r>
                     <m:f>
                       <m:fPr>
                         <m:ctrlPr>
-                          <a:rPr lang="zh-CN" altLang="zh-CN" i="1"/>
+                          <a:rPr lang="zh-CN" altLang="zh-CN" i="1">
+                            <a:latin typeface="Cambria Math" panose="02040503050406030204" pitchFamily="18" charset="0"/>
+                          </a:rPr>
                         </m:ctrlPr>
                       </m:fPr>
                       <m:num>
                         <m:r>
-                          <a:rPr lang="en-US" altLang="zh-CN" i="1"/>
+                          <a:rPr lang="en-US" altLang="zh-CN" i="1">
+                            <a:latin typeface="Cambria Math" panose="02040503050406030204" pitchFamily="18" charset="0"/>
+                          </a:rPr>
                           <m:t>𝑘𝑒𝑦</m:t>
                         </m:r>
                       </m:num>
@@ -34880,25 +34686,33 @@
                         <m:f>
                           <m:fPr>
                             <m:ctrlPr>
-                              <a:rPr lang="zh-CN" altLang="zh-CN" i="1"/>
+                              <a:rPr lang="zh-CN" altLang="zh-CN" i="1">
+                                <a:latin typeface="Cambria Math" panose="02040503050406030204" pitchFamily="18" charset="0"/>
+                              </a:rPr>
                             </m:ctrlPr>
                           </m:fPr>
                           <m:num>
                             <m:sSub>
                               <m:sSubPr>
                                 <m:ctrlPr>
-                                  <a:rPr lang="zh-CN" altLang="zh-CN" i="1"/>
+                                  <a:rPr lang="zh-CN" altLang="zh-CN" i="1">
+                                    <a:latin typeface="Cambria Math" panose="02040503050406030204" pitchFamily="18" charset="0"/>
+                                  </a:rPr>
                                 </m:ctrlPr>
                               </m:sSubPr>
                               <m:e>
                                 <m:r>
-                                  <a:rPr lang="en-US" altLang="zh-CN" i="1"/>
+                                  <a:rPr lang="en-US" altLang="zh-CN" i="1">
+                                    <a:latin typeface="Cambria Math" panose="02040503050406030204" pitchFamily="18" charset="0"/>
+                                  </a:rPr>
                                   <m:t>𝑘𝑒𝑦</m:t>
                                 </m:r>
                               </m:e>
                               <m:sub>
                                 <m:r>
-                                  <a:rPr lang="en-US" altLang="zh-CN" i="1"/>
+                                  <a:rPr lang="en-US" altLang="zh-CN" i="1">
+                                    <a:latin typeface="Cambria Math" panose="02040503050406030204" pitchFamily="18" charset="0"/>
+                                  </a:rPr>
                                   <m:t>𝑚𝑎𝑥</m:t>
                                 </m:r>
                               </m:sub>
@@ -34908,18 +34722,24 @@
                             <m:sSub>
                               <m:sSubPr>
                                 <m:ctrlPr>
-                                  <a:rPr lang="zh-CN" altLang="zh-CN" i="1"/>
+                                  <a:rPr lang="zh-CN" altLang="zh-CN" i="1">
+                                    <a:latin typeface="Cambria Math" panose="02040503050406030204" pitchFamily="18" charset="0"/>
+                                  </a:rPr>
                                 </m:ctrlPr>
                               </m:sSubPr>
                               <m:e>
                                 <m:r>
-                                  <a:rPr lang="en-US" altLang="zh-CN" i="1"/>
+                                  <a:rPr lang="en-US" altLang="zh-CN" i="1">
+                                    <a:latin typeface="Cambria Math" panose="02040503050406030204" pitchFamily="18" charset="0"/>
+                                  </a:rPr>
                                   <m:t>𝑟𝑒𝑑𝑢𝑐𝑒</m:t>
                                 </m:r>
                               </m:e>
                               <m:sub>
                                 <m:r>
-                                  <a:rPr lang="en-US" altLang="zh-CN" i="1"/>
+                                  <a:rPr lang="en-US" altLang="zh-CN" i="1">
+                                    <a:latin typeface="Cambria Math" panose="02040503050406030204" pitchFamily="18" charset="0"/>
+                                  </a:rPr>
                                   <m:t>𝑖𝑑</m:t>
                                 </m:r>
                               </m:sub>
@@ -35010,38 +34830,52 @@
                     <m:sSub>
                       <m:sSubPr>
                         <m:ctrlPr>
-                          <a:rPr lang="zh-CN" altLang="zh-CN" i="1"/>
+                          <a:rPr lang="zh-CN" altLang="zh-CN" i="1">
+                            <a:latin typeface="Cambria Math" panose="02040503050406030204" pitchFamily="18" charset="0"/>
+                          </a:rPr>
                         </m:ctrlPr>
                       </m:sSubPr>
                       <m:e>
                         <m:r>
-                          <a:rPr lang="en-US" altLang="zh-CN" i="1"/>
+                          <a:rPr lang="en-US" altLang="zh-CN" i="1">
+                            <a:latin typeface="Cambria Math" panose="02040503050406030204" pitchFamily="18" charset="0"/>
+                          </a:rPr>
                           <m:t>𝑓</m:t>
                         </m:r>
                       </m:e>
                       <m:sub>
                         <m:r>
-                          <a:rPr lang="en-US" altLang="zh-CN" i="1"/>
+                          <a:rPr lang="en-US" altLang="zh-CN" i="1">
+                            <a:latin typeface="Cambria Math" panose="02040503050406030204" pitchFamily="18" charset="0"/>
+                          </a:rPr>
                           <m:t>𝑝𝑎𝑟𝑠</m:t>
                         </m:r>
                       </m:sub>
                     </m:sSub>
                     <m:r>
-                      <a:rPr lang="en-US" altLang="zh-CN" i="1"/>
+                      <a:rPr lang="en-US" altLang="zh-CN" i="1">
+                        <a:latin typeface="Cambria Math" panose="02040503050406030204" pitchFamily="18" charset="0"/>
+                      </a:rPr>
                       <m:t>=</m:t>
                     </m:r>
                     <m:r>
-                      <a:rPr lang="en-US" altLang="zh-CN" i="1"/>
+                      <a:rPr lang="en-US" altLang="zh-CN" i="1">
+                        <a:latin typeface="Cambria Math" panose="02040503050406030204" pitchFamily="18" charset="0"/>
+                      </a:rPr>
                       <m:t>𝑘</m:t>
                     </m:r>
                     <m:r>
-                      <a:rPr lang="en-US" altLang="zh-CN" i="1"/>
+                      <a:rPr lang="en-US" altLang="zh-CN" i="1">
+                        <a:latin typeface="Cambria Math" panose="02040503050406030204" pitchFamily="18" charset="0"/>
+                      </a:rPr>
                       <m:t>∗</m:t>
                     </m:r>
                     <m:func>
                       <m:funcPr>
                         <m:ctrlPr>
-                          <a:rPr lang="zh-CN" altLang="zh-CN" i="1"/>
+                          <a:rPr lang="zh-CN" altLang="zh-CN" i="1">
+                            <a:latin typeface="Cambria Math" panose="02040503050406030204" pitchFamily="18" charset="0"/>
+                          </a:rPr>
                         </m:ctrlPr>
                       </m:funcPr>
                       <m:fName>
@@ -35049,7 +34883,9 @@
                           <m:rPr>
                             <m:sty m:val="p"/>
                           </m:rPr>
-                          <a:rPr lang="en-US" altLang="zh-CN"/>
+                          <a:rPr lang="en-US" altLang="zh-CN">
+                            <a:latin typeface="Cambria Math" panose="02040503050406030204" pitchFamily="18" charset="0"/>
+                          </a:rPr>
                           <m:t>min</m:t>
                         </m:r>
                       </m:fName>
@@ -35057,22 +34893,30 @@
                         <m:d>
                           <m:dPr>
                             <m:ctrlPr>
-                              <a:rPr lang="zh-CN" altLang="zh-CN" i="1"/>
+                              <a:rPr lang="zh-CN" altLang="zh-CN" i="1">
+                                <a:latin typeface="Cambria Math" panose="02040503050406030204" pitchFamily="18" charset="0"/>
+                              </a:rPr>
                             </m:ctrlPr>
                           </m:dPr>
                           <m:e>
                             <m:r>
-                              <a:rPr lang="en-US" altLang="zh-CN" i="1"/>
+                              <a:rPr lang="en-US" altLang="zh-CN" i="1">
+                                <a:latin typeface="Cambria Math" panose="02040503050406030204" pitchFamily="18" charset="0"/>
+                              </a:rPr>
                               <m:t>𝑁</m:t>
                             </m:r>
                             <m:r>
-                              <a:rPr lang="en-US" altLang="zh-CN" i="1"/>
+                              <a:rPr lang="en-US" altLang="zh-CN" i="1">
+                                <a:latin typeface="Cambria Math" panose="02040503050406030204" pitchFamily="18" charset="0"/>
+                              </a:rPr>
                               <m:t>,</m:t>
                             </m:r>
                             <m:f>
                               <m:fPr>
                                 <m:ctrlPr>
-                                  <a:rPr lang="zh-CN" altLang="zh-CN" i="1"/>
+                                  <a:rPr lang="zh-CN" altLang="zh-CN" i="1">
+                                    <a:latin typeface="Cambria Math" panose="02040503050406030204" pitchFamily="18" charset="0"/>
+                                  </a:rPr>
                                 </m:ctrlPr>
                               </m:fPr>
                               <m:num>
@@ -35081,22 +34925,30 @@
                                     <m:chr m:val="∑"/>
                                     <m:limLoc m:val="undOvr"/>
                                     <m:ctrlPr>
-                                      <a:rPr lang="zh-CN" altLang="zh-CN" i="1"/>
+                                      <a:rPr lang="zh-CN" altLang="zh-CN" i="1">
+                                        <a:latin typeface="Cambria Math" panose="02040503050406030204" pitchFamily="18" charset="0"/>
+                                      </a:rPr>
                                     </m:ctrlPr>
                                   </m:naryPr>
                                   <m:sub>
                                     <m:r>
-                                      <a:rPr lang="en-US" altLang="zh-CN" i="1"/>
+                                      <a:rPr lang="en-US" altLang="zh-CN" i="1">
+                                        <a:latin typeface="Cambria Math" panose="02040503050406030204" pitchFamily="18" charset="0"/>
+                                      </a:rPr>
                                       <m:t>𝑖</m:t>
                                     </m:r>
                                     <m:r>
-                                      <a:rPr lang="en-US" altLang="zh-CN" i="1"/>
+                                      <a:rPr lang="en-US" altLang="zh-CN" i="1">
+                                        <a:latin typeface="Cambria Math" panose="02040503050406030204" pitchFamily="18" charset="0"/>
+                                      </a:rPr>
                                       <m:t>=1</m:t>
                                     </m:r>
                                   </m:sub>
                                   <m:sup>
                                     <m:r>
-                                      <a:rPr lang="en-US" altLang="zh-CN" i="1"/>
+                                      <a:rPr lang="en-US" altLang="zh-CN" i="1">
+                                        <a:latin typeface="Cambria Math" panose="02040503050406030204" pitchFamily="18" charset="0"/>
+                                      </a:rPr>
                                       <m:t>𝑛</m:t>
                                     </m:r>
                                   </m:sup>
@@ -35104,18 +34956,24 @@
                                     <m:sSub>
                                       <m:sSubPr>
                                         <m:ctrlPr>
-                                          <a:rPr lang="zh-CN" altLang="zh-CN" i="1"/>
+                                          <a:rPr lang="zh-CN" altLang="zh-CN" i="1">
+                                            <a:latin typeface="Cambria Math" panose="02040503050406030204" pitchFamily="18" charset="0"/>
+                                          </a:rPr>
                                         </m:ctrlPr>
                                       </m:sSubPr>
                                       <m:e>
                                         <m:r>
-                                          <a:rPr lang="en-US" altLang="zh-CN" i="1"/>
+                                          <a:rPr lang="en-US" altLang="zh-CN" i="1">
+                                            <a:latin typeface="Cambria Math" panose="02040503050406030204" pitchFamily="18" charset="0"/>
+                                          </a:rPr>
                                           <m:t>𝑀</m:t>
                                         </m:r>
                                       </m:e>
                                       <m:sub>
                                         <m:r>
-                                          <a:rPr lang="en-US" altLang="zh-CN" i="1"/>
+                                          <a:rPr lang="en-US" altLang="zh-CN" i="1">
+                                            <a:latin typeface="Cambria Math" panose="02040503050406030204" pitchFamily="18" charset="0"/>
+                                          </a:rPr>
                                           <m:t>𝑖</m:t>
                                         </m:r>
                                       </m:sub>
@@ -35127,18 +34985,24 @@
                                 <m:sSub>
                                   <m:sSubPr>
                                     <m:ctrlPr>
-                                      <a:rPr lang="zh-CN" altLang="zh-CN" i="1"/>
+                                      <a:rPr lang="zh-CN" altLang="zh-CN" i="1">
+                                        <a:latin typeface="Cambria Math" panose="02040503050406030204" pitchFamily="18" charset="0"/>
+                                      </a:rPr>
                                     </m:ctrlPr>
                                   </m:sSubPr>
                                   <m:e>
                                     <m:r>
-                                      <a:rPr lang="en-US" altLang="zh-CN" i="1"/>
+                                      <a:rPr lang="en-US" altLang="zh-CN" i="1">
+                                        <a:latin typeface="Cambria Math" panose="02040503050406030204" pitchFamily="18" charset="0"/>
+                                      </a:rPr>
                                       <m:t>𝑀</m:t>
                                     </m:r>
                                   </m:e>
                                   <m:sub>
                                     <m:r>
-                                      <a:rPr lang="en-US" altLang="zh-CN" i="1"/>
+                                      <a:rPr lang="en-US" altLang="zh-CN" i="1">
+                                        <a:latin typeface="Cambria Math" panose="02040503050406030204" pitchFamily="18" charset="0"/>
+                                      </a:rPr>
                                       <m:t>𝑚𝑖𝑛</m:t>
                                     </m:r>
                                   </m:sub>
@@ -35150,7 +35014,9 @@
                       </m:e>
                     </m:func>
                     <m:r>
-                      <a:rPr lang="en-US" altLang="zh-CN" i="1"/>
+                      <a:rPr lang="en-US" altLang="zh-CN" i="1">
+                        <a:latin typeface="Cambria Math" panose="02040503050406030204" pitchFamily="18" charset="0"/>
+                      </a:rPr>
                       <m:t> </m:t>
                     </m:r>
                   </m:oMath>
@@ -35192,60 +35058,82 @@
                     <m:sSub>
                       <m:sSubPr>
                         <m:ctrlPr>
-                          <a:rPr lang="zh-CN" altLang="zh-CN" i="1"/>
+                          <a:rPr lang="zh-CN" altLang="zh-CN" i="1">
+                            <a:latin typeface="Cambria Math" panose="02040503050406030204" pitchFamily="18" charset="0"/>
+                          </a:rPr>
                         </m:ctrlPr>
                       </m:sSubPr>
                       <m:e>
                         <m:r>
-                          <a:rPr lang="en-US" altLang="zh-CN" i="1"/>
+                          <a:rPr lang="en-US" altLang="zh-CN" i="1">
+                            <a:latin typeface="Cambria Math" panose="02040503050406030204" pitchFamily="18" charset="0"/>
+                          </a:rPr>
                           <m:t>𝑓</m:t>
                         </m:r>
                       </m:e>
                       <m:sub>
                         <m:r>
-                          <a:rPr lang="en-US" altLang="zh-CN" i="1"/>
+                          <a:rPr lang="en-US" altLang="zh-CN" i="1">
+                            <a:latin typeface="Cambria Math" panose="02040503050406030204" pitchFamily="18" charset="0"/>
+                          </a:rPr>
                           <m:t>𝑝𝑎𝑟𝑡𝑖𝑡𝑖𝑜𝑛</m:t>
                         </m:r>
                       </m:sub>
                     </m:sSub>
                     <m:r>
-                      <a:rPr lang="en-US" altLang="zh-CN" i="1"/>
+                      <a:rPr lang="en-US" altLang="zh-CN" i="1">
+                        <a:latin typeface="Cambria Math" panose="02040503050406030204" pitchFamily="18" charset="0"/>
+                      </a:rPr>
                       <m:t>=</m:t>
                     </m:r>
                     <m:f>
                       <m:fPr>
                         <m:ctrlPr>
-                          <a:rPr lang="zh-CN" altLang="zh-CN" i="1"/>
+                          <a:rPr lang="zh-CN" altLang="zh-CN" i="1">
+                            <a:latin typeface="Cambria Math" panose="02040503050406030204" pitchFamily="18" charset="0"/>
+                          </a:rPr>
                         </m:ctrlPr>
                       </m:fPr>
                       <m:num>
                         <m:r>
-                          <a:rPr lang="en-US" altLang="zh-CN" i="1"/>
+                          <a:rPr lang="en-US" altLang="zh-CN" i="1">
+                            <a:latin typeface="Cambria Math" panose="02040503050406030204" pitchFamily="18" charset="0"/>
+                          </a:rPr>
                           <m:t>  </m:t>
                         </m:r>
                         <m:r>
-                          <a:rPr lang="en-US" altLang="zh-CN" i="1"/>
+                          <a:rPr lang="en-US" altLang="zh-CN" i="1">
+                            <a:latin typeface="Cambria Math" panose="02040503050406030204" pitchFamily="18" charset="0"/>
+                          </a:rPr>
                           <m:t>𝑘𝑒𝑦</m:t>
                         </m:r>
                         <m:r>
-                          <a:rPr lang="en-US" altLang="zh-CN" i="1"/>
+                          <a:rPr lang="en-US" altLang="zh-CN" i="1">
+                            <a:latin typeface="Cambria Math" panose="02040503050406030204" pitchFamily="18" charset="0"/>
+                          </a:rPr>
                           <m:t>  </m:t>
                         </m:r>
                       </m:num>
                       <m:den>
                         <m:r>
-                          <a:rPr lang="en-US" altLang="zh-CN" i="1"/>
+                          <a:rPr lang="en-US" altLang="zh-CN" i="1">
+                            <a:latin typeface="Cambria Math" panose="02040503050406030204" pitchFamily="18" charset="0"/>
+                          </a:rPr>
                           <m:t>(</m:t>
                         </m:r>
                         <m:f>
                           <m:fPr>
                             <m:ctrlPr>
-                              <a:rPr lang="zh-CN" altLang="zh-CN" i="1"/>
+                              <a:rPr lang="zh-CN" altLang="zh-CN" i="1">
+                                <a:latin typeface="Cambria Math" panose="02040503050406030204" pitchFamily="18" charset="0"/>
+                              </a:rPr>
                             </m:ctrlPr>
                           </m:fPr>
                           <m:num>
                             <m:r>
-                              <a:rPr lang="en-US" altLang="zh-CN" i="1"/>
+                              <a:rPr lang="en-US" altLang="zh-CN" i="1">
+                                <a:latin typeface="Cambria Math" panose="02040503050406030204" pitchFamily="18" charset="0"/>
+                              </a:rPr>
                               <m:t>𝑜𝑛𝑥</m:t>
                             </m:r>
                           </m:num>
@@ -35253,18 +35141,24 @@
                             <m:sSub>
                               <m:sSubPr>
                                 <m:ctrlPr>
-                                  <a:rPr lang="zh-CN" altLang="zh-CN" i="1"/>
+                                  <a:rPr lang="zh-CN" altLang="zh-CN" i="1">
+                                    <a:latin typeface="Cambria Math" panose="02040503050406030204" pitchFamily="18" charset="0"/>
+                                  </a:rPr>
                                 </m:ctrlPr>
                               </m:sSubPr>
                               <m:e>
                                 <m:r>
-                                  <a:rPr lang="en-US" altLang="zh-CN" i="1"/>
+                                  <a:rPr lang="en-US" altLang="zh-CN" i="1">
+                                    <a:latin typeface="Cambria Math" panose="02040503050406030204" pitchFamily="18" charset="0"/>
+                                  </a:rPr>
                                   <m:t>𝑅</m:t>
                                 </m:r>
                               </m:e>
                               <m:sub>
                                 <m:r>
-                                  <a:rPr lang="en-US" altLang="zh-CN" i="1"/>
+                                  <a:rPr lang="en-US" altLang="zh-CN" i="1">
+                                    <a:latin typeface="Cambria Math" panose="02040503050406030204" pitchFamily="18" charset="0"/>
+                                  </a:rPr>
                                   <m:t>𝑛</m:t>
                                 </m:r>
                               </m:sub>
@@ -35272,13 +35166,17 @@
                           </m:den>
                         </m:f>
                         <m:r>
-                          <a:rPr lang="en-US" altLang="zh-CN" i="1"/>
+                          <a:rPr lang="en-US" altLang="zh-CN" i="1">
+                            <a:latin typeface="Cambria Math" panose="02040503050406030204" pitchFamily="18" charset="0"/>
+                          </a:rPr>
                           <m:t>)</m:t>
                         </m:r>
                       </m:den>
                     </m:f>
                     <m:r>
-                      <a:rPr lang="en-US" altLang="zh-CN" i="1"/>
+                      <a:rPr lang="en-US" altLang="zh-CN" i="1">
+                        <a:latin typeface="Cambria Math" panose="02040503050406030204" pitchFamily="18" charset="0"/>
+                      </a:rPr>
                       <m:t> </m:t>
                     </m:r>
                   </m:oMath>
@@ -35295,7 +35193,7 @@
             </p:txBody>
           </p:sp>
         </mc:Choice>
-        <mc:Fallback>
+        <mc:Fallback xmlns="">
           <p:sp>
             <p:nvSpPr>
               <p:cNvPr id="212" name="TextShape 2"/>

--- a/毕业答辩.pptx
+++ b/毕业答辩.pptx
@@ -6,7 +6,7 @@
     <p:sldMasterId id="2147483661" r:id="rId2"/>
   </p:sldMasterIdLst>
   <p:notesMasterIdLst>
-    <p:notesMasterId r:id="rId57"/>
+    <p:notesMasterId r:id="rId58"/>
   </p:notesMasterIdLst>
   <p:sldIdLst>
     <p:sldId id="256" r:id="rId3"/>
@@ -34,35 +34,36 @@
     <p:sldId id="275" r:id="rId25"/>
     <p:sldId id="278" r:id="rId26"/>
     <p:sldId id="304" r:id="rId27"/>
-    <p:sldId id="279" r:id="rId28"/>
-    <p:sldId id="276" r:id="rId29"/>
-    <p:sldId id="280" r:id="rId30"/>
-    <p:sldId id="281" r:id="rId31"/>
-    <p:sldId id="282" r:id="rId32"/>
-    <p:sldId id="283" r:id="rId33"/>
-    <p:sldId id="284" r:id="rId34"/>
-    <p:sldId id="285" r:id="rId35"/>
-    <p:sldId id="306" r:id="rId36"/>
-    <p:sldId id="286" r:id="rId37"/>
-    <p:sldId id="287" r:id="rId38"/>
-    <p:sldId id="288" r:id="rId39"/>
-    <p:sldId id="289" r:id="rId40"/>
-    <p:sldId id="290" r:id="rId41"/>
-    <p:sldId id="307" r:id="rId42"/>
-    <p:sldId id="314" r:id="rId43"/>
-    <p:sldId id="291" r:id="rId44"/>
-    <p:sldId id="313" r:id="rId45"/>
-    <p:sldId id="292" r:id="rId46"/>
-    <p:sldId id="293" r:id="rId47"/>
-    <p:sldId id="294" r:id="rId48"/>
-    <p:sldId id="295" r:id="rId49"/>
-    <p:sldId id="308" r:id="rId50"/>
-    <p:sldId id="297" r:id="rId51"/>
-    <p:sldId id="311" r:id="rId52"/>
-    <p:sldId id="310" r:id="rId53"/>
-    <p:sldId id="312" r:id="rId54"/>
-    <p:sldId id="299" r:id="rId55"/>
-    <p:sldId id="301" r:id="rId56"/>
+    <p:sldId id="315" r:id="rId28"/>
+    <p:sldId id="279" r:id="rId29"/>
+    <p:sldId id="276" r:id="rId30"/>
+    <p:sldId id="280" r:id="rId31"/>
+    <p:sldId id="281" r:id="rId32"/>
+    <p:sldId id="282" r:id="rId33"/>
+    <p:sldId id="283" r:id="rId34"/>
+    <p:sldId id="284" r:id="rId35"/>
+    <p:sldId id="285" r:id="rId36"/>
+    <p:sldId id="306" r:id="rId37"/>
+    <p:sldId id="286" r:id="rId38"/>
+    <p:sldId id="287" r:id="rId39"/>
+    <p:sldId id="288" r:id="rId40"/>
+    <p:sldId id="289" r:id="rId41"/>
+    <p:sldId id="290" r:id="rId42"/>
+    <p:sldId id="307" r:id="rId43"/>
+    <p:sldId id="314" r:id="rId44"/>
+    <p:sldId id="316" r:id="rId45"/>
+    <p:sldId id="313" r:id="rId46"/>
+    <p:sldId id="292" r:id="rId47"/>
+    <p:sldId id="293" r:id="rId48"/>
+    <p:sldId id="294" r:id="rId49"/>
+    <p:sldId id="295" r:id="rId50"/>
+    <p:sldId id="308" r:id="rId51"/>
+    <p:sldId id="297" r:id="rId52"/>
+    <p:sldId id="311" r:id="rId53"/>
+    <p:sldId id="310" r:id="rId54"/>
+    <p:sldId id="312" r:id="rId55"/>
+    <p:sldId id="299" r:id="rId56"/>
+    <p:sldId id="301" r:id="rId57"/>
   </p:sldIdLst>
   <p:sldSz cx="9144000" cy="6858000" type="screen4x3"/>
   <p:notesSz cx="6796088" cy="9874250"/>
@@ -6390,7 +6391,7 @@
         <p:spPr>
           <a:xfrm>
             <a:off x="179280" y="2846520"/>
-            <a:ext cx="5256360" cy="3170160"/>
+            <a:ext cx="4251404" cy="3170160"/>
           </a:xfrm>
           <a:prstGeom prst="rect">
             <a:avLst/>
@@ -6412,8 +6413,8 @@
         </p:blipFill>
         <p:spPr>
           <a:xfrm>
-            <a:off x="3419640" y="2846520"/>
-            <a:ext cx="5314680" cy="2836800"/>
+            <a:off x="4522123" y="2846520"/>
+            <a:ext cx="4422371" cy="3170160"/>
           </a:xfrm>
           <a:prstGeom prst="rect">
             <a:avLst/>
@@ -6512,7 +6513,7 @@
                             </p:stCondLst>
                             <p:childTnLst>
                               <p:par>
-                                <p:cTn id="5" presetID="2" presetClass="entr" presetSubtype="4" fill="hold" nodeType="clickEffect">
+                                <p:cTn id="5" presetID="1" presetClass="entr" presetSubtype="0" fill="hold" grpId="0" nodeType="clickEffect">
                                   <p:stCondLst>
                                     <p:cond delay="0"/>
                                   </p:stCondLst>
@@ -6520,285 +6521,6 @@
                                     <p:set>
                                       <p:cBhvr>
                                         <p:cTn id="6" dur="1" fill="hold">
-                                          <p:stCondLst>
-                                            <p:cond delay="0"/>
-                                          </p:stCondLst>
-                                        </p:cTn>
-                                        <p:tgtEl>
-                                          <p:spTgt spid="161"/>
-                                        </p:tgtEl>
-                                        <p:attrNameLst>
-                                          <p:attrName>style.visibility</p:attrName>
-                                        </p:attrNameLst>
-                                      </p:cBhvr>
-                                      <p:to>
-                                        <p:strVal val="visible"/>
-                                      </p:to>
-                                    </p:set>
-                                    <p:anim calcmode="lin" valueType="num">
-                                      <p:cBhvr additive="base">
-                                        <p:cTn id="7" dur="500" fill="hold"/>
-                                        <p:tgtEl>
-                                          <p:spTgt spid="161"/>
-                                        </p:tgtEl>
-                                        <p:attrNameLst>
-                                          <p:attrName>ppt_x</p:attrName>
-                                        </p:attrNameLst>
-                                      </p:cBhvr>
-                                      <p:tavLst>
-                                        <p:tav tm="0">
-                                          <p:val>
-                                            <p:strVal val="#ppt_x"/>
-                                          </p:val>
-                                        </p:tav>
-                                        <p:tav tm="100000">
-                                          <p:val>
-                                            <p:strVal val="#ppt_x"/>
-                                          </p:val>
-                                        </p:tav>
-                                      </p:tavLst>
-                                    </p:anim>
-                                    <p:anim calcmode="lin" valueType="num">
-                                      <p:cBhvr additive="base">
-                                        <p:cTn id="8" dur="500" fill="hold"/>
-                                        <p:tgtEl>
-                                          <p:spTgt spid="161"/>
-                                        </p:tgtEl>
-                                        <p:attrNameLst>
-                                          <p:attrName>ppt_y</p:attrName>
-                                        </p:attrNameLst>
-                                      </p:cBhvr>
-                                      <p:tavLst>
-                                        <p:tav tm="0">
-                                          <p:val>
-                                            <p:strVal val="1+#ppt_h/2"/>
-                                          </p:val>
-                                        </p:tav>
-                                        <p:tav tm="100000">
-                                          <p:val>
-                                            <p:strVal val="#ppt_y"/>
-                                          </p:val>
-                                        </p:tav>
-                                      </p:tavLst>
-                                    </p:anim>
-                                  </p:childTnLst>
-                                </p:cTn>
-                              </p:par>
-                            </p:childTnLst>
-                          </p:cTn>
-                        </p:par>
-                      </p:childTnLst>
-                    </p:cTn>
-                  </p:par>
-                  <p:par>
-                    <p:cTn id="9" fill="hold">
-                      <p:stCondLst>
-                        <p:cond delay="indefinite"/>
-                      </p:stCondLst>
-                      <p:childTnLst>
-                        <p:par>
-                          <p:cTn id="10" fill="hold">
-                            <p:stCondLst>
-                              <p:cond delay="0"/>
-                            </p:stCondLst>
-                            <p:childTnLst>
-                              <p:par>
-                                <p:cTn id="11" presetID="2" presetClass="exit" presetSubtype="4" fill="hold" nodeType="clickEffect">
-                                  <p:stCondLst>
-                                    <p:cond delay="0"/>
-                                  </p:stCondLst>
-                                  <p:childTnLst>
-                                    <p:anim calcmode="lin" valueType="num">
-                                      <p:cBhvr additive="base">
-                                        <p:cTn id="12" dur="500"/>
-                                        <p:tgtEl>
-                                          <p:spTgt spid="161"/>
-                                        </p:tgtEl>
-                                        <p:attrNameLst>
-                                          <p:attrName>ppt_x</p:attrName>
-                                        </p:attrNameLst>
-                                      </p:cBhvr>
-                                      <p:tavLst>
-                                        <p:tav tm="0">
-                                          <p:val>
-                                            <p:strVal val="ppt_x"/>
-                                          </p:val>
-                                        </p:tav>
-                                        <p:tav tm="100000">
-                                          <p:val>
-                                            <p:strVal val="ppt_x"/>
-                                          </p:val>
-                                        </p:tav>
-                                      </p:tavLst>
-                                    </p:anim>
-                                    <p:anim calcmode="lin" valueType="num">
-                                      <p:cBhvr additive="base">
-                                        <p:cTn id="13" dur="500"/>
-                                        <p:tgtEl>
-                                          <p:spTgt spid="161"/>
-                                        </p:tgtEl>
-                                        <p:attrNameLst>
-                                          <p:attrName>ppt_y</p:attrName>
-                                        </p:attrNameLst>
-                                      </p:cBhvr>
-                                      <p:tavLst>
-                                        <p:tav tm="0">
-                                          <p:val>
-                                            <p:strVal val="ppt_y"/>
-                                          </p:val>
-                                        </p:tav>
-                                        <p:tav tm="100000">
-                                          <p:val>
-                                            <p:strVal val="1+ppt_h/2"/>
-                                          </p:val>
-                                        </p:tav>
-                                      </p:tavLst>
-                                    </p:anim>
-                                    <p:set>
-                                      <p:cBhvr>
-                                        <p:cTn id="14" dur="1" fill="hold">
-                                          <p:stCondLst>
-                                            <p:cond delay="499"/>
-                                          </p:stCondLst>
-                                        </p:cTn>
-                                        <p:tgtEl>
-                                          <p:spTgt spid="161"/>
-                                        </p:tgtEl>
-                                        <p:attrNameLst>
-                                          <p:attrName>style.visibility</p:attrName>
-                                        </p:attrNameLst>
-                                      </p:cBhvr>
-                                      <p:to>
-                                        <p:strVal val="hidden"/>
-                                      </p:to>
-                                    </p:set>
-                                  </p:childTnLst>
-                                </p:cTn>
-                              </p:par>
-                            </p:childTnLst>
-                          </p:cTn>
-                        </p:par>
-                        <p:par>
-                          <p:cTn id="15" fill="hold">
-                            <p:stCondLst>
-                              <p:cond delay="500"/>
-                            </p:stCondLst>
-                            <p:childTnLst>
-                              <p:par>
-                                <p:cTn id="16" presetID="16" presetClass="entr" presetSubtype="21" fill="hold" nodeType="afterEffect">
-                                  <p:stCondLst>
-                                    <p:cond delay="0"/>
-                                  </p:stCondLst>
-                                  <p:childTnLst>
-                                    <p:set>
-                                      <p:cBhvr>
-                                        <p:cTn id="17" dur="1" fill="hold">
-                                          <p:stCondLst>
-                                            <p:cond delay="0"/>
-                                          </p:stCondLst>
-                                        </p:cTn>
-                                        <p:tgtEl>
-                                          <p:spTgt spid="162"/>
-                                        </p:tgtEl>
-                                        <p:attrNameLst>
-                                          <p:attrName>style.visibility</p:attrName>
-                                        </p:attrNameLst>
-                                      </p:cBhvr>
-                                      <p:to>
-                                        <p:strVal val="visible"/>
-                                      </p:to>
-                                    </p:set>
-                                    <p:animEffect transition="in" filter="barn(inVertical)">
-                                      <p:cBhvr>
-                                        <p:cTn id="18" dur="500"/>
-                                        <p:tgtEl>
-                                          <p:spTgt spid="162"/>
-                                        </p:tgtEl>
-                                      </p:cBhvr>
-                                    </p:animEffect>
-                                  </p:childTnLst>
-                                </p:cTn>
-                              </p:par>
-                            </p:childTnLst>
-                          </p:cTn>
-                        </p:par>
-                      </p:childTnLst>
-                    </p:cTn>
-                  </p:par>
-                  <p:par>
-                    <p:cTn id="19" fill="hold">
-                      <p:stCondLst>
-                        <p:cond delay="indefinite"/>
-                      </p:stCondLst>
-                      <p:childTnLst>
-                        <p:par>
-                          <p:cTn id="20" fill="hold">
-                            <p:stCondLst>
-                              <p:cond delay="0"/>
-                            </p:stCondLst>
-                            <p:childTnLst>
-                              <p:par>
-                                <p:cTn id="21" presetID="14" presetClass="exit" presetSubtype="10" fill="hold" nodeType="clickEffect">
-                                  <p:stCondLst>
-                                    <p:cond delay="0"/>
-                                  </p:stCondLst>
-                                  <p:childTnLst>
-                                    <p:animEffect transition="out" filter="randombar(horizontal)">
-                                      <p:cBhvr>
-                                        <p:cTn id="22" dur="500"/>
-                                        <p:tgtEl>
-                                          <p:spTgt spid="162"/>
-                                        </p:tgtEl>
-                                      </p:cBhvr>
-                                    </p:animEffect>
-                                    <p:set>
-                                      <p:cBhvr>
-                                        <p:cTn id="23" dur="1" fill="hold">
-                                          <p:stCondLst>
-                                            <p:cond delay="499"/>
-                                          </p:stCondLst>
-                                        </p:cTn>
-                                        <p:tgtEl>
-                                          <p:spTgt spid="162"/>
-                                        </p:tgtEl>
-                                        <p:attrNameLst>
-                                          <p:attrName>style.visibility</p:attrName>
-                                        </p:attrNameLst>
-                                      </p:cBhvr>
-                                      <p:to>
-                                        <p:strVal val="hidden"/>
-                                      </p:to>
-                                    </p:set>
-                                  </p:childTnLst>
-                                </p:cTn>
-                              </p:par>
-                            </p:childTnLst>
-                          </p:cTn>
-                        </p:par>
-                      </p:childTnLst>
-                    </p:cTn>
-                  </p:par>
-                  <p:par>
-                    <p:cTn id="24" fill="hold">
-                      <p:stCondLst>
-                        <p:cond delay="indefinite"/>
-                      </p:stCondLst>
-                      <p:childTnLst>
-                        <p:par>
-                          <p:cTn id="25" fill="hold">
-                            <p:stCondLst>
-                              <p:cond delay="0"/>
-                            </p:stCondLst>
-                            <p:childTnLst>
-                              <p:par>
-                                <p:cTn id="26" presetID="1" presetClass="entr" presetSubtype="0" fill="hold" grpId="0" nodeType="clickEffect">
-                                  <p:stCondLst>
-                                    <p:cond delay="0"/>
-                                  </p:stCondLst>
-                                  <p:childTnLst>
-                                    <p:set>
-                                      <p:cBhvr>
-                                        <p:cTn id="27" dur="1" fill="hold">
                                           <p:stCondLst>
                                             <p:cond delay="0"/>
                                           </p:stCondLst>
@@ -6818,14 +6540,14 @@
                                 </p:cTn>
                               </p:par>
                               <p:par>
-                                <p:cTn id="28" presetID="6" presetClass="emph" presetSubtype="0" fill="hold" grpId="1" nodeType="withEffect">
+                                <p:cTn id="7" presetID="6" presetClass="emph" presetSubtype="0" fill="hold" grpId="1" nodeType="withEffect">
                                   <p:stCondLst>
                                     <p:cond delay="0"/>
                                   </p:stCondLst>
                                   <p:childTnLst>
                                     <p:animScale>
                                       <p:cBhvr>
-                                        <p:cTn id="29" dur="2000" fill="hold"/>
+                                        <p:cTn id="8" dur="2000" fill="hold"/>
                                         <p:tgtEl>
                                           <p:spTgt spid="163"/>
                                         </p:tgtEl>
@@ -11511,7 +11233,7 @@
               </a:lnSpc>
             </a:pPr>
             <a:r>
-              <a:rPr lang="zh-CN" sz="2400">
+              <a:rPr lang="zh-CN" sz="2400" dirty="0">
                 <a:solidFill>
                   <a:srgbClr val="000000"/>
                 </a:solidFill>
@@ -11520,7 +11242,7 @@
               </a:rPr>
               <a:t>相关工作</a:t>
             </a:r>
-            <a:endParaRPr/>
+            <a:endParaRPr dirty="0"/>
           </a:p>
         </p:txBody>
       </p:sp>
@@ -11564,7 +11286,7 @@
               </a:lnSpc>
             </a:pPr>
             <a:r>
-              <a:rPr lang="zh-CN" sz="2400">
+              <a:rPr lang="zh-CN" sz="2400" dirty="0">
                 <a:solidFill>
                   <a:srgbClr val="000000"/>
                 </a:solidFill>
@@ -11573,7 +11295,7 @@
               </a:rPr>
               <a:t>自己工作</a:t>
             </a:r>
-            <a:endParaRPr/>
+            <a:endParaRPr dirty="0"/>
           </a:p>
         </p:txBody>
       </p:sp>
@@ -11670,7 +11392,7 @@
               </a:lnSpc>
             </a:pPr>
             <a:r>
-              <a:rPr lang="zh-CN" sz="2400">
+              <a:rPr lang="zh-CN" sz="2400" dirty="0">
                 <a:solidFill>
                   <a:srgbClr val="000000"/>
                 </a:solidFill>
@@ -11679,7 +11401,7 @@
               </a:rPr>
               <a:t>科研成果</a:t>
             </a:r>
-            <a:endParaRPr/>
+            <a:endParaRPr dirty="0"/>
           </a:p>
         </p:txBody>
       </p:sp>
@@ -11688,582 +11410,6 @@
   <p:clrMapOvr>
     <a:masterClrMapping/>
   </p:clrMapOvr>
-  <p:timing>
-    <p:tnLst>
-      <p:par>
-        <p:cTn id="1" dur="indefinite" restart="never" nodeType="tmRoot">
-          <p:childTnLst>
-            <p:seq>
-              <p:cTn id="2" dur="indefinite" nodeType="mainSeq">
-                <p:childTnLst>
-                  <p:par>
-                    <p:cTn id="3" fill="hold">
-                      <p:stCondLst>
-                        <p:cond delay="indefinite"/>
-                      </p:stCondLst>
-                      <p:childTnLst>
-                        <p:par>
-                          <p:cTn id="4" fill="hold">
-                            <p:stCondLst>
-                              <p:cond delay="0"/>
-                            </p:stCondLst>
-                            <p:childTnLst>
-                              <p:par>
-                                <p:cTn id="5" presetID="2" presetClass="entr" presetSubtype="4" fill="hold" nodeType="clickEffect">
-                                  <p:stCondLst>
-                                    <p:cond delay="0"/>
-                                  </p:stCondLst>
-                                  <p:childTnLst>
-                                    <p:set>
-                                      <p:cBhvr>
-                                        <p:cTn id="6" dur="1" fill="hold">
-                                          <p:stCondLst>
-                                            <p:cond delay="0"/>
-                                          </p:stCondLst>
-                                        </p:cTn>
-                                        <p:tgtEl>
-                                          <p:spTgt spid="100"/>
-                                        </p:tgtEl>
-                                        <p:attrNameLst>
-                                          <p:attrName>style.visibility</p:attrName>
-                                        </p:attrNameLst>
-                                      </p:cBhvr>
-                                      <p:to>
-                                        <p:strVal val="visible"/>
-                                      </p:to>
-                                    </p:set>
-                                    <p:anim calcmode="lin" valueType="num">
-                                      <p:cBhvr additive="base">
-                                        <p:cTn id="7" dur="500" fill="hold"/>
-                                        <p:tgtEl>
-                                          <p:spTgt spid="100"/>
-                                        </p:tgtEl>
-                                        <p:attrNameLst>
-                                          <p:attrName>ppt_x</p:attrName>
-                                        </p:attrNameLst>
-                                      </p:cBhvr>
-                                      <p:tavLst>
-                                        <p:tav tm="0">
-                                          <p:val>
-                                            <p:strVal val="#ppt_x"/>
-                                          </p:val>
-                                        </p:tav>
-                                        <p:tav tm="100000">
-                                          <p:val>
-                                            <p:strVal val="#ppt_x"/>
-                                          </p:val>
-                                        </p:tav>
-                                      </p:tavLst>
-                                    </p:anim>
-                                    <p:anim calcmode="lin" valueType="num">
-                                      <p:cBhvr additive="base">
-                                        <p:cTn id="8" dur="500" fill="hold"/>
-                                        <p:tgtEl>
-                                          <p:spTgt spid="100"/>
-                                        </p:tgtEl>
-                                        <p:attrNameLst>
-                                          <p:attrName>ppt_y</p:attrName>
-                                        </p:attrNameLst>
-                                      </p:cBhvr>
-                                      <p:tavLst>
-                                        <p:tav tm="0">
-                                          <p:val>
-                                            <p:strVal val="1+#ppt_h/2"/>
-                                          </p:val>
-                                        </p:tav>
-                                        <p:tav tm="100000">
-                                          <p:val>
-                                            <p:strVal val="#ppt_y"/>
-                                          </p:val>
-                                        </p:tav>
-                                      </p:tavLst>
-                                    </p:anim>
-                                  </p:childTnLst>
-                                </p:cTn>
-                              </p:par>
-                            </p:childTnLst>
-                          </p:cTn>
-                        </p:par>
-                      </p:childTnLst>
-                    </p:cTn>
-                  </p:par>
-                  <p:par>
-                    <p:cTn id="9" fill="hold">
-                      <p:stCondLst>
-                        <p:cond delay="indefinite"/>
-                      </p:stCondLst>
-                      <p:childTnLst>
-                        <p:par>
-                          <p:cTn id="10" fill="hold">
-                            <p:stCondLst>
-                              <p:cond delay="0"/>
-                            </p:stCondLst>
-                            <p:childTnLst>
-                              <p:par>
-                                <p:cTn id="11" presetID="2" presetClass="entr" presetSubtype="4" fill="hold" nodeType="clickEffect">
-                                  <p:stCondLst>
-                                    <p:cond delay="0"/>
-                                  </p:stCondLst>
-                                  <p:childTnLst>
-                                    <p:set>
-                                      <p:cBhvr>
-                                        <p:cTn id="12" dur="1" fill="hold">
-                                          <p:stCondLst>
-                                            <p:cond delay="0"/>
-                                          </p:stCondLst>
-                                        </p:cTn>
-                                        <p:tgtEl>
-                                          <p:spTgt spid="101"/>
-                                        </p:tgtEl>
-                                        <p:attrNameLst>
-                                          <p:attrName>style.visibility</p:attrName>
-                                        </p:attrNameLst>
-                                      </p:cBhvr>
-                                      <p:to>
-                                        <p:strVal val="visible"/>
-                                      </p:to>
-                                    </p:set>
-                                    <p:anim calcmode="lin" valueType="num">
-                                      <p:cBhvr additive="base">
-                                        <p:cTn id="13" dur="500" fill="hold"/>
-                                        <p:tgtEl>
-                                          <p:spTgt spid="101"/>
-                                        </p:tgtEl>
-                                        <p:attrNameLst>
-                                          <p:attrName>ppt_x</p:attrName>
-                                        </p:attrNameLst>
-                                      </p:cBhvr>
-                                      <p:tavLst>
-                                        <p:tav tm="0">
-                                          <p:val>
-                                            <p:strVal val="#ppt_x"/>
-                                          </p:val>
-                                        </p:tav>
-                                        <p:tav tm="100000">
-                                          <p:val>
-                                            <p:strVal val="#ppt_x"/>
-                                          </p:val>
-                                        </p:tav>
-                                      </p:tavLst>
-                                    </p:anim>
-                                    <p:anim calcmode="lin" valueType="num">
-                                      <p:cBhvr additive="base">
-                                        <p:cTn id="14" dur="500" fill="hold"/>
-                                        <p:tgtEl>
-                                          <p:spTgt spid="101"/>
-                                        </p:tgtEl>
-                                        <p:attrNameLst>
-                                          <p:attrName>ppt_y</p:attrName>
-                                        </p:attrNameLst>
-                                      </p:cBhvr>
-                                      <p:tavLst>
-                                        <p:tav tm="0">
-                                          <p:val>
-                                            <p:strVal val="1+#ppt_h/2"/>
-                                          </p:val>
-                                        </p:tav>
-                                        <p:tav tm="100000">
-                                          <p:val>
-                                            <p:strVal val="#ppt_y"/>
-                                          </p:val>
-                                        </p:tav>
-                                      </p:tavLst>
-                                    </p:anim>
-                                  </p:childTnLst>
-                                </p:cTn>
-                              </p:par>
-                            </p:childTnLst>
-                          </p:cTn>
-                        </p:par>
-                      </p:childTnLst>
-                    </p:cTn>
-                  </p:par>
-                  <p:par>
-                    <p:cTn id="15" fill="hold">
-                      <p:stCondLst>
-                        <p:cond delay="indefinite"/>
-                      </p:stCondLst>
-                      <p:childTnLst>
-                        <p:par>
-                          <p:cTn id="16" fill="hold">
-                            <p:stCondLst>
-                              <p:cond delay="0"/>
-                            </p:stCondLst>
-                            <p:childTnLst>
-                              <p:par>
-                                <p:cTn id="17" presetID="2" presetClass="entr" presetSubtype="4" fill="hold" nodeType="clickEffect">
-                                  <p:stCondLst>
-                                    <p:cond delay="0"/>
-                                  </p:stCondLst>
-                                  <p:childTnLst>
-                                    <p:set>
-                                      <p:cBhvr>
-                                        <p:cTn id="18" dur="1" fill="hold">
-                                          <p:stCondLst>
-                                            <p:cond delay="0"/>
-                                          </p:stCondLst>
-                                        </p:cTn>
-                                        <p:tgtEl>
-                                          <p:spTgt spid="102"/>
-                                        </p:tgtEl>
-                                        <p:attrNameLst>
-                                          <p:attrName>style.visibility</p:attrName>
-                                        </p:attrNameLst>
-                                      </p:cBhvr>
-                                      <p:to>
-                                        <p:strVal val="visible"/>
-                                      </p:to>
-                                    </p:set>
-                                    <p:anim calcmode="lin" valueType="num">
-                                      <p:cBhvr additive="base">
-                                        <p:cTn id="19" dur="500" fill="hold"/>
-                                        <p:tgtEl>
-                                          <p:spTgt spid="102"/>
-                                        </p:tgtEl>
-                                        <p:attrNameLst>
-                                          <p:attrName>ppt_x</p:attrName>
-                                        </p:attrNameLst>
-                                      </p:cBhvr>
-                                      <p:tavLst>
-                                        <p:tav tm="0">
-                                          <p:val>
-                                            <p:strVal val="#ppt_x"/>
-                                          </p:val>
-                                        </p:tav>
-                                        <p:tav tm="100000">
-                                          <p:val>
-                                            <p:strVal val="#ppt_x"/>
-                                          </p:val>
-                                        </p:tav>
-                                      </p:tavLst>
-                                    </p:anim>
-                                    <p:anim calcmode="lin" valueType="num">
-                                      <p:cBhvr additive="base">
-                                        <p:cTn id="20" dur="500" fill="hold"/>
-                                        <p:tgtEl>
-                                          <p:spTgt spid="102"/>
-                                        </p:tgtEl>
-                                        <p:attrNameLst>
-                                          <p:attrName>ppt_y</p:attrName>
-                                        </p:attrNameLst>
-                                      </p:cBhvr>
-                                      <p:tavLst>
-                                        <p:tav tm="0">
-                                          <p:val>
-                                            <p:strVal val="1+#ppt_h/2"/>
-                                          </p:val>
-                                        </p:tav>
-                                        <p:tav tm="100000">
-                                          <p:val>
-                                            <p:strVal val="#ppt_y"/>
-                                          </p:val>
-                                        </p:tav>
-                                      </p:tavLst>
-                                    </p:anim>
-                                  </p:childTnLst>
-                                </p:cTn>
-                              </p:par>
-                            </p:childTnLst>
-                          </p:cTn>
-                        </p:par>
-                      </p:childTnLst>
-                    </p:cTn>
-                  </p:par>
-                  <p:par>
-                    <p:cTn id="21" fill="hold">
-                      <p:stCondLst>
-                        <p:cond delay="indefinite"/>
-                      </p:stCondLst>
-                      <p:childTnLst>
-                        <p:par>
-                          <p:cTn id="22" fill="hold">
-                            <p:stCondLst>
-                              <p:cond delay="0"/>
-                            </p:stCondLst>
-                            <p:childTnLst>
-                              <p:par>
-                                <p:cTn id="23" presetID="2" presetClass="entr" presetSubtype="4" fill="hold" nodeType="clickEffect">
-                                  <p:stCondLst>
-                                    <p:cond delay="0"/>
-                                  </p:stCondLst>
-                                  <p:childTnLst>
-                                    <p:set>
-                                      <p:cBhvr>
-                                        <p:cTn id="24" dur="1" fill="hold">
-                                          <p:stCondLst>
-                                            <p:cond delay="0"/>
-                                          </p:stCondLst>
-                                        </p:cTn>
-                                        <p:tgtEl>
-                                          <p:spTgt spid="103"/>
-                                        </p:tgtEl>
-                                        <p:attrNameLst>
-                                          <p:attrName>style.visibility</p:attrName>
-                                        </p:attrNameLst>
-                                      </p:cBhvr>
-                                      <p:to>
-                                        <p:strVal val="visible"/>
-                                      </p:to>
-                                    </p:set>
-                                    <p:anim calcmode="lin" valueType="num">
-                                      <p:cBhvr additive="base">
-                                        <p:cTn id="25" dur="500" fill="hold"/>
-                                        <p:tgtEl>
-                                          <p:spTgt spid="103"/>
-                                        </p:tgtEl>
-                                        <p:attrNameLst>
-                                          <p:attrName>ppt_x</p:attrName>
-                                        </p:attrNameLst>
-                                      </p:cBhvr>
-                                      <p:tavLst>
-                                        <p:tav tm="0">
-                                          <p:val>
-                                            <p:strVal val="#ppt_x"/>
-                                          </p:val>
-                                        </p:tav>
-                                        <p:tav tm="100000">
-                                          <p:val>
-                                            <p:strVal val="#ppt_x"/>
-                                          </p:val>
-                                        </p:tav>
-                                      </p:tavLst>
-                                    </p:anim>
-                                    <p:anim calcmode="lin" valueType="num">
-                                      <p:cBhvr additive="base">
-                                        <p:cTn id="26" dur="500" fill="hold"/>
-                                        <p:tgtEl>
-                                          <p:spTgt spid="103"/>
-                                        </p:tgtEl>
-                                        <p:attrNameLst>
-                                          <p:attrName>ppt_y</p:attrName>
-                                        </p:attrNameLst>
-                                      </p:cBhvr>
-                                      <p:tavLst>
-                                        <p:tav tm="0">
-                                          <p:val>
-                                            <p:strVal val="1+#ppt_h/2"/>
-                                          </p:val>
-                                        </p:tav>
-                                        <p:tav tm="100000">
-                                          <p:val>
-                                            <p:strVal val="#ppt_y"/>
-                                          </p:val>
-                                        </p:tav>
-                                      </p:tavLst>
-                                    </p:anim>
-                                  </p:childTnLst>
-                                </p:cTn>
-                              </p:par>
-                            </p:childTnLst>
-                          </p:cTn>
-                        </p:par>
-                      </p:childTnLst>
-                    </p:cTn>
-                  </p:par>
-                  <p:par>
-                    <p:cTn id="27" fill="hold">
-                      <p:stCondLst>
-                        <p:cond delay="indefinite"/>
-                      </p:stCondLst>
-                      <p:childTnLst>
-                        <p:par>
-                          <p:cTn id="28" fill="hold">
-                            <p:stCondLst>
-                              <p:cond delay="0"/>
-                            </p:stCondLst>
-                            <p:childTnLst>
-                              <p:par>
-                                <p:cTn id="29" presetID="2" presetClass="entr" presetSubtype="4" fill="hold" nodeType="clickEffect">
-                                  <p:stCondLst>
-                                    <p:cond delay="0"/>
-                                  </p:stCondLst>
-                                  <p:childTnLst>
-                                    <p:set>
-                                      <p:cBhvr>
-                                        <p:cTn id="30" dur="1" fill="hold">
-                                          <p:stCondLst>
-                                            <p:cond delay="0"/>
-                                          </p:stCondLst>
-                                        </p:cTn>
-                                        <p:tgtEl>
-                                          <p:spTgt spid="104"/>
-                                        </p:tgtEl>
-                                        <p:attrNameLst>
-                                          <p:attrName>style.visibility</p:attrName>
-                                        </p:attrNameLst>
-                                      </p:cBhvr>
-                                      <p:to>
-                                        <p:strVal val="visible"/>
-                                      </p:to>
-                                    </p:set>
-                                    <p:anim calcmode="lin" valueType="num">
-                                      <p:cBhvr additive="base">
-                                        <p:cTn id="31" dur="500" fill="hold"/>
-                                        <p:tgtEl>
-                                          <p:spTgt spid="104"/>
-                                        </p:tgtEl>
-                                        <p:attrNameLst>
-                                          <p:attrName>ppt_x</p:attrName>
-                                        </p:attrNameLst>
-                                      </p:cBhvr>
-                                      <p:tavLst>
-                                        <p:tav tm="0">
-                                          <p:val>
-                                            <p:strVal val="#ppt_x"/>
-                                          </p:val>
-                                        </p:tav>
-                                        <p:tav tm="100000">
-                                          <p:val>
-                                            <p:strVal val="#ppt_x"/>
-                                          </p:val>
-                                        </p:tav>
-                                      </p:tavLst>
-                                    </p:anim>
-                                    <p:anim calcmode="lin" valueType="num">
-                                      <p:cBhvr additive="base">
-                                        <p:cTn id="32" dur="500" fill="hold"/>
-                                        <p:tgtEl>
-                                          <p:spTgt spid="104"/>
-                                        </p:tgtEl>
-                                        <p:attrNameLst>
-                                          <p:attrName>ppt_y</p:attrName>
-                                        </p:attrNameLst>
-                                      </p:cBhvr>
-                                      <p:tavLst>
-                                        <p:tav tm="0">
-                                          <p:val>
-                                            <p:strVal val="1+#ppt_h/2"/>
-                                          </p:val>
-                                        </p:tav>
-                                        <p:tav tm="100000">
-                                          <p:val>
-                                            <p:strVal val="#ppt_y"/>
-                                          </p:val>
-                                        </p:tav>
-                                      </p:tavLst>
-                                    </p:anim>
-                                  </p:childTnLst>
-                                </p:cTn>
-                              </p:par>
-                            </p:childTnLst>
-                          </p:cTn>
-                        </p:par>
-                      </p:childTnLst>
-                    </p:cTn>
-                  </p:par>
-                  <p:par>
-                    <p:cTn id="33" fill="hold">
-                      <p:stCondLst>
-                        <p:cond delay="indefinite"/>
-                      </p:stCondLst>
-                      <p:childTnLst>
-                        <p:par>
-                          <p:cTn id="34" fill="hold">
-                            <p:stCondLst>
-                              <p:cond delay="0"/>
-                            </p:stCondLst>
-                            <p:childTnLst>
-                              <p:par>
-                                <p:cTn id="35" presetID="2" presetClass="entr" presetSubtype="4" fill="hold" nodeType="clickEffect">
-                                  <p:stCondLst>
-                                    <p:cond delay="0"/>
-                                  </p:stCondLst>
-                                  <p:childTnLst>
-                                    <p:set>
-                                      <p:cBhvr>
-                                        <p:cTn id="36" dur="1" fill="hold">
-                                          <p:stCondLst>
-                                            <p:cond delay="0"/>
-                                          </p:stCondLst>
-                                        </p:cTn>
-                                        <p:tgtEl>
-                                          <p:spTgt spid="105"/>
-                                        </p:tgtEl>
-                                        <p:attrNameLst>
-                                          <p:attrName>style.visibility</p:attrName>
-                                        </p:attrNameLst>
-                                      </p:cBhvr>
-                                      <p:to>
-                                        <p:strVal val="visible"/>
-                                      </p:to>
-                                    </p:set>
-                                    <p:anim calcmode="lin" valueType="num">
-                                      <p:cBhvr additive="base">
-                                        <p:cTn id="37" dur="500" fill="hold"/>
-                                        <p:tgtEl>
-                                          <p:spTgt spid="105"/>
-                                        </p:tgtEl>
-                                        <p:attrNameLst>
-                                          <p:attrName>ppt_x</p:attrName>
-                                        </p:attrNameLst>
-                                      </p:cBhvr>
-                                      <p:tavLst>
-                                        <p:tav tm="0">
-                                          <p:val>
-                                            <p:strVal val="#ppt_x"/>
-                                          </p:val>
-                                        </p:tav>
-                                        <p:tav tm="100000">
-                                          <p:val>
-                                            <p:strVal val="#ppt_x"/>
-                                          </p:val>
-                                        </p:tav>
-                                      </p:tavLst>
-                                    </p:anim>
-                                    <p:anim calcmode="lin" valueType="num">
-                                      <p:cBhvr additive="base">
-                                        <p:cTn id="38" dur="500" fill="hold"/>
-                                        <p:tgtEl>
-                                          <p:spTgt spid="105"/>
-                                        </p:tgtEl>
-                                        <p:attrNameLst>
-                                          <p:attrName>ppt_y</p:attrName>
-                                        </p:attrNameLst>
-                                      </p:cBhvr>
-                                      <p:tavLst>
-                                        <p:tav tm="0">
-                                          <p:val>
-                                            <p:strVal val="1+#ppt_h/2"/>
-                                          </p:val>
-                                        </p:tav>
-                                        <p:tav tm="100000">
-                                          <p:val>
-                                            <p:strVal val="#ppt_y"/>
-                                          </p:val>
-                                        </p:tav>
-                                      </p:tavLst>
-                                    </p:anim>
-                                  </p:childTnLst>
-                                </p:cTn>
-                              </p:par>
-                            </p:childTnLst>
-                          </p:cTn>
-                        </p:par>
-                      </p:childTnLst>
-                    </p:cTn>
-                  </p:par>
-                </p:childTnLst>
-              </p:cTn>
-              <p:prevCondLst>
-                <p:cond evt="onPrev" delay="0">
-                  <p:tgtEl>
-                    <p:sldTgt/>
-                  </p:tgtEl>
-                </p:cond>
-              </p:prevCondLst>
-              <p:nextCondLst>
-                <p:cond evt="onNext" delay="0">
-                  <p:tgtEl>
-                    <p:sldTgt/>
-                  </p:tgtEl>
-                </p:cond>
-              </p:nextCondLst>
-            </p:seq>
-          </p:childTnLst>
-        </p:cTn>
-      </p:par>
-    </p:tnLst>
-  </p:timing>
 </p:sld>
 </file>
 
@@ -14841,21 +13987,30 @@
                             </p:childTnLst>
                           </p:cTn>
                         </p:par>
+                      </p:childTnLst>
+                    </p:cTn>
+                  </p:par>
+                  <p:par>
+                    <p:cTn id="9" fill="hold">
+                      <p:stCondLst>
+                        <p:cond delay="indefinite"/>
+                      </p:stCondLst>
+                      <p:childTnLst>
                         <p:par>
-                          <p:cTn id="9" fill="hold">
+                          <p:cTn id="10" fill="hold">
                             <p:stCondLst>
-                              <p:cond delay="500"/>
+                              <p:cond delay="0"/>
                             </p:stCondLst>
                             <p:childTnLst>
                               <p:par>
-                                <p:cTn id="10" presetID="22" presetClass="entr" presetSubtype="4" fill="hold" nodeType="afterEffect">
+                                <p:cTn id="11" presetID="22" presetClass="entr" presetSubtype="4" fill="hold" nodeType="clickEffect">
                                   <p:stCondLst>
                                     <p:cond delay="0"/>
                                   </p:stCondLst>
                                   <p:childTnLst>
                                     <p:set>
                                       <p:cBhvr>
-                                        <p:cTn id="11" dur="1" fill="hold">
+                                        <p:cTn id="12" dur="1" fill="hold">
                                           <p:stCondLst>
                                             <p:cond delay="0"/>
                                           </p:stCondLst>
@@ -14873,7 +14028,7 @@
                                     </p:set>
                                     <p:animEffect transition="in" filter="wipe(down)">
                                       <p:cBhvr>
-                                        <p:cTn id="12" dur="500"/>
+                                        <p:cTn id="13" dur="500"/>
                                         <p:tgtEl>
                                           <p:spTgt spid="7"/>
                                         </p:tgtEl>
@@ -14889,26 +14044,26 @@
                     </p:cTn>
                   </p:par>
                   <p:par>
-                    <p:cTn id="13" fill="hold">
+                    <p:cTn id="14" fill="hold">
                       <p:stCondLst>
                         <p:cond delay="indefinite"/>
                       </p:stCondLst>
                       <p:childTnLst>
                         <p:par>
-                          <p:cTn id="14" fill="hold">
+                          <p:cTn id="15" fill="hold">
                             <p:stCondLst>
                               <p:cond delay="0"/>
                             </p:stCondLst>
                             <p:childTnLst>
                               <p:par>
-                                <p:cTn id="15" presetID="2" presetClass="entr" presetSubtype="4" fill="hold" grpId="0" nodeType="clickEffect">
+                                <p:cTn id="16" presetID="2" presetClass="entr" presetSubtype="4" fill="hold" grpId="0" nodeType="clickEffect">
                                   <p:stCondLst>
                                     <p:cond delay="0"/>
                                   </p:stCondLst>
                                   <p:childTnLst>
                                     <p:set>
                                       <p:cBhvr>
-                                        <p:cTn id="16" dur="1" fill="hold">
+                                        <p:cTn id="17" dur="1" fill="hold">
                                           <p:stCondLst>
                                             <p:cond delay="0"/>
                                           </p:stCondLst>
@@ -14926,7 +14081,7 @@
                                     </p:set>
                                     <p:anim calcmode="lin" valueType="num">
                                       <p:cBhvr additive="base">
-                                        <p:cTn id="17" dur="500" fill="hold"/>
+                                        <p:cTn id="18" dur="500" fill="hold"/>
                                         <p:tgtEl>
                                           <p:spTgt spid="9"/>
                                         </p:tgtEl>
@@ -14949,7 +14104,7 @@
                                     </p:anim>
                                     <p:anim calcmode="lin" valueType="num">
                                       <p:cBhvr additive="base">
-                                        <p:cTn id="18" dur="500" fill="hold"/>
+                                        <p:cTn id="19" dur="500" fill="hold"/>
                                         <p:tgtEl>
                                           <p:spTgt spid="9"/>
                                         </p:tgtEl>
@@ -15914,8 +15069,1397 @@
           </a:p>
         </p:txBody>
       </p:sp>
-      <mc:AlternateContent xmlns:mc="http://schemas.openxmlformats.org/markup-compatibility/2006" xmlns:a14="http://schemas.microsoft.com/office/drawing/2010/main">
-        <mc:Choice Requires="a14">
+      <mc:AlternateContent xmlns:mc="http://schemas.openxmlformats.org/markup-compatibility/2006">
+        <mc:Choice xmlns:a14="http://schemas.microsoft.com/office/drawing/2010/main" Requires="a14">
+          <p:sp>
+            <p:nvSpPr>
+              <p:cNvPr id="182" name="TextShape 2"/>
+              <p:cNvSpPr txBox="1"/>
+              <p:nvPr/>
+            </p:nvSpPr>
+            <p:spPr>
+              <a:xfrm>
+                <a:off x="108000" y="1196640"/>
+                <a:ext cx="8640720" cy="2810095"/>
+              </a:xfrm>
+              <a:prstGeom prst="rect">
+                <a:avLst/>
+              </a:prstGeom>
+              <a:noFill/>
+              <a:ln>
+                <a:noFill/>
+              </a:ln>
+            </p:spPr>
+            <p:txBody>
+              <a:bodyPr/>
+              <a:lstStyle/>
+              <a:p>
+                <a:pPr>
+                  <a:lnSpc>
+                    <a:spcPct val="100000"/>
+                  </a:lnSpc>
+                  <a:buSzPct val="70000"/>
+                  <a:buFont typeface="Wingdings" charset="2"/>
+                  <a:buChar char=""/>
+                </a:pPr>
+                <a:r>
+                  <a:rPr lang="en-US" altLang="zh-CN" sz="2000" dirty="0">
+                    <a:latin typeface="华文楷体" panose="02010600040101010101" pitchFamily="2" charset="-122"/>
+                    <a:ea typeface="华文楷体" panose="02010600040101010101" pitchFamily="2" charset="-122"/>
+                  </a:rPr>
+                  <a:t> </a:t>
+                </a:r>
+                <a:r>
+                  <a:rPr lang="en-US" altLang="zh-CN" sz="2400" dirty="0">
+                    <a:latin typeface="华文楷体" panose="02010600040101010101" pitchFamily="2" charset="-122"/>
+                    <a:ea typeface="华文楷体" panose="02010600040101010101" pitchFamily="2" charset="-122"/>
+                  </a:rPr>
+                  <a:t>Time</a:t>
+                </a:r>
+                <a:r>
+                  <a:rPr lang="zh-CN" altLang="en-US" sz="2400" dirty="0">
+                    <a:latin typeface="华文楷体" panose="02010600040101010101" pitchFamily="2" charset="-122"/>
+                    <a:ea typeface="华文楷体" panose="02010600040101010101" pitchFamily="2" charset="-122"/>
+                  </a:rPr>
+                  <a:t>目标函数设计：</a:t>
+                </a:r>
+                <a14:m>
+                  <m:oMath xmlns:m="http://schemas.openxmlformats.org/officeDocument/2006/math">
+                    <m:sSub>
+                      <m:sSubPr>
+                        <m:ctrlPr>
+                          <a:rPr lang="zh-CN" altLang="en-US" sz="2400" b="1" i="1" smtClean="0">
+                            <a:latin typeface="Cambria Math" panose="02040503050406030204" pitchFamily="18" charset="0"/>
+                            <a:ea typeface="华文楷体"/>
+                          </a:rPr>
+                        </m:ctrlPr>
+                      </m:sSubPr>
+                      <m:e>
+                        <m:r>
+                          <a:rPr lang="zh-CN" altLang="en-US" sz="2400" b="1" i="1" smtClean="0">
+                            <a:latin typeface="Cambria Math" panose="02040503050406030204" pitchFamily="18" charset="0"/>
+                            <a:ea typeface="华文楷体"/>
+                          </a:rPr>
+                          <m:t>𝒀</m:t>
+                        </m:r>
+                      </m:e>
+                      <m:sub>
+                        <m:r>
+                          <a:rPr lang="en-US" altLang="zh-CN" sz="2400" b="1" i="1">
+                            <a:latin typeface="Cambria Math" panose="02040503050406030204" pitchFamily="18" charset="0"/>
+                            <a:ea typeface="华文楷体"/>
+                          </a:rPr>
+                          <m:t>𝒕𝒊𝒎𝒆</m:t>
+                        </m:r>
+                      </m:sub>
+                    </m:sSub>
+                    <m:r>
+                      <a:rPr lang="en-US" altLang="zh-CN" sz="2400" b="1" i="1">
+                        <a:latin typeface="Cambria Math" panose="02040503050406030204" pitchFamily="18" charset="0"/>
+                      </a:rPr>
+                      <m:t>=</m:t>
+                    </m:r>
+                    <m:nary>
+                      <m:naryPr>
+                        <m:chr m:val="∑"/>
+                        <m:limLoc m:val="subSup"/>
+                        <m:ctrlPr>
+                          <a:rPr lang="en-US" altLang="zh-CN" sz="2400" b="1" i="1">
+                            <a:latin typeface="Cambria Math" panose="02040503050406030204" pitchFamily="18" charset="0"/>
+                          </a:rPr>
+                        </m:ctrlPr>
+                      </m:naryPr>
+                      <m:sub>
+                        <m:r>
+                          <m:rPr>
+                            <m:brk m:alnAt="25"/>
+                          </m:rPr>
+                          <a:rPr lang="en-US" altLang="zh-CN" sz="2400" b="1" i="1">
+                            <a:latin typeface="Cambria Math" panose="02040503050406030204" pitchFamily="18" charset="0"/>
+                          </a:rPr>
+                          <m:t>𝒊</m:t>
+                        </m:r>
+                        <m:r>
+                          <a:rPr lang="en-US" altLang="zh-CN" sz="2400" b="1" i="1">
+                            <a:latin typeface="Cambria Math" panose="02040503050406030204" pitchFamily="18" charset="0"/>
+                          </a:rPr>
+                          <m:t>=</m:t>
+                        </m:r>
+                        <m:r>
+                          <a:rPr lang="en-US" altLang="zh-CN" sz="2400" b="1" i="1">
+                            <a:latin typeface="Cambria Math" panose="02040503050406030204" pitchFamily="18" charset="0"/>
+                          </a:rPr>
+                          <m:t>𝟏</m:t>
+                        </m:r>
+                      </m:sub>
+                      <m:sup>
+                        <m:r>
+                          <a:rPr lang="en-US" altLang="zh-CN" sz="2400" b="1" i="1">
+                            <a:latin typeface="Cambria Math" panose="02040503050406030204" pitchFamily="18" charset="0"/>
+                          </a:rPr>
+                          <m:t>𝑷</m:t>
+                        </m:r>
+                      </m:sup>
+                      <m:e>
+                        <m:sSub>
+                          <m:sSubPr>
+                            <m:ctrlPr>
+                              <a:rPr lang="en-US" altLang="zh-CN" sz="2400" b="1" i="1">
+                                <a:latin typeface="Cambria Math" panose="02040503050406030204" pitchFamily="18" charset="0"/>
+                              </a:rPr>
+                            </m:ctrlPr>
+                          </m:sSubPr>
+                          <m:e>
+                            <m:r>
+                              <a:rPr lang="en-US" altLang="zh-CN" sz="2400" b="1" i="1">
+                                <a:latin typeface="Cambria Math" panose="02040503050406030204" pitchFamily="18" charset="0"/>
+                              </a:rPr>
+                              <m:t>𝑫</m:t>
+                            </m:r>
+                          </m:e>
+                          <m:sub>
+                            <m:r>
+                              <a:rPr lang="en-US" altLang="zh-CN" sz="2400" b="1" i="1">
+                                <a:latin typeface="Cambria Math" panose="02040503050406030204" pitchFamily="18" charset="0"/>
+                              </a:rPr>
+                              <m:t>𝒊</m:t>
+                            </m:r>
+                          </m:sub>
+                        </m:sSub>
+                      </m:e>
+                    </m:nary>
+                  </m:oMath>
+                </a14:m>
+                <a:endParaRPr lang="en-US" altLang="zh-CN" sz="2400" b="1" dirty="0">
+                  <a:latin typeface="华文楷体" panose="02010600040101010101" pitchFamily="2" charset="-122"/>
+                </a:endParaRPr>
+              </a:p>
+              <a:p>
+                <a:pPr lvl="1">
+                  <a:buSzPct val="70000"/>
+                  <a:buFont typeface="Wingdings" charset="2"/>
+                  <a:buChar char=""/>
+                </a:pPr>
+                <a:r>
+                  <a:rPr lang="en-US" altLang="zh-CN" dirty="0">
+                    <a:latin typeface="华文楷体" panose="02010600040101010101" pitchFamily="2" charset="-122"/>
+                    <a:ea typeface="华文楷体" panose="02010600040101010101" pitchFamily="2" charset="-122"/>
+                  </a:rPr>
+                  <a:t> AM</a:t>
+                </a:r>
+                <a:r>
+                  <a:rPr lang="zh-CN" altLang="en-US" dirty="0">
+                    <a:latin typeface="华文楷体" panose="02010600040101010101" pitchFamily="2" charset="-122"/>
+                    <a:ea typeface="华文楷体" panose="02010600040101010101" pitchFamily="2" charset="-122"/>
+                  </a:rPr>
+                  <a:t>任务运行：</a:t>
+                </a:r>
+                <a14:m>
+                  <m:oMath xmlns:m="http://schemas.openxmlformats.org/officeDocument/2006/math">
+                    <m:sSubSup>
+                      <m:sSubSupPr>
+                        <m:ctrlPr>
+                          <a:rPr lang="en-US" altLang="zh-CN" i="1" smtClean="0">
+                            <a:latin typeface="Cambria Math" panose="02040503050406030204" pitchFamily="18" charset="0"/>
+                          </a:rPr>
+                        </m:ctrlPr>
+                      </m:sSubSupPr>
+                      <m:e>
+                        <m:r>
+                          <a:rPr lang="en-US" altLang="zh-CN" b="0" i="1" smtClean="0">
+                            <a:latin typeface="Cambria Math" panose="02040503050406030204" pitchFamily="18" charset="0"/>
+                          </a:rPr>
+                          <m:t>𝐷</m:t>
+                        </m:r>
+                      </m:e>
+                      <m:sub>
+                        <m:r>
+                          <m:rPr>
+                            <m:sty m:val="p"/>
+                          </m:rPr>
+                          <a:rPr lang="en-US" altLang="zh-CN" i="1">
+                            <a:latin typeface="Cambria Math" panose="02040503050406030204" pitchFamily="18" charset="0"/>
+                          </a:rPr>
+                          <m:t>i</m:t>
+                        </m:r>
+                      </m:sub>
+                      <m:sup>
+                        <m:r>
+                          <m:rPr>
+                            <m:sty m:val="p"/>
+                          </m:rPr>
+                          <a:rPr lang="en-US" altLang="zh-CN" i="1">
+                            <a:latin typeface="Cambria Math" panose="02040503050406030204" pitchFamily="18" charset="0"/>
+                          </a:rPr>
+                          <m:t>am</m:t>
+                        </m:r>
+                      </m:sup>
+                    </m:sSubSup>
+                    <m:r>
+                      <a:rPr lang="en-US" altLang="zh-CN" i="1">
+                        <a:latin typeface="Cambria Math" panose="02040503050406030204" pitchFamily="18" charset="0"/>
+                      </a:rPr>
+                      <m:t>=</m:t>
+                    </m:r>
+                    <m:r>
+                      <a:rPr lang="zh-CN" altLang="en-US" i="1" smtClean="0">
+                        <a:latin typeface="Cambria Math" panose="02040503050406030204" pitchFamily="18" charset="0"/>
+                      </a:rPr>
+                      <m:t>𝜉</m:t>
+                    </m:r>
+                  </m:oMath>
+                </a14:m>
+                <a:endParaRPr lang="en-US" altLang="zh-CN" dirty="0">
+                  <a:latin typeface="华文楷体" panose="02010600040101010101" pitchFamily="2" charset="-122"/>
+                </a:endParaRPr>
+              </a:p>
+              <a:p>
+                <a:pPr lvl="1">
+                  <a:buSzPct val="70000"/>
+                  <a:buFont typeface="Wingdings" charset="2"/>
+                  <a:buChar char=""/>
+                </a:pPr>
+                <a:r>
+                  <a:rPr lang="en-US" altLang="zh-CN" dirty="0">
+                    <a:latin typeface="华文楷体" panose="02010600040101010101" pitchFamily="2" charset="-122"/>
+                    <a:ea typeface="华文楷体" panose="02010600040101010101" pitchFamily="2" charset="-122"/>
+                  </a:rPr>
+                  <a:t> Map</a:t>
+                </a:r>
+                <a:r>
+                  <a:rPr lang="zh-CN" altLang="en-US" dirty="0">
+                    <a:latin typeface="华文楷体" panose="02010600040101010101" pitchFamily="2" charset="-122"/>
+                    <a:ea typeface="华文楷体" panose="02010600040101010101" pitchFamily="2" charset="-122"/>
+                  </a:rPr>
+                  <a:t>任务运行：</a:t>
+                </a:r>
+                <a14:m>
+                  <m:oMath xmlns:m="http://schemas.openxmlformats.org/officeDocument/2006/math">
+                    <m:sSubSup>
+                      <m:sSubSupPr>
+                        <m:ctrlPr>
+                          <a:rPr lang="en-US" altLang="zh-CN" i="1" smtClean="0">
+                            <a:latin typeface="Cambria Math" panose="02040503050406030204" pitchFamily="18" charset="0"/>
+                            <a:ea typeface="华文中宋" panose="02010600040101010101" pitchFamily="2" charset="-122"/>
+                          </a:rPr>
+                        </m:ctrlPr>
+                      </m:sSubSupPr>
+                      <m:e>
+                        <m:r>
+                          <a:rPr lang="en-US" altLang="zh-CN" b="0" i="1" smtClean="0">
+                            <a:latin typeface="Cambria Math" panose="02040503050406030204" pitchFamily="18" charset="0"/>
+                            <a:ea typeface="华文中宋" panose="02010600040101010101" pitchFamily="2" charset="-122"/>
+                          </a:rPr>
+                          <m:t>𝐷</m:t>
+                        </m:r>
+                      </m:e>
+                      <m:sub>
+                        <m:r>
+                          <m:rPr>
+                            <m:sty m:val="p"/>
+                          </m:rPr>
+                          <a:rPr lang="en-US" altLang="zh-CN" i="1">
+                            <a:latin typeface="Cambria Math" panose="02040503050406030204" pitchFamily="18" charset="0"/>
+                            <a:ea typeface="华文中宋" panose="02010600040101010101" pitchFamily="2" charset="-122"/>
+                          </a:rPr>
+                          <m:t>i</m:t>
+                        </m:r>
+                      </m:sub>
+                      <m:sup>
+                        <m:r>
+                          <a:rPr lang="en-US" altLang="zh-CN" b="0" i="1" smtClean="0">
+                            <a:latin typeface="Cambria Math" panose="02040503050406030204" pitchFamily="18" charset="0"/>
+                            <a:ea typeface="华文中宋" panose="02010600040101010101" pitchFamily="2" charset="-122"/>
+                          </a:rPr>
+                          <m:t>𝑚</m:t>
+                        </m:r>
+                      </m:sup>
+                    </m:sSubSup>
+                    <m:r>
+                      <a:rPr lang="en-US" altLang="zh-CN" b="0" i="1" smtClean="0">
+                        <a:latin typeface="Cambria Math" panose="02040503050406030204" pitchFamily="18" charset="0"/>
+                        <a:ea typeface="华文中宋" panose="02010600040101010101" pitchFamily="2" charset="-122"/>
+                      </a:rPr>
+                      <m:t>=</m:t>
+                    </m:r>
+                    <m:d>
+                      <m:dPr>
+                        <m:ctrlPr>
+                          <a:rPr lang="en-US" altLang="zh-CN" b="0" i="1" smtClean="0">
+                            <a:latin typeface="Cambria Math" panose="02040503050406030204" pitchFamily="18" charset="0"/>
+                            <a:ea typeface="华文中宋" panose="02010600040101010101" pitchFamily="2" charset="-122"/>
+                          </a:rPr>
+                        </m:ctrlPr>
+                      </m:dPr>
+                      <m:e>
+                        <m:f>
+                          <m:fPr>
+                            <m:ctrlPr>
+                              <a:rPr lang="en-US" altLang="zh-CN" b="0" i="1" smtClean="0">
+                                <a:latin typeface="Cambria Math" panose="02040503050406030204" pitchFamily="18" charset="0"/>
+                                <a:ea typeface="华文中宋" panose="02010600040101010101" pitchFamily="2" charset="-122"/>
+                              </a:rPr>
+                            </m:ctrlPr>
+                          </m:fPr>
+                          <m:num>
+                            <m:sSubSup>
+                              <m:sSubSupPr>
+                                <m:ctrlPr>
+                                  <a:rPr lang="en-US" altLang="zh-CN" i="1" smtClean="0">
+                                    <a:latin typeface="Cambria Math" panose="02040503050406030204" pitchFamily="18" charset="0"/>
+                                    <a:ea typeface="华文中宋" panose="02010600040101010101" pitchFamily="2" charset="-122"/>
+                                  </a:rPr>
+                                </m:ctrlPr>
+                              </m:sSubSupPr>
+                              <m:e>
+                                <m:r>
+                                  <a:rPr lang="en-US" altLang="zh-CN" b="0" i="1" smtClean="0">
+                                    <a:latin typeface="Cambria Math" panose="02040503050406030204" pitchFamily="18" charset="0"/>
+                                    <a:ea typeface="华文中宋" panose="02010600040101010101" pitchFamily="2" charset="-122"/>
+                                  </a:rPr>
+                                  <m:t>𝐴</m:t>
+                                </m:r>
+                              </m:e>
+                              <m:sub>
+                                <m:r>
+                                  <a:rPr lang="en-US" altLang="zh-CN" b="0" i="1" smtClean="0">
+                                    <a:latin typeface="Cambria Math" panose="02040503050406030204" pitchFamily="18" charset="0"/>
+                                    <a:ea typeface="华文中宋" panose="02010600040101010101" pitchFamily="2" charset="-122"/>
+                                  </a:rPr>
+                                  <m:t>𝑖</m:t>
+                                </m:r>
+                              </m:sub>
+                              <m:sup>
+                                <m:r>
+                                  <a:rPr lang="en-US" altLang="zh-CN" b="0" i="1" smtClean="0">
+                                    <a:latin typeface="Cambria Math" panose="02040503050406030204" pitchFamily="18" charset="0"/>
+                                    <a:ea typeface="华文中宋" panose="02010600040101010101" pitchFamily="2" charset="-122"/>
+                                  </a:rPr>
+                                  <m:t>𝑚</m:t>
+                                </m:r>
+                              </m:sup>
+                            </m:sSubSup>
+                          </m:num>
+                          <m:den>
+                            <m:sSup>
+                              <m:sSupPr>
+                                <m:ctrlPr>
+                                  <a:rPr lang="en-US" altLang="zh-CN" i="1" smtClean="0">
+                                    <a:latin typeface="Cambria Math" panose="02040503050406030204" pitchFamily="18" charset="0"/>
+                                    <a:ea typeface="华文中宋" panose="02010600040101010101" pitchFamily="2" charset="-122"/>
+                                  </a:rPr>
+                                </m:ctrlPr>
+                              </m:sSupPr>
+                              <m:e>
+                                <m:r>
+                                  <a:rPr lang="en-US" altLang="zh-CN" b="0" i="1" smtClean="0">
+                                    <a:latin typeface="Cambria Math" panose="02040503050406030204" pitchFamily="18" charset="0"/>
+                                    <a:ea typeface="华文中宋" panose="02010600040101010101" pitchFamily="2" charset="-122"/>
+                                  </a:rPr>
+                                  <m:t>𝑇</m:t>
+                                </m:r>
+                              </m:e>
+                              <m:sup>
+                                <m:r>
+                                  <a:rPr lang="en-US" altLang="zh-CN" b="0" i="1" smtClean="0">
+                                    <a:latin typeface="Cambria Math" panose="02040503050406030204" pitchFamily="18" charset="0"/>
+                                    <a:ea typeface="华文中宋" panose="02010600040101010101" pitchFamily="2" charset="-122"/>
+                                  </a:rPr>
+                                  <m:t>𝑚</m:t>
+                                </m:r>
+                              </m:sup>
+                            </m:sSup>
+                          </m:den>
+                        </m:f>
+                      </m:e>
+                    </m:d>
+                    <m:r>
+                      <a:rPr lang="en-US" altLang="zh-CN" b="0" i="1" smtClean="0">
+                        <a:latin typeface="Cambria Math" panose="02040503050406030204" pitchFamily="18" charset="0"/>
+                        <a:ea typeface="Cambria Math" panose="02040503050406030204" pitchFamily="18" charset="0"/>
+                      </a:rPr>
+                      <m:t>∙</m:t>
+                    </m:r>
+                    <m:d>
+                      <m:dPr>
+                        <m:ctrlPr>
+                          <a:rPr lang="en-US" altLang="zh-CN" b="0" i="1" smtClean="0">
+                            <a:latin typeface="Cambria Math" panose="02040503050406030204" pitchFamily="18" charset="0"/>
+                            <a:ea typeface="Cambria Math" panose="02040503050406030204" pitchFamily="18" charset="0"/>
+                          </a:rPr>
+                        </m:ctrlPr>
+                      </m:dPr>
+                      <m:e>
+                        <m:sSubSup>
+                          <m:sSubSupPr>
+                            <m:ctrlPr>
+                              <a:rPr lang="en-US" altLang="zh-CN" i="1" smtClean="0">
+                                <a:latin typeface="Cambria Math" panose="02040503050406030204" pitchFamily="18" charset="0"/>
+                                <a:ea typeface="华文中宋" panose="02010600040101010101" pitchFamily="2" charset="-122"/>
+                              </a:rPr>
+                            </m:ctrlPr>
+                          </m:sSubSupPr>
+                          <m:e>
+                            <m:r>
+                              <a:rPr lang="en-US" altLang="zh-CN" b="0" i="1" smtClean="0">
+                                <a:latin typeface="Cambria Math" panose="02040503050406030204" pitchFamily="18" charset="0"/>
+                                <a:ea typeface="华文中宋" panose="02010600040101010101" pitchFamily="2" charset="-122"/>
+                              </a:rPr>
+                              <m:t>𝐴</m:t>
+                            </m:r>
+                          </m:e>
+                          <m:sub>
+                            <m:r>
+                              <a:rPr lang="en-US" altLang="zh-CN" b="0" i="1" smtClean="0">
+                                <a:latin typeface="Cambria Math" panose="02040503050406030204" pitchFamily="18" charset="0"/>
+                                <a:ea typeface="华文中宋" panose="02010600040101010101" pitchFamily="2" charset="-122"/>
+                              </a:rPr>
+                              <m:t>𝑖</m:t>
+                            </m:r>
+                          </m:sub>
+                          <m:sup>
+                            <m:r>
+                              <a:rPr lang="en-US" altLang="zh-CN" b="0" i="1" smtClean="0">
+                                <a:latin typeface="Cambria Math" panose="02040503050406030204" pitchFamily="18" charset="0"/>
+                                <a:ea typeface="华文中宋" panose="02010600040101010101" pitchFamily="2" charset="-122"/>
+                              </a:rPr>
+                              <m:t>𝑟</m:t>
+                            </m:r>
+                          </m:sup>
+                        </m:sSubSup>
+                        <m:r>
+                          <a:rPr lang="en-US" altLang="zh-CN" i="1" smtClean="0">
+                            <a:latin typeface="Cambria Math" panose="02040503050406030204" pitchFamily="18" charset="0"/>
+                            <a:ea typeface="Cambria Math" panose="02040503050406030204" pitchFamily="18" charset="0"/>
+                          </a:rPr>
+                          <m:t>∙</m:t>
+                        </m:r>
+                        <m:sSubSup>
+                          <m:sSubSupPr>
+                            <m:ctrlPr>
+                              <a:rPr lang="en-US" altLang="zh-CN" i="1" smtClean="0">
+                                <a:latin typeface="Cambria Math" panose="02040503050406030204" pitchFamily="18" charset="0"/>
+                                <a:ea typeface="华文中宋" panose="02010600040101010101" pitchFamily="2" charset="-122"/>
+                              </a:rPr>
+                            </m:ctrlPr>
+                          </m:sSubSupPr>
+                          <m:e>
+                            <m:r>
+                              <a:rPr lang="en-US" altLang="zh-CN" b="0" i="1" smtClean="0">
+                                <a:latin typeface="Cambria Math" panose="02040503050406030204" pitchFamily="18" charset="0"/>
+                                <a:ea typeface="华文中宋" panose="02010600040101010101" pitchFamily="2" charset="-122"/>
+                              </a:rPr>
+                              <m:t>𝑅</m:t>
+                            </m:r>
+                          </m:e>
+                          <m:sub>
+                            <m:r>
+                              <a:rPr lang="en-US" altLang="zh-CN" b="0" i="1" smtClean="0">
+                                <a:latin typeface="Cambria Math" panose="02040503050406030204" pitchFamily="18" charset="0"/>
+                                <a:ea typeface="华文中宋" panose="02010600040101010101" pitchFamily="2" charset="-122"/>
+                              </a:rPr>
+                              <m:t>𝑖</m:t>
+                            </m:r>
+                          </m:sub>
+                          <m:sup>
+                            <m:r>
+                              <a:rPr lang="en-US" altLang="zh-CN" b="0" i="1" smtClean="0">
+                                <a:latin typeface="Cambria Math" panose="02040503050406030204" pitchFamily="18" charset="0"/>
+                                <a:ea typeface="华文中宋" panose="02010600040101010101" pitchFamily="2" charset="-122"/>
+                              </a:rPr>
+                              <m:t>𝑟</m:t>
+                            </m:r>
+                          </m:sup>
+                        </m:sSubSup>
+                      </m:e>
+                    </m:d>
+                  </m:oMath>
+                </a14:m>
+                <a:endParaRPr lang="en-US" altLang="zh-CN" b="0" dirty="0">
+                  <a:latin typeface="华文楷体" panose="02010600040101010101" pitchFamily="2" charset="-122"/>
+                  <a:ea typeface="华文中宋" panose="02010600040101010101" pitchFamily="2" charset="-122"/>
+                </a:endParaRPr>
+              </a:p>
+              <a:p>
+                <a:pPr lvl="1">
+                  <a:buSzPct val="70000"/>
+                  <a:buFont typeface="Wingdings" charset="2"/>
+                  <a:buChar char=""/>
+                </a:pPr>
+                <a:r>
+                  <a:rPr lang="en-US" altLang="zh-CN" dirty="0">
+                    <a:latin typeface="华文楷体" panose="02010600040101010101" pitchFamily="2" charset="-122"/>
+                    <a:ea typeface="华文楷体" panose="02010600040101010101" pitchFamily="2" charset="-122"/>
+                  </a:rPr>
+                  <a:t> Reduce</a:t>
+                </a:r>
+                <a:r>
+                  <a:rPr lang="zh-CN" altLang="en-US" dirty="0">
+                    <a:latin typeface="华文楷体" panose="02010600040101010101" pitchFamily="2" charset="-122"/>
+                    <a:ea typeface="华文楷体" panose="02010600040101010101" pitchFamily="2" charset="-122"/>
+                  </a:rPr>
+                  <a:t>任务运行：</a:t>
+                </a:r>
+                <a14:m>
+                  <m:oMath xmlns:m="http://schemas.openxmlformats.org/officeDocument/2006/math">
+                    <m:sSubSup>
+                      <m:sSubSupPr>
+                        <m:ctrlPr>
+                          <a:rPr lang="en-US" altLang="zh-CN" i="1" smtClean="0">
+                            <a:latin typeface="Cambria Math" panose="02040503050406030204" pitchFamily="18" charset="0"/>
+                            <a:ea typeface="华文中宋" panose="02010600040101010101" pitchFamily="2" charset="-122"/>
+                          </a:rPr>
+                        </m:ctrlPr>
+                      </m:sSubSupPr>
+                      <m:e>
+                        <m:r>
+                          <a:rPr lang="en-US" altLang="zh-CN" b="0" i="1" smtClean="0">
+                            <a:latin typeface="Cambria Math" panose="02040503050406030204" pitchFamily="18" charset="0"/>
+                            <a:ea typeface="华文中宋" panose="02010600040101010101" pitchFamily="2" charset="-122"/>
+                          </a:rPr>
+                          <m:t>𝐷</m:t>
+                        </m:r>
+                      </m:e>
+                      <m:sub>
+                        <m:r>
+                          <m:rPr>
+                            <m:sty m:val="p"/>
+                          </m:rPr>
+                          <a:rPr lang="en-US" altLang="zh-CN" i="1">
+                            <a:latin typeface="Cambria Math" panose="02040503050406030204" pitchFamily="18" charset="0"/>
+                            <a:ea typeface="华文中宋" panose="02010600040101010101" pitchFamily="2" charset="-122"/>
+                          </a:rPr>
+                          <m:t>i</m:t>
+                        </m:r>
+                      </m:sub>
+                      <m:sup>
+                        <m:r>
+                          <a:rPr lang="en-US" altLang="zh-CN" b="0" i="1" smtClean="0">
+                            <a:latin typeface="Cambria Math" panose="02040503050406030204" pitchFamily="18" charset="0"/>
+                            <a:ea typeface="华文中宋" panose="02010600040101010101" pitchFamily="2" charset="-122"/>
+                          </a:rPr>
+                          <m:t>𝑟</m:t>
+                        </m:r>
+                      </m:sup>
+                    </m:sSubSup>
+                    <m:r>
+                      <a:rPr lang="en-US" altLang="zh-CN" b="0" i="1" smtClean="0">
+                        <a:latin typeface="Cambria Math" panose="02040503050406030204" pitchFamily="18" charset="0"/>
+                        <a:ea typeface="华文中宋" panose="02010600040101010101" pitchFamily="2" charset="-122"/>
+                      </a:rPr>
+                      <m:t>=</m:t>
+                    </m:r>
+                    <m:sSubSup>
+                      <m:sSubSupPr>
+                        <m:ctrlPr>
+                          <a:rPr lang="en-US" altLang="zh-CN" i="1" smtClean="0">
+                            <a:latin typeface="Cambria Math" panose="02040503050406030204" pitchFamily="18" charset="0"/>
+                            <a:ea typeface="华文中宋" panose="02010600040101010101" pitchFamily="2" charset="-122"/>
+                          </a:rPr>
+                        </m:ctrlPr>
+                      </m:sSubSupPr>
+                      <m:e>
+                        <m:r>
+                          <a:rPr lang="en-US" altLang="zh-CN" b="0" i="1" smtClean="0">
+                            <a:latin typeface="Cambria Math" panose="02040503050406030204" pitchFamily="18" charset="0"/>
+                            <a:ea typeface="华文中宋" panose="02010600040101010101" pitchFamily="2" charset="-122"/>
+                          </a:rPr>
+                          <m:t>𝐷</m:t>
+                        </m:r>
+                      </m:e>
+                      <m:sub>
+                        <m:r>
+                          <a:rPr lang="en-US" altLang="zh-CN" b="0" i="1" smtClean="0">
+                            <a:latin typeface="Cambria Math" panose="02040503050406030204" pitchFamily="18" charset="0"/>
+                            <a:ea typeface="华文中宋" panose="02010600040101010101" pitchFamily="2" charset="-122"/>
+                          </a:rPr>
+                          <m:t>𝑖</m:t>
+                        </m:r>
+                      </m:sub>
+                      <m:sup>
+                        <m:r>
+                          <a:rPr lang="en-US" altLang="zh-CN" b="0" i="1" smtClean="0">
+                            <a:latin typeface="Cambria Math" panose="02040503050406030204" pitchFamily="18" charset="0"/>
+                            <a:ea typeface="华文中宋" panose="02010600040101010101" pitchFamily="2" charset="-122"/>
+                          </a:rPr>
+                          <m:t>𝑚</m:t>
+                        </m:r>
+                      </m:sup>
+                    </m:sSubSup>
+                    <m:r>
+                      <a:rPr lang="en-US" altLang="zh-CN" i="1" smtClean="0">
+                        <a:latin typeface="Cambria Math" panose="02040503050406030204" pitchFamily="18" charset="0"/>
+                        <a:ea typeface="Cambria Math" panose="02040503050406030204" pitchFamily="18" charset="0"/>
+                      </a:rPr>
+                      <m:t>∙</m:t>
+                    </m:r>
+                    <m:r>
+                      <a:rPr lang="en-US" altLang="zh-CN" b="0" i="1" smtClean="0">
+                        <a:latin typeface="Cambria Math" panose="02040503050406030204" pitchFamily="18" charset="0"/>
+                        <a:ea typeface="Cambria Math" panose="02040503050406030204" pitchFamily="18" charset="0"/>
+                      </a:rPr>
+                      <m:t>(</m:t>
+                    </m:r>
+                    <m:f>
+                      <m:fPr>
+                        <m:ctrlPr>
+                          <a:rPr lang="en-US" altLang="zh-CN" b="0" i="1" smtClean="0">
+                            <a:latin typeface="Cambria Math" panose="02040503050406030204" pitchFamily="18" charset="0"/>
+                            <a:ea typeface="华文中宋" panose="02010600040101010101" pitchFamily="2" charset="-122"/>
+                          </a:rPr>
+                        </m:ctrlPr>
+                      </m:fPr>
+                      <m:num>
+                        <m:sSubSup>
+                          <m:sSubSupPr>
+                            <m:ctrlPr>
+                              <a:rPr lang="en-US" altLang="zh-CN" i="1" smtClean="0">
+                                <a:latin typeface="Cambria Math" panose="02040503050406030204" pitchFamily="18" charset="0"/>
+                                <a:ea typeface="华文中宋" panose="02010600040101010101" pitchFamily="2" charset="-122"/>
+                              </a:rPr>
+                            </m:ctrlPr>
+                          </m:sSubSupPr>
+                          <m:e>
+                            <m:r>
+                              <a:rPr lang="en-US" altLang="zh-CN" b="0" i="1" smtClean="0">
+                                <a:latin typeface="Cambria Math" panose="02040503050406030204" pitchFamily="18" charset="0"/>
+                                <a:ea typeface="华文中宋" panose="02010600040101010101" pitchFamily="2" charset="-122"/>
+                              </a:rPr>
+                              <m:t>𝑂</m:t>
+                            </m:r>
+                          </m:e>
+                          <m:sub>
+                            <m:r>
+                              <a:rPr lang="en-US" altLang="zh-CN" b="0" i="1" smtClean="0">
+                                <a:latin typeface="Cambria Math" panose="02040503050406030204" pitchFamily="18" charset="0"/>
+                                <a:ea typeface="华文中宋" panose="02010600040101010101" pitchFamily="2" charset="-122"/>
+                              </a:rPr>
+                              <m:t>𝑖</m:t>
+                            </m:r>
+                          </m:sub>
+                          <m:sup>
+                            <m:r>
+                              <a:rPr lang="en-US" altLang="zh-CN" b="0" i="1" smtClean="0">
+                                <a:latin typeface="Cambria Math" panose="02040503050406030204" pitchFamily="18" charset="0"/>
+                                <a:ea typeface="华文中宋" panose="02010600040101010101" pitchFamily="2" charset="-122"/>
+                              </a:rPr>
+                              <m:t>𝑚</m:t>
+                            </m:r>
+                          </m:sup>
+                        </m:sSubSup>
+                        <m:r>
+                          <a:rPr lang="en-US" altLang="zh-CN" i="1" smtClean="0">
+                            <a:latin typeface="Cambria Math" panose="02040503050406030204" pitchFamily="18" charset="0"/>
+                            <a:ea typeface="Cambria Math" panose="02040503050406030204" pitchFamily="18" charset="0"/>
+                          </a:rPr>
+                          <m:t>∙</m:t>
+                        </m:r>
+                        <m:sSubSup>
+                          <m:sSubSupPr>
+                            <m:ctrlPr>
+                              <a:rPr lang="en-US" altLang="zh-CN" i="1" smtClean="0">
+                                <a:latin typeface="Cambria Math" panose="02040503050406030204" pitchFamily="18" charset="0"/>
+                                <a:ea typeface="华文中宋" panose="02010600040101010101" pitchFamily="2" charset="-122"/>
+                              </a:rPr>
+                            </m:ctrlPr>
+                          </m:sSubSupPr>
+                          <m:e>
+                            <m:r>
+                              <a:rPr lang="en-US" altLang="zh-CN" b="0" i="1" smtClean="0">
+                                <a:latin typeface="Cambria Math" panose="02040503050406030204" pitchFamily="18" charset="0"/>
+                                <a:ea typeface="华文中宋" panose="02010600040101010101" pitchFamily="2" charset="-122"/>
+                              </a:rPr>
+                              <m:t>𝑅</m:t>
+                            </m:r>
+                          </m:e>
+                          <m:sub>
+                            <m:r>
+                              <a:rPr lang="en-US" altLang="zh-CN" b="0" i="1" smtClean="0">
+                                <a:latin typeface="Cambria Math" panose="02040503050406030204" pitchFamily="18" charset="0"/>
+                                <a:ea typeface="华文中宋" panose="02010600040101010101" pitchFamily="2" charset="-122"/>
+                              </a:rPr>
+                              <m:t>𝑖</m:t>
+                            </m:r>
+                          </m:sub>
+                          <m:sup>
+                            <m:r>
+                              <a:rPr lang="en-US" altLang="zh-CN" b="0" i="1" smtClean="0">
+                                <a:latin typeface="Cambria Math" panose="02040503050406030204" pitchFamily="18" charset="0"/>
+                                <a:ea typeface="华文中宋" panose="02010600040101010101" pitchFamily="2" charset="-122"/>
+                              </a:rPr>
+                              <m:t>𝑚</m:t>
+                            </m:r>
+                          </m:sup>
+                        </m:sSubSup>
+                        <m:r>
+                          <a:rPr lang="en-US" altLang="zh-CN" b="0" i="1" smtClean="0">
+                            <a:latin typeface="Cambria Math" panose="02040503050406030204" pitchFamily="18" charset="0"/>
+                            <a:ea typeface="华文中宋" panose="02010600040101010101" pitchFamily="2" charset="-122"/>
+                          </a:rPr>
+                          <m:t>+</m:t>
+                        </m:r>
+                        <m:sSubSup>
+                          <m:sSubSupPr>
+                            <m:ctrlPr>
+                              <a:rPr lang="en-US" altLang="zh-CN" i="1" smtClean="0">
+                                <a:latin typeface="Cambria Math" panose="02040503050406030204" pitchFamily="18" charset="0"/>
+                                <a:ea typeface="华文中宋" panose="02010600040101010101" pitchFamily="2" charset="-122"/>
+                              </a:rPr>
+                            </m:ctrlPr>
+                          </m:sSubSupPr>
+                          <m:e>
+                            <m:r>
+                              <a:rPr lang="en-US" altLang="zh-CN" b="0" i="1" smtClean="0">
+                                <a:latin typeface="Cambria Math" panose="02040503050406030204" pitchFamily="18" charset="0"/>
+                                <a:ea typeface="华文中宋" panose="02010600040101010101" pitchFamily="2" charset="-122"/>
+                              </a:rPr>
+                              <m:t>𝑂</m:t>
+                            </m:r>
+                          </m:e>
+                          <m:sub>
+                            <m:r>
+                              <a:rPr lang="en-US" altLang="zh-CN" b="0" i="1" smtClean="0">
+                                <a:latin typeface="Cambria Math" panose="02040503050406030204" pitchFamily="18" charset="0"/>
+                                <a:ea typeface="华文中宋" panose="02010600040101010101" pitchFamily="2" charset="-122"/>
+                              </a:rPr>
+                              <m:t>𝑖</m:t>
+                            </m:r>
+                          </m:sub>
+                          <m:sup>
+                            <m:r>
+                              <a:rPr lang="en-US" altLang="zh-CN" b="0" i="1" smtClean="0">
+                                <a:latin typeface="Cambria Math" panose="02040503050406030204" pitchFamily="18" charset="0"/>
+                                <a:ea typeface="华文中宋" panose="02010600040101010101" pitchFamily="2" charset="-122"/>
+                              </a:rPr>
+                              <m:t>𝑟</m:t>
+                            </m:r>
+                          </m:sup>
+                        </m:sSubSup>
+                        <m:r>
+                          <a:rPr lang="en-US" altLang="zh-CN" i="1" smtClean="0">
+                            <a:latin typeface="Cambria Math" panose="02040503050406030204" pitchFamily="18" charset="0"/>
+                            <a:ea typeface="Cambria Math" panose="02040503050406030204" pitchFamily="18" charset="0"/>
+                          </a:rPr>
+                          <m:t>∙</m:t>
+                        </m:r>
+                        <m:sSubSup>
+                          <m:sSubSupPr>
+                            <m:ctrlPr>
+                              <a:rPr lang="en-US" altLang="zh-CN" i="1" smtClean="0">
+                                <a:latin typeface="Cambria Math" panose="02040503050406030204" pitchFamily="18" charset="0"/>
+                                <a:ea typeface="华文中宋" panose="02010600040101010101" pitchFamily="2" charset="-122"/>
+                              </a:rPr>
+                            </m:ctrlPr>
+                          </m:sSubSupPr>
+                          <m:e>
+                            <m:r>
+                              <a:rPr lang="en-US" altLang="zh-CN" b="0" i="1" smtClean="0">
+                                <a:latin typeface="Cambria Math" panose="02040503050406030204" pitchFamily="18" charset="0"/>
+                                <a:ea typeface="华文中宋" panose="02010600040101010101" pitchFamily="2" charset="-122"/>
+                              </a:rPr>
+                              <m:t>𝑅</m:t>
+                            </m:r>
+                          </m:e>
+                          <m:sub>
+                            <m:r>
+                              <a:rPr lang="en-US" altLang="zh-CN" b="0" i="1" smtClean="0">
+                                <a:latin typeface="Cambria Math" panose="02040503050406030204" pitchFamily="18" charset="0"/>
+                                <a:ea typeface="华文中宋" panose="02010600040101010101" pitchFamily="2" charset="-122"/>
+                              </a:rPr>
+                              <m:t>𝑖</m:t>
+                            </m:r>
+                          </m:sub>
+                          <m:sup>
+                            <m:r>
+                              <a:rPr lang="en-US" altLang="zh-CN" b="0" i="1" smtClean="0">
+                                <a:latin typeface="Cambria Math" panose="02040503050406030204" pitchFamily="18" charset="0"/>
+                                <a:ea typeface="华文中宋" panose="02010600040101010101" pitchFamily="2" charset="-122"/>
+                              </a:rPr>
+                              <m:t>𝑟</m:t>
+                            </m:r>
+                          </m:sup>
+                        </m:sSubSup>
+                      </m:num>
+                      <m:den>
+                        <m:sSubSup>
+                          <m:sSubSupPr>
+                            <m:ctrlPr>
+                              <a:rPr lang="en-US" altLang="zh-CN" i="1" smtClean="0">
+                                <a:latin typeface="Cambria Math" panose="02040503050406030204" pitchFamily="18" charset="0"/>
+                                <a:ea typeface="华文中宋" panose="02010600040101010101" pitchFamily="2" charset="-122"/>
+                              </a:rPr>
+                            </m:ctrlPr>
+                          </m:sSubSupPr>
+                          <m:e>
+                            <m:r>
+                              <a:rPr lang="en-US" altLang="zh-CN" b="0" i="1" smtClean="0">
+                                <a:latin typeface="Cambria Math" panose="02040503050406030204" pitchFamily="18" charset="0"/>
+                                <a:ea typeface="华文中宋" panose="02010600040101010101" pitchFamily="2" charset="-122"/>
+                              </a:rPr>
+                              <m:t>𝑂</m:t>
+                            </m:r>
+                          </m:e>
+                          <m:sub>
+                            <m:r>
+                              <a:rPr lang="en-US" altLang="zh-CN" b="0" i="1" smtClean="0">
+                                <a:latin typeface="Cambria Math" panose="02040503050406030204" pitchFamily="18" charset="0"/>
+                                <a:ea typeface="华文中宋" panose="02010600040101010101" pitchFamily="2" charset="-122"/>
+                              </a:rPr>
+                              <m:t>𝑖</m:t>
+                            </m:r>
+                          </m:sub>
+                          <m:sup>
+                            <m:r>
+                              <a:rPr lang="en-US" altLang="zh-CN" b="0" i="1" smtClean="0">
+                                <a:latin typeface="Cambria Math" panose="02040503050406030204" pitchFamily="18" charset="0"/>
+                                <a:ea typeface="华文中宋" panose="02010600040101010101" pitchFamily="2" charset="-122"/>
+                              </a:rPr>
+                              <m:t>𝑟</m:t>
+                            </m:r>
+                          </m:sup>
+                        </m:sSubSup>
+                        <m:r>
+                          <a:rPr lang="en-US" altLang="zh-CN" i="1" smtClean="0">
+                            <a:latin typeface="Cambria Math" panose="02040503050406030204" pitchFamily="18" charset="0"/>
+                            <a:ea typeface="Cambria Math" panose="02040503050406030204" pitchFamily="18" charset="0"/>
+                          </a:rPr>
+                          <m:t>∙</m:t>
+                        </m:r>
+                        <m:sSubSup>
+                          <m:sSubSupPr>
+                            <m:ctrlPr>
+                              <a:rPr lang="en-US" altLang="zh-CN" i="1" smtClean="0">
+                                <a:latin typeface="Cambria Math" panose="02040503050406030204" pitchFamily="18" charset="0"/>
+                                <a:ea typeface="华文中宋" panose="02010600040101010101" pitchFamily="2" charset="-122"/>
+                              </a:rPr>
+                            </m:ctrlPr>
+                          </m:sSubSupPr>
+                          <m:e>
+                            <m:r>
+                              <a:rPr lang="en-US" altLang="zh-CN" b="0" i="1" smtClean="0">
+                                <a:latin typeface="Cambria Math" panose="02040503050406030204" pitchFamily="18" charset="0"/>
+                                <a:ea typeface="华文中宋" panose="02010600040101010101" pitchFamily="2" charset="-122"/>
+                              </a:rPr>
+                              <m:t>𝑅</m:t>
+                            </m:r>
+                          </m:e>
+                          <m:sub>
+                            <m:r>
+                              <a:rPr lang="en-US" altLang="zh-CN" b="0" i="1" smtClean="0">
+                                <a:latin typeface="Cambria Math" panose="02040503050406030204" pitchFamily="18" charset="0"/>
+                                <a:ea typeface="华文中宋" panose="02010600040101010101" pitchFamily="2" charset="-122"/>
+                              </a:rPr>
+                              <m:t>𝑖</m:t>
+                            </m:r>
+                          </m:sub>
+                          <m:sup>
+                            <m:r>
+                              <a:rPr lang="en-US" altLang="zh-CN" b="0" i="1" smtClean="0">
+                                <a:latin typeface="Cambria Math" panose="02040503050406030204" pitchFamily="18" charset="0"/>
+                                <a:ea typeface="华文中宋" panose="02010600040101010101" pitchFamily="2" charset="-122"/>
+                              </a:rPr>
+                              <m:t>𝑟</m:t>
+                            </m:r>
+                          </m:sup>
+                        </m:sSubSup>
+                      </m:den>
+                    </m:f>
+                    <m:r>
+                      <a:rPr lang="en-US" altLang="zh-CN" b="0" i="1" smtClean="0">
+                        <a:latin typeface="Cambria Math" panose="02040503050406030204" pitchFamily="18" charset="0"/>
+                        <a:ea typeface="华文中宋" panose="02010600040101010101" pitchFamily="2" charset="-122"/>
+                      </a:rPr>
+                      <m:t>)</m:t>
+                    </m:r>
+                  </m:oMath>
+                </a14:m>
+                <a:endParaRPr lang="en-US" altLang="zh-CN" b="0" dirty="0">
+                  <a:latin typeface="华文楷体" panose="02010600040101010101" pitchFamily="2" charset="-122"/>
+                  <a:ea typeface="华文中宋" panose="02010600040101010101" pitchFamily="2" charset="-122"/>
+                </a:endParaRPr>
+              </a:p>
+            </p:txBody>
+          </p:sp>
+        </mc:Choice>
+        <mc:Fallback>
+          <p:sp>
+            <p:nvSpPr>
+              <p:cNvPr id="182" name="TextShape 2"/>
+              <p:cNvSpPr txBox="1">
+                <a:spLocks noRot="1" noChangeAspect="1" noMove="1" noResize="1" noEditPoints="1" noAdjustHandles="1" noChangeArrowheads="1" noChangeShapeType="1" noTextEdit="1"/>
+              </p:cNvSpPr>
+              <p:nvPr/>
+            </p:nvSpPr>
+            <p:spPr>
+              <a:xfrm>
+                <a:off x="108000" y="1196640"/>
+                <a:ext cx="8640720" cy="2810095"/>
+              </a:xfrm>
+              <a:prstGeom prst="rect">
+                <a:avLst/>
+              </a:prstGeom>
+              <a:blipFill>
+                <a:blip r:embed="rId2"/>
+                <a:stretch>
+                  <a:fillRect l="-141" t="-868"/>
+                </a:stretch>
+              </a:blipFill>
+              <a:ln>
+                <a:noFill/>
+              </a:ln>
+            </p:spPr>
+            <p:txBody>
+              <a:bodyPr/>
+              <a:lstStyle/>
+              <a:p>
+                <a:r>
+                  <a:rPr lang="zh-CN" altLang="en-US">
+                    <a:noFill/>
+                  </a:rPr>
+                  <a:t> </a:t>
+                </a:r>
+              </a:p>
+            </p:txBody>
+          </p:sp>
+        </mc:Fallback>
+      </mc:AlternateContent>
+      <p:sp>
+        <p:nvSpPr>
+          <p:cNvPr id="183" name="CustomShape 3"/>
+          <p:cNvSpPr/>
+          <p:nvPr/>
+        </p:nvSpPr>
+        <p:spPr>
+          <a:xfrm>
+            <a:off x="7524720" y="6284880"/>
+            <a:ext cx="933480" cy="457200"/>
+          </a:xfrm>
+          <a:prstGeom prst="rect">
+            <a:avLst/>
+          </a:prstGeom>
+          <a:noFill/>
+          <a:ln>
+            <a:noFill/>
+          </a:ln>
+        </p:spPr>
+        <p:style>
+          <a:lnRef idx="0">
+            <a:scrgbClr r="0" g="0" b="0"/>
+          </a:lnRef>
+          <a:fillRef idx="0">
+            <a:scrgbClr r="0" g="0" b="0"/>
+          </a:fillRef>
+          <a:effectRef idx="0">
+            <a:scrgbClr r="0" g="0" b="0"/>
+          </a:effectRef>
+          <a:fontRef idx="minor"/>
+        </p:style>
+        <p:txBody>
+          <a:bodyPr lIns="90000" tIns="46800" rIns="90000" bIns="46800"/>
+          <a:lstStyle/>
+          <a:p>
+            <a:pPr algn="r">
+              <a:lnSpc>
+                <a:spcPct val="100000"/>
+              </a:lnSpc>
+            </a:pPr>
+            <a:fld id="{117D6E93-5D4F-44F6-8444-C097C7EFA9E9}" type="slidenum">
+              <a:rPr lang="en-US" sz="1600">
+                <a:latin typeface="Arial"/>
+              </a:rPr>
+              <a:t>25</a:t>
+            </a:fld>
+            <a:endParaRPr/>
+          </a:p>
+        </p:txBody>
+      </p:sp>
+      <p:sp>
+        <p:nvSpPr>
+          <p:cNvPr id="7" name="CustomShape 3"/>
+          <p:cNvSpPr/>
+          <p:nvPr/>
+        </p:nvSpPr>
+        <p:spPr>
+          <a:xfrm>
+            <a:off x="5852455" y="1826165"/>
+            <a:ext cx="2751218" cy="1152360"/>
+          </a:xfrm>
+          <a:prstGeom prst="wedgeRoundRectCallout">
+            <a:avLst>
+              <a:gd name="adj1" fmla="val -67565"/>
+              <a:gd name="adj2" fmla="val 5512"/>
+              <a:gd name="adj3" fmla="val 16667"/>
+            </a:avLst>
+          </a:prstGeom>
+          <a:solidFill>
+            <a:srgbClr val="FFC000"/>
+          </a:solidFill>
+          <a:ln/>
+        </p:spPr>
+        <p:style>
+          <a:lnRef idx="3">
+            <a:schemeClr val="lt1"/>
+          </a:lnRef>
+          <a:fillRef idx="1">
+            <a:schemeClr val="accent6"/>
+          </a:fillRef>
+          <a:effectRef idx="1">
+            <a:schemeClr val="accent6"/>
+          </a:effectRef>
+          <a:fontRef idx="minor">
+            <a:schemeClr val="lt1"/>
+          </a:fontRef>
+        </p:style>
+        <p:txBody>
+          <a:bodyPr wrap="none" lIns="90000" tIns="46800" rIns="90000" bIns="46800" anchor="ctr"/>
+          <a:lstStyle/>
+          <a:p>
+            <a:pPr>
+              <a:lnSpc>
+                <a:spcPct val="100000"/>
+              </a:lnSpc>
+            </a:pPr>
+            <a:r>
+              <a:rPr lang="en-US" sz="1600" dirty="0">
+                <a:solidFill>
+                  <a:schemeClr val="tx1"/>
+                </a:solidFill>
+                <a:latin typeface="华文中宋" panose="02010600040101010101" pitchFamily="2" charset="-122"/>
+                <a:ea typeface="华文中宋" panose="02010600040101010101" pitchFamily="2" charset="-122"/>
+              </a:rPr>
+              <a:t>1. A</a:t>
+            </a:r>
+            <a:r>
+              <a:rPr lang="zh-CN" sz="1600" dirty="0">
+                <a:solidFill>
+                  <a:schemeClr val="tx1"/>
+                </a:solidFill>
+                <a:latin typeface="华文中宋" panose="02010600040101010101" pitchFamily="2" charset="-122"/>
+                <a:ea typeface="华文中宋" panose="02010600040101010101" pitchFamily="2" charset="-122"/>
+              </a:rPr>
+              <a:t>代表已经分配任务数目</a:t>
+            </a:r>
+            <a:endParaRPr dirty="0">
+              <a:solidFill>
+                <a:schemeClr val="tx1"/>
+              </a:solidFill>
+              <a:latin typeface="华文中宋" panose="02010600040101010101" pitchFamily="2" charset="-122"/>
+              <a:ea typeface="华文中宋" panose="02010600040101010101" pitchFamily="2" charset="-122"/>
+            </a:endParaRPr>
+          </a:p>
+          <a:p>
+            <a:pPr>
+              <a:lnSpc>
+                <a:spcPct val="100000"/>
+              </a:lnSpc>
+            </a:pPr>
+            <a:r>
+              <a:rPr lang="en-US" sz="1600" dirty="0">
+                <a:solidFill>
+                  <a:schemeClr val="tx1"/>
+                </a:solidFill>
+                <a:latin typeface="华文中宋" panose="02010600040101010101" pitchFamily="2" charset="-122"/>
+                <a:ea typeface="华文中宋" panose="02010600040101010101" pitchFamily="2" charset="-122"/>
+              </a:rPr>
+              <a:t>2. R</a:t>
+            </a:r>
+            <a:r>
+              <a:rPr lang="zh-CN" sz="1600" dirty="0">
+                <a:solidFill>
+                  <a:schemeClr val="tx1"/>
+                </a:solidFill>
+                <a:latin typeface="华文中宋" panose="02010600040101010101" pitchFamily="2" charset="-122"/>
+                <a:ea typeface="华文中宋" panose="02010600040101010101" pitchFamily="2" charset="-122"/>
+              </a:rPr>
+              <a:t>代表任务价值</a:t>
+            </a:r>
+            <a:endParaRPr dirty="0">
+              <a:solidFill>
+                <a:schemeClr val="tx1"/>
+              </a:solidFill>
+              <a:latin typeface="华文中宋" panose="02010600040101010101" pitchFamily="2" charset="-122"/>
+              <a:ea typeface="华文中宋" panose="02010600040101010101" pitchFamily="2" charset="-122"/>
+            </a:endParaRPr>
+          </a:p>
+          <a:p>
+            <a:pPr>
+              <a:lnSpc>
+                <a:spcPct val="100000"/>
+              </a:lnSpc>
+            </a:pPr>
+            <a:r>
+              <a:rPr lang="en-US" sz="1600" dirty="0">
+                <a:solidFill>
+                  <a:schemeClr val="tx1"/>
+                </a:solidFill>
+                <a:latin typeface="华文中宋" panose="02010600040101010101" pitchFamily="2" charset="-122"/>
+                <a:ea typeface="华文中宋" panose="02010600040101010101" pitchFamily="2" charset="-122"/>
+              </a:rPr>
+              <a:t>3. T</a:t>
+            </a:r>
+            <a:r>
+              <a:rPr lang="zh-CN" sz="1600" dirty="0">
+                <a:solidFill>
+                  <a:schemeClr val="tx1"/>
+                </a:solidFill>
+                <a:latin typeface="华文中宋" panose="02010600040101010101" pitchFamily="2" charset="-122"/>
+                <a:ea typeface="华文中宋" panose="02010600040101010101" pitchFamily="2" charset="-122"/>
+              </a:rPr>
+              <a:t>代表所有任务数目</a:t>
+            </a:r>
+            <a:endParaRPr dirty="0">
+              <a:solidFill>
+                <a:schemeClr val="tx1"/>
+              </a:solidFill>
+              <a:latin typeface="华文中宋" panose="02010600040101010101" pitchFamily="2" charset="-122"/>
+              <a:ea typeface="华文中宋" panose="02010600040101010101" pitchFamily="2" charset="-122"/>
+            </a:endParaRPr>
+          </a:p>
+          <a:p>
+            <a:pPr>
+              <a:lnSpc>
+                <a:spcPct val="100000"/>
+              </a:lnSpc>
+            </a:pPr>
+            <a:r>
+              <a:rPr lang="en-US" sz="1600" dirty="0">
+                <a:solidFill>
+                  <a:schemeClr val="tx1"/>
+                </a:solidFill>
+                <a:latin typeface="华文中宋" panose="02010600040101010101" pitchFamily="2" charset="-122"/>
+                <a:ea typeface="华文中宋" panose="02010600040101010101" pitchFamily="2" charset="-122"/>
+              </a:rPr>
+              <a:t>4. O</a:t>
+            </a:r>
+            <a:r>
+              <a:rPr lang="zh-CN" sz="1600" dirty="0">
+                <a:solidFill>
+                  <a:schemeClr val="tx1"/>
+                </a:solidFill>
+                <a:latin typeface="华文中宋" panose="02010600040101010101" pitchFamily="2" charset="-122"/>
+                <a:ea typeface="华文中宋" panose="02010600040101010101" pitchFamily="2" charset="-122"/>
+              </a:rPr>
+              <a:t>代表正在运行任务数目</a:t>
+            </a:r>
+            <a:endParaRPr dirty="0">
+              <a:solidFill>
+                <a:schemeClr val="tx1"/>
+              </a:solidFill>
+              <a:latin typeface="华文中宋" panose="02010600040101010101" pitchFamily="2" charset="-122"/>
+              <a:ea typeface="华文中宋" panose="02010600040101010101" pitchFamily="2" charset="-122"/>
+            </a:endParaRPr>
+          </a:p>
+        </p:txBody>
+      </p:sp>
+    </p:spTree>
+    <p:extLst>
+      <p:ext uri="{BB962C8B-B14F-4D97-AF65-F5344CB8AC3E}">
+        <p14:creationId xmlns:p14="http://schemas.microsoft.com/office/powerpoint/2010/main" val="3735767876"/>
+      </p:ext>
+    </p:extLst>
+  </p:cSld>
+  <p:clrMapOvr>
+    <a:masterClrMapping/>
+  </p:clrMapOvr>
+  <p:timing>
+    <p:tnLst>
+      <p:par>
+        <p:cTn id="1" dur="indefinite" restart="never" nodeType="tmRoot">
+          <p:childTnLst>
+            <p:seq concurrent="1" nextAc="seek">
+              <p:cTn id="2" dur="indefinite" nodeType="mainSeq">
+                <p:childTnLst>
+                  <p:par>
+                    <p:cTn id="3" fill="hold">
+                      <p:stCondLst>
+                        <p:cond delay="indefinite"/>
+                      </p:stCondLst>
+                      <p:childTnLst>
+                        <p:par>
+                          <p:cTn id="4" fill="hold">
+                            <p:stCondLst>
+                              <p:cond delay="0"/>
+                            </p:stCondLst>
+                            <p:childTnLst>
+                              <p:par>
+                                <p:cTn id="5" presetID="2" presetClass="entr" presetSubtype="4" fill="hold" grpId="0" nodeType="clickEffect">
+                                  <p:stCondLst>
+                                    <p:cond delay="0"/>
+                                  </p:stCondLst>
+                                  <p:childTnLst>
+                                    <p:set>
+                                      <p:cBhvr>
+                                        <p:cTn id="6" dur="1" fill="hold">
+                                          <p:stCondLst>
+                                            <p:cond delay="0"/>
+                                          </p:stCondLst>
+                                        </p:cTn>
+                                        <p:tgtEl>
+                                          <p:spTgt spid="7"/>
+                                        </p:tgtEl>
+                                        <p:attrNameLst>
+                                          <p:attrName>style.visibility</p:attrName>
+                                        </p:attrNameLst>
+                                      </p:cBhvr>
+                                      <p:to>
+                                        <p:strVal val="visible"/>
+                                      </p:to>
+                                    </p:set>
+                                    <p:anim calcmode="lin" valueType="num">
+                                      <p:cBhvr additive="base">
+                                        <p:cTn id="7" dur="500" fill="hold"/>
+                                        <p:tgtEl>
+                                          <p:spTgt spid="7"/>
+                                        </p:tgtEl>
+                                        <p:attrNameLst>
+                                          <p:attrName>ppt_x</p:attrName>
+                                        </p:attrNameLst>
+                                      </p:cBhvr>
+                                      <p:tavLst>
+                                        <p:tav tm="0">
+                                          <p:val>
+                                            <p:strVal val="#ppt_x"/>
+                                          </p:val>
+                                        </p:tav>
+                                        <p:tav tm="100000">
+                                          <p:val>
+                                            <p:strVal val="#ppt_x"/>
+                                          </p:val>
+                                        </p:tav>
+                                      </p:tavLst>
+                                    </p:anim>
+                                    <p:anim calcmode="lin" valueType="num">
+                                      <p:cBhvr additive="base">
+                                        <p:cTn id="8" dur="500" fill="hold"/>
+                                        <p:tgtEl>
+                                          <p:spTgt spid="7"/>
+                                        </p:tgtEl>
+                                        <p:attrNameLst>
+                                          <p:attrName>ppt_y</p:attrName>
+                                        </p:attrNameLst>
+                                      </p:cBhvr>
+                                      <p:tavLst>
+                                        <p:tav tm="0">
+                                          <p:val>
+                                            <p:strVal val="1+#ppt_h/2"/>
+                                          </p:val>
+                                        </p:tav>
+                                        <p:tav tm="100000">
+                                          <p:val>
+                                            <p:strVal val="#ppt_y"/>
+                                          </p:val>
+                                        </p:tav>
+                                      </p:tavLst>
+                                    </p:anim>
+                                  </p:childTnLst>
+                                </p:cTn>
+                              </p:par>
+                            </p:childTnLst>
+                          </p:cTn>
+                        </p:par>
+                      </p:childTnLst>
+                    </p:cTn>
+                  </p:par>
+                </p:childTnLst>
+              </p:cTn>
+              <p:prevCondLst>
+                <p:cond evt="onPrev" delay="0">
+                  <p:tgtEl>
+                    <p:sldTgt/>
+                  </p:tgtEl>
+                </p:cond>
+              </p:prevCondLst>
+              <p:nextCondLst>
+                <p:cond evt="onNext" delay="0">
+                  <p:tgtEl>
+                    <p:sldTgt/>
+                  </p:tgtEl>
+                </p:cond>
+              </p:nextCondLst>
+            </p:seq>
+          </p:childTnLst>
+        </p:cTn>
+      </p:par>
+    </p:tnLst>
+    <p:bldLst>
+      <p:bldP spid="7" grpId="0" animBg="1"/>
+    </p:bldLst>
+  </p:timing>
+</p:sld>
+</file>
+
+<file path=ppt/slides/slide26.xml><?xml version="1.0" encoding="utf-8"?>
+<p:sld xmlns:a="http://schemas.openxmlformats.org/drawingml/2006/main" xmlns:r="http://schemas.openxmlformats.org/officeDocument/2006/relationships" xmlns:p="http://schemas.openxmlformats.org/presentationml/2006/main" show="0">
+  <p:cSld>
+    <p:spTree>
+      <p:nvGrpSpPr>
+        <p:cNvPr id="1" name=""/>
+        <p:cNvGrpSpPr/>
+        <p:nvPr/>
+      </p:nvGrpSpPr>
+      <p:grpSpPr>
+        <a:xfrm>
+          <a:off x="0" y="0"/>
+          <a:ext cx="0" cy="0"/>
+          <a:chOff x="0" y="0"/>
+          <a:chExt cx="0" cy="0"/>
+        </a:xfrm>
+      </p:grpSpPr>
+      <p:sp>
+        <p:nvSpPr>
+          <p:cNvPr id="181" name="TextShape 1"/>
+          <p:cNvSpPr txBox="1"/>
+          <p:nvPr/>
+        </p:nvSpPr>
+        <p:spPr>
+          <a:xfrm>
+            <a:off x="1042920" y="404280"/>
+            <a:ext cx="5616720" cy="576360"/>
+          </a:xfrm>
+          <a:prstGeom prst="rect">
+            <a:avLst/>
+          </a:prstGeom>
+          <a:noFill/>
+          <a:ln>
+            <a:noFill/>
+          </a:ln>
+        </p:spPr>
+        <p:txBody>
+          <a:bodyPr anchor="b"/>
+          <a:lstStyle/>
+          <a:p>
+            <a:pPr algn="ctr">
+              <a:lnSpc>
+                <a:spcPct val="100000"/>
+              </a:lnSpc>
+            </a:pPr>
+            <a:r>
+              <a:rPr lang="zh-CN" altLang="en-US" sz="3200" b="1" dirty="0">
+                <a:latin typeface="华文中宋"/>
+                <a:ea typeface="华文中宋"/>
+              </a:rPr>
+              <a:t>基于</a:t>
+            </a:r>
+            <a:r>
+              <a:rPr lang="en-US" altLang="zh-CN" sz="3200" b="1" dirty="0">
+                <a:latin typeface="华文中宋"/>
+                <a:ea typeface="华文中宋"/>
+              </a:rPr>
+              <a:t>Time</a:t>
+            </a:r>
+            <a:r>
+              <a:rPr lang="zh-CN" altLang="en-US" sz="3200" b="1" dirty="0">
+                <a:latin typeface="华文中宋"/>
+                <a:ea typeface="华文中宋"/>
+              </a:rPr>
+              <a:t>的目标函数设计</a:t>
+            </a:r>
+            <a:endParaRPr lang="zh-CN" altLang="en-US" sz="3200" b="1" dirty="0"/>
+          </a:p>
+        </p:txBody>
+      </p:sp>
+      <mc:AlternateContent xmlns:mc="http://schemas.openxmlformats.org/markup-compatibility/2006">
+        <mc:Choice xmlns:a14="http://schemas.microsoft.com/office/drawing/2010/main" Requires="a14">
           <p:sp>
             <p:nvSpPr>
               <p:cNvPr id="182" name="TextShape 2"/>
@@ -15988,144 +16532,6 @@
                             <a:ea typeface="华文楷体"/>
                           </a:rPr>
                           <m:t>𝒕𝒊𝒎𝒆</m:t>
-                        </m:r>
-                      </m:sub>
-                    </m:sSub>
-                    <m:r>
-                      <a:rPr lang="en-US" altLang="zh-CN" sz="2000" b="1" i="1">
-                        <a:latin typeface="Cambria Math" panose="02040503050406030204" pitchFamily="18" charset="0"/>
-                        <a:ea typeface="华文楷体"/>
-                      </a:rPr>
-                      <m:t>=</m:t>
-                    </m:r>
-                    <m:sSub>
-                      <m:sSubPr>
-                        <m:ctrlPr>
-                          <a:rPr lang="en-US" altLang="zh-CN" sz="2000" b="1" i="1" smtClean="0">
-                            <a:latin typeface="Cambria Math" panose="02040503050406030204" pitchFamily="18" charset="0"/>
-                            <a:ea typeface="华文楷体"/>
-                          </a:rPr>
-                        </m:ctrlPr>
-                      </m:sSubPr>
-                      <m:e>
-                        <m:r>
-                          <a:rPr lang="en-US" altLang="zh-CN" sz="2000" b="1" i="1" smtClean="0">
-                            <a:latin typeface="Cambria Math" panose="02040503050406030204" pitchFamily="18" charset="0"/>
-                            <a:ea typeface="华文楷体"/>
-                          </a:rPr>
-                          <m:t>𝒀</m:t>
-                        </m:r>
-                      </m:e>
-                      <m:sub>
-                        <m:r>
-                          <a:rPr lang="en-US" altLang="zh-CN" sz="2000" b="1" i="1">
-                            <a:latin typeface="Cambria Math" panose="02040503050406030204" pitchFamily="18" charset="0"/>
-                            <a:ea typeface="华文楷体"/>
-                          </a:rPr>
-                          <m:t>𝒅𝒆𝒑𝒆𝒏𝒅𝒆𝒏𝒄𝒚</m:t>
-                        </m:r>
-                      </m:sub>
-                    </m:sSub>
-                    <m:r>
-                      <a:rPr lang="en-US" altLang="zh-CN" sz="2000" b="1" i="1">
-                        <a:latin typeface="Cambria Math" panose="02040503050406030204" pitchFamily="18" charset="0"/>
-                        <a:ea typeface="华文楷体"/>
-                      </a:rPr>
-                      <m:t>+</m:t>
-                    </m:r>
-                    <m:sSub>
-                      <m:sSubPr>
-                        <m:ctrlPr>
-                          <a:rPr lang="en-US" altLang="zh-CN" sz="2000" b="1" i="1" smtClean="0">
-                            <a:latin typeface="Cambria Math" panose="02040503050406030204" pitchFamily="18" charset="0"/>
-                            <a:ea typeface="华文楷体"/>
-                          </a:rPr>
-                        </m:ctrlPr>
-                      </m:sSubPr>
-                      <m:e>
-                        <m:r>
-                          <a:rPr lang="en-US" altLang="zh-CN" sz="2000" b="1" i="1" smtClean="0">
-                            <a:latin typeface="Cambria Math" panose="02040503050406030204" pitchFamily="18" charset="0"/>
-                            <a:ea typeface="华文楷体"/>
-                          </a:rPr>
-                          <m:t>𝒀</m:t>
-                        </m:r>
-                      </m:e>
-                      <m:sub>
-                        <m:r>
-                          <a:rPr lang="en-US" altLang="zh-CN" sz="2000" b="1" i="1">
-                            <a:latin typeface="Cambria Math" panose="02040503050406030204" pitchFamily="18" charset="0"/>
-                            <a:ea typeface="华文楷体"/>
-                          </a:rPr>
-                          <m:t>𝒂𝒅𝒂𝒑𝒕𝒊𝒗𝒆</m:t>
-                        </m:r>
-                      </m:sub>
-                    </m:sSub>
-                  </m:oMath>
-                </a14:m>
-                <a:endParaRPr lang="en-US" altLang="zh-CN" b="1" dirty="0">
-                  <a:latin typeface="华文楷体" panose="02010600040101010101" pitchFamily="2" charset="-122"/>
-                  <a:ea typeface="华文楷体" panose="02010600040101010101" pitchFamily="2" charset="-122"/>
-                </a:endParaRPr>
-              </a:p>
-              <a:p>
-                <a:pPr lvl="1">
-                  <a:buSzPct val="70000"/>
-                  <a:buFont typeface="Wingdings" charset="2"/>
-                  <a:buChar char=""/>
-                </a:pPr>
-                <a:r>
-                  <a:rPr lang="en-US" altLang="zh-CN" b="1" dirty="0">
-                    <a:latin typeface="华文楷体" panose="02010600040101010101" pitchFamily="2" charset="-122"/>
-                    <a:ea typeface="华文楷体" panose="02010600040101010101" pitchFamily="2" charset="-122"/>
-                  </a:rPr>
-                  <a:t> </a:t>
-                </a:r>
-                <a:r>
-                  <a:rPr lang="en-US" altLang="zh-CN" dirty="0">
-                    <a:latin typeface="华文楷体" panose="02010600040101010101" pitchFamily="2" charset="-122"/>
-                    <a:ea typeface="华文楷体" panose="02010600040101010101" pitchFamily="2" charset="-122"/>
-                  </a:rPr>
-                  <a:t>Dependency</a:t>
-                </a:r>
-                <a:r>
-                  <a:rPr lang="zh-CN" altLang="en-US" dirty="0">
-                    <a:latin typeface="华文楷体" panose="02010600040101010101" pitchFamily="2" charset="-122"/>
-                    <a:ea typeface="华文楷体" panose="02010600040101010101" pitchFamily="2" charset="-122"/>
-                  </a:rPr>
-                  <a:t>分析</a:t>
-                </a:r>
-                <a:r>
-                  <a:rPr lang="zh-CN" altLang="en-US" b="1" dirty="0">
-                    <a:latin typeface="华文楷体" panose="02010600040101010101" pitchFamily="2" charset="-122"/>
-                    <a:ea typeface="华文楷体" panose="02010600040101010101" pitchFamily="2" charset="-122"/>
-                  </a:rPr>
-                  <a:t>：</a:t>
-                </a:r>
-                <a14:m>
-                  <m:oMath xmlns:m="http://schemas.openxmlformats.org/officeDocument/2006/math">
-                    <m:sSub>
-                      <m:sSubPr>
-                        <m:ctrlPr>
-                          <a:rPr lang="en-US" altLang="zh-CN" b="1" i="1">
-                            <a:latin typeface="Cambria Math" panose="02040503050406030204" pitchFamily="18" charset="0"/>
-                          </a:rPr>
-                        </m:ctrlPr>
-                      </m:sSubPr>
-                      <m:e>
-                        <m:r>
-                          <a:rPr lang="en-US" altLang="zh-CN" b="1" i="1">
-                            <a:latin typeface="Cambria Math" panose="02040503050406030204" pitchFamily="18" charset="0"/>
-                          </a:rPr>
-                          <m:t>𝒀</m:t>
-                        </m:r>
-                      </m:e>
-                      <m:sub>
-                        <m:r>
-                          <a:rPr lang="en-US" altLang="zh-CN" b="1" i="1">
-                            <a:latin typeface="Cambria Math" panose="02040503050406030204" pitchFamily="18" charset="0"/>
-                          </a:rPr>
-                          <m:t>𝒅𝒆𝒑𝒆𝒏𝒅𝒆𝒏𝒄𝒚</m:t>
                         </m:r>
                       </m:sub>
                     </m:sSub>
@@ -16208,11 +16614,10 @@
                 </a14:m>
                 <a:endParaRPr lang="en-US" altLang="zh-CN" b="1" dirty="0">
                   <a:latin typeface="华文楷体" panose="02010600040101010101" pitchFamily="2" charset="-122"/>
-                  <a:ea typeface="华文楷体" panose="02010600040101010101" pitchFamily="2" charset="-122"/>
                 </a:endParaRPr>
               </a:p>
               <a:p>
-                <a:pPr lvl="2">
+                <a:pPr lvl="1">
                   <a:buSzPct val="70000"/>
                   <a:buFont typeface="Wingdings" charset="2"/>
                   <a:buChar char=""/>
@@ -16295,11 +16700,10 @@
                 </a14:m>
                 <a:endParaRPr lang="en-US" altLang="zh-CN" sz="1600" dirty="0">
                   <a:latin typeface="华文楷体" panose="02010600040101010101" pitchFamily="2" charset="-122"/>
-                  <a:ea typeface="华文楷体" panose="02010600040101010101" pitchFamily="2" charset="-122"/>
                 </a:endParaRPr>
               </a:p>
               <a:p>
-                <a:pPr lvl="2">
+                <a:pPr lvl="1">
                   <a:buSzPct val="70000"/>
                   <a:buFont typeface="Wingdings" charset="2"/>
                   <a:buChar char=""/>
@@ -16569,11 +16973,11 @@
                 </a14:m>
                 <a:endParaRPr lang="en-US" altLang="zh-CN" sz="1600" b="0" dirty="0">
                   <a:latin typeface="华文楷体" panose="02010600040101010101" pitchFamily="2" charset="-122"/>
-                  <a:ea typeface="华文楷体" panose="02010600040101010101" pitchFamily="2" charset="-122"/>
+                  <a:ea typeface="华文中宋" panose="02010600040101010101" pitchFamily="2" charset="-122"/>
                 </a:endParaRPr>
               </a:p>
               <a:p>
-                <a:pPr lvl="2">
+                <a:pPr lvl="1">
                   <a:buSzPct val="70000"/>
                   <a:buFont typeface="Wingdings" charset="2"/>
                   <a:buChar char=""/>
@@ -16965,9 +17369,9 @@
                     </m:r>
                   </m:oMath>
                 </a14:m>
-                <a:endParaRPr lang="en-US" altLang="zh-CN" sz="1600" dirty="0">
+                <a:endParaRPr lang="en-US" altLang="zh-CN" sz="1600" b="0" dirty="0">
                   <a:latin typeface="华文楷体" panose="02010600040101010101" pitchFamily="2" charset="-122"/>
-                  <a:ea typeface="华文楷体" panose="02010600040101010101" pitchFamily="2" charset="-122"/>
+                  <a:ea typeface="华文中宋" panose="02010600040101010101" pitchFamily="2" charset="-122"/>
                 </a:endParaRPr>
               </a:p>
               <a:p>
@@ -17221,7 +17625,7 @@
             </p:txBody>
           </p:sp>
         </mc:Choice>
-        <mc:Fallback xmlns="">
+        <mc:Fallback>
           <p:sp>
             <p:nvSpPr>
               <p:cNvPr id="182" name="TextShape 2"/>
@@ -17241,7 +17645,7 @@
               <a:blipFill>
                 <a:blip r:embed="rId2"/>
                 <a:stretch>
-                  <a:fillRect l="-141" t="-3254" b="-434"/>
+                  <a:fillRect l="-141" t="-15401"/>
                 </a:stretch>
               </a:blipFill>
               <a:ln>
@@ -17307,7 +17711,7 @@
               <a:rPr lang="en-US" sz="1600">
                 <a:latin typeface="Arial"/>
               </a:rPr>
-              <a:t>25</a:t>
+              <a:t>26</a:t>
             </a:fld>
             <a:endParaRPr/>
           </a:p>
@@ -17517,7 +17921,7 @@
     </p:spTree>
     <p:extLst>
       <p:ext uri="{BB962C8B-B14F-4D97-AF65-F5344CB8AC3E}">
-        <p14:creationId xmlns:p14="http://schemas.microsoft.com/office/powerpoint/2010/main" val="3735767876"/>
+        <p14:creationId xmlns:p14="http://schemas.microsoft.com/office/powerpoint/2010/main" val="3989122962"/>
       </p:ext>
     </p:extLst>
   </p:cSld>
@@ -17701,7 +18105,7 @@
 </p:sld>
 </file>
 
-<file path=ppt/slides/slide26.xml><?xml version="1.0" encoding="utf-8"?>
+<file path=ppt/slides/slide27.xml><?xml version="1.0" encoding="utf-8"?>
 <p:sld xmlns:a="http://schemas.openxmlformats.org/drawingml/2006/main" xmlns:r="http://schemas.openxmlformats.org/officeDocument/2006/relationships" xmlns:p="http://schemas.openxmlformats.org/presentationml/2006/main" show="0">
   <p:cSld>
     <p:spTree>
@@ -17838,7 +18242,7 @@
               <a:rPr lang="en-US" sz="1600">
                 <a:latin typeface="Arial"/>
               </a:rPr>
-              <a:t>26</a:t>
+              <a:t>27</a:t>
             </a:fld>
             <a:endParaRPr/>
           </a:p>
@@ -18251,7 +18655,7 @@
 </p:sld>
 </file>
 
-<file path=ppt/slides/slide27.xml><?xml version="1.0" encoding="utf-8"?>
+<file path=ppt/slides/slide28.xml><?xml version="1.0" encoding="utf-8"?>
 <p:sld xmlns:a="http://schemas.openxmlformats.org/drawingml/2006/main" xmlns:r="http://schemas.openxmlformats.org/officeDocument/2006/relationships" xmlns:p="http://schemas.openxmlformats.org/presentationml/2006/main" show="0">
   <p:cSld>
     <p:spTree>
@@ -18672,7 +19076,7 @@
               <a:rPr lang="en-US" sz="1600">
                 <a:latin typeface="Arial"/>
               </a:rPr>
-              <a:t>27</a:t>
+              <a:t>28</a:t>
             </a:fld>
             <a:endParaRPr/>
           </a:p>
@@ -18686,7 +19090,7 @@
 </p:sld>
 </file>
 
-<file path=ppt/slides/slide28.xml><?xml version="1.0" encoding="utf-8"?>
+<file path=ppt/slides/slide29.xml><?xml version="1.0" encoding="utf-8"?>
 <p:sld xmlns:a="http://schemas.openxmlformats.org/drawingml/2006/main" xmlns:r="http://schemas.openxmlformats.org/officeDocument/2006/relationships" xmlns:p="http://schemas.openxmlformats.org/presentationml/2006/main">
   <p:cSld>
     <p:spTree>
@@ -18786,7 +19190,7 @@
               <a:rPr lang="en-US" sz="1600">
                 <a:latin typeface="Arial"/>
               </a:rPr>
-              <a:t>28</a:t>
+              <a:t>29</a:t>
             </a:fld>
             <a:endParaRPr/>
           </a:p>
@@ -19346,8 +19750,440 @@
 </p:sld>
 </file>
 
-<file path=ppt/slides/slide29.xml><?xml version="1.0" encoding="utf-8"?>
+<file path=ppt/slides/slide3.xml><?xml version="1.0" encoding="utf-8"?>
 <p:sld xmlns:a="http://schemas.openxmlformats.org/drawingml/2006/main" xmlns:r="http://schemas.openxmlformats.org/officeDocument/2006/relationships" xmlns:p="http://schemas.openxmlformats.org/presentationml/2006/main">
+  <p:cSld>
+    <p:spTree>
+      <p:nvGrpSpPr>
+        <p:cNvPr id="1" name=""/>
+        <p:cNvGrpSpPr/>
+        <p:nvPr/>
+      </p:nvGrpSpPr>
+      <p:grpSpPr>
+        <a:xfrm>
+          <a:off x="0" y="0"/>
+          <a:ext cx="0" cy="0"/>
+          <a:chOff x="0" y="0"/>
+          <a:chExt cx="0" cy="0"/>
+        </a:xfrm>
+      </p:grpSpPr>
+      <p:sp>
+        <p:nvSpPr>
+          <p:cNvPr id="106" name="CustomShape 1"/>
+          <p:cNvSpPr/>
+          <p:nvPr/>
+        </p:nvSpPr>
+        <p:spPr>
+          <a:xfrm>
+            <a:off x="7524720" y="6284880"/>
+            <a:ext cx="933480" cy="457200"/>
+          </a:xfrm>
+          <a:prstGeom prst="rect">
+            <a:avLst/>
+          </a:prstGeom>
+          <a:noFill/>
+          <a:ln>
+            <a:noFill/>
+          </a:ln>
+        </p:spPr>
+        <p:style>
+          <a:lnRef idx="0">
+            <a:scrgbClr r="0" g="0" b="0"/>
+          </a:lnRef>
+          <a:fillRef idx="0">
+            <a:scrgbClr r="0" g="0" b="0"/>
+          </a:fillRef>
+          <a:effectRef idx="0">
+            <a:scrgbClr r="0" g="0" b="0"/>
+          </a:effectRef>
+          <a:fontRef idx="minor"/>
+        </p:style>
+        <p:txBody>
+          <a:bodyPr lIns="90000" tIns="46800" rIns="90000" bIns="46800"/>
+          <a:lstStyle/>
+          <a:p>
+            <a:pPr algn="r">
+              <a:lnSpc>
+                <a:spcPct val="100000"/>
+              </a:lnSpc>
+            </a:pPr>
+            <a:fld id="{348A3504-0DD8-4B00-92D5-54BEF987673B}" type="slidenum">
+              <a:rPr lang="en-US" sz="1600">
+                <a:latin typeface="Arial"/>
+              </a:rPr>
+              <a:t>3</a:t>
+            </a:fld>
+            <a:endParaRPr/>
+          </a:p>
+        </p:txBody>
+      </p:sp>
+      <p:sp>
+        <p:nvSpPr>
+          <p:cNvPr id="107" name="TextShape 2"/>
+          <p:cNvSpPr txBox="1"/>
+          <p:nvPr/>
+        </p:nvSpPr>
+        <p:spPr>
+          <a:xfrm>
+            <a:off x="1042920" y="404280"/>
+            <a:ext cx="5616720" cy="576360"/>
+          </a:xfrm>
+          <a:prstGeom prst="rect">
+            <a:avLst/>
+          </a:prstGeom>
+          <a:noFill/>
+          <a:ln>
+            <a:noFill/>
+          </a:ln>
+        </p:spPr>
+        <p:txBody>
+          <a:bodyPr anchor="b"/>
+          <a:lstStyle/>
+          <a:p>
+            <a:pPr algn="ctr">
+              <a:lnSpc>
+                <a:spcPct val="100000"/>
+              </a:lnSpc>
+            </a:pPr>
+            <a:r>
+              <a:rPr lang="zh-CN" sz="3200" b="1">
+                <a:latin typeface="华文中宋"/>
+                <a:ea typeface="华文中宋"/>
+              </a:rPr>
+              <a:t>目录</a:t>
+            </a:r>
+            <a:endParaRPr/>
+          </a:p>
+        </p:txBody>
+      </p:sp>
+      <p:sp>
+        <p:nvSpPr>
+          <p:cNvPr id="108" name="CustomShape 3"/>
+          <p:cNvSpPr/>
+          <p:nvPr/>
+        </p:nvSpPr>
+        <p:spPr>
+          <a:xfrm>
+            <a:off x="1392120" y="1506600"/>
+            <a:ext cx="1871640" cy="459720"/>
+          </a:xfrm>
+          <a:prstGeom prst="rect">
+            <a:avLst/>
+          </a:prstGeom>
+          <a:ln/>
+        </p:spPr>
+        <p:style>
+          <a:lnRef idx="3">
+            <a:schemeClr val="lt1"/>
+          </a:lnRef>
+          <a:fillRef idx="1">
+            <a:schemeClr val="accent6"/>
+          </a:fillRef>
+          <a:effectRef idx="1">
+            <a:schemeClr val="accent6"/>
+          </a:effectRef>
+          <a:fontRef idx="minor">
+            <a:schemeClr val="lt1"/>
+          </a:fontRef>
+        </p:style>
+        <p:txBody>
+          <a:bodyPr lIns="90000" tIns="46800" rIns="90000" bIns="46800"/>
+          <a:lstStyle/>
+          <a:p>
+            <a:pPr algn="ctr">
+              <a:lnSpc>
+                <a:spcPct val="100000"/>
+              </a:lnSpc>
+            </a:pPr>
+            <a:r>
+              <a:rPr lang="zh-CN" sz="2400">
+                <a:solidFill>
+                  <a:srgbClr val="000000"/>
+                </a:solidFill>
+                <a:latin typeface="华文中宋"/>
+                <a:ea typeface="华文中宋"/>
+              </a:rPr>
+              <a:t>研究背景</a:t>
+            </a:r>
+            <a:endParaRPr/>
+          </a:p>
+        </p:txBody>
+      </p:sp>
+      <p:sp>
+        <p:nvSpPr>
+          <p:cNvPr id="109" name="CustomShape 4"/>
+          <p:cNvSpPr/>
+          <p:nvPr/>
+        </p:nvSpPr>
+        <p:spPr>
+          <a:xfrm>
+            <a:off x="1397160" y="2297160"/>
+            <a:ext cx="1871640" cy="459720"/>
+          </a:xfrm>
+          <a:prstGeom prst="rect">
+            <a:avLst/>
+          </a:prstGeom>
+          <a:ln/>
+        </p:spPr>
+        <p:style>
+          <a:lnRef idx="3">
+            <a:schemeClr val="lt1"/>
+          </a:lnRef>
+          <a:fillRef idx="1">
+            <a:schemeClr val="accent3"/>
+          </a:fillRef>
+          <a:effectRef idx="1">
+            <a:schemeClr val="accent3"/>
+          </a:effectRef>
+          <a:fontRef idx="minor">
+            <a:schemeClr val="lt1"/>
+          </a:fontRef>
+        </p:style>
+        <p:txBody>
+          <a:bodyPr lIns="90000" tIns="46800" rIns="90000" bIns="46800"/>
+          <a:lstStyle/>
+          <a:p>
+            <a:pPr algn="ctr">
+              <a:lnSpc>
+                <a:spcPct val="100000"/>
+              </a:lnSpc>
+            </a:pPr>
+            <a:r>
+              <a:rPr lang="zh-CN" sz="2400">
+                <a:solidFill>
+                  <a:srgbClr val="000000"/>
+                </a:solidFill>
+                <a:latin typeface="华文中宋"/>
+                <a:ea typeface="华文中宋"/>
+              </a:rPr>
+              <a:t>研究问题</a:t>
+            </a:r>
+            <a:endParaRPr/>
+          </a:p>
+        </p:txBody>
+      </p:sp>
+      <p:sp>
+        <p:nvSpPr>
+          <p:cNvPr id="110" name="CustomShape 5"/>
+          <p:cNvSpPr/>
+          <p:nvPr/>
+        </p:nvSpPr>
+        <p:spPr>
+          <a:xfrm>
+            <a:off x="1392120" y="3086280"/>
+            <a:ext cx="1871640" cy="459720"/>
+          </a:xfrm>
+          <a:prstGeom prst="rect">
+            <a:avLst/>
+          </a:prstGeom>
+          <a:ln/>
+        </p:spPr>
+        <p:style>
+          <a:lnRef idx="3">
+            <a:schemeClr val="lt1"/>
+          </a:lnRef>
+          <a:fillRef idx="1">
+            <a:schemeClr val="accent3"/>
+          </a:fillRef>
+          <a:effectRef idx="1">
+            <a:schemeClr val="accent3"/>
+          </a:effectRef>
+          <a:fontRef idx="minor">
+            <a:schemeClr val="lt1"/>
+          </a:fontRef>
+        </p:style>
+        <p:txBody>
+          <a:bodyPr lIns="90000" tIns="46800" rIns="90000" bIns="46800"/>
+          <a:lstStyle/>
+          <a:p>
+            <a:pPr algn="ctr">
+              <a:lnSpc>
+                <a:spcPct val="100000"/>
+              </a:lnSpc>
+            </a:pPr>
+            <a:r>
+              <a:rPr lang="zh-CN" sz="2400" dirty="0">
+                <a:solidFill>
+                  <a:srgbClr val="000000"/>
+                </a:solidFill>
+                <a:latin typeface="华文中宋"/>
+                <a:ea typeface="华文中宋"/>
+              </a:rPr>
+              <a:t>相关工作</a:t>
+            </a:r>
+            <a:endParaRPr dirty="0"/>
+          </a:p>
+        </p:txBody>
+      </p:sp>
+      <p:sp>
+        <p:nvSpPr>
+          <p:cNvPr id="111" name="CustomShape 6"/>
+          <p:cNvSpPr/>
+          <p:nvPr/>
+        </p:nvSpPr>
+        <p:spPr>
+          <a:xfrm>
+            <a:off x="1392120" y="3875040"/>
+            <a:ext cx="1871640" cy="459720"/>
+          </a:xfrm>
+          <a:prstGeom prst="rect">
+            <a:avLst/>
+          </a:prstGeom>
+          <a:ln/>
+        </p:spPr>
+        <p:style>
+          <a:lnRef idx="3">
+            <a:schemeClr val="lt1"/>
+          </a:lnRef>
+          <a:fillRef idx="1">
+            <a:schemeClr val="accent3"/>
+          </a:fillRef>
+          <a:effectRef idx="1">
+            <a:schemeClr val="accent3"/>
+          </a:effectRef>
+          <a:fontRef idx="minor">
+            <a:schemeClr val="lt1"/>
+          </a:fontRef>
+        </p:style>
+        <p:txBody>
+          <a:bodyPr lIns="90000" tIns="46800" rIns="90000" bIns="46800"/>
+          <a:lstStyle/>
+          <a:p>
+            <a:pPr algn="ctr">
+              <a:lnSpc>
+                <a:spcPct val="100000"/>
+              </a:lnSpc>
+            </a:pPr>
+            <a:r>
+              <a:rPr lang="zh-CN" sz="2400">
+                <a:solidFill>
+                  <a:srgbClr val="000000"/>
+                </a:solidFill>
+                <a:latin typeface="华文中宋"/>
+                <a:ea typeface="华文中宋"/>
+              </a:rPr>
+              <a:t>自己工作</a:t>
+            </a:r>
+            <a:endParaRPr/>
+          </a:p>
+        </p:txBody>
+      </p:sp>
+      <p:sp>
+        <p:nvSpPr>
+          <p:cNvPr id="112" name="CustomShape 7"/>
+          <p:cNvSpPr/>
+          <p:nvPr/>
+        </p:nvSpPr>
+        <p:spPr>
+          <a:xfrm>
+            <a:off x="1392120" y="4664160"/>
+            <a:ext cx="1871640" cy="459720"/>
+          </a:xfrm>
+          <a:prstGeom prst="rect">
+            <a:avLst/>
+          </a:prstGeom>
+          <a:ln/>
+        </p:spPr>
+        <p:style>
+          <a:lnRef idx="3">
+            <a:schemeClr val="lt1"/>
+          </a:lnRef>
+          <a:fillRef idx="1">
+            <a:schemeClr val="accent3"/>
+          </a:fillRef>
+          <a:effectRef idx="1">
+            <a:schemeClr val="accent3"/>
+          </a:effectRef>
+          <a:fontRef idx="minor">
+            <a:schemeClr val="lt1"/>
+          </a:fontRef>
+        </p:style>
+        <p:txBody>
+          <a:bodyPr lIns="90000" tIns="46800" rIns="90000" bIns="46800"/>
+          <a:lstStyle/>
+          <a:p>
+            <a:pPr algn="ctr">
+              <a:lnSpc>
+                <a:spcPct val="100000"/>
+              </a:lnSpc>
+            </a:pPr>
+            <a:r>
+              <a:rPr lang="zh-CN" sz="2400">
+                <a:solidFill>
+                  <a:srgbClr val="000000"/>
+                </a:solidFill>
+                <a:latin typeface="华文中宋"/>
+                <a:ea typeface="华文中宋"/>
+              </a:rPr>
+              <a:t>总结展望</a:t>
+            </a:r>
+            <a:endParaRPr/>
+          </a:p>
+        </p:txBody>
+      </p:sp>
+      <p:sp>
+        <p:nvSpPr>
+          <p:cNvPr id="113" name="CustomShape 8"/>
+          <p:cNvSpPr/>
+          <p:nvPr/>
+        </p:nvSpPr>
+        <p:spPr>
+          <a:xfrm>
+            <a:off x="1392120" y="5452920"/>
+            <a:ext cx="1871640" cy="459720"/>
+          </a:xfrm>
+          <a:prstGeom prst="rect">
+            <a:avLst/>
+          </a:prstGeom>
+          <a:ln/>
+        </p:spPr>
+        <p:style>
+          <a:lnRef idx="3">
+            <a:schemeClr val="lt1"/>
+          </a:lnRef>
+          <a:fillRef idx="1">
+            <a:schemeClr val="accent3"/>
+          </a:fillRef>
+          <a:effectRef idx="1">
+            <a:schemeClr val="accent3"/>
+          </a:effectRef>
+          <a:fontRef idx="minor">
+            <a:schemeClr val="lt1"/>
+          </a:fontRef>
+        </p:style>
+        <p:txBody>
+          <a:bodyPr lIns="90000" tIns="46800" rIns="90000" bIns="46800"/>
+          <a:lstStyle/>
+          <a:p>
+            <a:pPr algn="ctr">
+              <a:lnSpc>
+                <a:spcPct val="100000"/>
+              </a:lnSpc>
+            </a:pPr>
+            <a:r>
+              <a:rPr lang="zh-CN" sz="2400" dirty="0">
+                <a:solidFill>
+                  <a:srgbClr val="000000"/>
+                </a:solidFill>
+                <a:latin typeface="华文中宋"/>
+                <a:ea typeface="华文中宋"/>
+              </a:rPr>
+              <a:t>科研成果</a:t>
+            </a:r>
+            <a:endParaRPr dirty="0"/>
+          </a:p>
+        </p:txBody>
+      </p:sp>
+    </p:spTree>
+  </p:cSld>
+  <p:clrMapOvr>
+    <a:masterClrMapping/>
+  </p:clrMapOvr>
+</p:sld>
+</file>
+
+<file path=ppt/slides/slide30.xml><?xml version="1.0" encoding="utf-8"?>
+<p:sld xmlns:a="http://schemas.openxmlformats.org/drawingml/2006/main" xmlns:r="http://schemas.openxmlformats.org/officeDocument/2006/relationships" xmlns:p="http://schemas.openxmlformats.org/presentationml/2006/main" show="0">
   <p:cSld>
     <p:spTree>
       <p:nvGrpSpPr>
@@ -19488,7 +20324,7 @@
               <a:rPr lang="en-US" sz="1600">
                 <a:latin typeface="Arial"/>
               </a:rPr>
-              <a:t>29</a:t>
+              <a:t>30</a:t>
             </a:fld>
             <a:endParaRPr/>
           </a:p>
@@ -21426,8 +22262,8 @@
         </p:nvSpPr>
         <p:spPr>
           <a:xfrm>
-            <a:off x="1340836" y="5572080"/>
-            <a:ext cx="1806125" cy="508086"/>
+            <a:off x="1340835" y="5572080"/>
+            <a:ext cx="2266889" cy="508086"/>
           </a:xfrm>
           <a:prstGeom prst="roundRect">
             <a:avLst/>
@@ -21454,32 +22290,59 @@
           <a:bodyPr rtlCol="0" anchor="ctr"/>
           <a:lstStyle/>
           <a:p>
-            <a:pPr algn="ctr">
+            <a:pPr>
               <a:lnSpc>
                 <a:spcPct val="100000"/>
               </a:lnSpc>
             </a:pPr>
             <a:r>
-              <a:rPr lang="zh-CN" altLang="en-US" sz="2000" b="1" dirty="0">
+              <a:rPr lang="zh-CN" altLang="en-US" sz="1600" b="1" dirty="0">
                 <a:solidFill>
                   <a:srgbClr val="0D0D0D"/>
                 </a:solidFill>
                 <a:latin typeface="华文楷体"/>
                 <a:ea typeface="华文楷体"/>
               </a:rPr>
-              <a:t>最优解：</a:t>
-            </a:r>
-            <a:r>
-              <a:rPr lang="en-US" altLang="zh-CN" sz="2000" b="1" dirty="0">
+              <a:t>三个背包：</a:t>
+            </a:r>
+            <a:r>
+              <a:rPr lang="en-US" altLang="zh-CN" sz="1600" b="1" dirty="0">
                 <a:solidFill>
                   <a:srgbClr val="0D0D0D"/>
                 </a:solidFill>
                 <a:latin typeface="华文楷体"/>
                 <a:ea typeface="华文楷体"/>
               </a:rPr>
+              <a:t>110,150,190</a:t>
+            </a:r>
+          </a:p>
+          <a:p>
+            <a:pPr>
+              <a:lnSpc>
+                <a:spcPct val="100000"/>
+              </a:lnSpc>
+            </a:pPr>
+            <a:r>
+              <a:rPr lang="zh-CN" altLang="en-US" sz="1600" b="1" dirty="0">
+                <a:solidFill>
+                  <a:srgbClr val="0D0D0D"/>
+                </a:solidFill>
+                <a:latin typeface="华文楷体"/>
+                <a:ea typeface="华文楷体"/>
+              </a:rPr>
+              <a:t>最优解：</a:t>
+            </a:r>
+            <a:r>
+              <a:rPr lang="en-US" altLang="zh-CN" sz="1600" b="1" dirty="0">
+                <a:solidFill>
+                  <a:srgbClr val="0D0D0D"/>
+                </a:solidFill>
+                <a:latin typeface="华文楷体"/>
+                <a:ea typeface="华文楷体"/>
+              </a:rPr>
               <a:t>6151</a:t>
             </a:r>
-            <a:endParaRPr lang="zh-CN" altLang="en-US" sz="2000" dirty="0"/>
+            <a:endParaRPr lang="zh-CN" altLang="en-US" sz="1600" dirty="0"/>
           </a:p>
         </p:txBody>
       </p:sp>
@@ -21713,439 +22576,7 @@
 </p:sld>
 </file>
 
-<file path=ppt/slides/slide3.xml><?xml version="1.0" encoding="utf-8"?>
-<p:sld xmlns:a="http://schemas.openxmlformats.org/drawingml/2006/main" xmlns:r="http://schemas.openxmlformats.org/officeDocument/2006/relationships" xmlns:p="http://schemas.openxmlformats.org/presentationml/2006/main">
-  <p:cSld>
-    <p:spTree>
-      <p:nvGrpSpPr>
-        <p:cNvPr id="1" name=""/>
-        <p:cNvGrpSpPr/>
-        <p:nvPr/>
-      </p:nvGrpSpPr>
-      <p:grpSpPr>
-        <a:xfrm>
-          <a:off x="0" y="0"/>
-          <a:ext cx="0" cy="0"/>
-          <a:chOff x="0" y="0"/>
-          <a:chExt cx="0" cy="0"/>
-        </a:xfrm>
-      </p:grpSpPr>
-      <p:sp>
-        <p:nvSpPr>
-          <p:cNvPr id="106" name="CustomShape 1"/>
-          <p:cNvSpPr/>
-          <p:nvPr/>
-        </p:nvSpPr>
-        <p:spPr>
-          <a:xfrm>
-            <a:off x="7524720" y="6284880"/>
-            <a:ext cx="933480" cy="457200"/>
-          </a:xfrm>
-          <a:prstGeom prst="rect">
-            <a:avLst/>
-          </a:prstGeom>
-          <a:noFill/>
-          <a:ln>
-            <a:noFill/>
-          </a:ln>
-        </p:spPr>
-        <p:style>
-          <a:lnRef idx="0">
-            <a:scrgbClr r="0" g="0" b="0"/>
-          </a:lnRef>
-          <a:fillRef idx="0">
-            <a:scrgbClr r="0" g="0" b="0"/>
-          </a:fillRef>
-          <a:effectRef idx="0">
-            <a:scrgbClr r="0" g="0" b="0"/>
-          </a:effectRef>
-          <a:fontRef idx="minor"/>
-        </p:style>
-        <p:txBody>
-          <a:bodyPr lIns="90000" tIns="46800" rIns="90000" bIns="46800"/>
-          <a:lstStyle/>
-          <a:p>
-            <a:pPr algn="r">
-              <a:lnSpc>
-                <a:spcPct val="100000"/>
-              </a:lnSpc>
-            </a:pPr>
-            <a:fld id="{348A3504-0DD8-4B00-92D5-54BEF987673B}" type="slidenum">
-              <a:rPr lang="en-US" sz="1600">
-                <a:latin typeface="Arial"/>
-              </a:rPr>
-              <a:t>3</a:t>
-            </a:fld>
-            <a:endParaRPr/>
-          </a:p>
-        </p:txBody>
-      </p:sp>
-      <p:sp>
-        <p:nvSpPr>
-          <p:cNvPr id="107" name="TextShape 2"/>
-          <p:cNvSpPr txBox="1"/>
-          <p:nvPr/>
-        </p:nvSpPr>
-        <p:spPr>
-          <a:xfrm>
-            <a:off x="1042920" y="404280"/>
-            <a:ext cx="5616720" cy="576360"/>
-          </a:xfrm>
-          <a:prstGeom prst="rect">
-            <a:avLst/>
-          </a:prstGeom>
-          <a:noFill/>
-          <a:ln>
-            <a:noFill/>
-          </a:ln>
-        </p:spPr>
-        <p:txBody>
-          <a:bodyPr anchor="b"/>
-          <a:lstStyle/>
-          <a:p>
-            <a:pPr algn="ctr">
-              <a:lnSpc>
-                <a:spcPct val="100000"/>
-              </a:lnSpc>
-            </a:pPr>
-            <a:r>
-              <a:rPr lang="zh-CN" sz="3200" b="1">
-                <a:latin typeface="华文中宋"/>
-                <a:ea typeface="华文中宋"/>
-              </a:rPr>
-              <a:t>目录</a:t>
-            </a:r>
-            <a:endParaRPr/>
-          </a:p>
-        </p:txBody>
-      </p:sp>
-      <p:sp>
-        <p:nvSpPr>
-          <p:cNvPr id="108" name="CustomShape 3"/>
-          <p:cNvSpPr/>
-          <p:nvPr/>
-        </p:nvSpPr>
-        <p:spPr>
-          <a:xfrm>
-            <a:off x="1392120" y="1506600"/>
-            <a:ext cx="1871640" cy="459720"/>
-          </a:xfrm>
-          <a:prstGeom prst="rect">
-            <a:avLst/>
-          </a:prstGeom>
-          <a:ln/>
-        </p:spPr>
-        <p:style>
-          <a:lnRef idx="3">
-            <a:schemeClr val="lt1"/>
-          </a:lnRef>
-          <a:fillRef idx="1">
-            <a:schemeClr val="accent6"/>
-          </a:fillRef>
-          <a:effectRef idx="1">
-            <a:schemeClr val="accent6"/>
-          </a:effectRef>
-          <a:fontRef idx="minor">
-            <a:schemeClr val="lt1"/>
-          </a:fontRef>
-        </p:style>
-        <p:txBody>
-          <a:bodyPr lIns="90000" tIns="46800" rIns="90000" bIns="46800"/>
-          <a:lstStyle/>
-          <a:p>
-            <a:pPr algn="ctr">
-              <a:lnSpc>
-                <a:spcPct val="100000"/>
-              </a:lnSpc>
-            </a:pPr>
-            <a:r>
-              <a:rPr lang="zh-CN" sz="2400">
-                <a:solidFill>
-                  <a:srgbClr val="000000"/>
-                </a:solidFill>
-                <a:latin typeface="华文中宋"/>
-                <a:ea typeface="华文中宋"/>
-              </a:rPr>
-              <a:t>研究背景</a:t>
-            </a:r>
-            <a:endParaRPr/>
-          </a:p>
-        </p:txBody>
-      </p:sp>
-      <p:sp>
-        <p:nvSpPr>
-          <p:cNvPr id="109" name="CustomShape 4"/>
-          <p:cNvSpPr/>
-          <p:nvPr/>
-        </p:nvSpPr>
-        <p:spPr>
-          <a:xfrm>
-            <a:off x="1397160" y="2297160"/>
-            <a:ext cx="1871640" cy="459720"/>
-          </a:xfrm>
-          <a:prstGeom prst="rect">
-            <a:avLst/>
-          </a:prstGeom>
-          <a:ln/>
-        </p:spPr>
-        <p:style>
-          <a:lnRef idx="3">
-            <a:schemeClr val="lt1"/>
-          </a:lnRef>
-          <a:fillRef idx="1">
-            <a:schemeClr val="accent3"/>
-          </a:fillRef>
-          <a:effectRef idx="1">
-            <a:schemeClr val="accent3"/>
-          </a:effectRef>
-          <a:fontRef idx="minor">
-            <a:schemeClr val="lt1"/>
-          </a:fontRef>
-        </p:style>
-        <p:txBody>
-          <a:bodyPr lIns="90000" tIns="46800" rIns="90000" bIns="46800"/>
-          <a:lstStyle/>
-          <a:p>
-            <a:pPr algn="ctr">
-              <a:lnSpc>
-                <a:spcPct val="100000"/>
-              </a:lnSpc>
-            </a:pPr>
-            <a:r>
-              <a:rPr lang="zh-CN" sz="2400">
-                <a:solidFill>
-                  <a:srgbClr val="000000"/>
-                </a:solidFill>
-                <a:latin typeface="华文中宋"/>
-                <a:ea typeface="华文中宋"/>
-              </a:rPr>
-              <a:t>研究问题</a:t>
-            </a:r>
-            <a:endParaRPr/>
-          </a:p>
-        </p:txBody>
-      </p:sp>
-      <p:sp>
-        <p:nvSpPr>
-          <p:cNvPr id="110" name="CustomShape 5"/>
-          <p:cNvSpPr/>
-          <p:nvPr/>
-        </p:nvSpPr>
-        <p:spPr>
-          <a:xfrm>
-            <a:off x="1392120" y="3086280"/>
-            <a:ext cx="1871640" cy="459720"/>
-          </a:xfrm>
-          <a:prstGeom prst="rect">
-            <a:avLst/>
-          </a:prstGeom>
-          <a:ln/>
-        </p:spPr>
-        <p:style>
-          <a:lnRef idx="3">
-            <a:schemeClr val="lt1"/>
-          </a:lnRef>
-          <a:fillRef idx="1">
-            <a:schemeClr val="accent3"/>
-          </a:fillRef>
-          <a:effectRef idx="1">
-            <a:schemeClr val="accent3"/>
-          </a:effectRef>
-          <a:fontRef idx="minor">
-            <a:schemeClr val="lt1"/>
-          </a:fontRef>
-        </p:style>
-        <p:txBody>
-          <a:bodyPr lIns="90000" tIns="46800" rIns="90000" bIns="46800"/>
-          <a:lstStyle/>
-          <a:p>
-            <a:pPr algn="ctr">
-              <a:lnSpc>
-                <a:spcPct val="100000"/>
-              </a:lnSpc>
-            </a:pPr>
-            <a:r>
-              <a:rPr lang="zh-CN" sz="2400" dirty="0">
-                <a:solidFill>
-                  <a:srgbClr val="000000"/>
-                </a:solidFill>
-                <a:latin typeface="华文中宋"/>
-                <a:ea typeface="华文中宋"/>
-              </a:rPr>
-              <a:t>相关工作</a:t>
-            </a:r>
-            <a:endParaRPr dirty="0"/>
-          </a:p>
-        </p:txBody>
-      </p:sp>
-      <p:sp>
-        <p:nvSpPr>
-          <p:cNvPr id="111" name="CustomShape 6"/>
-          <p:cNvSpPr/>
-          <p:nvPr/>
-        </p:nvSpPr>
-        <p:spPr>
-          <a:xfrm>
-            <a:off x="1392120" y="3875040"/>
-            <a:ext cx="1871640" cy="459720"/>
-          </a:xfrm>
-          <a:prstGeom prst="rect">
-            <a:avLst/>
-          </a:prstGeom>
-          <a:ln/>
-        </p:spPr>
-        <p:style>
-          <a:lnRef idx="3">
-            <a:schemeClr val="lt1"/>
-          </a:lnRef>
-          <a:fillRef idx="1">
-            <a:schemeClr val="accent3"/>
-          </a:fillRef>
-          <a:effectRef idx="1">
-            <a:schemeClr val="accent3"/>
-          </a:effectRef>
-          <a:fontRef idx="minor">
-            <a:schemeClr val="lt1"/>
-          </a:fontRef>
-        </p:style>
-        <p:txBody>
-          <a:bodyPr lIns="90000" tIns="46800" rIns="90000" bIns="46800"/>
-          <a:lstStyle/>
-          <a:p>
-            <a:pPr algn="ctr">
-              <a:lnSpc>
-                <a:spcPct val="100000"/>
-              </a:lnSpc>
-            </a:pPr>
-            <a:r>
-              <a:rPr lang="zh-CN" sz="2400">
-                <a:solidFill>
-                  <a:srgbClr val="000000"/>
-                </a:solidFill>
-                <a:latin typeface="华文中宋"/>
-                <a:ea typeface="华文中宋"/>
-              </a:rPr>
-              <a:t>自己工作</a:t>
-            </a:r>
-            <a:endParaRPr/>
-          </a:p>
-        </p:txBody>
-      </p:sp>
-      <p:sp>
-        <p:nvSpPr>
-          <p:cNvPr id="112" name="CustomShape 7"/>
-          <p:cNvSpPr/>
-          <p:nvPr/>
-        </p:nvSpPr>
-        <p:spPr>
-          <a:xfrm>
-            <a:off x="1392120" y="4664160"/>
-            <a:ext cx="1871640" cy="459720"/>
-          </a:xfrm>
-          <a:prstGeom prst="rect">
-            <a:avLst/>
-          </a:prstGeom>
-          <a:ln/>
-        </p:spPr>
-        <p:style>
-          <a:lnRef idx="3">
-            <a:schemeClr val="lt1"/>
-          </a:lnRef>
-          <a:fillRef idx="1">
-            <a:schemeClr val="accent3"/>
-          </a:fillRef>
-          <a:effectRef idx="1">
-            <a:schemeClr val="accent3"/>
-          </a:effectRef>
-          <a:fontRef idx="minor">
-            <a:schemeClr val="lt1"/>
-          </a:fontRef>
-        </p:style>
-        <p:txBody>
-          <a:bodyPr lIns="90000" tIns="46800" rIns="90000" bIns="46800"/>
-          <a:lstStyle/>
-          <a:p>
-            <a:pPr algn="ctr">
-              <a:lnSpc>
-                <a:spcPct val="100000"/>
-              </a:lnSpc>
-            </a:pPr>
-            <a:r>
-              <a:rPr lang="zh-CN" sz="2400">
-                <a:solidFill>
-                  <a:srgbClr val="000000"/>
-                </a:solidFill>
-                <a:latin typeface="华文中宋"/>
-                <a:ea typeface="华文中宋"/>
-              </a:rPr>
-              <a:t>总结展望</a:t>
-            </a:r>
-            <a:endParaRPr/>
-          </a:p>
-        </p:txBody>
-      </p:sp>
-      <p:sp>
-        <p:nvSpPr>
-          <p:cNvPr id="113" name="CustomShape 8"/>
-          <p:cNvSpPr/>
-          <p:nvPr/>
-        </p:nvSpPr>
-        <p:spPr>
-          <a:xfrm>
-            <a:off x="1392120" y="5452920"/>
-            <a:ext cx="1871640" cy="459720"/>
-          </a:xfrm>
-          <a:prstGeom prst="rect">
-            <a:avLst/>
-          </a:prstGeom>
-          <a:ln/>
-        </p:spPr>
-        <p:style>
-          <a:lnRef idx="3">
-            <a:schemeClr val="lt1"/>
-          </a:lnRef>
-          <a:fillRef idx="1">
-            <a:schemeClr val="accent3"/>
-          </a:fillRef>
-          <a:effectRef idx="1">
-            <a:schemeClr val="accent3"/>
-          </a:effectRef>
-          <a:fontRef idx="minor">
-            <a:schemeClr val="lt1"/>
-          </a:fontRef>
-        </p:style>
-        <p:txBody>
-          <a:bodyPr lIns="90000" tIns="46800" rIns="90000" bIns="46800"/>
-          <a:lstStyle/>
-          <a:p>
-            <a:pPr algn="ctr">
-              <a:lnSpc>
-                <a:spcPct val="100000"/>
-              </a:lnSpc>
-            </a:pPr>
-            <a:r>
-              <a:rPr lang="zh-CN" sz="2400" dirty="0">
-                <a:solidFill>
-                  <a:srgbClr val="000000"/>
-                </a:solidFill>
-                <a:latin typeface="华文中宋"/>
-                <a:ea typeface="华文中宋"/>
-              </a:rPr>
-              <a:t>科研成果</a:t>
-            </a:r>
-            <a:endParaRPr dirty="0"/>
-          </a:p>
-        </p:txBody>
-      </p:sp>
-    </p:spTree>
-  </p:cSld>
-  <p:clrMapOvr>
-    <a:masterClrMapping/>
-  </p:clrMapOvr>
-</p:sld>
-</file>
-
-<file path=ppt/slides/slide30.xml><?xml version="1.0" encoding="utf-8"?>
+<file path=ppt/slides/slide31.xml><?xml version="1.0" encoding="utf-8"?>
 <p:sld xmlns:a="http://schemas.openxmlformats.org/drawingml/2006/main" xmlns:r="http://schemas.openxmlformats.org/officeDocument/2006/relationships" xmlns:p="http://schemas.openxmlformats.org/presentationml/2006/main">
   <p:cSld>
     <p:spTree>
@@ -22301,7 +22732,7 @@
               <a:rPr lang="en-US" sz="1600">
                 <a:latin typeface="Arial"/>
               </a:rPr>
-              <a:t>30</a:t>
+              <a:t>31</a:t>
             </a:fld>
             <a:endParaRPr/>
           </a:p>
@@ -24737,7 +25168,7 @@
 </p:sld>
 </file>
 
-<file path=ppt/slides/slide31.xml><?xml version="1.0" encoding="utf-8"?>
+<file path=ppt/slides/slide32.xml><?xml version="1.0" encoding="utf-8"?>
 <p:sld xmlns:a="http://schemas.openxmlformats.org/drawingml/2006/main" xmlns:r="http://schemas.openxmlformats.org/officeDocument/2006/relationships" xmlns:p="http://schemas.openxmlformats.org/presentationml/2006/main">
   <p:cSld>
     <p:spTree>
@@ -24886,7 +25317,7 @@
               <a:rPr lang="en-US" sz="1600">
                 <a:latin typeface="Arial"/>
               </a:rPr>
-              <a:t>31</a:t>
+              <a:t>32</a:t>
             </a:fld>
             <a:endParaRPr/>
           </a:p>
@@ -27542,7 +27973,7 @@
 </p:sld>
 </file>
 
-<file path=ppt/slides/slide32.xml><?xml version="1.0" encoding="utf-8"?>
+<file path=ppt/slides/slide33.xml><?xml version="1.0" encoding="utf-8"?>
 <p:sld xmlns:a="http://schemas.openxmlformats.org/drawingml/2006/main" xmlns:r="http://schemas.openxmlformats.org/officeDocument/2006/relationships" xmlns:p="http://schemas.openxmlformats.org/presentationml/2006/main">
   <p:cSld>
     <p:spTree>
@@ -27649,7 +28080,7 @@
               <a:rPr lang="en-US" sz="1600">
                 <a:latin typeface="Arial"/>
               </a:rPr>
-              <a:t>32</a:t>
+              <a:t>33</a:t>
             </a:fld>
             <a:endParaRPr/>
           </a:p>
@@ -27768,7 +28199,7 @@
 </p:sld>
 </file>
 
-<file path=ppt/slides/slide33.xml><?xml version="1.0" encoding="utf-8"?>
+<file path=ppt/slides/slide34.xml><?xml version="1.0" encoding="utf-8"?>
 <p:sld xmlns:a="http://schemas.openxmlformats.org/drawingml/2006/main" xmlns:r="http://schemas.openxmlformats.org/officeDocument/2006/relationships" xmlns:p="http://schemas.openxmlformats.org/presentationml/2006/main">
   <p:cSld>
     <p:spTree>
@@ -27875,7 +28306,7 @@
               <a:rPr lang="en-US" sz="1600">
                 <a:latin typeface="Arial"/>
               </a:rPr>
-              <a:t>33</a:t>
+              <a:t>34</a:t>
             </a:fld>
             <a:endParaRPr/>
           </a:p>
@@ -27977,29 +28408,69 @@
           </a:p>
         </p:txBody>
       </p:sp>
-      <p:pic>
-        <p:nvPicPr>
-          <p:cNvPr id="272" name="图片 5"/>
-          <p:cNvPicPr/>
+      <p:grpSp>
+        <p:nvGrpSpPr>
+          <p:cNvPr id="5" name="组合 4"/>
+          <p:cNvGrpSpPr/>
           <p:nvPr/>
-        </p:nvPicPr>
-        <p:blipFill>
-          <a:blip r:embed="rId2"/>
-          <a:stretch/>
-        </p:blipFill>
-        <p:spPr>
+        </p:nvGrpSpPr>
+        <p:grpSpPr>
           <a:xfrm>
-            <a:off x="179280" y="1652760"/>
-            <a:ext cx="7716960" cy="4944960"/>
+            <a:off x="390783" y="1700280"/>
+            <a:ext cx="8440537" cy="4857291"/>
+            <a:chOff x="390783" y="1700280"/>
+            <a:chExt cx="8440537" cy="4857291"/>
           </a:xfrm>
-          <a:prstGeom prst="rect">
-            <a:avLst/>
-          </a:prstGeom>
-          <a:ln>
-            <a:noFill/>
-          </a:ln>
-        </p:spPr>
-      </p:pic>
+        </p:grpSpPr>
+        <p:pic>
+          <p:nvPicPr>
+            <p:cNvPr id="3" name="图片 2"/>
+            <p:cNvPicPr>
+              <a:picLocks noChangeAspect="1"/>
+            </p:cNvPicPr>
+            <p:nvPr/>
+          </p:nvPicPr>
+          <p:blipFill>
+            <a:blip r:embed="rId2"/>
+            <a:stretch>
+              <a:fillRect/>
+            </a:stretch>
+          </p:blipFill>
+          <p:spPr>
+            <a:xfrm>
+              <a:off x="390783" y="1700280"/>
+              <a:ext cx="4133333" cy="4857291"/>
+            </a:xfrm>
+            <a:prstGeom prst="rect">
+              <a:avLst/>
+            </a:prstGeom>
+          </p:spPr>
+        </p:pic>
+        <p:pic>
+          <p:nvPicPr>
+            <p:cNvPr id="4" name="图片 3"/>
+            <p:cNvPicPr>
+              <a:picLocks noChangeAspect="1"/>
+            </p:cNvPicPr>
+            <p:nvPr/>
+          </p:nvPicPr>
+          <p:blipFill>
+            <a:blip r:embed="rId3"/>
+            <a:stretch>
+              <a:fillRect/>
+            </a:stretch>
+          </p:blipFill>
+          <p:spPr>
+            <a:xfrm>
+              <a:off x="4678939" y="1700280"/>
+              <a:ext cx="4152381" cy="4857291"/>
+            </a:xfrm>
+            <a:prstGeom prst="rect">
+              <a:avLst/>
+            </a:prstGeom>
+          </p:spPr>
+        </p:pic>
+      </p:grpSp>
     </p:spTree>
   </p:cSld>
   <p:clrMapOvr>
@@ -28008,7 +28479,7 @@
 </p:sld>
 </file>
 
-<file path=ppt/slides/slide34.xml><?xml version="1.0" encoding="utf-8"?>
+<file path=ppt/slides/slide35.xml><?xml version="1.0" encoding="utf-8"?>
 <p:sld xmlns:a="http://schemas.openxmlformats.org/drawingml/2006/main" xmlns:r="http://schemas.openxmlformats.org/officeDocument/2006/relationships" xmlns:p="http://schemas.openxmlformats.org/presentationml/2006/main">
   <p:cSld>
     <p:spTree>
@@ -28069,7 +28540,7 @@
               <a:rPr lang="en-US" sz="1600">
                 <a:latin typeface="Arial"/>
               </a:rPr>
-              <a:t>34</a:t>
+              <a:t>35</a:t>
             </a:fld>
             <a:endParaRPr/>
           </a:p>
@@ -28235,7 +28706,7 @@
 </p:sld>
 </file>
 
-<file path=ppt/slides/slide35.xml><?xml version="1.0" encoding="utf-8"?>
+<file path=ppt/slides/slide36.xml><?xml version="1.0" encoding="utf-8"?>
 <p:sld xmlns:a="http://schemas.openxmlformats.org/drawingml/2006/main" xmlns:r="http://schemas.openxmlformats.org/officeDocument/2006/relationships" xmlns:p="http://schemas.openxmlformats.org/presentationml/2006/main">
   <p:cSld>
     <p:spTree>
@@ -28597,7 +29068,7 @@
               <a:rPr lang="en-US" sz="1600">
                 <a:latin typeface="Arial"/>
               </a:rPr>
-              <a:t>35</a:t>
+              <a:t>36</a:t>
             </a:fld>
             <a:endParaRPr/>
           </a:p>
@@ -28945,7 +29416,7 @@
 </p:sld>
 </file>
 
-<file path=ppt/slides/slide36.xml><?xml version="1.0" encoding="utf-8"?>
+<file path=ppt/slides/slide37.xml><?xml version="1.0" encoding="utf-8"?>
 <p:sld xmlns:a="http://schemas.openxmlformats.org/drawingml/2006/main" xmlns:r="http://schemas.openxmlformats.org/officeDocument/2006/relationships" xmlns:p="http://schemas.openxmlformats.org/presentationml/2006/main">
   <p:cSld>
     <p:spTree>
@@ -29157,7 +29628,7 @@
               <a:rPr lang="en-US" sz="1600">
                 <a:latin typeface="Arial"/>
               </a:rPr>
-              <a:t>36</a:t>
+              <a:t>37</a:t>
             </a:fld>
             <a:endParaRPr/>
           </a:p>
@@ -29607,7 +30078,7 @@
 </p:sld>
 </file>
 
-<file path=ppt/slides/slide37.xml><?xml version="1.0" encoding="utf-8"?>
+<file path=ppt/slides/slide38.xml><?xml version="1.0" encoding="utf-8"?>
 <p:sld xmlns:a="http://schemas.openxmlformats.org/drawingml/2006/main" xmlns:r="http://schemas.openxmlformats.org/officeDocument/2006/relationships" xmlns:p="http://schemas.openxmlformats.org/presentationml/2006/main">
   <p:cSld>
     <p:spTree>
@@ -29833,7 +30304,7 @@
               <a:rPr lang="en-US" sz="1600">
                 <a:latin typeface="Arial"/>
               </a:rPr>
-              <a:t>37</a:t>
+              <a:t>38</a:t>
             </a:fld>
             <a:endParaRPr/>
           </a:p>
@@ -29858,7 +30329,7 @@
             </a:avLst>
           </a:prstGeom>
           <a:solidFill>
-            <a:srgbClr val="0070C0"/>
+            <a:srgbClr val="FFC000"/>
           </a:solidFill>
           <a:ln/>
         </p:spPr>
@@ -30477,7 +30948,7 @@
 </p:sld>
 </file>
 
-<file path=ppt/slides/slide38.xml><?xml version="1.0" encoding="utf-8"?>
+<file path=ppt/slides/slide39.xml><?xml version="1.0" encoding="utf-8"?>
 <p:sld xmlns:a="http://schemas.openxmlformats.org/drawingml/2006/main" xmlns:r="http://schemas.openxmlformats.org/officeDocument/2006/relationships" xmlns:p="http://schemas.openxmlformats.org/presentationml/2006/main">
   <p:cSld>
     <p:spTree>
@@ -30647,7 +31118,7 @@
               <a:rPr lang="en-US" sz="1600">
                 <a:latin typeface="Arial"/>
               </a:rPr>
-              <a:t>38</a:t>
+              <a:t>39</a:t>
             </a:fld>
             <a:endParaRPr/>
           </a:p>
@@ -32188,238 +32659,6 @@
 </p:sld>
 </file>
 
-<file path=ppt/slides/slide39.xml><?xml version="1.0" encoding="utf-8"?>
-<p:sld xmlns:a="http://schemas.openxmlformats.org/drawingml/2006/main" xmlns:r="http://schemas.openxmlformats.org/officeDocument/2006/relationships" xmlns:p="http://schemas.openxmlformats.org/presentationml/2006/main">
-  <p:cSld>
-    <p:spTree>
-      <p:nvGrpSpPr>
-        <p:cNvPr id="1" name=""/>
-        <p:cNvGrpSpPr/>
-        <p:nvPr/>
-      </p:nvGrpSpPr>
-      <p:grpSpPr>
-        <a:xfrm>
-          <a:off x="0" y="0"/>
-          <a:ext cx="0" cy="0"/>
-          <a:chOff x="0" y="0"/>
-          <a:chExt cx="0" cy="0"/>
-        </a:xfrm>
-      </p:grpSpPr>
-      <p:sp>
-        <p:nvSpPr>
-          <p:cNvPr id="300" name="TextShape 1"/>
-          <p:cNvSpPr txBox="1"/>
-          <p:nvPr/>
-        </p:nvSpPr>
-        <p:spPr>
-          <a:xfrm>
-            <a:off x="1042920" y="404280"/>
-            <a:ext cx="5616720" cy="576360"/>
-          </a:xfrm>
-          <a:prstGeom prst="rect">
-            <a:avLst/>
-          </a:prstGeom>
-          <a:noFill/>
-          <a:ln>
-            <a:noFill/>
-          </a:ln>
-        </p:spPr>
-        <p:txBody>
-          <a:bodyPr anchor="b"/>
-          <a:lstStyle/>
-          <a:p>
-            <a:pPr algn="ctr">
-              <a:lnSpc>
-                <a:spcPct val="100000"/>
-              </a:lnSpc>
-            </a:pPr>
-            <a:r>
-              <a:rPr lang="en-US" altLang="zh-CN" sz="3200" b="1" dirty="0">
-                <a:latin typeface="华文中宋"/>
-                <a:ea typeface="华文中宋"/>
-              </a:rPr>
-              <a:t>Shuffle</a:t>
-            </a:r>
-            <a:r>
-              <a:rPr lang="zh-CN" altLang="en-US" sz="3200" b="1" dirty="0">
-                <a:latin typeface="华文中宋"/>
-                <a:ea typeface="华文中宋"/>
-              </a:rPr>
-              <a:t>改进实验结果</a:t>
-            </a:r>
-            <a:endParaRPr lang="zh-CN" altLang="en-US" sz="3200" b="1" dirty="0"/>
-          </a:p>
-        </p:txBody>
-      </p:sp>
-      <p:sp>
-        <p:nvSpPr>
-          <p:cNvPr id="301" name="CustomShape 2"/>
-          <p:cNvSpPr/>
-          <p:nvPr/>
-        </p:nvSpPr>
-        <p:spPr>
-          <a:xfrm>
-            <a:off x="7524720" y="6284880"/>
-            <a:ext cx="933480" cy="457200"/>
-          </a:xfrm>
-          <a:prstGeom prst="rect">
-            <a:avLst/>
-          </a:prstGeom>
-          <a:noFill/>
-          <a:ln>
-            <a:noFill/>
-          </a:ln>
-        </p:spPr>
-        <p:style>
-          <a:lnRef idx="0">
-            <a:scrgbClr r="0" g="0" b="0"/>
-          </a:lnRef>
-          <a:fillRef idx="0">
-            <a:scrgbClr r="0" g="0" b="0"/>
-          </a:fillRef>
-          <a:effectRef idx="0">
-            <a:scrgbClr r="0" g="0" b="0"/>
-          </a:effectRef>
-          <a:fontRef idx="minor"/>
-        </p:style>
-        <p:txBody>
-          <a:bodyPr lIns="90000" tIns="46800" rIns="90000" bIns="46800"/>
-          <a:lstStyle/>
-          <a:p>
-            <a:pPr algn="r">
-              <a:lnSpc>
-                <a:spcPct val="100000"/>
-              </a:lnSpc>
-            </a:pPr>
-            <a:fld id="{7AB4D944-B2B5-4A7E-B5AB-B68CE312C905}" type="slidenum">
-              <a:rPr lang="en-US" sz="1600">
-                <a:latin typeface="Arial"/>
-              </a:rPr>
-              <a:t>39</a:t>
-            </a:fld>
-            <a:endParaRPr/>
-          </a:p>
-        </p:txBody>
-      </p:sp>
-      <p:sp>
-        <p:nvSpPr>
-          <p:cNvPr id="302" name="CustomShape 3"/>
-          <p:cNvSpPr/>
-          <p:nvPr/>
-        </p:nvSpPr>
-        <p:spPr>
-          <a:xfrm>
-            <a:off x="179280" y="1197000"/>
-            <a:ext cx="4680000" cy="431640"/>
-          </a:xfrm>
-          <a:prstGeom prst="rect">
-            <a:avLst/>
-          </a:prstGeom>
-          <a:noFill/>
-          <a:ln>
-            <a:noFill/>
-          </a:ln>
-        </p:spPr>
-        <p:style>
-          <a:lnRef idx="0">
-            <a:scrgbClr r="0" g="0" b="0"/>
-          </a:lnRef>
-          <a:fillRef idx="0">
-            <a:scrgbClr r="0" g="0" b="0"/>
-          </a:fillRef>
-          <a:effectRef idx="0">
-            <a:scrgbClr r="0" g="0" b="0"/>
-          </a:effectRef>
-          <a:fontRef idx="minor"/>
-        </p:style>
-        <p:txBody>
-          <a:bodyPr lIns="90000" tIns="46800" rIns="90000" bIns="46800"/>
-          <a:lstStyle/>
-          <a:p>
-            <a:pPr>
-              <a:lnSpc>
-                <a:spcPct val="100000"/>
-              </a:lnSpc>
-              <a:buSzPct val="70000"/>
-              <a:buFont typeface="Wingdings" charset="2"/>
-              <a:buChar char=""/>
-            </a:pPr>
-            <a:r>
-              <a:rPr lang="en-US" altLang="zh-CN" sz="2000" dirty="0">
-                <a:latin typeface="华文楷体"/>
-                <a:ea typeface="华文楷体"/>
-              </a:rPr>
-              <a:t> </a:t>
-            </a:r>
-            <a:r>
-              <a:rPr lang="en-US" altLang="zh-CN" sz="2000" dirty="0" err="1">
-                <a:latin typeface="华文楷体"/>
-                <a:ea typeface="华文楷体"/>
-              </a:rPr>
-              <a:t>WordCount</a:t>
-            </a:r>
-            <a:r>
-              <a:rPr lang="zh-CN" sz="2000" dirty="0">
-                <a:latin typeface="华文楷体"/>
-                <a:ea typeface="华文楷体"/>
-              </a:rPr>
-              <a:t>：</a:t>
-            </a:r>
-            <a:r>
-              <a:rPr lang="en-US" altLang="zh-CN" sz="2000" dirty="0">
-                <a:latin typeface="华文楷体"/>
-                <a:ea typeface="华文楷体"/>
-              </a:rPr>
-              <a:t>5</a:t>
-            </a:r>
-            <a:r>
-              <a:rPr lang="en-US" sz="2000" dirty="0">
-                <a:latin typeface="华文楷体"/>
-                <a:ea typeface="华文楷体"/>
-              </a:rPr>
-              <a:t>0G</a:t>
-            </a:r>
-            <a:r>
-              <a:rPr lang="zh-CN" sz="2000" dirty="0">
-                <a:latin typeface="华文楷体"/>
-                <a:ea typeface="华文楷体"/>
-              </a:rPr>
-              <a:t>数据</a:t>
-            </a:r>
-            <a:endParaRPr dirty="0"/>
-          </a:p>
-        </p:txBody>
-      </p:sp>
-      <p:pic>
-        <p:nvPicPr>
-          <p:cNvPr id="6" name="图片 5"/>
-          <p:cNvPicPr/>
-          <p:nvPr/>
-        </p:nvPicPr>
-        <p:blipFill>
-          <a:blip r:embed="rId2"/>
-          <a:stretch>
-            <a:fillRect/>
-          </a:stretch>
-        </p:blipFill>
-        <p:spPr>
-          <a:xfrm>
-            <a:off x="521537" y="1628639"/>
-            <a:ext cx="7850567" cy="4510903"/>
-          </a:xfrm>
-          <a:prstGeom prst="rect">
-            <a:avLst/>
-          </a:prstGeom>
-        </p:spPr>
-      </p:pic>
-    </p:spTree>
-  </p:cSld>
-  <p:clrMapOvr>
-    <a:masterClrMapping/>
-  </p:clrMapOvr>
-</p:sld>
-</file>
-
 <file path=ppt/slides/slide4.xml><?xml version="1.0" encoding="utf-8"?>
 <p:sld xmlns:a="http://schemas.openxmlformats.org/drawingml/2006/main" xmlns:r="http://schemas.openxmlformats.org/officeDocument/2006/relationships" xmlns:p="http://schemas.openxmlformats.org/presentationml/2006/main">
   <p:cSld>
@@ -33185,6 +33424,238 @@
       </p:grpSpPr>
       <p:sp>
         <p:nvSpPr>
+          <p:cNvPr id="300" name="TextShape 1"/>
+          <p:cNvSpPr txBox="1"/>
+          <p:nvPr/>
+        </p:nvSpPr>
+        <p:spPr>
+          <a:xfrm>
+            <a:off x="1042920" y="404280"/>
+            <a:ext cx="5616720" cy="576360"/>
+          </a:xfrm>
+          <a:prstGeom prst="rect">
+            <a:avLst/>
+          </a:prstGeom>
+          <a:noFill/>
+          <a:ln>
+            <a:noFill/>
+          </a:ln>
+        </p:spPr>
+        <p:txBody>
+          <a:bodyPr anchor="b"/>
+          <a:lstStyle/>
+          <a:p>
+            <a:pPr algn="ctr">
+              <a:lnSpc>
+                <a:spcPct val="100000"/>
+              </a:lnSpc>
+            </a:pPr>
+            <a:r>
+              <a:rPr lang="en-US" altLang="zh-CN" sz="3200" b="1" dirty="0">
+                <a:latin typeface="华文中宋"/>
+                <a:ea typeface="华文中宋"/>
+              </a:rPr>
+              <a:t>Shuffle</a:t>
+            </a:r>
+            <a:r>
+              <a:rPr lang="zh-CN" altLang="en-US" sz="3200" b="1" dirty="0">
+                <a:latin typeface="华文中宋"/>
+                <a:ea typeface="华文中宋"/>
+              </a:rPr>
+              <a:t>改进实验结果</a:t>
+            </a:r>
+            <a:endParaRPr lang="zh-CN" altLang="en-US" sz="3200" b="1" dirty="0"/>
+          </a:p>
+        </p:txBody>
+      </p:sp>
+      <p:sp>
+        <p:nvSpPr>
+          <p:cNvPr id="301" name="CustomShape 2"/>
+          <p:cNvSpPr/>
+          <p:nvPr/>
+        </p:nvSpPr>
+        <p:spPr>
+          <a:xfrm>
+            <a:off x="7524720" y="6284880"/>
+            <a:ext cx="933480" cy="457200"/>
+          </a:xfrm>
+          <a:prstGeom prst="rect">
+            <a:avLst/>
+          </a:prstGeom>
+          <a:noFill/>
+          <a:ln>
+            <a:noFill/>
+          </a:ln>
+        </p:spPr>
+        <p:style>
+          <a:lnRef idx="0">
+            <a:scrgbClr r="0" g="0" b="0"/>
+          </a:lnRef>
+          <a:fillRef idx="0">
+            <a:scrgbClr r="0" g="0" b="0"/>
+          </a:fillRef>
+          <a:effectRef idx="0">
+            <a:scrgbClr r="0" g="0" b="0"/>
+          </a:effectRef>
+          <a:fontRef idx="minor"/>
+        </p:style>
+        <p:txBody>
+          <a:bodyPr lIns="90000" tIns="46800" rIns="90000" bIns="46800"/>
+          <a:lstStyle/>
+          <a:p>
+            <a:pPr algn="r">
+              <a:lnSpc>
+                <a:spcPct val="100000"/>
+              </a:lnSpc>
+            </a:pPr>
+            <a:fld id="{7AB4D944-B2B5-4A7E-B5AB-B68CE312C905}" type="slidenum">
+              <a:rPr lang="en-US" sz="1600">
+                <a:latin typeface="Arial"/>
+              </a:rPr>
+              <a:t>40</a:t>
+            </a:fld>
+            <a:endParaRPr/>
+          </a:p>
+        </p:txBody>
+      </p:sp>
+      <p:sp>
+        <p:nvSpPr>
+          <p:cNvPr id="302" name="CustomShape 3"/>
+          <p:cNvSpPr/>
+          <p:nvPr/>
+        </p:nvSpPr>
+        <p:spPr>
+          <a:xfrm>
+            <a:off x="179280" y="1197000"/>
+            <a:ext cx="4680000" cy="431640"/>
+          </a:xfrm>
+          <a:prstGeom prst="rect">
+            <a:avLst/>
+          </a:prstGeom>
+          <a:noFill/>
+          <a:ln>
+            <a:noFill/>
+          </a:ln>
+        </p:spPr>
+        <p:style>
+          <a:lnRef idx="0">
+            <a:scrgbClr r="0" g="0" b="0"/>
+          </a:lnRef>
+          <a:fillRef idx="0">
+            <a:scrgbClr r="0" g="0" b="0"/>
+          </a:fillRef>
+          <a:effectRef idx="0">
+            <a:scrgbClr r="0" g="0" b="0"/>
+          </a:effectRef>
+          <a:fontRef idx="minor"/>
+        </p:style>
+        <p:txBody>
+          <a:bodyPr lIns="90000" tIns="46800" rIns="90000" bIns="46800"/>
+          <a:lstStyle/>
+          <a:p>
+            <a:pPr>
+              <a:lnSpc>
+                <a:spcPct val="100000"/>
+              </a:lnSpc>
+              <a:buSzPct val="70000"/>
+              <a:buFont typeface="Wingdings" charset="2"/>
+              <a:buChar char=""/>
+            </a:pPr>
+            <a:r>
+              <a:rPr lang="en-US" altLang="zh-CN" sz="2000" dirty="0">
+                <a:latin typeface="华文楷体"/>
+                <a:ea typeface="华文楷体"/>
+              </a:rPr>
+              <a:t> </a:t>
+            </a:r>
+            <a:r>
+              <a:rPr lang="en-US" altLang="zh-CN" sz="2000" dirty="0" err="1">
+                <a:latin typeface="华文楷体"/>
+                <a:ea typeface="华文楷体"/>
+              </a:rPr>
+              <a:t>WordCount</a:t>
+            </a:r>
+            <a:r>
+              <a:rPr lang="zh-CN" sz="2000" dirty="0">
+                <a:latin typeface="华文楷体"/>
+                <a:ea typeface="华文楷体"/>
+              </a:rPr>
+              <a:t>：</a:t>
+            </a:r>
+            <a:r>
+              <a:rPr lang="en-US" altLang="zh-CN" sz="2000" dirty="0">
+                <a:latin typeface="华文楷体"/>
+                <a:ea typeface="华文楷体"/>
+              </a:rPr>
+              <a:t>5</a:t>
+            </a:r>
+            <a:r>
+              <a:rPr lang="en-US" sz="2000" dirty="0">
+                <a:latin typeface="华文楷体"/>
+                <a:ea typeface="华文楷体"/>
+              </a:rPr>
+              <a:t>0G</a:t>
+            </a:r>
+            <a:r>
+              <a:rPr lang="zh-CN" sz="2000" dirty="0">
+                <a:latin typeface="华文楷体"/>
+                <a:ea typeface="华文楷体"/>
+              </a:rPr>
+              <a:t>数据</a:t>
+            </a:r>
+            <a:endParaRPr dirty="0"/>
+          </a:p>
+        </p:txBody>
+      </p:sp>
+      <p:pic>
+        <p:nvPicPr>
+          <p:cNvPr id="6" name="图片 5"/>
+          <p:cNvPicPr/>
+          <p:nvPr/>
+        </p:nvPicPr>
+        <p:blipFill>
+          <a:blip r:embed="rId2"/>
+          <a:stretch>
+            <a:fillRect/>
+          </a:stretch>
+        </p:blipFill>
+        <p:spPr>
+          <a:xfrm>
+            <a:off x="521537" y="1628639"/>
+            <a:ext cx="7850567" cy="4510903"/>
+          </a:xfrm>
+          <a:prstGeom prst="rect">
+            <a:avLst/>
+          </a:prstGeom>
+        </p:spPr>
+      </p:pic>
+    </p:spTree>
+  </p:cSld>
+  <p:clrMapOvr>
+    <a:masterClrMapping/>
+  </p:clrMapOvr>
+</p:sld>
+</file>
+
+<file path=ppt/slides/slide41.xml><?xml version="1.0" encoding="utf-8"?>
+<p:sld xmlns:a="http://schemas.openxmlformats.org/drawingml/2006/main" xmlns:r="http://schemas.openxmlformats.org/officeDocument/2006/relationships" xmlns:p="http://schemas.openxmlformats.org/presentationml/2006/main">
+  <p:cSld>
+    <p:spTree>
+      <p:nvGrpSpPr>
+        <p:cNvPr id="1" name=""/>
+        <p:cNvGrpSpPr/>
+        <p:nvPr/>
+      </p:nvGrpSpPr>
+      <p:grpSpPr>
+        <a:xfrm>
+          <a:off x="0" y="0"/>
+          <a:ext cx="0" cy="0"/>
+          <a:chOff x="0" y="0"/>
+          <a:chExt cx="0" cy="0"/>
+        </a:xfrm>
+      </p:grpSpPr>
+      <p:sp>
+        <p:nvSpPr>
           <p:cNvPr id="186" name="CustomShape 1"/>
           <p:cNvSpPr/>
           <p:nvPr/>
@@ -33227,7 +33698,7 @@
               <a:rPr lang="en-US" sz="1600">
                 <a:latin typeface="Arial"/>
               </a:rPr>
-              <a:t>40</a:t>
+              <a:t>41</a:t>
             </a:fld>
             <a:endParaRPr/>
           </a:p>
@@ -33373,8 +33844,8 @@
 </p:sld>
 </file>
 
-<file path=ppt/slides/slide41.xml><?xml version="1.0" encoding="utf-8"?>
-<p:sld xmlns:a="http://schemas.openxmlformats.org/drawingml/2006/main" xmlns:r="http://schemas.openxmlformats.org/officeDocument/2006/relationships" xmlns:p="http://schemas.openxmlformats.org/presentationml/2006/main" show="0">
+<file path=ppt/slides/slide42.xml><?xml version="1.0" encoding="utf-8"?>
+<p:sld xmlns:a="http://schemas.openxmlformats.org/drawingml/2006/main" xmlns:r="http://schemas.openxmlformats.org/officeDocument/2006/relationships" xmlns:p="http://schemas.openxmlformats.org/presentationml/2006/main">
   <p:cSld>
     <p:spTree>
       <p:nvGrpSpPr>
@@ -33613,7 +34084,7 @@
               <a:rPr lang="en-US" sz="1600">
                 <a:latin typeface="Arial"/>
               </a:rPr>
-              <a:t>41</a:t>
+              <a:t>42</a:t>
             </a:fld>
             <a:endParaRPr/>
           </a:p>
@@ -33852,8 +34323,8 @@
 </p:sld>
 </file>
 
-<file path=ppt/slides/slide42.xml><?xml version="1.0" encoding="utf-8"?>
-<p:sld xmlns:a="http://schemas.openxmlformats.org/drawingml/2006/main" xmlns:r="http://schemas.openxmlformats.org/officeDocument/2006/relationships" xmlns:p="http://schemas.openxmlformats.org/presentationml/2006/main" show="0">
+<file path=ppt/slides/slide43.xml><?xml version="1.0" encoding="utf-8"?>
+<p:sld xmlns:a="http://schemas.openxmlformats.org/drawingml/2006/main" xmlns:r="http://schemas.openxmlformats.org/officeDocument/2006/relationships" xmlns:p="http://schemas.openxmlformats.org/presentationml/2006/main">
   <p:cSld>
     <p:spTree>
       <p:nvGrpSpPr>
@@ -33871,14 +34342,14 @@
       </p:grpSpPr>
       <p:sp>
         <p:nvSpPr>
-          <p:cNvPr id="304" name="TextShape 1"/>
+          <p:cNvPr id="142" name="TextShape 1"/>
           <p:cNvSpPr txBox="1"/>
           <p:nvPr/>
         </p:nvSpPr>
         <p:spPr>
           <a:xfrm>
-            <a:off x="1042920" y="344905"/>
-            <a:ext cx="5785392" cy="576360"/>
+            <a:off x="1042920" y="404280"/>
+            <a:ext cx="5616720" cy="576360"/>
           </a:xfrm>
           <a:prstGeom prst="rect">
             <a:avLst/>
@@ -33898,85 +34369,82 @@
               </a:lnSpc>
             </a:pPr>
             <a:r>
-              <a:rPr lang="zh-CN" altLang="en-US" sz="2800" b="1" dirty="0">
-                <a:solidFill>
-                  <a:srgbClr val="000000"/>
-                </a:solidFill>
+              <a:rPr lang="en-US" sz="3200" b="1" dirty="0">
                 <a:latin typeface="华文中宋"/>
                 <a:ea typeface="华文中宋"/>
               </a:rPr>
-              <a:t>基于改进的</a:t>
-            </a:r>
-            <a:r>
-              <a:rPr lang="en-US" altLang="zh-CN" sz="2800" b="1" dirty="0">
-                <a:solidFill>
-                  <a:srgbClr val="000000"/>
-                </a:solidFill>
+              <a:t>PKTM</a:t>
+            </a:r>
+            <a:r>
+              <a:rPr lang="zh-CN" altLang="en-US" sz="3200" b="1" dirty="0">
                 <a:latin typeface="华文中宋"/>
                 <a:ea typeface="华文中宋"/>
               </a:rPr>
-              <a:t>YARN</a:t>
-            </a:r>
-            <a:r>
-              <a:rPr lang="zh-CN" altLang="en-US" sz="2800" b="1" dirty="0">
-                <a:solidFill>
-                  <a:srgbClr val="000000"/>
-                </a:solidFill>
-                <a:latin typeface="华文中宋"/>
-                <a:ea typeface="华文中宋"/>
-              </a:rPr>
-              <a:t>平台的</a:t>
-            </a:r>
-            <a:r>
-              <a:rPr lang="en-US" altLang="zh-CN" sz="2800" b="1" dirty="0">
-                <a:solidFill>
-                  <a:srgbClr val="000000"/>
-                </a:solidFill>
-                <a:latin typeface="华文中宋"/>
-                <a:ea typeface="华文中宋"/>
-              </a:rPr>
-              <a:t>PKTM</a:t>
-            </a:r>
-            <a:r>
-              <a:rPr lang="zh-CN" altLang="en-US" sz="2800" b="1" dirty="0">
-                <a:solidFill>
-                  <a:srgbClr val="000000"/>
-                </a:solidFill>
-                <a:latin typeface="华文中宋"/>
-                <a:ea typeface="华文中宋"/>
-              </a:rPr>
-              <a:t>系统</a:t>
-            </a:r>
-            <a:endParaRPr sz="2800" dirty="0"/>
+              <a:t>简介</a:t>
+            </a:r>
+            <a:endParaRPr b="1" dirty="0"/>
           </a:p>
         </p:txBody>
       </p:sp>
-      <p:pic>
-        <p:nvPicPr>
-          <p:cNvPr id="305" name="内容占位符 2"/>
-          <p:cNvPicPr/>
+      <p:sp>
+        <p:nvSpPr>
+          <p:cNvPr id="143" name="TextShape 2"/>
+          <p:cNvSpPr txBox="1"/>
           <p:nvPr/>
-        </p:nvPicPr>
-        <p:blipFill>
-          <a:blip r:embed="rId2"/>
-          <a:stretch/>
-        </p:blipFill>
+        </p:nvSpPr>
         <p:spPr>
           <a:xfrm>
-            <a:off x="55440" y="1195560"/>
-            <a:ext cx="8691840" cy="4900320"/>
+            <a:off x="178920" y="1268280"/>
+            <a:ext cx="8504280" cy="568833"/>
           </a:xfrm>
           <a:prstGeom prst="rect">
             <a:avLst/>
           </a:prstGeom>
+          <a:noFill/>
           <a:ln>
             <a:noFill/>
           </a:ln>
         </p:spPr>
-      </p:pic>
+        <p:txBody>
+          <a:bodyPr/>
+          <a:lstStyle/>
+          <a:p>
+            <a:pPr>
+              <a:lnSpc>
+                <a:spcPct val="100000"/>
+              </a:lnSpc>
+              <a:buSzPct val="70000"/>
+              <a:buFont typeface="Wingdings" charset="2"/>
+              <a:buChar char=""/>
+            </a:pPr>
+            <a:r>
+              <a:rPr lang="en-US" sz="2400" b="1" dirty="0">
+                <a:latin typeface="华文中宋"/>
+                <a:ea typeface="华文中宋"/>
+              </a:rPr>
+              <a:t>PKTM</a:t>
+            </a:r>
+            <a:r>
+              <a:rPr lang="zh-CN" altLang="en-US" sz="2400" b="1" dirty="0">
+                <a:latin typeface="华文中宋"/>
+                <a:ea typeface="华文中宋"/>
+              </a:rPr>
+              <a:t>算法流程</a:t>
+            </a:r>
+            <a:r>
+              <a:rPr lang="zh-CN" sz="2400" b="1" dirty="0">
+                <a:latin typeface="华文中宋"/>
+                <a:ea typeface="华文中宋"/>
+              </a:rPr>
+              <a:t>：</a:t>
+            </a:r>
+            <a:endParaRPr dirty="0"/>
+          </a:p>
+        </p:txBody>
+      </p:sp>
       <p:sp>
         <p:nvSpPr>
-          <p:cNvPr id="306" name="CustomShape 2"/>
+          <p:cNvPr id="144" name="CustomShape 3"/>
           <p:cNvSpPr/>
           <p:nvPr/>
         </p:nvSpPr>
@@ -34014,17 +34482,70 @@
                 <a:spcPct val="100000"/>
               </a:lnSpc>
             </a:pPr>
-            <a:fld id="{82B4CBA2-1EB5-41EA-816D-12ED5E596652}" type="slidenum">
+            <a:fld id="{F802E3C6-0CB4-4CF2-B75B-98FFA8D9F836}" type="slidenum">
               <a:rPr lang="en-US" sz="1600">
                 <a:latin typeface="Arial"/>
               </a:rPr>
-              <a:t>42</a:t>
+              <a:t>43</a:t>
             </a:fld>
             <a:endParaRPr/>
           </a:p>
         </p:txBody>
       </p:sp>
+      <p:pic>
+        <p:nvPicPr>
+          <p:cNvPr id="2" name="图片 1"/>
+          <p:cNvPicPr>
+            <a:picLocks noChangeAspect="1"/>
+          </p:cNvPicPr>
+          <p:nvPr/>
+        </p:nvPicPr>
+        <p:blipFill>
+          <a:blip r:embed="rId2"/>
+          <a:stretch>
+            <a:fillRect/>
+          </a:stretch>
+        </p:blipFill>
+        <p:spPr>
+          <a:xfrm>
+            <a:off x="5253484" y="1434690"/>
+            <a:ext cx="3657917" cy="4291956"/>
+          </a:xfrm>
+          <a:prstGeom prst="rect">
+            <a:avLst/>
+          </a:prstGeom>
+        </p:spPr>
+      </p:pic>
+      <p:pic>
+        <p:nvPicPr>
+          <p:cNvPr id="3" name="图片 2"/>
+          <p:cNvPicPr>
+            <a:picLocks noChangeAspect="1"/>
+          </p:cNvPicPr>
+          <p:nvPr/>
+        </p:nvPicPr>
+        <p:blipFill>
+          <a:blip r:embed="rId3"/>
+          <a:stretch>
+            <a:fillRect/>
+          </a:stretch>
+        </p:blipFill>
+        <p:spPr>
+          <a:xfrm>
+            <a:off x="178920" y="2124753"/>
+            <a:ext cx="4847480" cy="3489540"/>
+          </a:xfrm>
+          <a:prstGeom prst="rect">
+            <a:avLst/>
+          </a:prstGeom>
+        </p:spPr>
+      </p:pic>
     </p:spTree>
+    <p:extLst>
+      <p:ext uri="{BB962C8B-B14F-4D97-AF65-F5344CB8AC3E}">
+        <p14:creationId xmlns:p14="http://schemas.microsoft.com/office/powerpoint/2010/main" val="231426161"/>
+      </p:ext>
+    </p:extLst>
   </p:cSld>
   <p:clrMapOvr>
     <a:masterClrMapping/>
@@ -34032,7 +34553,7 @@
 </p:sld>
 </file>
 
-<file path=ppt/slides/slide43.xml><?xml version="1.0" encoding="utf-8"?>
+<file path=ppt/slides/slide44.xml><?xml version="1.0" encoding="utf-8"?>
 <p:sld xmlns:a="http://schemas.openxmlformats.org/drawingml/2006/main" xmlns:r="http://schemas.openxmlformats.org/officeDocument/2006/relationships" xmlns:p="http://schemas.openxmlformats.org/presentationml/2006/main">
   <p:cSld>
     <p:spTree>
@@ -34176,7 +34697,7 @@
                     <a:latin typeface="华文楷体"/>
                     <a:ea typeface="华文楷体"/>
                   </a:rPr>
-                  <a:t>并行算法主要问题</a:t>
+                  <a:t>分布式算法主要问题</a:t>
                 </a:r>
                 <a:r>
                   <a:rPr lang="zh-CN" sz="2000" dirty="0">
@@ -35279,7 +35800,7 @@
               <a:rPr lang="en-US" sz="1600">
                 <a:latin typeface="Arial"/>
               </a:rPr>
-              <a:t>43</a:t>
+              <a:t>44</a:t>
             </a:fld>
             <a:endParaRPr/>
           </a:p>
@@ -35442,7 +35963,7 @@
 </p:sld>
 </file>
 
-<file path=ppt/slides/slide44.xml><?xml version="1.0" encoding="utf-8"?>
+<file path=ppt/slides/slide45.xml><?xml version="1.0" encoding="utf-8"?>
 <p:sld xmlns:a="http://schemas.openxmlformats.org/drawingml/2006/main" xmlns:r="http://schemas.openxmlformats.org/officeDocument/2006/relationships" xmlns:p="http://schemas.openxmlformats.org/presentationml/2006/main" show="0">
   <p:cSld>
     <p:spTree>
@@ -35638,7 +36159,7 @@
               <a:rPr lang="en-US" sz="1600">
                 <a:latin typeface="Arial"/>
               </a:rPr>
-              <a:t>44</a:t>
+              <a:t>45</a:t>
             </a:fld>
             <a:endParaRPr/>
           </a:p>
@@ -35675,7 +36196,7 @@
 </p:sld>
 </file>
 
-<file path=ppt/slides/slide45.xml><?xml version="1.0" encoding="utf-8"?>
+<file path=ppt/slides/slide46.xml><?xml version="1.0" encoding="utf-8"?>
 <p:sld xmlns:a="http://schemas.openxmlformats.org/drawingml/2006/main" xmlns:r="http://schemas.openxmlformats.org/officeDocument/2006/relationships" xmlns:p="http://schemas.openxmlformats.org/presentationml/2006/main" show="0">
   <p:cSld>
     <p:spTree>
@@ -35871,7 +36392,7 @@
               <a:rPr lang="en-US" sz="1600">
                 <a:latin typeface="Arial"/>
               </a:rPr>
-              <a:t>45</a:t>
+              <a:t>46</a:t>
             </a:fld>
             <a:endParaRPr/>
           </a:p>
@@ -35908,7 +36429,7 @@
 </p:sld>
 </file>
 
-<file path=ppt/slides/slide46.xml><?xml version="1.0" encoding="utf-8"?>
+<file path=ppt/slides/slide47.xml><?xml version="1.0" encoding="utf-8"?>
 <p:sld xmlns:a="http://schemas.openxmlformats.org/drawingml/2006/main" xmlns:r="http://schemas.openxmlformats.org/officeDocument/2006/relationships" xmlns:p="http://schemas.openxmlformats.org/presentationml/2006/main">
   <p:cSld>
     <p:spTree>
@@ -36064,7 +36585,7 @@
               <a:rPr lang="en-US" sz="1600">
                 <a:latin typeface="Arial"/>
               </a:rPr>
-              <a:t>46</a:t>
+              <a:t>47</a:t>
             </a:fld>
             <a:endParaRPr/>
           </a:p>
@@ -37270,7 +37791,7 @@
 </p:sld>
 </file>
 
-<file path=ppt/slides/slide47.xml><?xml version="1.0" encoding="utf-8"?>
+<file path=ppt/slides/slide48.xml><?xml version="1.0" encoding="utf-8"?>
 <p:sld xmlns:a="http://schemas.openxmlformats.org/drawingml/2006/main" xmlns:r="http://schemas.openxmlformats.org/officeDocument/2006/relationships" xmlns:p="http://schemas.openxmlformats.org/presentationml/2006/main">
   <p:cSld>
     <p:spTree>
@@ -37454,7 +37975,7 @@
               <a:rPr lang="en-US" sz="1600">
                 <a:latin typeface="Arial"/>
               </a:rPr>
-              <a:t>47</a:t>
+              <a:t>48</a:t>
             </a:fld>
             <a:endParaRPr/>
           </a:p>
@@ -37742,7 +38263,7 @@
             </a:avLst>
           </a:prstGeom>
           <a:solidFill>
-            <a:srgbClr val="6C711B"/>
+            <a:schemeClr val="accent3"/>
           </a:solidFill>
           <a:ln/>
         </p:spPr>
@@ -38370,7 +38891,7 @@
 </p:sld>
 </file>
 
-<file path=ppt/slides/slide48.xml><?xml version="1.0" encoding="utf-8"?>
+<file path=ppt/slides/slide49.xml><?xml version="1.0" encoding="utf-8"?>
 <p:sld xmlns:a="http://schemas.openxmlformats.org/drawingml/2006/main" xmlns:r="http://schemas.openxmlformats.org/officeDocument/2006/relationships" xmlns:p="http://schemas.openxmlformats.org/presentationml/2006/main">
   <p:cSld>
     <p:spTree>
@@ -38431,7 +38952,7 @@
               <a:rPr lang="en-US" sz="1600">
                 <a:latin typeface="Arial"/>
               </a:rPr>
-              <a:t>48</a:t>
+              <a:t>49</a:t>
             </a:fld>
             <a:endParaRPr/>
           </a:p>
@@ -38806,577 +39327,6 @@
         <p14:creationId xmlns:p14="http://schemas.microsoft.com/office/powerpoint/2010/main" val="2923551843"/>
       </p:ext>
     </p:extLst>
-  </p:cSld>
-  <p:clrMapOvr>
-    <a:masterClrMapping/>
-  </p:clrMapOvr>
-</p:sld>
-</file>
-
-<file path=ppt/slides/slide49.xml><?xml version="1.0" encoding="utf-8"?>
-<p:sld xmlns:a="http://schemas.openxmlformats.org/drawingml/2006/main" xmlns:r="http://schemas.openxmlformats.org/officeDocument/2006/relationships" xmlns:p="http://schemas.openxmlformats.org/presentationml/2006/main">
-  <p:cSld>
-    <p:spTree>
-      <p:nvGrpSpPr>
-        <p:cNvPr id="1" name=""/>
-        <p:cNvGrpSpPr/>
-        <p:nvPr/>
-      </p:nvGrpSpPr>
-      <p:grpSpPr>
-        <a:xfrm>
-          <a:off x="0" y="0"/>
-          <a:ext cx="0" cy="0"/>
-          <a:chOff x="0" y="0"/>
-          <a:chExt cx="0" cy="0"/>
-        </a:xfrm>
-      </p:grpSpPr>
-      <p:sp>
-        <p:nvSpPr>
-          <p:cNvPr id="339" name="TextShape 1"/>
-          <p:cNvSpPr txBox="1"/>
-          <p:nvPr/>
-        </p:nvSpPr>
-        <p:spPr>
-          <a:xfrm>
-            <a:off x="1042920" y="404280"/>
-            <a:ext cx="5616720" cy="576360"/>
-          </a:xfrm>
-          <a:prstGeom prst="rect">
-            <a:avLst/>
-          </a:prstGeom>
-          <a:noFill/>
-          <a:ln>
-            <a:noFill/>
-          </a:ln>
-        </p:spPr>
-        <p:txBody>
-          <a:bodyPr anchor="b"/>
-          <a:lstStyle/>
-          <a:p>
-            <a:pPr algn="ctr">
-              <a:lnSpc>
-                <a:spcPct val="100000"/>
-              </a:lnSpc>
-            </a:pPr>
-            <a:r>
-              <a:rPr lang="zh-CN" sz="3200" b="1" dirty="0">
-                <a:latin typeface="华文中宋"/>
-                <a:ea typeface="华文中宋"/>
-              </a:rPr>
-              <a:t>总结</a:t>
-            </a:r>
-            <a:endParaRPr b="1" dirty="0"/>
-          </a:p>
-        </p:txBody>
-      </p:sp>
-      <p:sp>
-        <p:nvSpPr>
-          <p:cNvPr id="341" name="CustomShape 3"/>
-          <p:cNvSpPr/>
-          <p:nvPr/>
-        </p:nvSpPr>
-        <p:spPr>
-          <a:xfrm>
-            <a:off x="7524720" y="6284880"/>
-            <a:ext cx="933480" cy="457200"/>
-          </a:xfrm>
-          <a:prstGeom prst="rect">
-            <a:avLst/>
-          </a:prstGeom>
-          <a:noFill/>
-          <a:ln>
-            <a:noFill/>
-          </a:ln>
-        </p:spPr>
-        <p:style>
-          <a:lnRef idx="0">
-            <a:scrgbClr r="0" g="0" b="0"/>
-          </a:lnRef>
-          <a:fillRef idx="0">
-            <a:scrgbClr r="0" g="0" b="0"/>
-          </a:fillRef>
-          <a:effectRef idx="0">
-            <a:scrgbClr r="0" g="0" b="0"/>
-          </a:effectRef>
-          <a:fontRef idx="minor"/>
-        </p:style>
-        <p:txBody>
-          <a:bodyPr lIns="90000" tIns="46800" rIns="90000" bIns="46800"/>
-          <a:lstStyle/>
-          <a:p>
-            <a:pPr algn="r">
-              <a:lnSpc>
-                <a:spcPct val="100000"/>
-              </a:lnSpc>
-            </a:pPr>
-            <a:fld id="{80CAEB57-AD67-4CC2-9A33-D5D5F7EB4BE0}" type="slidenum">
-              <a:rPr lang="en-US" sz="1600">
-                <a:latin typeface="Arial"/>
-              </a:rPr>
-              <a:t>49</a:t>
-            </a:fld>
-            <a:endParaRPr/>
-          </a:p>
-        </p:txBody>
-      </p:sp>
-      <p:sp>
-        <p:nvSpPr>
-          <p:cNvPr id="5" name="圆角矩形 4"/>
-          <p:cNvSpPr/>
-          <p:nvPr/>
-        </p:nvSpPr>
-        <p:spPr>
-          <a:xfrm>
-            <a:off x="1948738" y="2473730"/>
-            <a:ext cx="5853349" cy="976098"/>
-          </a:xfrm>
-          <a:prstGeom prst="roundRect">
-            <a:avLst/>
-          </a:prstGeom>
-        </p:spPr>
-        <p:style>
-          <a:lnRef idx="3">
-            <a:schemeClr val="lt1"/>
-          </a:lnRef>
-          <a:fillRef idx="1">
-            <a:schemeClr val="accent6"/>
-          </a:fillRef>
-          <a:effectRef idx="1">
-            <a:schemeClr val="accent6"/>
-          </a:effectRef>
-          <a:fontRef idx="minor">
-            <a:schemeClr val="lt1"/>
-          </a:fontRef>
-        </p:style>
-        <p:txBody>
-          <a:bodyPr rtlCol="0" anchor="ctr"/>
-          <a:lstStyle/>
-          <a:p>
-            <a:pPr algn="ctr"/>
-            <a:r>
-              <a:rPr lang="zh-CN" altLang="en-US" sz="2000" b="1" dirty="0">
-                <a:solidFill>
-                  <a:srgbClr val="000000"/>
-                </a:solidFill>
-                <a:latin typeface="华文中宋"/>
-                <a:ea typeface="华文中宋"/>
-              </a:rPr>
-              <a:t>提出一种基于人工鱼群算法的</a:t>
-            </a:r>
-            <a:r>
-              <a:rPr lang="en-US" altLang="zh-CN" sz="2000" b="1" dirty="0">
-                <a:solidFill>
-                  <a:srgbClr val="000000"/>
-                </a:solidFill>
-                <a:latin typeface="华文中宋"/>
-                <a:ea typeface="华文中宋"/>
-              </a:rPr>
-              <a:t>YARN</a:t>
-            </a:r>
-            <a:r>
-              <a:rPr lang="zh-CN" altLang="en-US" sz="2000" b="1" dirty="0">
-                <a:solidFill>
-                  <a:srgbClr val="000000"/>
-                </a:solidFill>
-                <a:latin typeface="华文中宋"/>
-                <a:ea typeface="华文中宋"/>
-              </a:rPr>
-              <a:t>资源调度器</a:t>
-            </a:r>
-            <a:endParaRPr lang="zh-CN" altLang="en-US" sz="2000" b="1" dirty="0"/>
-          </a:p>
-        </p:txBody>
-      </p:sp>
-      <p:sp>
-        <p:nvSpPr>
-          <p:cNvPr id="6" name="圆角矩形 5"/>
-          <p:cNvSpPr/>
-          <p:nvPr/>
-        </p:nvSpPr>
-        <p:spPr>
-          <a:xfrm>
-            <a:off x="1948739" y="3646562"/>
-            <a:ext cx="5853348" cy="955963"/>
-          </a:xfrm>
-          <a:prstGeom prst="roundRect">
-            <a:avLst/>
-          </a:prstGeom>
-        </p:spPr>
-        <p:style>
-          <a:lnRef idx="3">
-            <a:schemeClr val="lt1"/>
-          </a:lnRef>
-          <a:fillRef idx="1">
-            <a:schemeClr val="accent3"/>
-          </a:fillRef>
-          <a:effectRef idx="1">
-            <a:schemeClr val="accent3"/>
-          </a:effectRef>
-          <a:fontRef idx="minor">
-            <a:schemeClr val="lt1"/>
-          </a:fontRef>
-        </p:style>
-        <p:txBody>
-          <a:bodyPr rtlCol="0" anchor="ctr"/>
-          <a:lstStyle/>
-          <a:p>
-            <a:pPr algn="ctr"/>
-            <a:r>
-              <a:rPr lang="zh-CN" altLang="en-US" sz="2000" b="1" dirty="0">
-                <a:solidFill>
-                  <a:srgbClr val="000000"/>
-                </a:solidFill>
-                <a:latin typeface="华文中宋"/>
-                <a:ea typeface="华文中宋"/>
-              </a:rPr>
-              <a:t>提出基于</a:t>
-            </a:r>
-            <a:r>
-              <a:rPr lang="en-US" altLang="zh-CN" sz="2000" b="1" dirty="0">
-                <a:solidFill>
-                  <a:srgbClr val="000000"/>
-                </a:solidFill>
-                <a:latin typeface="华文中宋"/>
-                <a:ea typeface="华文中宋"/>
-              </a:rPr>
-              <a:t>RDMA</a:t>
-            </a:r>
-            <a:r>
-              <a:rPr lang="zh-CN" altLang="en-US" sz="2000" b="1" dirty="0">
-                <a:solidFill>
-                  <a:srgbClr val="000000"/>
-                </a:solidFill>
-                <a:latin typeface="华文中宋"/>
-                <a:ea typeface="华文中宋"/>
-              </a:rPr>
-              <a:t>传输协议的</a:t>
-            </a:r>
-            <a:r>
-              <a:rPr lang="en-US" altLang="zh-CN" sz="2000" b="1" dirty="0">
-                <a:solidFill>
-                  <a:srgbClr val="000000"/>
-                </a:solidFill>
-                <a:latin typeface="华文中宋"/>
-                <a:ea typeface="华文中宋"/>
-              </a:rPr>
-              <a:t>YARN</a:t>
-            </a:r>
-            <a:r>
-              <a:rPr lang="zh-CN" altLang="en-US" sz="2000" b="1" dirty="0">
-                <a:solidFill>
-                  <a:srgbClr val="000000"/>
-                </a:solidFill>
-                <a:latin typeface="华文中宋"/>
-                <a:ea typeface="华文中宋"/>
-              </a:rPr>
-              <a:t>平台</a:t>
-            </a:r>
-            <a:r>
-              <a:rPr lang="en-US" altLang="zh-CN" sz="2000" b="1" dirty="0">
-                <a:solidFill>
-                  <a:srgbClr val="000000"/>
-                </a:solidFill>
-                <a:latin typeface="华文中宋"/>
-                <a:ea typeface="华文中宋"/>
-              </a:rPr>
-              <a:t>Shuffle</a:t>
-            </a:r>
-            <a:r>
-              <a:rPr lang="zh-CN" altLang="en-US" sz="2000" b="1" dirty="0">
-                <a:solidFill>
-                  <a:srgbClr val="000000"/>
-                </a:solidFill>
-                <a:latin typeface="华文中宋"/>
-                <a:ea typeface="华文中宋"/>
-              </a:rPr>
-              <a:t>算法改进</a:t>
-            </a:r>
-            <a:endParaRPr lang="zh-CN" altLang="en-US" sz="2000" b="1" dirty="0"/>
-          </a:p>
-        </p:txBody>
-      </p:sp>
-      <p:sp>
-        <p:nvSpPr>
-          <p:cNvPr id="7" name="圆角矩形 6"/>
-          <p:cNvSpPr/>
-          <p:nvPr/>
-        </p:nvSpPr>
-        <p:spPr>
-          <a:xfrm>
-            <a:off x="1948739" y="4799260"/>
-            <a:ext cx="5853348" cy="955963"/>
-          </a:xfrm>
-          <a:prstGeom prst="roundRect">
-            <a:avLst/>
-          </a:prstGeom>
-        </p:spPr>
-        <p:style>
-          <a:lnRef idx="3">
-            <a:schemeClr val="lt1"/>
-          </a:lnRef>
-          <a:fillRef idx="1">
-            <a:schemeClr val="accent5"/>
-          </a:fillRef>
-          <a:effectRef idx="1">
-            <a:schemeClr val="accent5"/>
-          </a:effectRef>
-          <a:fontRef idx="minor">
-            <a:schemeClr val="lt1"/>
-          </a:fontRef>
-        </p:style>
-        <p:txBody>
-          <a:bodyPr rtlCol="0" anchor="ctr"/>
-          <a:lstStyle/>
-          <a:p>
-            <a:pPr algn="ctr"/>
-            <a:r>
-              <a:rPr lang="zh-CN" altLang="en-US" sz="2000" b="1" dirty="0">
-                <a:solidFill>
-                  <a:srgbClr val="000000"/>
-                </a:solidFill>
-                <a:latin typeface="华文中宋"/>
-                <a:ea typeface="华文中宋"/>
-              </a:rPr>
-              <a:t>实现基于改进的</a:t>
-            </a:r>
-            <a:r>
-              <a:rPr lang="en-US" altLang="zh-CN" sz="2000" b="1" dirty="0">
-                <a:solidFill>
-                  <a:srgbClr val="000000"/>
-                </a:solidFill>
-                <a:latin typeface="华文中宋"/>
-                <a:ea typeface="华文中宋"/>
-              </a:rPr>
-              <a:t>YARN</a:t>
-            </a:r>
-            <a:r>
-              <a:rPr lang="zh-CN" altLang="en-US" sz="2000" b="1" dirty="0">
-                <a:solidFill>
-                  <a:srgbClr val="000000"/>
-                </a:solidFill>
-                <a:latin typeface="华文中宋"/>
-                <a:ea typeface="华文中宋"/>
-              </a:rPr>
-              <a:t>平台的</a:t>
-            </a:r>
-            <a:r>
-              <a:rPr lang="en-US" altLang="zh-CN" sz="2000" b="1" dirty="0">
-                <a:solidFill>
-                  <a:srgbClr val="000000"/>
-                </a:solidFill>
-                <a:latin typeface="华文中宋"/>
-                <a:ea typeface="华文中宋"/>
-              </a:rPr>
-              <a:t>PKTM</a:t>
-            </a:r>
-            <a:r>
-              <a:rPr lang="zh-CN" altLang="en-US" sz="2000" b="1" dirty="0">
-                <a:solidFill>
-                  <a:srgbClr val="000000"/>
-                </a:solidFill>
-                <a:latin typeface="华文中宋"/>
-                <a:ea typeface="华文中宋"/>
-              </a:rPr>
-              <a:t>系统</a:t>
-            </a:r>
-            <a:endParaRPr lang="zh-CN" altLang="en-US" sz="2000" b="1" dirty="0"/>
-          </a:p>
-        </p:txBody>
-      </p:sp>
-      <p:sp>
-        <p:nvSpPr>
-          <p:cNvPr id="8" name="圆角矩形 7"/>
-          <p:cNvSpPr/>
-          <p:nvPr/>
-        </p:nvSpPr>
-        <p:spPr>
-          <a:xfrm>
-            <a:off x="477321" y="1671651"/>
-            <a:ext cx="1471417" cy="766697"/>
-          </a:xfrm>
-          <a:prstGeom prst="roundRect">
-            <a:avLst/>
-          </a:prstGeom>
-          <a:solidFill>
-            <a:srgbClr val="00B050"/>
-          </a:solidFill>
-        </p:spPr>
-        <p:style>
-          <a:lnRef idx="3">
-            <a:schemeClr val="lt1"/>
-          </a:lnRef>
-          <a:fillRef idx="1">
-            <a:schemeClr val="accent6"/>
-          </a:fillRef>
-          <a:effectRef idx="1">
-            <a:schemeClr val="accent6"/>
-          </a:effectRef>
-          <a:fontRef idx="minor">
-            <a:schemeClr val="lt1"/>
-          </a:fontRef>
-        </p:style>
-        <p:txBody>
-          <a:bodyPr rtlCol="0" anchor="ctr"/>
-          <a:lstStyle/>
-          <a:p>
-            <a:pPr algn="ctr"/>
-            <a:r>
-              <a:rPr lang="zh-CN" altLang="en-US" sz="3200" b="1" dirty="0">
-                <a:solidFill>
-                  <a:srgbClr val="000000"/>
-                </a:solidFill>
-                <a:latin typeface="华文中宋"/>
-                <a:ea typeface="华文中宋"/>
-              </a:rPr>
-              <a:t>总结</a:t>
-            </a:r>
-            <a:endParaRPr lang="zh-CN" altLang="en-US" sz="3200" b="1" dirty="0"/>
-          </a:p>
-        </p:txBody>
-      </p:sp>
-      <p:cxnSp>
-        <p:nvCxnSpPr>
-          <p:cNvPr id="3" name="直接连接符 2"/>
-          <p:cNvCxnSpPr/>
-          <p:nvPr/>
-        </p:nvCxnSpPr>
-        <p:spPr>
-          <a:xfrm flipH="1">
-            <a:off x="1199408" y="2473730"/>
-            <a:ext cx="12462" cy="2803511"/>
-          </a:xfrm>
-          <a:prstGeom prst="line">
-            <a:avLst/>
-          </a:prstGeom>
-          <a:ln w="38100">
-            <a:solidFill>
-              <a:schemeClr val="tx1"/>
-            </a:solidFill>
-          </a:ln>
-        </p:spPr>
-        <p:style>
-          <a:lnRef idx="1">
-            <a:schemeClr val="accent1"/>
-          </a:lnRef>
-          <a:fillRef idx="0">
-            <a:schemeClr val="accent1"/>
-          </a:fillRef>
-          <a:effectRef idx="0">
-            <a:schemeClr val="accent1"/>
-          </a:effectRef>
-          <a:fontRef idx="minor">
-            <a:schemeClr val="tx1"/>
-          </a:fontRef>
-        </p:style>
-      </p:cxnSp>
-      <p:cxnSp>
-        <p:nvCxnSpPr>
-          <p:cNvPr id="9" name="直接连接符 8"/>
-          <p:cNvCxnSpPr>
-            <a:endCxn id="5" idx="1"/>
-          </p:cNvCxnSpPr>
-          <p:nvPr/>
-        </p:nvCxnSpPr>
-        <p:spPr>
-          <a:xfrm>
-            <a:off x="1213029" y="2961779"/>
-            <a:ext cx="735709" cy="0"/>
-          </a:xfrm>
-          <a:prstGeom prst="line">
-            <a:avLst/>
-          </a:prstGeom>
-          <a:ln w="38100">
-            <a:solidFill>
-              <a:schemeClr val="tx1"/>
-            </a:solidFill>
-          </a:ln>
-        </p:spPr>
-        <p:style>
-          <a:lnRef idx="1">
-            <a:schemeClr val="accent1"/>
-          </a:lnRef>
-          <a:fillRef idx="0">
-            <a:schemeClr val="accent1"/>
-          </a:fillRef>
-          <a:effectRef idx="0">
-            <a:schemeClr val="accent1"/>
-          </a:effectRef>
-          <a:fontRef idx="minor">
-            <a:schemeClr val="tx1"/>
-          </a:fontRef>
-        </p:style>
-      </p:cxnSp>
-      <p:cxnSp>
-        <p:nvCxnSpPr>
-          <p:cNvPr id="13" name="直接连接符 12"/>
-          <p:cNvCxnSpPr/>
-          <p:nvPr/>
-        </p:nvCxnSpPr>
-        <p:spPr>
-          <a:xfrm>
-            <a:off x="1213029" y="4124543"/>
-            <a:ext cx="735709" cy="0"/>
-          </a:xfrm>
-          <a:prstGeom prst="line">
-            <a:avLst/>
-          </a:prstGeom>
-          <a:ln w="38100">
-            <a:solidFill>
-              <a:schemeClr val="tx1"/>
-            </a:solidFill>
-          </a:ln>
-        </p:spPr>
-        <p:style>
-          <a:lnRef idx="1">
-            <a:schemeClr val="accent1"/>
-          </a:lnRef>
-          <a:fillRef idx="0">
-            <a:schemeClr val="accent1"/>
-          </a:fillRef>
-          <a:effectRef idx="0">
-            <a:schemeClr val="accent1"/>
-          </a:effectRef>
-          <a:fontRef idx="minor">
-            <a:schemeClr val="tx1"/>
-          </a:fontRef>
-        </p:style>
-      </p:cxnSp>
-      <p:cxnSp>
-        <p:nvCxnSpPr>
-          <p:cNvPr id="14" name="直接连接符 13"/>
-          <p:cNvCxnSpPr/>
-          <p:nvPr/>
-        </p:nvCxnSpPr>
-        <p:spPr>
-          <a:xfrm>
-            <a:off x="1199408" y="5277241"/>
-            <a:ext cx="735709" cy="0"/>
-          </a:xfrm>
-          <a:prstGeom prst="line">
-            <a:avLst/>
-          </a:prstGeom>
-          <a:ln w="38100">
-            <a:solidFill>
-              <a:schemeClr val="tx1"/>
-            </a:solidFill>
-          </a:ln>
-        </p:spPr>
-        <p:style>
-          <a:lnRef idx="1">
-            <a:schemeClr val="accent1"/>
-          </a:lnRef>
-          <a:fillRef idx="0">
-            <a:schemeClr val="accent1"/>
-          </a:fillRef>
-          <a:effectRef idx="0">
-            <a:schemeClr val="accent1"/>
-          </a:effectRef>
-          <a:fontRef idx="minor">
-            <a:schemeClr val="tx1"/>
-          </a:fontRef>
-        </p:style>
-      </p:cxnSp>
-    </p:spTree>
   </p:cSld>
   <p:clrMapOvr>
     <a:masterClrMapping/>
@@ -39937,11 +39887,11 @@
               </a:lnSpc>
             </a:pPr>
             <a:r>
-              <a:rPr lang="zh-CN" altLang="en-US" sz="3200" b="1" dirty="0">
+              <a:rPr lang="zh-CN" sz="3200" b="1" dirty="0">
                 <a:latin typeface="华文中宋"/>
                 <a:ea typeface="华文中宋"/>
               </a:rPr>
-              <a:t>展望</a:t>
+              <a:t>总结</a:t>
             </a:r>
             <a:endParaRPr b="1" dirty="0"/>
           </a:p>
@@ -39992,6 +39942,623 @@
                 <a:latin typeface="Arial"/>
               </a:rPr>
               <a:t>50</a:t>
+            </a:fld>
+            <a:endParaRPr/>
+          </a:p>
+        </p:txBody>
+      </p:sp>
+      <p:sp>
+        <p:nvSpPr>
+          <p:cNvPr id="5" name="圆角矩形 4"/>
+          <p:cNvSpPr/>
+          <p:nvPr/>
+        </p:nvSpPr>
+        <p:spPr>
+          <a:xfrm>
+            <a:off x="1948738" y="2473730"/>
+            <a:ext cx="5853349" cy="976098"/>
+          </a:xfrm>
+          <a:prstGeom prst="roundRect">
+            <a:avLst/>
+          </a:prstGeom>
+        </p:spPr>
+        <p:style>
+          <a:lnRef idx="3">
+            <a:schemeClr val="lt1"/>
+          </a:lnRef>
+          <a:fillRef idx="1">
+            <a:schemeClr val="accent6"/>
+          </a:fillRef>
+          <a:effectRef idx="1">
+            <a:schemeClr val="accent6"/>
+          </a:effectRef>
+          <a:fontRef idx="minor">
+            <a:schemeClr val="lt1"/>
+          </a:fontRef>
+        </p:style>
+        <p:txBody>
+          <a:bodyPr rtlCol="0" anchor="ctr"/>
+          <a:lstStyle/>
+          <a:p>
+            <a:pPr algn="ctr"/>
+            <a:r>
+              <a:rPr lang="zh-CN" altLang="en-US" sz="2000" b="1" dirty="0">
+                <a:solidFill>
+                  <a:srgbClr val="000000"/>
+                </a:solidFill>
+                <a:latin typeface="华文中宋"/>
+                <a:ea typeface="华文中宋"/>
+              </a:rPr>
+              <a:t>提出一种基于人工鱼群算法的</a:t>
+            </a:r>
+            <a:r>
+              <a:rPr lang="en-US" altLang="zh-CN" sz="2000" b="1" dirty="0">
+                <a:solidFill>
+                  <a:srgbClr val="000000"/>
+                </a:solidFill>
+                <a:latin typeface="华文中宋"/>
+                <a:ea typeface="华文中宋"/>
+              </a:rPr>
+              <a:t>YARN</a:t>
+            </a:r>
+            <a:r>
+              <a:rPr lang="zh-CN" altLang="en-US" sz="2000" b="1" dirty="0">
+                <a:solidFill>
+                  <a:srgbClr val="000000"/>
+                </a:solidFill>
+                <a:latin typeface="华文中宋"/>
+                <a:ea typeface="华文中宋"/>
+              </a:rPr>
+              <a:t>资源调度器，提高了</a:t>
+            </a:r>
+            <a:r>
+              <a:rPr lang="en-US" altLang="zh-CN" sz="2000" b="1" dirty="0">
+                <a:solidFill>
+                  <a:srgbClr val="000000"/>
+                </a:solidFill>
+                <a:latin typeface="华文中宋"/>
+                <a:ea typeface="华文中宋"/>
+              </a:rPr>
+              <a:t>YARN</a:t>
+            </a:r>
+            <a:r>
+              <a:rPr lang="zh-CN" altLang="en-US" sz="2000" b="1" dirty="0">
+                <a:solidFill>
+                  <a:srgbClr val="000000"/>
+                </a:solidFill>
+                <a:latin typeface="华文中宋"/>
+                <a:ea typeface="华文中宋"/>
+              </a:rPr>
+              <a:t>集群运行效率</a:t>
+            </a:r>
+            <a:endParaRPr lang="en-US" altLang="zh-CN" sz="2000" b="1" dirty="0">
+              <a:solidFill>
+                <a:srgbClr val="000000"/>
+              </a:solidFill>
+              <a:latin typeface="华文中宋"/>
+              <a:ea typeface="华文中宋"/>
+            </a:endParaRPr>
+          </a:p>
+        </p:txBody>
+      </p:sp>
+      <p:sp>
+        <p:nvSpPr>
+          <p:cNvPr id="6" name="圆角矩形 5"/>
+          <p:cNvSpPr/>
+          <p:nvPr/>
+        </p:nvSpPr>
+        <p:spPr>
+          <a:xfrm>
+            <a:off x="1948739" y="3646562"/>
+            <a:ext cx="5853348" cy="955963"/>
+          </a:xfrm>
+          <a:prstGeom prst="roundRect">
+            <a:avLst/>
+          </a:prstGeom>
+        </p:spPr>
+        <p:style>
+          <a:lnRef idx="3">
+            <a:schemeClr val="lt1"/>
+          </a:lnRef>
+          <a:fillRef idx="1">
+            <a:schemeClr val="accent3"/>
+          </a:fillRef>
+          <a:effectRef idx="1">
+            <a:schemeClr val="accent3"/>
+          </a:effectRef>
+          <a:fontRef idx="minor">
+            <a:schemeClr val="lt1"/>
+          </a:fontRef>
+        </p:style>
+        <p:txBody>
+          <a:bodyPr rtlCol="0" anchor="ctr"/>
+          <a:lstStyle/>
+          <a:p>
+            <a:pPr algn="ctr"/>
+            <a:r>
+              <a:rPr lang="zh-CN" altLang="en-US" sz="2000" b="1" dirty="0">
+                <a:solidFill>
+                  <a:srgbClr val="000000"/>
+                </a:solidFill>
+                <a:latin typeface="华文中宋"/>
+                <a:ea typeface="华文中宋"/>
+              </a:rPr>
+              <a:t>提出基于</a:t>
+            </a:r>
+            <a:r>
+              <a:rPr lang="en-US" altLang="zh-CN" sz="2000" b="1" dirty="0">
+                <a:solidFill>
+                  <a:srgbClr val="000000"/>
+                </a:solidFill>
+                <a:latin typeface="华文中宋"/>
+                <a:ea typeface="华文中宋"/>
+              </a:rPr>
+              <a:t>RDMA</a:t>
+            </a:r>
+            <a:r>
+              <a:rPr lang="zh-CN" altLang="en-US" sz="2000" b="1" dirty="0">
+                <a:solidFill>
+                  <a:srgbClr val="000000"/>
+                </a:solidFill>
+                <a:latin typeface="华文中宋"/>
+                <a:ea typeface="华文中宋"/>
+              </a:rPr>
+              <a:t>传输协议的</a:t>
+            </a:r>
+            <a:r>
+              <a:rPr lang="en-US" altLang="zh-CN" sz="2000" b="1" dirty="0">
+                <a:solidFill>
+                  <a:srgbClr val="000000"/>
+                </a:solidFill>
+                <a:latin typeface="华文中宋"/>
+                <a:ea typeface="华文中宋"/>
+              </a:rPr>
+              <a:t>YARN</a:t>
+            </a:r>
+            <a:r>
+              <a:rPr lang="zh-CN" altLang="en-US" sz="2000" b="1" dirty="0">
+                <a:solidFill>
+                  <a:srgbClr val="000000"/>
+                </a:solidFill>
+                <a:latin typeface="华文中宋"/>
+                <a:ea typeface="华文中宋"/>
+              </a:rPr>
+              <a:t>平台</a:t>
+            </a:r>
+            <a:r>
+              <a:rPr lang="en-US" altLang="zh-CN" sz="2000" b="1" dirty="0">
+                <a:solidFill>
+                  <a:srgbClr val="000000"/>
+                </a:solidFill>
+                <a:latin typeface="华文中宋"/>
+                <a:ea typeface="华文中宋"/>
+              </a:rPr>
+              <a:t>Shuffle</a:t>
+            </a:r>
+            <a:r>
+              <a:rPr lang="zh-CN" altLang="en-US" sz="2000" b="1" dirty="0">
+                <a:solidFill>
+                  <a:srgbClr val="000000"/>
+                </a:solidFill>
+                <a:latin typeface="华文中宋"/>
+                <a:ea typeface="华文中宋"/>
+              </a:rPr>
+              <a:t>算法改进，提高了数据的传输速率</a:t>
+            </a:r>
+            <a:endParaRPr lang="zh-CN" altLang="en-US" sz="2000" b="1" dirty="0"/>
+          </a:p>
+        </p:txBody>
+      </p:sp>
+      <p:sp>
+        <p:nvSpPr>
+          <p:cNvPr id="7" name="圆角矩形 6"/>
+          <p:cNvSpPr/>
+          <p:nvPr/>
+        </p:nvSpPr>
+        <p:spPr>
+          <a:xfrm>
+            <a:off x="1948739" y="4799260"/>
+            <a:ext cx="5853348" cy="955963"/>
+          </a:xfrm>
+          <a:prstGeom prst="roundRect">
+            <a:avLst/>
+          </a:prstGeom>
+        </p:spPr>
+        <p:style>
+          <a:lnRef idx="3">
+            <a:schemeClr val="lt1"/>
+          </a:lnRef>
+          <a:fillRef idx="1">
+            <a:schemeClr val="accent5"/>
+          </a:fillRef>
+          <a:effectRef idx="1">
+            <a:schemeClr val="accent5"/>
+          </a:effectRef>
+          <a:fontRef idx="minor">
+            <a:schemeClr val="lt1"/>
+          </a:fontRef>
+        </p:style>
+        <p:txBody>
+          <a:bodyPr rtlCol="0" anchor="ctr"/>
+          <a:lstStyle/>
+          <a:p>
+            <a:pPr algn="ctr"/>
+            <a:r>
+              <a:rPr lang="zh-CN" altLang="en-US" sz="2000" b="1" dirty="0">
+                <a:solidFill>
+                  <a:srgbClr val="000000"/>
+                </a:solidFill>
+                <a:latin typeface="华文中宋"/>
+                <a:ea typeface="华文中宋"/>
+              </a:rPr>
+              <a:t>实现基于改进的</a:t>
+            </a:r>
+            <a:r>
+              <a:rPr lang="en-US" altLang="zh-CN" sz="2000" b="1" dirty="0">
+                <a:solidFill>
+                  <a:srgbClr val="000000"/>
+                </a:solidFill>
+                <a:latin typeface="华文中宋"/>
+                <a:ea typeface="华文中宋"/>
+              </a:rPr>
+              <a:t>YARN</a:t>
+            </a:r>
+            <a:r>
+              <a:rPr lang="zh-CN" altLang="en-US" sz="2000" b="1" dirty="0">
+                <a:solidFill>
+                  <a:srgbClr val="000000"/>
+                </a:solidFill>
+                <a:latin typeface="华文中宋"/>
+                <a:ea typeface="华文中宋"/>
+              </a:rPr>
+              <a:t>平台的</a:t>
+            </a:r>
+            <a:r>
+              <a:rPr lang="en-US" altLang="zh-CN" sz="2000" b="1" dirty="0">
+                <a:solidFill>
+                  <a:srgbClr val="000000"/>
+                </a:solidFill>
+                <a:latin typeface="华文中宋"/>
+                <a:ea typeface="华文中宋"/>
+              </a:rPr>
+              <a:t>PKTM</a:t>
+            </a:r>
+            <a:r>
+              <a:rPr lang="zh-CN" altLang="en-US" sz="2000" b="1" dirty="0">
+                <a:solidFill>
+                  <a:srgbClr val="000000"/>
+                </a:solidFill>
+                <a:latin typeface="华文中宋"/>
+                <a:ea typeface="华文中宋"/>
+              </a:rPr>
+              <a:t>系统，加速了</a:t>
+            </a:r>
+            <a:r>
+              <a:rPr lang="en-US" altLang="zh-CN" sz="2000" b="1" dirty="0">
+                <a:solidFill>
+                  <a:srgbClr val="000000"/>
+                </a:solidFill>
+                <a:latin typeface="华文中宋"/>
+                <a:ea typeface="华文中宋"/>
+              </a:rPr>
+              <a:t>PKTM</a:t>
+            </a:r>
+            <a:r>
+              <a:rPr lang="zh-CN" altLang="en-US" sz="2000" b="1">
+                <a:solidFill>
+                  <a:srgbClr val="000000"/>
+                </a:solidFill>
+                <a:latin typeface="华文中宋"/>
+                <a:ea typeface="华文中宋"/>
+              </a:rPr>
+              <a:t>算法的运行速率以及提高了稳定性</a:t>
+            </a:r>
+            <a:endParaRPr lang="zh-CN" altLang="en-US" sz="2000" b="1" dirty="0"/>
+          </a:p>
+        </p:txBody>
+      </p:sp>
+      <p:sp>
+        <p:nvSpPr>
+          <p:cNvPr id="8" name="圆角矩形 7"/>
+          <p:cNvSpPr/>
+          <p:nvPr/>
+        </p:nvSpPr>
+        <p:spPr>
+          <a:xfrm>
+            <a:off x="477321" y="1671651"/>
+            <a:ext cx="1471417" cy="766697"/>
+          </a:xfrm>
+          <a:prstGeom prst="roundRect">
+            <a:avLst/>
+          </a:prstGeom>
+          <a:solidFill>
+            <a:srgbClr val="00B050"/>
+          </a:solidFill>
+        </p:spPr>
+        <p:style>
+          <a:lnRef idx="3">
+            <a:schemeClr val="lt1"/>
+          </a:lnRef>
+          <a:fillRef idx="1">
+            <a:schemeClr val="accent6"/>
+          </a:fillRef>
+          <a:effectRef idx="1">
+            <a:schemeClr val="accent6"/>
+          </a:effectRef>
+          <a:fontRef idx="minor">
+            <a:schemeClr val="lt1"/>
+          </a:fontRef>
+        </p:style>
+        <p:txBody>
+          <a:bodyPr rtlCol="0" anchor="ctr"/>
+          <a:lstStyle/>
+          <a:p>
+            <a:pPr algn="ctr"/>
+            <a:r>
+              <a:rPr lang="zh-CN" altLang="en-US" sz="3200" b="1" dirty="0">
+                <a:solidFill>
+                  <a:srgbClr val="000000"/>
+                </a:solidFill>
+                <a:latin typeface="华文中宋"/>
+                <a:ea typeface="华文中宋"/>
+              </a:rPr>
+              <a:t>总结</a:t>
+            </a:r>
+            <a:endParaRPr lang="zh-CN" altLang="en-US" sz="3200" b="1" dirty="0"/>
+          </a:p>
+        </p:txBody>
+      </p:sp>
+      <p:cxnSp>
+        <p:nvCxnSpPr>
+          <p:cNvPr id="3" name="直接连接符 2"/>
+          <p:cNvCxnSpPr/>
+          <p:nvPr/>
+        </p:nvCxnSpPr>
+        <p:spPr>
+          <a:xfrm flipH="1">
+            <a:off x="1199408" y="2473730"/>
+            <a:ext cx="12462" cy="2803511"/>
+          </a:xfrm>
+          <a:prstGeom prst="line">
+            <a:avLst/>
+          </a:prstGeom>
+          <a:ln w="38100">
+            <a:solidFill>
+              <a:schemeClr val="tx1"/>
+            </a:solidFill>
+          </a:ln>
+        </p:spPr>
+        <p:style>
+          <a:lnRef idx="1">
+            <a:schemeClr val="accent1"/>
+          </a:lnRef>
+          <a:fillRef idx="0">
+            <a:schemeClr val="accent1"/>
+          </a:fillRef>
+          <a:effectRef idx="0">
+            <a:schemeClr val="accent1"/>
+          </a:effectRef>
+          <a:fontRef idx="minor">
+            <a:schemeClr val="tx1"/>
+          </a:fontRef>
+        </p:style>
+      </p:cxnSp>
+      <p:cxnSp>
+        <p:nvCxnSpPr>
+          <p:cNvPr id="9" name="直接连接符 8"/>
+          <p:cNvCxnSpPr>
+            <a:endCxn id="5" idx="1"/>
+          </p:cNvCxnSpPr>
+          <p:nvPr/>
+        </p:nvCxnSpPr>
+        <p:spPr>
+          <a:xfrm>
+            <a:off x="1213029" y="2961779"/>
+            <a:ext cx="735709" cy="0"/>
+          </a:xfrm>
+          <a:prstGeom prst="line">
+            <a:avLst/>
+          </a:prstGeom>
+          <a:ln w="38100">
+            <a:solidFill>
+              <a:schemeClr val="tx1"/>
+            </a:solidFill>
+          </a:ln>
+        </p:spPr>
+        <p:style>
+          <a:lnRef idx="1">
+            <a:schemeClr val="accent1"/>
+          </a:lnRef>
+          <a:fillRef idx="0">
+            <a:schemeClr val="accent1"/>
+          </a:fillRef>
+          <a:effectRef idx="0">
+            <a:schemeClr val="accent1"/>
+          </a:effectRef>
+          <a:fontRef idx="minor">
+            <a:schemeClr val="tx1"/>
+          </a:fontRef>
+        </p:style>
+      </p:cxnSp>
+      <p:cxnSp>
+        <p:nvCxnSpPr>
+          <p:cNvPr id="13" name="直接连接符 12"/>
+          <p:cNvCxnSpPr/>
+          <p:nvPr/>
+        </p:nvCxnSpPr>
+        <p:spPr>
+          <a:xfrm>
+            <a:off x="1213029" y="4124543"/>
+            <a:ext cx="735709" cy="0"/>
+          </a:xfrm>
+          <a:prstGeom prst="line">
+            <a:avLst/>
+          </a:prstGeom>
+          <a:ln w="38100">
+            <a:solidFill>
+              <a:schemeClr val="tx1"/>
+            </a:solidFill>
+          </a:ln>
+        </p:spPr>
+        <p:style>
+          <a:lnRef idx="1">
+            <a:schemeClr val="accent1"/>
+          </a:lnRef>
+          <a:fillRef idx="0">
+            <a:schemeClr val="accent1"/>
+          </a:fillRef>
+          <a:effectRef idx="0">
+            <a:schemeClr val="accent1"/>
+          </a:effectRef>
+          <a:fontRef idx="minor">
+            <a:schemeClr val="tx1"/>
+          </a:fontRef>
+        </p:style>
+      </p:cxnSp>
+      <p:cxnSp>
+        <p:nvCxnSpPr>
+          <p:cNvPr id="14" name="直接连接符 13"/>
+          <p:cNvCxnSpPr/>
+          <p:nvPr/>
+        </p:nvCxnSpPr>
+        <p:spPr>
+          <a:xfrm>
+            <a:off x="1199408" y="5277241"/>
+            <a:ext cx="735709" cy="0"/>
+          </a:xfrm>
+          <a:prstGeom prst="line">
+            <a:avLst/>
+          </a:prstGeom>
+          <a:ln w="38100">
+            <a:solidFill>
+              <a:schemeClr val="tx1"/>
+            </a:solidFill>
+          </a:ln>
+        </p:spPr>
+        <p:style>
+          <a:lnRef idx="1">
+            <a:schemeClr val="accent1"/>
+          </a:lnRef>
+          <a:fillRef idx="0">
+            <a:schemeClr val="accent1"/>
+          </a:fillRef>
+          <a:effectRef idx="0">
+            <a:schemeClr val="accent1"/>
+          </a:effectRef>
+          <a:fontRef idx="minor">
+            <a:schemeClr val="tx1"/>
+          </a:fontRef>
+        </p:style>
+      </p:cxnSp>
+    </p:spTree>
+  </p:cSld>
+  <p:clrMapOvr>
+    <a:masterClrMapping/>
+  </p:clrMapOvr>
+</p:sld>
+</file>
+
+<file path=ppt/slides/slide51.xml><?xml version="1.0" encoding="utf-8"?>
+<p:sld xmlns:a="http://schemas.openxmlformats.org/drawingml/2006/main" xmlns:r="http://schemas.openxmlformats.org/officeDocument/2006/relationships" xmlns:p="http://schemas.openxmlformats.org/presentationml/2006/main">
+  <p:cSld>
+    <p:spTree>
+      <p:nvGrpSpPr>
+        <p:cNvPr id="1" name=""/>
+        <p:cNvGrpSpPr/>
+        <p:nvPr/>
+      </p:nvGrpSpPr>
+      <p:grpSpPr>
+        <a:xfrm>
+          <a:off x="0" y="0"/>
+          <a:ext cx="0" cy="0"/>
+          <a:chOff x="0" y="0"/>
+          <a:chExt cx="0" cy="0"/>
+        </a:xfrm>
+      </p:grpSpPr>
+      <p:sp>
+        <p:nvSpPr>
+          <p:cNvPr id="339" name="TextShape 1"/>
+          <p:cNvSpPr txBox="1"/>
+          <p:nvPr/>
+        </p:nvSpPr>
+        <p:spPr>
+          <a:xfrm>
+            <a:off x="1042920" y="404280"/>
+            <a:ext cx="5616720" cy="576360"/>
+          </a:xfrm>
+          <a:prstGeom prst="rect">
+            <a:avLst/>
+          </a:prstGeom>
+          <a:noFill/>
+          <a:ln>
+            <a:noFill/>
+          </a:ln>
+        </p:spPr>
+        <p:txBody>
+          <a:bodyPr anchor="b"/>
+          <a:lstStyle/>
+          <a:p>
+            <a:pPr algn="ctr">
+              <a:lnSpc>
+                <a:spcPct val="100000"/>
+              </a:lnSpc>
+            </a:pPr>
+            <a:r>
+              <a:rPr lang="zh-CN" altLang="en-US" sz="3200" b="1" dirty="0">
+                <a:latin typeface="华文中宋"/>
+                <a:ea typeface="华文中宋"/>
+              </a:rPr>
+              <a:t>展望</a:t>
+            </a:r>
+            <a:endParaRPr b="1" dirty="0"/>
+          </a:p>
+        </p:txBody>
+      </p:sp>
+      <p:sp>
+        <p:nvSpPr>
+          <p:cNvPr id="341" name="CustomShape 3"/>
+          <p:cNvSpPr/>
+          <p:nvPr/>
+        </p:nvSpPr>
+        <p:spPr>
+          <a:xfrm>
+            <a:off x="7524720" y="6284880"/>
+            <a:ext cx="933480" cy="457200"/>
+          </a:xfrm>
+          <a:prstGeom prst="rect">
+            <a:avLst/>
+          </a:prstGeom>
+          <a:noFill/>
+          <a:ln>
+            <a:noFill/>
+          </a:ln>
+        </p:spPr>
+        <p:style>
+          <a:lnRef idx="0">
+            <a:scrgbClr r="0" g="0" b="0"/>
+          </a:lnRef>
+          <a:fillRef idx="0">
+            <a:scrgbClr r="0" g="0" b="0"/>
+          </a:fillRef>
+          <a:effectRef idx="0">
+            <a:scrgbClr r="0" g="0" b="0"/>
+          </a:effectRef>
+          <a:fontRef idx="minor"/>
+        </p:style>
+        <p:txBody>
+          <a:bodyPr lIns="90000" tIns="46800" rIns="90000" bIns="46800"/>
+          <a:lstStyle/>
+          <a:p>
+            <a:pPr algn="r">
+              <a:lnSpc>
+                <a:spcPct val="100000"/>
+              </a:lnSpc>
+            </a:pPr>
+            <a:fld id="{80CAEB57-AD67-4CC2-9A33-D5D5F7EB4BE0}" type="slidenum">
+              <a:rPr lang="en-US" sz="1600">
+                <a:latin typeface="Arial"/>
+              </a:rPr>
+              <a:t>51</a:t>
             </a:fld>
             <a:endParaRPr/>
           </a:p>
@@ -40612,7 +41179,7 @@
 </p:sld>
 </file>
 
-<file path=ppt/slides/slide51.xml><?xml version="1.0" encoding="utf-8"?>
+<file path=ppt/slides/slide52.xml><?xml version="1.0" encoding="utf-8"?>
 <p:sld xmlns:a="http://schemas.openxmlformats.org/drawingml/2006/main" xmlns:r="http://schemas.openxmlformats.org/officeDocument/2006/relationships" xmlns:p="http://schemas.openxmlformats.org/presentationml/2006/main" show="0">
   <p:cSld>
     <p:spTree>
@@ -41017,7 +41584,7 @@
               <a:rPr lang="en-US" sz="1600">
                 <a:latin typeface="Arial"/>
               </a:rPr>
-              <a:t>51</a:t>
+              <a:t>52</a:t>
             </a:fld>
             <a:endParaRPr/>
           </a:p>
@@ -41036,7 +41603,7 @@
 </p:sld>
 </file>
 
-<file path=ppt/slides/slide52.xml><?xml version="1.0" encoding="utf-8"?>
+<file path=ppt/slides/slide53.xml><?xml version="1.0" encoding="utf-8"?>
 <p:sld xmlns:a="http://schemas.openxmlformats.org/drawingml/2006/main" xmlns:r="http://schemas.openxmlformats.org/officeDocument/2006/relationships" xmlns:p="http://schemas.openxmlformats.org/presentationml/2006/main">
   <p:cSld>
     <p:spTree>
@@ -41097,7 +41664,7 @@
               <a:rPr lang="en-US" sz="1600">
                 <a:latin typeface="Arial"/>
               </a:rPr>
-              <a:t>52</a:t>
+              <a:t>53</a:t>
             </a:fld>
             <a:endParaRPr/>
           </a:p>
@@ -41482,7 +42049,7 @@
 </p:sld>
 </file>
 
-<file path=ppt/slides/slide53.xml><?xml version="1.0" encoding="utf-8"?>
+<file path=ppt/slides/slide54.xml><?xml version="1.0" encoding="utf-8"?>
 <p:sld xmlns:a="http://schemas.openxmlformats.org/drawingml/2006/main" xmlns:r="http://schemas.openxmlformats.org/officeDocument/2006/relationships" xmlns:p="http://schemas.openxmlformats.org/presentationml/2006/main">
   <p:cSld>
     <p:spTree>
@@ -41582,7 +42149,7 @@
               <a:rPr lang="en-US" sz="1600">
                 <a:latin typeface="Arial"/>
               </a:rPr>
-              <a:t>53</a:t>
+              <a:t>54</a:t>
             </a:fld>
             <a:endParaRPr/>
           </a:p>
@@ -42045,7 +42612,7 @@
 </p:sld>
 </file>
 
-<file path=ppt/slides/slide54.xml><?xml version="1.0" encoding="utf-8"?>
+<file path=ppt/slides/slide55.xml><?xml version="1.0" encoding="utf-8"?>
 <p:sld xmlns:a="http://schemas.openxmlformats.org/drawingml/2006/main" xmlns:r="http://schemas.openxmlformats.org/officeDocument/2006/relationships" xmlns:p="http://schemas.openxmlformats.org/presentationml/2006/main">
   <p:cSld>
     <p:spTree>
@@ -42106,7 +42673,7 @@
               <a:rPr lang="en-US" sz="1600">
                 <a:latin typeface="Arial"/>
               </a:rPr>
-              <a:t>54</a:t>
+              <a:t>55</a:t>
             </a:fld>
             <a:endParaRPr/>
           </a:p>
